--- a/help/data-sheets/assets/OnlineSupportDatasheet.pptx
+++ b/help/data-sheets/assets/OnlineSupportDatasheet.pptx
@@ -128,51 +128,6 @@
 </p:presentation>
 </file>
 
-<file path=ppt/revisionInfo.xml><?xml version="1.0" encoding="utf-8"?>
-<p1510:revInfo xmlns:a="http://schemas.openxmlformats.org/drawingml/2006/main" xmlns:r="http://schemas.openxmlformats.org/officeDocument/2006/relationships" xmlns:p1510="http://schemas.microsoft.com/office/powerpoint/2015/10/main">
-  <p1510:revLst>
-    <p1510:client id="{5343DD59-8FB2-7AAD-1875-255EDB54B98D}" v="367" dt="2021-09-22T18:47:16.489"/>
-  </p1510:revLst>
-</p1510:revInfo>
-</file>
-
-<file path=ppt/changesInfos/changesInfo1.xml><?xml version="1.0" encoding="utf-8"?>
-<pc:chgInfo xmlns:a="http://schemas.openxmlformats.org/drawingml/2006/main" xmlns:r="http://schemas.openxmlformats.org/officeDocument/2006/relationships" xmlns:ac="http://schemas.microsoft.com/office/drawing/2013/main/command" xmlns:pc="http://schemas.microsoft.com/office/powerpoint/2013/main/command">
-  <pc:docChgLst>
-    <pc:chgData name="Akilah Johnson" userId="S::akjohnso@adobe.com::2fa3aa60-0c9c-4d06-bae2-795983241227" providerId="AD" clId="Web-{5343DD59-8FB2-7AAD-1875-255EDB54B98D}"/>
-    <pc:docChg chg="modSld">
-      <pc:chgData name="Akilah Johnson" userId="S::akjohnso@adobe.com::2fa3aa60-0c9c-4d06-bae2-795983241227" providerId="AD" clId="Web-{5343DD59-8FB2-7AAD-1875-255EDB54B98D}" dt="2021-09-22T18:47:16.489" v="185"/>
-      <pc:docMkLst>
-        <pc:docMk/>
-      </pc:docMkLst>
-      <pc:sldChg chg="modSp">
-        <pc:chgData name="Akilah Johnson" userId="S::akjohnso@adobe.com::2fa3aa60-0c9c-4d06-bae2-795983241227" providerId="AD" clId="Web-{5343DD59-8FB2-7AAD-1875-255EDB54B98D}" dt="2021-09-22T18:47:16.489" v="185"/>
-        <pc:sldMkLst>
-          <pc:docMk/>
-          <pc:sldMk cId="799510854" sldId="260"/>
-        </pc:sldMkLst>
-        <pc:spChg chg="mod">
-          <ac:chgData name="Akilah Johnson" userId="S::akjohnso@adobe.com::2fa3aa60-0c9c-4d06-bae2-795983241227" providerId="AD" clId="Web-{5343DD59-8FB2-7AAD-1875-255EDB54B98D}" dt="2021-09-22T18:45:44.427" v="153" actId="20577"/>
-          <ac:spMkLst>
-            <pc:docMk/>
-            <pc:sldMk cId="799510854" sldId="260"/>
-            <ac:spMk id="64" creationId="{41467BDC-3D83-D844-B922-CD07E94E5AAB}"/>
-          </ac:spMkLst>
-        </pc:spChg>
-        <pc:graphicFrameChg chg="mod modGraphic">
-          <ac:chgData name="Akilah Johnson" userId="S::akjohnso@adobe.com::2fa3aa60-0c9c-4d06-bae2-795983241227" providerId="AD" clId="Web-{5343DD59-8FB2-7AAD-1875-255EDB54B98D}" dt="2021-09-22T18:47:16.489" v="185"/>
-          <ac:graphicFrameMkLst>
-            <pc:docMk/>
-            <pc:sldMk cId="799510854" sldId="260"/>
-            <ac:graphicFrameMk id="25" creationId="{3A91F5B0-3974-A14D-A146-FB590F2AAD18}"/>
-          </ac:graphicFrameMkLst>
-        </pc:graphicFrameChg>
-      </pc:sldChg>
-    </pc:docChg>
-  </pc:docChgLst>
-</pc:chgInfo>
-</file>
-
 <file path=ppt/notesMasters/notesMaster1.xml><?xml version="1.0" encoding="utf-8"?>
 <p:notesMaster xmlns:a="http://schemas.openxmlformats.org/drawingml/2006/main" xmlns:r="http://schemas.openxmlformats.org/officeDocument/2006/relationships" xmlns:p="http://schemas.openxmlformats.org/presentationml/2006/main">
   <p:cSld>
@@ -255,7 +210,7 @@
           <a:p>
             <a:fld id="{A438815C-EDE5-F947-A55F-7634403F36C4}" type="datetimeFigureOut">
               <a:rPr lang="en-US" smtClean="0"/>
-              <a:t>9/22/2021</a:t>
+              <a:t>10/11/21</a:t>
             </a:fld>
             <a:endParaRPr lang="en-US"/>
           </a:p>
@@ -878,7 +833,7 @@
           <a:p>
             <a:fld id="{1D8BD707-D9CF-40AE-B4C6-C98DA3205C09}" type="datetimeFigureOut">
               <a:rPr lang="en-US"/>
-              <a:t>9/22/2021</a:t>
+              <a:t>10/11/21</a:t>
             </a:fld>
             <a:endParaRPr lang="en-US"/>
           </a:p>
@@ -1062,7 +1017,7 @@
           <a:p>
             <a:fld id="{1D8BD707-D9CF-40AE-B4C6-C98DA3205C09}" type="datetimeFigureOut">
               <a:rPr lang="en-US"/>
-              <a:t>9/22/2021</a:t>
+              <a:t>10/11/21</a:t>
             </a:fld>
             <a:endParaRPr lang="en-US"/>
           </a:p>
@@ -1364,7 +1319,7 @@
           <a:p>
             <a:fld id="{1D8BD707-D9CF-40AE-B4C6-C98DA3205C09}" type="datetimeFigureOut">
               <a:rPr lang="en-US"/>
-              <a:t>9/22/2021</a:t>
+              <a:t>10/11/21</a:t>
             </a:fld>
             <a:endParaRPr lang="en-US"/>
           </a:p>
@@ -1640,7 +1595,7 @@
               </a:spcBef>
             </a:pPr>
             <a:r>
-              <a:rPr sz="1400" b="1" u="heavy" spc="10" dirty="0">
+              <a:rPr lang="de-de" sz="1400" b="1" u="heavy" spc="10" dirty="0">
                 <a:solidFill>
                   <a:srgbClr val="020302"/>
                 </a:solidFill>
@@ -1652,10 +1607,10 @@
                 <a:latin typeface="Adobe Clean"/>
                 <a:cs typeface="Adobe Clean"/>
               </a:rPr>
-              <a:t>Service </a:t>
-            </a:r>
-            <a:r>
-              <a:rPr sz="1400" b="1" u="heavy" spc="-10" dirty="0">
+              <a:t>서비스 </a:t>
+            </a:r>
+            <a:r>
+              <a:rPr lang="de-de" sz="1400" b="1" u="heavy" spc="-10" dirty="0">
                 <a:solidFill>
                   <a:srgbClr val="020302"/>
                 </a:solidFill>
@@ -1667,10 +1622,10 @@
                 <a:latin typeface="Adobe Clean"/>
                 <a:cs typeface="Adobe Clean"/>
               </a:rPr>
-              <a:t>Level </a:t>
-            </a:r>
-            <a:r>
-              <a:rPr sz="1400" b="1" u="heavy" spc="-45" dirty="0">
+              <a:t>수준 </a:t>
+            </a:r>
+            <a:r>
+              <a:rPr lang="de-de" sz="1400" b="1" u="heavy" spc="-45" dirty="0">
                 <a:solidFill>
                   <a:srgbClr val="020302"/>
                 </a:solidFill>
@@ -1682,10 +1637,10 @@
                 <a:latin typeface="Adobe Clean"/>
                 <a:cs typeface="Adobe Clean"/>
               </a:rPr>
-              <a:t>Targets: </a:t>
-            </a:r>
-            <a:r>
-              <a:rPr sz="1400" b="1" u="heavy" spc="-10" dirty="0">
+              <a:t>목표: </a:t>
+            </a:r>
+            <a:r>
+              <a:rPr lang="de-de" sz="1400" b="1" u="heavy" spc="-10" dirty="0">
                 <a:solidFill>
                   <a:srgbClr val="020302"/>
                 </a:solidFill>
@@ -1697,10 +1652,10 @@
                 <a:latin typeface="Adobe Clean"/>
                 <a:cs typeface="Adobe Clean"/>
               </a:rPr>
-              <a:t>Initial</a:t>
-            </a:r>
-            <a:r>
-              <a:rPr sz="1400" b="1" u="heavy" spc="-140" dirty="0">
+              <a:t>초기</a:t>
+            </a:r>
+            <a:r>
+              <a:rPr lang="de-de" sz="1400" b="1" u="heavy" spc="-140" dirty="0">
                 <a:solidFill>
                   <a:srgbClr val="020302"/>
                 </a:solidFill>
@@ -1715,7 +1670,7 @@
               <a:t> </a:t>
             </a:r>
             <a:r>
-              <a:rPr sz="1400" b="1" u="heavy" spc="-15" dirty="0">
+              <a:rPr lang="de-de" sz="1400" b="1" u="heavy" spc="-15" dirty="0">
                 <a:solidFill>
                   <a:srgbClr val="020302"/>
                 </a:solidFill>
@@ -1727,7 +1682,7 @@
                 <a:latin typeface="Adobe Clean"/>
                 <a:cs typeface="Adobe Clean"/>
               </a:rPr>
-              <a:t>Response</a:t>
+              <a:t>대응</a:t>
             </a:r>
             <a:endParaRPr sz="1400" dirty="0">
               <a:latin typeface="Adobe Clean"/>
@@ -1795,41 +1750,34 @@
               </a:spcBef>
             </a:pPr>
             <a:r>
-              <a:rPr lang="en-US" sz="1200" b="1" dirty="0">
+              <a:rPr lang="de-de" sz="1200" b="1" dirty="0">
                 <a:solidFill>
                   <a:schemeClr val="bg1"/>
                 </a:solidFill>
               </a:rPr>
-              <a:t>Online</a:t>
-            </a:r>
-            <a:r>
-              <a:rPr lang="en-US" sz="1200" dirty="0">
+              <a:t>온라인</a:t>
+            </a:r>
+            <a:r>
+              <a:rPr lang="de-de" sz="1200" dirty="0">
                 <a:solidFill>
                   <a:schemeClr val="bg1"/>
                 </a:solidFill>
                 <a:latin typeface="Adobe Clean Light" panose="020B0303020404020204" pitchFamily="34" charset="0"/>
               </a:rPr>
-              <a:t> | Business | Enterprise | Elite</a:t>
-            </a:r>
-            <a:br>
-              <a:rPr lang="en-US" sz="900" dirty="0">
+              <a:t> | 비즈니스 | 엔터프라이즈 | 엘리트</a:t>
+            </a:r>
+            <a:br/>
+            <a:r>
+              <a:rPr lang="de-de" sz="900" dirty="0">
                 <a:solidFill>
                   <a:schemeClr val="bg1"/>
                 </a:solidFill>
-                <a:latin typeface="Adobe Clean Light" panose="020B0303020404020204" pitchFamily="34" charset="0"/>
-              </a:rPr>
-            </a:br>
-            <a:r>
-              <a:rPr lang="en-US" sz="900" dirty="0">
-                <a:solidFill>
-                  <a:schemeClr val="bg1"/>
-                </a:solidFill>
                 <a:latin typeface="Adobe Clean SemiLight" panose="020B0403020404020204" pitchFamily="34" charset="0"/>
               </a:rPr>
-              <a:t>Adobe provides a comprehensive range of technical resources to help support your business included as part of your Experience Cloud license subscription. Online support includes access to personalized learning paths and monitored community forums via the Adobe Experience League. You can take advantage of our detailed and in-depth technical product documentation and current release notes published on </a:t>
-            </a:r>
-            <a:r>
-              <a:rPr lang="en-US" sz="900" u="sng" dirty="0">
+              <a:t>Adobe는 Experience Cloud 라이선스 구독의 일부로 포함된 비즈니스를 지원하는 데 도움이 되는 포괄적인 기술 리소스를 제공합니다. 온라인 지원에는 Adobe Experience League를 통한 개인 맞춤형 학습 경로 및 모니터링되는 커뮤니티 포럼 액세스가 포함됩니다. </a:t>
+            </a:r>
+            <a:r>
+              <a:rPr lang="de-de" sz="900" u="sng" dirty="0">
                 <a:solidFill>
                   <a:schemeClr val="bg1"/>
                 </a:solidFill>
@@ -1842,16 +1790,16 @@
                   </a:extLst>
                 </a:hlinkClick>
               </a:rPr>
-              <a:t>http://www.adobe.com</a:t>
-            </a:r>
-            <a:r>
-              <a:rPr lang="en-US" sz="900" dirty="0">
+              <a:t>http://www.adobe.com/kr/</a:t>
+            </a:r>
+            <a:r>
+              <a:rPr lang="de-de" sz="900" dirty="0">
                 <a:solidFill>
                   <a:schemeClr val="bg1"/>
                 </a:solidFill>
                 <a:latin typeface="Adobe Clean SemiLight" panose="020B0403020404020204" pitchFamily="34" charset="0"/>
               </a:rPr>
-              <a:t> Our Online package also includes access to our technical support teams for any critical P1 product issues via telephone to help protect your business at the most critical times as well as providing the ability to log lower priority requests for assistance via support web portal.</a:t>
+              <a:t>에 게시된 상세하고 심층적인 기술 제품 문서 및 최신 릴리스 정보를 활용할 수 있습니다. 또한 온라인 패키지에는 전화를 통해 중요한 P1 제품 문제에 대한 기술 지원 팀의 서비스를 이용할 수 있는 혜택이 포함되어 있어 가장 중요한 시기에 비즈니스를 보호하며 우선 순위가 낮은 지원 요청을 기록하는 기능을 지원 웹 포털을 통해 제공합니다.</a:t>
             </a:r>
             <a:endParaRPr lang="en-US" sz="900" dirty="0">
               <a:solidFill>
@@ -1908,7 +1856,7 @@
         </p:nvGraphicFramePr>
         <p:xfrm>
           <a:off x="0" y="1938946"/>
-          <a:ext cx="7705343" cy="5227197"/>
+          <a:ext cx="7705343" cy="5300593"/>
         </p:xfrm>
         <a:graphic>
           <a:graphicData uri="http://schemas.openxmlformats.org/drawingml/2006/table">
@@ -2002,34 +1950,14 @@
                         </a:spcBef>
                       </a:pPr>
                       <a:r>
-                        <a:rPr sz="900" spc="0" dirty="0">
+                        <a:rPr lang="de-de" sz="900" spc="0" dirty="0">
                           <a:solidFill>
                             <a:srgbClr val="404040"/>
                           </a:solidFill>
                           <a:latin typeface="Adobe Clean"/>
                           <a:cs typeface="Adobe Clean"/>
                         </a:rPr>
-                        <a:t>Online</a:t>
-                      </a:r>
-                      <a:r>
-                        <a:rPr lang="en-US" sz="900" spc="0" dirty="0">
-                          <a:solidFill>
-                            <a:srgbClr val="404040"/>
-                          </a:solidFill>
-                          <a:latin typeface="Adobe Clean"/>
-                          <a:cs typeface="Adobe Clean"/>
-                        </a:rPr>
-                        <a:t> </a:t>
-                      </a:r>
-                      <a:r>
-                        <a:rPr sz="900" spc="0" dirty="0">
-                          <a:solidFill>
-                            <a:srgbClr val="404040"/>
-                          </a:solidFill>
-                          <a:latin typeface="Adobe Clean"/>
-                          <a:cs typeface="Adobe Clean"/>
-                        </a:rPr>
-                        <a:t>Support</a:t>
+                        <a:t>온라인 지원</a:t>
                       </a:r>
                       <a:endParaRPr sz="900" spc="0" dirty="0">
                         <a:latin typeface="Adobe Clean"/>
@@ -2069,36 +1997,122 @@
                         </a:spcBef>
                       </a:pPr>
                       <a:r>
-                        <a:rPr sz="900" spc="0" dirty="0">
+                        <a:rPr lang="de-de" sz="900" spc="0" dirty="0">
                           <a:solidFill>
                             <a:srgbClr val="FFFFFF"/>
                           </a:solidFill>
                           <a:latin typeface="Adobe Clean"/>
                           <a:cs typeface="Adobe Clean"/>
                         </a:rPr>
-                        <a:t>Business</a:t>
+                        <a:t>비즈니스 지원</a:t>
                       </a:r>
+                      <a:endParaRPr sz="900" spc="0" dirty="0">
+                        <a:latin typeface="Adobe Clean"/>
+                        <a:cs typeface="Adobe Clean"/>
+                      </a:endParaRPr>
+                    </a:p>
+                  </a:txBody>
+                  <a:tcPr marL="0" marR="0" marT="7620" marB="0" anchor="ctr">
+                    <a:lnL w="3175">
+                      <a:solidFill>
+                        <a:srgbClr val="B7B8B8"/>
+                      </a:solidFill>
+                      <a:prstDash val="solid"/>
+                    </a:lnL>
+                    <a:lnR w="3175">
+                      <a:solidFill>
+                        <a:srgbClr val="B7B8B8"/>
+                      </a:solidFill>
+                      <a:prstDash val="solid"/>
+                    </a:lnR>
+                    <a:lnB w="76200">
+                      <a:solidFill>
+                        <a:srgbClr val="ACD2FF"/>
+                      </a:solidFill>
+                      <a:prstDash val="solid"/>
+                    </a:lnB>
+                    <a:solidFill>
+                      <a:srgbClr val="7D7D7D"/>
+                    </a:solidFill>
+                  </a:tcPr>
+                </a:tc>
+                <a:tc gridSpan="2">
+                  <a:txBody>
+                    <a:bodyPr/>
+                    <a:lstStyle/>
+                    <a:p>
+                      <a:pPr marL="2540" algn="ctr">
+                        <a:lnSpc>
+                          <a:spcPct val="100000"/>
+                        </a:lnSpc>
+                        <a:spcBef>
+                          <a:spcPts val="60"/>
+                        </a:spcBef>
+                      </a:pPr>
                       <a:r>
-                        <a:rPr lang="en-US" sz="900" spc="0" dirty="0">
+                        <a:rPr lang="de-de" sz="900" spc="0" dirty="0">
                           <a:solidFill>
                             <a:srgbClr val="FFFFFF"/>
                           </a:solidFill>
                           <a:latin typeface="Adobe Clean"/>
                           <a:cs typeface="Adobe Clean"/>
                         </a:rPr>
-                        <a:t> </a:t>
+                        <a:t>엔터프라이즈 지원</a:t>
                       </a:r>
+                      <a:endParaRPr sz="900" spc="0" dirty="0">
+                        <a:latin typeface="Adobe Clean"/>
+                        <a:cs typeface="Adobe Clean"/>
+                      </a:endParaRPr>
+                    </a:p>
+                  </a:txBody>
+                  <a:tcPr marL="0" marR="0" marT="7620" marB="0" anchor="ctr">
+                    <a:lnL w="3175">
+                      <a:solidFill>
+                        <a:srgbClr val="B7B8B8"/>
+                      </a:solidFill>
+                      <a:prstDash val="solid"/>
+                    </a:lnL>
+                    <a:lnR w="3175">
+                      <a:solidFill>
+                        <a:srgbClr val="B7B8B8"/>
+                      </a:solidFill>
+                      <a:prstDash val="solid"/>
+                    </a:lnR>
+                    <a:lnB w="76200">
+                      <a:solidFill>
+                        <a:srgbClr val="2E8FFF"/>
+                      </a:solidFill>
+                      <a:prstDash val="solid"/>
+                    </a:lnB>
+                    <a:solidFill>
+                      <a:srgbClr val="404040"/>
+                    </a:solidFill>
+                  </a:tcPr>
+                </a:tc>
+                <a:tc hMerge="1">
+                  <a:txBody>
+                    <a:bodyPr/>
+                    <a:lstStyle/>
+                    <a:p>
+                      <a:pPr marL="635" algn="ctr">
+                        <a:lnSpc>
+                          <a:spcPct val="100000"/>
+                        </a:lnSpc>
+                        <a:spcBef>
+                          <a:spcPts val="60"/>
+                        </a:spcBef>
+                      </a:pPr>
                       <a:r>
-                        <a:rPr sz="900" spc="0" dirty="0">
+                        <a:rPr lang="de-de" sz="900" spc="-20" dirty="0">
                           <a:solidFill>
                             <a:srgbClr val="FFFFFF"/>
                           </a:solidFill>
                           <a:latin typeface="Adobe Clean"/>
                           <a:cs typeface="Adobe Clean"/>
                         </a:rPr>
-                        <a:t>Support</a:t>
+                        <a:t>엔터프라이즈 지원</a:t>
                       </a:r>
-                      <a:endParaRPr sz="900" spc="0" dirty="0">
+                      <a:endParaRPr sz="900" dirty="0">
                         <a:latin typeface="Adobe Clean"/>
                         <a:cs typeface="Adobe Clean"/>
                       </a:endParaRPr>
@@ -2119,21 +2133,21 @@
                     </a:lnR>
                     <a:lnB w="76200">
                       <a:solidFill>
-                        <a:srgbClr val="ACD2FF"/>
+                        <a:srgbClr val="2E8FFF"/>
                       </a:solidFill>
                       <a:prstDash val="solid"/>
                     </a:lnB>
                     <a:solidFill>
-                      <a:srgbClr val="7D7D7D"/>
+                      <a:srgbClr val="404040"/>
                     </a:solidFill>
                   </a:tcPr>
                 </a:tc>
-                <a:tc gridSpan="2">
-                  <a:txBody>
-                    <a:bodyPr/>
-                    <a:lstStyle/>
-                    <a:p>
-                      <a:pPr marL="2540" algn="ctr">
+                <a:tc>
+                  <a:txBody>
+                    <a:bodyPr/>
+                    <a:lstStyle/>
+                    <a:p>
+                      <a:pPr marL="635" algn="ctr">
                         <a:lnSpc>
                           <a:spcPct val="100000"/>
                         </a:lnSpc>
@@ -2142,160 +2156,14 @@
                         </a:spcBef>
                       </a:pPr>
                       <a:r>
-                        <a:rPr lang="en-US" sz="900" spc="0" dirty="0">
+                        <a:rPr lang="de-de" sz="900" spc="0" dirty="0">
                           <a:solidFill>
                             <a:srgbClr val="FFFFFF"/>
                           </a:solidFill>
                           <a:latin typeface="Adobe Clean"/>
                           <a:cs typeface="Adobe Clean"/>
                         </a:rPr>
-                        <a:t>Enterprise Support</a:t>
-                      </a:r>
-                      <a:endParaRPr sz="900" spc="0" dirty="0">
-                        <a:latin typeface="Adobe Clean"/>
-                        <a:cs typeface="Adobe Clean"/>
-                      </a:endParaRPr>
-                    </a:p>
-                  </a:txBody>
-                  <a:tcPr marL="0" marR="0" marT="7620" marB="0" anchor="ctr">
-                    <a:lnL w="3175">
-                      <a:solidFill>
-                        <a:srgbClr val="B7B8B8"/>
-                      </a:solidFill>
-                      <a:prstDash val="solid"/>
-                    </a:lnL>
-                    <a:lnR w="3175">
-                      <a:solidFill>
-                        <a:srgbClr val="B7B8B8"/>
-                      </a:solidFill>
-                      <a:prstDash val="solid"/>
-                    </a:lnR>
-                    <a:lnB w="76200">
-                      <a:solidFill>
-                        <a:srgbClr val="2E8FFF"/>
-                      </a:solidFill>
-                      <a:prstDash val="solid"/>
-                    </a:lnB>
-                    <a:solidFill>
-                      <a:srgbClr val="404040"/>
-                    </a:solidFill>
-                  </a:tcPr>
-                </a:tc>
-                <a:tc hMerge="1">
-                  <a:txBody>
-                    <a:bodyPr/>
-                    <a:lstStyle/>
-                    <a:p>
-                      <a:pPr marL="635" algn="ctr">
-                        <a:lnSpc>
-                          <a:spcPct val="100000"/>
-                        </a:lnSpc>
-                        <a:spcBef>
-                          <a:spcPts val="60"/>
-                        </a:spcBef>
-                      </a:pPr>
-                      <a:r>
-                        <a:rPr sz="900" spc="-20" dirty="0">
-                          <a:solidFill>
-                            <a:srgbClr val="FFFFFF"/>
-                          </a:solidFill>
-                          <a:latin typeface="Adobe Clean"/>
-                          <a:cs typeface="Adobe Clean"/>
-                        </a:rPr>
-                        <a:t>Enterprise</a:t>
-                      </a:r>
-                      <a:r>
-                        <a:rPr lang="en-US" sz="900" spc="-20" dirty="0">
-                          <a:solidFill>
-                            <a:srgbClr val="FFFFFF"/>
-                          </a:solidFill>
-                          <a:latin typeface="Adobe Clean"/>
-                          <a:cs typeface="Adobe Clean"/>
-                        </a:rPr>
-                        <a:t> </a:t>
-                      </a:r>
-                      <a:r>
-                        <a:rPr sz="900" spc="-20" dirty="0">
-                          <a:solidFill>
-                            <a:srgbClr val="FFFFFF"/>
-                          </a:solidFill>
-                          <a:latin typeface="Adobe Clean"/>
-                          <a:cs typeface="Adobe Clean"/>
-                        </a:rPr>
-                        <a:t>Support</a:t>
-                      </a:r>
-                      <a:endParaRPr sz="900" dirty="0">
-                        <a:latin typeface="Adobe Clean"/>
-                        <a:cs typeface="Adobe Clean"/>
-                      </a:endParaRPr>
-                    </a:p>
-                  </a:txBody>
-                  <a:tcPr marL="0" marR="0" marT="7620" marB="0" anchor="ctr">
-                    <a:lnL w="3175">
-                      <a:solidFill>
-                        <a:srgbClr val="B7B8B8"/>
-                      </a:solidFill>
-                      <a:prstDash val="solid"/>
-                    </a:lnL>
-                    <a:lnR w="3175">
-                      <a:solidFill>
-                        <a:srgbClr val="B7B8B8"/>
-                      </a:solidFill>
-                      <a:prstDash val="solid"/>
-                    </a:lnR>
-                    <a:lnB w="76200">
-                      <a:solidFill>
-                        <a:srgbClr val="2E8FFF"/>
-                      </a:solidFill>
-                      <a:prstDash val="solid"/>
-                    </a:lnB>
-                    <a:solidFill>
-                      <a:srgbClr val="404040"/>
-                    </a:solidFill>
-                  </a:tcPr>
-                </a:tc>
-                <a:tc>
-                  <a:txBody>
-                    <a:bodyPr/>
-                    <a:lstStyle/>
-                    <a:p>
-                      <a:pPr marL="635" algn="ctr">
-                        <a:lnSpc>
-                          <a:spcPct val="100000"/>
-                        </a:lnSpc>
-                        <a:spcBef>
-                          <a:spcPts val="60"/>
-                        </a:spcBef>
-                      </a:pPr>
-                      <a:r>
-                        <a:rPr sz="900" spc="0" dirty="0">
-                          <a:solidFill>
-                            <a:srgbClr val="FFFFFF"/>
-                          </a:solidFill>
-                          <a:latin typeface="Adobe Clean"/>
-                          <a:cs typeface="Adobe Clean"/>
-                        </a:rPr>
-                        <a:t>Elite</a:t>
-                      </a:r>
-                      <a:r>
-                        <a:rPr lang="en-US" sz="900" spc="0" dirty="0">
-                          <a:solidFill>
-                            <a:srgbClr val="FFFFFF"/>
-                          </a:solidFill>
-                          <a:latin typeface="Adobe Clean"/>
-                          <a:cs typeface="Adobe Clean"/>
-                        </a:rPr>
-                        <a:t> </a:t>
-                      </a:r>
-                      <a:r>
-                        <a:rPr sz="900" spc="0" dirty="0">
-                          <a:solidFill>
-                            <a:srgbClr val="FFFFFF"/>
-                          </a:solidFill>
-                          <a:latin typeface="Adobe Clean"/>
-                          <a:cs typeface="Adobe Clean"/>
-                        </a:rPr>
-                        <a:t>Support</a:t>
+                        <a:t>엘리트 지원</a:t>
                       </a:r>
                       <a:endParaRPr sz="900" spc="0" dirty="0">
                         <a:latin typeface="Adobe Clean"/>
@@ -2407,24 +2275,14 @@
                         </a:spcBef>
                       </a:pPr>
                       <a:r>
-                        <a:rPr lang="en-US" sz="800" i="1" spc="0" dirty="0">
+                        <a:rPr lang="de-de" sz="800" i="1" spc="0" dirty="0">
                           <a:solidFill>
                             <a:srgbClr val="FFFFFF"/>
                           </a:solidFill>
                           <a:latin typeface="Adobe Clean"/>
                           <a:cs typeface="Adobe Clean"/>
                         </a:rPr>
-                        <a:t>Paid</a:t>
-                      </a:r>
-                      <a:r>
-                        <a:rPr sz="800" i="1" spc="0" dirty="0">
-                          <a:solidFill>
-                            <a:srgbClr val="FFFFFF"/>
-                          </a:solidFill>
-                          <a:latin typeface="Adobe Clean"/>
-                          <a:cs typeface="Adobe Clean"/>
-                        </a:rPr>
-                        <a:t> Support Levels($)</a:t>
+                        <a:t>유료 지원 수준($)</a:t>
                       </a:r>
                       <a:endParaRPr sz="800" spc="0" dirty="0">
                         <a:latin typeface="Adobe Clean"/>
@@ -2516,14 +2374,14 @@
                         </a:spcBef>
                       </a:pPr>
                       <a:r>
-                        <a:rPr lang="en-US" sz="1000" b="1" i="0" spc="0" dirty="0">
+                        <a:rPr lang="de-de" sz="1000" b="1" i="0" spc="0" dirty="0">
                           <a:solidFill>
                             <a:schemeClr val="bg1"/>
                           </a:solidFill>
                           <a:latin typeface="Adobe Clean" panose="020B0503020404020204" pitchFamily="34" charset="0"/>
                           <a:cs typeface="AdobeClean-Light"/>
                         </a:rPr>
-                        <a:t>Assigned Experts</a:t>
+                        <a:t>할당된 전문가</a:t>
                       </a:r>
                       <a:endParaRPr sz="1000" b="1" i="0" spc="0" dirty="0">
                         <a:solidFill>
@@ -2578,14 +2436,14 @@
                         </a:spcBef>
                       </a:pPr>
                       <a:r>
-                        <a:rPr sz="900" spc="0" dirty="0">
+                        <a:rPr lang="de-de" sz="900" spc="0" dirty="0">
                           <a:solidFill>
                             <a:srgbClr val="020302"/>
                           </a:solidFill>
                           <a:latin typeface="AdobeClean-Light"/>
                           <a:cs typeface="AdobeClean-Light"/>
                         </a:rPr>
-                        <a:t>Account Support Lead</a:t>
+                        <a:t>계정 지원 리드</a:t>
                       </a:r>
                       <a:endParaRPr sz="900" spc="0" dirty="0">
                         <a:latin typeface="AdobeClean-Light"/>
@@ -2664,7 +2522,7 @@
                         </a:spcBef>
                       </a:pPr>
                       <a:r>
-                        <a:rPr sz="900" spc="0" dirty="0">
+                        <a:rPr lang="de-de" sz="900" spc="0" dirty="0">
                           <a:solidFill>
                             <a:srgbClr val="020302"/>
                           </a:solidFill>
@@ -2833,14 +2691,14 @@
                         </a:spcBef>
                       </a:pPr>
                       <a:r>
-                        <a:rPr sz="900" spc="0" dirty="0">
+                        <a:rPr lang="de-de" sz="900" spc="0" dirty="0">
                           <a:solidFill>
                             <a:srgbClr val="020302"/>
                           </a:solidFill>
                           <a:latin typeface="AdobeClean-Light"/>
                           <a:cs typeface="AdobeClean-Light"/>
                         </a:rPr>
-                        <a:t>Named Support Engineer</a:t>
+                        <a:t>지정 지원 엔지니어</a:t>
                       </a:r>
                       <a:endParaRPr sz="900" spc="0" dirty="0">
                         <a:latin typeface="AdobeClean-Light"/>
@@ -2943,7 +2801,7 @@
                         </a:spcBef>
                       </a:pPr>
                       <a:r>
-                        <a:rPr sz="900" spc="0" dirty="0">
+                        <a:rPr lang="de-de" sz="900" spc="0" dirty="0">
                           <a:solidFill>
                             <a:srgbClr val="020302"/>
                           </a:solidFill>
@@ -2974,7 +2832,7 @@
                         </a:spcBef>
                       </a:pPr>
                       <a:r>
-                        <a:rPr sz="900" spc="0" dirty="0">
+                        <a:rPr lang="de-de" sz="900" spc="0" dirty="0">
                           <a:solidFill>
                             <a:srgbClr val="020302"/>
                           </a:solidFill>
@@ -3068,14 +2926,14 @@
                         </a:spcBef>
                       </a:pPr>
                       <a:r>
-                        <a:rPr sz="900" spc="0" dirty="0">
+                        <a:rPr lang="de-de" sz="900" spc="0" dirty="0">
                           <a:solidFill>
                             <a:srgbClr val="020302"/>
                           </a:solidFill>
                           <a:latin typeface="AdobeClean-Light"/>
                           <a:cs typeface="AdobeClean-Light"/>
                         </a:rPr>
-                        <a:t>Technical Account Manager</a:t>
+                        <a:t>기술 계정 관리자</a:t>
                       </a:r>
                       <a:endParaRPr sz="900" spc="0" dirty="0">
                         <a:latin typeface="AdobeClean-Light"/>
@@ -3232,7 +3090,7 @@
                         </a:spcBef>
                       </a:pPr>
                       <a:r>
-                        <a:rPr sz="900" spc="0" dirty="0">
+                        <a:rPr lang="de-de" sz="900" spc="0" dirty="0">
                           <a:solidFill>
                             <a:srgbClr val="020302"/>
                           </a:solidFill>
@@ -3283,14 +3141,14 @@
                         </a:spcBef>
                       </a:pPr>
                       <a:r>
-                        <a:rPr lang="en-US" sz="1000" b="1" i="0" spc="0" dirty="0">
+                        <a:rPr lang="de-de" sz="1000" b="1" i="0" spc="0" dirty="0">
                           <a:solidFill>
                             <a:schemeClr val="bg1"/>
                           </a:solidFill>
                           <a:latin typeface="Adobe Clean" panose="020B0503020404020204" pitchFamily="34" charset="0"/>
                           <a:cs typeface="AdobeClean-Light"/>
                         </a:rPr>
-                        <a:t>Support Services</a:t>
+                        <a:t>지원 서비스</a:t>
                       </a:r>
                       <a:endParaRPr sz="1000" b="1" i="0" spc="0" dirty="0">
                         <a:solidFill>
@@ -3354,74 +3212,64 @@
                         </a:spcBef>
                       </a:pPr>
                       <a:r>
-                        <a:rPr lang="en-US" sz="900" spc="0" dirty="0">
+                        <a:rPr lang="de-de" sz="900" spc="0" dirty="0">
                           <a:solidFill>
                             <a:srgbClr val="020302"/>
                           </a:solidFill>
                           <a:latin typeface="AdobeClean-Light"/>
                           <a:cs typeface="AdobeClean-Light"/>
                         </a:rPr>
-                        <a:t>Online </a:t>
+                        <a:t>온라인  지원</a:t>
                       </a:r>
+                      <a:endParaRPr sz="900" spc="0" dirty="0">
+                        <a:latin typeface="AdobeClean-Light"/>
+                        <a:cs typeface="AdobeClean-Light"/>
+                      </a:endParaRPr>
+                    </a:p>
+                  </a:txBody>
+                  <a:tcPr marL="0" marR="0" marT="57150" marB="0">
+                    <a:lnL w="12700">
+                      <a:solidFill>
+                        <a:srgbClr val="F0F0F0"/>
+                      </a:solidFill>
+                      <a:prstDash val="solid"/>
+                    </a:lnL>
+                    <a:lnR w="12700">
+                      <a:solidFill>
+                        <a:srgbClr val="F0F0F0"/>
+                      </a:solidFill>
+                      <a:prstDash val="solid"/>
+                    </a:lnR>
+                    <a:lnT w="12700">
+                      <a:solidFill>
+                        <a:srgbClr val="F0F0F0"/>
+                      </a:solidFill>
+                      <a:prstDash val="solid"/>
+                    </a:lnT>
+                  </a:tcPr>
+                </a:tc>
+                <a:tc>
+                  <a:txBody>
+                    <a:bodyPr/>
+                    <a:lstStyle/>
+                    <a:p>
+                      <a:pPr algn="ctr">
+                        <a:lnSpc>
+                          <a:spcPct val="100000"/>
+                        </a:lnSpc>
+                        <a:spcBef>
+                          <a:spcPts val="535"/>
+                        </a:spcBef>
+                      </a:pPr>
                       <a:r>
-                        <a:rPr sz="900" spc="0" dirty="0">
+                        <a:rPr lang="de-de" sz="800" spc="0" dirty="0">
                           <a:solidFill>
                             <a:srgbClr val="020302"/>
                           </a:solidFill>
                           <a:latin typeface="AdobeClean-Light"/>
                           <a:cs typeface="AdobeClean-Light"/>
                         </a:rPr>
-                        <a:t> Support</a:t>
-                      </a:r>
-                      <a:endParaRPr sz="900" spc="0" dirty="0">
-                        <a:latin typeface="AdobeClean-Light"/>
-                        <a:cs typeface="AdobeClean-Light"/>
-                      </a:endParaRPr>
-                    </a:p>
-                  </a:txBody>
-                  <a:tcPr marL="0" marR="0" marT="57150" marB="0">
-                    <a:lnL w="12700">
-                      <a:solidFill>
-                        <a:srgbClr val="F0F0F0"/>
-                      </a:solidFill>
-                      <a:prstDash val="solid"/>
-                    </a:lnL>
-                    <a:lnR w="12700">
-                      <a:solidFill>
-                        <a:srgbClr val="F0F0F0"/>
-                      </a:solidFill>
-                      <a:prstDash val="solid"/>
-                    </a:lnR>
-                    <a:lnT w="12700">
-                      <a:solidFill>
-                        <a:srgbClr val="F0F0F0"/>
-                      </a:solidFill>
-                      <a:prstDash val="solid"/>
-                    </a:lnT>
-                  </a:tcPr>
-                </a:tc>
-                <a:tc>
-                  <a:txBody>
-                    <a:bodyPr/>
-                    <a:lstStyle/>
-                    <a:p>
-                      <a:pPr algn="ctr">
-                        <a:lnSpc>
-                          <a:spcPct val="100000"/>
-                        </a:lnSpc>
-                        <a:spcBef>
-                          <a:spcPts val="535"/>
-                        </a:spcBef>
-                      </a:pPr>
-                      <a:r>
-                        <a:rPr sz="800" spc="0" dirty="0">
-                          <a:solidFill>
-                            <a:srgbClr val="020302"/>
-                          </a:solidFill>
-                          <a:latin typeface="AdobeClean-Light"/>
-                          <a:cs typeface="AdobeClean-Light"/>
-                        </a:rPr>
-                        <a:t>Business hours</a:t>
+                        <a:t>업무 시간</a:t>
                       </a:r>
                       <a:endParaRPr sz="800" spc="0" dirty="0">
                         <a:latin typeface="AdobeClean-Light"/>
@@ -3463,14 +3311,14 @@
                         </a:spcBef>
                       </a:pPr>
                       <a:r>
-                        <a:rPr sz="800" spc="0" dirty="0">
+                        <a:rPr lang="de-de" sz="800" spc="0" dirty="0">
                           <a:solidFill>
                             <a:srgbClr val="020302"/>
                           </a:solidFill>
                           <a:latin typeface="AdobeClean-Light"/>
                           <a:cs typeface="AdobeClean-Light"/>
                         </a:rPr>
-                        <a:t>Business hours</a:t>
+                        <a:t>업무 시간</a:t>
                       </a:r>
                       <a:endParaRPr sz="800" spc="0" dirty="0">
                         <a:latin typeface="AdobeClean-Light"/>
@@ -3532,7 +3380,7 @@
                         </a:spcBef>
                       </a:pPr>
                       <a:r>
-                        <a:rPr sz="800" spc="0" dirty="0">
+                        <a:rPr lang="de-de" sz="800" spc="0" dirty="0">
                           <a:solidFill>
                             <a:srgbClr val="020302"/>
                           </a:solidFill>
@@ -3570,7 +3418,7 @@
                         </a:spcBef>
                       </a:pPr>
                       <a:r>
-                        <a:rPr sz="800" spc="0" dirty="0">
+                        <a:rPr lang="de-de" sz="800" spc="0" dirty="0">
                           <a:solidFill>
                             <a:srgbClr val="020302"/>
                           </a:solidFill>
@@ -3661,34 +3509,14 @@
                         </a:spcBef>
                       </a:pPr>
                       <a:r>
-                        <a:rPr sz="900" spc="0" dirty="0">
+                        <a:rPr lang="de-de" sz="900" spc="0" dirty="0">
                           <a:solidFill>
                             <a:srgbClr val="020302"/>
                           </a:solidFill>
                           <a:latin typeface="AdobeClean-Light"/>
                           <a:cs typeface="AdobeClean-Light"/>
                         </a:rPr>
-                        <a:t>24x7</a:t>
-                      </a:r>
-                      <a:r>
-                        <a:rPr lang="en-US" sz="900" spc="0" dirty="0">
-                          <a:solidFill>
-                            <a:srgbClr val="020302"/>
-                          </a:solidFill>
-                          <a:latin typeface="AdobeClean-Light"/>
-                          <a:cs typeface="AdobeClean-Light"/>
-                        </a:rPr>
-                        <a:t>x365</a:t>
-                      </a:r>
-                      <a:r>
-                        <a:rPr sz="900" spc="0" dirty="0">
-                          <a:solidFill>
-                            <a:srgbClr val="020302"/>
-                          </a:solidFill>
-                          <a:latin typeface="AdobeClean-Light"/>
-                          <a:cs typeface="AdobeClean-Light"/>
-                        </a:rPr>
-                        <a:t> P1 Issue Support</a:t>
+                        <a:t>24x7x365 P1 문제 지원</a:t>
                       </a:r>
                       <a:endParaRPr sz="900" spc="0" dirty="0">
                         <a:latin typeface="AdobeClean-Light"/>
@@ -3725,7 +3553,7 @@
                         </a:spcBef>
                       </a:pPr>
                       <a:r>
-                        <a:rPr sz="900" spc="0" dirty="0">
+                        <a:rPr lang="de-de" sz="900" spc="0" dirty="0">
                           <a:solidFill>
                             <a:srgbClr val="020302"/>
                           </a:solidFill>
@@ -3768,7 +3596,7 @@
                         </a:spcBef>
                       </a:pPr>
                       <a:r>
-                        <a:rPr sz="900" spc="0" dirty="0">
+                        <a:rPr lang="de-de" sz="900" spc="0" dirty="0">
                           <a:solidFill>
                             <a:srgbClr val="020302"/>
                           </a:solidFill>
@@ -3820,7 +3648,7 @@
                         </a:spcBef>
                       </a:pPr>
                       <a:r>
-                        <a:rPr sz="900" spc="0" dirty="0">
+                        <a:rPr lang="de-de" sz="900" spc="0" dirty="0">
                           <a:solidFill>
                             <a:srgbClr val="020302"/>
                           </a:solidFill>
@@ -3851,7 +3679,7 @@
                         </a:spcBef>
                       </a:pPr>
                       <a:r>
-                        <a:rPr sz="900" spc="0" dirty="0">
+                        <a:rPr lang="de-de" sz="900" spc="0" dirty="0">
                           <a:solidFill>
                             <a:srgbClr val="020302"/>
                           </a:solidFill>
@@ -3936,14 +3764,14 @@
                         </a:spcBef>
                       </a:pPr>
                       <a:r>
-                        <a:rPr lang="en-US" sz="900" spc="0" dirty="0">
+                        <a:rPr lang="de-de" sz="900" spc="0" dirty="0">
                           <a:solidFill>
                             <a:srgbClr val="020302"/>
                           </a:solidFill>
                           <a:latin typeface="AdobeClean-Light"/>
                           <a:cs typeface="AdobeClean-Light"/>
                         </a:rPr>
-                        <a:t>Named Support Contacts (per product)</a:t>
+                        <a:t>지정된 지원 담당자(제품당)</a:t>
                       </a:r>
                       <a:endParaRPr sz="900" spc="0" dirty="0">
                         <a:latin typeface="AdobeClean-Light"/>
@@ -3980,7 +3808,7 @@
                         </a:spcBef>
                       </a:pPr>
                       <a:r>
-                        <a:rPr sz="900" spc="0" dirty="0">
+                        <a:rPr lang="de-de" sz="900" spc="0" dirty="0">
                           <a:solidFill>
                             <a:srgbClr val="020302"/>
                           </a:solidFill>
@@ -4023,7 +3851,7 @@
                         </a:spcBef>
                       </a:pPr>
                       <a:r>
-                        <a:rPr sz="900" spc="0" dirty="0">
+                        <a:rPr lang="de-de" sz="900" spc="0" dirty="0">
                           <a:solidFill>
                             <a:srgbClr val="020302"/>
                           </a:solidFill>
@@ -4075,7 +3903,7 @@
                         </a:spcBef>
                       </a:pPr>
                       <a:r>
-                        <a:rPr sz="900" spc="0" dirty="0">
+                        <a:rPr lang="de-de" sz="900" spc="0" dirty="0">
                           <a:solidFill>
                             <a:srgbClr val="020302"/>
                           </a:solidFill>
@@ -4106,7 +3934,7 @@
                         </a:spcBef>
                       </a:pPr>
                       <a:r>
-                        <a:rPr sz="900" spc="0" dirty="0">
+                        <a:rPr lang="de-de" sz="900" spc="0" dirty="0">
                           <a:solidFill>
                             <a:srgbClr val="020302"/>
                           </a:solidFill>
@@ -4191,14 +4019,14 @@
                         </a:spcBef>
                       </a:pPr>
                       <a:r>
-                        <a:rPr lang="en-US" sz="900" spc="0" dirty="0">
+                        <a:rPr lang="de-de" sz="900" spc="0" dirty="0">
                           <a:solidFill>
                             <a:srgbClr val="020302"/>
                           </a:solidFill>
                           <a:latin typeface="AdobeClean-Light"/>
                           <a:cs typeface="AdobeClean-Light"/>
                         </a:rPr>
-                        <a:t>Live Telephone Support</a:t>
+                        <a:t>실시간 전화 지원</a:t>
                       </a:r>
                       <a:endParaRPr sz="900" spc="0" dirty="0">
                         <a:latin typeface="AdobeClean-Light"/>
@@ -4265,7 +4093,7 @@
                         </a:spcBef>
                       </a:pPr>
                       <a:r>
-                        <a:rPr sz="900" spc="0" dirty="0">
+                        <a:rPr lang="de-de" sz="900" spc="0" dirty="0">
                           <a:solidFill>
                             <a:srgbClr val="020302"/>
                           </a:solidFill>
@@ -4317,7 +4145,7 @@
                         </a:spcBef>
                       </a:pPr>
                       <a:r>
-                        <a:rPr sz="900" spc="0" dirty="0">
+                        <a:rPr lang="de-de" sz="900" spc="0" dirty="0">
                           <a:solidFill>
                             <a:srgbClr val="020302"/>
                           </a:solidFill>
@@ -4348,7 +4176,7 @@
                         </a:spcBef>
                       </a:pPr>
                       <a:r>
-                        <a:rPr sz="900" spc="0" dirty="0">
+                        <a:rPr lang="de-de" sz="900" spc="0" dirty="0">
                           <a:solidFill>
                             <a:srgbClr val="020302"/>
                           </a:solidFill>
@@ -4433,14 +4261,14 @@
                         </a:spcBef>
                       </a:pPr>
                       <a:r>
-                        <a:rPr sz="900" spc="0" dirty="0">
+                        <a:rPr lang="de-de" sz="900" spc="0" dirty="0">
                           <a:solidFill>
                             <a:srgbClr val="020302"/>
                           </a:solidFill>
                           <a:latin typeface="AdobeClean-Light"/>
                           <a:cs typeface="AdobeClean-Light"/>
                         </a:rPr>
-                        <a:t>Escalation Management</a:t>
+                        <a:t>에스컬레이션 관리</a:t>
                       </a:r>
                       <a:endParaRPr sz="900" spc="0" dirty="0">
                         <a:latin typeface="AdobeClean-Light"/>
@@ -4507,7 +4335,7 @@
                         </a:spcBef>
                       </a:pPr>
                       <a:r>
-                        <a:rPr sz="900" spc="0" dirty="0">
+                        <a:rPr lang="de-de" sz="900" spc="0" dirty="0">
                           <a:solidFill>
                             <a:srgbClr val="020302"/>
                           </a:solidFill>
@@ -4559,7 +4387,7 @@
                         </a:spcBef>
                       </a:pPr>
                       <a:r>
-                        <a:rPr sz="900" spc="0" dirty="0">
+                        <a:rPr lang="de-de" sz="900" spc="0" dirty="0">
                           <a:solidFill>
                             <a:srgbClr val="020302"/>
                           </a:solidFill>
@@ -4590,7 +4418,7 @@
                         </a:spcBef>
                       </a:pPr>
                       <a:r>
-                        <a:rPr sz="900" spc="0" dirty="0">
+                        <a:rPr lang="de-de" sz="900" spc="0" dirty="0">
                           <a:solidFill>
                             <a:srgbClr val="020302"/>
                           </a:solidFill>
@@ -4675,14 +4503,14 @@
                         </a:spcBef>
                       </a:pPr>
                       <a:r>
-                        <a:rPr sz="900" spc="0" dirty="0">
+                        <a:rPr lang="de-de" sz="900" spc="0" dirty="0">
                           <a:solidFill>
                             <a:srgbClr val="020302"/>
                           </a:solidFill>
                           <a:latin typeface="AdobeClean-Light"/>
                           <a:cs typeface="AdobeClean-Light"/>
                         </a:rPr>
-                        <a:t>Service Reviews  per Year</a:t>
+                        <a:t>연간 서비스 리뷰</a:t>
                       </a:r>
                       <a:endParaRPr sz="900" spc="0" dirty="0">
                         <a:latin typeface="AdobeClean-Light"/>
@@ -4785,7 +4613,7 @@
                         </a:spcBef>
                       </a:pPr>
                       <a:r>
-                        <a:rPr sz="900" spc="0" dirty="0">
+                        <a:rPr lang="de-de" sz="900" spc="0" dirty="0">
                           <a:solidFill>
                             <a:srgbClr val="020302"/>
                           </a:solidFill>
@@ -4816,7 +4644,7 @@
                         </a:spcBef>
                       </a:pPr>
                       <a:r>
-                        <a:rPr sz="900" spc="0" dirty="0">
+                        <a:rPr lang="de-de" sz="900" spc="0" dirty="0">
                           <a:solidFill>
                             <a:srgbClr val="020302"/>
                           </a:solidFill>
@@ -4871,11 +4699,11 @@
                         </a:spcBef>
                       </a:pPr>
                       <a:r>
-                        <a:rPr lang="en-US" sz="900" spc="0" dirty="0">
+                        <a:rPr lang="de-de" sz="900" spc="0" dirty="0">
                           <a:latin typeface="AdobeClean-Light"/>
                           <a:cs typeface="AdobeClean-Light"/>
                         </a:rPr>
-                        <a:t>Expert Sessions per Year</a:t>
+                        <a:t>연간 전문가 세션</a:t>
                       </a:r>
                       <a:endParaRPr sz="900" spc="0" dirty="0">
                         <a:latin typeface="AdobeClean-Light"/>
@@ -4979,7 +4807,7 @@
                         </a:spcBef>
                       </a:pPr>
                       <a:r>
-                        <a:rPr lang="en-US" sz="900" spc="0" dirty="0">
+                        <a:rPr lang="de-de" sz="900" spc="0" dirty="0">
                           <a:latin typeface="AdobeClean-Light"/>
                           <a:cs typeface="AdobeClean-Light"/>
                         </a:rPr>
@@ -5007,7 +4835,7 @@
                         </a:spcBef>
                       </a:pPr>
                       <a:r>
-                        <a:rPr lang="en-US" sz="900" spc="0" dirty="0">
+                        <a:rPr lang="de-de" sz="900" spc="0" dirty="0">
                           <a:latin typeface="AdobeClean-Light"/>
                           <a:cs typeface="AdobeClean-Light"/>
                         </a:rPr>
@@ -5059,11 +4887,11 @@
                         </a:spcBef>
                       </a:pPr>
                       <a:r>
-                        <a:rPr lang="en-US" sz="900" spc="0" dirty="0">
+                        <a:rPr lang="de-de" sz="900" spc="0" dirty="0">
                           <a:latin typeface="AdobeClean-Light"/>
                           <a:cs typeface="AdobeClean-Light"/>
                         </a:rPr>
-                        <a:t>Case Reviews</a:t>
+                        <a:t>사례 검토</a:t>
                       </a:r>
                       <a:endParaRPr sz="900" spc="0" dirty="0">
                         <a:latin typeface="AdobeClean-Light"/>
@@ -5176,7 +5004,7 @@
                         <a:defRPr/>
                       </a:pPr>
                       <a:r>
-                        <a:rPr lang="en-US" sz="900" spc="0" dirty="0">
+                        <a:rPr lang="de-de" sz="900" spc="0" dirty="0">
                           <a:solidFill>
                             <a:srgbClr val="020302"/>
                           </a:solidFill>
@@ -5216,7 +5044,7 @@
                         <a:defRPr/>
                       </a:pPr>
                       <a:r>
-                        <a:rPr lang="en-US" sz="900" spc="0">
+                        <a:rPr lang="de-de" sz="900" spc="0">
                           <a:solidFill>
                             <a:srgbClr val="020302"/>
                           </a:solidFill>
@@ -5301,14 +5129,14 @@
                         </a:spcBef>
                       </a:pPr>
                       <a:r>
-                        <a:rPr sz="900" spc="0" dirty="0">
+                        <a:rPr lang="de-de" sz="900" spc="0" dirty="0">
                           <a:solidFill>
                             <a:srgbClr val="020302"/>
                           </a:solidFill>
                           <a:latin typeface="AdobeClean-Light"/>
                           <a:cs typeface="AdobeClean-Light"/>
                         </a:rPr>
-                        <a:t>Event Management</a:t>
+                        <a:t>이벤트 관리</a:t>
                       </a:r>
                       <a:endParaRPr sz="900" spc="0" dirty="0">
                         <a:latin typeface="AdobeClean-Light"/>
@@ -5429,7 +5257,7 @@
                         </a:spcBef>
                       </a:pPr>
                       <a:r>
-                        <a:rPr sz="900" spc="0" dirty="0">
+                        <a:rPr lang="de-de" sz="900" spc="0" dirty="0">
                           <a:solidFill>
                             <a:srgbClr val="020302"/>
                           </a:solidFill>
@@ -5523,44 +5351,14 @@
                         </a:spcBef>
                       </a:pPr>
                       <a:r>
-                        <a:rPr sz="900" spc="0" dirty="0">
+                        <a:rPr lang="de-de" sz="900" spc="0" dirty="0">
                           <a:solidFill>
                             <a:srgbClr val="020302"/>
                           </a:solidFill>
                           <a:latin typeface="AdobeClean-Light"/>
                           <a:cs typeface="AdobeClean-Light"/>
                         </a:rPr>
-                        <a:t>Environment</a:t>
-                      </a:r>
-                      <a:r>
-                        <a:rPr lang="en-US" sz="900" spc="0" dirty="0">
-                          <a:solidFill>
-                            <a:srgbClr val="020302"/>
-                          </a:solidFill>
-                          <a:latin typeface="AdobeClean-Light"/>
-                          <a:cs typeface="AdobeClean-Light"/>
-                        </a:rPr>
-                        <a:t> </a:t>
-                      </a:r>
-                      <a:r>
-                        <a:rPr sz="900" spc="0" dirty="0">
-                          <a:solidFill>
-                            <a:srgbClr val="020302"/>
-                          </a:solidFill>
-                          <a:latin typeface="AdobeClean-Light"/>
-                          <a:cs typeface="AdobeClean-Light"/>
-                        </a:rPr>
-                        <a:t>Review, Maintenance &amp; Monitoring</a:t>
-                      </a:r>
-                      <a:r>
-                        <a:rPr lang="en-US" sz="900" spc="0" dirty="0">
-                          <a:solidFill>
-                            <a:srgbClr val="020302"/>
-                          </a:solidFill>
-                          <a:latin typeface="AdobeClean-Light"/>
-                          <a:cs typeface="AdobeClean-Light"/>
-                        </a:rPr>
-                        <a:t>,</a:t>
+                        <a:t>환경 검토, 유지 관리 및 모니터링,</a:t>
                       </a:r>
                       <a:endParaRPr sz="900" spc="0" dirty="0">
                         <a:latin typeface="AdobeClean-Light"/>
@@ -5690,7 +5488,7 @@
                         </a:spcBef>
                       </a:pPr>
                       <a:r>
-                        <a:rPr sz="900" spc="0" dirty="0">
+                        <a:rPr lang="de-de" sz="900" spc="0" dirty="0">
                           <a:solidFill>
                             <a:srgbClr val="020302"/>
                           </a:solidFill>
@@ -5775,14 +5573,14 @@
                         </a:spcBef>
                       </a:pPr>
                       <a:r>
-                        <a:rPr sz="900" spc="0" dirty="0">
+                        <a:rPr lang="de-de" sz="900" spc="0" dirty="0">
                           <a:solidFill>
                             <a:srgbClr val="020302"/>
                           </a:solidFill>
                           <a:latin typeface="AdobeClean-Light"/>
                           <a:cs typeface="AdobeClean-Light"/>
                         </a:rPr>
-                        <a:t>Release, Migration, Upgrade &amp; Product Roadmap Review</a:t>
+                        <a:t>릴리스, 마이그레이션, 업그레이드 및 제품 로드맵 검토</a:t>
                       </a:r>
                       <a:endParaRPr sz="900" spc="0" dirty="0">
                         <a:latin typeface="AdobeClean-Light"/>
@@ -5903,7 +5701,7 @@
                         </a:spcBef>
                       </a:pPr>
                       <a:r>
-                        <a:rPr sz="900" spc="0" dirty="0">
+                        <a:rPr lang="de-de" sz="900" spc="0" dirty="0">
                           <a:solidFill>
                             <a:srgbClr val="020302"/>
                           </a:solidFill>
@@ -5997,11 +5795,11 @@
                         </a:spcBef>
                       </a:pPr>
                       <a:r>
-                        <a:rPr sz="900" spc="0" dirty="0">
+                        <a:rPr lang="de-de" sz="900" spc="0" dirty="0">
                           <a:latin typeface="AdobeClean-Light"/>
                           <a:cs typeface="AdobeClean-Light"/>
                         </a:rPr>
-                        <a:t>Cloud Support Activities – Experience Manager as Cloud</a:t>
+                        <a:t>클라우드 지원 활동 – Experience Manager as Cloud</a:t>
                       </a:r>
                     </a:p>
                   </a:txBody>
@@ -6129,7 +5927,7 @@
                         </a:spcBef>
                       </a:pPr>
                       <a:r>
-                        <a:rPr sz="900" spc="0" dirty="0">
+                        <a:rPr lang="de-de" sz="900" spc="0" dirty="0">
                           <a:solidFill>
                             <a:srgbClr val="020302"/>
                           </a:solidFill>
@@ -6167,7 +5965,7 @@
                         </a:spcBef>
                       </a:pPr>
                       <a:r>
-                        <a:rPr sz="900" spc="0" dirty="0">
+                        <a:rPr lang="de-de" sz="900" spc="0" dirty="0">
                           <a:solidFill>
                             <a:srgbClr val="020302"/>
                           </a:solidFill>
@@ -6218,14 +6016,14 @@
                         </a:spcBef>
                       </a:pPr>
                       <a:r>
-                        <a:rPr lang="en-US" sz="1000" b="1" i="0" spc="0" dirty="0">
+                        <a:rPr lang="de-de" sz="1000" b="1" i="0" spc="0" dirty="0">
                           <a:solidFill>
                             <a:schemeClr val="bg1"/>
                           </a:solidFill>
                           <a:latin typeface="Adobe Clean" panose="020B0503020404020204" pitchFamily="34" charset="0"/>
                           <a:cs typeface="AdobeClean-Light"/>
                         </a:rPr>
-                        <a:t>Field Services</a:t>
+                        <a:t>현장 서비스</a:t>
                       </a:r>
                       <a:endParaRPr sz="1000" b="1" i="0" spc="0" dirty="0">
                         <a:solidFill>
@@ -6286,55 +6084,45 @@
                         </a:spcBef>
                       </a:pPr>
                       <a:r>
-                        <a:rPr sz="900" spc="0" dirty="0">
+                        <a:rPr lang="de-de" sz="900" spc="0" dirty="0">
                           <a:solidFill>
                             <a:srgbClr val="020302"/>
                           </a:solidFill>
                           <a:latin typeface="AdobeClean-Light"/>
                           <a:cs typeface="AdobeClean-Light"/>
                         </a:rPr>
-                        <a:t>Launch Advisory Services – First Year of </a:t>
+                        <a:t>출시 자문 서비스 – 새로운 솔루션</a:t>
                       </a:r>
+                      <a:endParaRPr sz="900" spc="0" dirty="0">
+                        <a:latin typeface="AdobeClean-Light"/>
+                        <a:cs typeface="AdobeClean-Light"/>
+                      </a:endParaRPr>
+                    </a:p>
+                    <a:p>
+                      <a:pPr marL="48260">
+                        <a:lnSpc>
+                          <a:spcPct val="100000"/>
+                        </a:lnSpc>
+                        <a:spcBef>
+                          <a:spcPts val="830"/>
+                        </a:spcBef>
+                      </a:pPr>
                       <a:r>
-                        <a:rPr lang="en-US" sz="900" spc="0" dirty="0">
+                        <a:rPr lang="de-de" sz="900" spc="0" dirty="0">
                           <a:solidFill>
                             <a:srgbClr val="020302"/>
                           </a:solidFill>
                           <a:latin typeface="AdobeClean-Light"/>
                           <a:cs typeface="AdobeClean-Light"/>
                         </a:rPr>
-                        <a:t>a </a:t>
+                        <a:t>의 첫 해</a:t>
                       </a:r>
                       <a:r>
-                        <a:rPr sz="900" spc="0" dirty="0">
-                          <a:solidFill>
-                            <a:srgbClr val="020302"/>
-                          </a:solidFill>
+                        <a:rPr lang="de-de" sz="900" spc="0" dirty="0">
                           <a:latin typeface="AdobeClean-Light"/>
                           <a:cs typeface="AdobeClean-Light"/>
                         </a:rPr>
-                        <a:t>new solution</a:t>
-                      </a:r>
-                      <a:endParaRPr sz="900" spc="0" dirty="0">
-                        <a:latin typeface="AdobeClean-Light"/>
-                        <a:cs typeface="AdobeClean-Light"/>
-                      </a:endParaRPr>
-                    </a:p>
-                    <a:p>
-                      <a:pPr marL="48260">
-                        <a:lnSpc>
-                          <a:spcPct val="100000"/>
-                        </a:lnSpc>
-                        <a:spcBef>
-                          <a:spcPts val="830"/>
-                        </a:spcBef>
-                      </a:pPr>
-                      <a:r>
-                        <a:rPr sz="900" spc="0" dirty="0">
-                          <a:latin typeface="AdobeClean-Light"/>
-                          <a:cs typeface="AdobeClean-Light"/>
-                        </a:rPr>
-                        <a:t>Field Service Activities</a:t>
+                        <a:t>현장 서비스 활동</a:t>
                       </a:r>
                     </a:p>
                   </a:txBody>
@@ -6468,7 +6256,7 @@
                         </a:spcBef>
                       </a:pPr>
                       <a:r>
-                        <a:rPr sz="900" spc="0" dirty="0">
+                        <a:rPr lang="de-de" sz="900" spc="0" dirty="0">
                           <a:solidFill>
                             <a:srgbClr val="020302"/>
                           </a:solidFill>
@@ -6506,7 +6294,7 @@
                         </a:spcBef>
                       </a:pPr>
                       <a:r>
-                        <a:rPr sz="900" spc="0" dirty="0">
+                        <a:rPr lang="de-de" sz="900" spc="0" dirty="0">
                           <a:solidFill>
                             <a:srgbClr val="020302"/>
                           </a:solidFill>
@@ -6688,7 +6476,7 @@
                         </a:spcBef>
                       </a:pPr>
                       <a:r>
-                        <a:rPr sz="900" spc="0" dirty="0">
+                        <a:rPr lang="de-de" sz="900" spc="0" dirty="0">
                           <a:solidFill>
                             <a:srgbClr val="020302"/>
                           </a:solidFill>
@@ -6726,7 +6514,7 @@
                         </a:spcBef>
                       </a:pPr>
                       <a:r>
-                        <a:rPr sz="900" spc="0" dirty="0">
+                        <a:rPr lang="de-de" sz="900" spc="0" dirty="0">
                           <a:solidFill>
                             <a:srgbClr val="020302"/>
                           </a:solidFill>
@@ -6779,7 +6567,7 @@
         <p:spPr>
           <a:xfrm>
             <a:off x="5307201" y="9862966"/>
-            <a:ext cx="2270125" cy="132729"/>
+            <a:ext cx="2693799" cy="132729"/>
           </a:xfrm>
           <a:prstGeom prst="rect">
             <a:avLst/>
@@ -6800,24 +6588,16 @@
               </a:spcBef>
             </a:pPr>
             <a:r>
-              <a:rPr spc="-5" dirty="0"/>
-              <a:t>©202</a:t>
-            </a:r>
-            <a:r>
-              <a:rPr lang="en-US" spc="-5" dirty="0"/>
-              <a:t>1</a:t>
-            </a:r>
-            <a:r>
-              <a:rPr spc="-5" dirty="0"/>
-              <a:t> Adobe. All Rights Reserved. Adobe</a:t>
-            </a:r>
-            <a:r>
-              <a:rPr spc="60" dirty="0"/>
+              <a:rPr lang="de-de" spc="-5" dirty="0"/>
+              <a:t>©2021 Adobe. All Rights Reserved. Adobe</a:t>
+            </a:r>
+            <a:r>
+              <a:rPr lang="de-de" spc="60" dirty="0"/>
               <a:t> </a:t>
             </a:r>
             <a:r>
-              <a:rPr spc="-5" dirty="0"/>
-              <a:t>Confidential.</a:t>
+              <a:rPr lang="de-de" spc="-5" dirty="0"/>
+              <a:t>기밀.</a:t>
             </a:r>
           </a:p>
         </p:txBody>
@@ -6831,14 +6611,14 @@
           <p:nvPr>
             <p:extLst>
               <p:ext uri="{D42A27DB-BD31-4B8C-83A1-F6EECF244321}">
-                <p14:modId xmlns:p14="http://schemas.microsoft.com/office/powerpoint/2010/main" val="4076912474"/>
+                <p14:modId xmlns:p14="http://schemas.microsoft.com/office/powerpoint/2010/main" val="2197820453"/>
               </p:ext>
             </p:extLst>
           </p:nvPr>
         </p:nvGraphicFramePr>
         <p:xfrm>
           <a:off x="33527" y="7483227"/>
-          <a:ext cx="7705343" cy="2346573"/>
+          <a:ext cx="7705343" cy="2175327"/>
         </p:xfrm>
         <a:graphic>
           <a:graphicData uri="http://schemas.openxmlformats.org/drawingml/2006/table">
@@ -6898,14 +6678,14 @@
                         </a:spcBef>
                       </a:pPr>
                       <a:r>
-                        <a:rPr sz="900" spc="0" dirty="0">
+                        <a:rPr lang="de-de" sz="900" spc="0" dirty="0">
                           <a:solidFill>
                             <a:srgbClr val="020302"/>
                           </a:solidFill>
                           <a:latin typeface="Adobe Clean"/>
                           <a:cs typeface="Adobe Clean"/>
                         </a:rPr>
-                        <a:t>Priority</a:t>
+                        <a:t>우선 순위</a:t>
                       </a:r>
                       <a:endParaRPr sz="900" spc="0" dirty="0">
                         <a:latin typeface="Adobe Clean"/>
@@ -6957,34 +6737,14 @@
                         </a:spcBef>
                       </a:pPr>
                       <a:r>
-                        <a:rPr sz="900" spc="0" dirty="0">
+                        <a:rPr lang="de-de" sz="900" spc="0" dirty="0">
                           <a:solidFill>
                             <a:srgbClr val="020302"/>
                           </a:solidFill>
                           <a:latin typeface="Adobe Clean"/>
                           <a:cs typeface="Adobe Clean"/>
                         </a:rPr>
-                        <a:t>Online </a:t>
-                      </a:r>
-                      <a:r>
-                        <a:rPr lang="en-US" sz="900" spc="0" dirty="0">
-                          <a:solidFill>
-                            <a:srgbClr val="020302"/>
-                          </a:solidFill>
-                          <a:latin typeface="Adobe Clean"/>
-                          <a:cs typeface="Adobe Clean"/>
-                        </a:rPr>
-                        <a:t> </a:t>
-                      </a:r>
-                      <a:r>
-                        <a:rPr sz="900" spc="0" dirty="0">
-                          <a:solidFill>
-                            <a:srgbClr val="020302"/>
-                          </a:solidFill>
-                          <a:latin typeface="Adobe Clean"/>
-                          <a:cs typeface="Adobe Clean"/>
-                        </a:rPr>
-                        <a:t>Support</a:t>
+                        <a:t>온라인  지원</a:t>
                       </a:r>
                       <a:endParaRPr sz="900" spc="0" dirty="0">
                         <a:latin typeface="Adobe Clean"/>
@@ -7036,192 +6796,132 @@
                         </a:spcBef>
                       </a:pPr>
                       <a:r>
-                        <a:rPr sz="900" spc="0" dirty="0">
+                        <a:rPr lang="de-de" sz="900" spc="0" dirty="0">
                           <a:solidFill>
                             <a:srgbClr val="FFFFFF"/>
                           </a:solidFill>
                           <a:latin typeface="Adobe Clean"/>
                           <a:cs typeface="Adobe Clean"/>
                         </a:rPr>
-                        <a:t>Business</a:t>
+                        <a:t>비즈니스 지원</a:t>
                       </a:r>
+                      <a:endParaRPr sz="900" spc="0" dirty="0">
+                        <a:latin typeface="Adobe Clean"/>
+                        <a:cs typeface="Adobe Clean"/>
+                      </a:endParaRPr>
+                    </a:p>
+                  </a:txBody>
+                  <a:tcPr marL="0" marR="0" marT="0" marB="0" anchor="ctr">
+                    <a:lnL w="3175">
+                      <a:solidFill>
+                        <a:srgbClr val="B7B8B8"/>
+                      </a:solidFill>
+                      <a:prstDash val="solid"/>
+                    </a:lnL>
+                    <a:lnR w="3175">
+                      <a:solidFill>
+                        <a:srgbClr val="B7B8B8"/>
+                      </a:solidFill>
+                      <a:prstDash val="solid"/>
+                    </a:lnR>
+                    <a:lnT w="3175">
+                      <a:solidFill>
+                        <a:srgbClr val="B7B8B8"/>
+                      </a:solidFill>
+                      <a:prstDash val="solid"/>
+                    </a:lnT>
+                    <a:lnB w="76200">
+                      <a:solidFill>
+                        <a:srgbClr val="ACD2FF"/>
+                      </a:solidFill>
+                      <a:prstDash val="solid"/>
+                    </a:lnB>
+                    <a:solidFill>
+                      <a:srgbClr val="7D7D7D"/>
+                    </a:solidFill>
+                  </a:tcPr>
+                </a:tc>
+                <a:tc>
+                  <a:txBody>
+                    <a:bodyPr/>
+                    <a:lstStyle/>
+                    <a:p>
+                      <a:pPr marL="0" algn="ctr">
+                        <a:lnSpc>
+                          <a:spcPct val="100000"/>
+                        </a:lnSpc>
+                        <a:spcBef>
+                          <a:spcPts val="60"/>
+                        </a:spcBef>
+                      </a:pPr>
                       <a:r>
-                        <a:rPr lang="en-US" sz="900" spc="0" dirty="0">
+                        <a:rPr lang="de-de" sz="900" spc="0" dirty="0">
                           <a:solidFill>
                             <a:srgbClr val="FFFFFF"/>
                           </a:solidFill>
                           <a:latin typeface="Adobe Clean"/>
                           <a:cs typeface="Adobe Clean"/>
                         </a:rPr>
-                        <a:t> </a:t>
+                        <a:t>엔터프라이즈  지원</a:t>
                       </a:r>
+                      <a:endParaRPr sz="900" spc="0" dirty="0">
+                        <a:latin typeface="Adobe Clean"/>
+                        <a:cs typeface="Adobe Clean"/>
+                      </a:endParaRPr>
+                    </a:p>
+                  </a:txBody>
+                  <a:tcPr marL="0" marR="0" marT="0" marB="0" anchor="ctr">
+                    <a:lnL w="3175">
+                      <a:solidFill>
+                        <a:srgbClr val="B7B8B8"/>
+                      </a:solidFill>
+                      <a:prstDash val="solid"/>
+                    </a:lnL>
+                    <a:lnR w="3175">
+                      <a:solidFill>
+                        <a:srgbClr val="B7B8B8"/>
+                      </a:solidFill>
+                      <a:prstDash val="solid"/>
+                    </a:lnR>
+                    <a:lnT w="3175">
+                      <a:solidFill>
+                        <a:srgbClr val="B7B8B8"/>
+                      </a:solidFill>
+                      <a:prstDash val="solid"/>
+                    </a:lnT>
+                    <a:lnB w="76200">
+                      <a:solidFill>
+                        <a:srgbClr val="2E8FFF"/>
+                      </a:solidFill>
+                      <a:prstDash val="solid"/>
+                    </a:lnB>
+                    <a:solidFill>
+                      <a:srgbClr val="404040"/>
+                    </a:solidFill>
+                  </a:tcPr>
+                </a:tc>
+                <a:tc>
+                  <a:txBody>
+                    <a:bodyPr/>
+                    <a:lstStyle/>
+                    <a:p>
+                      <a:pPr marL="0" algn="ctr">
+                        <a:lnSpc>
+                          <a:spcPct val="100000"/>
+                        </a:lnSpc>
+                        <a:spcBef>
+                          <a:spcPts val="60"/>
+                        </a:spcBef>
+                      </a:pPr>
                       <a:r>
-                        <a:rPr sz="900" spc="0" dirty="0">
+                        <a:rPr lang="de-de" sz="900" spc="0" dirty="0">
                           <a:solidFill>
                             <a:srgbClr val="FFFFFF"/>
                           </a:solidFill>
                           <a:latin typeface="Adobe Clean"/>
                           <a:cs typeface="Adobe Clean"/>
                         </a:rPr>
-                        <a:t>Support</a:t>
-                      </a:r>
-                      <a:endParaRPr sz="900" spc="0" dirty="0">
-                        <a:latin typeface="Adobe Clean"/>
-                        <a:cs typeface="Adobe Clean"/>
-                      </a:endParaRPr>
-                    </a:p>
-                  </a:txBody>
-                  <a:tcPr marL="0" marR="0" marT="0" marB="0" anchor="ctr">
-                    <a:lnL w="3175">
-                      <a:solidFill>
-                        <a:srgbClr val="B7B8B8"/>
-                      </a:solidFill>
-                      <a:prstDash val="solid"/>
-                    </a:lnL>
-                    <a:lnR w="3175">
-                      <a:solidFill>
-                        <a:srgbClr val="B7B8B8"/>
-                      </a:solidFill>
-                      <a:prstDash val="solid"/>
-                    </a:lnR>
-                    <a:lnT w="3175">
-                      <a:solidFill>
-                        <a:srgbClr val="B7B8B8"/>
-                      </a:solidFill>
-                      <a:prstDash val="solid"/>
-                    </a:lnT>
-                    <a:lnB w="76200">
-                      <a:solidFill>
-                        <a:srgbClr val="ACD2FF"/>
-                      </a:solidFill>
-                      <a:prstDash val="solid"/>
-                    </a:lnB>
-                    <a:solidFill>
-                      <a:srgbClr val="7D7D7D"/>
-                    </a:solidFill>
-                  </a:tcPr>
-                </a:tc>
-                <a:tc>
-                  <a:txBody>
-                    <a:bodyPr/>
-                    <a:lstStyle/>
-                    <a:p>
-                      <a:pPr marL="0" algn="ctr">
-                        <a:lnSpc>
-                          <a:spcPct val="100000"/>
-                        </a:lnSpc>
-                        <a:spcBef>
-                          <a:spcPts val="60"/>
-                        </a:spcBef>
-                      </a:pPr>
-                      <a:r>
-                        <a:rPr sz="900" spc="0" dirty="0">
-                          <a:solidFill>
-                            <a:srgbClr val="FFFFFF"/>
-                          </a:solidFill>
-                          <a:latin typeface="Adobe Clean"/>
-                          <a:cs typeface="Adobe Clean"/>
-                        </a:rPr>
-                        <a:t>Enterprise </a:t>
-                      </a:r>
-                      <a:r>
-                        <a:rPr lang="en-US" sz="900" spc="0" dirty="0">
-                          <a:solidFill>
-                            <a:srgbClr val="FFFFFF"/>
-                          </a:solidFill>
-                          <a:latin typeface="Adobe Clean"/>
-                          <a:cs typeface="Adobe Clean"/>
-                        </a:rPr>
-                        <a:t> </a:t>
-                      </a:r>
-                      <a:r>
-                        <a:rPr sz="900" spc="0" dirty="0">
-                          <a:solidFill>
-                            <a:srgbClr val="FFFFFF"/>
-                          </a:solidFill>
-                          <a:latin typeface="Adobe Clean"/>
-                          <a:cs typeface="Adobe Clean"/>
-                        </a:rPr>
-                        <a:t>Support</a:t>
-                      </a:r>
-                      <a:endParaRPr sz="900" spc="0" dirty="0">
-                        <a:latin typeface="Adobe Clean"/>
-                        <a:cs typeface="Adobe Clean"/>
-                      </a:endParaRPr>
-                    </a:p>
-                  </a:txBody>
-                  <a:tcPr marL="0" marR="0" marT="0" marB="0" anchor="ctr">
-                    <a:lnL w="3175">
-                      <a:solidFill>
-                        <a:srgbClr val="B7B8B8"/>
-                      </a:solidFill>
-                      <a:prstDash val="solid"/>
-                    </a:lnL>
-                    <a:lnR w="3175">
-                      <a:solidFill>
-                        <a:srgbClr val="B7B8B8"/>
-                      </a:solidFill>
-                      <a:prstDash val="solid"/>
-                    </a:lnR>
-                    <a:lnT w="3175">
-                      <a:solidFill>
-                        <a:srgbClr val="B7B8B8"/>
-                      </a:solidFill>
-                      <a:prstDash val="solid"/>
-                    </a:lnT>
-                    <a:lnB w="76200">
-                      <a:solidFill>
-                        <a:srgbClr val="2E8FFF"/>
-                      </a:solidFill>
-                      <a:prstDash val="solid"/>
-                    </a:lnB>
-                    <a:solidFill>
-                      <a:srgbClr val="404040"/>
-                    </a:solidFill>
-                  </a:tcPr>
-                </a:tc>
-                <a:tc>
-                  <a:txBody>
-                    <a:bodyPr/>
-                    <a:lstStyle/>
-                    <a:p>
-                      <a:pPr marL="0" algn="ctr">
-                        <a:lnSpc>
-                          <a:spcPct val="100000"/>
-                        </a:lnSpc>
-                        <a:spcBef>
-                          <a:spcPts val="60"/>
-                        </a:spcBef>
-                      </a:pPr>
-                      <a:r>
-                        <a:rPr sz="900" spc="0" dirty="0">
-                          <a:solidFill>
-                            <a:srgbClr val="FFFFFF"/>
-                          </a:solidFill>
-                          <a:latin typeface="Adobe Clean"/>
-                          <a:cs typeface="Adobe Clean"/>
-                        </a:rPr>
-                        <a:t>Elite</a:t>
-                      </a:r>
-                      <a:r>
-                        <a:rPr lang="en-US" sz="900" spc="0" dirty="0">
-                          <a:solidFill>
-                            <a:srgbClr val="FFFFFF"/>
-                          </a:solidFill>
-                          <a:latin typeface="Adobe Clean"/>
-                          <a:cs typeface="Adobe Clean"/>
-                        </a:rPr>
-                        <a:t> </a:t>
-                      </a:r>
-                      <a:r>
-                        <a:rPr sz="900" spc="0" dirty="0">
-                          <a:solidFill>
-                            <a:srgbClr val="FFFFFF"/>
-                          </a:solidFill>
-                          <a:latin typeface="Adobe Clean"/>
-                          <a:cs typeface="Adobe Clean"/>
-                        </a:rPr>
-                        <a:t>Support</a:t>
+                        <a:t>엘리트 지원</a:t>
                       </a:r>
                       <a:endParaRPr sz="900" spc="0" dirty="0">
                         <a:latin typeface="Adobe Clean"/>
@@ -7280,14 +6980,14 @@
                         </a:spcBef>
                       </a:pPr>
                       <a:r>
-                        <a:rPr sz="900" b="1" spc="0" dirty="0">
+                        <a:rPr lang="de-de" sz="900" b="1" spc="0" dirty="0">
                           <a:solidFill>
                             <a:srgbClr val="020302"/>
                           </a:solidFill>
                           <a:latin typeface="Adobe Clean"/>
                           <a:cs typeface="Adobe Clean"/>
                         </a:rPr>
-                        <a:t>PRIORITY 1</a:t>
+                        <a:t>우선 순위 1</a:t>
                       </a:r>
                       <a:endParaRPr sz="900" spc="0" dirty="0">
                         <a:latin typeface="Adobe Clean"/>
@@ -7304,14 +7004,14 @@
                         </a:spcBef>
                       </a:pPr>
                       <a:r>
-                        <a:rPr lang="en-US" sz="900" b="0" i="0" spc="0" dirty="0">
+                        <a:rPr lang="de-de" sz="900" b="0" i="0" spc="0" dirty="0">
                           <a:solidFill>
                             <a:srgbClr val="000000"/>
                           </a:solidFill>
                           <a:effectLst/>
                           <a:latin typeface="Adobe Clean Light" panose="020B0303020404020204" pitchFamily="34" charset="0"/>
                         </a:rPr>
-                        <a:t>Customer's production business functions are down or have significant data loss or service degradation and immediate attention is required to restore functionality and usability. </a:t>
+                        <a:t>고객의 생산 비즈니스 기능이 다운되었거나 심각한 데이터 손실 또는 서비스 저하가 발생했으며 기능 및 사용성을 복원하기 위해 즉각적인 주의가 필요합니다. </a:t>
                       </a:r>
                       <a:endParaRPr sz="900" spc="0" dirty="0">
                         <a:latin typeface="AdobeClean-Light"/>
@@ -7360,362 +7060,182 @@
                         </a:spcBef>
                       </a:pPr>
                       <a:r>
-                        <a:rPr sz="900" spc="0" dirty="0">
+                        <a:rPr lang="de-de" sz="900" spc="0" dirty="0">
                           <a:solidFill>
                             <a:srgbClr val="020302"/>
                           </a:solidFill>
                           <a:latin typeface="AdobeClean-Light"/>
                           <a:cs typeface="AdobeClean-Light"/>
                         </a:rPr>
-                        <a:t>24x7</a:t>
+                        <a:t>24x7 /                1시간</a:t>
                       </a:r>
+                      <a:endParaRPr sz="900" spc="0" dirty="0">
+                        <a:latin typeface="AdobeClean-Light"/>
+                        <a:cs typeface="AdobeClean-Light"/>
+                      </a:endParaRPr>
+                    </a:p>
+                  </a:txBody>
+                  <a:tcPr marL="0" marR="0" marT="0" marB="0" anchor="ctr">
+                    <a:lnL w="3175">
+                      <a:solidFill>
+                        <a:srgbClr val="B7B8B8"/>
+                      </a:solidFill>
+                      <a:prstDash val="solid"/>
+                    </a:lnL>
+                    <a:lnR w="3175">
+                      <a:solidFill>
+                        <a:srgbClr val="B7B8B8"/>
+                      </a:solidFill>
+                      <a:prstDash val="solid"/>
+                    </a:lnR>
+                    <a:lnT w="76200">
+                      <a:solidFill>
+                        <a:srgbClr val="858585"/>
+                      </a:solidFill>
+                      <a:prstDash val="solid"/>
+                    </a:lnT>
+                    <a:lnB w="3175">
+                      <a:solidFill>
+                        <a:srgbClr val="B7B8B8"/>
+                      </a:solidFill>
+                      <a:prstDash val="solid"/>
+                    </a:lnB>
+                  </a:tcPr>
+                </a:tc>
+                <a:tc>
+                  <a:txBody>
+                    <a:bodyPr/>
+                    <a:lstStyle/>
+                    <a:p>
+                      <a:pPr marL="0" marR="325755" indent="-3810" algn="ctr">
+                        <a:lnSpc>
+                          <a:spcPct val="100000"/>
+                        </a:lnSpc>
+                        <a:spcBef>
+                          <a:spcPts val="670"/>
+                        </a:spcBef>
+                      </a:pPr>
                       <a:r>
-                        <a:rPr lang="en-US" sz="900" spc="0" dirty="0">
+                        <a:rPr lang="de-de" sz="900" spc="0" dirty="0">
                           <a:solidFill>
                             <a:srgbClr val="020302"/>
                           </a:solidFill>
                           <a:latin typeface="AdobeClean-Light"/>
                           <a:cs typeface="AdobeClean-Light"/>
                         </a:rPr>
-                        <a:t> </a:t>
+                        <a:t>24x7 /              1시간</a:t>
                       </a:r>
+                      <a:endParaRPr sz="900" spc="0" dirty="0">
+                        <a:latin typeface="AdobeClean-Light"/>
+                        <a:cs typeface="AdobeClean-Light"/>
+                      </a:endParaRPr>
+                    </a:p>
+                  </a:txBody>
+                  <a:tcPr marL="0" marR="0" marT="0" marB="0" anchor="ctr">
+                    <a:lnL w="3175">
+                      <a:solidFill>
+                        <a:srgbClr val="B7B8B8"/>
+                      </a:solidFill>
+                      <a:prstDash val="solid"/>
+                    </a:lnL>
+                    <a:lnR w="3175">
+                      <a:solidFill>
+                        <a:srgbClr val="B7B8B8"/>
+                      </a:solidFill>
+                      <a:prstDash val="solid"/>
+                    </a:lnR>
+                    <a:lnT w="76200">
+                      <a:solidFill>
+                        <a:srgbClr val="ACD2FF"/>
+                      </a:solidFill>
+                      <a:prstDash val="solid"/>
+                    </a:lnT>
+                    <a:lnB w="3175">
+                      <a:solidFill>
+                        <a:srgbClr val="B7B8B8"/>
+                      </a:solidFill>
+                      <a:prstDash val="solid"/>
+                    </a:lnB>
+                  </a:tcPr>
+                </a:tc>
+                <a:tc>
+                  <a:txBody>
+                    <a:bodyPr/>
+                    <a:lstStyle/>
+                    <a:p>
+                      <a:pPr marL="0" marR="258445" indent="115570" algn="ctr">
+                        <a:lnSpc>
+                          <a:spcPct val="100000"/>
+                        </a:lnSpc>
+                        <a:spcBef>
+                          <a:spcPts val="670"/>
+                        </a:spcBef>
+                      </a:pPr>
                       <a:r>
-                        <a:rPr sz="900" spc="0" dirty="0">
+                        <a:rPr lang="de-de" sz="900" spc="0" dirty="0">
                           <a:solidFill>
                             <a:srgbClr val="020302"/>
                           </a:solidFill>
                           <a:latin typeface="AdobeClean-Light"/>
                           <a:cs typeface="AdobeClean-Light"/>
                         </a:rPr>
-                        <a:t>/</a:t>
+                        <a:t>24x7 /           30분</a:t>
                       </a:r>
+                      <a:endParaRPr sz="900" spc="0" dirty="0">
+                        <a:latin typeface="AdobeClean-Light"/>
+                        <a:cs typeface="AdobeClean-Light"/>
+                      </a:endParaRPr>
+                    </a:p>
+                  </a:txBody>
+                  <a:tcPr marL="0" marR="0" marT="0" marB="0" anchor="ctr">
+                    <a:lnL w="3175">
+                      <a:solidFill>
+                        <a:srgbClr val="B7B8B8"/>
+                      </a:solidFill>
+                      <a:prstDash val="solid"/>
+                    </a:lnL>
+                    <a:lnR w="3175">
+                      <a:solidFill>
+                        <a:srgbClr val="B7B8B8"/>
+                      </a:solidFill>
+                      <a:prstDash val="solid"/>
+                    </a:lnR>
+                    <a:lnT w="76200">
+                      <a:solidFill>
+                        <a:srgbClr val="2E8FFF"/>
+                      </a:solidFill>
+                      <a:prstDash val="solid"/>
+                    </a:lnT>
+                    <a:lnB w="3175">
+                      <a:solidFill>
+                        <a:srgbClr val="B7B8B8"/>
+                      </a:solidFill>
+                      <a:prstDash val="solid"/>
+                    </a:lnB>
+                  </a:tcPr>
+                </a:tc>
+                <a:tc>
+                  <a:txBody>
+                    <a:bodyPr/>
+                    <a:lstStyle/>
+                    <a:p>
+                      <a:pPr marL="0" marR="271780" indent="103505" algn="ctr">
+                        <a:lnSpc>
+                          <a:spcPct val="100000"/>
+                        </a:lnSpc>
+                        <a:spcBef>
+                          <a:spcPts val="670"/>
+                        </a:spcBef>
+                      </a:pPr>
                       <a:r>
-                        <a:rPr lang="en-US" sz="900" spc="0" dirty="0">
+                        <a:rPr lang="de-de" sz="900" spc="0" dirty="0">
                           <a:solidFill>
                             <a:srgbClr val="020302"/>
                           </a:solidFill>
                           <a:latin typeface="AdobeClean-Light"/>
                           <a:cs typeface="AdobeClean-Light"/>
                         </a:rPr>
-                        <a:t>                </a:t>
-                      </a:r>
-                      <a:r>
-                        <a:rPr sz="900" spc="0" dirty="0">
-                          <a:solidFill>
-                            <a:srgbClr val="020302"/>
-                          </a:solidFill>
-                          <a:latin typeface="AdobeClean-Light"/>
-                          <a:cs typeface="AdobeClean-Light"/>
-                        </a:rPr>
-                        <a:t>1</a:t>
-                      </a:r>
-                      <a:r>
-                        <a:rPr lang="en-US" sz="900" spc="0" dirty="0">
-                          <a:solidFill>
-                            <a:srgbClr val="020302"/>
-                          </a:solidFill>
-                          <a:latin typeface="AdobeClean-Light"/>
-                          <a:cs typeface="AdobeClean-Light"/>
-                        </a:rPr>
-                        <a:t> </a:t>
-                      </a:r>
-                      <a:r>
-                        <a:rPr sz="900" spc="0" dirty="0">
-                          <a:solidFill>
-                            <a:srgbClr val="020302"/>
-                          </a:solidFill>
-                          <a:latin typeface="AdobeClean-Light"/>
-                          <a:cs typeface="AdobeClean-Light"/>
-                        </a:rPr>
-                        <a:t>hour</a:t>
-                      </a:r>
-                      <a:endParaRPr sz="900" spc="0" dirty="0">
-                        <a:latin typeface="AdobeClean-Light"/>
-                        <a:cs typeface="AdobeClean-Light"/>
-                      </a:endParaRPr>
-                    </a:p>
-                  </a:txBody>
-                  <a:tcPr marL="0" marR="0" marT="0" marB="0" anchor="ctr">
-                    <a:lnL w="3175">
-                      <a:solidFill>
-                        <a:srgbClr val="B7B8B8"/>
-                      </a:solidFill>
-                      <a:prstDash val="solid"/>
-                    </a:lnL>
-                    <a:lnR w="3175">
-                      <a:solidFill>
-                        <a:srgbClr val="B7B8B8"/>
-                      </a:solidFill>
-                      <a:prstDash val="solid"/>
-                    </a:lnR>
-                    <a:lnT w="76200">
-                      <a:solidFill>
-                        <a:srgbClr val="858585"/>
-                      </a:solidFill>
-                      <a:prstDash val="solid"/>
-                    </a:lnT>
-                    <a:lnB w="3175">
-                      <a:solidFill>
-                        <a:srgbClr val="B7B8B8"/>
-                      </a:solidFill>
-                      <a:prstDash val="solid"/>
-                    </a:lnB>
-                  </a:tcPr>
-                </a:tc>
-                <a:tc>
-                  <a:txBody>
-                    <a:bodyPr/>
-                    <a:lstStyle/>
-                    <a:p>
-                      <a:pPr marL="0" marR="325755" indent="-3810" algn="ctr">
-                        <a:lnSpc>
-                          <a:spcPct val="100000"/>
-                        </a:lnSpc>
-                        <a:spcBef>
-                          <a:spcPts val="670"/>
-                        </a:spcBef>
-                      </a:pPr>
-                      <a:r>
-                        <a:rPr sz="900" spc="0" dirty="0">
-                          <a:solidFill>
-                            <a:srgbClr val="020302"/>
-                          </a:solidFill>
-                          <a:latin typeface="AdobeClean-Light"/>
-                          <a:cs typeface="AdobeClean-Light"/>
-                        </a:rPr>
-                        <a:t>24x7</a:t>
-                      </a:r>
-                      <a:r>
-                        <a:rPr lang="en-US" sz="900" spc="0" dirty="0">
-                          <a:solidFill>
-                            <a:srgbClr val="020302"/>
-                          </a:solidFill>
-                          <a:latin typeface="AdobeClean-Light"/>
-                          <a:cs typeface="AdobeClean-Light"/>
-                        </a:rPr>
-                        <a:t> </a:t>
-                      </a:r>
-                      <a:r>
-                        <a:rPr sz="900" spc="0" dirty="0">
-                          <a:solidFill>
-                            <a:srgbClr val="020302"/>
-                          </a:solidFill>
-                          <a:latin typeface="AdobeClean-Light"/>
-                          <a:cs typeface="AdobeClean-Light"/>
-                        </a:rPr>
-                        <a:t>/  </a:t>
-                      </a:r>
-                      <a:r>
-                        <a:rPr lang="en-US" sz="900" spc="0" dirty="0">
-                          <a:solidFill>
-                            <a:srgbClr val="020302"/>
-                          </a:solidFill>
-                          <a:latin typeface="AdobeClean-Light"/>
-                          <a:cs typeface="AdobeClean-Light"/>
-                        </a:rPr>
-                        <a:t>            </a:t>
-                      </a:r>
-                      <a:r>
-                        <a:rPr sz="900" spc="0" dirty="0">
-                          <a:solidFill>
-                            <a:srgbClr val="020302"/>
-                          </a:solidFill>
-                          <a:latin typeface="AdobeClean-Light"/>
-                          <a:cs typeface="AdobeClean-Light"/>
-                        </a:rPr>
-                        <a:t>1 hour</a:t>
-                      </a:r>
-                      <a:endParaRPr sz="900" spc="0" dirty="0">
-                        <a:latin typeface="AdobeClean-Light"/>
-                        <a:cs typeface="AdobeClean-Light"/>
-                      </a:endParaRPr>
-                    </a:p>
-                  </a:txBody>
-                  <a:tcPr marL="0" marR="0" marT="0" marB="0" anchor="ctr">
-                    <a:lnL w="3175">
-                      <a:solidFill>
-                        <a:srgbClr val="B7B8B8"/>
-                      </a:solidFill>
-                      <a:prstDash val="solid"/>
-                    </a:lnL>
-                    <a:lnR w="3175">
-                      <a:solidFill>
-                        <a:srgbClr val="B7B8B8"/>
-                      </a:solidFill>
-                      <a:prstDash val="solid"/>
-                    </a:lnR>
-                    <a:lnT w="76200">
-                      <a:solidFill>
-                        <a:srgbClr val="ACD2FF"/>
-                      </a:solidFill>
-                      <a:prstDash val="solid"/>
-                    </a:lnT>
-                    <a:lnB w="3175">
-                      <a:solidFill>
-                        <a:srgbClr val="B7B8B8"/>
-                      </a:solidFill>
-                      <a:prstDash val="solid"/>
-                    </a:lnB>
-                  </a:tcPr>
-                </a:tc>
-                <a:tc>
-                  <a:txBody>
-                    <a:bodyPr/>
-                    <a:lstStyle/>
-                    <a:p>
-                      <a:pPr marL="0" marR="258445" indent="115570" algn="ctr">
-                        <a:lnSpc>
-                          <a:spcPct val="100000"/>
-                        </a:lnSpc>
-                        <a:spcBef>
-                          <a:spcPts val="670"/>
-                        </a:spcBef>
-                      </a:pPr>
-                      <a:r>
-                        <a:rPr sz="900" spc="0" dirty="0">
-                          <a:solidFill>
-                            <a:srgbClr val="020302"/>
-                          </a:solidFill>
-                          <a:latin typeface="AdobeClean-Light"/>
-                          <a:cs typeface="AdobeClean-Light"/>
-                        </a:rPr>
-                        <a:t>24x7 /  </a:t>
-                      </a:r>
-                      <a:r>
-                        <a:rPr lang="en-US" sz="900" spc="0" dirty="0">
-                          <a:solidFill>
-                            <a:srgbClr val="020302"/>
-                          </a:solidFill>
-                          <a:latin typeface="AdobeClean-Light"/>
-                          <a:cs typeface="AdobeClean-Light"/>
-                        </a:rPr>
-                        <a:t>         </a:t>
-                      </a:r>
-                      <a:r>
-                        <a:rPr sz="900" spc="0" dirty="0">
-                          <a:solidFill>
-                            <a:srgbClr val="020302"/>
-                          </a:solidFill>
-                          <a:latin typeface="AdobeClean-Light"/>
-                          <a:cs typeface="AdobeClean-Light"/>
-                        </a:rPr>
-                        <a:t>30</a:t>
-                      </a:r>
-                      <a:r>
-                        <a:rPr lang="en-US" sz="900" spc="0" dirty="0">
-                          <a:solidFill>
-                            <a:srgbClr val="020302"/>
-                          </a:solidFill>
-                          <a:latin typeface="AdobeClean-Light"/>
-                          <a:cs typeface="AdobeClean-Light"/>
-                        </a:rPr>
-                        <a:t> </a:t>
-                      </a:r>
-                      <a:r>
-                        <a:rPr sz="900" spc="0" dirty="0">
-                          <a:solidFill>
-                            <a:srgbClr val="020302"/>
-                          </a:solidFill>
-                          <a:latin typeface="AdobeClean-Light"/>
-                          <a:cs typeface="AdobeClean-Light"/>
-                        </a:rPr>
-                        <a:t>minutes</a:t>
-                      </a:r>
-                      <a:endParaRPr sz="900" spc="0" dirty="0">
-                        <a:latin typeface="AdobeClean-Light"/>
-                        <a:cs typeface="AdobeClean-Light"/>
-                      </a:endParaRPr>
-                    </a:p>
-                  </a:txBody>
-                  <a:tcPr marL="0" marR="0" marT="0" marB="0" anchor="ctr">
-                    <a:lnL w="3175">
-                      <a:solidFill>
-                        <a:srgbClr val="B7B8B8"/>
-                      </a:solidFill>
-                      <a:prstDash val="solid"/>
-                    </a:lnL>
-                    <a:lnR w="3175">
-                      <a:solidFill>
-                        <a:srgbClr val="B7B8B8"/>
-                      </a:solidFill>
-                      <a:prstDash val="solid"/>
-                    </a:lnR>
-                    <a:lnT w="76200">
-                      <a:solidFill>
-                        <a:srgbClr val="2E8FFF"/>
-                      </a:solidFill>
-                      <a:prstDash val="solid"/>
-                    </a:lnT>
-                    <a:lnB w="3175">
-                      <a:solidFill>
-                        <a:srgbClr val="B7B8B8"/>
-                      </a:solidFill>
-                      <a:prstDash val="solid"/>
-                    </a:lnB>
-                  </a:tcPr>
-                </a:tc>
-                <a:tc>
-                  <a:txBody>
-                    <a:bodyPr/>
-                    <a:lstStyle/>
-                    <a:p>
-                      <a:pPr marL="0" marR="271780" indent="103505" algn="ctr">
-                        <a:lnSpc>
-                          <a:spcPct val="100000"/>
-                        </a:lnSpc>
-                        <a:spcBef>
-                          <a:spcPts val="670"/>
-                        </a:spcBef>
-                      </a:pPr>
-                      <a:r>
-                        <a:rPr sz="900" spc="0" dirty="0">
-                          <a:solidFill>
-                            <a:srgbClr val="020302"/>
-                          </a:solidFill>
-                          <a:latin typeface="AdobeClean-Light"/>
-                          <a:cs typeface="AdobeClean-Light"/>
-                        </a:rPr>
-                        <a:t>24x7 / </a:t>
-                      </a:r>
-                      <a:r>
-                        <a:rPr lang="en-US" sz="900" spc="0" dirty="0">
-                          <a:solidFill>
-                            <a:srgbClr val="020302"/>
-                          </a:solidFill>
-                          <a:latin typeface="AdobeClean-Light"/>
-                          <a:cs typeface="AdobeClean-Light"/>
-                        </a:rPr>
-                        <a:t>       </a:t>
-                      </a:r>
-                      <a:r>
-                        <a:rPr sz="900" spc="0" dirty="0">
-                          <a:solidFill>
-                            <a:srgbClr val="020302"/>
-                          </a:solidFill>
-                          <a:latin typeface="AdobeClean-Light"/>
-                          <a:cs typeface="AdobeClean-Light"/>
-                        </a:rPr>
-                        <a:t> 15</a:t>
-                      </a:r>
-                      <a:r>
-                        <a:rPr lang="en-US" sz="900" spc="0" dirty="0">
-                          <a:solidFill>
-                            <a:srgbClr val="020302"/>
-                          </a:solidFill>
-                          <a:latin typeface="AdobeClean-Light"/>
-                          <a:cs typeface="AdobeClean-Light"/>
-                        </a:rPr>
-                        <a:t> </a:t>
-                      </a:r>
-                      <a:r>
-                        <a:rPr sz="900" spc="0" dirty="0">
-                          <a:solidFill>
-                            <a:srgbClr val="020302"/>
-                          </a:solidFill>
-                          <a:latin typeface="AdobeClean-Light"/>
-                          <a:cs typeface="AdobeClean-Light"/>
-                        </a:rPr>
-                        <a:t>minutes</a:t>
+                        <a:t>24x7 /         15분</a:t>
                       </a:r>
                       <a:endParaRPr sz="900" spc="0" dirty="0">
                         <a:latin typeface="AdobeClean-Light"/>
@@ -7771,14 +7291,14 @@
                         </a:spcBef>
                       </a:pPr>
                       <a:r>
-                        <a:rPr sz="900" b="1" spc="0" dirty="0">
+                        <a:rPr lang="de-de" sz="900" b="1" spc="0" dirty="0">
                           <a:solidFill>
                             <a:srgbClr val="020302"/>
                           </a:solidFill>
                           <a:latin typeface="Adobe Clean"/>
                           <a:cs typeface="Adobe Clean"/>
                         </a:rPr>
-                        <a:t>PRIORITY 2</a:t>
+                        <a:t>우선 순위 2</a:t>
                       </a:r>
                       <a:endParaRPr sz="900" spc="0" dirty="0">
                         <a:latin typeface="Adobe Clean"/>
@@ -7804,14 +7324,14 @@
                         <a:defRPr/>
                       </a:pPr>
                       <a:r>
-                        <a:rPr lang="en-US" sz="900" b="0" i="0" spc="0" dirty="0">
+                        <a:rPr lang="de-de" sz="900" b="0" i="0" spc="0" dirty="0">
                           <a:solidFill>
                             <a:srgbClr val="000000"/>
                           </a:solidFill>
                           <a:effectLst/>
                           <a:latin typeface="Adobe Clean Light" panose="020B0303020404020204" pitchFamily="34" charset="0"/>
                         </a:rPr>
-                        <a:t>Customer's business functions have major service degradation or potential data loss, or a major feature is impacted </a:t>
+                        <a:t>고객의 비즈니스 기능에 심각한 서비스 저하 또는 잠재적인 데이터 손실이 있거나 주요 기능이 영향을 받습니다. </a:t>
                       </a:r>
                       <a:endParaRPr sz="900" b="0" i="0" spc="0" dirty="0">
                         <a:latin typeface="Adobe Clean Light" panose="020B0303020404020204" pitchFamily="34" charset="0"/>
@@ -7860,382 +7380,182 @@
                         </a:spcBef>
                       </a:pPr>
                       <a:r>
-                        <a:rPr sz="900" spc="0" dirty="0">
+                        <a:rPr lang="de-de" sz="900" spc="0" dirty="0">
                           <a:solidFill>
                             <a:srgbClr val="020302"/>
                           </a:solidFill>
                           <a:latin typeface="AdobeClean-Light"/>
                           <a:cs typeface="AdobeClean-Light"/>
                         </a:rPr>
-                        <a:t>Business</a:t>
+                        <a:t>업무 시간 /           4시간</a:t>
                       </a:r>
+                      <a:endParaRPr sz="900" spc="0" dirty="0">
+                        <a:latin typeface="AdobeClean-Light"/>
+                        <a:cs typeface="AdobeClean-Light"/>
+                      </a:endParaRPr>
+                    </a:p>
+                  </a:txBody>
+                  <a:tcPr marL="0" marR="0" marT="0" marB="0" anchor="ctr">
+                    <a:lnL w="3175">
+                      <a:solidFill>
+                        <a:srgbClr val="B7B8B8"/>
+                      </a:solidFill>
+                      <a:prstDash val="solid"/>
+                    </a:lnL>
+                    <a:lnR w="3175">
+                      <a:solidFill>
+                        <a:srgbClr val="B7B8B8"/>
+                      </a:solidFill>
+                      <a:prstDash val="solid"/>
+                    </a:lnR>
+                    <a:lnT w="3175">
+                      <a:solidFill>
+                        <a:srgbClr val="B7B8B8"/>
+                      </a:solidFill>
+                      <a:prstDash val="solid"/>
+                    </a:lnT>
+                    <a:lnB w="3175">
+                      <a:solidFill>
+                        <a:srgbClr val="B7B8B8"/>
+                      </a:solidFill>
+                      <a:prstDash val="solid"/>
+                    </a:lnB>
+                  </a:tcPr>
+                </a:tc>
+                <a:tc>
+                  <a:txBody>
+                    <a:bodyPr/>
+                    <a:lstStyle/>
+                    <a:p>
+                      <a:pPr marL="0" marR="184785" indent="-194310" algn="ctr">
+                        <a:lnSpc>
+                          <a:spcPct val="100000"/>
+                        </a:lnSpc>
+                        <a:spcBef>
+                          <a:spcPts val="670"/>
+                        </a:spcBef>
+                      </a:pPr>
                       <a:r>
-                        <a:rPr lang="en-US" sz="900" spc="0" dirty="0">
+                        <a:rPr lang="de-de" sz="900" spc="0" dirty="0">
                           <a:solidFill>
                             <a:srgbClr val="020302"/>
                           </a:solidFill>
                           <a:latin typeface="AdobeClean-Light"/>
                           <a:cs typeface="AdobeClean-Light"/>
                         </a:rPr>
-                        <a:t> </a:t>
+                        <a:t>업무 시간 /          2시간</a:t>
                       </a:r>
+                      <a:endParaRPr sz="900" spc="0" dirty="0">
+                        <a:latin typeface="AdobeClean-Light"/>
+                        <a:cs typeface="AdobeClean-Light"/>
+                      </a:endParaRPr>
+                    </a:p>
+                  </a:txBody>
+                  <a:tcPr marL="0" marR="0" marT="0" marB="0" anchor="ctr">
+                    <a:lnL w="3175">
+                      <a:solidFill>
+                        <a:srgbClr val="B7B8B8"/>
+                      </a:solidFill>
+                      <a:prstDash val="solid"/>
+                    </a:lnL>
+                    <a:lnR w="3175">
+                      <a:solidFill>
+                        <a:srgbClr val="B7B8B8"/>
+                      </a:solidFill>
+                      <a:prstDash val="solid"/>
+                    </a:lnR>
+                    <a:lnT w="3175">
+                      <a:solidFill>
+                        <a:srgbClr val="B7B8B8"/>
+                      </a:solidFill>
+                      <a:prstDash val="solid"/>
+                    </a:lnT>
+                    <a:lnB w="3175">
+                      <a:solidFill>
+                        <a:srgbClr val="B7B8B8"/>
+                      </a:solidFill>
+                      <a:prstDash val="solid"/>
+                    </a:lnB>
+                  </a:tcPr>
+                </a:tc>
+                <a:tc>
+                  <a:txBody>
+                    <a:bodyPr/>
+                    <a:lstStyle/>
+                    <a:p>
+                      <a:pPr marL="0" marR="325755" indent="-5715" algn="ctr">
+                        <a:lnSpc>
+                          <a:spcPct val="100000"/>
+                        </a:lnSpc>
+                        <a:spcBef>
+                          <a:spcPts val="670"/>
+                        </a:spcBef>
+                      </a:pPr>
                       <a:r>
-                        <a:rPr sz="900" spc="0" dirty="0">
+                        <a:rPr lang="de-de" sz="900" spc="0" dirty="0">
                           <a:solidFill>
                             <a:srgbClr val="020302"/>
                           </a:solidFill>
                           <a:latin typeface="AdobeClean-Light"/>
                           <a:cs typeface="AdobeClean-Light"/>
                         </a:rPr>
-                        <a:t>hours</a:t>
+                        <a:t>24x5 /                1시간</a:t>
                       </a:r>
+                      <a:endParaRPr sz="900" spc="0" dirty="0">
+                        <a:latin typeface="AdobeClean-Light"/>
+                        <a:cs typeface="AdobeClean-Light"/>
+                      </a:endParaRPr>
+                    </a:p>
+                  </a:txBody>
+                  <a:tcPr marL="0" marR="0" marT="0" marB="0" anchor="ctr">
+                    <a:lnL w="3175">
+                      <a:solidFill>
+                        <a:srgbClr val="B7B8B8"/>
+                      </a:solidFill>
+                      <a:prstDash val="solid"/>
+                    </a:lnL>
+                    <a:lnR w="3175">
+                      <a:solidFill>
+                        <a:srgbClr val="B7B8B8"/>
+                      </a:solidFill>
+                      <a:prstDash val="solid"/>
+                    </a:lnR>
+                    <a:lnT w="3175">
+                      <a:solidFill>
+                        <a:srgbClr val="B7B8B8"/>
+                      </a:solidFill>
+                      <a:prstDash val="solid"/>
+                    </a:lnT>
+                    <a:lnB w="3175">
+                      <a:solidFill>
+                        <a:srgbClr val="B7B8B8"/>
+                      </a:solidFill>
+                      <a:prstDash val="solid"/>
+                    </a:lnB>
+                  </a:tcPr>
+                </a:tc>
+                <a:tc>
+                  <a:txBody>
+                    <a:bodyPr/>
+                    <a:lstStyle/>
+                    <a:p>
+                      <a:pPr marL="0" marR="259079" indent="111760" algn="ctr">
+                        <a:lnSpc>
+                          <a:spcPct val="100000"/>
+                        </a:lnSpc>
+                        <a:spcBef>
+                          <a:spcPts val="670"/>
+                        </a:spcBef>
+                      </a:pPr>
                       <a:r>
-                        <a:rPr lang="en-US" sz="900" spc="0" dirty="0">
+                        <a:rPr lang="de-de" sz="900" spc="0" dirty="0">
                           <a:solidFill>
                             <a:srgbClr val="020302"/>
                           </a:solidFill>
                           <a:latin typeface="AdobeClean-Light"/>
                           <a:cs typeface="AdobeClean-Light"/>
                         </a:rPr>
-                        <a:t> </a:t>
-                      </a:r>
-                      <a:r>
-                        <a:rPr sz="900" spc="0" dirty="0">
-                          <a:solidFill>
-                            <a:srgbClr val="020302"/>
-                          </a:solidFill>
-                          <a:latin typeface="AdobeClean-Light"/>
-                          <a:cs typeface="AdobeClean-Light"/>
-                        </a:rPr>
-                        <a:t>/  </a:t>
-                      </a:r>
-                      <a:r>
-                        <a:rPr lang="en-US" sz="900" spc="0" dirty="0">
-                          <a:solidFill>
-                            <a:srgbClr val="020302"/>
-                          </a:solidFill>
-                          <a:latin typeface="AdobeClean-Light"/>
-                          <a:cs typeface="AdobeClean-Light"/>
-                        </a:rPr>
-                        <a:t>         </a:t>
-                      </a:r>
-                      <a:r>
-                        <a:rPr sz="900" spc="0" dirty="0">
-                          <a:solidFill>
-                            <a:srgbClr val="020302"/>
-                          </a:solidFill>
-                          <a:latin typeface="AdobeClean-Light"/>
-                          <a:cs typeface="AdobeClean-Light"/>
-                        </a:rPr>
-                        <a:t>4 hours</a:t>
-                      </a:r>
-                      <a:endParaRPr sz="900" spc="0" dirty="0">
-                        <a:latin typeface="AdobeClean-Light"/>
-                        <a:cs typeface="AdobeClean-Light"/>
-                      </a:endParaRPr>
-                    </a:p>
-                  </a:txBody>
-                  <a:tcPr marL="0" marR="0" marT="0" marB="0" anchor="ctr">
-                    <a:lnL w="3175">
-                      <a:solidFill>
-                        <a:srgbClr val="B7B8B8"/>
-                      </a:solidFill>
-                      <a:prstDash val="solid"/>
-                    </a:lnL>
-                    <a:lnR w="3175">
-                      <a:solidFill>
-                        <a:srgbClr val="B7B8B8"/>
-                      </a:solidFill>
-                      <a:prstDash val="solid"/>
-                    </a:lnR>
-                    <a:lnT w="3175">
-                      <a:solidFill>
-                        <a:srgbClr val="B7B8B8"/>
-                      </a:solidFill>
-                      <a:prstDash val="solid"/>
-                    </a:lnT>
-                    <a:lnB w="3175">
-                      <a:solidFill>
-                        <a:srgbClr val="B7B8B8"/>
-                      </a:solidFill>
-                      <a:prstDash val="solid"/>
-                    </a:lnB>
-                  </a:tcPr>
-                </a:tc>
-                <a:tc>
-                  <a:txBody>
-                    <a:bodyPr/>
-                    <a:lstStyle/>
-                    <a:p>
-                      <a:pPr marL="0" marR="184785" indent="-194310" algn="ctr">
-                        <a:lnSpc>
-                          <a:spcPct val="100000"/>
-                        </a:lnSpc>
-                        <a:spcBef>
-                          <a:spcPts val="670"/>
-                        </a:spcBef>
-                      </a:pPr>
-                      <a:r>
-                        <a:rPr sz="900" spc="0" dirty="0">
-                          <a:solidFill>
-                            <a:srgbClr val="020302"/>
-                          </a:solidFill>
-                          <a:latin typeface="AdobeClean-Light"/>
-                          <a:cs typeface="AdobeClean-Light"/>
-                        </a:rPr>
-                        <a:t>Business</a:t>
-                      </a:r>
-                      <a:r>
-                        <a:rPr lang="en-US" sz="900" spc="0" dirty="0">
-                          <a:solidFill>
-                            <a:srgbClr val="020302"/>
-                          </a:solidFill>
-                          <a:latin typeface="AdobeClean-Light"/>
-                          <a:cs typeface="AdobeClean-Light"/>
-                        </a:rPr>
-                        <a:t> </a:t>
-                      </a:r>
-                      <a:r>
-                        <a:rPr sz="900" spc="0" dirty="0">
-                          <a:solidFill>
-                            <a:srgbClr val="020302"/>
-                          </a:solidFill>
-                          <a:latin typeface="AdobeClean-Light"/>
-                          <a:cs typeface="AdobeClean-Light"/>
-                        </a:rPr>
-                        <a:t>hours</a:t>
-                      </a:r>
-                      <a:r>
-                        <a:rPr lang="en-US" sz="900" spc="0" dirty="0">
-                          <a:solidFill>
-                            <a:srgbClr val="020302"/>
-                          </a:solidFill>
-                          <a:latin typeface="AdobeClean-Light"/>
-                          <a:cs typeface="AdobeClean-Light"/>
-                        </a:rPr>
-                        <a:t> </a:t>
-                      </a:r>
-                      <a:r>
-                        <a:rPr sz="900" spc="0" dirty="0">
-                          <a:solidFill>
-                            <a:srgbClr val="020302"/>
-                          </a:solidFill>
-                          <a:latin typeface="AdobeClean-Light"/>
-                          <a:cs typeface="AdobeClean-Light"/>
-                        </a:rPr>
-                        <a:t>/  </a:t>
-                      </a:r>
-                      <a:r>
-                        <a:rPr lang="en-US" sz="900" spc="0" dirty="0">
-                          <a:solidFill>
-                            <a:srgbClr val="020302"/>
-                          </a:solidFill>
-                          <a:latin typeface="AdobeClean-Light"/>
-                          <a:cs typeface="AdobeClean-Light"/>
-                        </a:rPr>
-                        <a:t>        </a:t>
-                      </a:r>
-                      <a:r>
-                        <a:rPr sz="900" spc="0" dirty="0">
-                          <a:solidFill>
-                            <a:srgbClr val="020302"/>
-                          </a:solidFill>
-                          <a:latin typeface="AdobeClean-Light"/>
-                          <a:cs typeface="AdobeClean-Light"/>
-                        </a:rPr>
-                        <a:t>2 hours</a:t>
-                      </a:r>
-                      <a:endParaRPr sz="900" spc="0" dirty="0">
-                        <a:latin typeface="AdobeClean-Light"/>
-                        <a:cs typeface="AdobeClean-Light"/>
-                      </a:endParaRPr>
-                    </a:p>
-                  </a:txBody>
-                  <a:tcPr marL="0" marR="0" marT="0" marB="0" anchor="ctr">
-                    <a:lnL w="3175">
-                      <a:solidFill>
-                        <a:srgbClr val="B7B8B8"/>
-                      </a:solidFill>
-                      <a:prstDash val="solid"/>
-                    </a:lnL>
-                    <a:lnR w="3175">
-                      <a:solidFill>
-                        <a:srgbClr val="B7B8B8"/>
-                      </a:solidFill>
-                      <a:prstDash val="solid"/>
-                    </a:lnR>
-                    <a:lnT w="3175">
-                      <a:solidFill>
-                        <a:srgbClr val="B7B8B8"/>
-                      </a:solidFill>
-                      <a:prstDash val="solid"/>
-                    </a:lnT>
-                    <a:lnB w="3175">
-                      <a:solidFill>
-                        <a:srgbClr val="B7B8B8"/>
-                      </a:solidFill>
-                      <a:prstDash val="solid"/>
-                    </a:lnB>
-                  </a:tcPr>
-                </a:tc>
-                <a:tc>
-                  <a:txBody>
-                    <a:bodyPr/>
-                    <a:lstStyle/>
-                    <a:p>
-                      <a:pPr marL="0" marR="325755" indent="-5715" algn="ctr">
-                        <a:lnSpc>
-                          <a:spcPct val="100000"/>
-                        </a:lnSpc>
-                        <a:spcBef>
-                          <a:spcPts val="670"/>
-                        </a:spcBef>
-                      </a:pPr>
-                      <a:r>
-                        <a:rPr sz="900" spc="0" dirty="0">
-                          <a:solidFill>
-                            <a:srgbClr val="020302"/>
-                          </a:solidFill>
-                          <a:latin typeface="AdobeClean-Light"/>
-                          <a:cs typeface="AdobeClean-Light"/>
-                        </a:rPr>
-                        <a:t>24x5</a:t>
-                      </a:r>
-                      <a:r>
-                        <a:rPr lang="en-US" sz="900" spc="0" dirty="0">
-                          <a:solidFill>
-                            <a:srgbClr val="020302"/>
-                          </a:solidFill>
-                          <a:latin typeface="AdobeClean-Light"/>
-                          <a:cs typeface="AdobeClean-Light"/>
-                        </a:rPr>
-                        <a:t> </a:t>
-                      </a:r>
-                      <a:r>
-                        <a:rPr sz="900" spc="0" dirty="0">
-                          <a:solidFill>
-                            <a:srgbClr val="020302"/>
-                          </a:solidFill>
-                          <a:latin typeface="AdobeClean-Light"/>
-                          <a:cs typeface="AdobeClean-Light"/>
-                        </a:rPr>
-                        <a:t>/  </a:t>
-                      </a:r>
-                      <a:r>
-                        <a:rPr lang="en-US" sz="900" spc="0" dirty="0">
-                          <a:solidFill>
-                            <a:srgbClr val="020302"/>
-                          </a:solidFill>
-                          <a:latin typeface="AdobeClean-Light"/>
-                          <a:cs typeface="AdobeClean-Light"/>
-                        </a:rPr>
-                        <a:t>              </a:t>
-                      </a:r>
-                      <a:r>
-                        <a:rPr sz="900" spc="0" dirty="0">
-                          <a:solidFill>
-                            <a:srgbClr val="020302"/>
-                          </a:solidFill>
-                          <a:latin typeface="AdobeClean-Light"/>
-                          <a:cs typeface="AdobeClean-Light"/>
-                        </a:rPr>
-                        <a:t>1 hour</a:t>
-                      </a:r>
-                      <a:endParaRPr sz="900" spc="0" dirty="0">
-                        <a:latin typeface="AdobeClean-Light"/>
-                        <a:cs typeface="AdobeClean-Light"/>
-                      </a:endParaRPr>
-                    </a:p>
-                  </a:txBody>
-                  <a:tcPr marL="0" marR="0" marT="0" marB="0" anchor="ctr">
-                    <a:lnL w="3175">
-                      <a:solidFill>
-                        <a:srgbClr val="B7B8B8"/>
-                      </a:solidFill>
-                      <a:prstDash val="solid"/>
-                    </a:lnL>
-                    <a:lnR w="3175">
-                      <a:solidFill>
-                        <a:srgbClr val="B7B8B8"/>
-                      </a:solidFill>
-                      <a:prstDash val="solid"/>
-                    </a:lnR>
-                    <a:lnT w="3175">
-                      <a:solidFill>
-                        <a:srgbClr val="B7B8B8"/>
-                      </a:solidFill>
-                      <a:prstDash val="solid"/>
-                    </a:lnT>
-                    <a:lnB w="3175">
-                      <a:solidFill>
-                        <a:srgbClr val="B7B8B8"/>
-                      </a:solidFill>
-                      <a:prstDash val="solid"/>
-                    </a:lnB>
-                  </a:tcPr>
-                </a:tc>
-                <a:tc>
-                  <a:txBody>
-                    <a:bodyPr/>
-                    <a:lstStyle/>
-                    <a:p>
-                      <a:pPr marL="0" marR="259079" indent="111760" algn="ctr">
-                        <a:lnSpc>
-                          <a:spcPct val="100000"/>
-                        </a:lnSpc>
-                        <a:spcBef>
-                          <a:spcPts val="670"/>
-                        </a:spcBef>
-                      </a:pPr>
-                      <a:r>
-                        <a:rPr sz="900" spc="0" dirty="0">
-                          <a:solidFill>
-                            <a:srgbClr val="020302"/>
-                          </a:solidFill>
-                          <a:latin typeface="AdobeClean-Light"/>
-                          <a:cs typeface="AdobeClean-Light"/>
-                        </a:rPr>
-                        <a:t>24x5 /  </a:t>
-                      </a:r>
-                      <a:r>
-                        <a:rPr lang="en-US" sz="900" spc="0" dirty="0">
-                          <a:solidFill>
-                            <a:srgbClr val="020302"/>
-                          </a:solidFill>
-                          <a:latin typeface="AdobeClean-Light"/>
-                          <a:cs typeface="AdobeClean-Light"/>
-                        </a:rPr>
-                        <a:t>       </a:t>
-                      </a:r>
-                      <a:r>
-                        <a:rPr sz="900" spc="0" dirty="0">
-                          <a:solidFill>
-                            <a:srgbClr val="020302"/>
-                          </a:solidFill>
-                          <a:latin typeface="AdobeClean-Light"/>
-                          <a:cs typeface="AdobeClean-Light"/>
-                        </a:rPr>
-                        <a:t>30</a:t>
-                      </a:r>
-                      <a:r>
-                        <a:rPr lang="en-US" sz="900" spc="0" dirty="0">
-                          <a:solidFill>
-                            <a:srgbClr val="020302"/>
-                          </a:solidFill>
-                          <a:latin typeface="AdobeClean-Light"/>
-                          <a:cs typeface="AdobeClean-Light"/>
-                        </a:rPr>
-                        <a:t> </a:t>
-                      </a:r>
-                      <a:r>
-                        <a:rPr sz="900" spc="0" dirty="0">
-                          <a:solidFill>
-                            <a:srgbClr val="020302"/>
-                          </a:solidFill>
-                          <a:latin typeface="AdobeClean-Light"/>
-                          <a:cs typeface="AdobeClean-Light"/>
-                        </a:rPr>
-                        <a:t>minutes</a:t>
+                        <a:t>24x5 /         30분</a:t>
                       </a:r>
                       <a:endParaRPr sz="900" spc="0" dirty="0">
                         <a:latin typeface="AdobeClean-Light"/>
@@ -8291,24 +7611,14 @@
                         </a:spcBef>
                       </a:pPr>
                       <a:r>
-                        <a:rPr sz="900" b="1" spc="0" dirty="0">
+                        <a:rPr lang="de-de" sz="900" b="1" spc="0" dirty="0">
                           <a:solidFill>
                             <a:srgbClr val="020302"/>
                           </a:solidFill>
                           <a:latin typeface="Adobe Clean"/>
                           <a:cs typeface="Adobe Clean"/>
                         </a:rPr>
-                        <a:t>PRIORITY</a:t>
-                      </a:r>
-                      <a:r>
-                        <a:rPr lang="en-US" sz="900" b="1" spc="0" dirty="0">
-                          <a:solidFill>
-                            <a:srgbClr val="020302"/>
-                          </a:solidFill>
-                          <a:latin typeface="Adobe Clean"/>
-                          <a:cs typeface="Adobe Clean"/>
-                        </a:rPr>
-                        <a:t> 3</a:t>
+                        <a:t>우선 순위 3</a:t>
                       </a:r>
                       <a:endParaRPr lang="en-US" sz="900" spc="0" dirty="0">
                         <a:latin typeface="Adobe Clean"/>
@@ -8334,7 +7644,7 @@
                         <a:defRPr/>
                       </a:pPr>
                       <a:r>
-                        <a:rPr kumimoji="0" lang="en-US" sz="900" b="0" i="0" u="none" strike="noStrike" kern="1200" cap="none" spc="0" normalizeH="0" baseline="0" noProof="0" dirty="0">
+                        <a:rPr kumimoji="0" lang="de-de" sz="900" b="0" i="0" u="none" strike="noStrike" kern="1200" cap="none" spc="0" normalizeH="0" baseline="0" noProof="0" dirty="0">
                           <a:ln>
                             <a:noFill/>
                           </a:ln>
@@ -8348,7 +7658,7 @@
                           <a:ea typeface="+mn-ea"/>
                           <a:cs typeface="+mn-cs"/>
                         </a:rPr>
-                        <a:t>Customer's business functions have minor service degradation but there exists a solution/workaround allowing business functions to continue normally </a:t>
+                        <a:t>고객의 비즈니스 기능에 약간의 서비스 저하가 있지만 비즈니스 기능을 정상적으로 계속할 수 있게 하는 솔루션/해결 방법이 있습니다. </a:t>
                       </a:r>
                       <a:endParaRPr lang="en-US" sz="900" b="0" i="0" spc="0" dirty="0">
                         <a:latin typeface="Adobe Clean Light" panose="020B0303020404020204" pitchFamily="34" charset="0"/>
@@ -8397,382 +7707,182 @@
                         </a:spcBef>
                       </a:pPr>
                       <a:r>
-                        <a:rPr sz="900" spc="0" dirty="0">
+                        <a:rPr lang="de-de" sz="900" spc="0" dirty="0">
                           <a:solidFill>
                             <a:srgbClr val="020302"/>
                           </a:solidFill>
                           <a:latin typeface="AdobeClean-Light"/>
                           <a:cs typeface="AdobeClean-Light"/>
                         </a:rPr>
-                        <a:t>Business</a:t>
+                        <a:t>업무 시간 /            6시간</a:t>
                       </a:r>
+                      <a:endParaRPr sz="900" spc="0" dirty="0">
+                        <a:latin typeface="AdobeClean-Light"/>
+                        <a:cs typeface="AdobeClean-Light"/>
+                      </a:endParaRPr>
+                    </a:p>
+                  </a:txBody>
+                  <a:tcPr marL="0" marR="0" marT="0" marB="0" anchor="ctr">
+                    <a:lnL w="3175">
+                      <a:solidFill>
+                        <a:srgbClr val="B7B8B8"/>
+                      </a:solidFill>
+                      <a:prstDash val="solid"/>
+                    </a:lnL>
+                    <a:lnR w="3175">
+                      <a:solidFill>
+                        <a:srgbClr val="B7B8B8"/>
+                      </a:solidFill>
+                      <a:prstDash val="solid"/>
+                    </a:lnR>
+                    <a:lnT w="3175">
+                      <a:solidFill>
+                        <a:srgbClr val="B7B8B8"/>
+                      </a:solidFill>
+                      <a:prstDash val="solid"/>
+                    </a:lnT>
+                    <a:lnB w="3175">
+                      <a:solidFill>
+                        <a:srgbClr val="B7B8B8"/>
+                      </a:solidFill>
+                      <a:prstDash val="solid"/>
+                    </a:lnB>
+                  </a:tcPr>
+                </a:tc>
+                <a:tc>
+                  <a:txBody>
+                    <a:bodyPr/>
+                    <a:lstStyle/>
+                    <a:p>
+                      <a:pPr marL="0" marR="185420" indent="-193675" algn="ctr">
+                        <a:lnSpc>
+                          <a:spcPct val="100000"/>
+                        </a:lnSpc>
+                        <a:spcBef>
+                          <a:spcPts val="645"/>
+                        </a:spcBef>
+                      </a:pPr>
                       <a:r>
-                        <a:rPr lang="en-US" sz="900" spc="0" dirty="0">
+                        <a:rPr lang="de-de" sz="900" spc="0" dirty="0">
                           <a:solidFill>
                             <a:srgbClr val="020302"/>
                           </a:solidFill>
                           <a:latin typeface="AdobeClean-Light"/>
                           <a:cs typeface="AdobeClean-Light"/>
                         </a:rPr>
-                        <a:t> </a:t>
+                        <a:t>업무 시간 /  4시간</a:t>
                       </a:r>
+                      <a:endParaRPr sz="900" spc="0" dirty="0">
+                        <a:latin typeface="AdobeClean-Light"/>
+                        <a:cs typeface="AdobeClean-Light"/>
+                      </a:endParaRPr>
+                    </a:p>
+                  </a:txBody>
+                  <a:tcPr marL="0" marR="0" marT="0" marB="0" anchor="ctr">
+                    <a:lnL w="3175">
+                      <a:solidFill>
+                        <a:srgbClr val="B7B8B8"/>
+                      </a:solidFill>
+                      <a:prstDash val="solid"/>
+                    </a:lnL>
+                    <a:lnR w="3175">
+                      <a:solidFill>
+                        <a:srgbClr val="B7B8B8"/>
+                      </a:solidFill>
+                      <a:prstDash val="solid"/>
+                    </a:lnR>
+                    <a:lnT w="3175">
+                      <a:solidFill>
+                        <a:srgbClr val="B7B8B8"/>
+                      </a:solidFill>
+                      <a:prstDash val="solid"/>
+                    </a:lnT>
+                    <a:lnB w="3175">
+                      <a:solidFill>
+                        <a:srgbClr val="B7B8B8"/>
+                      </a:solidFill>
+                      <a:prstDash val="solid"/>
+                    </a:lnB>
+                  </a:tcPr>
+                </a:tc>
+                <a:tc>
+                  <a:txBody>
+                    <a:bodyPr/>
+                    <a:lstStyle/>
+                    <a:p>
+                      <a:pPr marL="0" marR="184785" indent="-194310" algn="ctr">
+                        <a:lnSpc>
+                          <a:spcPct val="100000"/>
+                        </a:lnSpc>
+                        <a:spcBef>
+                          <a:spcPts val="645"/>
+                        </a:spcBef>
+                      </a:pPr>
                       <a:r>
-                        <a:rPr sz="900" spc="0" dirty="0">
+                        <a:rPr lang="de-de" sz="900" spc="0" dirty="0">
                           <a:solidFill>
                             <a:srgbClr val="020302"/>
                           </a:solidFill>
                           <a:latin typeface="AdobeClean-Light"/>
                           <a:cs typeface="AdobeClean-Light"/>
                         </a:rPr>
-                        <a:t>hours</a:t>
+                        <a:t>업무 시간 /     2시간</a:t>
                       </a:r>
+                      <a:endParaRPr sz="900" spc="0" dirty="0">
+                        <a:latin typeface="AdobeClean-Light"/>
+                        <a:cs typeface="AdobeClean-Light"/>
+                      </a:endParaRPr>
+                    </a:p>
+                  </a:txBody>
+                  <a:tcPr marL="0" marR="0" marT="0" marB="0" anchor="ctr">
+                    <a:lnL w="3175">
+                      <a:solidFill>
+                        <a:srgbClr val="B7B8B8"/>
+                      </a:solidFill>
+                      <a:prstDash val="solid"/>
+                    </a:lnL>
+                    <a:lnR w="3175">
+                      <a:solidFill>
+                        <a:srgbClr val="B7B8B8"/>
+                      </a:solidFill>
+                      <a:prstDash val="solid"/>
+                    </a:lnR>
+                    <a:lnT w="3175">
+                      <a:solidFill>
+                        <a:srgbClr val="B7B8B8"/>
+                      </a:solidFill>
+                      <a:prstDash val="solid"/>
+                    </a:lnT>
+                    <a:lnB w="3175">
+                      <a:solidFill>
+                        <a:srgbClr val="B7B8B8"/>
+                      </a:solidFill>
+                      <a:prstDash val="solid"/>
+                    </a:lnB>
+                  </a:tcPr>
+                </a:tc>
+                <a:tc>
+                  <a:txBody>
+                    <a:bodyPr/>
+                    <a:lstStyle/>
+                    <a:p>
+                      <a:pPr marL="0" marR="326390" indent="-5715" algn="ctr">
+                        <a:lnSpc>
+                          <a:spcPct val="100000"/>
+                        </a:lnSpc>
+                        <a:spcBef>
+                          <a:spcPts val="645"/>
+                        </a:spcBef>
+                      </a:pPr>
                       <a:r>
-                        <a:rPr lang="en-US" sz="900" spc="0" dirty="0">
+                        <a:rPr lang="de-de" sz="900" spc="0" dirty="0">
                           <a:solidFill>
                             <a:srgbClr val="020302"/>
                           </a:solidFill>
                           <a:latin typeface="AdobeClean-Light"/>
                           <a:cs typeface="AdobeClean-Light"/>
                         </a:rPr>
-                        <a:t> </a:t>
-                      </a:r>
-                      <a:r>
-                        <a:rPr sz="900" spc="0" dirty="0">
-                          <a:solidFill>
-                            <a:srgbClr val="020302"/>
-                          </a:solidFill>
-                          <a:latin typeface="AdobeClean-Light"/>
-                          <a:cs typeface="AdobeClean-Light"/>
-                        </a:rPr>
-                        <a:t>/  </a:t>
-                      </a:r>
-                      <a:r>
-                        <a:rPr lang="en-US" sz="900" spc="0" dirty="0">
-                          <a:solidFill>
-                            <a:srgbClr val="020302"/>
-                          </a:solidFill>
-                          <a:latin typeface="AdobeClean-Light"/>
-                          <a:cs typeface="AdobeClean-Light"/>
-                        </a:rPr>
-                        <a:t>          </a:t>
-                      </a:r>
-                      <a:r>
-                        <a:rPr sz="900" spc="0" dirty="0">
-                          <a:solidFill>
-                            <a:srgbClr val="020302"/>
-                          </a:solidFill>
-                          <a:latin typeface="AdobeClean-Light"/>
-                          <a:cs typeface="AdobeClean-Light"/>
-                        </a:rPr>
-                        <a:t>6 hours</a:t>
-                      </a:r>
-                      <a:endParaRPr sz="900" spc="0" dirty="0">
-                        <a:latin typeface="AdobeClean-Light"/>
-                        <a:cs typeface="AdobeClean-Light"/>
-                      </a:endParaRPr>
-                    </a:p>
-                  </a:txBody>
-                  <a:tcPr marL="0" marR="0" marT="0" marB="0" anchor="ctr">
-                    <a:lnL w="3175">
-                      <a:solidFill>
-                        <a:srgbClr val="B7B8B8"/>
-                      </a:solidFill>
-                      <a:prstDash val="solid"/>
-                    </a:lnL>
-                    <a:lnR w="3175">
-                      <a:solidFill>
-                        <a:srgbClr val="B7B8B8"/>
-                      </a:solidFill>
-                      <a:prstDash val="solid"/>
-                    </a:lnR>
-                    <a:lnT w="3175">
-                      <a:solidFill>
-                        <a:srgbClr val="B7B8B8"/>
-                      </a:solidFill>
-                      <a:prstDash val="solid"/>
-                    </a:lnT>
-                    <a:lnB w="3175">
-                      <a:solidFill>
-                        <a:srgbClr val="B7B8B8"/>
-                      </a:solidFill>
-                      <a:prstDash val="solid"/>
-                    </a:lnB>
-                  </a:tcPr>
-                </a:tc>
-                <a:tc>
-                  <a:txBody>
-                    <a:bodyPr/>
-                    <a:lstStyle/>
-                    <a:p>
-                      <a:pPr marL="0" marR="185420" indent="-193675" algn="ctr">
-                        <a:lnSpc>
-                          <a:spcPct val="100000"/>
-                        </a:lnSpc>
-                        <a:spcBef>
-                          <a:spcPts val="645"/>
-                        </a:spcBef>
-                      </a:pPr>
-                      <a:r>
-                        <a:rPr sz="900" spc="0" dirty="0">
-                          <a:solidFill>
-                            <a:srgbClr val="020302"/>
-                          </a:solidFill>
-                          <a:latin typeface="AdobeClean-Light"/>
-                          <a:cs typeface="AdobeClean-Light"/>
-                        </a:rPr>
-                        <a:t>Business</a:t>
-                      </a:r>
-                      <a:r>
-                        <a:rPr lang="en-US" sz="900" spc="0" dirty="0">
-                          <a:solidFill>
-                            <a:srgbClr val="020302"/>
-                          </a:solidFill>
-                          <a:latin typeface="AdobeClean-Light"/>
-                          <a:cs typeface="AdobeClean-Light"/>
-                        </a:rPr>
-                        <a:t> </a:t>
-                      </a:r>
-                      <a:r>
-                        <a:rPr sz="900" spc="0" dirty="0">
-                          <a:solidFill>
-                            <a:srgbClr val="020302"/>
-                          </a:solidFill>
-                          <a:latin typeface="AdobeClean-Light"/>
-                          <a:cs typeface="AdobeClean-Light"/>
-                        </a:rPr>
-                        <a:t>hours</a:t>
-                      </a:r>
-                      <a:r>
-                        <a:rPr lang="en-US" sz="900" spc="0" dirty="0">
-                          <a:solidFill>
-                            <a:srgbClr val="020302"/>
-                          </a:solidFill>
-                          <a:latin typeface="AdobeClean-Light"/>
-                          <a:cs typeface="AdobeClean-Light"/>
-                        </a:rPr>
-                        <a:t> </a:t>
-                      </a:r>
-                      <a:r>
-                        <a:rPr sz="900" spc="0" dirty="0">
-                          <a:solidFill>
-                            <a:srgbClr val="020302"/>
-                          </a:solidFill>
-                          <a:latin typeface="AdobeClean-Light"/>
-                          <a:cs typeface="AdobeClean-Light"/>
-                        </a:rPr>
-                        <a:t>/  4 hours</a:t>
-                      </a:r>
-                      <a:endParaRPr sz="900" spc="0" dirty="0">
-                        <a:latin typeface="AdobeClean-Light"/>
-                        <a:cs typeface="AdobeClean-Light"/>
-                      </a:endParaRPr>
-                    </a:p>
-                  </a:txBody>
-                  <a:tcPr marL="0" marR="0" marT="0" marB="0" anchor="ctr">
-                    <a:lnL w="3175">
-                      <a:solidFill>
-                        <a:srgbClr val="B7B8B8"/>
-                      </a:solidFill>
-                      <a:prstDash val="solid"/>
-                    </a:lnL>
-                    <a:lnR w="3175">
-                      <a:solidFill>
-                        <a:srgbClr val="B7B8B8"/>
-                      </a:solidFill>
-                      <a:prstDash val="solid"/>
-                    </a:lnR>
-                    <a:lnT w="3175">
-                      <a:solidFill>
-                        <a:srgbClr val="B7B8B8"/>
-                      </a:solidFill>
-                      <a:prstDash val="solid"/>
-                    </a:lnT>
-                    <a:lnB w="3175">
-                      <a:solidFill>
-                        <a:srgbClr val="B7B8B8"/>
-                      </a:solidFill>
-                      <a:prstDash val="solid"/>
-                    </a:lnB>
-                  </a:tcPr>
-                </a:tc>
-                <a:tc>
-                  <a:txBody>
-                    <a:bodyPr/>
-                    <a:lstStyle/>
-                    <a:p>
-                      <a:pPr marL="0" marR="184785" indent="-194310" algn="ctr">
-                        <a:lnSpc>
-                          <a:spcPct val="100000"/>
-                        </a:lnSpc>
-                        <a:spcBef>
-                          <a:spcPts val="645"/>
-                        </a:spcBef>
-                      </a:pPr>
-                      <a:r>
-                        <a:rPr sz="900" spc="0" dirty="0">
-                          <a:solidFill>
-                            <a:srgbClr val="020302"/>
-                          </a:solidFill>
-                          <a:latin typeface="AdobeClean-Light"/>
-                          <a:cs typeface="AdobeClean-Light"/>
-                        </a:rPr>
-                        <a:t>Business</a:t>
-                      </a:r>
-                      <a:r>
-                        <a:rPr lang="en-US" sz="900" spc="0" dirty="0">
-                          <a:solidFill>
-                            <a:srgbClr val="020302"/>
-                          </a:solidFill>
-                          <a:latin typeface="AdobeClean-Light"/>
-                          <a:cs typeface="AdobeClean-Light"/>
-                        </a:rPr>
-                        <a:t> </a:t>
-                      </a:r>
-                      <a:r>
-                        <a:rPr sz="900" spc="0" dirty="0">
-                          <a:solidFill>
-                            <a:srgbClr val="020302"/>
-                          </a:solidFill>
-                          <a:latin typeface="AdobeClean-Light"/>
-                          <a:cs typeface="AdobeClean-Light"/>
-                        </a:rPr>
-                        <a:t>hours</a:t>
-                      </a:r>
-                      <a:r>
-                        <a:rPr lang="en-US" sz="900" spc="0" dirty="0">
-                          <a:solidFill>
-                            <a:srgbClr val="020302"/>
-                          </a:solidFill>
-                          <a:latin typeface="AdobeClean-Light"/>
-                          <a:cs typeface="AdobeClean-Light"/>
-                        </a:rPr>
-                        <a:t> </a:t>
-                      </a:r>
-                      <a:r>
-                        <a:rPr sz="900" spc="0" dirty="0">
-                          <a:solidFill>
-                            <a:srgbClr val="020302"/>
-                          </a:solidFill>
-                          <a:latin typeface="AdobeClean-Light"/>
-                          <a:cs typeface="AdobeClean-Light"/>
-                        </a:rPr>
-                        <a:t>/  </a:t>
-                      </a:r>
-                      <a:r>
-                        <a:rPr lang="en-US" sz="900" spc="0" dirty="0">
-                          <a:solidFill>
-                            <a:srgbClr val="020302"/>
-                          </a:solidFill>
-                          <a:latin typeface="AdobeClean-Light"/>
-                          <a:cs typeface="AdobeClean-Light"/>
-                        </a:rPr>
-                        <a:t>   </a:t>
-                      </a:r>
-                      <a:r>
-                        <a:rPr sz="900" spc="0" dirty="0">
-                          <a:solidFill>
-                            <a:srgbClr val="020302"/>
-                          </a:solidFill>
-                          <a:latin typeface="AdobeClean-Light"/>
-                          <a:cs typeface="AdobeClean-Light"/>
-                        </a:rPr>
-                        <a:t>2 hours</a:t>
-                      </a:r>
-                      <a:endParaRPr sz="900" spc="0" dirty="0">
-                        <a:latin typeface="AdobeClean-Light"/>
-                        <a:cs typeface="AdobeClean-Light"/>
-                      </a:endParaRPr>
-                    </a:p>
-                  </a:txBody>
-                  <a:tcPr marL="0" marR="0" marT="0" marB="0" anchor="ctr">
-                    <a:lnL w="3175">
-                      <a:solidFill>
-                        <a:srgbClr val="B7B8B8"/>
-                      </a:solidFill>
-                      <a:prstDash val="solid"/>
-                    </a:lnL>
-                    <a:lnR w="3175">
-                      <a:solidFill>
-                        <a:srgbClr val="B7B8B8"/>
-                      </a:solidFill>
-                      <a:prstDash val="solid"/>
-                    </a:lnR>
-                    <a:lnT w="3175">
-                      <a:solidFill>
-                        <a:srgbClr val="B7B8B8"/>
-                      </a:solidFill>
-                      <a:prstDash val="solid"/>
-                    </a:lnT>
-                    <a:lnB w="3175">
-                      <a:solidFill>
-                        <a:srgbClr val="B7B8B8"/>
-                      </a:solidFill>
-                      <a:prstDash val="solid"/>
-                    </a:lnB>
-                  </a:tcPr>
-                </a:tc>
-                <a:tc>
-                  <a:txBody>
-                    <a:bodyPr/>
-                    <a:lstStyle/>
-                    <a:p>
-                      <a:pPr marL="0" marR="326390" indent="-5715" algn="ctr">
-                        <a:lnSpc>
-                          <a:spcPct val="100000"/>
-                        </a:lnSpc>
-                        <a:spcBef>
-                          <a:spcPts val="645"/>
-                        </a:spcBef>
-                      </a:pPr>
-                      <a:r>
-                        <a:rPr sz="900" spc="0" dirty="0">
-                          <a:solidFill>
-                            <a:srgbClr val="020302"/>
-                          </a:solidFill>
-                          <a:latin typeface="AdobeClean-Light"/>
-                          <a:cs typeface="AdobeClean-Light"/>
-                        </a:rPr>
-                        <a:t>24x5</a:t>
-                      </a:r>
-                      <a:r>
-                        <a:rPr lang="en-US" sz="900" spc="0" dirty="0">
-                          <a:solidFill>
-                            <a:srgbClr val="020302"/>
-                          </a:solidFill>
-                          <a:latin typeface="AdobeClean-Light"/>
-                          <a:cs typeface="AdobeClean-Light"/>
-                        </a:rPr>
-                        <a:t> </a:t>
-                      </a:r>
-                      <a:r>
-                        <a:rPr sz="900" spc="0" dirty="0">
-                          <a:solidFill>
-                            <a:srgbClr val="020302"/>
-                          </a:solidFill>
-                          <a:latin typeface="AdobeClean-Light"/>
-                          <a:cs typeface="AdobeClean-Light"/>
-                        </a:rPr>
-                        <a:t>/  </a:t>
-                      </a:r>
-                      <a:r>
-                        <a:rPr lang="en-US" sz="900" spc="0" dirty="0">
-                          <a:solidFill>
-                            <a:srgbClr val="020302"/>
-                          </a:solidFill>
-                          <a:latin typeface="AdobeClean-Light"/>
-                          <a:cs typeface="AdobeClean-Light"/>
-                        </a:rPr>
-                        <a:t>           </a:t>
-                      </a:r>
-                      <a:r>
-                        <a:rPr sz="900" spc="0" dirty="0">
-                          <a:solidFill>
-                            <a:srgbClr val="020302"/>
-                          </a:solidFill>
-                          <a:latin typeface="AdobeClean-Light"/>
-                          <a:cs typeface="AdobeClean-Light"/>
-                        </a:rPr>
-                        <a:t>1 hour</a:t>
+                        <a:t>24x5 /             1시간</a:t>
                       </a:r>
                       <a:endParaRPr sz="900" spc="0" dirty="0">
                         <a:latin typeface="AdobeClean-Light"/>
@@ -8828,14 +7938,14 @@
                         </a:spcBef>
                       </a:pPr>
                       <a:r>
-                        <a:rPr sz="900" b="1" spc="0" dirty="0">
+                        <a:rPr lang="de-de" sz="900" b="1" spc="0" dirty="0">
                           <a:solidFill>
                             <a:srgbClr val="020302"/>
                           </a:solidFill>
                           <a:latin typeface="Adobe Clean"/>
                           <a:cs typeface="Adobe Clean"/>
                         </a:rPr>
-                        <a:t>PRIORITY 4</a:t>
+                        <a:t>우선 순위 4</a:t>
                       </a:r>
                       <a:endParaRPr sz="900" spc="0" dirty="0">
                         <a:latin typeface="Adobe Clean"/>
@@ -8861,14 +7971,14 @@
                         <a:defRPr/>
                       </a:pPr>
                       <a:r>
-                        <a:rPr lang="en-US" sz="900" b="0" i="0" spc="0" dirty="0">
+                        <a:rPr lang="de-de" sz="900" b="0" i="0" spc="0" dirty="0">
                           <a:solidFill>
                             <a:srgbClr val="000000"/>
                           </a:solidFill>
                           <a:effectLst/>
                           <a:latin typeface="Adobe Clean Light" panose="020B0303020404020204" pitchFamily="34" charset="0"/>
                         </a:rPr>
-                        <a:t>General question regarding current product functionality or an enhancement request </a:t>
+                        <a:t>현재 제품 기능에 관한 일반적인 질문 또는 개선 요청입니다. </a:t>
                       </a:r>
                       <a:endParaRPr sz="900" b="0" i="0" spc="0" dirty="0">
                         <a:latin typeface="Adobe Clean Light" panose="020B0303020404020204" pitchFamily="34" charset="0"/>
@@ -8917,422 +8027,182 @@
                         </a:spcBef>
                       </a:pPr>
                       <a:r>
-                        <a:rPr sz="900" spc="0" dirty="0">
+                        <a:rPr lang="de-de" sz="900" spc="0" dirty="0">
                           <a:solidFill>
                             <a:srgbClr val="020302"/>
                           </a:solidFill>
                           <a:latin typeface="AdobeClean-Light"/>
                           <a:cs typeface="AdobeClean-Light"/>
                         </a:rPr>
-                        <a:t>Business</a:t>
+                        <a:t>업무일  /   3일</a:t>
                       </a:r>
+                      <a:endParaRPr sz="900" spc="0" dirty="0">
+                        <a:latin typeface="AdobeClean-Light"/>
+                        <a:cs typeface="AdobeClean-Light"/>
+                      </a:endParaRPr>
+                    </a:p>
+                  </a:txBody>
+                  <a:tcPr marL="0" marR="0" marT="0" marB="0" anchor="ctr">
+                    <a:lnL w="3175">
+                      <a:solidFill>
+                        <a:srgbClr val="B7B8B8"/>
+                      </a:solidFill>
+                      <a:prstDash val="solid"/>
+                    </a:lnL>
+                    <a:lnR w="3175">
+                      <a:solidFill>
+                        <a:srgbClr val="B7B8B8"/>
+                      </a:solidFill>
+                      <a:prstDash val="solid"/>
+                    </a:lnR>
+                    <a:lnT w="3175">
+                      <a:solidFill>
+                        <a:srgbClr val="B7B8B8"/>
+                      </a:solidFill>
+                      <a:prstDash val="solid"/>
+                    </a:lnT>
+                    <a:lnB w="3175">
+                      <a:solidFill>
+                        <a:srgbClr val="B7B8B8"/>
+                      </a:solidFill>
+                      <a:prstDash val="solid"/>
+                    </a:lnB>
+                  </a:tcPr>
+                </a:tc>
+                <a:tc>
+                  <a:txBody>
+                    <a:bodyPr/>
+                    <a:lstStyle/>
+                    <a:p>
+                      <a:pPr marL="0" marR="223520" indent="-202565" algn="ctr">
+                        <a:lnSpc>
+                          <a:spcPct val="100000"/>
+                        </a:lnSpc>
+                        <a:spcBef>
+                          <a:spcPts val="155"/>
+                        </a:spcBef>
+                      </a:pPr>
                       <a:r>
-                        <a:rPr lang="en-US" sz="900" spc="0" dirty="0">
+                        <a:rPr lang="de-de" sz="900" spc="0" dirty="0">
                           <a:solidFill>
                             <a:srgbClr val="020302"/>
                           </a:solidFill>
                           <a:latin typeface="AdobeClean-Light"/>
                           <a:cs typeface="AdobeClean-Light"/>
                         </a:rPr>
-                        <a:t> </a:t>
+                        <a:t>업무일  /     1일</a:t>
                       </a:r>
+                      <a:endParaRPr sz="900" spc="0" dirty="0">
+                        <a:latin typeface="AdobeClean-Light"/>
+                        <a:cs typeface="AdobeClean-Light"/>
+                      </a:endParaRPr>
+                    </a:p>
+                  </a:txBody>
+                  <a:tcPr marL="0" marR="0" marT="0" marB="0" anchor="ctr">
+                    <a:lnL w="3175">
+                      <a:solidFill>
+                        <a:srgbClr val="B7B8B8"/>
+                      </a:solidFill>
+                      <a:prstDash val="solid"/>
+                    </a:lnL>
+                    <a:lnR w="3175">
+                      <a:solidFill>
+                        <a:srgbClr val="B7B8B8"/>
+                      </a:solidFill>
+                      <a:prstDash val="solid"/>
+                    </a:lnR>
+                    <a:lnT w="3175">
+                      <a:solidFill>
+                        <a:srgbClr val="B7B8B8"/>
+                      </a:solidFill>
+                      <a:prstDash val="solid"/>
+                    </a:lnT>
+                    <a:lnB w="3175">
+                      <a:solidFill>
+                        <a:srgbClr val="B7B8B8"/>
+                      </a:solidFill>
+                      <a:prstDash val="solid"/>
+                    </a:lnB>
+                  </a:tcPr>
+                </a:tc>
+                <a:tc>
+                  <a:txBody>
+                    <a:bodyPr/>
+                    <a:lstStyle/>
+                    <a:p>
+                      <a:pPr marL="0" marR="223520" indent="-202565" algn="ctr">
+                        <a:lnSpc>
+                          <a:spcPct val="100000"/>
+                        </a:lnSpc>
+                        <a:spcBef>
+                          <a:spcPts val="155"/>
+                        </a:spcBef>
+                      </a:pPr>
                       <a:r>
-                        <a:rPr sz="900" spc="0" dirty="0">
+                        <a:rPr lang="de-de" sz="900" spc="0" dirty="0">
                           <a:solidFill>
                             <a:srgbClr val="020302"/>
                           </a:solidFill>
                           <a:latin typeface="AdobeClean-Light"/>
                           <a:cs typeface="AdobeClean-Light"/>
                         </a:rPr>
-                        <a:t>days</a:t>
+                        <a:t>업무일  /      1일</a:t>
                       </a:r>
+                      <a:endParaRPr sz="900" spc="0" dirty="0">
+                        <a:latin typeface="AdobeClean-Light"/>
+                        <a:cs typeface="AdobeClean-Light"/>
+                      </a:endParaRPr>
+                    </a:p>
+                  </a:txBody>
+                  <a:tcPr marL="0" marR="0" marT="0" marB="0" anchor="ctr">
+                    <a:lnL w="3175">
+                      <a:solidFill>
+                        <a:srgbClr val="B7B8B8"/>
+                      </a:solidFill>
+                      <a:prstDash val="solid"/>
+                    </a:lnL>
+                    <a:lnR w="3175">
+                      <a:solidFill>
+                        <a:srgbClr val="B7B8B8"/>
+                      </a:solidFill>
+                      <a:prstDash val="solid"/>
+                    </a:lnR>
+                    <a:lnT w="3175">
+                      <a:solidFill>
+                        <a:srgbClr val="B7B8B8"/>
+                      </a:solidFill>
+                      <a:prstDash val="solid"/>
+                    </a:lnT>
+                    <a:lnB w="3175">
+                      <a:solidFill>
+                        <a:srgbClr val="B7B8B8"/>
+                      </a:solidFill>
+                      <a:prstDash val="solid"/>
+                    </a:lnB>
+                  </a:tcPr>
+                </a:tc>
+                <a:tc>
+                  <a:txBody>
+                    <a:bodyPr/>
+                    <a:lstStyle/>
+                    <a:p>
+                      <a:pPr marL="0" marR="223520" indent="-202565" algn="ctr">
+                        <a:lnSpc>
+                          <a:spcPct val="100000"/>
+                        </a:lnSpc>
+                        <a:spcBef>
+                          <a:spcPts val="155"/>
+                        </a:spcBef>
+                      </a:pPr>
                       <a:r>
-                        <a:rPr lang="en-US" sz="900" spc="0" dirty="0">
+                        <a:rPr lang="de-de" sz="900" spc="0" dirty="0">
                           <a:solidFill>
                             <a:srgbClr val="020302"/>
                           </a:solidFill>
                           <a:latin typeface="AdobeClean-Light"/>
                           <a:cs typeface="AdobeClean-Light"/>
                         </a:rPr>
-                        <a:t> </a:t>
-                      </a:r>
-                      <a:r>
-                        <a:rPr sz="900" spc="0" dirty="0">
-                          <a:solidFill>
-                            <a:srgbClr val="020302"/>
-                          </a:solidFill>
-                          <a:latin typeface="AdobeClean-Light"/>
-                          <a:cs typeface="AdobeClean-Light"/>
-                        </a:rPr>
-                        <a:t>/  </a:t>
-                      </a:r>
-                      <a:r>
-                        <a:rPr lang="en-US" sz="900" spc="0" dirty="0">
-                          <a:solidFill>
-                            <a:srgbClr val="020302"/>
-                          </a:solidFill>
-                          <a:latin typeface="AdobeClean-Light"/>
-                          <a:cs typeface="AdobeClean-Light"/>
-                        </a:rPr>
-                        <a:t> </a:t>
-                      </a:r>
-                      <a:r>
-                        <a:rPr sz="900" spc="0" dirty="0">
-                          <a:solidFill>
-                            <a:srgbClr val="020302"/>
-                          </a:solidFill>
-                          <a:latin typeface="AdobeClean-Light"/>
-                          <a:cs typeface="AdobeClean-Light"/>
-                        </a:rPr>
-                        <a:t>3 days</a:t>
-                      </a:r>
-                      <a:endParaRPr sz="900" spc="0" dirty="0">
-                        <a:latin typeface="AdobeClean-Light"/>
-                        <a:cs typeface="AdobeClean-Light"/>
-                      </a:endParaRPr>
-                    </a:p>
-                  </a:txBody>
-                  <a:tcPr marL="0" marR="0" marT="0" marB="0" anchor="ctr">
-                    <a:lnL w="3175">
-                      <a:solidFill>
-                        <a:srgbClr val="B7B8B8"/>
-                      </a:solidFill>
-                      <a:prstDash val="solid"/>
-                    </a:lnL>
-                    <a:lnR w="3175">
-                      <a:solidFill>
-                        <a:srgbClr val="B7B8B8"/>
-                      </a:solidFill>
-                      <a:prstDash val="solid"/>
-                    </a:lnR>
-                    <a:lnT w="3175">
-                      <a:solidFill>
-                        <a:srgbClr val="B7B8B8"/>
-                      </a:solidFill>
-                      <a:prstDash val="solid"/>
-                    </a:lnT>
-                    <a:lnB w="3175">
-                      <a:solidFill>
-                        <a:srgbClr val="B7B8B8"/>
-                      </a:solidFill>
-                      <a:prstDash val="solid"/>
-                    </a:lnB>
-                  </a:tcPr>
-                </a:tc>
-                <a:tc>
-                  <a:txBody>
-                    <a:bodyPr/>
-                    <a:lstStyle/>
-                    <a:p>
-                      <a:pPr marL="0" marR="223520" indent="-202565" algn="ctr">
-                        <a:lnSpc>
-                          <a:spcPct val="100000"/>
-                        </a:lnSpc>
-                        <a:spcBef>
-                          <a:spcPts val="155"/>
-                        </a:spcBef>
-                      </a:pPr>
-                      <a:r>
-                        <a:rPr sz="900" spc="0" dirty="0">
-                          <a:solidFill>
-                            <a:srgbClr val="020302"/>
-                          </a:solidFill>
-                          <a:latin typeface="AdobeClean-Light"/>
-                          <a:cs typeface="AdobeClean-Light"/>
-                        </a:rPr>
-                        <a:t>Business</a:t>
-                      </a:r>
-                      <a:r>
-                        <a:rPr lang="en-US" sz="900" spc="0" dirty="0">
-                          <a:solidFill>
-                            <a:srgbClr val="020302"/>
-                          </a:solidFill>
-                          <a:latin typeface="AdobeClean-Light"/>
-                          <a:cs typeface="AdobeClean-Light"/>
-                        </a:rPr>
-                        <a:t> </a:t>
-                      </a:r>
-                      <a:r>
-                        <a:rPr sz="900" spc="0" dirty="0">
-                          <a:solidFill>
-                            <a:srgbClr val="020302"/>
-                          </a:solidFill>
-                          <a:latin typeface="AdobeClean-Light"/>
-                          <a:cs typeface="AdobeClean-Light"/>
-                        </a:rPr>
-                        <a:t>day</a:t>
-                      </a:r>
-                      <a:r>
-                        <a:rPr lang="en-US" sz="900" spc="0" dirty="0">
-                          <a:solidFill>
-                            <a:srgbClr val="020302"/>
-                          </a:solidFill>
-                          <a:latin typeface="AdobeClean-Light"/>
-                          <a:cs typeface="AdobeClean-Light"/>
-                        </a:rPr>
-                        <a:t> </a:t>
-                      </a:r>
-                      <a:r>
-                        <a:rPr sz="900" spc="0" dirty="0">
-                          <a:solidFill>
-                            <a:srgbClr val="020302"/>
-                          </a:solidFill>
-                          <a:latin typeface="AdobeClean-Light"/>
-                          <a:cs typeface="AdobeClean-Light"/>
-                        </a:rPr>
-                        <a:t>/  </a:t>
-                      </a:r>
-                      <a:r>
-                        <a:rPr lang="en-US" sz="900" spc="0" dirty="0">
-                          <a:solidFill>
-                            <a:srgbClr val="020302"/>
-                          </a:solidFill>
-                          <a:latin typeface="AdobeClean-Light"/>
-                          <a:cs typeface="AdobeClean-Light"/>
-                        </a:rPr>
-                        <a:t>   </a:t>
-                      </a:r>
-                      <a:r>
-                        <a:rPr sz="900" spc="0" dirty="0">
-                          <a:solidFill>
-                            <a:srgbClr val="020302"/>
-                          </a:solidFill>
-                          <a:latin typeface="AdobeClean-Light"/>
-                          <a:cs typeface="AdobeClean-Light"/>
-                        </a:rPr>
-                        <a:t>1 day</a:t>
-                      </a:r>
-                      <a:endParaRPr sz="900" spc="0" dirty="0">
-                        <a:latin typeface="AdobeClean-Light"/>
-                        <a:cs typeface="AdobeClean-Light"/>
-                      </a:endParaRPr>
-                    </a:p>
-                  </a:txBody>
-                  <a:tcPr marL="0" marR="0" marT="0" marB="0" anchor="ctr">
-                    <a:lnL w="3175">
-                      <a:solidFill>
-                        <a:srgbClr val="B7B8B8"/>
-                      </a:solidFill>
-                      <a:prstDash val="solid"/>
-                    </a:lnL>
-                    <a:lnR w="3175">
-                      <a:solidFill>
-                        <a:srgbClr val="B7B8B8"/>
-                      </a:solidFill>
-                      <a:prstDash val="solid"/>
-                    </a:lnR>
-                    <a:lnT w="3175">
-                      <a:solidFill>
-                        <a:srgbClr val="B7B8B8"/>
-                      </a:solidFill>
-                      <a:prstDash val="solid"/>
-                    </a:lnT>
-                    <a:lnB w="3175">
-                      <a:solidFill>
-                        <a:srgbClr val="B7B8B8"/>
-                      </a:solidFill>
-                      <a:prstDash val="solid"/>
-                    </a:lnB>
-                  </a:tcPr>
-                </a:tc>
-                <a:tc>
-                  <a:txBody>
-                    <a:bodyPr/>
-                    <a:lstStyle/>
-                    <a:p>
-                      <a:pPr marL="0" marR="223520" indent="-202565" algn="ctr">
-                        <a:lnSpc>
-                          <a:spcPct val="100000"/>
-                        </a:lnSpc>
-                        <a:spcBef>
-                          <a:spcPts val="155"/>
-                        </a:spcBef>
-                      </a:pPr>
-                      <a:r>
-                        <a:rPr sz="900" spc="0" dirty="0">
-                          <a:solidFill>
-                            <a:srgbClr val="020302"/>
-                          </a:solidFill>
-                          <a:latin typeface="AdobeClean-Light"/>
-                          <a:cs typeface="AdobeClean-Light"/>
-                        </a:rPr>
-                        <a:t>Business</a:t>
-                      </a:r>
-                      <a:r>
-                        <a:rPr lang="en-US" sz="900" spc="0" dirty="0">
-                          <a:solidFill>
-                            <a:srgbClr val="020302"/>
-                          </a:solidFill>
-                          <a:latin typeface="AdobeClean-Light"/>
-                          <a:cs typeface="AdobeClean-Light"/>
-                        </a:rPr>
-                        <a:t> </a:t>
-                      </a:r>
-                      <a:r>
-                        <a:rPr sz="900" spc="0" dirty="0">
-                          <a:solidFill>
-                            <a:srgbClr val="020302"/>
-                          </a:solidFill>
-                          <a:latin typeface="AdobeClean-Light"/>
-                          <a:cs typeface="AdobeClean-Light"/>
-                        </a:rPr>
-                        <a:t>day</a:t>
-                      </a:r>
-                      <a:r>
-                        <a:rPr lang="en-US" sz="900" spc="0" dirty="0">
-                          <a:solidFill>
-                            <a:srgbClr val="020302"/>
-                          </a:solidFill>
-                          <a:latin typeface="AdobeClean-Light"/>
-                          <a:cs typeface="AdobeClean-Light"/>
-                        </a:rPr>
-                        <a:t> </a:t>
-                      </a:r>
-                      <a:r>
-                        <a:rPr sz="900" spc="0" dirty="0">
-                          <a:solidFill>
-                            <a:srgbClr val="020302"/>
-                          </a:solidFill>
-                          <a:latin typeface="AdobeClean-Light"/>
-                          <a:cs typeface="AdobeClean-Light"/>
-                        </a:rPr>
-                        <a:t>/  </a:t>
-                      </a:r>
-                      <a:r>
-                        <a:rPr lang="en-US" sz="900" spc="0" dirty="0">
-                          <a:solidFill>
-                            <a:srgbClr val="020302"/>
-                          </a:solidFill>
-                          <a:latin typeface="AdobeClean-Light"/>
-                          <a:cs typeface="AdobeClean-Light"/>
-                        </a:rPr>
-                        <a:t>    </a:t>
-                      </a:r>
-                      <a:r>
-                        <a:rPr sz="900" spc="0" dirty="0">
-                          <a:solidFill>
-                            <a:srgbClr val="020302"/>
-                          </a:solidFill>
-                          <a:latin typeface="AdobeClean-Light"/>
-                          <a:cs typeface="AdobeClean-Light"/>
-                        </a:rPr>
-                        <a:t>1 day</a:t>
-                      </a:r>
-                      <a:endParaRPr sz="900" spc="0" dirty="0">
-                        <a:latin typeface="AdobeClean-Light"/>
-                        <a:cs typeface="AdobeClean-Light"/>
-                      </a:endParaRPr>
-                    </a:p>
-                  </a:txBody>
-                  <a:tcPr marL="0" marR="0" marT="0" marB="0" anchor="ctr">
-                    <a:lnL w="3175">
-                      <a:solidFill>
-                        <a:srgbClr val="B7B8B8"/>
-                      </a:solidFill>
-                      <a:prstDash val="solid"/>
-                    </a:lnL>
-                    <a:lnR w="3175">
-                      <a:solidFill>
-                        <a:srgbClr val="B7B8B8"/>
-                      </a:solidFill>
-                      <a:prstDash val="solid"/>
-                    </a:lnR>
-                    <a:lnT w="3175">
-                      <a:solidFill>
-                        <a:srgbClr val="B7B8B8"/>
-                      </a:solidFill>
-                      <a:prstDash val="solid"/>
-                    </a:lnT>
-                    <a:lnB w="3175">
-                      <a:solidFill>
-                        <a:srgbClr val="B7B8B8"/>
-                      </a:solidFill>
-                      <a:prstDash val="solid"/>
-                    </a:lnB>
-                  </a:tcPr>
-                </a:tc>
-                <a:tc>
-                  <a:txBody>
-                    <a:bodyPr/>
-                    <a:lstStyle/>
-                    <a:p>
-                      <a:pPr marL="0" marR="223520" indent="-202565" algn="ctr">
-                        <a:lnSpc>
-                          <a:spcPct val="100000"/>
-                        </a:lnSpc>
-                        <a:spcBef>
-                          <a:spcPts val="155"/>
-                        </a:spcBef>
-                      </a:pPr>
-                      <a:r>
-                        <a:rPr sz="900" spc="0" dirty="0">
-                          <a:solidFill>
-                            <a:srgbClr val="020302"/>
-                          </a:solidFill>
-                          <a:latin typeface="AdobeClean-Light"/>
-                          <a:cs typeface="AdobeClean-Light"/>
-                        </a:rPr>
-                        <a:t>Business</a:t>
-                      </a:r>
-                      <a:r>
-                        <a:rPr lang="en-US" sz="900" spc="0" dirty="0">
-                          <a:solidFill>
-                            <a:srgbClr val="020302"/>
-                          </a:solidFill>
-                          <a:latin typeface="AdobeClean-Light"/>
-                          <a:cs typeface="AdobeClean-Light"/>
-                        </a:rPr>
-                        <a:t> </a:t>
-                      </a:r>
-                      <a:r>
-                        <a:rPr sz="900" spc="0" dirty="0">
-                          <a:solidFill>
-                            <a:srgbClr val="020302"/>
-                          </a:solidFill>
-                          <a:latin typeface="AdobeClean-Light"/>
-                          <a:cs typeface="AdobeClean-Light"/>
-                        </a:rPr>
-                        <a:t>day</a:t>
-                      </a:r>
-                      <a:r>
-                        <a:rPr lang="en-US" sz="900" spc="0" dirty="0">
-                          <a:solidFill>
-                            <a:srgbClr val="020302"/>
-                          </a:solidFill>
-                          <a:latin typeface="AdobeClean-Light"/>
-                          <a:cs typeface="AdobeClean-Light"/>
-                        </a:rPr>
-                        <a:t> </a:t>
-                      </a:r>
-                      <a:r>
-                        <a:rPr sz="900" spc="0" dirty="0">
-                          <a:solidFill>
-                            <a:srgbClr val="020302"/>
-                          </a:solidFill>
-                          <a:latin typeface="AdobeClean-Light"/>
-                          <a:cs typeface="AdobeClean-Light"/>
-                        </a:rPr>
-                        <a:t>/  </a:t>
-                      </a:r>
-                      <a:r>
-                        <a:rPr lang="en-US" sz="900" spc="0" dirty="0">
-                          <a:solidFill>
-                            <a:srgbClr val="020302"/>
-                          </a:solidFill>
-                          <a:latin typeface="AdobeClean-Light"/>
-                          <a:cs typeface="AdobeClean-Light"/>
-                        </a:rPr>
-                        <a:t>   </a:t>
-                      </a:r>
-                      <a:r>
-                        <a:rPr sz="900" spc="0" dirty="0">
-                          <a:solidFill>
-                            <a:srgbClr val="020302"/>
-                          </a:solidFill>
-                          <a:latin typeface="AdobeClean-Light"/>
-                          <a:cs typeface="AdobeClean-Light"/>
-                        </a:rPr>
-                        <a:t>1 day</a:t>
+                        <a:t>업무일  /     1일</a:t>
                       </a:r>
                       <a:endParaRPr sz="900" spc="0" dirty="0">
                         <a:latin typeface="AdobeClean-Light"/>
@@ -9417,16 +8287,10 @@
               </a:spcBef>
             </a:pPr>
             <a:r>
-              <a:rPr sz="2300" dirty="0">
+              <a:rPr lang="de-de" sz="2300" dirty="0">
                 <a:latin typeface="Adobe Clean" panose="020B0503020404020204" pitchFamily="34" charset="0"/>
               </a:rPr>
-              <a:t>ADOBE </a:t>
-            </a:r>
-            <a:r>
-              <a:rPr lang="en-US" sz="2300" dirty="0">
-                <a:latin typeface="Adobe Clean" panose="020B0503020404020204" pitchFamily="34" charset="0"/>
-              </a:rPr>
-              <a:t>SUPPORT OFFERINGS</a:t>
+              <a:t>Adobe 지원 서비스 제공 사항</a:t>
             </a:r>
             <a:endParaRPr sz="2300" dirty="0">
               <a:latin typeface="Adobe Clean" panose="020B0503020404020204" pitchFamily="34" charset="0"/>
@@ -9463,7 +8327,7 @@
           <a:lstStyle/>
           <a:p>
             <a:r>
-              <a:rPr lang="en-US" sz="700" i="1" dirty="0">
+              <a:rPr lang="de-de" sz="700" i="1" dirty="0">
                 <a:solidFill>
                   <a:schemeClr val="bg1"/>
                 </a:solidFill>
@@ -9721,87 +8585,87 @@
               </a:spcBef>
             </a:pPr>
             <a:r>
-              <a:rPr lang="en-US" sz="1000" spc="-20" dirty="0">
+              <a:rPr lang="de-de" sz="1000" spc="-20" dirty="0">
                 <a:solidFill>
                   <a:srgbClr val="020302"/>
                 </a:solidFill>
                 <a:latin typeface="AdobeClean-Light"/>
                 <a:cs typeface="AdobeClean-Light"/>
               </a:rPr>
-              <a:t>Adobe Customer Support offers a</a:t>
-            </a:r>
-            <a:r>
-              <a:rPr sz="1000" spc="-20" dirty="0">
+              <a:t>Adobe 고객 지원에서는</a:t>
+            </a:r>
+            <a:r>
+              <a:rPr lang="de-de" sz="1000" spc="-90" dirty="0">
                 <a:solidFill>
                   <a:srgbClr val="020302"/>
                 </a:solidFill>
                 <a:latin typeface="AdobeClean-Light"/>
                 <a:cs typeface="AdobeClean-Light"/>
               </a:rPr>
-              <a:t>ccess</a:t>
-            </a:r>
-            <a:r>
-              <a:rPr sz="1000" spc="-90" dirty="0">
+              <a:t> </a:t>
+            </a:r>
+            <a:r>
+              <a:rPr lang="de-de" sz="1000" spc="-10" dirty="0">
                 <a:solidFill>
                   <a:srgbClr val="020302"/>
                 </a:solidFill>
                 <a:latin typeface="AdobeClean-Light"/>
                 <a:cs typeface="AdobeClean-Light"/>
               </a:rPr>
-              <a:t> </a:t>
-            </a:r>
-            <a:r>
-              <a:rPr sz="1000" spc="-10" dirty="0">
+              <a:t>문서화를 위한</a:t>
+            </a:r>
+            <a:r>
+              <a:rPr lang="de-de" sz="1000" spc="10" dirty="0">
                 <a:solidFill>
                   <a:srgbClr val="020302"/>
                 </a:solidFill>
                 <a:latin typeface="AdobeClean-Light"/>
                 <a:cs typeface="AdobeClean-Light"/>
               </a:rPr>
-              <a:t>to</a:t>
-            </a:r>
-            <a:r>
-              <a:rPr sz="1000" spc="10" dirty="0">
+              <a:t> </a:t>
+            </a:r>
+            <a:r>
+              <a:rPr lang="de-de" sz="1000" spc="-20" dirty="0">
                 <a:solidFill>
                   <a:srgbClr val="020302"/>
                 </a:solidFill>
                 <a:latin typeface="AdobeClean-Light"/>
                 <a:cs typeface="AdobeClean-Light"/>
               </a:rPr>
-              <a:t> </a:t>
-            </a:r>
-            <a:r>
-              <a:rPr sz="1000" spc="-20" dirty="0">
+              <a:t>온라인</a:t>
+            </a:r>
+            <a:r>
+              <a:rPr lang="de-de" sz="1000" spc="-125" dirty="0">
                 <a:solidFill>
                   <a:srgbClr val="020302"/>
                 </a:solidFill>
                 <a:latin typeface="AdobeClean-Light"/>
                 <a:cs typeface="AdobeClean-Light"/>
               </a:rPr>
-              <a:t>online</a:t>
-            </a:r>
-            <a:r>
-              <a:rPr sz="1000" spc="-125" dirty="0">
+              <a:t> </a:t>
+            </a:r>
+            <a:r>
+              <a:rPr lang="de-de" sz="1000" spc="-20" dirty="0">
                 <a:solidFill>
                   <a:srgbClr val="020302"/>
                 </a:solidFill>
                 <a:latin typeface="AdobeClean-Light"/>
                 <a:cs typeface="AdobeClean-Light"/>
               </a:rPr>
-              <a:t> </a:t>
-            </a:r>
-            <a:r>
-              <a:rPr sz="1000" spc="-20" dirty="0">
+              <a:t>리소스</a:t>
+            </a:r>
+            <a:r>
+              <a:rPr lang="de-de" sz="1000" spc="-15" dirty="0">
                 <a:solidFill>
                   <a:srgbClr val="020302"/>
                 </a:solidFill>
                 <a:latin typeface="AdobeClean-Light"/>
                 <a:cs typeface="AdobeClean-Light"/>
               </a:rPr>
-              <a:t>resources</a:t>
-            </a:r>
-            <a:r>
-              <a:rPr sz="1000" spc="-120" dirty="0">
+              <a:t>,</a:t>
+            </a:r>
+            <a:r>
+              <a:rPr lang="de-de" sz="1000" spc="-30" dirty="0">
                 <a:solidFill>
                   <a:srgbClr val="020302"/>
                 </a:solidFill>
@@ -9811,17 +8675,17 @@
               <a:t> </a:t>
             </a:r>
             <a:r>
-              <a:rPr sz="1000" spc="-15" dirty="0">
+              <a:rPr lang="de-de" sz="1000" spc="-15" dirty="0">
                 <a:solidFill>
                   <a:srgbClr val="020302"/>
                 </a:solidFill>
                 <a:latin typeface="AdobeClean-Light"/>
                 <a:cs typeface="AdobeClean-Light"/>
               </a:rPr>
-              <a:t>for</a:t>
-            </a:r>
-            <a:r>
-              <a:rPr sz="1000" spc="-30" dirty="0">
+              <a:t> 모범 사례를 위한</a:t>
+            </a:r>
+            <a:r>
+              <a:rPr lang="de-de" sz="1000" spc="-35" dirty="0">
                 <a:solidFill>
                   <a:srgbClr val="020302"/>
                 </a:solidFill>
@@ -9831,187 +8695,184 @@
               <a:t> </a:t>
             </a:r>
             <a:r>
-              <a:rPr sz="1000" spc="-15" dirty="0">
+              <a:rPr lang="de-de" sz="1000" spc="-20" dirty="0">
                 <a:solidFill>
                   <a:srgbClr val="020302"/>
                 </a:solidFill>
                 <a:latin typeface="AdobeClean-Light"/>
                 <a:cs typeface="AdobeClean-Light"/>
               </a:rPr>
-              <a:t>documentation,</a:t>
-            </a:r>
-            <a:r>
-              <a:rPr lang="en-US" sz="1000" spc="-15" dirty="0">
+              <a:t> 다른 전문가 </a:t>
+            </a:r>
+            <a:r>
+              <a:rPr lang="de-de" sz="1000" spc="-15" dirty="0">
                 <a:solidFill>
                   <a:srgbClr val="020302"/>
                 </a:solidFill>
                 <a:latin typeface="AdobeClean-Light"/>
                 <a:cs typeface="AdobeClean-Light"/>
               </a:rPr>
-              <a:t> </a:t>
-            </a:r>
-            <a:r>
-              <a:rPr sz="1000" spc="-15" dirty="0">
+              <a:t>및 </a:t>
+            </a:r>
+            <a:r>
+              <a:rPr lang="de-de" sz="1000" spc="-20" dirty="0">
                 <a:solidFill>
                   <a:srgbClr val="020302"/>
                 </a:solidFill>
                 <a:latin typeface="AdobeClean-Light"/>
                 <a:cs typeface="AdobeClean-Light"/>
               </a:rPr>
-              <a:t>engagement</a:t>
-            </a:r>
-            <a:r>
-              <a:rPr lang="en-US" sz="1000" spc="-15" dirty="0">
+              <a:t>고객과의 </a:t>
+            </a:r>
+            <a:r>
+              <a:rPr lang="de-de" sz="1000" spc="-15" dirty="0">
                 <a:solidFill>
                   <a:srgbClr val="020302"/>
                 </a:solidFill>
                 <a:latin typeface="AdobeClean-Light"/>
                 <a:cs typeface="AdobeClean-Light"/>
               </a:rPr>
-              <a:t> </a:t>
-            </a:r>
-            <a:r>
-              <a:rPr sz="1000" spc="-15" dirty="0">
+              <a:t>소통, </a:t>
+            </a:r>
+            <a:r>
+              <a:rPr lang="de-de" sz="1000" spc="-20" dirty="0">
                 <a:solidFill>
                   <a:srgbClr val="020302"/>
                 </a:solidFill>
                 <a:latin typeface="AdobeClean-Light"/>
                 <a:cs typeface="AdobeClean-Light"/>
               </a:rPr>
-              <a:t>with</a:t>
-            </a:r>
-            <a:r>
-              <a:rPr sz="1000" spc="-35" dirty="0">
+              <a:t>문제 </a:t>
+            </a:r>
+            <a:r>
+              <a:rPr lang="de-de" sz="1000" spc="-15" dirty="0">
                 <a:solidFill>
                   <a:srgbClr val="020302"/>
                 </a:solidFill>
                 <a:latin typeface="AdobeClean-Light"/>
                 <a:cs typeface="AdobeClean-Light"/>
               </a:rPr>
-              <a:t> </a:t>
-            </a:r>
-            <a:r>
-              <a:rPr sz="1000" spc="-20" dirty="0">
+              <a:t>해결 </a:t>
+            </a:r>
+            <a:r>
+              <a:rPr lang="de-de" sz="1000" spc="-20" dirty="0">
                 <a:solidFill>
                   <a:srgbClr val="020302"/>
                 </a:solidFill>
                 <a:latin typeface="AdobeClean-Light"/>
                 <a:cs typeface="AdobeClean-Light"/>
               </a:rPr>
-              <a:t>other experts </a:t>
-            </a:r>
-            <a:r>
-              <a:rPr sz="1000" spc="-15" dirty="0">
+              <a:t>팁 및 요령에 대한 웨비나 시리즈(오피스 </a:t>
+            </a:r>
+            <a:r>
+              <a:rPr lang="de-de" sz="1000" spc="-15" dirty="0">
                 <a:solidFill>
                   <a:srgbClr val="020302"/>
                 </a:solidFill>
                 <a:latin typeface="AdobeClean-Light"/>
                 <a:cs typeface="AdobeClean-Light"/>
               </a:rPr>
-              <a:t>and </a:t>
-            </a:r>
-            <a:r>
-              <a:rPr sz="1000" spc="-20" dirty="0">
+              <a:t>아워)에 대한 </a:t>
+            </a:r>
+            <a:r>
+              <a:rPr lang="de-de" sz="1000" spc="-20" dirty="0">
                 <a:solidFill>
                   <a:srgbClr val="020302"/>
                 </a:solidFill>
                 <a:latin typeface="AdobeClean-Light"/>
                 <a:cs typeface="AdobeClean-Light"/>
               </a:rPr>
-              <a:t>customers </a:t>
-            </a:r>
-            <a:r>
-              <a:rPr sz="1000" spc="-15" dirty="0">
+              <a:t>액세스를 </a:t>
+            </a:r>
+            <a:r>
+              <a:rPr lang="de-de" sz="1000" spc="-15" dirty="0">
                 <a:solidFill>
                   <a:srgbClr val="020302"/>
                 </a:solidFill>
                 <a:latin typeface="AdobeClean-Light"/>
                 <a:cs typeface="AdobeClean-Light"/>
               </a:rPr>
-              <a:t>for best </a:t>
-            </a:r>
-            <a:r>
-              <a:rPr sz="1000" spc="-20" dirty="0">
+              <a:t>제공합니다</a:t>
+            </a:r>
+            <a:r>
+              <a:rPr lang="de-de" sz="1000" spc="-20" dirty="0">
                 <a:solidFill>
                   <a:srgbClr val="020302"/>
                 </a:solidFill>
                 <a:latin typeface="AdobeClean-Light"/>
                 <a:cs typeface="AdobeClean-Light"/>
               </a:rPr>
-              <a:t>practices, </a:t>
-            </a:r>
-            <a:r>
-              <a:rPr sz="1000" spc="-15" dirty="0">
+              <a:t>. 질문 </a:t>
+            </a:r>
+            <a:r>
+              <a:rPr lang="de-de" sz="1000" spc="-15" dirty="0">
                 <a:solidFill>
                   <a:srgbClr val="020302"/>
                 </a:solidFill>
                 <a:latin typeface="AdobeClean-Light"/>
                 <a:cs typeface="AdobeClean-Light"/>
               </a:rPr>
-              <a:t>and </a:t>
-            </a:r>
-            <a:r>
-              <a:rPr sz="1000" spc="-20" dirty="0">
+              <a:t>및</a:t>
+            </a:r>
+            <a:r>
+              <a:rPr lang="de-de" sz="1000" spc="-140" dirty="0">
                 <a:solidFill>
                   <a:srgbClr val="020302"/>
                 </a:solidFill>
                 <a:latin typeface="AdobeClean-Light"/>
                 <a:cs typeface="AdobeClean-Light"/>
               </a:rPr>
-              <a:t>webinar series (Office  </a:t>
-            </a:r>
-            <a:r>
-              <a:rPr sz="1000" spc="-15" dirty="0">
+              <a:t> </a:t>
+            </a:r>
+            <a:r>
+              <a:rPr lang="de-de" sz="1000" spc="-20" dirty="0">
                 <a:solidFill>
                   <a:srgbClr val="020302"/>
                 </a:solidFill>
                 <a:latin typeface="AdobeClean-Light"/>
                 <a:cs typeface="AdobeClean-Light"/>
               </a:rPr>
-              <a:t>Hours) for </a:t>
-            </a:r>
-            <a:r>
-              <a:rPr sz="1000" spc="-20" dirty="0">
-                <a:solidFill>
-                  <a:srgbClr val="020302"/>
-                </a:solidFill>
+              <a:t>사례</a:t>
+            </a:r>
+            <a:r>
+              <a:rPr lang="de-de" sz="1000" dirty="0">
                 <a:latin typeface="AdobeClean-Light"/>
                 <a:cs typeface="AdobeClean-Light"/>
               </a:rPr>
-              <a:t>troubleshooting </a:t>
-            </a:r>
-            <a:r>
-              <a:rPr sz="1000" spc="-15" dirty="0">
+              <a:t> </a:t>
+            </a:r>
+            <a:r>
+              <a:rPr lang="de-de" sz="1000" spc="-25" dirty="0">
                 <a:solidFill>
                   <a:srgbClr val="020302"/>
                 </a:solidFill>
                 <a:latin typeface="AdobeClean-Light"/>
                 <a:cs typeface="AdobeClean-Light"/>
               </a:rPr>
-              <a:t>tips and </a:t>
-            </a:r>
-            <a:r>
-              <a:rPr sz="1000" spc="-20" dirty="0">
+              <a:t>제출에</a:t>
+            </a:r>
+            <a:r>
+              <a:rPr lang="de-de" sz="1000" spc="-65" dirty="0">
                 <a:solidFill>
                   <a:srgbClr val="020302"/>
                 </a:solidFill>
                 <a:latin typeface="AdobeClean-Light"/>
                 <a:cs typeface="AdobeClean-Light"/>
               </a:rPr>
-              <a:t>tricks. Several channels </a:t>
-            </a:r>
-            <a:r>
-              <a:rPr sz="1000" spc="-15" dirty="0">
+              <a:t> </a:t>
+            </a:r>
+            <a:r>
+              <a:rPr lang="de-de" sz="1000" spc="-15" dirty="0">
                 <a:solidFill>
                   <a:srgbClr val="020302"/>
                 </a:solidFill>
                 <a:latin typeface="AdobeClean-Light"/>
                 <a:cs typeface="AdobeClean-Light"/>
               </a:rPr>
-              <a:t>are</a:t>
-            </a:r>
-            <a:r>
-              <a:rPr sz="1000" spc="-140" dirty="0">
+              <a:t>위한</a:t>
+            </a:r>
+            <a:r>
+              <a:rPr lang="de-de" sz="1000" spc="-25" dirty="0">
                 <a:solidFill>
                   <a:srgbClr val="020302"/>
                 </a:solidFill>
@@ -10021,34 +8882,37 @@
               <a:t> </a:t>
             </a:r>
             <a:r>
-              <a:rPr sz="1000" spc="-20" dirty="0">
+              <a:rPr lang="de-de" sz="1000" spc="-20" dirty="0">
                 <a:solidFill>
                   <a:srgbClr val="020302"/>
                 </a:solidFill>
                 <a:latin typeface="AdobeClean-Light"/>
                 <a:cs typeface="AdobeClean-Light"/>
               </a:rPr>
-              <a:t>also</a:t>
-            </a:r>
-            <a:r>
-              <a:rPr lang="en-US" sz="1000" dirty="0">
+              <a:t>다양한</a:t>
+            </a:r>
+            <a:r>
+              <a:rPr lang="de-de" sz="1000" spc="-114" dirty="0">
+                <a:solidFill>
+                  <a:srgbClr val="020302"/>
+                </a:solidFill>
                 <a:latin typeface="AdobeClean-Light"/>
                 <a:cs typeface="AdobeClean-Light"/>
               </a:rPr>
               <a:t> </a:t>
             </a:r>
             <a:r>
-              <a:rPr sz="1000" spc="-25" dirty="0">
+              <a:rPr lang="de-de" sz="1000" spc="-15" dirty="0">
                 <a:solidFill>
                   <a:srgbClr val="020302"/>
                 </a:solidFill>
                 <a:latin typeface="AdobeClean-Light"/>
                 <a:cs typeface="AdobeClean-Light"/>
               </a:rPr>
-              <a:t>available</a:t>
-            </a:r>
-            <a:r>
-              <a:rPr sz="1000" spc="-65" dirty="0">
+              <a:t>채널도</a:t>
+            </a:r>
+            <a:r>
+              <a:rPr lang="de-de" sz="1000" spc="-45" dirty="0">
                 <a:solidFill>
                   <a:srgbClr val="020302"/>
                 </a:solidFill>
@@ -10058,17 +8922,17 @@
               <a:t> </a:t>
             </a:r>
             <a:r>
-              <a:rPr sz="1000" spc="-15" dirty="0">
+              <a:rPr lang="de-de" sz="1000" spc="-20" dirty="0">
                 <a:solidFill>
                   <a:srgbClr val="020302"/>
                 </a:solidFill>
                 <a:latin typeface="AdobeClean-Light"/>
                 <a:cs typeface="AdobeClean-Light"/>
               </a:rPr>
-              <a:t>for</a:t>
-            </a:r>
-            <a:r>
-              <a:rPr sz="1000" spc="-25" dirty="0">
+              <a:t>제공됩니다.</a:t>
+            </a:r>
+            <a:r>
+              <a:rPr lang="de-de" sz="1000" spc="-35" dirty="0">
                 <a:solidFill>
                   <a:srgbClr val="020302"/>
                 </a:solidFill>
@@ -10076,76 +8940,6 @@
                 <a:cs typeface="AdobeClean-Light"/>
               </a:rPr>
               <a:t> </a:t>
-            </a:r>
-            <a:r>
-              <a:rPr sz="1000" spc="-20" dirty="0">
-                <a:solidFill>
-                  <a:srgbClr val="020302"/>
-                </a:solidFill>
-                <a:latin typeface="AdobeClean-Light"/>
-                <a:cs typeface="AdobeClean-Light"/>
-              </a:rPr>
-              <a:t>questions</a:t>
-            </a:r>
-            <a:r>
-              <a:rPr sz="1000" spc="-114" dirty="0">
-                <a:solidFill>
-                  <a:srgbClr val="020302"/>
-                </a:solidFill>
-                <a:latin typeface="AdobeClean-Light"/>
-                <a:cs typeface="AdobeClean-Light"/>
-              </a:rPr>
-              <a:t> </a:t>
-            </a:r>
-            <a:r>
-              <a:rPr sz="1000" spc="-15" dirty="0">
-                <a:solidFill>
-                  <a:srgbClr val="020302"/>
-                </a:solidFill>
-                <a:latin typeface="AdobeClean-Light"/>
-                <a:cs typeface="AdobeClean-Light"/>
-              </a:rPr>
-              <a:t>and</a:t>
-            </a:r>
-            <a:r>
-              <a:rPr sz="1000" spc="-45" dirty="0">
-                <a:solidFill>
-                  <a:srgbClr val="020302"/>
-                </a:solidFill>
-                <a:latin typeface="AdobeClean-Light"/>
-                <a:cs typeface="AdobeClean-Light"/>
-              </a:rPr>
-              <a:t> </a:t>
-            </a:r>
-            <a:r>
-              <a:rPr sz="1000" spc="-20" dirty="0">
-                <a:solidFill>
-                  <a:srgbClr val="020302"/>
-                </a:solidFill>
-                <a:latin typeface="AdobeClean-Light"/>
-                <a:cs typeface="AdobeClean-Light"/>
-              </a:rPr>
-              <a:t>case</a:t>
-            </a:r>
-            <a:r>
-              <a:rPr sz="1000" spc="-35" dirty="0">
-                <a:solidFill>
-                  <a:srgbClr val="020302"/>
-                </a:solidFill>
-                <a:latin typeface="AdobeClean-Light"/>
-                <a:cs typeface="AdobeClean-Light"/>
-              </a:rPr>
-              <a:t> </a:t>
-            </a:r>
-            <a:r>
-              <a:rPr sz="1000" spc="-20" dirty="0">
-                <a:solidFill>
-                  <a:srgbClr val="020302"/>
-                </a:solidFill>
-                <a:latin typeface="AdobeClean-Light"/>
-                <a:cs typeface="AdobeClean-Light"/>
-              </a:rPr>
-              <a:t>submissions</a:t>
             </a:r>
             <a:endParaRPr sz="1000" dirty="0">
               <a:latin typeface="AdobeClean-Light"/>
@@ -10187,67 +8981,67 @@
               </a:tabLst>
             </a:pPr>
             <a:r>
-              <a:rPr sz="900" spc="-20" dirty="0">
+              <a:rPr lang="de-de" sz="900" spc="-20" dirty="0">
                 <a:solidFill>
                   <a:srgbClr val="020302"/>
                 </a:solidFill>
                 <a:latin typeface="AdobeClean-Light"/>
                 <a:cs typeface="AdobeClean-Light"/>
               </a:rPr>
-              <a:t>Start </a:t>
-            </a:r>
-            <a:r>
-              <a:rPr sz="900" dirty="0">
+              <a:t>답변을 </a:t>
+            </a:r>
+            <a:r>
+              <a:rPr lang="de-de" sz="900" dirty="0">
                 <a:solidFill>
                   <a:srgbClr val="020302"/>
                 </a:solidFill>
                 <a:latin typeface="AdobeClean-Light"/>
                 <a:cs typeface="AdobeClean-Light"/>
               </a:rPr>
-              <a:t>a </a:t>
-            </a:r>
-            <a:r>
-              <a:rPr sz="900" spc="-15" dirty="0">
+              <a:t>얻고 </a:t>
+            </a:r>
+            <a:r>
+              <a:rPr lang="de-de" sz="900" spc="-15" dirty="0">
                 <a:solidFill>
                   <a:srgbClr val="020302"/>
                 </a:solidFill>
                 <a:latin typeface="AdobeClean-Light"/>
                 <a:cs typeface="AdobeClean-Light"/>
               </a:rPr>
-              <a:t>chat </a:t>
-            </a:r>
-            <a:r>
-              <a:rPr sz="900" spc="-10" dirty="0">
+              <a:t>사례 </a:t>
+            </a:r>
+            <a:r>
+              <a:rPr lang="de-de" sz="900" spc="-10" dirty="0">
                 <a:solidFill>
                   <a:srgbClr val="020302"/>
                 </a:solidFill>
                 <a:latin typeface="AdobeClean-Light"/>
                 <a:cs typeface="AdobeClean-Light"/>
               </a:rPr>
-              <a:t>session </a:t>
-            </a:r>
-            <a:r>
-              <a:rPr sz="900" spc="-5" dirty="0">
+              <a:t>제출 </a:t>
+            </a:r>
+            <a:r>
+              <a:rPr lang="de-de" sz="900" spc="-5" dirty="0">
                 <a:solidFill>
                   <a:srgbClr val="020302"/>
                 </a:solidFill>
                 <a:latin typeface="AdobeClean-Light"/>
                 <a:cs typeface="AdobeClean-Light"/>
               </a:rPr>
-              <a:t>to </a:t>
-            </a:r>
-            <a:r>
-              <a:rPr sz="900" spc="-10" dirty="0">
+              <a:t>관련 </a:t>
+            </a:r>
+            <a:r>
+              <a:rPr lang="de-de" sz="900" spc="-10" dirty="0">
                 <a:solidFill>
                   <a:srgbClr val="020302"/>
                 </a:solidFill>
                 <a:latin typeface="AdobeClean-Light"/>
                 <a:cs typeface="AdobeClean-Light"/>
               </a:rPr>
-              <a:t>get </a:t>
-            </a:r>
-            <a:r>
-              <a:rPr sz="900" spc="30" dirty="0">
+              <a:t>도움을</a:t>
+            </a:r>
+            <a:r>
+              <a:rPr lang="de-de" sz="900" spc="30" dirty="0">
                 <a:solidFill>
                   <a:srgbClr val="020302"/>
                 </a:solidFill>
@@ -10257,17 +9051,17 @@
               <a:t> </a:t>
             </a:r>
             <a:r>
-              <a:rPr sz="900" spc="-20" dirty="0">
+              <a:rPr lang="de-de" sz="900" spc="-20" dirty="0">
                 <a:solidFill>
                   <a:srgbClr val="020302"/>
                 </a:solidFill>
                 <a:latin typeface="AdobeClean-Light"/>
                 <a:cs typeface="AdobeClean-Light"/>
               </a:rPr>
-              <a:t>answers</a:t>
-            </a:r>
-            <a:r>
-              <a:rPr lang="en-US" sz="900" spc="-45" dirty="0">
+              <a:t>받을 수</a:t>
+            </a:r>
+            <a:r>
+              <a:rPr lang="de-de" sz="900" spc="-45" dirty="0">
                 <a:solidFill>
                   <a:srgbClr val="020302"/>
                 </a:solidFill>
@@ -10277,64 +9071,64 @@
               <a:t> </a:t>
             </a:r>
             <a:r>
-              <a:rPr lang="en-US" sz="900" dirty="0">
+              <a:rPr lang="de-de" sz="900" dirty="0">
                 <a:solidFill>
                   <a:srgbClr val="020302"/>
                 </a:solidFill>
                 <a:latin typeface="AdobeClean-Light"/>
                 <a:cs typeface="AdobeClean-Light"/>
               </a:rPr>
-              <a:t>&amp; </a:t>
-            </a:r>
-            <a:r>
-              <a:rPr sz="900" spc="-15" dirty="0">
+              <a:t>있는 </a:t>
+            </a:r>
+            <a:r>
+              <a:rPr lang="de-de" sz="900" spc="-15" dirty="0">
                 <a:solidFill>
                   <a:srgbClr val="020302"/>
                 </a:solidFill>
                 <a:latin typeface="AdobeClean-Light"/>
                 <a:cs typeface="AdobeClean-Light"/>
               </a:rPr>
-              <a:t>help </a:t>
-            </a:r>
-            <a:r>
-              <a:rPr sz="900" spc="-10" dirty="0">
+              <a:t>채팅</a:t>
+            </a:r>
+            <a:r>
+              <a:rPr lang="de-de" sz="900" spc="-10" dirty="0">
                 <a:solidFill>
                   <a:srgbClr val="020302"/>
                 </a:solidFill>
                 <a:latin typeface="AdobeClean-Light"/>
                 <a:cs typeface="AdobeClean-Light"/>
               </a:rPr>
-              <a:t>with</a:t>
-            </a:r>
-            <a:r>
-              <a:rPr sz="900" spc="85" dirty="0">
+              <a:t> </a:t>
+            </a:r>
+            <a:r>
+              <a:rPr lang="de-de" sz="900" spc="85" dirty="0">
                 <a:solidFill>
                   <a:srgbClr val="020302"/>
                 </a:solidFill>
                 <a:latin typeface="AdobeClean-Light"/>
                 <a:cs typeface="AdobeClean-Light"/>
               </a:rPr>
-              <a:t> </a:t>
-            </a:r>
-            <a:r>
-              <a:rPr sz="900" spc="-10" dirty="0">
+              <a:t>세션을</a:t>
+            </a:r>
+            <a:r>
+              <a:rPr lang="de-de" sz="900" spc="-10" dirty="0">
                 <a:solidFill>
                   <a:srgbClr val="020302"/>
                 </a:solidFill>
                 <a:latin typeface="AdobeClean-Light"/>
                 <a:cs typeface="AdobeClean-Light"/>
               </a:rPr>
-              <a:t>case </a:t>
-            </a:r>
-            <a:r>
-              <a:rPr sz="900" spc="-20" dirty="0">
+              <a:t> </a:t>
+            </a:r>
+            <a:r>
+              <a:rPr lang="de-de" sz="900" spc="-20" dirty="0">
                 <a:solidFill>
                   <a:srgbClr val="020302"/>
                 </a:solidFill>
                 <a:latin typeface="AdobeClean-Light"/>
                 <a:cs typeface="AdobeClean-Light"/>
               </a:rPr>
-              <a:t>submission</a:t>
+              <a:t>시작합니다.</a:t>
             </a:r>
             <a:endParaRPr lang="en-US" sz="900" spc="-20" dirty="0">
               <a:solidFill>
@@ -10357,24 +9151,24 @@
               </a:tabLst>
             </a:pPr>
             <a:r>
-              <a:rPr sz="900" i="1" spc="-10" dirty="0">
+              <a:rPr lang="de-de" sz="900" i="1" spc="-10" dirty="0">
                 <a:solidFill>
                   <a:srgbClr val="7A7A7A"/>
                 </a:solidFill>
                 <a:latin typeface="AdobeClean-LightIt"/>
                 <a:cs typeface="AdobeClean-LightIt"/>
               </a:rPr>
-              <a:t>*Not all </a:t>
-            </a:r>
-            <a:r>
-              <a:rPr sz="900" i="1" spc="-20" dirty="0">
+              <a:t>*모든 </a:t>
+            </a:r>
+            <a:r>
+              <a:rPr lang="de-de" sz="900" i="1" spc="-20" dirty="0">
                 <a:solidFill>
                   <a:srgbClr val="7A7A7A"/>
                 </a:solidFill>
                 <a:latin typeface="AdobeClean-LightIt"/>
                 <a:cs typeface="AdobeClean-LightIt"/>
               </a:rPr>
-              <a:t>products have live chat support.  </a:t>
+              <a:t>제품에 라이브 채팅이 지원되는 것은 아닙니다.  </a:t>
             </a:r>
             <a:endParaRPr sz="900" dirty="0">
               <a:latin typeface="AdobeClean-Light"/>
@@ -10448,14 +9242,14 @@
               </a:spcBef>
             </a:pPr>
             <a:r>
-              <a:rPr lang="en-US" sz="1400" b="1" spc="-10" dirty="0">
+              <a:rPr lang="de-de" sz="1400" b="1" spc="-10" dirty="0">
                 <a:solidFill>
                   <a:srgbClr val="020302"/>
                 </a:solidFill>
                 <a:latin typeface="Adobe Clean"/>
                 <a:cs typeface="Adobe Clean"/>
               </a:rPr>
-              <a:t>Online Support</a:t>
+              <a:t>온라인 지원</a:t>
             </a:r>
             <a:endParaRPr lang="en-US" sz="1400" dirty="0">
               <a:latin typeface="Adobe Clean"/>
@@ -10507,12 +9301,12 @@
               <a:defRPr/>
             </a:pPr>
             <a:r>
-              <a:rPr lang="en-US" sz="1200" dirty="0">
+              <a:rPr lang="de-de" sz="1200" dirty="0">
                 <a:solidFill>
                   <a:srgbClr val="000000"/>
                 </a:solidFill>
               </a:rPr>
-              <a:t>Community Forums</a:t>
+              <a:t>커뮤니티 포럼</a:t>
             </a:r>
           </a:p>
         </p:txBody>
@@ -10555,12 +9349,12 @@
               </a:spcAft>
             </a:pPr>
             <a:r>
-              <a:rPr lang="en-US" sz="1200" b="1" dirty="0">
+              <a:rPr lang="de-de" sz="1200" b="1" dirty="0">
                 <a:latin typeface="+mj-lt"/>
                 <a:ea typeface="Open Sans" pitchFamily="34" charset="0"/>
                 <a:cs typeface="Open Sans" pitchFamily="34" charset="0"/>
               </a:rPr>
-              <a:t>Online Forums</a:t>
+              <a:t>온라인 포럼</a:t>
             </a:r>
           </a:p>
         </p:txBody>
@@ -10593,13 +9387,13 @@
           <a:lstStyle/>
           <a:p>
             <a:r>
-              <a:rPr lang="en-US" sz="1000" dirty="0">
+              <a:rPr lang="de-de" sz="1000" dirty="0">
                 <a:solidFill>
                   <a:srgbClr val="000000"/>
                 </a:solidFill>
                 <a:latin typeface="Adobe Clean Light" panose="020B0303020404020204" pitchFamily="34" charset="0"/>
               </a:rPr>
-              <a:t>Continuous online access to a growing database of technical solutions, product documentation, FAQs and more. Connect with practitioners and other customers on Adobe Community to share best practices and lessons learned.</a:t>
+              <a:t>기술 솔루션, 제품 문서, FAQ 등 증가하는 데이터베이스에 대한 지속적인 온라인 액세스. Adobe 커뮤니티에서 실무자 및 다른 고객과 소통하여 모범 사례 및 진행 중 얻은 개선 사항을 공유합니다.</a:t>
             </a:r>
           </a:p>
         </p:txBody>
@@ -10647,7 +9441,7 @@
               <a:defRPr/>
             </a:pPr>
             <a:r>
-              <a:rPr lang="en-US" sz="1200" dirty="0">
+              <a:rPr lang="de-de" sz="1200" dirty="0">
                 <a:solidFill>
                   <a:srgbClr val="000000"/>
                 </a:solidFill>
@@ -10695,12 +9489,12 @@
               </a:spcAft>
             </a:pPr>
             <a:r>
-              <a:rPr lang="en-US" sz="1200" b="1" dirty="0">
+              <a:rPr lang="de-de" sz="1200" b="1" dirty="0">
                 <a:latin typeface="+mj-lt"/>
                 <a:ea typeface="Open Sans" pitchFamily="34" charset="0"/>
                 <a:cs typeface="Open Sans" pitchFamily="34" charset="0"/>
               </a:rPr>
-              <a:t>Self-guided Journeys</a:t>
+              <a:t>셀프 가이드 여정</a:t>
             </a:r>
           </a:p>
         </p:txBody>
@@ -10733,13 +9527,13 @@
           <a:lstStyle/>
           <a:p>
             <a:r>
-              <a:rPr lang="en-US" sz="1000" dirty="0">
+              <a:rPr lang="de-de" sz="1000" dirty="0">
                 <a:solidFill>
                   <a:srgbClr val="000000"/>
                 </a:solidFill>
                 <a:latin typeface="Adobe Clean Light" panose="020B0303020404020204" pitchFamily="34" charset="0"/>
               </a:rPr>
-              <a:t>Experience Makers are made with Experience League. Customers can kickstart their Customer Experience Management abilities with personalized learning to develop skills, engage with a global community of peers, and earn career advancing recognition. </a:t>
+              <a:t>Experience 업체는 Experience League로 만들어집니다. 고객은 개인 맞춤형 학습을 통해 고객 경험 관리 능력에 시동을 걸어 기술을 개발하고 글로벌 동료 커뮤니티와 교류하며 경력 발전에 도움이 되는 인정을 얻을 수 있습니다. </a:t>
             </a:r>
           </a:p>
         </p:txBody>
@@ -10787,12 +9581,12 @@
               <a:defRPr/>
             </a:pPr>
             <a:r>
-              <a:rPr lang="en-US" sz="1200" dirty="0">
+              <a:rPr lang="de-de" sz="1200" dirty="0">
                 <a:solidFill>
                   <a:srgbClr val="000000"/>
                 </a:solidFill>
               </a:rPr>
-              <a:t>Office Hours</a:t>
+              <a:t>오피스 아워</a:t>
             </a:r>
           </a:p>
         </p:txBody>
@@ -10835,12 +9629,12 @@
               </a:spcAft>
             </a:pPr>
             <a:r>
-              <a:rPr lang="en-US" sz="1200" b="1" dirty="0">
+              <a:rPr lang="de-de" sz="1200" b="1" dirty="0">
                 <a:latin typeface="+mj-lt"/>
                 <a:ea typeface="Open Sans" pitchFamily="34" charset="0"/>
                 <a:cs typeface="Open Sans" pitchFamily="34" charset="0"/>
               </a:rPr>
-              <a:t>Webinars</a:t>
+              <a:t>웨비나</a:t>
             </a:r>
           </a:p>
         </p:txBody>
@@ -10873,13 +9667,13 @@
           <a:lstStyle/>
           <a:p>
             <a:r>
-              <a:rPr lang="en-US" sz="1000" dirty="0">
+              <a:rPr lang="de-de" sz="1000" dirty="0">
                 <a:solidFill>
                   <a:srgbClr val="000000"/>
                 </a:solidFill>
                 <a:latin typeface="Adobe Clean Light" panose="020B0303020404020204" pitchFamily="34" charset="0"/>
               </a:rPr>
-              <a:t>Office  Hours  led  by  the  Adobe  Customer Support  team  includes  sessions  designed to  inform  as  well  as  help  participants troubleshoot  problems  and  provide  tips and  tricks  for  success  with  Adobe  solutions.</a:t>
+              <a:t>Adobe 고객 지원 팀에서 진행하는 오피스 아워(Office Hours)에는 참가자가 문제를 해결하도록 관련 정보를 제공하여 도움을 주고 Adobe 솔루션을 성공적으로 사용할 수 있는 팁과 요령을 제공하기 위해 설계된 세션들이 포함됩니다.</a:t>
             </a:r>
           </a:p>
         </p:txBody>
@@ -10927,12 +9721,12 @@
               <a:defRPr/>
             </a:pPr>
             <a:r>
-              <a:rPr lang="en-US" sz="1200" dirty="0">
+              <a:rPr lang="de-de" sz="1200" dirty="0">
                 <a:solidFill>
                   <a:srgbClr val="000000"/>
                 </a:solidFill>
               </a:rPr>
-              <a:t>Self-help Portals</a:t>
+              <a:t>자가 진단 포털</a:t>
             </a:r>
           </a:p>
         </p:txBody>
@@ -10975,12 +9769,12 @@
               </a:spcAft>
             </a:pPr>
             <a:r>
-              <a:rPr lang="en-US" sz="1200" b="1" dirty="0">
+              <a:rPr lang="de-de" sz="1200" b="1" dirty="0">
                 <a:latin typeface="+mj-lt"/>
                 <a:ea typeface="Open Sans" pitchFamily="34" charset="0"/>
                 <a:cs typeface="Open Sans" pitchFamily="34" charset="0"/>
               </a:rPr>
-              <a:t>24/7 Support Portal</a:t>
+              <a:t>24/7 지원 포털</a:t>
             </a:r>
           </a:p>
         </p:txBody>
@@ -11013,13 +9807,13 @@
           <a:lstStyle/>
           <a:p>
             <a:r>
-              <a:rPr lang="en-US" sz="1000" dirty="0">
+              <a:rPr lang="de-de" sz="1000" dirty="0">
                 <a:solidFill>
                   <a:srgbClr val="000000"/>
                 </a:solidFill>
                 <a:latin typeface="Adobe Clean Light" panose="020B0303020404020204" pitchFamily="34" charset="0"/>
               </a:rPr>
-              <a:t>On-demand access to the online Self-help Support Portal to submit support requests, review case status, and browse other resources, like our knowledgebase, news and alerts, featured tips, and more.</a:t>
+              <a:t>지원 요청을 제출하고 사례 상태를 검토하고 기술 자료, 뉴스 및 알림, 추천 팁 등과 같은 기타 리소스를 검색할 수 있는 온라인 자가 진단 지원 포털에 대한 온디맨드 액세스입니다.</a:t>
             </a:r>
           </a:p>
         </p:txBody>
@@ -11067,12 +9861,12 @@
               <a:defRPr/>
             </a:pPr>
             <a:r>
-              <a:rPr lang="en-US" sz="1200" dirty="0">
+              <a:rPr lang="de-de" sz="1200" dirty="0">
                 <a:solidFill>
                   <a:srgbClr val="000000"/>
                 </a:solidFill>
               </a:rPr>
-              <a:t>Live Chat  Support*</a:t>
+              <a:t>라이브 채팅 지원*</a:t>
             </a:r>
           </a:p>
         </p:txBody>
@@ -11115,12 +9909,12 @@
               </a:spcAft>
             </a:pPr>
             <a:r>
-              <a:rPr lang="en-US" sz="1200" b="1" dirty="0">
+              <a:rPr lang="de-de" sz="1200" b="1" dirty="0">
                 <a:latin typeface="+mj-lt"/>
                 <a:ea typeface="Open Sans" pitchFamily="34" charset="0"/>
                 <a:cs typeface="Open Sans" pitchFamily="34" charset="0"/>
               </a:rPr>
-              <a:t>Chat Support</a:t>
+              <a:t>채팅 지원</a:t>
             </a:r>
           </a:p>
         </p:txBody>
@@ -11168,7 +9962,7 @@
               <a:defRPr/>
             </a:pPr>
             <a:r>
-              <a:rPr lang="en-US" sz="1200" dirty="0">
+              <a:rPr lang="de-de" sz="1200" dirty="0">
                 <a:solidFill>
                   <a:srgbClr val="000000"/>
                 </a:solidFill>
@@ -11216,12 +10010,12 @@
               </a:spcAft>
             </a:pPr>
             <a:r>
-              <a:rPr lang="en-US" sz="1200" b="1" dirty="0">
+              <a:rPr lang="de-de" sz="1200" b="1" dirty="0">
                 <a:latin typeface="+mj-lt"/>
                 <a:ea typeface="Open Sans" pitchFamily="34" charset="0"/>
                 <a:cs typeface="Open Sans" pitchFamily="34" charset="0"/>
               </a:rPr>
-              <a:t>Phone  Support</a:t>
+              <a:t>전화 지원</a:t>
             </a:r>
           </a:p>
         </p:txBody>
@@ -11254,19 +10048,19 @@
           <a:lstStyle/>
           <a:p>
             <a:r>
-              <a:rPr lang="en-US" sz="1000" dirty="0">
+              <a:rPr lang="de-de" sz="1000" dirty="0">
                 <a:solidFill>
                   <a:srgbClr val="020302"/>
                 </a:solidFill>
                 <a:latin typeface="AdobeClean-Light"/>
               </a:rPr>
-              <a:t>Authorized users or Named Support Contacts </a:t>
-            </a:r>
-            <a:r>
-              <a:rPr lang="en-US" sz="1000" dirty="0">
+              <a:t>승인된 사용자 또는 지정 지원 담당자</a:t>
+            </a:r>
+            <a:r>
+              <a:rPr lang="de-de" sz="1000" dirty="0">
                 <a:latin typeface="Adobe Clean Light" panose="020B0303020404020204" pitchFamily="34" charset="0"/>
               </a:rPr>
-              <a:t>can submit issues through all available  channels (including phone for P1) and interact with our technical support team on behalf of your company. </a:t>
+              <a:t>는 사용 가능한 모든 채널(P1용 전화 포함)을 통해 문제를 제출하고 귀사를 대신하여 기술 지원 팀과 상호 작용할 수 있습니다. </a:t>
             </a:r>
             <a:endParaRPr lang="en-US" sz="1000" dirty="0">
               <a:solidFill>
@@ -11296,7 +10090,7 @@
         <p:spPr>
           <a:xfrm>
             <a:off x="5253416" y="9862966"/>
-            <a:ext cx="2270125" cy="132729"/>
+            <a:ext cx="2823784" cy="132729"/>
           </a:xfrm>
           <a:prstGeom prst="rect">
             <a:avLst/>
@@ -11317,31 +10111,23 @@
               </a:spcBef>
             </a:pPr>
             <a:r>
-              <a:rPr spc="-5" dirty="0"/>
-              <a:t>©202</a:t>
-            </a:r>
-            <a:r>
-              <a:rPr lang="en-US" spc="-5" dirty="0"/>
-              <a:t>1</a:t>
-            </a:r>
-            <a:r>
-              <a:rPr spc="-5" dirty="0"/>
-              <a:t> Adobe. All Rights Reserved. Adobe</a:t>
-            </a:r>
-            <a:r>
-              <a:rPr spc="60" dirty="0"/>
+              <a:rPr lang="de-de" spc="-5" dirty="0"/>
+              <a:t>©2021 Adobe. All Rights Reserved. Adobe</a:t>
+            </a:r>
+            <a:r>
+              <a:rPr lang="de-de" spc="60" dirty="0"/>
               <a:t> </a:t>
             </a:r>
             <a:r>
-              <a:rPr spc="-5" dirty="0"/>
-              <a:t>Confidential.</a:t>
+              <a:rPr lang="de-de" spc="-5" dirty="0"/>
+              <a:t>기밀.</a:t>
             </a:r>
           </a:p>
         </p:txBody>
       </p:sp>
       <p:pic>
         <p:nvPicPr>
-          <p:cNvPr id="40" name="Graphic 39" descr="Customer review outline">
+          <p:cNvPr id="40" name="Graphic 39" descr="고객 리뷰 개요">
             <a:extLst>
               <a:ext uri="{FF2B5EF4-FFF2-40B4-BE49-F238E27FC236}">
                 <a16:creationId xmlns:a16="http://schemas.microsoft.com/office/drawing/2014/main" id="{4E262C55-4C32-2544-98DA-C02B8E971D1B}"/>
@@ -11380,7 +10166,7 @@
       </p:pic>
       <p:pic>
         <p:nvPicPr>
-          <p:cNvPr id="43" name="Graphic 42" descr="Remote learning language outline">
+          <p:cNvPr id="43" name="Graphic 42" descr="원격 학습 언어 개요">
             <a:extLst>
               <a:ext uri="{FF2B5EF4-FFF2-40B4-BE49-F238E27FC236}">
                 <a16:creationId xmlns:a16="http://schemas.microsoft.com/office/drawing/2014/main" id="{E6296687-6BD9-6048-A379-6D8F8F04D10C}"/>
@@ -11419,7 +10205,7 @@
       </p:pic>
       <p:pic>
         <p:nvPicPr>
-          <p:cNvPr id="44" name="Graphic 43" descr="Signpost outline">
+          <p:cNvPr id="44" name="Graphic 43" descr="길잡이 개요">
             <a:extLst>
               <a:ext uri="{FF2B5EF4-FFF2-40B4-BE49-F238E27FC236}">
                 <a16:creationId xmlns:a16="http://schemas.microsoft.com/office/drawing/2014/main" id="{A7AEBE03-711D-0D45-9260-22F215047C1D}"/>
@@ -11458,7 +10244,7 @@
       </p:pic>
       <p:pic>
         <p:nvPicPr>
-          <p:cNvPr id="45" name="Graphic 44" descr="Internet outline">
+          <p:cNvPr id="45" name="Graphic 44" descr="인터넷 개요">
             <a:extLst>
               <a:ext uri="{FF2B5EF4-FFF2-40B4-BE49-F238E27FC236}">
                 <a16:creationId xmlns:a16="http://schemas.microsoft.com/office/drawing/2014/main" id="{53393DA1-2F49-204A-98D0-CC1953C765FE}"/>
@@ -11497,7 +10283,7 @@
       </p:pic>
       <p:pic>
         <p:nvPicPr>
-          <p:cNvPr id="47" name="Graphic 46" descr="Chat bubble outline">
+          <p:cNvPr id="47" name="Graphic 46" descr="말풍선 개요">
             <a:extLst>
               <a:ext uri="{FF2B5EF4-FFF2-40B4-BE49-F238E27FC236}">
                 <a16:creationId xmlns:a16="http://schemas.microsoft.com/office/drawing/2014/main" id="{FE42C6EE-710B-DF4A-BC9E-4EF15D56E0B2}"/>
@@ -11536,7 +10322,7 @@
       </p:pic>
       <p:pic>
         <p:nvPicPr>
-          <p:cNvPr id="51" name="Graphic 50" descr="Speaker phone outline">
+          <p:cNvPr id="51" name="Graphic 50" descr="스피커폰 개요">
             <a:extLst>
               <a:ext uri="{FF2B5EF4-FFF2-40B4-BE49-F238E27FC236}">
                 <a16:creationId xmlns:a16="http://schemas.microsoft.com/office/drawing/2014/main" id="{38A761D0-3F50-2A48-8BEE-9A284E6142EE}"/>
@@ -11625,17 +10411,17 @@
               </a:lnSpc>
             </a:pPr>
             <a:r>
-              <a:rPr sz="500" spc="-5" dirty="0">
+              <a:rPr lang="de-de" sz="500" spc="-5" dirty="0">
                 <a:solidFill>
                   <a:srgbClr val="6C6C6C"/>
                 </a:solidFill>
                 <a:latin typeface="Adobe Clean"/>
                 <a:cs typeface="Adobe Clean"/>
               </a:rPr>
-              <a:t>©2020 Adobe. All Rights Reserved. </a:t>
-            </a:r>
-            <a:r>
-              <a:rPr sz="500" dirty="0">
+              <a:t>© 2020 Adobe.  All Rights Reserved. </a:t>
+            </a:r>
+            <a:r>
+              <a:rPr lang="de-de" sz="500" dirty="0">
                 <a:solidFill>
                   <a:srgbClr val="6C6C6C"/>
                 </a:solidFill>
@@ -11645,7 +10431,7 @@
               <a:t>Adobe</a:t>
             </a:r>
             <a:r>
-              <a:rPr sz="500" spc="5" dirty="0">
+              <a:rPr lang="de-de" sz="500" spc="5" dirty="0">
                 <a:solidFill>
                   <a:srgbClr val="6C6C6C"/>
                 </a:solidFill>
@@ -11655,14 +10441,14 @@
               <a:t> </a:t>
             </a:r>
             <a:r>
-              <a:rPr sz="500" spc="-5" dirty="0">
+              <a:rPr lang="de-de" sz="500" spc="-5" dirty="0">
                 <a:solidFill>
                   <a:srgbClr val="6C6C6C"/>
                 </a:solidFill>
                 <a:latin typeface="Adobe Clean"/>
                 <a:cs typeface="Adobe Clean"/>
               </a:rPr>
-              <a:t>Confidential.</a:t>
+              <a:t>기밀.</a:t>
             </a:r>
             <a:endParaRPr sz="500">
               <a:latin typeface="Adobe Clean"/>
@@ -11693,17 +10479,17 @@
               </a:spcBef>
             </a:pPr>
             <a:r>
-              <a:rPr sz="800" spc="-5" dirty="0">
+              <a:rPr lang="de-de" sz="800" spc="-5" dirty="0">
                 <a:solidFill>
                   <a:srgbClr val="6D6D6D"/>
                 </a:solidFill>
                 <a:latin typeface="Adobe Clean"/>
                 <a:cs typeface="Adobe Clean"/>
               </a:rPr>
-              <a:t>©2020 Adobe. All Rights Reserved. Adobe</a:t>
-            </a:r>
-            <a:r>
-              <a:rPr sz="800" spc="75" dirty="0">
+              <a:t>© 2020 Adobe.  All Rights Reserved. Adobe</a:t>
+            </a:r>
+            <a:r>
+              <a:rPr lang="de-de" sz="800" spc="75" dirty="0">
                 <a:solidFill>
                   <a:srgbClr val="6D6D6D"/>
                 </a:solidFill>
@@ -11713,14 +10499,14 @@
               <a:t> </a:t>
             </a:r>
             <a:r>
-              <a:rPr sz="800" spc="-5" dirty="0">
+              <a:rPr lang="de-de" sz="800" spc="-5" dirty="0">
                 <a:solidFill>
                   <a:srgbClr val="6D6D6D"/>
                 </a:solidFill>
                 <a:latin typeface="Adobe Clean"/>
                 <a:cs typeface="Adobe Clean"/>
               </a:rPr>
-              <a:t>Confidential.</a:t>
+              <a:t>기밀.</a:t>
             </a:r>
             <a:endParaRPr sz="800">
               <a:latin typeface="Adobe Clean"/>
@@ -11809,14 +10595,14 @@
               </a:spcBef>
             </a:pPr>
             <a:r>
-              <a:rPr lang="en-US" sz="1400" b="1" spc="-15" dirty="0">
+              <a:rPr lang="de-de" sz="1400" b="1" spc="-15" dirty="0">
                 <a:solidFill>
                   <a:srgbClr val="020302"/>
                 </a:solidFill>
                 <a:latin typeface="Adobe Clean"/>
                 <a:cs typeface="Adobe Clean"/>
               </a:rPr>
-              <a:t>Resources</a:t>
+              <a:t>리소스</a:t>
             </a:r>
             <a:endParaRPr sz="1400" dirty="0">
               <a:latin typeface="Adobe Clean"/>
@@ -11855,7 +10641,7 @@
               </a:spcBef>
             </a:pPr>
             <a:r>
-              <a:rPr sz="800" spc="-15" dirty="0">
+              <a:rPr lang="de-de" sz="800" spc="-15" dirty="0">
                 <a:solidFill>
                   <a:srgbClr val="777879"/>
                 </a:solidFill>
@@ -11876,7 +10662,7 @@
               </a:lnSpc>
             </a:pPr>
             <a:r>
-              <a:rPr sz="800" spc="-15" dirty="0">
+              <a:rPr lang="de-de" sz="800" spc="-15" dirty="0">
                 <a:solidFill>
                   <a:srgbClr val="777879"/>
                 </a:solidFill>
@@ -11886,7 +10672,7 @@
               <a:t>345 Park</a:t>
             </a:r>
             <a:r>
-              <a:rPr sz="800" spc="-100" dirty="0">
+              <a:rPr lang="de-de" sz="800" spc="-100" dirty="0">
                 <a:solidFill>
                   <a:srgbClr val="777879"/>
                 </a:solidFill>
@@ -11896,7 +10682,7 @@
               <a:t> </a:t>
             </a:r>
             <a:r>
-              <a:rPr sz="800" spc="-15" dirty="0">
+              <a:rPr lang="de-de" sz="800" spc="-15" dirty="0">
                 <a:solidFill>
                   <a:srgbClr val="777879"/>
                 </a:solidFill>
@@ -11917,7 +10703,7 @@
               </a:lnSpc>
             </a:pPr>
             <a:r>
-              <a:rPr sz="800" spc="-10" dirty="0">
+              <a:rPr lang="de-de" sz="800" spc="-10" dirty="0">
                 <a:solidFill>
                   <a:srgbClr val="777879"/>
                 </a:solidFill>
@@ -11927,7 +10713,7 @@
               <a:t>San </a:t>
             </a:r>
             <a:r>
-              <a:rPr sz="800" spc="-15" dirty="0">
+              <a:rPr lang="de-de" sz="800" spc="-15" dirty="0">
                 <a:solidFill>
                   <a:srgbClr val="777879"/>
                 </a:solidFill>
@@ -11937,7 +10723,7 @@
               <a:t>Jose,</a:t>
             </a:r>
             <a:r>
-              <a:rPr sz="800" spc="-140" dirty="0">
+              <a:rPr lang="de-de" sz="800" spc="-140" dirty="0">
                 <a:solidFill>
                   <a:srgbClr val="777879"/>
                 </a:solidFill>
@@ -11947,7 +10733,7 @@
               <a:t> </a:t>
             </a:r>
             <a:r>
-              <a:rPr sz="800" spc="-20" dirty="0">
+              <a:rPr lang="de-de" sz="800" spc="-20" dirty="0">
                 <a:solidFill>
                   <a:srgbClr val="777879"/>
                 </a:solidFill>
@@ -11971,7 +10757,7 @@
               </a:spcBef>
             </a:pPr>
             <a:r>
-              <a:rPr sz="800" spc="-10" dirty="0">
+              <a:rPr lang="de-de" sz="800" spc="-10" dirty="0">
                 <a:solidFill>
                   <a:srgbClr val="777879"/>
                 </a:solidFill>
@@ -11995,7 +10781,7 @@
               </a:spcBef>
             </a:pPr>
             <a:r>
-              <a:rPr sz="800" u="sng" spc="-25" dirty="0">
+              <a:rPr lang="de-de" sz="800" u="sng" spc="-25" dirty="0">
                 <a:solidFill>
                   <a:srgbClr val="5F5F5F"/>
                 </a:solidFill>
@@ -12008,7 +10794,7 @@
                 <a:cs typeface="Adobe Clean"/>
                 <a:hlinkClick r:id="rId3"/>
               </a:rPr>
-              <a:t>www.adobe.com</a:t>
+              <a:t>www.adobe.com/kr/</a:t>
             </a:r>
             <a:endParaRPr sz="800">
               <a:latin typeface="Adobe Clean"/>
@@ -12188,17 +10974,17 @@
               </a:spcBef>
             </a:pPr>
             <a:r>
-              <a:rPr sz="1100" i="1" spc="-10" dirty="0">
+              <a:rPr lang="de-de" sz="1100" i="1" spc="-10" dirty="0">
                 <a:solidFill>
                   <a:srgbClr val="777879"/>
                 </a:solidFill>
                 <a:latin typeface="AdobeClean-LightIt"/>
                 <a:cs typeface="AdobeClean-LightIt"/>
               </a:rPr>
-              <a:t>To</a:t>
-            </a:r>
-            <a:r>
-              <a:rPr sz="1100" i="1" spc="-50" dirty="0">
+              <a:t>Adobe</a:t>
+            </a:r>
+            <a:r>
+              <a:rPr lang="de-de" sz="1100" i="1" spc="-50" dirty="0">
                 <a:solidFill>
                   <a:srgbClr val="777879"/>
                 </a:solidFill>
@@ -12208,17 +10994,17 @@
               <a:t> </a:t>
             </a:r>
             <a:r>
-              <a:rPr sz="1100" i="1" spc="-15" dirty="0">
+              <a:rPr lang="de-de" sz="1100" i="1" spc="-15" dirty="0">
                 <a:solidFill>
                   <a:srgbClr val="777879"/>
                 </a:solidFill>
                 <a:latin typeface="AdobeClean-LightIt"/>
                 <a:cs typeface="AdobeClean-LightIt"/>
               </a:rPr>
-              <a:t>learn</a:t>
-            </a:r>
-            <a:r>
-              <a:rPr sz="1100" i="1" spc="-40" dirty="0">
+              <a:t>지원</a:t>
+            </a:r>
+            <a:r>
+              <a:rPr lang="de-de" sz="1100" i="1" spc="-40" dirty="0">
                 <a:solidFill>
                   <a:srgbClr val="777879"/>
                 </a:solidFill>
@@ -12228,17 +11014,17 @@
               <a:t> </a:t>
             </a:r>
             <a:r>
-              <a:rPr sz="1100" i="1" spc="-15" dirty="0">
+              <a:rPr lang="de-de" sz="1100" i="1" spc="-15" dirty="0">
                 <a:solidFill>
                   <a:srgbClr val="777879"/>
                 </a:solidFill>
                 <a:latin typeface="AdobeClean-LightIt"/>
                 <a:cs typeface="AdobeClean-LightIt"/>
               </a:rPr>
-              <a:t>more</a:t>
-            </a:r>
-            <a:r>
-              <a:rPr sz="1100" i="1" spc="-45" dirty="0">
+              <a:t>서비스</a:t>
+            </a:r>
+            <a:r>
+              <a:rPr lang="de-de" sz="1100" i="1" spc="-45" dirty="0">
                 <a:solidFill>
                   <a:srgbClr val="777879"/>
                 </a:solidFill>
@@ -12248,17 +11034,17 @@
               <a:t> </a:t>
             </a:r>
             <a:r>
-              <a:rPr sz="1100" i="1" spc="-15" dirty="0">
+              <a:rPr lang="de-de" sz="1100" i="1" spc="-15" dirty="0">
                 <a:solidFill>
                   <a:srgbClr val="777879"/>
                 </a:solidFill>
                 <a:latin typeface="AdobeClean-LightIt"/>
                 <a:cs typeface="AdobeClean-LightIt"/>
               </a:rPr>
-              <a:t>about</a:t>
-            </a:r>
-            <a:r>
-              <a:rPr sz="1100" i="1" spc="-45" dirty="0">
+              <a:t>제공</a:t>
+            </a:r>
+            <a:r>
+              <a:rPr lang="de-de" sz="1100" i="1" spc="-45" dirty="0">
                 <a:solidFill>
                   <a:srgbClr val="777879"/>
                 </a:solidFill>
@@ -12268,17 +11054,17 @@
               <a:t> </a:t>
             </a:r>
             <a:r>
-              <a:rPr sz="1100" i="1" spc="-15" dirty="0">
+              <a:rPr lang="de-de" sz="1100" i="1" spc="-15" dirty="0">
                 <a:solidFill>
                   <a:srgbClr val="777879"/>
                 </a:solidFill>
                 <a:latin typeface="AdobeClean-LightIt"/>
                 <a:cs typeface="AdobeClean-LightIt"/>
               </a:rPr>
-              <a:t>Adobe</a:t>
-            </a:r>
-            <a:r>
-              <a:rPr sz="1100" i="1" spc="-60" dirty="0">
+              <a:t>사항</a:t>
+            </a:r>
+            <a:r>
+              <a:rPr lang="de-de" sz="1100" i="1" spc="-60" dirty="0">
                 <a:solidFill>
                   <a:srgbClr val="777879"/>
                 </a:solidFill>
@@ -12288,27 +11074,27 @@
               <a:t> </a:t>
             </a:r>
             <a:r>
-              <a:rPr sz="1100" i="1" spc="-15" dirty="0">
+              <a:rPr lang="de-de" sz="1100" i="1" spc="-15" dirty="0">
                 <a:solidFill>
                   <a:srgbClr val="777879"/>
                 </a:solidFill>
                 <a:latin typeface="AdobeClean-LightIt"/>
                 <a:cs typeface="AdobeClean-LightIt"/>
               </a:rPr>
-              <a:t>Support</a:t>
-            </a:r>
-            <a:r>
-              <a:rPr lang="en-US" sz="1100" i="1" spc="-15" dirty="0">
+              <a:t>및 </a:t>
+            </a:r>
+            <a:r>
+              <a:rPr lang="de-de" sz="1100" i="1" spc="-75" dirty="0">
                 <a:solidFill>
                   <a:srgbClr val="777879"/>
                 </a:solidFill>
                 <a:latin typeface="AdobeClean-LightIt"/>
                 <a:cs typeface="AdobeClean-LightIt"/>
               </a:rPr>
-              <a:t> Offerings</a:t>
-            </a:r>
-            <a:r>
-              <a:rPr sz="1100" i="1" spc="-75" dirty="0">
+              <a:t>적합한</a:t>
+            </a:r>
+            <a:r>
+              <a:rPr lang="de-de" sz="1100" i="1" spc="-15" dirty="0">
                 <a:solidFill>
                   <a:srgbClr val="777879"/>
                 </a:solidFill>
@@ -12318,17 +11104,17 @@
               <a:t> </a:t>
             </a:r>
             <a:r>
-              <a:rPr sz="1100" i="1" spc="-15" dirty="0">
+              <a:rPr lang="de-de" sz="1100" i="1" spc="-50" dirty="0">
                 <a:solidFill>
                   <a:srgbClr val="777879"/>
                 </a:solidFill>
                 <a:latin typeface="AdobeClean-LightIt"/>
                 <a:cs typeface="AdobeClean-LightIt"/>
               </a:rPr>
-              <a:t>and</a:t>
-            </a:r>
-            <a:r>
-              <a:rPr sz="1100" i="1" spc="-50" dirty="0">
+              <a:t>지원</a:t>
+            </a:r>
+            <a:r>
+              <a:rPr lang="de-de" sz="1100" i="1" spc="-15" dirty="0">
                 <a:solidFill>
                   <a:srgbClr val="777879"/>
                 </a:solidFill>
@@ -12338,17 +11124,17 @@
               <a:t> </a:t>
             </a:r>
             <a:r>
-              <a:rPr sz="1100" i="1" spc="-15" dirty="0">
+              <a:rPr lang="de-de" sz="1100" i="1" spc="-55" dirty="0">
                 <a:solidFill>
                   <a:srgbClr val="777879"/>
                 </a:solidFill>
                 <a:latin typeface="AdobeClean-LightIt"/>
                 <a:cs typeface="AdobeClean-LightIt"/>
               </a:rPr>
-              <a:t>the</a:t>
-            </a:r>
-            <a:r>
-              <a:rPr sz="1100" i="1" spc="-55" dirty="0">
+              <a:t>수준에</a:t>
+            </a:r>
+            <a:r>
+              <a:rPr lang="de-de" sz="1100" i="1" spc="-15" dirty="0">
                 <a:solidFill>
                   <a:srgbClr val="777879"/>
                 </a:solidFill>
@@ -12358,17 +11144,17 @@
               <a:t> </a:t>
             </a:r>
             <a:r>
-              <a:rPr sz="1100" i="1" spc="-15" dirty="0">
+              <a:rPr lang="de-de" sz="1100" i="1" spc="-95" dirty="0">
                 <a:solidFill>
                   <a:srgbClr val="777879"/>
                 </a:solidFill>
                 <a:latin typeface="AdobeClean-LightIt"/>
                 <a:cs typeface="AdobeClean-LightIt"/>
               </a:rPr>
-              <a:t>right</a:t>
-            </a:r>
-            <a:r>
-              <a:rPr sz="1100" i="1" spc="-95" dirty="0">
+              <a:t>대해</a:t>
+            </a:r>
+            <a:r>
+              <a:rPr lang="de-de" sz="1100" i="1" spc="-15" dirty="0">
                 <a:solidFill>
                   <a:srgbClr val="777879"/>
                 </a:solidFill>
@@ -12378,17 +11164,17 @@
               <a:t> </a:t>
             </a:r>
             <a:r>
-              <a:rPr sz="1100" i="1" spc="-15" dirty="0">
+              <a:rPr lang="de-de" sz="1100" i="1" spc="-55" dirty="0">
                 <a:solidFill>
                   <a:srgbClr val="777879"/>
                 </a:solidFill>
                 <a:latin typeface="AdobeClean-LightIt"/>
                 <a:cs typeface="AdobeClean-LightIt"/>
               </a:rPr>
-              <a:t>level</a:t>
-            </a:r>
-            <a:r>
-              <a:rPr sz="1100" i="1" spc="-55" dirty="0">
+              <a:t>자세히</a:t>
+            </a:r>
+            <a:r>
+              <a:rPr lang="de-de" sz="1100" i="1" spc="-15" dirty="0">
                 <a:solidFill>
                   <a:srgbClr val="777879"/>
                 </a:solidFill>
@@ -12398,17 +11184,17 @@
               <a:t> </a:t>
             </a:r>
             <a:r>
-              <a:rPr sz="1100" i="1" spc="-15" dirty="0">
+              <a:rPr lang="de-de" sz="1100" i="1" spc="-85" dirty="0">
                 <a:solidFill>
                   <a:srgbClr val="777879"/>
                 </a:solidFill>
                 <a:latin typeface="AdobeClean-LightIt"/>
                 <a:cs typeface="AdobeClean-LightIt"/>
               </a:rPr>
-              <a:t>for</a:t>
-            </a:r>
-            <a:r>
-              <a:rPr sz="1100" i="1" spc="-85" dirty="0">
+              <a:t>알아보려면</a:t>
+            </a:r>
+            <a:r>
+              <a:rPr lang="de-de" sz="1100" i="1" spc="-15" dirty="0">
                 <a:solidFill>
                   <a:srgbClr val="777879"/>
                 </a:solidFill>
@@ -12418,17 +11204,17 @@
               <a:t> </a:t>
             </a:r>
             <a:r>
-              <a:rPr sz="1100" i="1" spc="-15" dirty="0">
+              <a:rPr lang="de-de" sz="1100" i="1" spc="-65" dirty="0">
                 <a:solidFill>
                   <a:srgbClr val="777879"/>
                 </a:solidFill>
                 <a:latin typeface="AdobeClean-LightIt"/>
                 <a:cs typeface="AdobeClean-LightIt"/>
               </a:rPr>
-              <a:t>you,</a:t>
-            </a:r>
-            <a:r>
-              <a:rPr sz="1100" i="1" spc="-65" dirty="0">
+              <a:t>지정</a:t>
+            </a:r>
+            <a:r>
+              <a:rPr lang="de-de" sz="1100" i="1" spc="-15" dirty="0">
                 <a:solidFill>
                   <a:srgbClr val="777879"/>
                 </a:solidFill>
@@ -12438,17 +11224,17 @@
               <a:t> </a:t>
             </a:r>
             <a:r>
-              <a:rPr sz="1100" i="1" spc="-15" dirty="0">
+              <a:rPr lang="de-de" sz="1100" i="1" spc="-85" dirty="0">
                 <a:solidFill>
                   <a:srgbClr val="777879"/>
                 </a:solidFill>
                 <a:latin typeface="AdobeClean-LightIt"/>
                 <a:cs typeface="AdobeClean-LightIt"/>
               </a:rPr>
-              <a:t>contact</a:t>
-            </a:r>
-            <a:r>
-              <a:rPr sz="1100" i="1" spc="-85" dirty="0">
+              <a:t>계정</a:t>
+            </a:r>
+            <a:r>
+              <a:rPr lang="de-de" sz="1100" i="1" spc="-15" dirty="0">
                 <a:solidFill>
                   <a:srgbClr val="777879"/>
                 </a:solidFill>
@@ -12458,17 +11244,17 @@
               <a:t> </a:t>
             </a:r>
             <a:r>
-              <a:rPr sz="1100" i="1" spc="-15" dirty="0">
+              <a:rPr lang="de-de" sz="1100" i="1" spc="-70" dirty="0">
                 <a:solidFill>
                   <a:srgbClr val="777879"/>
                 </a:solidFill>
                 <a:latin typeface="AdobeClean-LightIt"/>
                 <a:cs typeface="AdobeClean-LightIt"/>
               </a:rPr>
-              <a:t>your</a:t>
-            </a:r>
-            <a:r>
-              <a:rPr sz="1100" i="1" spc="-70" dirty="0">
+              <a:t>관리자(NAM)</a:t>
+            </a:r>
+            <a:r>
+              <a:rPr lang="de-de" sz="1100" i="1" spc="-15" dirty="0">
                 <a:solidFill>
                   <a:srgbClr val="777879"/>
                 </a:solidFill>
@@ -12478,17 +11264,17 @@
               <a:t> </a:t>
             </a:r>
             <a:r>
-              <a:rPr sz="1100" i="1" spc="-15" dirty="0">
+              <a:rPr lang="de-de" sz="1100" i="1" spc="-55" dirty="0">
                 <a:solidFill>
                   <a:srgbClr val="777879"/>
                 </a:solidFill>
                 <a:latin typeface="AdobeClean-LightIt"/>
                 <a:cs typeface="AdobeClean-LightIt"/>
               </a:rPr>
-              <a:t>Named</a:t>
-            </a:r>
-            <a:r>
-              <a:rPr sz="1100" i="1" spc="-55" dirty="0">
+              <a:t>또는</a:t>
+            </a:r>
+            <a:r>
+              <a:rPr lang="de-de" sz="1100" i="1" spc="-25" dirty="0">
                 <a:solidFill>
                   <a:srgbClr val="777879"/>
                 </a:solidFill>
@@ -12498,17 +11284,17 @@
               <a:t> </a:t>
             </a:r>
             <a:r>
-              <a:rPr sz="1100" i="1" spc="-25" dirty="0">
+              <a:rPr lang="de-de" sz="1100" i="1" spc="-120" dirty="0">
                 <a:solidFill>
                   <a:srgbClr val="777879"/>
                 </a:solidFill>
                 <a:latin typeface="AdobeClean-LightIt"/>
                 <a:cs typeface="AdobeClean-LightIt"/>
               </a:rPr>
-              <a:t>Account</a:t>
-            </a:r>
-            <a:r>
-              <a:rPr sz="1100" i="1" spc="-120" dirty="0">
+              <a:t>고객</a:t>
+            </a:r>
+            <a:r>
+              <a:rPr lang="de-de" sz="1100" i="1" spc="-20" dirty="0">
                 <a:solidFill>
                   <a:srgbClr val="777879"/>
                 </a:solidFill>
@@ -12518,74 +11304,54 @@
               <a:t> </a:t>
             </a:r>
             <a:r>
-              <a:rPr sz="1100" i="1" spc="-20" dirty="0">
+              <a:rPr lang="de-de" sz="1100" i="1" spc="-15" dirty="0">
                 <a:solidFill>
                   <a:srgbClr val="777879"/>
                 </a:solidFill>
                 <a:latin typeface="AdobeClean-LightIt"/>
                 <a:cs typeface="AdobeClean-LightIt"/>
               </a:rPr>
-              <a:t>Manager  </a:t>
-            </a:r>
-            <a:r>
-              <a:rPr sz="1100" i="1" spc="-15" dirty="0">
+              <a:t>성공</a:t>
+            </a:r>
+            <a:r>
+              <a:rPr lang="de-de" sz="1100" i="1" spc="-10" dirty="0">
                 <a:solidFill>
                   <a:srgbClr val="777879"/>
                 </a:solidFill>
                 <a:latin typeface="AdobeClean-LightIt"/>
                 <a:cs typeface="AdobeClean-LightIt"/>
               </a:rPr>
-              <a:t>(NAM) </a:t>
-            </a:r>
-            <a:r>
-              <a:rPr sz="1100" i="1" spc="-10" dirty="0">
+              <a:t> </a:t>
+            </a:r>
+            <a:r>
+              <a:rPr lang="de-de" sz="1100" i="1" spc="-15" dirty="0">
                 <a:solidFill>
                   <a:srgbClr val="777879"/>
                 </a:solidFill>
                 <a:latin typeface="AdobeClean-LightIt"/>
                 <a:cs typeface="AdobeClean-LightIt"/>
               </a:rPr>
-              <a:t>or </a:t>
-            </a:r>
-            <a:r>
-              <a:rPr sz="1100" i="1" spc="-15" dirty="0">
+              <a:t>관리자(CSM)에게</a:t>
+            </a:r>
+            <a:r>
+              <a:rPr lang="de-de" sz="1100" i="1" spc="-20" dirty="0">
                 <a:solidFill>
                   <a:srgbClr val="777879"/>
                 </a:solidFill>
                 <a:latin typeface="AdobeClean-LightIt"/>
                 <a:cs typeface="AdobeClean-LightIt"/>
               </a:rPr>
-              <a:t>Customer </a:t>
-            </a:r>
-            <a:r>
-              <a:rPr sz="1100" i="1" spc="-20" dirty="0">
+              <a:t> </a:t>
+            </a:r>
+            <a:r>
+              <a:rPr lang="de-de" sz="1100" i="1" spc="-180" dirty="0">
                 <a:solidFill>
                   <a:srgbClr val="777879"/>
                 </a:solidFill>
                 <a:latin typeface="AdobeClean-LightIt"/>
                 <a:cs typeface="AdobeClean-LightIt"/>
               </a:rPr>
-              <a:t>Success</a:t>
-            </a:r>
-            <a:r>
-              <a:rPr sz="1100" i="1" spc="-180" dirty="0">
-                <a:solidFill>
-                  <a:srgbClr val="777879"/>
-                </a:solidFill>
-                <a:latin typeface="AdobeClean-LightIt"/>
-                <a:cs typeface="AdobeClean-LightIt"/>
-              </a:rPr>
-              <a:t> </a:t>
-            </a:r>
-            <a:r>
-              <a:rPr sz="1100" i="1" spc="-15" dirty="0">
-                <a:solidFill>
-                  <a:srgbClr val="777879"/>
-                </a:solidFill>
-                <a:latin typeface="AdobeClean-LightIt"/>
-                <a:cs typeface="AdobeClean-LightIt"/>
-              </a:rPr>
-              <a:t>Manager(CSM)</a:t>
+              <a:t>문의하십시오.</a:t>
             </a:r>
             <a:endParaRPr sz="1100" dirty="0">
               <a:latin typeface="AdobeClean-LightIt"/>
@@ -12602,54 +11368,34 @@
               </a:spcBef>
             </a:pPr>
             <a:r>
-              <a:rPr sz="800" spc="-5" dirty="0">
+              <a:rPr lang="de-de" sz="800" spc="-5" dirty="0">
                 <a:solidFill>
                   <a:srgbClr val="6D6D6D"/>
                 </a:solidFill>
                 <a:latin typeface="Adobe Clean"/>
                 <a:cs typeface="Adobe Clean"/>
               </a:rPr>
-              <a:t>©202</a:t>
-            </a:r>
-            <a:r>
-              <a:rPr lang="en-US" sz="800" spc="-5" dirty="0">
+              <a:t>©2021 Adobe. All Rights Reserved. Adobe</a:t>
+            </a:r>
+            <a:r>
+              <a:rPr lang="de-de" sz="800" spc="75" dirty="0">
                 <a:solidFill>
                   <a:srgbClr val="6D6D6D"/>
                 </a:solidFill>
                 <a:latin typeface="Adobe Clean"/>
                 <a:cs typeface="Adobe Clean"/>
               </a:rPr>
-              <a:t>1</a:t>
-            </a:r>
-            <a:r>
-              <a:rPr sz="800" spc="-5" dirty="0">
+              <a:t> </a:t>
+            </a:r>
+            <a:r>
+              <a:rPr lang="de-de" sz="800" spc="-5" dirty="0">
                 <a:solidFill>
                   <a:srgbClr val="6D6D6D"/>
                 </a:solidFill>
                 <a:latin typeface="Adobe Clean"/>
                 <a:cs typeface="Adobe Clean"/>
               </a:rPr>
-              <a:t> Adobe. All Rights Reserved. Adobe</a:t>
-            </a:r>
-            <a:r>
-              <a:rPr sz="800" spc="75" dirty="0">
-                <a:solidFill>
-                  <a:srgbClr val="6D6D6D"/>
-                </a:solidFill>
-                <a:latin typeface="Adobe Clean"/>
-                <a:cs typeface="Adobe Clean"/>
-              </a:rPr>
-              <a:t> </a:t>
-            </a:r>
-            <a:r>
-              <a:rPr sz="800" spc="-5" dirty="0">
-                <a:solidFill>
-                  <a:srgbClr val="6D6D6D"/>
-                </a:solidFill>
-                <a:latin typeface="Adobe Clean"/>
-                <a:cs typeface="Adobe Clean"/>
-              </a:rPr>
-              <a:t>Confidential.</a:t>
+              <a:t>기밀.</a:t>
             </a:r>
             <a:endParaRPr sz="800" dirty="0">
               <a:latin typeface="Adobe Clean"/>
@@ -12680,42 +11426,157 @@
           </a:prstGeom>
         </p:spPr>
         <p:txBody>
-          <a:bodyPr vert="horz" wrap="square" lIns="0" tIns="116205" rIns="0" bIns="0" rtlCol="0" anchor="t">
+          <a:bodyPr vert="horz" wrap="square" lIns="0" tIns="116205" rIns="0" bIns="0" rtlCol="0">
             <a:spAutoFit/>
           </a:bodyPr>
           <a:lstStyle/>
           <a:p>
-            <a:pPr>
+            <a:pPr lvl="0">
               <a:spcBef>
                 <a:spcPts val="915"/>
               </a:spcBef>
             </a:pPr>
             <a:r>
-              <a:rPr lang="en-US" sz="1400" b="1" spc="-15" dirty="0">
+              <a:rPr lang="en-US" altLang="ko-KR" sz="1400" b="1" spc="-15" dirty="0">
                 <a:solidFill>
                   <a:srgbClr val="020302"/>
                 </a:solidFill>
                 <a:latin typeface="Adobe Clean"/>
                 <a:cs typeface="Adobe Clean"/>
               </a:rPr>
-              <a:t>Regional scope of Adobe Support, Local Hours Of Operation And Language Support</a:t>
-            </a:r>
+              <a:t>Adobe </a:t>
+            </a:r>
+            <a:r>
+              <a:rPr lang="ko-KR" altLang="en-US" sz="1400" b="1" spc="-15" dirty="0">
+                <a:solidFill>
+                  <a:srgbClr val="020302"/>
+                </a:solidFill>
+                <a:latin typeface="Adobe Clean"/>
+                <a:cs typeface="Adobe Clean"/>
+              </a:rPr>
+              <a:t>지원의 지역적 범위</a:t>
+            </a:r>
+            <a:r>
+              <a:rPr lang="en-US" altLang="ko-KR" sz="1400" b="1" spc="-15" dirty="0">
+                <a:solidFill>
+                  <a:srgbClr val="020302"/>
+                </a:solidFill>
+                <a:latin typeface="Adobe Clean"/>
+                <a:cs typeface="Adobe Clean"/>
+              </a:rPr>
+              <a:t>, </a:t>
+            </a:r>
+            <a:r>
+              <a:rPr lang="ko-KR" altLang="en-US" sz="1400" b="1" spc="-15" dirty="0">
+                <a:solidFill>
+                  <a:srgbClr val="020302"/>
+                </a:solidFill>
+                <a:latin typeface="Adobe Clean"/>
+                <a:cs typeface="Adobe Clean"/>
+              </a:rPr>
+              <a:t>로컬 운영 시간 및 언어 지원</a:t>
+            </a:r>
+            <a:endParaRPr lang="pl-PL" altLang="ko-KR" sz="1400" b="1" spc="-15" dirty="0">
+              <a:solidFill>
+                <a:srgbClr val="020302"/>
+              </a:solidFill>
+              <a:latin typeface="Adobe Clean"/>
+              <a:cs typeface="Adobe Clean"/>
+            </a:endParaRPr>
           </a:p>
           <a:p>
-            <a:pPr>
+            <a:pPr lvl="0">
               <a:spcBef>
                 <a:spcPts val="915"/>
               </a:spcBef>
             </a:pPr>
             <a:r>
-              <a:rPr lang="en-US" sz="1000" spc="-15" dirty="0">
+              <a:rPr lang="en-US" altLang="ko-KR" sz="1000" spc="-15" dirty="0">
                 <a:solidFill>
                   <a:srgbClr val="1F1F1F"/>
                 </a:solidFill>
                 <a:latin typeface="AdobeClean-Light"/>
               </a:rPr>
-              <a:t>The Regional scope of Adobe Support is established by aligning the customer's billing address (via the Sales Order or other Adobe Support purchasing document) to one of the following regions:</a:t>
-            </a:r>
+              <a:t>Adobe </a:t>
+            </a:r>
+            <a:r>
+              <a:rPr lang="ko-KR" altLang="en-US" sz="1000" spc="-15" dirty="0">
+                <a:solidFill>
+                  <a:srgbClr val="1F1F1F"/>
+                </a:solidFill>
+                <a:latin typeface="AdobeClean-Light"/>
+              </a:rPr>
+              <a:t>지원의 지역적 범위는 </a:t>
+            </a:r>
+            <a:r>
+              <a:rPr lang="en-US" altLang="ko-KR" sz="1000" spc="-15" dirty="0">
+                <a:solidFill>
+                  <a:srgbClr val="1F1F1F"/>
+                </a:solidFill>
+                <a:latin typeface="AdobeClean-Light"/>
+              </a:rPr>
+              <a:t>(</a:t>
+            </a:r>
+            <a:r>
+              <a:rPr lang="ko-KR" altLang="en-US" sz="1000" spc="-15" dirty="0">
+                <a:solidFill>
+                  <a:srgbClr val="1F1F1F"/>
+                </a:solidFill>
+                <a:latin typeface="AdobeClean-Light"/>
+              </a:rPr>
+              <a:t>판매 주문서 또는 기타 </a:t>
+            </a:r>
+            <a:r>
+              <a:rPr lang="en-US" altLang="ko-KR" sz="1000" spc="-15" dirty="0">
+                <a:solidFill>
+                  <a:srgbClr val="1F1F1F"/>
+                </a:solidFill>
+                <a:latin typeface="AdobeClean-Light"/>
+              </a:rPr>
+              <a:t>Adobe </a:t>
+            </a:r>
+            <a:r>
+              <a:rPr lang="ko-KR" altLang="en-US" sz="1000" spc="-15" dirty="0">
+                <a:solidFill>
+                  <a:srgbClr val="1F1F1F"/>
+                </a:solidFill>
+                <a:latin typeface="AdobeClean-Light"/>
+              </a:rPr>
+              <a:t>지원 구매 문서를 통해</a:t>
+            </a:r>
+            <a:r>
+              <a:rPr lang="en-US" altLang="ko-KR" sz="1000" spc="-15" dirty="0">
+                <a:solidFill>
+                  <a:srgbClr val="1F1F1F"/>
+                </a:solidFill>
+                <a:latin typeface="AdobeClean-Light"/>
+              </a:rPr>
+              <a:t>) </a:t>
+            </a:r>
+            <a:r>
+              <a:rPr lang="ko-KR" altLang="en-US" sz="1000" spc="-15" dirty="0">
+                <a:solidFill>
+                  <a:srgbClr val="1F1F1F"/>
+                </a:solidFill>
+                <a:latin typeface="AdobeClean-Light"/>
+              </a:rPr>
+              <a:t>고객의 청구 주소를 다음 지역 중 하나에 맞춤으로써 설정됩니다</a:t>
+            </a:r>
+            <a:r>
+              <a:rPr lang="en-US" altLang="ko-KR" sz="1000" spc="-15" dirty="0">
+                <a:solidFill>
+                  <a:srgbClr val="1F1F1F"/>
+                </a:solidFill>
+                <a:latin typeface="AdobeClean-Light"/>
+              </a:rPr>
+              <a:t>.</a:t>
+            </a:r>
+            <a:endParaRPr lang="de-de" sz="1000" spc="-15" dirty="0">
+              <a:solidFill>
+                <a:srgbClr val="1F1F1F"/>
+              </a:solidFill>
+              <a:latin typeface="AdobeClean-Light"/>
+            </a:endParaRPr>
           </a:p>
         </p:txBody>
       </p:sp>
@@ -12734,14 +11595,14 @@
           <p:nvPr>
             <p:extLst>
               <p:ext uri="{D42A27DB-BD31-4B8C-83A1-F6EECF244321}">
-                <p14:modId xmlns:p14="http://schemas.microsoft.com/office/powerpoint/2010/main" val="2846210228"/>
+                <p14:modId xmlns:p14="http://schemas.microsoft.com/office/powerpoint/2010/main" val="4167480683"/>
               </p:ext>
             </p:extLst>
           </p:nvPr>
         </p:nvGraphicFramePr>
         <p:xfrm>
           <a:off x="171128" y="5907213"/>
-          <a:ext cx="7391400" cy="1671320"/>
+          <a:ext cx="7391400" cy="1615440"/>
         </p:xfrm>
         <a:graphic>
           <a:graphicData uri="http://schemas.openxmlformats.org/drawingml/2006/table">
@@ -12787,13 +11648,13 @@
                     <a:p>
                       <a:pPr algn="ctr"/>
                       <a:r>
-                        <a:rPr lang="en-US" sz="1100" dirty="0">
+                        <a:rPr lang="de-de" sz="1100" dirty="0">
                           <a:solidFill>
                             <a:schemeClr val="tx1"/>
                           </a:solidFill>
                           <a:latin typeface="Adobe Clean" panose="020B0503020404020204" pitchFamily="34" charset="0"/>
                         </a:rPr>
-                        <a:t>Americas</a:t>
+                        <a:t>미주</a:t>
                       </a:r>
                     </a:p>
                   </a:txBody>
@@ -12852,13 +11713,13 @@
                     <a:p>
                       <a:pPr algn="ctr"/>
                       <a:r>
-                        <a:rPr lang="en-US" sz="1100" dirty="0">
+                        <a:rPr lang="de-de" sz="1100" dirty="0">
                           <a:solidFill>
                             <a:schemeClr val="tx1"/>
                           </a:solidFill>
                           <a:latin typeface="Adobe Clean" panose="020B0503020404020204" pitchFamily="34" charset="0"/>
                         </a:rPr>
-                        <a:t>Europe, Middle East &amp; Africa</a:t>
+                        <a:t>유럽, 중동 및 아프리카</a:t>
                       </a:r>
                     </a:p>
                   </a:txBody>
@@ -12917,13 +11778,13 @@
                     <a:p>
                       <a:pPr algn="ctr"/>
                       <a:r>
-                        <a:rPr lang="en-US" sz="1100" dirty="0">
+                        <a:rPr lang="de-de" sz="1100" dirty="0">
                           <a:solidFill>
                             <a:schemeClr val="tx1"/>
                           </a:solidFill>
                           <a:latin typeface="Adobe Clean" panose="020B0503020404020204" pitchFamily="34" charset="0"/>
                         </a:rPr>
-                        <a:t>Asia Pacific</a:t>
+                        <a:t>아시아 태평양</a:t>
                       </a:r>
                     </a:p>
                   </a:txBody>
@@ -12982,22 +11843,22 @@
                     <a:p>
                       <a:pPr algn="ctr"/>
                       <a:r>
-                        <a:rPr lang="en-US" sz="1100" dirty="0">
+                        <a:rPr lang="de-de" sz="1100" dirty="0">
                           <a:solidFill>
                             <a:schemeClr val="tx1"/>
                           </a:solidFill>
-                          <a:latin typeface="Adobe Clean"/>
+                          <a:latin typeface="Adobe Clean" panose="020B0503020404020204" pitchFamily="34" charset="0"/>
                         </a:rPr>
-                        <a:t>Japan </a:t>
+                        <a:t>일본 </a:t>
                       </a:r>
                       <a:r>
-                        <a:rPr lang="en-US" sz="1100" baseline="30000" dirty="0">
+                        <a:rPr lang="de-de" sz="1100" baseline="30000">
                           <a:solidFill>
                             <a:schemeClr val="tx1"/>
                           </a:solidFill>
-                          <a:latin typeface="Adobe Clean"/>
+                          <a:latin typeface="Adobe Clean" panose="020B0503020404020204" pitchFamily="34" charset="0"/>
                         </a:rPr>
-                        <a:t>1 </a:t>
+                        <a:t>1 </a:t>
                       </a:r>
                       <a:endParaRPr lang="en-US" sz="1100" dirty="0">
                         <a:solidFill>
@@ -13069,13 +11930,13 @@
                     <a:p>
                       <a:pPr algn="ctr"/>
                       <a:r>
-                        <a:rPr lang="en-US" sz="1100" dirty="0">
+                        <a:rPr lang="de-de" sz="1100" dirty="0">
                           <a:solidFill>
                             <a:schemeClr val="tx1"/>
                           </a:solidFill>
                           <a:latin typeface="Adobe Clean" panose="020B0503020404020204" pitchFamily="34" charset="0"/>
                         </a:rPr>
-                        <a:t>6 am – 5:30 pm</a:t>
+                        <a:t>오전 6시~오후 5시 30분</a:t>
                       </a:r>
                     </a:p>
                   </a:txBody>
@@ -13134,13 +11995,13 @@
                     <a:p>
                       <a:pPr algn="ctr"/>
                       <a:r>
-                        <a:rPr lang="en-US" sz="1100" dirty="0">
+                        <a:rPr lang="de-de" sz="1100" dirty="0">
                           <a:solidFill>
                             <a:schemeClr val="tx1"/>
                           </a:solidFill>
                           <a:latin typeface="Adobe Clean" panose="020B0503020404020204" pitchFamily="34" charset="0"/>
                         </a:rPr>
-                        <a:t>9 am – 5 pm</a:t>
+                        <a:t>오전 9시~오후 5시</a:t>
                       </a:r>
                     </a:p>
                   </a:txBody>
@@ -13199,13 +12060,13 @@
                     <a:p>
                       <a:pPr algn="ctr"/>
                       <a:r>
-                        <a:rPr lang="en-US" sz="1100" dirty="0">
+                        <a:rPr lang="de-de" sz="1100" dirty="0">
                           <a:solidFill>
                             <a:schemeClr val="tx1"/>
                           </a:solidFill>
                           <a:latin typeface="Adobe Clean" panose="020B0503020404020204" pitchFamily="34" charset="0"/>
                         </a:rPr>
-                        <a:t>9 am – 5 pm</a:t>
+                        <a:t>오전 9시~오후 5시</a:t>
                       </a:r>
                     </a:p>
                   </a:txBody>
@@ -13264,13 +12125,13 @@
                     <a:p>
                       <a:pPr algn="ctr"/>
                       <a:r>
-                        <a:rPr lang="en-US" sz="1100" dirty="0">
+                        <a:rPr lang="de-de" sz="1100" dirty="0">
                           <a:solidFill>
                             <a:schemeClr val="tx1"/>
                           </a:solidFill>
                           <a:latin typeface="Adobe Clean" panose="020B0503020404020204" pitchFamily="34" charset="0"/>
                         </a:rPr>
-                        <a:t>9 am – 5:30 pm</a:t>
+                        <a:t>오전 9시~오후 5시 30분</a:t>
                       </a:r>
                     </a:p>
                   </a:txBody>
@@ -13333,38 +12194,6 @@
                   <a:txBody>
                     <a:bodyPr/>
                     <a:lstStyle/>
-                    <a:p>
-                      <a:pPr marL="0" marR="0" lvl="0" indent="0" algn="ctr" eaLnBrk="1" fontAlgn="auto" latinLnBrk="0" hangingPunct="1">
-                        <a:lnSpc>
-                          <a:spcPct val="100000"/>
-                        </a:lnSpc>
-                        <a:spcBef>
-                          <a:spcPts val="0"/>
-                        </a:spcBef>
-                        <a:spcAft>
-                          <a:spcPts val="0"/>
-                        </a:spcAft>
-                        <a:buClrTx/>
-                        <a:buSzTx/>
-                        <a:buFontTx/>
-                        <a:buNone/>
-                      </a:pPr>
-                      <a:r>
-                        <a:rPr lang="en-US" sz="1100" dirty="0">
-                          <a:solidFill>
-                            <a:schemeClr val="tx1"/>
-                          </a:solidFill>
-                          <a:latin typeface="Adobe Clean"/>
-                        </a:rPr>
-                        <a:t>Language support is only available in English and Japanese.</a:t>
-                      </a:r>
-                      <a:endParaRPr lang="en-US" sz="1100" dirty="0">
-                        <a:solidFill>
-                          <a:schemeClr val="tx1"/>
-                        </a:solidFill>
-                        <a:latin typeface="Adobe Clean" panose="020B0503020404020204" pitchFamily="34" charset="0"/>
-                      </a:endParaRPr>
-                    </a:p>
                     <a:p>
                       <a:pPr marL="0" marR="0" lvl="0" indent="0" algn="ctr" defTabSz="914400" eaLnBrk="1" fontAlgn="auto" latinLnBrk="0" hangingPunct="1">
                         <a:lnSpc>
@@ -13384,13 +12213,41 @@
                         <a:defRPr/>
                       </a:pPr>
                       <a:r>
-                        <a:rPr lang="en-US" sz="1100" i="1" dirty="0">
+                        <a:rPr lang="de-de" sz="1100" dirty="0">
                           <a:solidFill>
                             <a:schemeClr val="tx1"/>
                           </a:solidFill>
-                          <a:latin typeface="Adobe Clean"/>
+                          <a:latin typeface="Adobe Clean" panose="020B0503020404020204" pitchFamily="34" charset="0"/>
                         </a:rPr>
-                        <a:t>*Adobe Commerce excludes Japanese language support.</a:t>
+                        <a:t>언어 지원은 영어와 일본어로만 제공됩니다. </a:t>
+                      </a:r>
+                    </a:p>
+                    <a:p>
+                      <a:pPr marL="0" marR="0" lvl="0" indent="0" algn="ctr" defTabSz="914400" eaLnBrk="1" fontAlgn="auto" latinLnBrk="0" hangingPunct="1">
+                        <a:lnSpc>
+                          <a:spcPct val="100000"/>
+                        </a:lnSpc>
+                        <a:spcBef>
+                          <a:spcPts val="0"/>
+                        </a:spcBef>
+                        <a:spcAft>
+                          <a:spcPts val="0"/>
+                        </a:spcAft>
+                        <a:buClrTx/>
+                        <a:buSzTx/>
+                        <a:buFontTx/>
+                        <a:buNone/>
+                        <a:tabLst/>
+                        <a:defRPr/>
+                      </a:pPr>
+                      <a:r>
+                        <a:rPr lang="de-de" sz="1100" i="1" dirty="0">
+                          <a:solidFill>
+                            <a:schemeClr val="tx1"/>
+                          </a:solidFill>
+                          <a:latin typeface="Adobe Clean" panose="020B0503020404020204" pitchFamily="34" charset="0"/>
+                        </a:rPr>
+                        <a:t>*Adobe Commerce에서는 일본어 지원이 제외됩니다.</a:t>
                       </a:r>
                     </a:p>
                     <a:p>
@@ -13413,41 +12270,77 @@
                     <a:p>
                       <a:pPr algn="ctr"/>
                       <a:r>
-                        <a:rPr lang="en-US" sz="1100" i="0" dirty="0">
+                        <a:rPr lang="de-de" sz="1100" i="0" dirty="0">
                           <a:solidFill>
                             <a:schemeClr val="tx1"/>
                           </a:solidFill>
-                          <a:latin typeface="Adobe Clean"/>
+                          <a:latin typeface="Adobe Clean" panose="020B0503020404020204" pitchFamily="34" charset="0"/>
                         </a:rPr>
-                        <a:t> </a:t>
+                        <a:t> </a:t>
                       </a:r>
                       <a:r>
-                        <a:rPr lang="en-US" sz="1100" i="0" baseline="30000" dirty="0">
+                        <a:rPr lang="de-de" sz="1100" i="0" baseline="30000">
                           <a:solidFill>
                             <a:schemeClr val="tx1"/>
                           </a:solidFill>
-                          <a:latin typeface="Adobe Clean"/>
+                          <a:latin typeface="Adobe Clean" panose="020B0503020404020204" pitchFamily="34" charset="0"/>
                         </a:rPr>
                         <a:t>1 </a:t>
                       </a:r>
                       <a:r>
-                        <a:rPr lang="en-US" sz="1100" i="0" dirty="0">
+                        <a:rPr lang="ko-KR" altLang="en-US" sz="1100" i="0">
                           <a:solidFill>
                             <a:schemeClr val="tx1"/>
                           </a:solidFill>
-                          <a:latin typeface="Adobe Clean"/>
+                          <a:latin typeface="Adobe Clean" panose="020B0503020404020204" pitchFamily="34" charset="0"/>
                         </a:rPr>
-                        <a:t>P2, P3, P4 cases are limited to business hours only in Japan.</a:t>
+                        <a:t>일본에서 </a:t>
                       </a:r>
-                      <a:endParaRPr lang="en-US" sz="1100" b="1" i="0" dirty="0">
+                      <a:r>
+                        <a:rPr lang="en-US" altLang="ko-KR" sz="1100" i="0" dirty="0">
+                          <a:solidFill>
+                            <a:schemeClr val="tx1"/>
+                          </a:solidFill>
+                          <a:latin typeface="Adobe Clean" panose="020B0503020404020204" pitchFamily="34" charset="0"/>
+                        </a:rPr>
+                        <a:t>P2, P3, P4 </a:t>
+                      </a:r>
+                      <a:r>
+                        <a:rPr lang="ko-KR" altLang="en-US" sz="1100" i="0" dirty="0">
+                          <a:solidFill>
+                            <a:schemeClr val="tx1"/>
+                          </a:solidFill>
+                          <a:latin typeface="Adobe Clean" panose="020B0503020404020204" pitchFamily="34" charset="0"/>
+                        </a:rPr>
+                        <a:t>사례는 업무 시간으로만 제한됩니다</a:t>
+                      </a:r>
+                      <a:r>
+                        <a:rPr lang="en-US" altLang="ko-KR" sz="1100" i="0" dirty="0">
+                          <a:solidFill>
+                            <a:schemeClr val="tx1"/>
+                          </a:solidFill>
+                          <a:latin typeface="Adobe Clean" panose="020B0503020404020204" pitchFamily="34" charset="0"/>
+                        </a:rPr>
+                        <a:t>.</a:t>
+                      </a:r>
+                      <a:endParaRPr lang="de-de" sz="1100" b="1" i="0" dirty="0">
                         <a:solidFill>
                           <a:schemeClr val="tx1"/>
                         </a:solidFill>
-                        <a:latin typeface="Adobe Clean"/>
+                        <a:latin typeface="Adobe Clean" panose="020B0503020404020204" pitchFamily="34" charset="0"/>
                       </a:endParaRPr>
                     </a:p>
                     <a:p>
                       <a:pPr algn="ctr"/>
+                      <a:r>
+                        <a:rPr lang="de-de" sz="1100" dirty="0">
+                          <a:solidFill>
+                            <a:schemeClr val="tx1"/>
+                          </a:solidFill>
+                          <a:latin typeface="Adobe Clean" panose="020B0503020404020204" pitchFamily="34" charset="0"/>
+                        </a:rPr>
+                        <a:t>.</a:t>
+                      </a:r>
                       <a:endParaRPr lang="en-US" sz="1100" dirty="0">
                         <a:solidFill>
                           <a:schemeClr val="tx1"/>
@@ -13817,124 +12710,34 @@
               </a:spcBef>
             </a:pPr>
             <a:r>
-              <a:rPr sz="1200" b="1" spc="-15" dirty="0">
+              <a:rPr lang="de-de" sz="1200" b="1" spc="-15" dirty="0">
                 <a:solidFill>
                   <a:srgbClr val="FFFFFF"/>
                 </a:solidFill>
                 <a:latin typeface="Adobe Clean"/>
                 <a:cs typeface="Adobe Clean"/>
               </a:rPr>
-              <a:t>U</a:t>
-            </a:r>
-            <a:r>
-              <a:rPr sz="1200" b="1" spc="-20" dirty="0">
+              <a:t>탁월한</a:t>
+            </a:r>
+            <a:r>
+              <a:rPr lang="de-de" sz="1200" b="1" dirty="0">
                 <a:solidFill>
                   <a:srgbClr val="FFFFFF"/>
                 </a:solidFill>
                 <a:latin typeface="Adobe Clean"/>
                 <a:cs typeface="Adobe Clean"/>
               </a:rPr>
-              <a:t>n</a:t>
-            </a:r>
-            <a:r>
-              <a:rPr sz="1200" b="1" spc="-25" dirty="0">
+              <a:t> </a:t>
+            </a:r>
+            <a:r>
+              <a:rPr lang="de-de" sz="1200" b="1" spc="-25" dirty="0">
                 <a:solidFill>
                   <a:srgbClr val="FFFFFF"/>
                 </a:solidFill>
                 <a:latin typeface="Adobe Clean"/>
                 <a:cs typeface="Adobe Clean"/>
               </a:rPr>
-              <a:t>p</a:t>
-            </a:r>
-            <a:r>
-              <a:rPr sz="1200" b="1" spc="-15" dirty="0">
-                <a:solidFill>
-                  <a:srgbClr val="FFFFFF"/>
-                </a:solidFill>
-                <a:latin typeface="Adobe Clean"/>
-                <a:cs typeface="Adobe Clean"/>
-              </a:rPr>
-              <a:t>a</a:t>
-            </a:r>
-            <a:r>
-              <a:rPr sz="1200" b="1" spc="-25" dirty="0">
-                <a:solidFill>
-                  <a:srgbClr val="FFFFFF"/>
-                </a:solidFill>
-                <a:latin typeface="Adobe Clean"/>
-                <a:cs typeface="Adobe Clean"/>
-              </a:rPr>
-              <a:t>r</a:t>
-            </a:r>
-            <a:r>
-              <a:rPr sz="1200" b="1" spc="-15" dirty="0">
-                <a:solidFill>
-                  <a:srgbClr val="FFFFFF"/>
-                </a:solidFill>
-                <a:latin typeface="Adobe Clean"/>
-                <a:cs typeface="Adobe Clean"/>
-              </a:rPr>
-              <a:t>a</a:t>
-            </a:r>
-            <a:r>
-              <a:rPr sz="1200" b="1" spc="-30" dirty="0">
-                <a:solidFill>
-                  <a:srgbClr val="FFFFFF"/>
-                </a:solidFill>
-                <a:latin typeface="Adobe Clean"/>
-                <a:cs typeface="Adobe Clean"/>
-              </a:rPr>
-              <a:t>ll</a:t>
-            </a:r>
-            <a:r>
-              <a:rPr sz="1200" b="1" spc="-25" dirty="0">
-                <a:solidFill>
-                  <a:srgbClr val="FFFFFF"/>
-                </a:solidFill>
-                <a:latin typeface="Adobe Clean"/>
-                <a:cs typeface="Adobe Clean"/>
-              </a:rPr>
-              <a:t>e</a:t>
-            </a:r>
-            <a:r>
-              <a:rPr sz="1200" b="1" spc="-30" dirty="0">
-                <a:solidFill>
-                  <a:srgbClr val="FFFFFF"/>
-                </a:solidFill>
-                <a:latin typeface="Adobe Clean"/>
-                <a:cs typeface="Adobe Clean"/>
-              </a:rPr>
-              <a:t>l</a:t>
-            </a:r>
-            <a:r>
-              <a:rPr sz="1200" b="1" spc="-25" dirty="0">
-                <a:solidFill>
-                  <a:srgbClr val="FFFFFF"/>
-                </a:solidFill>
-                <a:latin typeface="Adobe Clean"/>
-                <a:cs typeface="Adobe Clean"/>
-              </a:rPr>
-              <a:t>e</a:t>
-            </a:r>
-            <a:r>
-              <a:rPr sz="1200" b="1" dirty="0">
-                <a:solidFill>
-                  <a:srgbClr val="FFFFFF"/>
-                </a:solidFill>
-                <a:latin typeface="Adobe Clean"/>
-                <a:cs typeface="Adobe Clean"/>
-              </a:rPr>
-              <a:t>d  </a:t>
-            </a:r>
-            <a:r>
-              <a:rPr sz="1200" b="1" spc="-25" dirty="0">
-                <a:solidFill>
-                  <a:srgbClr val="FFFFFF"/>
-                </a:solidFill>
-                <a:latin typeface="Adobe Clean"/>
-                <a:cs typeface="Adobe Clean"/>
-              </a:rPr>
-              <a:t>Expertise</a:t>
+              <a:t>전문성</a:t>
             </a:r>
             <a:endParaRPr sz="1200" dirty="0">
               <a:latin typeface="Adobe Clean"/>
@@ -13979,14 +12782,14 @@
               </a:spcBef>
             </a:pPr>
             <a:r>
-              <a:rPr lang="en-US" sz="1200" b="1" spc="-15" dirty="0">
+              <a:rPr lang="de-de" sz="1200" b="1" spc="-15" dirty="0">
                 <a:solidFill>
                   <a:srgbClr val="FFFFFF"/>
                 </a:solidFill>
                 <a:latin typeface="Adobe Clean"/>
                 <a:cs typeface="Adobe Clean"/>
               </a:rPr>
-              <a:t>Accelerated Support</a:t>
+              <a:t>신속한 지원</a:t>
             </a:r>
             <a:endParaRPr sz="1200" dirty="0">
               <a:latin typeface="Adobe Clean"/>
@@ -14031,104 +12834,34 @@
               </a:spcBef>
             </a:pPr>
             <a:r>
-              <a:rPr sz="1200" b="1" spc="-50" dirty="0">
+              <a:rPr lang="de-de" sz="1200" b="1" spc="-50" dirty="0">
                 <a:solidFill>
                   <a:srgbClr val="FFFFFF"/>
                 </a:solidFill>
                 <a:latin typeface="Adobe Clean"/>
                 <a:cs typeface="Adobe Clean"/>
               </a:rPr>
-              <a:t>S</a:t>
-            </a:r>
-            <a:r>
-              <a:rPr sz="1200" b="1" spc="-20" dirty="0">
+              <a:t>전략적</a:t>
+            </a:r>
+            <a:r>
+              <a:rPr lang="de-de" sz="1200" b="1" dirty="0">
                 <a:solidFill>
                   <a:srgbClr val="FFFFFF"/>
                 </a:solidFill>
                 <a:latin typeface="Adobe Clean"/>
                 <a:cs typeface="Adobe Clean"/>
               </a:rPr>
-              <a:t>t</a:t>
-            </a:r>
-            <a:r>
-              <a:rPr sz="1200" b="1" spc="-75" dirty="0">
+              <a:t> </a:t>
+            </a:r>
+            <a:r>
+              <a:rPr lang="de-de" sz="1200" b="1" spc="-45" dirty="0">
                 <a:solidFill>
                   <a:srgbClr val="FFFFFF"/>
                 </a:solidFill>
                 <a:latin typeface="Adobe Clean"/>
                 <a:cs typeface="Adobe Clean"/>
               </a:rPr>
-              <a:t>r</a:t>
-            </a:r>
-            <a:r>
-              <a:rPr sz="1200" b="1" spc="-90" dirty="0">
-                <a:solidFill>
-                  <a:srgbClr val="FFFFFF"/>
-                </a:solidFill>
-                <a:latin typeface="Adobe Clean"/>
-                <a:cs typeface="Adobe Clean"/>
-              </a:rPr>
-              <a:t>a</a:t>
-            </a:r>
-            <a:r>
-              <a:rPr sz="1200" b="1" spc="-55" dirty="0">
-                <a:solidFill>
-                  <a:srgbClr val="FFFFFF"/>
-                </a:solidFill>
-                <a:latin typeface="Adobe Clean"/>
-                <a:cs typeface="Adobe Clean"/>
-              </a:rPr>
-              <a:t>t</a:t>
-            </a:r>
-            <a:r>
-              <a:rPr sz="1200" b="1" spc="-100" dirty="0">
-                <a:solidFill>
-                  <a:srgbClr val="FFFFFF"/>
-                </a:solidFill>
-                <a:latin typeface="Adobe Clean"/>
-                <a:cs typeface="Adobe Clean"/>
-              </a:rPr>
-              <a:t>e</a:t>
-            </a:r>
-            <a:r>
-              <a:rPr sz="1200" b="1" spc="-80" dirty="0">
-                <a:solidFill>
-                  <a:srgbClr val="FFFFFF"/>
-                </a:solidFill>
-                <a:latin typeface="Adobe Clean"/>
-                <a:cs typeface="Adobe Clean"/>
-              </a:rPr>
-              <a:t>g</a:t>
-            </a:r>
-            <a:r>
-              <a:rPr sz="1200" b="1" spc="-35" dirty="0">
-                <a:solidFill>
-                  <a:srgbClr val="FFFFFF"/>
-                </a:solidFill>
-                <a:latin typeface="Adobe Clean"/>
-                <a:cs typeface="Adobe Clean"/>
-              </a:rPr>
-              <a:t>i</a:t>
-            </a:r>
-            <a:r>
-              <a:rPr sz="1200" b="1" dirty="0">
-                <a:solidFill>
-                  <a:srgbClr val="FFFFFF"/>
-                </a:solidFill>
-                <a:latin typeface="Adobe Clean"/>
-                <a:cs typeface="Adobe Clean"/>
-              </a:rPr>
-              <a:t>c  </a:t>
-            </a:r>
-            <a:r>
-              <a:rPr sz="1200" b="1" spc="-45" dirty="0">
-                <a:solidFill>
-                  <a:srgbClr val="FFFFFF"/>
-                </a:solidFill>
-                <a:latin typeface="Adobe Clean"/>
-                <a:cs typeface="Adobe Clean"/>
-              </a:rPr>
-              <a:t>Advice</a:t>
+              <a:t>조언</a:t>
             </a:r>
             <a:endParaRPr sz="1200" dirty="0">
               <a:latin typeface="Adobe Clean"/>
@@ -14159,7 +12892,7 @@
         </p:nvGraphicFramePr>
         <p:xfrm>
           <a:off x="194236" y="1059345"/>
-          <a:ext cx="7368291" cy="3235960"/>
+          <a:ext cx="7368291" cy="2931160"/>
         </p:xfrm>
         <a:graphic>
           <a:graphicData uri="http://schemas.openxmlformats.org/drawingml/2006/table">
@@ -14190,7 +12923,7 @@
                     <a:lstStyle/>
                     <a:p>
                       <a:r>
-                        <a:rPr lang="en-US" sz="1100" b="0" dirty="0">
+                        <a:rPr lang="de-de" sz="1100" b="0" dirty="0">
                           <a:solidFill>
                             <a:schemeClr val="tx1"/>
                           </a:solidFill>
@@ -14282,7 +13015,7 @@
                         <a:defRPr/>
                       </a:pPr>
                       <a:r>
-                        <a:rPr lang="en-US" sz="1000" b="0" kern="1200" dirty="0">
+                        <a:rPr lang="de-de" sz="1000" b="0" kern="1200" dirty="0">
                           <a:solidFill>
                             <a:srgbClr val="000000"/>
                           </a:solidFill>
@@ -14290,7 +13023,7 @@
                           <a:ea typeface="+mn-ea"/>
                           <a:cs typeface="+mn-cs"/>
                         </a:rPr>
-                        <a:t>Experience League is how Adobe helps businesses achieve the value they expect from their Adobe investment. It’s the unified place where customers can learn, connect, and grow along a personalized path to success that includes self-help tutorials, product documentation, instructor-led training, community and technical support. </a:t>
+                        <a:t>Experience League를 통해 Adobe는 기업이 Adobe 투자에서 기대하는 가치를 달성하도록 지원합니다. 고객이 자기 주도 튜토리얼, 제품 설명서, 강의식 교육, 커뮤니티 및 기술 지원을 포함하는 개인 맞춤형 성공 경로를 따라가며 배우고, 교류하고, 성장할 수 있는 통합된 공간입니다. </a:t>
                       </a:r>
                     </a:p>
                   </a:txBody>
@@ -14372,7 +13105,7 @@
                         <a:defRPr/>
                       </a:pPr>
                       <a:r>
-                        <a:rPr lang="en-US" sz="1100" dirty="0">
+                        <a:rPr lang="de-de" sz="1100" dirty="0">
                           <a:solidFill>
                             <a:schemeClr val="dk1"/>
                           </a:solidFill>
@@ -14382,10 +13115,10 @@
                           <a:cs typeface="+mn-cs"/>
                           <a:hlinkClick r:id="rId8"/>
                         </a:rPr>
-                        <a:t>Training</a:t>
+                        <a:t>교육</a:t>
                       </a:r>
                       <a:r>
-                        <a:rPr lang="en-US" sz="1100" dirty="0">
+                        <a:rPr lang="de-de" sz="1100" dirty="0">
                           <a:solidFill>
                             <a:schemeClr val="dk1"/>
                           </a:solidFill>
@@ -14478,7 +13211,7 @@
                         <a:defRPr/>
                       </a:pPr>
                       <a:r>
-                        <a:rPr lang="en-US" sz="1000" kern="1200" dirty="0">
+                        <a:rPr lang="de-de" sz="1000" kern="1200" dirty="0">
                           <a:solidFill>
                             <a:srgbClr val="000000"/>
                           </a:solidFill>
@@ -14486,7 +13219,7 @@
                           <a:ea typeface="+mn-ea"/>
                           <a:cs typeface="+mn-cs"/>
                         </a:rPr>
-                        <a:t>Adobe Digital Learning Services courses are accessible from Experience League. Learning courses integrate both on-demand and instructor-led lessons.  Here you can accrue skills that have recognized market value and position them to drive success in your organizations.</a:t>
+                        <a:t>Adobe 디지털 학습 서비스 과정은 Experience League에서 액세스할 수 있습니다. 학습 과정은 주문형 수업과 강의식 수업을 모두 통합합니다. 여기에서 시장 가치를 인정받은 기술을 습득하고 조직에 포지셔닝하여 성공으로 이끌 수 있습니다.</a:t>
                       </a:r>
                     </a:p>
                   </a:txBody>
@@ -14568,7 +13301,7 @@
                         <a:defRPr/>
                       </a:pPr>
                       <a:r>
-                        <a:rPr lang="en-US" sz="1100" dirty="0">
+                        <a:rPr lang="de-de" sz="1100" dirty="0">
                           <a:solidFill>
                             <a:schemeClr val="tx1"/>
                           </a:solidFill>
@@ -14578,7 +13311,7 @@
                           <a:cs typeface="+mn-cs"/>
                           <a:hlinkClick r:id="rId9"/>
                         </a:rPr>
-                        <a:t>Production Issues &amp; System Outages</a:t>
+                        <a:t>생산 문제 및 시스템 중단</a:t>
                       </a:r>
                       <a:endParaRPr lang="en-US" sz="1100" dirty="0">
                         <a:solidFill>
@@ -14662,7 +13395,7 @@
                         <a:defRPr/>
                       </a:pPr>
                       <a:r>
-                        <a:rPr lang="en-US" sz="1000" kern="1200" dirty="0">
+                        <a:rPr lang="de-de" sz="1000" kern="1200" dirty="0">
                           <a:solidFill>
                             <a:srgbClr val="000000"/>
                           </a:solidFill>
@@ -14670,7 +13403,7 @@
                           <a:ea typeface="+mn-ea"/>
                           <a:cs typeface="+mn-cs"/>
                         </a:rPr>
-                        <a:t>Status.adobe.com conveys the health information of all Adobe products and services that are deployed in multi-tenant environments. Customers can choose their subscription preferences to get email notifications whenever Adobe creates, updates or resolves a product event. This can include scheduled maintenance or service issues of varying levels of severity. </a:t>
+                        <a:t>Status.adobe.com은 다중 테넌트 환경에 배포된 모든 Adobe 제품 및 서비스의 상태 정보를 전달합니다. 고객은 구독 기본 설정을 선택하여 Adobe가 제품 이벤트를 생성 업데이트 또는 해결할 때마다 이메일 알림을 받을 수 있습니다. 여기에는 예정된 유지 관리 또는 다양한 심각도 수준의 서비스 문제가 포함될 수 있습니다. </a:t>
                       </a:r>
                     </a:p>
                   </a:txBody>
@@ -14752,7 +13485,7 @@
                         <a:defRPr/>
                       </a:pPr>
                       <a:r>
-                        <a:rPr lang="en-US" sz="1100" dirty="0">
+                        <a:rPr lang="de-de" sz="1100" dirty="0">
                           <a:solidFill>
                             <a:schemeClr val="tx1"/>
                           </a:solidFill>
@@ -14762,7 +13495,7 @@
                           <a:cs typeface="+mn-cs"/>
                           <a:hlinkClick r:id="rId10"/>
                         </a:rPr>
-                        <a:t>Terms and Conditions</a:t>
+                        <a:t>약관</a:t>
                       </a:r>
                       <a:endParaRPr lang="en-US" sz="1100" dirty="0">
                         <a:solidFill>
@@ -14829,7 +13562,7 @@
                     <a:lstStyle/>
                     <a:p>
                       <a:r>
-                        <a:rPr lang="en-US" sz="1000" kern="1200" dirty="0">
+                        <a:rPr lang="de-de" sz="1000" kern="1200" dirty="0">
                           <a:solidFill>
                             <a:srgbClr val="000000"/>
                           </a:solidFill>
@@ -14837,7 +13570,7 @@
                           <a:ea typeface="+mn-ea"/>
                           <a:cs typeface="+mn-cs"/>
                         </a:rPr>
-                        <a:t>Terms and conditions detailing Support Services offerings</a:t>
+                        <a:t>지원 서비스 제공 사항을 자세히 설명하는 약관입니다.</a:t>
                       </a:r>
                     </a:p>
                   </a:txBody>
@@ -14901,7 +13634,7 @@
       </p:graphicFrame>
       <p:pic>
         <p:nvPicPr>
-          <p:cNvPr id="8" name="Graphic 7" descr="Target outline">
+          <p:cNvPr id="8" name="Graphic 7" descr="타겟 개요">
             <a:extLst>
               <a:ext uri="{FF2B5EF4-FFF2-40B4-BE49-F238E27FC236}">
                 <a16:creationId xmlns:a16="http://schemas.microsoft.com/office/drawing/2014/main" id="{1EAA263E-04A7-0D46-952E-EA3033B45116}"/>
@@ -14940,7 +13673,7 @@
       </p:pic>
       <p:pic>
         <p:nvPicPr>
-          <p:cNvPr id="10" name="Graphic 9" descr="Rocket outline">
+          <p:cNvPr id="10" name="Graphic 9" descr="로켓 개요">
             <a:extLst>
               <a:ext uri="{FF2B5EF4-FFF2-40B4-BE49-F238E27FC236}">
                 <a16:creationId xmlns:a16="http://schemas.microsoft.com/office/drawing/2014/main" id="{A068EBC3-B418-4E4A-A520-101CA4B39F23}"/>
@@ -14979,7 +13712,7 @@
       </p:pic>
       <p:pic>
         <p:nvPicPr>
-          <p:cNvPr id="12" name="Graphic 11" descr="Medal outline">
+          <p:cNvPr id="12" name="Graphic 11" descr="메달 개요">
             <a:extLst>
               <a:ext uri="{FF2B5EF4-FFF2-40B4-BE49-F238E27FC236}">
                 <a16:creationId xmlns:a16="http://schemas.microsoft.com/office/drawing/2014/main" id="{C7BEFC2D-0CA6-0448-B9FA-6E1581CA6D36}"/>

--- a/help/data-sheets/assets/OnlineSupportDatasheet.pptx
+++ b/help/data-sheets/assets/OnlineSupportDatasheet.pptx
@@ -128,6 +128,231 @@
 </p:presentation>
 </file>
 
+<file path=ppt/revisionInfo.xml><?xml version="1.0" encoding="utf-8"?>
+<p1510:revInfo xmlns:a="http://schemas.openxmlformats.org/drawingml/2006/main" xmlns:r="http://schemas.openxmlformats.org/officeDocument/2006/relationships" xmlns:p1510="http://schemas.microsoft.com/office/powerpoint/2015/10/main">
+  <p1510:revLst>
+    <p1510:client id="{096F7488-A26A-D845-83B0-BE2FC48D1AFD}" v="1" dt="2021-10-13T19:37:08.512"/>
+  </p1510:revLst>
+</p1510:revInfo>
+</file>
+
+<file path=ppt/changesInfos/changesInfo1.xml><?xml version="1.0" encoding="utf-8"?>
+<pc:chgInfo xmlns:a="http://schemas.openxmlformats.org/drawingml/2006/main" xmlns:r="http://schemas.openxmlformats.org/officeDocument/2006/relationships" xmlns:ac="http://schemas.microsoft.com/office/drawing/2013/main/command" xmlns:pc="http://schemas.microsoft.com/office/powerpoint/2013/main/command">
+  <pc:docChgLst>
+    <pc:chgData name="Akilah Johnson" userId="S::akjohnso@adobe.com::2fa3aa60-0c9c-4d06-bae2-795983241227" providerId="AD" clId="Web-{5343DD59-8FB2-7AAD-1875-255EDB54B98D}"/>
+    <pc:docChg chg="modSld">
+      <pc:chgData name="Akilah Johnson" userId="S::akjohnso@adobe.com::2fa3aa60-0c9c-4d06-bae2-795983241227" providerId="AD" clId="Web-{5343DD59-8FB2-7AAD-1875-255EDB54B98D}" dt="2021-09-22T18:47:16.489" v="185"/>
+      <pc:docMkLst>
+        <pc:docMk/>
+      </pc:docMkLst>
+      <pc:sldChg chg="modSp">
+        <pc:chgData name="Akilah Johnson" userId="S::akjohnso@adobe.com::2fa3aa60-0c9c-4d06-bae2-795983241227" providerId="AD" clId="Web-{5343DD59-8FB2-7AAD-1875-255EDB54B98D}" dt="2021-09-22T18:47:16.489" v="185"/>
+        <pc:sldMkLst>
+          <pc:docMk/>
+          <pc:sldMk cId="799510854" sldId="260"/>
+        </pc:sldMkLst>
+        <pc:spChg chg="mod">
+          <ac:chgData name="Akilah Johnson" userId="S::akjohnso@adobe.com::2fa3aa60-0c9c-4d06-bae2-795983241227" providerId="AD" clId="Web-{5343DD59-8FB2-7AAD-1875-255EDB54B98D}" dt="2021-09-22T18:45:44.427" v="153" actId="20577"/>
+          <ac:spMkLst>
+            <pc:docMk/>
+            <pc:sldMk cId="799510854" sldId="260"/>
+            <ac:spMk id="64" creationId="{41467BDC-3D83-D844-B922-CD07E94E5AAB}"/>
+          </ac:spMkLst>
+        </pc:spChg>
+        <pc:graphicFrameChg chg="mod modGraphic">
+          <ac:chgData name="Akilah Johnson" userId="S::akjohnso@adobe.com::2fa3aa60-0c9c-4d06-bae2-795983241227" providerId="AD" clId="Web-{5343DD59-8FB2-7AAD-1875-255EDB54B98D}" dt="2021-09-22T18:47:16.489" v="185"/>
+          <ac:graphicFrameMkLst>
+            <pc:docMk/>
+            <pc:sldMk cId="799510854" sldId="260"/>
+            <ac:graphicFrameMk id="25" creationId="{3A91F5B0-3974-A14D-A146-FB590F2AAD18}"/>
+          </ac:graphicFrameMkLst>
+        </pc:graphicFrameChg>
+      </pc:sldChg>
+    </pc:docChg>
+  </pc:docChgLst>
+  <pc:docChgLst>
+    <pc:chgData name="Akilah Johnson" userId="S::akjohnso@adobe.com::2fa3aa60-0c9c-4d06-bae2-795983241227" providerId="AD" clId="Web-{57A486D7-8267-4044-450E-B1D42691F1A4}"/>
+    <pc:docChg chg="modSld">
+      <pc:chgData name="Akilah Johnson" userId="S::akjohnso@adobe.com::2fa3aa60-0c9c-4d06-bae2-795983241227" providerId="AD" clId="Web-{57A486D7-8267-4044-450E-B1D42691F1A4}" dt="2021-10-12T15:47:55.091" v="2" actId="20577"/>
+      <pc:docMkLst>
+        <pc:docMk/>
+      </pc:docMkLst>
+      <pc:sldChg chg="modSp">
+        <pc:chgData name="Akilah Johnson" userId="S::akjohnso@adobe.com::2fa3aa60-0c9c-4d06-bae2-795983241227" providerId="AD" clId="Web-{57A486D7-8267-4044-450E-B1D42691F1A4}" dt="2021-10-12T15:47:55.091" v="2" actId="20577"/>
+        <pc:sldMkLst>
+          <pc:docMk/>
+          <pc:sldMk cId="0" sldId="256"/>
+        </pc:sldMkLst>
+        <pc:spChg chg="mod">
+          <ac:chgData name="Akilah Johnson" userId="S::akjohnso@adobe.com::2fa3aa60-0c9c-4d06-bae2-795983241227" providerId="AD" clId="Web-{57A486D7-8267-4044-450E-B1D42691F1A4}" dt="2021-10-12T15:47:55.091" v="2" actId="20577"/>
+          <ac:spMkLst>
+            <pc:docMk/>
+            <pc:sldMk cId="0" sldId="256"/>
+            <ac:spMk id="5" creationId="{00000000-0000-0000-0000-000000000000}"/>
+          </ac:spMkLst>
+        </pc:spChg>
+      </pc:sldChg>
+    </pc:docChg>
+  </pc:docChgLst>
+  <pc:docChgLst>
+    <pc:chgData name="Lauren Schutte" userId="6e08b2d3-447a-4d66-86be-444d50df187f" providerId="ADAL" clId="{096F7488-A26A-D845-83B0-BE2FC48D1AFD}"/>
+    <pc:docChg chg="modSld">
+      <pc:chgData name="Lauren Schutte" userId="6e08b2d3-447a-4d66-86be-444d50df187f" providerId="ADAL" clId="{096F7488-A26A-D845-83B0-BE2FC48D1AFD}" dt="2021-10-13T19:38:26.139" v="4" actId="20577"/>
+      <pc:docMkLst>
+        <pc:docMk/>
+      </pc:docMkLst>
+      <pc:sldChg chg="modSp mod">
+        <pc:chgData name="Lauren Schutte" userId="6e08b2d3-447a-4d66-86be-444d50df187f" providerId="ADAL" clId="{096F7488-A26A-D845-83B0-BE2FC48D1AFD}" dt="2021-10-13T19:37:16.686" v="2" actId="242"/>
+        <pc:sldMkLst>
+          <pc:docMk/>
+          <pc:sldMk cId="0" sldId="256"/>
+        </pc:sldMkLst>
+        <pc:graphicFrameChg chg="mod modGraphic">
+          <ac:chgData name="Lauren Schutte" userId="6e08b2d3-447a-4d66-86be-444d50df187f" providerId="ADAL" clId="{096F7488-A26A-D845-83B0-BE2FC48D1AFD}" dt="2021-10-13T19:37:16.686" v="2" actId="242"/>
+          <ac:graphicFrameMkLst>
+            <pc:docMk/>
+            <pc:sldMk cId="0" sldId="256"/>
+            <ac:graphicFrameMk id="9" creationId="{00000000-0000-0000-0000-000000000000}"/>
+          </ac:graphicFrameMkLst>
+        </pc:graphicFrameChg>
+      </pc:sldChg>
+      <pc:sldChg chg="modSp mod">
+        <pc:chgData name="Lauren Schutte" userId="6e08b2d3-447a-4d66-86be-444d50df187f" providerId="ADAL" clId="{096F7488-A26A-D845-83B0-BE2FC48D1AFD}" dt="2021-10-13T19:38:11.810" v="3" actId="20577"/>
+        <pc:sldMkLst>
+          <pc:docMk/>
+          <pc:sldMk cId="0" sldId="257"/>
+        </pc:sldMkLst>
+        <pc:spChg chg="mod">
+          <ac:chgData name="Lauren Schutte" userId="6e08b2d3-447a-4d66-86be-444d50df187f" providerId="ADAL" clId="{096F7488-A26A-D845-83B0-BE2FC48D1AFD}" dt="2021-10-13T19:38:11.810" v="3" actId="20577"/>
+          <ac:spMkLst>
+            <pc:docMk/>
+            <pc:sldMk cId="0" sldId="257"/>
+            <ac:spMk id="39" creationId="{00000000-0000-0000-0000-000000000000}"/>
+          </ac:spMkLst>
+        </pc:spChg>
+      </pc:sldChg>
+      <pc:sldChg chg="modSp mod">
+        <pc:chgData name="Lauren Schutte" userId="6e08b2d3-447a-4d66-86be-444d50df187f" providerId="ADAL" clId="{096F7488-A26A-D845-83B0-BE2FC48D1AFD}" dt="2021-10-13T19:38:26.139" v="4" actId="20577"/>
+        <pc:sldMkLst>
+          <pc:docMk/>
+          <pc:sldMk cId="799510854" sldId="260"/>
+        </pc:sldMkLst>
+        <pc:graphicFrameChg chg="modGraphic">
+          <ac:chgData name="Lauren Schutte" userId="6e08b2d3-447a-4d66-86be-444d50df187f" providerId="ADAL" clId="{096F7488-A26A-D845-83B0-BE2FC48D1AFD}" dt="2021-10-13T19:38:26.139" v="4" actId="20577"/>
+          <ac:graphicFrameMkLst>
+            <pc:docMk/>
+            <pc:sldMk cId="799510854" sldId="260"/>
+            <ac:graphicFrameMk id="111" creationId="{D8653CEC-4213-DE40-9BAF-D1E3318FF89C}"/>
+          </ac:graphicFrameMkLst>
+        </pc:graphicFrameChg>
+      </pc:sldChg>
+    </pc:docChg>
+  </pc:docChgLst>
+  <pc:docChgLst>
+    <pc:chgData name="Akilah Johnson" userId="S::akjohnso@adobe.com::2fa3aa60-0c9c-4d06-bae2-795983241227" providerId="AD" clId="Web-{CF46E89E-48FC-BA32-13C5-654DDA452FDC}"/>
+    <pc:docChg chg="modSld">
+      <pc:chgData name="Akilah Johnson" userId="S::akjohnso@adobe.com::2fa3aa60-0c9c-4d06-bae2-795983241227" providerId="AD" clId="Web-{CF46E89E-48FC-BA32-13C5-654DDA452FDC}" dt="2021-10-12T17:00:50.675" v="21" actId="20577"/>
+      <pc:docMkLst>
+        <pc:docMk/>
+      </pc:docMkLst>
+      <pc:sldChg chg="modSp">
+        <pc:chgData name="Akilah Johnson" userId="S::akjohnso@adobe.com::2fa3aa60-0c9c-4d06-bae2-795983241227" providerId="AD" clId="Web-{CF46E89E-48FC-BA32-13C5-654DDA452FDC}" dt="2021-10-12T16:58:10.550" v="6" actId="20577"/>
+        <pc:sldMkLst>
+          <pc:docMk/>
+          <pc:sldMk cId="0" sldId="256"/>
+        </pc:sldMkLst>
+        <pc:spChg chg="mod">
+          <ac:chgData name="Akilah Johnson" userId="S::akjohnso@adobe.com::2fa3aa60-0c9c-4d06-bae2-795983241227" providerId="AD" clId="Web-{CF46E89E-48FC-BA32-13C5-654DDA452FDC}" dt="2021-10-12T16:58:10.550" v="6" actId="20577"/>
+          <ac:spMkLst>
+            <pc:docMk/>
+            <pc:sldMk cId="0" sldId="256"/>
+            <ac:spMk id="2" creationId="{00000000-0000-0000-0000-000000000000}"/>
+          </ac:spMkLst>
+        </pc:spChg>
+        <pc:graphicFrameChg chg="mod modGraphic">
+          <ac:chgData name="Akilah Johnson" userId="S::akjohnso@adobe.com::2fa3aa60-0c9c-4d06-bae2-795983241227" providerId="AD" clId="Web-{CF46E89E-48FC-BA32-13C5-654DDA452FDC}" dt="2021-10-12T16:57:07.113" v="1"/>
+          <ac:graphicFrameMkLst>
+            <pc:docMk/>
+            <pc:sldMk cId="0" sldId="256"/>
+            <ac:graphicFrameMk id="8" creationId="{00000000-0000-0000-0000-000000000000}"/>
+          </ac:graphicFrameMkLst>
+        </pc:graphicFrameChg>
+      </pc:sldChg>
+      <pc:sldChg chg="modSp">
+        <pc:chgData name="Akilah Johnson" userId="S::akjohnso@adobe.com::2fa3aa60-0c9c-4d06-bae2-795983241227" providerId="AD" clId="Web-{CF46E89E-48FC-BA32-13C5-654DDA452FDC}" dt="2021-10-12T16:59:59.628" v="14" actId="20577"/>
+        <pc:sldMkLst>
+          <pc:docMk/>
+          <pc:sldMk cId="0" sldId="257"/>
+        </pc:sldMkLst>
+        <pc:spChg chg="mod">
+          <ac:chgData name="Akilah Johnson" userId="S::akjohnso@adobe.com::2fa3aa60-0c9c-4d06-bae2-795983241227" providerId="AD" clId="Web-{CF46E89E-48FC-BA32-13C5-654DDA452FDC}" dt="2021-10-12T16:59:21.300" v="12" actId="20577"/>
+          <ac:spMkLst>
+            <pc:docMk/>
+            <pc:sldMk cId="0" sldId="257"/>
+            <ac:spMk id="39" creationId="{00000000-0000-0000-0000-000000000000}"/>
+          </ac:spMkLst>
+        </pc:spChg>
+        <pc:spChg chg="mod">
+          <ac:chgData name="Akilah Johnson" userId="S::akjohnso@adobe.com::2fa3aa60-0c9c-4d06-bae2-795983241227" providerId="AD" clId="Web-{CF46E89E-48FC-BA32-13C5-654DDA452FDC}" dt="2021-10-12T16:59:59.628" v="14" actId="20577"/>
+          <ac:spMkLst>
+            <pc:docMk/>
+            <pc:sldMk cId="0" sldId="257"/>
+            <ac:spMk id="46" creationId="{00000000-0000-0000-0000-000000000000}"/>
+          </ac:spMkLst>
+        </pc:spChg>
+      </pc:sldChg>
+      <pc:sldChg chg="modSp">
+        <pc:chgData name="Akilah Johnson" userId="S::akjohnso@adobe.com::2fa3aa60-0c9c-4d06-bae2-795983241227" providerId="AD" clId="Web-{CF46E89E-48FC-BA32-13C5-654DDA452FDC}" dt="2021-10-12T17:00:50.675" v="21" actId="20577"/>
+        <pc:sldMkLst>
+          <pc:docMk/>
+          <pc:sldMk cId="799510854" sldId="260"/>
+        </pc:sldMkLst>
+        <pc:spChg chg="mod">
+          <ac:chgData name="Akilah Johnson" userId="S::akjohnso@adobe.com::2fa3aa60-0c9c-4d06-bae2-795983241227" providerId="AD" clId="Web-{CF46E89E-48FC-BA32-13C5-654DDA452FDC}" dt="2021-10-12T17:00:50.675" v="21" actId="20577"/>
+          <ac:spMkLst>
+            <pc:docMk/>
+            <pc:sldMk cId="799510854" sldId="260"/>
+            <ac:spMk id="24" creationId="{00000000-0000-0000-0000-000000000000}"/>
+          </ac:spMkLst>
+        </pc:spChg>
+        <pc:spChg chg="mod">
+          <ac:chgData name="Akilah Johnson" userId="S::akjohnso@adobe.com::2fa3aa60-0c9c-4d06-bae2-795983241227" providerId="AD" clId="Web-{CF46E89E-48FC-BA32-13C5-654DDA452FDC}" dt="2021-10-12T17:00:45.784" v="19" actId="20577"/>
+          <ac:spMkLst>
+            <pc:docMk/>
+            <pc:sldMk cId="799510854" sldId="260"/>
+            <ac:spMk id="56" creationId="{00000000-0000-0000-0000-000000000000}"/>
+          </ac:spMkLst>
+        </pc:spChg>
+      </pc:sldChg>
+    </pc:docChg>
+  </pc:docChgLst>
+  <pc:docChgLst>
+    <pc:chgData name="Akilah Johnson" userId="S::akjohnso@adobe.com::2fa3aa60-0c9c-4d06-bae2-795983241227" providerId="AD" clId="Web-{19E88417-C612-7196-8214-73025F75FA84}"/>
+    <pc:docChg chg="modSld">
+      <pc:chgData name="Akilah Johnson" userId="S::akjohnso@adobe.com::2fa3aa60-0c9c-4d06-bae2-795983241227" providerId="AD" clId="Web-{19E88417-C612-7196-8214-73025F75FA84}" dt="2021-10-12T19:15:42.562" v="5" actId="20577"/>
+      <pc:docMkLst>
+        <pc:docMk/>
+      </pc:docMkLst>
+      <pc:sldChg chg="modSp">
+        <pc:chgData name="Akilah Johnson" userId="S::akjohnso@adobe.com::2fa3aa60-0c9c-4d06-bae2-795983241227" providerId="AD" clId="Web-{19E88417-C612-7196-8214-73025F75FA84}" dt="2021-10-12T19:15:42.562" v="5" actId="20577"/>
+        <pc:sldMkLst>
+          <pc:docMk/>
+          <pc:sldMk cId="0" sldId="256"/>
+        </pc:sldMkLst>
+        <pc:spChg chg="mod">
+          <ac:chgData name="Akilah Johnson" userId="S::akjohnso@adobe.com::2fa3aa60-0c9c-4d06-bae2-795983241227" providerId="AD" clId="Web-{19E88417-C612-7196-8214-73025F75FA84}" dt="2021-10-12T19:15:42.562" v="5" actId="20577"/>
+          <ac:spMkLst>
+            <pc:docMk/>
+            <pc:sldMk cId="0" sldId="256"/>
+            <ac:spMk id="13" creationId="{7979C0CC-523E-844A-96DC-75FC662E01AB}"/>
+          </ac:spMkLst>
+        </pc:spChg>
+      </pc:sldChg>
+    </pc:docChg>
+  </pc:docChgLst>
+</pc:chgInfo>
+</file>
+
 <file path=ppt/notesMasters/notesMaster1.xml><?xml version="1.0" encoding="utf-8"?>
 <p:notesMaster xmlns:a="http://schemas.openxmlformats.org/drawingml/2006/main" xmlns:r="http://schemas.openxmlformats.org/officeDocument/2006/relationships" xmlns:p="http://schemas.openxmlformats.org/presentationml/2006/main">
   <p:cSld>
@@ -210,7 +435,7 @@
           <a:p>
             <a:fld id="{A438815C-EDE5-F947-A55F-7634403F36C4}" type="datetimeFigureOut">
               <a:rPr lang="en-US" smtClean="0"/>
-              <a:t>10/11/21</a:t>
+              <a:t>10/13/21</a:t>
             </a:fld>
             <a:endParaRPr lang="en-US"/>
           </a:p>
@@ -833,7 +1058,7 @@
           <a:p>
             <a:fld id="{1D8BD707-D9CF-40AE-B4C6-C98DA3205C09}" type="datetimeFigureOut">
               <a:rPr lang="en-US"/>
-              <a:t>10/11/21</a:t>
+              <a:t>10/13/21</a:t>
             </a:fld>
             <a:endParaRPr lang="en-US"/>
           </a:p>
@@ -1017,7 +1242,7 @@
           <a:p>
             <a:fld id="{1D8BD707-D9CF-40AE-B4C6-C98DA3205C09}" type="datetimeFigureOut">
               <a:rPr lang="en-US"/>
-              <a:t>10/11/21</a:t>
+              <a:t>10/13/21</a:t>
             </a:fld>
             <a:endParaRPr lang="en-US"/>
           </a:p>
@@ -1319,7 +1544,7 @@
           <a:p>
             <a:fld id="{1D8BD707-D9CF-40AE-B4C6-C98DA3205C09}" type="datetimeFigureOut">
               <a:rPr lang="en-US"/>
-              <a:t>10/11/21</a:t>
+              <a:t>10/13/21</a:t>
             </a:fld>
             <a:endParaRPr lang="en-US"/>
           </a:p>
@@ -1574,28 +1799,25 @@
         <p:spPr>
           <a:xfrm>
             <a:off x="95250" y="7228840"/>
-            <a:ext cx="2800350" cy="238760"/>
+            <a:ext cx="2884717" cy="227626"/>
           </a:xfrm>
           <a:prstGeom prst="rect">
             <a:avLst/>
           </a:prstGeom>
         </p:spPr>
         <p:txBody>
-          <a:bodyPr vert="horz" wrap="square" lIns="0" tIns="12065" rIns="0" bIns="0" rtlCol="0">
+          <a:bodyPr vert="horz" wrap="square" lIns="0" tIns="12065" rIns="0" bIns="0" rtlCol="0" anchor="t">
             <a:spAutoFit/>
           </a:bodyPr>
           <a:lstStyle/>
           <a:p>
             <a:pPr marL="12700">
-              <a:lnSpc>
-                <a:spcPct val="100000"/>
-              </a:lnSpc>
               <a:spcBef>
                 <a:spcPts val="95"/>
               </a:spcBef>
             </a:pPr>
             <a:r>
-              <a:rPr lang="de-de" sz="1400" b="1" u="heavy" spc="10" dirty="0">
+              <a:rPr sz="1400" b="1" u="heavy" spc="10" dirty="0">
                 <a:solidFill>
                   <a:srgbClr val="020302"/>
                 </a:solidFill>
@@ -1607,10 +1829,10 @@
                 <a:latin typeface="Adobe Clean"/>
                 <a:cs typeface="Adobe Clean"/>
               </a:rPr>
-              <a:t>서비스 </a:t>
-            </a:r>
-            <a:r>
-              <a:rPr lang="de-de" sz="1400" b="1" u="heavy" spc="-10" dirty="0">
+              <a:t>Service </a:t>
+            </a:r>
+            <a:r>
+              <a:rPr sz="1400" b="1" u="heavy" spc="-10" dirty="0">
                 <a:solidFill>
                   <a:srgbClr val="020302"/>
                 </a:solidFill>
@@ -1622,10 +1844,10 @@
                 <a:latin typeface="Adobe Clean"/>
                 <a:cs typeface="Adobe Clean"/>
               </a:rPr>
-              <a:t>수준 </a:t>
-            </a:r>
-            <a:r>
-              <a:rPr lang="de-de" sz="1400" b="1" u="heavy" spc="-45" dirty="0">
+              <a:t>Level </a:t>
+            </a:r>
+            <a:r>
+              <a:rPr sz="1400" b="1" u="heavy" spc="-45" dirty="0">
                 <a:solidFill>
                   <a:srgbClr val="020302"/>
                 </a:solidFill>
@@ -1637,10 +1859,10 @@
                 <a:latin typeface="Adobe Clean"/>
                 <a:cs typeface="Adobe Clean"/>
               </a:rPr>
-              <a:t>목표: </a:t>
-            </a:r>
-            <a:r>
-              <a:rPr lang="de-de" sz="1400" b="1" u="heavy" spc="-10" dirty="0">
+              <a:t>Targets: </a:t>
+            </a:r>
+            <a:r>
+              <a:rPr sz="1400" b="1" u="heavy" spc="-10" dirty="0">
                 <a:solidFill>
                   <a:srgbClr val="020302"/>
                 </a:solidFill>
@@ -1652,10 +1874,10 @@
                 <a:latin typeface="Adobe Clean"/>
                 <a:cs typeface="Adobe Clean"/>
               </a:rPr>
-              <a:t>초기</a:t>
-            </a:r>
-            <a:r>
-              <a:rPr lang="de-de" sz="1400" b="1" u="heavy" spc="-140" dirty="0">
+              <a:t>Initial</a:t>
+            </a:r>
+            <a:r>
+              <a:rPr lang="en-US" sz="1400" b="1" u="heavy" spc="-10" dirty="0">
                 <a:solidFill>
                   <a:srgbClr val="020302"/>
                 </a:solidFill>
@@ -1667,10 +1889,10 @@
                 <a:latin typeface="Adobe Clean"/>
                 <a:cs typeface="Adobe Clean"/>
               </a:rPr>
-              <a:t> </a:t>
-            </a:r>
-            <a:r>
-              <a:rPr lang="de-de" sz="1400" b="1" u="heavy" spc="-15" dirty="0">
+              <a:t> </a:t>
+            </a:r>
+            <a:r>
+              <a:rPr sz="1400" b="1" u="heavy" spc="-15" dirty="0">
                 <a:solidFill>
                   <a:srgbClr val="020302"/>
                 </a:solidFill>
@@ -1682,7 +1904,7 @@
                 <a:latin typeface="Adobe Clean"/>
                 <a:cs typeface="Adobe Clean"/>
               </a:rPr>
-              <a:t>대응</a:t>
+              <a:t>Response</a:t>
             </a:r>
             <a:endParaRPr sz="1400" dirty="0">
               <a:latin typeface="Adobe Clean"/>
@@ -1736,7 +1958,7 @@
           </a:prstGeom>
         </p:spPr>
         <p:txBody>
-          <a:bodyPr vert="horz" wrap="square" lIns="0" tIns="24130" rIns="0" bIns="0" rtlCol="0">
+          <a:bodyPr vert="horz" wrap="square" lIns="0" tIns="24130" rIns="0" bIns="0" rtlCol="0" anchor="t">
             <a:spAutoFit/>
           </a:bodyPr>
           <a:lstStyle/>
@@ -1750,38 +1972,42 @@
               </a:spcBef>
             </a:pPr>
             <a:r>
-              <a:rPr lang="de-de" sz="1200" b="1" dirty="0">
+              <a:rPr lang="en-US" sz="1200" b="1" dirty="0">
                 <a:solidFill>
                   <a:schemeClr val="bg1"/>
                 </a:solidFill>
               </a:rPr>
-              <a:t>온라인</a:t>
-            </a:r>
-            <a:r>
-              <a:rPr lang="de-de" sz="1200" dirty="0">
+              <a:t>Online</a:t>
+            </a:r>
+            <a:r>
+              <a:rPr lang="en-US" sz="1200" dirty="0">
                 <a:solidFill>
                   <a:schemeClr val="bg1"/>
                 </a:solidFill>
+                <a:latin typeface="Adobe Clean Light"/>
+              </a:rPr>
+              <a:t> | Business | Enterprise | Elite</a:t>
+            </a:r>
+            <a:br>
+              <a:rPr lang="en-US" sz="900" dirty="0">
                 <a:latin typeface="Adobe Clean Light" panose="020B0303020404020204" pitchFamily="34" charset="0"/>
               </a:rPr>
-              <a:t> | 비즈니스 | 엔터프라이즈 | 엘리트</a:t>
-            </a:r>
-            <a:br/>
-            <a:r>
-              <a:rPr lang="de-de" sz="900" dirty="0">
+            </a:br>
+            <a:r>
+              <a:rPr lang="en-US" sz="900" dirty="0">
                 <a:solidFill>
                   <a:schemeClr val="bg1"/>
                 </a:solidFill>
-                <a:latin typeface="Adobe Clean SemiLight" panose="020B0403020404020204" pitchFamily="34" charset="0"/>
-              </a:rPr>
-              <a:t>Adobe는 Experience Cloud 라이선스 구독의 일부로 포함된 비즈니스를 지원하는 데 도움이 되는 포괄적인 기술 리소스를 제공합니다. 온라인 지원에는 Adobe Experience League를 통한 개인 맞춤형 학습 경로 및 모니터링되는 커뮤니티 포럼 액세스가 포함됩니다. </a:t>
-            </a:r>
-            <a:r>
-              <a:rPr lang="de-de" sz="900" u="sng" dirty="0">
+                <a:latin typeface="Adobe Clean SemiLight"/>
+              </a:rPr>
+              <a:t>Adobe provides a comprehensive range of technical resources to help support your business included as part of your Experience Cloud license subscription. Online support includes access to personalized learning paths and monitored community forums via the Adobe Experience League. You can take advantage of our detailed and in-depth technical product documentation and current release notes published on </a:t>
+            </a:r>
+            <a:r>
+              <a:rPr lang="en-US" sz="900" u="sng" dirty="0">
                 <a:solidFill>
                   <a:schemeClr val="bg1"/>
                 </a:solidFill>
-                <a:latin typeface="Adobe Clean SemiLight" panose="020B0403020404020204" pitchFamily="34" charset="0"/>
+                <a:latin typeface="Adobe Clean SemiLight"/>
                 <a:hlinkClick r:id="rId4">
                   <a:extLst>
                     <a:ext uri="{A12FA001-AC4F-418D-AE19-62706E023703}">
@@ -1790,22 +2016,22 @@
                   </a:extLst>
                 </a:hlinkClick>
               </a:rPr>
-              <a:t>http://www.adobe.com/kr/</a:t>
-            </a:r>
-            <a:r>
-              <a:rPr lang="de-de" sz="900" dirty="0">
+              <a:t>http://www.adobe.com. </a:t>
+            </a:r>
+            <a:r>
+              <a:rPr lang="en-US" sz="900" dirty="0">
                 <a:solidFill>
                   <a:schemeClr val="bg1"/>
                 </a:solidFill>
-                <a:latin typeface="Adobe Clean SemiLight" panose="020B0403020404020204" pitchFamily="34" charset="0"/>
-              </a:rPr>
-              <a:t>에 게시된 상세하고 심층적인 기술 제품 문서 및 최신 릴리스 정보를 활용할 수 있습니다. 또한 온라인 패키지에는 전화를 통해 중요한 P1 제품 문제에 대한 기술 지원 팀의 서비스를 이용할 수 있는 혜택이 포함되어 있어 가장 중요한 시기에 비즈니스를 보호하며 우선 순위가 낮은 지원 요청을 기록하는 기능을 지원 웹 포털을 통해 제공합니다.</a:t>
+                <a:latin typeface="Adobe Clean SemiLight"/>
+              </a:rPr>
+              <a:t>Our Online package also includes access to our technical support teams for any critical P1 product issues via telephone to help protect your business at the most critical times as well as providing the ability to log lower priority requests for assistance via support web portal.</a:t>
             </a:r>
             <a:endParaRPr lang="en-US" sz="900" dirty="0">
               <a:solidFill>
                 <a:schemeClr val="bg1"/>
               </a:solidFill>
-              <a:latin typeface="Adobe Clean Light" panose="020B0303020404020204" pitchFamily="34" charset="0"/>
+              <a:latin typeface="Adobe Clean SemiLight"/>
               <a:cs typeface="AdobeClean-Light"/>
             </a:endParaRPr>
           </a:p>
@@ -1849,14 +2075,14 @@
           <p:nvPr>
             <p:extLst>
               <p:ext uri="{D42A27DB-BD31-4B8C-83A1-F6EECF244321}">
-                <p14:modId xmlns:p14="http://schemas.microsoft.com/office/powerpoint/2010/main" val="1019627915"/>
+                <p14:modId xmlns:p14="http://schemas.microsoft.com/office/powerpoint/2010/main" val="1047125657"/>
               </p:ext>
             </p:extLst>
           </p:nvPr>
         </p:nvGraphicFramePr>
         <p:xfrm>
           <a:off x="0" y="1938946"/>
-          <a:ext cx="7705343" cy="5300593"/>
+          <a:ext cx="7705343" cy="5227197"/>
         </p:xfrm>
         <a:graphic>
           <a:graphicData uri="http://schemas.openxmlformats.org/drawingml/2006/table">
@@ -1950,14 +2176,34 @@
                         </a:spcBef>
                       </a:pPr>
                       <a:r>
-                        <a:rPr lang="de-de" sz="900" spc="0" dirty="0">
+                        <a:rPr sz="900" spc="0" dirty="0">
                           <a:solidFill>
                             <a:srgbClr val="404040"/>
                           </a:solidFill>
                           <a:latin typeface="Adobe Clean"/>
                           <a:cs typeface="Adobe Clean"/>
                         </a:rPr>
-                        <a:t>온라인 지원</a:t>
+                        <a:t>Online</a:t>
+                      </a:r>
+                      <a:r>
+                        <a:rPr lang="en-US" sz="900" spc="0" dirty="0">
+                          <a:solidFill>
+                            <a:srgbClr val="404040"/>
+                          </a:solidFill>
+                          <a:latin typeface="Adobe Clean"/>
+                          <a:cs typeface="Adobe Clean"/>
+                        </a:rPr>
+                        <a:t> </a:t>
+                      </a:r>
+                      <a:r>
+                        <a:rPr sz="900" spc="0" dirty="0">
+                          <a:solidFill>
+                            <a:srgbClr val="404040"/>
+                          </a:solidFill>
+                          <a:latin typeface="Adobe Clean"/>
+                          <a:cs typeface="Adobe Clean"/>
+                        </a:rPr>
+                        <a:t>Support</a:t>
                       </a:r>
                       <a:endParaRPr sz="900" spc="0" dirty="0">
                         <a:latin typeface="Adobe Clean"/>
@@ -1997,14 +2243,34 @@
                         </a:spcBef>
                       </a:pPr>
                       <a:r>
-                        <a:rPr lang="de-de" sz="900" spc="0" dirty="0">
+                        <a:rPr sz="900" spc="0" dirty="0">
                           <a:solidFill>
                             <a:srgbClr val="FFFFFF"/>
                           </a:solidFill>
                           <a:latin typeface="Adobe Clean"/>
                           <a:cs typeface="Adobe Clean"/>
                         </a:rPr>
-                        <a:t>비즈니스 지원</a:t>
+                        <a:t>Business</a:t>
+                      </a:r>
+                      <a:r>
+                        <a:rPr lang="en-US" sz="900" spc="0" dirty="0">
+                          <a:solidFill>
+                            <a:srgbClr val="FFFFFF"/>
+                          </a:solidFill>
+                          <a:latin typeface="Adobe Clean"/>
+                          <a:cs typeface="Adobe Clean"/>
+                        </a:rPr>
+                        <a:t> </a:t>
+                      </a:r>
+                      <a:r>
+                        <a:rPr sz="900" spc="0" dirty="0">
+                          <a:solidFill>
+                            <a:srgbClr val="FFFFFF"/>
+                          </a:solidFill>
+                          <a:latin typeface="Adobe Clean"/>
+                          <a:cs typeface="Adobe Clean"/>
+                        </a:rPr>
+                        <a:t>Support</a:t>
                       </a:r>
                       <a:endParaRPr sz="900" spc="0" dirty="0">
                         <a:latin typeface="Adobe Clean"/>
@@ -2050,14 +2316,14 @@
                         </a:spcBef>
                       </a:pPr>
                       <a:r>
-                        <a:rPr lang="de-de" sz="900" spc="0" dirty="0">
+                        <a:rPr lang="en-US" sz="900" spc="0" dirty="0">
                           <a:solidFill>
                             <a:srgbClr val="FFFFFF"/>
                           </a:solidFill>
                           <a:latin typeface="Adobe Clean"/>
                           <a:cs typeface="Adobe Clean"/>
                         </a:rPr>
-                        <a:t>엔터프라이즈 지원</a:t>
+                        <a:t>Enterprise Support</a:t>
                       </a:r>
                       <a:endParaRPr sz="900" spc="0" dirty="0">
                         <a:latin typeface="Adobe Clean"/>
@@ -2103,14 +2369,34 @@
                         </a:spcBef>
                       </a:pPr>
                       <a:r>
-                        <a:rPr lang="de-de" sz="900" spc="-20" dirty="0">
+                        <a:rPr sz="900" spc="-20" dirty="0">
                           <a:solidFill>
                             <a:srgbClr val="FFFFFF"/>
                           </a:solidFill>
                           <a:latin typeface="Adobe Clean"/>
                           <a:cs typeface="Adobe Clean"/>
                         </a:rPr>
-                        <a:t>엔터프라이즈 지원</a:t>
+                        <a:t>Enterprise</a:t>
+                      </a:r>
+                      <a:r>
+                        <a:rPr lang="en-US" sz="900" spc="-20" dirty="0">
+                          <a:solidFill>
+                            <a:srgbClr val="FFFFFF"/>
+                          </a:solidFill>
+                          <a:latin typeface="Adobe Clean"/>
+                          <a:cs typeface="Adobe Clean"/>
+                        </a:rPr>
+                        <a:t> </a:t>
+                      </a:r>
+                      <a:r>
+                        <a:rPr sz="900" spc="-20" dirty="0">
+                          <a:solidFill>
+                            <a:srgbClr val="FFFFFF"/>
+                          </a:solidFill>
+                          <a:latin typeface="Adobe Clean"/>
+                          <a:cs typeface="Adobe Clean"/>
+                        </a:rPr>
+                        <a:t>Support</a:t>
                       </a:r>
                       <a:endParaRPr sz="900" dirty="0">
                         <a:latin typeface="Adobe Clean"/>
@@ -2156,14 +2442,34 @@
                         </a:spcBef>
                       </a:pPr>
                       <a:r>
-                        <a:rPr lang="de-de" sz="900" spc="0" dirty="0">
+                        <a:rPr sz="900" spc="0" dirty="0">
                           <a:solidFill>
                             <a:srgbClr val="FFFFFF"/>
                           </a:solidFill>
                           <a:latin typeface="Adobe Clean"/>
                           <a:cs typeface="Adobe Clean"/>
                         </a:rPr>
-                        <a:t>엘리트 지원</a:t>
+                        <a:t>Elite</a:t>
+                      </a:r>
+                      <a:r>
+                        <a:rPr lang="en-US" sz="900" spc="0" dirty="0">
+                          <a:solidFill>
+                            <a:srgbClr val="FFFFFF"/>
+                          </a:solidFill>
+                          <a:latin typeface="Adobe Clean"/>
+                          <a:cs typeface="Adobe Clean"/>
+                        </a:rPr>
+                        <a:t> </a:t>
+                      </a:r>
+                      <a:r>
+                        <a:rPr sz="900" spc="0" dirty="0">
+                          <a:solidFill>
+                            <a:srgbClr val="FFFFFF"/>
+                          </a:solidFill>
+                          <a:latin typeface="Adobe Clean"/>
+                          <a:cs typeface="Adobe Clean"/>
+                        </a:rPr>
+                        <a:t>Support</a:t>
                       </a:r>
                       <a:endParaRPr sz="900" spc="0" dirty="0">
                         <a:latin typeface="Adobe Clean"/>
@@ -2275,14 +2581,24 @@
                         </a:spcBef>
                       </a:pPr>
                       <a:r>
-                        <a:rPr lang="de-de" sz="800" i="1" spc="0" dirty="0">
+                        <a:rPr lang="en-US" sz="800" i="1" spc="0" dirty="0">
                           <a:solidFill>
                             <a:srgbClr val="FFFFFF"/>
                           </a:solidFill>
                           <a:latin typeface="Adobe Clean"/>
                           <a:cs typeface="Adobe Clean"/>
                         </a:rPr>
-                        <a:t>유료 지원 수준($)</a:t>
+                        <a:t>Paid</a:t>
+                      </a:r>
+                      <a:r>
+                        <a:rPr sz="800" i="1" spc="0" dirty="0">
+                          <a:solidFill>
+                            <a:srgbClr val="FFFFFF"/>
+                          </a:solidFill>
+                          <a:latin typeface="Adobe Clean"/>
+                          <a:cs typeface="Adobe Clean"/>
+                        </a:rPr>
+                        <a:t> Support Levels($)</a:t>
                       </a:r>
                       <a:endParaRPr sz="800" spc="0" dirty="0">
                         <a:latin typeface="Adobe Clean"/>
@@ -2374,14 +2690,14 @@
                         </a:spcBef>
                       </a:pPr>
                       <a:r>
-                        <a:rPr lang="de-de" sz="1000" b="1" i="0" spc="0" dirty="0">
+                        <a:rPr lang="en-US" sz="1000" b="1" i="0" spc="0" dirty="0">
                           <a:solidFill>
                             <a:schemeClr val="bg1"/>
                           </a:solidFill>
                           <a:latin typeface="Adobe Clean" panose="020B0503020404020204" pitchFamily="34" charset="0"/>
                           <a:cs typeface="AdobeClean-Light"/>
                         </a:rPr>
-                        <a:t>할당된 전문가</a:t>
+                        <a:t>Assigned Experts</a:t>
                       </a:r>
                       <a:endParaRPr sz="1000" b="1" i="0" spc="0" dirty="0">
                         <a:solidFill>
@@ -2436,14 +2752,14 @@
                         </a:spcBef>
                       </a:pPr>
                       <a:r>
-                        <a:rPr lang="de-de" sz="900" spc="0" dirty="0">
+                        <a:rPr sz="900" spc="0" dirty="0">
                           <a:solidFill>
                             <a:srgbClr val="020302"/>
                           </a:solidFill>
                           <a:latin typeface="AdobeClean-Light"/>
                           <a:cs typeface="AdobeClean-Light"/>
                         </a:rPr>
-                        <a:t>계정 지원 리드</a:t>
+                        <a:t>Account Support Lead</a:t>
                       </a:r>
                       <a:endParaRPr sz="900" spc="0" dirty="0">
                         <a:latin typeface="AdobeClean-Light"/>
@@ -2522,7 +2838,7 @@
                         </a:spcBef>
                       </a:pPr>
                       <a:r>
-                        <a:rPr lang="de-de" sz="900" spc="0" dirty="0">
+                        <a:rPr sz="900" spc="0" dirty="0">
                           <a:solidFill>
                             <a:srgbClr val="020302"/>
                           </a:solidFill>
@@ -2691,14 +3007,14 @@
                         </a:spcBef>
                       </a:pPr>
                       <a:r>
-                        <a:rPr lang="de-de" sz="900" spc="0" dirty="0">
+                        <a:rPr sz="900" spc="0" dirty="0">
                           <a:solidFill>
                             <a:srgbClr val="020302"/>
                           </a:solidFill>
                           <a:latin typeface="AdobeClean-Light"/>
                           <a:cs typeface="AdobeClean-Light"/>
                         </a:rPr>
-                        <a:t>지정 지원 엔지니어</a:t>
+                        <a:t>Named Support Engineer</a:t>
                       </a:r>
                       <a:endParaRPr sz="900" spc="0" dirty="0">
                         <a:latin typeface="AdobeClean-Light"/>
@@ -2801,7 +3117,7 @@
                         </a:spcBef>
                       </a:pPr>
                       <a:r>
-                        <a:rPr lang="de-de" sz="900" spc="0" dirty="0">
+                        <a:rPr sz="900" spc="0" dirty="0">
                           <a:solidFill>
                             <a:srgbClr val="020302"/>
                           </a:solidFill>
@@ -2832,7 +3148,7 @@
                         </a:spcBef>
                       </a:pPr>
                       <a:r>
-                        <a:rPr lang="de-de" sz="900" spc="0" dirty="0">
+                        <a:rPr sz="900" spc="0" dirty="0">
                           <a:solidFill>
                             <a:srgbClr val="020302"/>
                           </a:solidFill>
@@ -2926,14 +3242,14 @@
                         </a:spcBef>
                       </a:pPr>
                       <a:r>
-                        <a:rPr lang="de-de" sz="900" spc="0" dirty="0">
+                        <a:rPr sz="900" spc="0" dirty="0">
                           <a:solidFill>
                             <a:srgbClr val="020302"/>
                           </a:solidFill>
                           <a:latin typeface="AdobeClean-Light"/>
                           <a:cs typeface="AdobeClean-Light"/>
                         </a:rPr>
-                        <a:t>기술 계정 관리자</a:t>
+                        <a:t>Technical Account Manager</a:t>
                       </a:r>
                       <a:endParaRPr sz="900" spc="0" dirty="0">
                         <a:latin typeface="AdobeClean-Light"/>
@@ -3090,7 +3406,7 @@
                         </a:spcBef>
                       </a:pPr>
                       <a:r>
-                        <a:rPr lang="de-de" sz="900" spc="0" dirty="0">
+                        <a:rPr sz="900" spc="0" dirty="0">
                           <a:solidFill>
                             <a:srgbClr val="020302"/>
                           </a:solidFill>
@@ -3141,14 +3457,14 @@
                         </a:spcBef>
                       </a:pPr>
                       <a:r>
-                        <a:rPr lang="de-de" sz="1000" b="1" i="0" spc="0" dirty="0">
+                        <a:rPr lang="en-US" sz="1000" b="1" i="0" spc="0" dirty="0">
                           <a:solidFill>
                             <a:schemeClr val="bg1"/>
                           </a:solidFill>
                           <a:latin typeface="Adobe Clean" panose="020B0503020404020204" pitchFamily="34" charset="0"/>
                           <a:cs typeface="AdobeClean-Light"/>
                         </a:rPr>
-                        <a:t>지원 서비스</a:t>
+                        <a:t>Support Services</a:t>
                       </a:r>
                       <a:endParaRPr sz="1000" b="1" i="0" spc="0" dirty="0">
                         <a:solidFill>
@@ -3212,14 +3528,24 @@
                         </a:spcBef>
                       </a:pPr>
                       <a:r>
-                        <a:rPr lang="de-de" sz="900" spc="0" dirty="0">
+                        <a:rPr lang="en-US" sz="900" spc="0" dirty="0">
                           <a:solidFill>
                             <a:srgbClr val="020302"/>
                           </a:solidFill>
                           <a:latin typeface="AdobeClean-Light"/>
                           <a:cs typeface="AdobeClean-Light"/>
                         </a:rPr>
-                        <a:t>온라인  지원</a:t>
+                        <a:t>Online </a:t>
+                      </a:r>
+                      <a:r>
+                        <a:rPr sz="900" spc="0" dirty="0">
+                          <a:solidFill>
+                            <a:srgbClr val="020302"/>
+                          </a:solidFill>
+                          <a:latin typeface="AdobeClean-Light"/>
+                          <a:cs typeface="AdobeClean-Light"/>
+                        </a:rPr>
+                        <a:t> Support</a:t>
                       </a:r>
                       <a:endParaRPr sz="900" spc="0" dirty="0">
                         <a:latin typeface="AdobeClean-Light"/>
@@ -3262,14 +3588,14 @@
                         </a:spcBef>
                       </a:pPr>
                       <a:r>
-                        <a:rPr lang="de-de" sz="800" spc="0" dirty="0">
+                        <a:rPr sz="800" spc="0" dirty="0">
                           <a:solidFill>
                             <a:srgbClr val="020302"/>
                           </a:solidFill>
                           <a:latin typeface="AdobeClean-Light"/>
                           <a:cs typeface="AdobeClean-Light"/>
                         </a:rPr>
-                        <a:t>업무 시간</a:t>
+                        <a:t>Business hours</a:t>
                       </a:r>
                       <a:endParaRPr sz="800" spc="0" dirty="0">
                         <a:latin typeface="AdobeClean-Light"/>
@@ -3311,14 +3637,14 @@
                         </a:spcBef>
                       </a:pPr>
                       <a:r>
-                        <a:rPr lang="de-de" sz="800" spc="0" dirty="0">
+                        <a:rPr sz="800" spc="0" dirty="0">
                           <a:solidFill>
                             <a:srgbClr val="020302"/>
                           </a:solidFill>
                           <a:latin typeface="AdobeClean-Light"/>
                           <a:cs typeface="AdobeClean-Light"/>
                         </a:rPr>
-                        <a:t>업무 시간</a:t>
+                        <a:t>Business hours</a:t>
                       </a:r>
                       <a:endParaRPr sz="800" spc="0" dirty="0">
                         <a:latin typeface="AdobeClean-Light"/>
@@ -3380,7 +3706,7 @@
                         </a:spcBef>
                       </a:pPr>
                       <a:r>
-                        <a:rPr lang="de-de" sz="800" spc="0" dirty="0">
+                        <a:rPr sz="800" spc="0" dirty="0">
                           <a:solidFill>
                             <a:srgbClr val="020302"/>
                           </a:solidFill>
@@ -3418,7 +3744,7 @@
                         </a:spcBef>
                       </a:pPr>
                       <a:r>
-                        <a:rPr lang="de-de" sz="800" spc="0" dirty="0">
+                        <a:rPr sz="800" spc="0" dirty="0">
                           <a:solidFill>
                             <a:srgbClr val="020302"/>
                           </a:solidFill>
@@ -3509,14 +3835,34 @@
                         </a:spcBef>
                       </a:pPr>
                       <a:r>
-                        <a:rPr lang="de-de" sz="900" spc="0" dirty="0">
+                        <a:rPr sz="900" spc="0" dirty="0">
                           <a:solidFill>
                             <a:srgbClr val="020302"/>
                           </a:solidFill>
                           <a:latin typeface="AdobeClean-Light"/>
                           <a:cs typeface="AdobeClean-Light"/>
                         </a:rPr>
-                        <a:t>24x7x365 P1 문제 지원</a:t>
+                        <a:t>24x7</a:t>
+                      </a:r>
+                      <a:r>
+                        <a:rPr lang="en-US" sz="900" spc="0" dirty="0">
+                          <a:solidFill>
+                            <a:srgbClr val="020302"/>
+                          </a:solidFill>
+                          <a:latin typeface="AdobeClean-Light"/>
+                          <a:cs typeface="AdobeClean-Light"/>
+                        </a:rPr>
+                        <a:t>x365</a:t>
+                      </a:r>
+                      <a:r>
+                        <a:rPr sz="900" spc="0" dirty="0">
+                          <a:solidFill>
+                            <a:srgbClr val="020302"/>
+                          </a:solidFill>
+                          <a:latin typeface="AdobeClean-Light"/>
+                          <a:cs typeface="AdobeClean-Light"/>
+                        </a:rPr>
+                        <a:t> P1 Issue Support</a:t>
                       </a:r>
                       <a:endParaRPr sz="900" spc="0" dirty="0">
                         <a:latin typeface="AdobeClean-Light"/>
@@ -3553,7 +3899,7 @@
                         </a:spcBef>
                       </a:pPr>
                       <a:r>
-                        <a:rPr lang="de-de" sz="900" spc="0" dirty="0">
+                        <a:rPr sz="900" spc="0" dirty="0">
                           <a:solidFill>
                             <a:srgbClr val="020302"/>
                           </a:solidFill>
@@ -3596,7 +3942,7 @@
                         </a:spcBef>
                       </a:pPr>
                       <a:r>
-                        <a:rPr lang="de-de" sz="900" spc="0" dirty="0">
+                        <a:rPr sz="900" spc="0" dirty="0">
                           <a:solidFill>
                             <a:srgbClr val="020302"/>
                           </a:solidFill>
@@ -3648,7 +3994,7 @@
                         </a:spcBef>
                       </a:pPr>
                       <a:r>
-                        <a:rPr lang="de-de" sz="900" spc="0" dirty="0">
+                        <a:rPr sz="900" spc="0" dirty="0">
                           <a:solidFill>
                             <a:srgbClr val="020302"/>
                           </a:solidFill>
@@ -3679,7 +4025,7 @@
                         </a:spcBef>
                       </a:pPr>
                       <a:r>
-                        <a:rPr lang="de-de" sz="900" spc="0" dirty="0">
+                        <a:rPr sz="900" spc="0" dirty="0">
                           <a:solidFill>
                             <a:srgbClr val="020302"/>
                           </a:solidFill>
@@ -3764,14 +4110,14 @@
                         </a:spcBef>
                       </a:pPr>
                       <a:r>
-                        <a:rPr lang="de-de" sz="900" spc="0" dirty="0">
+                        <a:rPr lang="en-US" sz="900" spc="0" dirty="0">
                           <a:solidFill>
                             <a:srgbClr val="020302"/>
                           </a:solidFill>
                           <a:latin typeface="AdobeClean-Light"/>
                           <a:cs typeface="AdobeClean-Light"/>
                         </a:rPr>
-                        <a:t>지정된 지원 담당자(제품당)</a:t>
+                        <a:t>Named Support Contacts (per product)</a:t>
                       </a:r>
                       <a:endParaRPr sz="900" spc="0" dirty="0">
                         <a:latin typeface="AdobeClean-Light"/>
@@ -3808,7 +4154,7 @@
                         </a:spcBef>
                       </a:pPr>
                       <a:r>
-                        <a:rPr lang="de-de" sz="900" spc="0" dirty="0">
+                        <a:rPr sz="900" spc="0" dirty="0">
                           <a:solidFill>
                             <a:srgbClr val="020302"/>
                           </a:solidFill>
@@ -3851,7 +4197,7 @@
                         </a:spcBef>
                       </a:pPr>
                       <a:r>
-                        <a:rPr lang="de-de" sz="900" spc="0" dirty="0">
+                        <a:rPr sz="900" spc="0" dirty="0">
                           <a:solidFill>
                             <a:srgbClr val="020302"/>
                           </a:solidFill>
@@ -3903,7 +4249,7 @@
                         </a:spcBef>
                       </a:pPr>
                       <a:r>
-                        <a:rPr lang="de-de" sz="900" spc="0" dirty="0">
+                        <a:rPr sz="900" spc="0" dirty="0">
                           <a:solidFill>
                             <a:srgbClr val="020302"/>
                           </a:solidFill>
@@ -3934,7 +4280,7 @@
                         </a:spcBef>
                       </a:pPr>
                       <a:r>
-                        <a:rPr lang="de-de" sz="900" spc="0" dirty="0">
+                        <a:rPr sz="900" spc="0" dirty="0">
                           <a:solidFill>
                             <a:srgbClr val="020302"/>
                           </a:solidFill>
@@ -4019,14 +4365,14 @@
                         </a:spcBef>
                       </a:pPr>
                       <a:r>
-                        <a:rPr lang="de-de" sz="900" spc="0" dirty="0">
+                        <a:rPr lang="en-US" sz="900" spc="0" dirty="0">
                           <a:solidFill>
                             <a:srgbClr val="020302"/>
                           </a:solidFill>
                           <a:latin typeface="AdobeClean-Light"/>
                           <a:cs typeface="AdobeClean-Light"/>
                         </a:rPr>
-                        <a:t>실시간 전화 지원</a:t>
+                        <a:t>Live Telephone Support</a:t>
                       </a:r>
                       <a:endParaRPr sz="900" spc="0" dirty="0">
                         <a:latin typeface="AdobeClean-Light"/>
@@ -4093,7 +4439,7 @@
                         </a:spcBef>
                       </a:pPr>
                       <a:r>
-                        <a:rPr lang="de-de" sz="900" spc="0" dirty="0">
+                        <a:rPr sz="900" spc="0" dirty="0">
                           <a:solidFill>
                             <a:srgbClr val="020302"/>
                           </a:solidFill>
@@ -4145,7 +4491,7 @@
                         </a:spcBef>
                       </a:pPr>
                       <a:r>
-                        <a:rPr lang="de-de" sz="900" spc="0" dirty="0">
+                        <a:rPr sz="900" spc="0" dirty="0">
                           <a:solidFill>
                             <a:srgbClr val="020302"/>
                           </a:solidFill>
@@ -4176,7 +4522,7 @@
                         </a:spcBef>
                       </a:pPr>
                       <a:r>
-                        <a:rPr lang="de-de" sz="900" spc="0" dirty="0">
+                        <a:rPr sz="900" spc="0" dirty="0">
                           <a:solidFill>
                             <a:srgbClr val="020302"/>
                           </a:solidFill>
@@ -4261,14 +4607,14 @@
                         </a:spcBef>
                       </a:pPr>
                       <a:r>
-                        <a:rPr lang="de-de" sz="900" spc="0" dirty="0">
+                        <a:rPr sz="900" spc="0" dirty="0">
                           <a:solidFill>
                             <a:srgbClr val="020302"/>
                           </a:solidFill>
                           <a:latin typeface="AdobeClean-Light"/>
                           <a:cs typeface="AdobeClean-Light"/>
                         </a:rPr>
-                        <a:t>에스컬레이션 관리</a:t>
+                        <a:t>Escalation Management</a:t>
                       </a:r>
                       <a:endParaRPr sz="900" spc="0" dirty="0">
                         <a:latin typeface="AdobeClean-Light"/>
@@ -4335,7 +4681,7 @@
                         </a:spcBef>
                       </a:pPr>
                       <a:r>
-                        <a:rPr lang="de-de" sz="900" spc="0" dirty="0">
+                        <a:rPr sz="900" spc="0" dirty="0">
                           <a:solidFill>
                             <a:srgbClr val="020302"/>
                           </a:solidFill>
@@ -4387,7 +4733,7 @@
                         </a:spcBef>
                       </a:pPr>
                       <a:r>
-                        <a:rPr lang="de-de" sz="900" spc="0" dirty="0">
+                        <a:rPr sz="900" spc="0" dirty="0">
                           <a:solidFill>
                             <a:srgbClr val="020302"/>
                           </a:solidFill>
@@ -4418,7 +4764,7 @@
                         </a:spcBef>
                       </a:pPr>
                       <a:r>
-                        <a:rPr lang="de-de" sz="900" spc="0" dirty="0">
+                        <a:rPr sz="900" spc="0" dirty="0">
                           <a:solidFill>
                             <a:srgbClr val="020302"/>
                           </a:solidFill>
@@ -4503,14 +4849,14 @@
                         </a:spcBef>
                       </a:pPr>
                       <a:r>
-                        <a:rPr lang="de-de" sz="900" spc="0" dirty="0">
+                        <a:rPr sz="900" spc="0" dirty="0">
                           <a:solidFill>
                             <a:srgbClr val="020302"/>
                           </a:solidFill>
                           <a:latin typeface="AdobeClean-Light"/>
                           <a:cs typeface="AdobeClean-Light"/>
                         </a:rPr>
-                        <a:t>연간 서비스 리뷰</a:t>
+                        <a:t>Service Reviews  per Year</a:t>
                       </a:r>
                       <a:endParaRPr sz="900" spc="0" dirty="0">
                         <a:latin typeface="AdobeClean-Light"/>
@@ -4613,7 +4959,7 @@
                         </a:spcBef>
                       </a:pPr>
                       <a:r>
-                        <a:rPr lang="de-de" sz="900" spc="0" dirty="0">
+                        <a:rPr sz="900" spc="0" dirty="0">
                           <a:solidFill>
                             <a:srgbClr val="020302"/>
                           </a:solidFill>
@@ -4644,7 +4990,7 @@
                         </a:spcBef>
                       </a:pPr>
                       <a:r>
-                        <a:rPr lang="de-de" sz="900" spc="0" dirty="0">
+                        <a:rPr sz="900" spc="0" dirty="0">
                           <a:solidFill>
                             <a:srgbClr val="020302"/>
                           </a:solidFill>
@@ -4699,11 +5045,11 @@
                         </a:spcBef>
                       </a:pPr>
                       <a:r>
-                        <a:rPr lang="de-de" sz="900" spc="0" dirty="0">
+                        <a:rPr lang="en-US" sz="900" spc="0" dirty="0">
                           <a:latin typeface="AdobeClean-Light"/>
                           <a:cs typeface="AdobeClean-Light"/>
                         </a:rPr>
-                        <a:t>연간 전문가 세션</a:t>
+                        <a:t>Expert Sessions per Year</a:t>
                       </a:r>
                       <a:endParaRPr sz="900" spc="0" dirty="0">
                         <a:latin typeface="AdobeClean-Light"/>
@@ -4807,7 +5153,7 @@
                         </a:spcBef>
                       </a:pPr>
                       <a:r>
-                        <a:rPr lang="de-de" sz="900" spc="0" dirty="0">
+                        <a:rPr lang="en-US" sz="900" spc="0" dirty="0">
                           <a:latin typeface="AdobeClean-Light"/>
                           <a:cs typeface="AdobeClean-Light"/>
                         </a:rPr>
@@ -4835,7 +5181,7 @@
                         </a:spcBef>
                       </a:pPr>
                       <a:r>
-                        <a:rPr lang="de-de" sz="900" spc="0" dirty="0">
+                        <a:rPr lang="en-US" sz="900" spc="0" dirty="0">
                           <a:latin typeface="AdobeClean-Light"/>
                           <a:cs typeface="AdobeClean-Light"/>
                         </a:rPr>
@@ -4887,11 +5233,11 @@
                         </a:spcBef>
                       </a:pPr>
                       <a:r>
-                        <a:rPr lang="de-de" sz="900" spc="0" dirty="0">
+                        <a:rPr lang="en-US" sz="900" spc="0" dirty="0">
                           <a:latin typeface="AdobeClean-Light"/>
                           <a:cs typeface="AdobeClean-Light"/>
                         </a:rPr>
-                        <a:t>사례 검토</a:t>
+                        <a:t>Case Reviews</a:t>
                       </a:r>
                       <a:endParaRPr sz="900" spc="0" dirty="0">
                         <a:latin typeface="AdobeClean-Light"/>
@@ -5004,7 +5350,7 @@
                         <a:defRPr/>
                       </a:pPr>
                       <a:r>
-                        <a:rPr lang="de-de" sz="900" spc="0" dirty="0">
+                        <a:rPr lang="en-US" sz="900" spc="0" dirty="0">
                           <a:solidFill>
                             <a:srgbClr val="020302"/>
                           </a:solidFill>
@@ -5044,7 +5390,7 @@
                         <a:defRPr/>
                       </a:pPr>
                       <a:r>
-                        <a:rPr lang="de-de" sz="900" spc="0">
+                        <a:rPr lang="en-US" sz="900" spc="0" dirty="0">
                           <a:solidFill>
                             <a:srgbClr val="020302"/>
                           </a:solidFill>
@@ -5129,14 +5475,14 @@
                         </a:spcBef>
                       </a:pPr>
                       <a:r>
-                        <a:rPr lang="de-de" sz="900" spc="0" dirty="0">
+                        <a:rPr sz="900" spc="0" dirty="0">
                           <a:solidFill>
                             <a:srgbClr val="020302"/>
                           </a:solidFill>
                           <a:latin typeface="AdobeClean-Light"/>
                           <a:cs typeface="AdobeClean-Light"/>
                         </a:rPr>
-                        <a:t>이벤트 관리</a:t>
+                        <a:t>Event Management</a:t>
                       </a:r>
                       <a:endParaRPr sz="900" spc="0" dirty="0">
                         <a:latin typeface="AdobeClean-Light"/>
@@ -5257,7 +5603,7 @@
                         </a:spcBef>
                       </a:pPr>
                       <a:r>
-                        <a:rPr lang="de-de" sz="900" spc="0" dirty="0">
+                        <a:rPr sz="900" spc="0" dirty="0">
                           <a:solidFill>
                             <a:srgbClr val="020302"/>
                           </a:solidFill>
@@ -5351,19 +5697,35 @@
                         </a:spcBef>
                       </a:pPr>
                       <a:r>
-                        <a:rPr lang="de-de" sz="900" spc="0" dirty="0">
+                        <a:rPr sz="900" spc="0" dirty="0">
                           <a:solidFill>
                             <a:srgbClr val="020302"/>
                           </a:solidFill>
                           <a:latin typeface="AdobeClean-Light"/>
                           <a:cs typeface="AdobeClean-Light"/>
                         </a:rPr>
-                        <a:t>환경 검토, 유지 관리 및 모니터링,</a:t>
+                        <a:t>Environment</a:t>
                       </a:r>
-                      <a:endParaRPr sz="900" spc="0" dirty="0">
-                        <a:latin typeface="AdobeClean-Light"/>
-                        <a:cs typeface="AdobeClean-Light"/>
-                      </a:endParaRPr>
+                      <a:r>
+                        <a:rPr lang="en-US" sz="900" spc="0" dirty="0">
+                          <a:solidFill>
+                            <a:srgbClr val="020302"/>
+                          </a:solidFill>
+                          <a:latin typeface="AdobeClean-Light"/>
+                          <a:cs typeface="AdobeClean-Light"/>
+                        </a:rPr>
+                        <a:t> </a:t>
+                      </a:r>
+                      <a:r>
+                        <a:rPr sz="900" spc="0" dirty="0">
+                          <a:solidFill>
+                            <a:srgbClr val="020302"/>
+                          </a:solidFill>
+                          <a:latin typeface="AdobeClean-Light"/>
+                          <a:cs typeface="AdobeClean-Light"/>
+                        </a:rPr>
+                        <a:t>Review, Maintenance &amp; Monitoring</a:t>
+                      </a:r>
                     </a:p>
                   </a:txBody>
                   <a:tcPr marL="0" marR="0" marT="59055" marB="0">
@@ -5488,7 +5850,7 @@
                         </a:spcBef>
                       </a:pPr>
                       <a:r>
-                        <a:rPr lang="de-de" sz="900" spc="0" dirty="0">
+                        <a:rPr sz="900" spc="0" dirty="0">
                           <a:solidFill>
                             <a:srgbClr val="020302"/>
                           </a:solidFill>
@@ -5573,14 +5935,14 @@
                         </a:spcBef>
                       </a:pPr>
                       <a:r>
-                        <a:rPr lang="de-de" sz="900" spc="0" dirty="0">
+                        <a:rPr sz="900" spc="0" dirty="0">
                           <a:solidFill>
                             <a:srgbClr val="020302"/>
                           </a:solidFill>
                           <a:latin typeface="AdobeClean-Light"/>
                           <a:cs typeface="AdobeClean-Light"/>
                         </a:rPr>
-                        <a:t>릴리스, 마이그레이션, 업그레이드 및 제품 로드맵 검토</a:t>
+                        <a:t>Release, Migration, Upgrade &amp; Product Roadmap Review</a:t>
                       </a:r>
                       <a:endParaRPr sz="900" spc="0" dirty="0">
                         <a:latin typeface="AdobeClean-Light"/>
@@ -5701,7 +6063,7 @@
                         </a:spcBef>
                       </a:pPr>
                       <a:r>
-                        <a:rPr lang="de-de" sz="900" spc="0" dirty="0">
+                        <a:rPr sz="900" spc="0" dirty="0">
                           <a:solidFill>
                             <a:srgbClr val="020302"/>
                           </a:solidFill>
@@ -5795,11 +6157,11 @@
                         </a:spcBef>
                       </a:pPr>
                       <a:r>
-                        <a:rPr lang="de-de" sz="900" spc="0" dirty="0">
+                        <a:rPr sz="900" spc="0" dirty="0">
                           <a:latin typeface="AdobeClean-Light"/>
                           <a:cs typeface="AdobeClean-Light"/>
                         </a:rPr>
-                        <a:t>클라우드 지원 활동 – Experience Manager as Cloud</a:t>
+                        <a:t>Cloud Support Activities – Experience Manager as Cloud</a:t>
                       </a:r>
                     </a:p>
                   </a:txBody>
@@ -5927,7 +6289,7 @@
                         </a:spcBef>
                       </a:pPr>
                       <a:r>
-                        <a:rPr lang="de-de" sz="900" spc="0" dirty="0">
+                        <a:rPr sz="900" spc="0" dirty="0">
                           <a:solidFill>
                             <a:srgbClr val="020302"/>
                           </a:solidFill>
@@ -5965,7 +6327,7 @@
                         </a:spcBef>
                       </a:pPr>
                       <a:r>
-                        <a:rPr lang="de-de" sz="900" spc="0" dirty="0">
+                        <a:rPr sz="900" spc="0" dirty="0">
                           <a:solidFill>
                             <a:srgbClr val="020302"/>
                           </a:solidFill>
@@ -6016,14 +6378,14 @@
                         </a:spcBef>
                       </a:pPr>
                       <a:r>
-                        <a:rPr lang="de-de" sz="1000" b="1" i="0" spc="0" dirty="0">
+                        <a:rPr lang="en-US" sz="1000" b="1" i="0" spc="0" dirty="0">
                           <a:solidFill>
                             <a:schemeClr val="bg1"/>
                           </a:solidFill>
                           <a:latin typeface="Adobe Clean" panose="020B0503020404020204" pitchFamily="34" charset="0"/>
                           <a:cs typeface="AdobeClean-Light"/>
                         </a:rPr>
-                        <a:t>현장 서비스</a:t>
+                        <a:t>Field Services</a:t>
                       </a:r>
                       <a:endParaRPr sz="1000" b="1" i="0" spc="0" dirty="0">
                         <a:solidFill>
@@ -6084,14 +6446,34 @@
                         </a:spcBef>
                       </a:pPr>
                       <a:r>
-                        <a:rPr lang="de-de" sz="900" spc="0" dirty="0">
+                        <a:rPr sz="900" spc="0" dirty="0">
                           <a:solidFill>
                             <a:srgbClr val="020302"/>
                           </a:solidFill>
                           <a:latin typeface="AdobeClean-Light"/>
                           <a:cs typeface="AdobeClean-Light"/>
                         </a:rPr>
-                        <a:t>출시 자문 서비스 – 새로운 솔루션</a:t>
+                        <a:t>Launch Advisory Services – First Year of </a:t>
+                      </a:r>
+                      <a:r>
+                        <a:rPr lang="en-US" sz="900" spc="0" dirty="0">
+                          <a:solidFill>
+                            <a:srgbClr val="020302"/>
+                          </a:solidFill>
+                          <a:latin typeface="AdobeClean-Light"/>
+                          <a:cs typeface="AdobeClean-Light"/>
+                        </a:rPr>
+                        <a:t>a </a:t>
+                      </a:r>
+                      <a:r>
+                        <a:rPr sz="900" spc="0" dirty="0">
+                          <a:solidFill>
+                            <a:srgbClr val="020302"/>
+                          </a:solidFill>
+                          <a:latin typeface="AdobeClean-Light"/>
+                          <a:cs typeface="AdobeClean-Light"/>
+                        </a:rPr>
+                        <a:t>new solution</a:t>
                       </a:r>
                       <a:endParaRPr sz="900" spc="0" dirty="0">
                         <a:latin typeface="AdobeClean-Light"/>
@@ -6108,21 +6490,11 @@
                         </a:spcBef>
                       </a:pPr>
                       <a:r>
-                        <a:rPr lang="de-de" sz="900" spc="0" dirty="0">
-                          <a:solidFill>
-                            <a:srgbClr val="020302"/>
-                          </a:solidFill>
+                        <a:rPr sz="900" spc="0" dirty="0">
                           <a:latin typeface="AdobeClean-Light"/>
                           <a:cs typeface="AdobeClean-Light"/>
                         </a:rPr>
-                        <a:t>의 첫 해</a:t>
-                      </a:r>
-                      <a:r>
-                        <a:rPr lang="de-de" sz="900" spc="0" dirty="0">
-                          <a:latin typeface="AdobeClean-Light"/>
-                          <a:cs typeface="AdobeClean-Light"/>
-                        </a:rPr>
-                        <a:t>현장 서비스 활동</a:t>
+                        <a:t>Field Service Activities</a:t>
                       </a:r>
                     </a:p>
                   </a:txBody>
@@ -6256,7 +6628,7 @@
                         </a:spcBef>
                       </a:pPr>
                       <a:r>
-                        <a:rPr lang="de-de" sz="900" spc="0" dirty="0">
+                        <a:rPr sz="900" spc="0" dirty="0">
                           <a:solidFill>
                             <a:srgbClr val="020302"/>
                           </a:solidFill>
@@ -6294,7 +6666,7 @@
                         </a:spcBef>
                       </a:pPr>
                       <a:r>
-                        <a:rPr lang="de-de" sz="900" spc="0" dirty="0">
+                        <a:rPr sz="900" spc="0" dirty="0">
                           <a:solidFill>
                             <a:srgbClr val="020302"/>
                           </a:solidFill>
@@ -6476,7 +6848,7 @@
                         </a:spcBef>
                       </a:pPr>
                       <a:r>
-                        <a:rPr lang="de-de" sz="900" spc="0" dirty="0">
+                        <a:rPr sz="900" spc="0" dirty="0">
                           <a:solidFill>
                             <a:srgbClr val="020302"/>
                           </a:solidFill>
@@ -6514,7 +6886,7 @@
                         </a:spcBef>
                       </a:pPr>
                       <a:r>
-                        <a:rPr lang="de-de" sz="900" spc="0" dirty="0">
+                        <a:rPr sz="900" spc="0" dirty="0">
                           <a:solidFill>
                             <a:srgbClr val="020302"/>
                           </a:solidFill>
@@ -6567,7 +6939,7 @@
         <p:spPr>
           <a:xfrm>
             <a:off x="5307201" y="9862966"/>
-            <a:ext cx="2693799" cy="132729"/>
+            <a:ext cx="2270125" cy="132729"/>
           </a:xfrm>
           <a:prstGeom prst="rect">
             <a:avLst/>
@@ -6588,16 +6960,24 @@
               </a:spcBef>
             </a:pPr>
             <a:r>
-              <a:rPr lang="de-de" spc="-5" dirty="0"/>
-              <a:t>©2021 Adobe. All Rights Reserved. Adobe</a:t>
-            </a:r>
-            <a:r>
-              <a:rPr lang="de-de" spc="60" dirty="0"/>
+              <a:rPr spc="-5" dirty="0"/>
+              <a:t>©202</a:t>
+            </a:r>
+            <a:r>
+              <a:rPr lang="en-US" spc="-5" dirty="0"/>
+              <a:t>1</a:t>
+            </a:r>
+            <a:r>
+              <a:rPr spc="-5" dirty="0"/>
+              <a:t> Adobe. All Rights Reserved. Adobe</a:t>
+            </a:r>
+            <a:r>
+              <a:rPr spc="60" dirty="0"/>
               <a:t> </a:t>
             </a:r>
             <a:r>
-              <a:rPr lang="de-de" spc="-5" dirty="0"/>
-              <a:t>기밀.</a:t>
+              <a:rPr spc="-5" dirty="0"/>
+              <a:t>Confidential.</a:t>
             </a:r>
           </a:p>
         </p:txBody>
@@ -6611,14 +6991,14 @@
           <p:nvPr>
             <p:extLst>
               <p:ext uri="{D42A27DB-BD31-4B8C-83A1-F6EECF244321}">
-                <p14:modId xmlns:p14="http://schemas.microsoft.com/office/powerpoint/2010/main" val="2197820453"/>
+                <p14:modId xmlns:p14="http://schemas.microsoft.com/office/powerpoint/2010/main" val="4081524108"/>
               </p:ext>
             </p:extLst>
           </p:nvPr>
         </p:nvGraphicFramePr>
         <p:xfrm>
           <a:off x="33527" y="7483227"/>
-          <a:ext cx="7705343" cy="2175327"/>
+          <a:ext cx="7705343" cy="2172787"/>
         </p:xfrm>
         <a:graphic>
           <a:graphicData uri="http://schemas.openxmlformats.org/drawingml/2006/table">
@@ -6678,14 +7058,14 @@
                         </a:spcBef>
                       </a:pPr>
                       <a:r>
-                        <a:rPr lang="de-de" sz="900" spc="0" dirty="0">
+                        <a:rPr sz="900" spc="0" dirty="0">
                           <a:solidFill>
                             <a:srgbClr val="020302"/>
                           </a:solidFill>
                           <a:latin typeface="Adobe Clean"/>
                           <a:cs typeface="Adobe Clean"/>
                         </a:rPr>
-                        <a:t>우선 순위</a:t>
+                        <a:t>Priority</a:t>
                       </a:r>
                       <a:endParaRPr sz="900" spc="0" dirty="0">
                         <a:latin typeface="Adobe Clean"/>
@@ -6737,14 +7117,34 @@
                         </a:spcBef>
                       </a:pPr>
                       <a:r>
-                        <a:rPr lang="de-de" sz="900" spc="0" dirty="0">
+                        <a:rPr sz="900" spc="0" dirty="0">
                           <a:solidFill>
                             <a:srgbClr val="020302"/>
                           </a:solidFill>
                           <a:latin typeface="Adobe Clean"/>
                           <a:cs typeface="Adobe Clean"/>
                         </a:rPr>
-                        <a:t>온라인  지원</a:t>
+                        <a:t>Online </a:t>
+                      </a:r>
+                      <a:r>
+                        <a:rPr lang="en-US" sz="900" spc="0" dirty="0">
+                          <a:solidFill>
+                            <a:srgbClr val="020302"/>
+                          </a:solidFill>
+                          <a:latin typeface="Adobe Clean"/>
+                          <a:cs typeface="Adobe Clean"/>
+                        </a:rPr>
+                        <a:t> </a:t>
+                      </a:r>
+                      <a:r>
+                        <a:rPr sz="900" spc="0" dirty="0">
+                          <a:solidFill>
+                            <a:srgbClr val="020302"/>
+                          </a:solidFill>
+                          <a:latin typeface="Adobe Clean"/>
+                          <a:cs typeface="Adobe Clean"/>
+                        </a:rPr>
+                        <a:t>Support</a:t>
                       </a:r>
                       <a:endParaRPr sz="900" spc="0" dirty="0">
                         <a:latin typeface="Adobe Clean"/>
@@ -6771,11 +7171,14 @@
                       </a:solidFill>
                       <a:prstDash val="solid"/>
                     </a:lnT>
-                    <a:lnB w="76200">
+                    <a:lnB w="76200" cap="flat" cmpd="sng" algn="ctr">
                       <a:solidFill>
                         <a:srgbClr val="858585"/>
                       </a:solidFill>
                       <a:prstDash val="solid"/>
+                      <a:round/>
+                      <a:headEnd type="none" w="med" len="med"/>
+                      <a:tailEnd type="none" w="med" len="med"/>
                     </a:lnB>
                     <a:solidFill>
                       <a:srgbClr val="D9D9D9"/>
@@ -6796,14 +7199,34 @@
                         </a:spcBef>
                       </a:pPr>
                       <a:r>
-                        <a:rPr lang="de-de" sz="900" spc="0" dirty="0">
+                        <a:rPr sz="900" spc="0" dirty="0">
                           <a:solidFill>
                             <a:srgbClr val="FFFFFF"/>
                           </a:solidFill>
                           <a:latin typeface="Adobe Clean"/>
                           <a:cs typeface="Adobe Clean"/>
                         </a:rPr>
-                        <a:t>비즈니스 지원</a:t>
+                        <a:t>Business</a:t>
+                      </a:r>
+                      <a:r>
+                        <a:rPr lang="en-US" sz="900" spc="0" dirty="0">
+                          <a:solidFill>
+                            <a:srgbClr val="FFFFFF"/>
+                          </a:solidFill>
+                          <a:latin typeface="Adobe Clean"/>
+                          <a:cs typeface="Adobe Clean"/>
+                        </a:rPr>
+                        <a:t> </a:t>
+                      </a:r>
+                      <a:r>
+                        <a:rPr sz="900" spc="0" dirty="0">
+                          <a:solidFill>
+                            <a:srgbClr val="FFFFFF"/>
+                          </a:solidFill>
+                          <a:latin typeface="Adobe Clean"/>
+                          <a:cs typeface="Adobe Clean"/>
+                        </a:rPr>
+                        <a:t>Support</a:t>
                       </a:r>
                       <a:endParaRPr sz="900" spc="0" dirty="0">
                         <a:latin typeface="Adobe Clean"/>
@@ -6830,11 +7253,14 @@
                       </a:solidFill>
                       <a:prstDash val="solid"/>
                     </a:lnT>
-                    <a:lnB w="76200">
+                    <a:lnB w="76200" cap="flat" cmpd="sng" algn="ctr">
                       <a:solidFill>
                         <a:srgbClr val="ACD2FF"/>
                       </a:solidFill>
                       <a:prstDash val="solid"/>
+                      <a:round/>
+                      <a:headEnd type="none" w="med" len="med"/>
+                      <a:tailEnd type="none" w="med" len="med"/>
                     </a:lnB>
                     <a:solidFill>
                       <a:srgbClr val="7D7D7D"/>
@@ -6855,14 +7281,34 @@
                         </a:spcBef>
                       </a:pPr>
                       <a:r>
-                        <a:rPr lang="de-de" sz="900" spc="0" dirty="0">
+                        <a:rPr sz="900" spc="0" dirty="0">
                           <a:solidFill>
                             <a:srgbClr val="FFFFFF"/>
                           </a:solidFill>
                           <a:latin typeface="Adobe Clean"/>
                           <a:cs typeface="Adobe Clean"/>
                         </a:rPr>
-                        <a:t>엔터프라이즈  지원</a:t>
+                        <a:t>Enterprise </a:t>
+                      </a:r>
+                      <a:r>
+                        <a:rPr lang="en-US" sz="900" spc="0" dirty="0">
+                          <a:solidFill>
+                            <a:srgbClr val="FFFFFF"/>
+                          </a:solidFill>
+                          <a:latin typeface="Adobe Clean"/>
+                          <a:cs typeface="Adobe Clean"/>
+                        </a:rPr>
+                        <a:t> </a:t>
+                      </a:r>
+                      <a:r>
+                        <a:rPr sz="900" spc="0" dirty="0">
+                          <a:solidFill>
+                            <a:srgbClr val="FFFFFF"/>
+                          </a:solidFill>
+                          <a:latin typeface="Adobe Clean"/>
+                          <a:cs typeface="Adobe Clean"/>
+                        </a:rPr>
+                        <a:t>Support</a:t>
                       </a:r>
                       <a:endParaRPr sz="900" spc="0" dirty="0">
                         <a:latin typeface="Adobe Clean"/>
@@ -6889,11 +7335,14 @@
                       </a:solidFill>
                       <a:prstDash val="solid"/>
                     </a:lnT>
-                    <a:lnB w="76200">
+                    <a:lnB w="76200" cap="flat" cmpd="sng" algn="ctr">
                       <a:solidFill>
                         <a:srgbClr val="2E8FFF"/>
                       </a:solidFill>
                       <a:prstDash val="solid"/>
+                      <a:round/>
+                      <a:headEnd type="none" w="med" len="med"/>
+                      <a:tailEnd type="none" w="med" len="med"/>
                     </a:lnB>
                     <a:solidFill>
                       <a:srgbClr val="404040"/>
@@ -6914,14 +7363,34 @@
                         </a:spcBef>
                       </a:pPr>
                       <a:r>
-                        <a:rPr lang="de-de" sz="900" spc="0" dirty="0">
+                        <a:rPr sz="900" spc="0" dirty="0">
                           <a:solidFill>
                             <a:srgbClr val="FFFFFF"/>
                           </a:solidFill>
                           <a:latin typeface="Adobe Clean"/>
                           <a:cs typeface="Adobe Clean"/>
                         </a:rPr>
-                        <a:t>엘리트 지원</a:t>
+                        <a:t>Elite</a:t>
+                      </a:r>
+                      <a:r>
+                        <a:rPr lang="en-US" sz="900" spc="0" dirty="0">
+                          <a:solidFill>
+                            <a:srgbClr val="FFFFFF"/>
+                          </a:solidFill>
+                          <a:latin typeface="Adobe Clean"/>
+                          <a:cs typeface="Adobe Clean"/>
+                        </a:rPr>
+                        <a:t> </a:t>
+                      </a:r>
+                      <a:r>
+                        <a:rPr sz="900" spc="0" dirty="0">
+                          <a:solidFill>
+                            <a:srgbClr val="FFFFFF"/>
+                          </a:solidFill>
+                          <a:latin typeface="Adobe Clean"/>
+                          <a:cs typeface="Adobe Clean"/>
+                        </a:rPr>
+                        <a:t>Support</a:t>
                       </a:r>
                       <a:endParaRPr sz="900" spc="0" dirty="0">
                         <a:latin typeface="Adobe Clean"/>
@@ -6948,11 +7417,14 @@
                       </a:solidFill>
                       <a:prstDash val="solid"/>
                     </a:lnT>
-                    <a:lnB w="76200">
+                    <a:lnB w="76200" cap="flat" cmpd="sng" algn="ctr">
                       <a:solidFill>
                         <a:srgbClr val="0068E1"/>
                       </a:solidFill>
                       <a:prstDash val="solid"/>
+                      <a:round/>
+                      <a:headEnd type="none" w="med" len="med"/>
+                      <a:tailEnd type="none" w="med" len="med"/>
                     </a:lnB>
                     <a:solidFill>
                       <a:srgbClr val="000000"/>
@@ -6980,14 +7452,14 @@
                         </a:spcBef>
                       </a:pPr>
                       <a:r>
-                        <a:rPr lang="de-de" sz="900" b="1" spc="0" dirty="0">
+                        <a:rPr sz="900" b="1" spc="0" dirty="0">
                           <a:solidFill>
                             <a:srgbClr val="020302"/>
                           </a:solidFill>
                           <a:latin typeface="Adobe Clean"/>
                           <a:cs typeface="Adobe Clean"/>
                         </a:rPr>
-                        <a:t>우선 순위 1</a:t>
+                        <a:t>PRIORITY 1</a:t>
                       </a:r>
                       <a:endParaRPr sz="900" spc="0" dirty="0">
                         <a:latin typeface="Adobe Clean"/>
@@ -7004,14 +7476,14 @@
                         </a:spcBef>
                       </a:pPr>
                       <a:r>
-                        <a:rPr lang="de-de" sz="900" b="0" i="0" spc="0" dirty="0">
+                        <a:rPr lang="en-US" sz="900" b="0" i="0" spc="0" dirty="0">
                           <a:solidFill>
                             <a:srgbClr val="000000"/>
                           </a:solidFill>
                           <a:effectLst/>
                           <a:latin typeface="Adobe Clean Light" panose="020B0303020404020204" pitchFamily="34" charset="0"/>
                         </a:rPr>
-                        <a:t>고객의 생산 비즈니스 기능이 다운되었거나 심각한 데이터 손실 또는 서비스 저하가 발생했으며 기능 및 사용성을 복원하기 위해 즉각적인 주의가 필요합니다. </a:t>
+                        <a:t>Customer's production business functions are down or have significant data loss or service degradation and immediate attention is required to restore functionality and usability. </a:t>
                       </a:r>
                       <a:endParaRPr sz="900" spc="0" dirty="0">
                         <a:latin typeface="AdobeClean-Light"/>
@@ -7026,11 +7498,14 @@
                       </a:solidFill>
                       <a:prstDash val="solid"/>
                     </a:lnL>
-                    <a:lnR w="3175">
+                    <a:lnR w="3175" cap="flat" cmpd="sng" algn="ctr">
                       <a:solidFill>
                         <a:srgbClr val="B7B8B8"/>
                       </a:solidFill>
                       <a:prstDash val="solid"/>
+                      <a:round/>
+                      <a:headEnd type="none" w="med" len="med"/>
+                      <a:tailEnd type="none" w="med" len="med"/>
                     </a:lnR>
                     <a:lnT w="3175">
                       <a:solidFill>
@@ -7051,31 +7526,20 @@
                     <a:bodyPr/>
                     <a:lstStyle/>
                     <a:p>
-                      <a:pPr marL="0" marR="325120" indent="-3810" algn="ctr">
-                        <a:lnSpc>
-                          <a:spcPct val="100000"/>
-                        </a:lnSpc>
-                        <a:spcBef>
-                          <a:spcPts val="670"/>
-                        </a:spcBef>
-                      </a:pPr>
+                      <a:pPr algn="ctr" fontAlgn="t"/>
                       <a:r>
-                        <a:rPr lang="de-de" sz="900" spc="0" dirty="0">
+                        <a:rPr lang="en-US" sz="900" b="0" i="0" u="none" strike="noStrike">
                           <a:solidFill>
                             <a:srgbClr val="020302"/>
                           </a:solidFill>
-                          <a:latin typeface="AdobeClean-Light"/>
-                          <a:cs typeface="AdobeClean-Light"/>
+                          <a:effectLst/>
+                          <a:latin typeface="AdobeClean-Light" panose="020B0503020404020204" pitchFamily="34" charset="0"/>
                         </a:rPr>
-                        <a:t>24x7 /                1시간</a:t>
+                        <a:t>24x7 / 1 hour</a:t>
                       </a:r>
-                      <a:endParaRPr sz="900" spc="0" dirty="0">
-                        <a:latin typeface="AdobeClean-Light"/>
-                        <a:cs typeface="AdobeClean-Light"/>
-                      </a:endParaRPr>
-                    </a:p>
-                  </a:txBody>
-                  <a:tcPr marL="0" marR="0" marT="0" marB="0" anchor="ctr">
+                    </a:p>
+                  </a:txBody>
+                  <a:tcPr marL="9525" marR="9525" marT="9525" marB="0" anchor="ctr">
                     <a:lnL w="3175">
                       <a:solidFill>
                         <a:srgbClr val="B7B8B8"/>
@@ -7107,31 +7571,20 @@
                     <a:bodyPr/>
                     <a:lstStyle/>
                     <a:p>
-                      <a:pPr marL="0" marR="325755" indent="-3810" algn="ctr">
-                        <a:lnSpc>
-                          <a:spcPct val="100000"/>
-                        </a:lnSpc>
-                        <a:spcBef>
-                          <a:spcPts val="670"/>
-                        </a:spcBef>
-                      </a:pPr>
+                      <a:pPr algn="ctr" fontAlgn="t"/>
                       <a:r>
-                        <a:rPr lang="de-de" sz="900" spc="0" dirty="0">
+                        <a:rPr lang="en-US" sz="900" b="0" i="0" u="none" strike="noStrike">
                           <a:solidFill>
                             <a:srgbClr val="020302"/>
                           </a:solidFill>
-                          <a:latin typeface="AdobeClean-Light"/>
-                          <a:cs typeface="AdobeClean-Light"/>
+                          <a:effectLst/>
+                          <a:latin typeface="AdobeClean-Light" panose="020B0503020404020204" pitchFamily="34" charset="0"/>
                         </a:rPr>
-                        <a:t>24x7 /              1시간</a:t>
+                        <a:t>24x7 / 1 hour</a:t>
                       </a:r>
-                      <a:endParaRPr sz="900" spc="0" dirty="0">
-                        <a:latin typeface="AdobeClean-Light"/>
-                        <a:cs typeface="AdobeClean-Light"/>
-                      </a:endParaRPr>
-                    </a:p>
-                  </a:txBody>
-                  <a:tcPr marL="0" marR="0" marT="0" marB="0" anchor="ctr">
+                    </a:p>
+                  </a:txBody>
+                  <a:tcPr marL="9525" marR="9525" marT="9525" marB="0" anchor="ctr">
                     <a:lnL w="3175">
                       <a:solidFill>
                         <a:srgbClr val="B7B8B8"/>
@@ -7163,31 +7616,20 @@
                     <a:bodyPr/>
                     <a:lstStyle/>
                     <a:p>
-                      <a:pPr marL="0" marR="258445" indent="115570" algn="ctr">
-                        <a:lnSpc>
-                          <a:spcPct val="100000"/>
-                        </a:lnSpc>
-                        <a:spcBef>
-                          <a:spcPts val="670"/>
-                        </a:spcBef>
-                      </a:pPr>
+                      <a:pPr algn="ctr" fontAlgn="t"/>
                       <a:r>
-                        <a:rPr lang="de-de" sz="900" spc="0" dirty="0">
+                        <a:rPr lang="en-US" sz="900" b="0" i="0" u="none" strike="noStrike">
                           <a:solidFill>
                             <a:srgbClr val="020302"/>
                           </a:solidFill>
-                          <a:latin typeface="AdobeClean-Light"/>
-                          <a:cs typeface="AdobeClean-Light"/>
+                          <a:effectLst/>
+                          <a:latin typeface="AdobeClean-Light" panose="020B0503020404020204" pitchFamily="34" charset="0"/>
                         </a:rPr>
-                        <a:t>24x7 /           30분</a:t>
+                        <a:t>24x7 / 30 minutes</a:t>
                       </a:r>
-                      <a:endParaRPr sz="900" spc="0" dirty="0">
-                        <a:latin typeface="AdobeClean-Light"/>
-                        <a:cs typeface="AdobeClean-Light"/>
-                      </a:endParaRPr>
-                    </a:p>
-                  </a:txBody>
-                  <a:tcPr marL="0" marR="0" marT="0" marB="0" anchor="ctr">
+                    </a:p>
+                  </a:txBody>
+                  <a:tcPr marL="9525" marR="9525" marT="9525" marB="0" anchor="ctr">
                     <a:lnL w="3175">
                       <a:solidFill>
                         <a:srgbClr val="B7B8B8"/>
@@ -7219,31 +7661,20 @@
                     <a:bodyPr/>
                     <a:lstStyle/>
                     <a:p>
-                      <a:pPr marL="0" marR="271780" indent="103505" algn="ctr">
-                        <a:lnSpc>
-                          <a:spcPct val="100000"/>
-                        </a:lnSpc>
-                        <a:spcBef>
-                          <a:spcPts val="670"/>
-                        </a:spcBef>
-                      </a:pPr>
+                      <a:pPr algn="ctr" fontAlgn="t"/>
                       <a:r>
-                        <a:rPr lang="de-de" sz="900" spc="0" dirty="0">
+                        <a:rPr lang="en-US" sz="900" b="0" i="0" u="none" strike="noStrike">
                           <a:solidFill>
                             <a:srgbClr val="020302"/>
                           </a:solidFill>
-                          <a:latin typeface="AdobeClean-Light"/>
-                          <a:cs typeface="AdobeClean-Light"/>
+                          <a:effectLst/>
+                          <a:latin typeface="AdobeClean-Light" panose="020B0503020404020204" pitchFamily="34" charset="0"/>
                         </a:rPr>
-                        <a:t>24x7 /         15분</a:t>
+                        <a:t>24x7 / 15 minutes</a:t>
                       </a:r>
-                      <a:endParaRPr sz="900" spc="0" dirty="0">
-                        <a:latin typeface="AdobeClean-Light"/>
-                        <a:cs typeface="AdobeClean-Light"/>
-                      </a:endParaRPr>
-                    </a:p>
-                  </a:txBody>
-                  <a:tcPr marL="0" marR="0" marT="0" marB="0" anchor="ctr">
+                    </a:p>
+                  </a:txBody>
+                  <a:tcPr marL="9525" marR="9525" marT="9525" marB="0" anchor="ctr">
                     <a:lnL w="3175">
                       <a:solidFill>
                         <a:srgbClr val="B7B8B8"/>
@@ -7291,14 +7722,14 @@
                         </a:spcBef>
                       </a:pPr>
                       <a:r>
-                        <a:rPr lang="de-de" sz="900" b="1" spc="0" dirty="0">
+                        <a:rPr sz="900" b="1" spc="0" dirty="0">
                           <a:solidFill>
                             <a:srgbClr val="020302"/>
                           </a:solidFill>
                           <a:latin typeface="Adobe Clean"/>
                           <a:cs typeface="Adobe Clean"/>
                         </a:rPr>
-                        <a:t>우선 순위 2</a:t>
+                        <a:t>PRIORITY 2</a:t>
                       </a:r>
                       <a:endParaRPr sz="900" spc="0" dirty="0">
                         <a:latin typeface="Adobe Clean"/>
@@ -7324,14 +7755,14 @@
                         <a:defRPr/>
                       </a:pPr>
                       <a:r>
-                        <a:rPr lang="de-de" sz="900" b="0" i="0" spc="0" dirty="0">
+                        <a:rPr lang="en-US" sz="900" b="0" i="0" spc="0" dirty="0">
                           <a:solidFill>
                             <a:srgbClr val="000000"/>
                           </a:solidFill>
                           <a:effectLst/>
                           <a:latin typeface="Adobe Clean Light" panose="020B0303020404020204" pitchFamily="34" charset="0"/>
                         </a:rPr>
-                        <a:t>고객의 비즈니스 기능에 심각한 서비스 저하 또는 잠재적인 데이터 손실이 있거나 주요 기능이 영향을 받습니다. </a:t>
+                        <a:t>Customer's business functions have major service degradation or potential data loss, or a major feature is impacted </a:t>
                       </a:r>
                       <a:endParaRPr sz="900" b="0" i="0" spc="0" dirty="0">
                         <a:latin typeface="Adobe Clean Light" panose="020B0303020404020204" pitchFamily="34" charset="0"/>
@@ -7346,11 +7777,14 @@
                       </a:solidFill>
                       <a:prstDash val="solid"/>
                     </a:lnL>
-                    <a:lnR w="3175">
+                    <a:lnR w="3175" cap="flat" cmpd="sng" algn="ctr">
                       <a:solidFill>
                         <a:srgbClr val="B7B8B8"/>
                       </a:solidFill>
                       <a:prstDash val="solid"/>
+                      <a:round/>
+                      <a:headEnd type="none" w="med" len="med"/>
+                      <a:tailEnd type="none" w="med" len="med"/>
                     </a:lnR>
                     <a:lnT w="3175">
                       <a:solidFill>
@@ -7371,31 +7805,20 @@
                     <a:bodyPr/>
                     <a:lstStyle/>
                     <a:p>
-                      <a:pPr marL="0" marR="184785" indent="-193675" algn="ctr">
-                        <a:lnSpc>
-                          <a:spcPct val="100000"/>
-                        </a:lnSpc>
-                        <a:spcBef>
-                          <a:spcPts val="670"/>
-                        </a:spcBef>
-                      </a:pPr>
+                      <a:pPr algn="ctr" fontAlgn="t"/>
                       <a:r>
-                        <a:rPr lang="de-de" sz="900" spc="0" dirty="0">
+                        <a:rPr lang="en-US" sz="900" b="0" i="0" u="none" strike="noStrike">
                           <a:solidFill>
                             <a:srgbClr val="020302"/>
                           </a:solidFill>
-                          <a:latin typeface="AdobeClean-Light"/>
-                          <a:cs typeface="AdobeClean-Light"/>
+                          <a:effectLst/>
+                          <a:latin typeface="AdobeClean-Light" panose="020B0503020404020204" pitchFamily="34" charset="0"/>
                         </a:rPr>
-                        <a:t>업무 시간 /           4시간</a:t>
+                        <a:t>Business hours / 4 hours</a:t>
                       </a:r>
-                      <a:endParaRPr sz="900" spc="0" dirty="0">
-                        <a:latin typeface="AdobeClean-Light"/>
-                        <a:cs typeface="AdobeClean-Light"/>
-                      </a:endParaRPr>
-                    </a:p>
-                  </a:txBody>
-                  <a:tcPr marL="0" marR="0" marT="0" marB="0" anchor="ctr">
+                    </a:p>
+                  </a:txBody>
+                  <a:tcPr marL="9525" marR="9525" marT="9525" marB="0" anchor="ctr">
                     <a:lnL w="3175">
                       <a:solidFill>
                         <a:srgbClr val="B7B8B8"/>
@@ -7427,31 +7850,20 @@
                     <a:bodyPr/>
                     <a:lstStyle/>
                     <a:p>
-                      <a:pPr marL="0" marR="184785" indent="-194310" algn="ctr">
-                        <a:lnSpc>
-                          <a:spcPct val="100000"/>
-                        </a:lnSpc>
-                        <a:spcBef>
-                          <a:spcPts val="670"/>
-                        </a:spcBef>
-                      </a:pPr>
+                      <a:pPr algn="ctr" fontAlgn="t"/>
                       <a:r>
-                        <a:rPr lang="de-de" sz="900" spc="0" dirty="0">
+                        <a:rPr lang="en-US" sz="900" b="0" i="0" u="none" strike="noStrike">
                           <a:solidFill>
                             <a:srgbClr val="020302"/>
                           </a:solidFill>
-                          <a:latin typeface="AdobeClean-Light"/>
-                          <a:cs typeface="AdobeClean-Light"/>
+                          <a:effectLst/>
+                          <a:latin typeface="AdobeClean-Light" panose="020B0503020404020204" pitchFamily="34" charset="0"/>
                         </a:rPr>
-                        <a:t>업무 시간 /          2시간</a:t>
+                        <a:t>Business hours / 2 hours</a:t>
                       </a:r>
-                      <a:endParaRPr sz="900" spc="0" dirty="0">
-                        <a:latin typeface="AdobeClean-Light"/>
-                        <a:cs typeface="AdobeClean-Light"/>
-                      </a:endParaRPr>
-                    </a:p>
-                  </a:txBody>
-                  <a:tcPr marL="0" marR="0" marT="0" marB="0" anchor="ctr">
+                    </a:p>
+                  </a:txBody>
+                  <a:tcPr marL="9525" marR="9525" marT="9525" marB="0" anchor="ctr">
                     <a:lnL w="3175">
                       <a:solidFill>
                         <a:srgbClr val="B7B8B8"/>
@@ -7483,31 +7895,20 @@
                     <a:bodyPr/>
                     <a:lstStyle/>
                     <a:p>
-                      <a:pPr marL="0" marR="325755" indent="-5715" algn="ctr">
-                        <a:lnSpc>
-                          <a:spcPct val="100000"/>
-                        </a:lnSpc>
-                        <a:spcBef>
-                          <a:spcPts val="670"/>
-                        </a:spcBef>
-                      </a:pPr>
+                      <a:pPr algn="ctr" fontAlgn="t"/>
                       <a:r>
-                        <a:rPr lang="de-de" sz="900" spc="0" dirty="0">
+                        <a:rPr lang="en-US" sz="900" b="0" i="0" u="none" strike="noStrike">
                           <a:solidFill>
                             <a:srgbClr val="020302"/>
                           </a:solidFill>
-                          <a:latin typeface="AdobeClean-Light"/>
-                          <a:cs typeface="AdobeClean-Light"/>
+                          <a:effectLst/>
+                          <a:latin typeface="AdobeClean-Light" panose="020B0503020404020204" pitchFamily="34" charset="0"/>
                         </a:rPr>
-                        <a:t>24x5 /                1시간</a:t>
+                        <a:t>24x5 / 1 hour</a:t>
                       </a:r>
-                      <a:endParaRPr sz="900" spc="0" dirty="0">
-                        <a:latin typeface="AdobeClean-Light"/>
-                        <a:cs typeface="AdobeClean-Light"/>
-                      </a:endParaRPr>
-                    </a:p>
-                  </a:txBody>
-                  <a:tcPr marL="0" marR="0" marT="0" marB="0" anchor="ctr">
+                    </a:p>
+                  </a:txBody>
+                  <a:tcPr marL="9525" marR="9525" marT="9525" marB="0" anchor="ctr">
                     <a:lnL w="3175">
                       <a:solidFill>
                         <a:srgbClr val="B7B8B8"/>
@@ -7539,31 +7940,20 @@
                     <a:bodyPr/>
                     <a:lstStyle/>
                     <a:p>
-                      <a:pPr marL="0" marR="259079" indent="111760" algn="ctr">
-                        <a:lnSpc>
-                          <a:spcPct val="100000"/>
-                        </a:lnSpc>
-                        <a:spcBef>
-                          <a:spcPts val="670"/>
-                        </a:spcBef>
-                      </a:pPr>
+                      <a:pPr algn="ctr" fontAlgn="t"/>
                       <a:r>
-                        <a:rPr lang="de-de" sz="900" spc="0" dirty="0">
+                        <a:rPr lang="en-US" sz="900" b="0" i="0" u="none" strike="noStrike">
                           <a:solidFill>
                             <a:srgbClr val="020302"/>
                           </a:solidFill>
-                          <a:latin typeface="AdobeClean-Light"/>
-                          <a:cs typeface="AdobeClean-Light"/>
+                          <a:effectLst/>
+                          <a:latin typeface="AdobeClean-Light" panose="020B0503020404020204" pitchFamily="34" charset="0"/>
                         </a:rPr>
-                        <a:t>24x5 /         30분</a:t>
+                        <a:t>24x5 / 30 minutes</a:t>
                       </a:r>
-                      <a:endParaRPr sz="900" spc="0" dirty="0">
-                        <a:latin typeface="AdobeClean-Light"/>
-                        <a:cs typeface="AdobeClean-Light"/>
-                      </a:endParaRPr>
-                    </a:p>
-                  </a:txBody>
-                  <a:tcPr marL="0" marR="0" marT="0" marB="0" anchor="ctr">
+                    </a:p>
+                  </a:txBody>
+                  <a:tcPr marL="9525" marR="9525" marT="9525" marB="0" anchor="ctr">
                     <a:lnL w="3175">
                       <a:solidFill>
                         <a:srgbClr val="B7B8B8"/>
@@ -7611,14 +8001,24 @@
                         </a:spcBef>
                       </a:pPr>
                       <a:r>
-                        <a:rPr lang="de-de" sz="900" b="1" spc="0" dirty="0">
+                        <a:rPr sz="900" b="1" spc="0" dirty="0">
                           <a:solidFill>
                             <a:srgbClr val="020302"/>
                           </a:solidFill>
                           <a:latin typeface="Adobe Clean"/>
                           <a:cs typeface="Adobe Clean"/>
                         </a:rPr>
-                        <a:t>우선 순위 3</a:t>
+                        <a:t>PRIORITY</a:t>
+                      </a:r>
+                      <a:r>
+                        <a:rPr lang="en-US" sz="900" b="1" spc="0" dirty="0">
+                          <a:solidFill>
+                            <a:srgbClr val="020302"/>
+                          </a:solidFill>
+                          <a:latin typeface="Adobe Clean"/>
+                          <a:cs typeface="Adobe Clean"/>
+                        </a:rPr>
+                        <a:t> 3</a:t>
                       </a:r>
                       <a:endParaRPr lang="en-US" sz="900" spc="0" dirty="0">
                         <a:latin typeface="Adobe Clean"/>
@@ -7644,7 +8044,7 @@
                         <a:defRPr/>
                       </a:pPr>
                       <a:r>
-                        <a:rPr kumimoji="0" lang="de-de" sz="900" b="0" i="0" u="none" strike="noStrike" kern="1200" cap="none" spc="0" normalizeH="0" baseline="0" noProof="0" dirty="0">
+                        <a:rPr kumimoji="0" lang="en-US" sz="900" b="0" i="0" u="none" strike="noStrike" kern="1200" cap="none" spc="0" normalizeH="0" baseline="0" noProof="0" dirty="0">
                           <a:ln>
                             <a:noFill/>
                           </a:ln>
@@ -7658,7 +8058,7 @@
                           <a:ea typeface="+mn-ea"/>
                           <a:cs typeface="+mn-cs"/>
                         </a:rPr>
-                        <a:t>고객의 비즈니스 기능에 약간의 서비스 저하가 있지만 비즈니스 기능을 정상적으로 계속할 수 있게 하는 솔루션/해결 방법이 있습니다. </a:t>
+                        <a:t>Customer's business functions have minor service degradation but there exists a solution/workaround allowing business functions to continue normally </a:t>
                       </a:r>
                       <a:endParaRPr lang="en-US" sz="900" b="0" i="0" spc="0" dirty="0">
                         <a:latin typeface="Adobe Clean Light" panose="020B0303020404020204" pitchFamily="34" charset="0"/>
@@ -7673,11 +8073,14 @@
                       </a:solidFill>
                       <a:prstDash val="solid"/>
                     </a:lnL>
-                    <a:lnR w="3175">
+                    <a:lnR w="3175" cap="flat" cmpd="sng" algn="ctr">
                       <a:solidFill>
                         <a:srgbClr val="B7B8B8"/>
                       </a:solidFill>
                       <a:prstDash val="solid"/>
+                      <a:round/>
+                      <a:headEnd type="none" w="med" len="med"/>
+                      <a:tailEnd type="none" w="med" len="med"/>
                     </a:lnR>
                     <a:lnT w="3175">
                       <a:solidFill>
@@ -7698,31 +8101,20 @@
                     <a:bodyPr/>
                     <a:lstStyle/>
                     <a:p>
-                      <a:pPr marL="0" marR="184150" indent="-189865" algn="ctr">
-                        <a:lnSpc>
-                          <a:spcPct val="100000"/>
-                        </a:lnSpc>
-                        <a:spcBef>
-                          <a:spcPts val="645"/>
-                        </a:spcBef>
-                      </a:pPr>
+                      <a:pPr algn="ctr" fontAlgn="t"/>
                       <a:r>
-                        <a:rPr lang="de-de" sz="900" spc="0" dirty="0">
+                        <a:rPr lang="en-US" sz="900" b="0" i="0" u="none" strike="noStrike">
                           <a:solidFill>
                             <a:srgbClr val="020302"/>
                           </a:solidFill>
-                          <a:latin typeface="AdobeClean-Light"/>
-                          <a:cs typeface="AdobeClean-Light"/>
+                          <a:effectLst/>
+                          <a:latin typeface="AdobeClean-Light" panose="020B0503020404020204" pitchFamily="34" charset="0"/>
                         </a:rPr>
-                        <a:t>업무 시간 /            6시간</a:t>
+                        <a:t>Business hours / 6 hours</a:t>
                       </a:r>
-                      <a:endParaRPr sz="900" spc="0" dirty="0">
-                        <a:latin typeface="AdobeClean-Light"/>
-                        <a:cs typeface="AdobeClean-Light"/>
-                      </a:endParaRPr>
-                    </a:p>
-                  </a:txBody>
-                  <a:tcPr marL="0" marR="0" marT="0" marB="0" anchor="ctr">
+                    </a:p>
+                  </a:txBody>
+                  <a:tcPr marL="9525" marR="9525" marT="9525" marB="0" anchor="ctr">
                     <a:lnL w="3175">
                       <a:solidFill>
                         <a:srgbClr val="B7B8B8"/>
@@ -7754,31 +8146,20 @@
                     <a:bodyPr/>
                     <a:lstStyle/>
                     <a:p>
-                      <a:pPr marL="0" marR="185420" indent="-193675" algn="ctr">
-                        <a:lnSpc>
-                          <a:spcPct val="100000"/>
-                        </a:lnSpc>
-                        <a:spcBef>
-                          <a:spcPts val="645"/>
-                        </a:spcBef>
-                      </a:pPr>
+                      <a:pPr algn="ctr" fontAlgn="t"/>
                       <a:r>
-                        <a:rPr lang="de-de" sz="900" spc="0" dirty="0">
+                        <a:rPr lang="en-US" sz="900" b="0" i="0" u="none" strike="noStrike">
                           <a:solidFill>
                             <a:srgbClr val="020302"/>
                           </a:solidFill>
-                          <a:latin typeface="AdobeClean-Light"/>
-                          <a:cs typeface="AdobeClean-Light"/>
+                          <a:effectLst/>
+                          <a:latin typeface="AdobeClean-Light" panose="020B0503020404020204" pitchFamily="34" charset="0"/>
                         </a:rPr>
-                        <a:t>업무 시간 /  4시간</a:t>
+                        <a:t>Business hours /  4 hours</a:t>
                       </a:r>
-                      <a:endParaRPr sz="900" spc="0" dirty="0">
-                        <a:latin typeface="AdobeClean-Light"/>
-                        <a:cs typeface="AdobeClean-Light"/>
-                      </a:endParaRPr>
-                    </a:p>
-                  </a:txBody>
-                  <a:tcPr marL="0" marR="0" marT="0" marB="0" anchor="ctr">
+                    </a:p>
+                  </a:txBody>
+                  <a:tcPr marL="9525" marR="9525" marT="9525" marB="0" anchor="ctr">
                     <a:lnL w="3175">
                       <a:solidFill>
                         <a:srgbClr val="B7B8B8"/>
@@ -7810,31 +8191,20 @@
                     <a:bodyPr/>
                     <a:lstStyle/>
                     <a:p>
-                      <a:pPr marL="0" marR="184785" indent="-194310" algn="ctr">
-                        <a:lnSpc>
-                          <a:spcPct val="100000"/>
-                        </a:lnSpc>
-                        <a:spcBef>
-                          <a:spcPts val="645"/>
-                        </a:spcBef>
-                      </a:pPr>
+                      <a:pPr algn="ctr" fontAlgn="t"/>
                       <a:r>
-                        <a:rPr lang="de-de" sz="900" spc="0" dirty="0">
+                        <a:rPr lang="en-US" sz="900" b="0" i="0" u="none" strike="noStrike">
                           <a:solidFill>
                             <a:srgbClr val="020302"/>
                           </a:solidFill>
-                          <a:latin typeface="AdobeClean-Light"/>
-                          <a:cs typeface="AdobeClean-Light"/>
+                          <a:effectLst/>
+                          <a:latin typeface="AdobeClean-Light" panose="020B0503020404020204" pitchFamily="34" charset="0"/>
                         </a:rPr>
-                        <a:t>업무 시간 /     2시간</a:t>
+                        <a:t>Business hours / 2 hours</a:t>
                       </a:r>
-                      <a:endParaRPr sz="900" spc="0" dirty="0">
-                        <a:latin typeface="AdobeClean-Light"/>
-                        <a:cs typeface="AdobeClean-Light"/>
-                      </a:endParaRPr>
-                    </a:p>
-                  </a:txBody>
-                  <a:tcPr marL="0" marR="0" marT="0" marB="0" anchor="ctr">
+                    </a:p>
+                  </a:txBody>
+                  <a:tcPr marL="9525" marR="9525" marT="9525" marB="0" anchor="ctr">
                     <a:lnL w="3175">
                       <a:solidFill>
                         <a:srgbClr val="B7B8B8"/>
@@ -7866,31 +8236,20 @@
                     <a:bodyPr/>
                     <a:lstStyle/>
                     <a:p>
-                      <a:pPr marL="0" marR="326390" indent="-5715" algn="ctr">
-                        <a:lnSpc>
-                          <a:spcPct val="100000"/>
-                        </a:lnSpc>
-                        <a:spcBef>
-                          <a:spcPts val="645"/>
-                        </a:spcBef>
-                      </a:pPr>
+                      <a:pPr algn="ctr" fontAlgn="t"/>
                       <a:r>
-                        <a:rPr lang="de-de" sz="900" spc="0" dirty="0">
+                        <a:rPr lang="en-US" sz="900" b="0" i="0" u="none" strike="noStrike">
                           <a:solidFill>
                             <a:srgbClr val="020302"/>
                           </a:solidFill>
-                          <a:latin typeface="AdobeClean-Light"/>
-                          <a:cs typeface="AdobeClean-Light"/>
+                          <a:effectLst/>
+                          <a:latin typeface="AdobeClean-Light" panose="020B0503020404020204" pitchFamily="34" charset="0"/>
                         </a:rPr>
-                        <a:t>24x5 /             1시간</a:t>
+                        <a:t>24x5 / 1 hour</a:t>
                       </a:r>
-                      <a:endParaRPr sz="900" spc="0" dirty="0">
-                        <a:latin typeface="AdobeClean-Light"/>
-                        <a:cs typeface="AdobeClean-Light"/>
-                      </a:endParaRPr>
-                    </a:p>
-                  </a:txBody>
-                  <a:tcPr marL="0" marR="0" marT="0" marB="0" anchor="ctr">
+                    </a:p>
+                  </a:txBody>
+                  <a:tcPr marL="9525" marR="9525" marT="9525" marB="0" anchor="ctr">
                     <a:lnL w="3175">
                       <a:solidFill>
                         <a:srgbClr val="B7B8B8"/>
@@ -7938,14 +8297,14 @@
                         </a:spcBef>
                       </a:pPr>
                       <a:r>
-                        <a:rPr lang="de-de" sz="900" b="1" spc="0" dirty="0">
+                        <a:rPr sz="900" b="1" spc="0" dirty="0">
                           <a:solidFill>
                             <a:srgbClr val="020302"/>
                           </a:solidFill>
                           <a:latin typeface="Adobe Clean"/>
                           <a:cs typeface="Adobe Clean"/>
                         </a:rPr>
-                        <a:t>우선 순위 4</a:t>
+                        <a:t>PRIORITY 4</a:t>
                       </a:r>
                       <a:endParaRPr sz="900" spc="0" dirty="0">
                         <a:latin typeface="Adobe Clean"/>
@@ -7971,14 +8330,14 @@
                         <a:defRPr/>
                       </a:pPr>
                       <a:r>
-                        <a:rPr lang="de-de" sz="900" b="0" i="0" spc="0" dirty="0">
+                        <a:rPr lang="en-US" sz="900" b="0" i="0" spc="0" dirty="0">
                           <a:solidFill>
                             <a:srgbClr val="000000"/>
                           </a:solidFill>
                           <a:effectLst/>
                           <a:latin typeface="Adobe Clean Light" panose="020B0303020404020204" pitchFamily="34" charset="0"/>
                         </a:rPr>
-                        <a:t>현재 제품 기능에 관한 일반적인 질문 또는 개선 요청입니다. </a:t>
+                        <a:t>General question regarding current product functionality or an enhancement request </a:t>
                       </a:r>
                       <a:endParaRPr sz="900" b="0" i="0" spc="0" dirty="0">
                         <a:latin typeface="Adobe Clean Light" panose="020B0303020404020204" pitchFamily="34" charset="0"/>
@@ -7993,11 +8352,14 @@
                       </a:solidFill>
                       <a:prstDash val="solid"/>
                     </a:lnL>
-                    <a:lnR w="3175">
+                    <a:lnR w="3175" cap="flat" cmpd="sng" algn="ctr">
                       <a:solidFill>
                         <a:srgbClr val="B7B8B8"/>
                       </a:solidFill>
                       <a:prstDash val="solid"/>
+                      <a:round/>
+                      <a:headEnd type="none" w="med" len="med"/>
+                      <a:tailEnd type="none" w="med" len="med"/>
                     </a:lnR>
                     <a:lnT w="3175">
                       <a:solidFill>
@@ -8018,31 +8380,20 @@
                     <a:bodyPr/>
                     <a:lstStyle/>
                     <a:p>
-                      <a:pPr marL="0" marR="203200" indent="-193040" algn="ctr">
-                        <a:lnSpc>
-                          <a:spcPct val="100000"/>
-                        </a:lnSpc>
-                        <a:spcBef>
-                          <a:spcPts val="155"/>
-                        </a:spcBef>
-                      </a:pPr>
+                      <a:pPr algn="ctr" fontAlgn="t"/>
                       <a:r>
-                        <a:rPr lang="de-de" sz="900" spc="0" dirty="0">
+                        <a:rPr lang="en-US" sz="900" b="0" i="0" u="none" strike="noStrike">
                           <a:solidFill>
                             <a:srgbClr val="020302"/>
                           </a:solidFill>
-                          <a:latin typeface="AdobeClean-Light"/>
-                          <a:cs typeface="AdobeClean-Light"/>
+                          <a:effectLst/>
+                          <a:latin typeface="AdobeClean-Light" panose="020B0503020404020204" pitchFamily="34" charset="0"/>
                         </a:rPr>
-                        <a:t>업무일  /   3일</a:t>
+                        <a:t>Business days / 3 days</a:t>
                       </a:r>
-                      <a:endParaRPr sz="900" spc="0" dirty="0">
-                        <a:latin typeface="AdobeClean-Light"/>
-                        <a:cs typeface="AdobeClean-Light"/>
-                      </a:endParaRPr>
-                    </a:p>
-                  </a:txBody>
-                  <a:tcPr marL="0" marR="0" marT="0" marB="0" anchor="ctr">
+                    </a:p>
+                  </a:txBody>
+                  <a:tcPr marL="9525" marR="9525" marT="9525" marB="0" anchor="ctr">
                     <a:lnL w="3175">
                       <a:solidFill>
                         <a:srgbClr val="B7B8B8"/>
@@ -8074,31 +8425,20 @@
                     <a:bodyPr/>
                     <a:lstStyle/>
                     <a:p>
-                      <a:pPr marL="0" marR="223520" indent="-202565" algn="ctr">
-                        <a:lnSpc>
-                          <a:spcPct val="100000"/>
-                        </a:lnSpc>
-                        <a:spcBef>
-                          <a:spcPts val="155"/>
-                        </a:spcBef>
-                      </a:pPr>
+                      <a:pPr algn="ctr" fontAlgn="t"/>
                       <a:r>
-                        <a:rPr lang="de-de" sz="900" spc="0" dirty="0">
+                        <a:rPr lang="en-US" sz="900" b="0" i="0" u="none" strike="noStrike">
                           <a:solidFill>
                             <a:srgbClr val="020302"/>
                           </a:solidFill>
-                          <a:latin typeface="AdobeClean-Light"/>
-                          <a:cs typeface="AdobeClean-Light"/>
+                          <a:effectLst/>
+                          <a:latin typeface="AdobeClean-Light" panose="020B0503020404020204" pitchFamily="34" charset="0"/>
                         </a:rPr>
-                        <a:t>업무일  /     1일</a:t>
+                        <a:t>Business day / 1 day</a:t>
                       </a:r>
-                      <a:endParaRPr sz="900" spc="0" dirty="0">
-                        <a:latin typeface="AdobeClean-Light"/>
-                        <a:cs typeface="AdobeClean-Light"/>
-                      </a:endParaRPr>
-                    </a:p>
-                  </a:txBody>
-                  <a:tcPr marL="0" marR="0" marT="0" marB="0" anchor="ctr">
+                    </a:p>
+                  </a:txBody>
+                  <a:tcPr marL="9525" marR="9525" marT="9525" marB="0" anchor="ctr">
                     <a:lnL w="3175">
                       <a:solidFill>
                         <a:srgbClr val="B7B8B8"/>
@@ -8130,31 +8470,20 @@
                     <a:bodyPr/>
                     <a:lstStyle/>
                     <a:p>
-                      <a:pPr marL="0" marR="223520" indent="-202565" algn="ctr">
-                        <a:lnSpc>
-                          <a:spcPct val="100000"/>
-                        </a:lnSpc>
-                        <a:spcBef>
-                          <a:spcPts val="155"/>
-                        </a:spcBef>
-                      </a:pPr>
+                      <a:pPr algn="ctr" fontAlgn="t"/>
                       <a:r>
-                        <a:rPr lang="de-de" sz="900" spc="0" dirty="0">
+                        <a:rPr lang="en-US" sz="900" b="0" i="0" u="none" strike="noStrike">
                           <a:solidFill>
                             <a:srgbClr val="020302"/>
                           </a:solidFill>
-                          <a:latin typeface="AdobeClean-Light"/>
-                          <a:cs typeface="AdobeClean-Light"/>
+                          <a:effectLst/>
+                          <a:latin typeface="AdobeClean-Light" panose="020B0503020404020204" pitchFamily="34" charset="0"/>
                         </a:rPr>
-                        <a:t>업무일  /      1일</a:t>
+                        <a:t>Business day / 1 day</a:t>
                       </a:r>
-                      <a:endParaRPr sz="900" spc="0" dirty="0">
-                        <a:latin typeface="AdobeClean-Light"/>
-                        <a:cs typeface="AdobeClean-Light"/>
-                      </a:endParaRPr>
-                    </a:p>
-                  </a:txBody>
-                  <a:tcPr marL="0" marR="0" marT="0" marB="0" anchor="ctr">
+                    </a:p>
+                  </a:txBody>
+                  <a:tcPr marL="9525" marR="9525" marT="9525" marB="0" anchor="ctr">
                     <a:lnL w="3175">
                       <a:solidFill>
                         <a:srgbClr val="B7B8B8"/>
@@ -8186,31 +8515,20 @@
                     <a:bodyPr/>
                     <a:lstStyle/>
                     <a:p>
-                      <a:pPr marL="0" marR="223520" indent="-202565" algn="ctr">
-                        <a:lnSpc>
-                          <a:spcPct val="100000"/>
-                        </a:lnSpc>
-                        <a:spcBef>
-                          <a:spcPts val="155"/>
-                        </a:spcBef>
-                      </a:pPr>
+                      <a:pPr algn="ctr" fontAlgn="t"/>
                       <a:r>
-                        <a:rPr lang="de-de" sz="900" spc="0" dirty="0">
+                        <a:rPr lang="en-US" sz="900" b="0" i="0" u="none" strike="noStrike" dirty="0">
                           <a:solidFill>
                             <a:srgbClr val="020302"/>
                           </a:solidFill>
-                          <a:latin typeface="AdobeClean-Light"/>
-                          <a:cs typeface="AdobeClean-Light"/>
+                          <a:effectLst/>
+                          <a:latin typeface="AdobeClean-Light" panose="020B0503020404020204" pitchFamily="34" charset="0"/>
                         </a:rPr>
-                        <a:t>업무일  /     1일</a:t>
+                        <a:t>Business day / 1 day</a:t>
                       </a:r>
-                      <a:endParaRPr sz="900" spc="0" dirty="0">
-                        <a:latin typeface="AdobeClean-Light"/>
-                        <a:cs typeface="AdobeClean-Light"/>
-                      </a:endParaRPr>
-                    </a:p>
-                  </a:txBody>
-                  <a:tcPr marL="0" marR="0" marT="0" marB="0" anchor="ctr">
+                    </a:p>
+                  </a:txBody>
+                  <a:tcPr marL="9525" marR="9525" marT="9525" marB="0" anchor="ctr">
                     <a:lnL w="3175">
                       <a:solidFill>
                         <a:srgbClr val="B7B8B8"/>
@@ -8273,7 +8591,7 @@
           </a:prstGeom>
         </p:spPr>
         <p:txBody>
-          <a:bodyPr vert="horz" wrap="square" lIns="0" tIns="12700" rIns="0" bIns="0" rtlCol="0">
+          <a:bodyPr vert="horz" wrap="square" lIns="0" tIns="12700" rIns="0" bIns="0" rtlCol="0" anchor="t">
             <a:spAutoFit/>
           </a:bodyPr>
           <a:lstStyle/>
@@ -8287,10 +8605,16 @@
               </a:spcBef>
             </a:pPr>
             <a:r>
-              <a:rPr lang="de-de" sz="2300" dirty="0">
-                <a:latin typeface="Adobe Clean" panose="020B0503020404020204" pitchFamily="34" charset="0"/>
-              </a:rPr>
-              <a:t>Adobe 지원 서비스 제공 사항</a:t>
+              <a:rPr sz="2300" dirty="0">
+                <a:latin typeface="Adobe Clean"/>
+              </a:rPr>
+              <a:t>ADOBE </a:t>
+            </a:r>
+            <a:r>
+              <a:rPr lang="en-US" sz="2300" dirty="0">
+                <a:latin typeface="Adobe Clean"/>
+              </a:rPr>
+              <a:t>SUPPORT PLANS</a:t>
             </a:r>
             <a:endParaRPr sz="2300" dirty="0">
               <a:latin typeface="Adobe Clean" panose="020B0503020404020204" pitchFamily="34" charset="0"/>
@@ -8327,7 +8651,7 @@
           <a:lstStyle/>
           <a:p>
             <a:r>
-              <a:rPr lang="de-de" sz="700" i="1" dirty="0">
+              <a:rPr lang="en-US" sz="700" i="1" dirty="0">
                 <a:solidFill>
                   <a:schemeClr val="bg1"/>
                 </a:solidFill>
@@ -8571,7 +8895,7 @@
           </a:prstGeom>
         </p:spPr>
         <p:txBody>
-          <a:bodyPr vert="horz" wrap="square" lIns="0" tIns="35560" rIns="0" bIns="0" rtlCol="0">
+          <a:bodyPr vert="horz" wrap="square" lIns="0" tIns="35560" rIns="0" bIns="0" rtlCol="0" anchor="t">
             <a:spAutoFit/>
           </a:bodyPr>
           <a:lstStyle/>
@@ -8585,294 +8909,294 @@
               </a:spcBef>
             </a:pPr>
             <a:r>
-              <a:rPr lang="de-de" sz="1000" spc="-20" dirty="0">
+              <a:rPr lang="en-US" sz="1000" spc="-20" dirty="0">
                 <a:solidFill>
                   <a:srgbClr val="020302"/>
                 </a:solidFill>
                 <a:latin typeface="AdobeClean-Light"/>
                 <a:cs typeface="AdobeClean-Light"/>
               </a:rPr>
-              <a:t>Adobe 고객 지원에서는</a:t>
-            </a:r>
-            <a:r>
-              <a:rPr lang="de-de" sz="1000" spc="-90" dirty="0">
+              <a:t>Adobe Customer Support offers a</a:t>
+            </a:r>
+            <a:r>
+              <a:rPr sz="1000" spc="-20" dirty="0">
                 <a:solidFill>
                   <a:srgbClr val="020302"/>
                 </a:solidFill>
                 <a:latin typeface="AdobeClean-Light"/>
                 <a:cs typeface="AdobeClean-Light"/>
               </a:rPr>
-              <a:t> </a:t>
-            </a:r>
-            <a:r>
-              <a:rPr lang="de-de" sz="1000" spc="-10" dirty="0">
+              <a:t>ccess</a:t>
+            </a:r>
+            <a:r>
+              <a:rPr sz="1000" spc="-90" dirty="0">
                 <a:solidFill>
                   <a:srgbClr val="020302"/>
                 </a:solidFill>
                 <a:latin typeface="AdobeClean-Light"/>
                 <a:cs typeface="AdobeClean-Light"/>
               </a:rPr>
-              <a:t>문서화를 위한</a:t>
-            </a:r>
-            <a:r>
-              <a:rPr lang="de-de" sz="1000" spc="10" dirty="0">
+              <a:t> </a:t>
+            </a:r>
+            <a:r>
+              <a:rPr sz="1000" spc="-10" dirty="0">
                 <a:solidFill>
                   <a:srgbClr val="020302"/>
                 </a:solidFill>
                 <a:latin typeface="AdobeClean-Light"/>
                 <a:cs typeface="AdobeClean-Light"/>
               </a:rPr>
-              <a:t> </a:t>
-            </a:r>
-            <a:r>
-              <a:rPr lang="de-de" sz="1000" spc="-20" dirty="0">
+              <a:t>to</a:t>
+            </a:r>
+            <a:r>
+              <a:rPr sz="1000" spc="10" dirty="0">
                 <a:solidFill>
                   <a:srgbClr val="020302"/>
                 </a:solidFill>
                 <a:latin typeface="AdobeClean-Light"/>
                 <a:cs typeface="AdobeClean-Light"/>
               </a:rPr>
-              <a:t>온라인</a:t>
-            </a:r>
-            <a:r>
-              <a:rPr lang="de-de" sz="1000" spc="-125" dirty="0">
+              <a:t> </a:t>
+            </a:r>
+            <a:r>
+              <a:rPr lang="en-US" sz="1000" spc="-20" dirty="0">
                 <a:solidFill>
                   <a:srgbClr val="020302"/>
                 </a:solidFill>
                 <a:latin typeface="AdobeClean-Light"/>
                 <a:cs typeface="AdobeClean-Light"/>
               </a:rPr>
-              <a:t> </a:t>
-            </a:r>
-            <a:r>
-              <a:rPr lang="de-de" sz="1000" spc="-20" dirty="0">
+              <a:t>online resources </a:t>
+            </a:r>
+            <a:r>
+              <a:rPr sz="1000" spc="-15" dirty="0">
                 <a:solidFill>
                   <a:srgbClr val="020302"/>
                 </a:solidFill>
                 <a:latin typeface="AdobeClean-Light"/>
                 <a:cs typeface="AdobeClean-Light"/>
               </a:rPr>
-              <a:t>리소스</a:t>
-            </a:r>
-            <a:r>
-              <a:rPr lang="de-de" sz="1000" spc="-15" dirty="0">
+              <a:t>for</a:t>
+            </a:r>
+            <a:r>
+              <a:rPr sz="1000" spc="-30" dirty="0">
                 <a:solidFill>
                   <a:srgbClr val="020302"/>
                 </a:solidFill>
                 <a:latin typeface="AdobeClean-Light"/>
                 <a:cs typeface="AdobeClean-Light"/>
               </a:rPr>
-              <a:t>,</a:t>
-            </a:r>
-            <a:r>
-              <a:rPr lang="de-de" sz="1000" spc="-30" dirty="0">
+              <a:t> </a:t>
+            </a:r>
+            <a:r>
+              <a:rPr sz="1000" spc="-15" dirty="0">
                 <a:solidFill>
                   <a:srgbClr val="020302"/>
                 </a:solidFill>
                 <a:latin typeface="AdobeClean-Light"/>
                 <a:cs typeface="AdobeClean-Light"/>
               </a:rPr>
-              <a:t> </a:t>
-            </a:r>
-            <a:r>
-              <a:rPr lang="de-de" sz="1000" spc="-15" dirty="0">
+              <a:t>documentation,</a:t>
+            </a:r>
+            <a:r>
+              <a:rPr lang="en-US" sz="1000" spc="-15" dirty="0">
                 <a:solidFill>
                   <a:srgbClr val="020302"/>
                 </a:solidFill>
                 <a:latin typeface="AdobeClean-Light"/>
                 <a:cs typeface="AdobeClean-Light"/>
               </a:rPr>
-              <a:t> 모범 사례를 위한</a:t>
-            </a:r>
-            <a:r>
-              <a:rPr lang="de-de" sz="1000" spc="-35" dirty="0">
+              <a:t> </a:t>
+            </a:r>
+            <a:r>
+              <a:rPr sz="1000" spc="-15" dirty="0">
                 <a:solidFill>
                   <a:srgbClr val="020302"/>
                 </a:solidFill>
                 <a:latin typeface="AdobeClean-Light"/>
                 <a:cs typeface="AdobeClean-Light"/>
               </a:rPr>
-              <a:t> </a:t>
-            </a:r>
-            <a:r>
-              <a:rPr lang="de-de" sz="1000" spc="-20" dirty="0">
+              <a:t>engagement</a:t>
+            </a:r>
+            <a:r>
+              <a:rPr lang="en-US" sz="1000" spc="-15" dirty="0">
                 <a:solidFill>
                   <a:srgbClr val="020302"/>
                 </a:solidFill>
                 <a:latin typeface="AdobeClean-Light"/>
                 <a:cs typeface="AdobeClean-Light"/>
               </a:rPr>
-              <a:t> 다른 전문가 </a:t>
-            </a:r>
-            <a:r>
-              <a:rPr lang="de-de" sz="1000" spc="-15" dirty="0">
+              <a:t> </a:t>
+            </a:r>
+            <a:r>
+              <a:rPr sz="1000" spc="-15" dirty="0">
                 <a:solidFill>
                   <a:srgbClr val="020302"/>
                 </a:solidFill>
                 <a:latin typeface="AdobeClean-Light"/>
                 <a:cs typeface="AdobeClean-Light"/>
               </a:rPr>
-              <a:t>및 </a:t>
-            </a:r>
-            <a:r>
-              <a:rPr lang="de-de" sz="1000" spc="-20" dirty="0">
+              <a:t>with</a:t>
+            </a:r>
+            <a:r>
+              <a:rPr sz="1000" spc="-35" dirty="0">
                 <a:solidFill>
                   <a:srgbClr val="020302"/>
                 </a:solidFill>
                 <a:latin typeface="AdobeClean-Light"/>
                 <a:cs typeface="AdobeClean-Light"/>
               </a:rPr>
-              <a:t>고객과의 </a:t>
-            </a:r>
-            <a:r>
-              <a:rPr lang="de-de" sz="1000" spc="-15" dirty="0">
+              <a:t> </a:t>
+            </a:r>
+            <a:r>
+              <a:rPr sz="1000" spc="-20" dirty="0">
                 <a:solidFill>
                   <a:srgbClr val="020302"/>
                 </a:solidFill>
                 <a:latin typeface="AdobeClean-Light"/>
                 <a:cs typeface="AdobeClean-Light"/>
               </a:rPr>
-              <a:t>소통, </a:t>
-            </a:r>
-            <a:r>
-              <a:rPr lang="de-de" sz="1000" spc="-20" dirty="0">
+              <a:t>other experts </a:t>
+            </a:r>
+            <a:r>
+              <a:rPr sz="1000" spc="-15" dirty="0">
                 <a:solidFill>
                   <a:srgbClr val="020302"/>
                 </a:solidFill>
                 <a:latin typeface="AdobeClean-Light"/>
                 <a:cs typeface="AdobeClean-Light"/>
               </a:rPr>
-              <a:t>문제 </a:t>
-            </a:r>
-            <a:r>
-              <a:rPr lang="de-de" sz="1000" spc="-15" dirty="0">
+              <a:t>and </a:t>
+            </a:r>
+            <a:r>
+              <a:rPr sz="1000" spc="-20" dirty="0">
                 <a:solidFill>
                   <a:srgbClr val="020302"/>
                 </a:solidFill>
                 <a:latin typeface="AdobeClean-Light"/>
                 <a:cs typeface="AdobeClean-Light"/>
               </a:rPr>
-              <a:t>해결 </a:t>
-            </a:r>
-            <a:r>
-              <a:rPr lang="de-de" sz="1000" spc="-20" dirty="0">
+              <a:t>customers </a:t>
+            </a:r>
+            <a:r>
+              <a:rPr sz="1000" spc="-15" dirty="0">
                 <a:solidFill>
                   <a:srgbClr val="020302"/>
                 </a:solidFill>
                 <a:latin typeface="AdobeClean-Light"/>
                 <a:cs typeface="AdobeClean-Light"/>
               </a:rPr>
-              <a:t>팁 및 요령에 대한 웨비나 시리즈(오피스 </a:t>
-            </a:r>
-            <a:r>
-              <a:rPr lang="de-de" sz="1000" spc="-15" dirty="0">
+              <a:t>for best </a:t>
+            </a:r>
+            <a:r>
+              <a:rPr sz="1000" spc="-20" dirty="0">
                 <a:solidFill>
                   <a:srgbClr val="020302"/>
                 </a:solidFill>
                 <a:latin typeface="AdobeClean-Light"/>
                 <a:cs typeface="AdobeClean-Light"/>
               </a:rPr>
-              <a:t>아워)에 대한 </a:t>
-            </a:r>
-            <a:r>
-              <a:rPr lang="de-de" sz="1000" spc="-20" dirty="0">
+              <a:t>practices, </a:t>
+            </a:r>
+            <a:r>
+              <a:rPr sz="1000" spc="-15" dirty="0">
                 <a:solidFill>
                   <a:srgbClr val="020302"/>
                 </a:solidFill>
                 <a:latin typeface="AdobeClean-Light"/>
                 <a:cs typeface="AdobeClean-Light"/>
               </a:rPr>
-              <a:t>액세스를 </a:t>
-            </a:r>
-            <a:r>
-              <a:rPr lang="de-de" sz="1000" spc="-15" dirty="0">
+              <a:t>and </a:t>
+            </a:r>
+            <a:r>
+              <a:rPr sz="1000" spc="-20" dirty="0">
                 <a:solidFill>
                   <a:srgbClr val="020302"/>
                 </a:solidFill>
                 <a:latin typeface="AdobeClean-Light"/>
                 <a:cs typeface="AdobeClean-Light"/>
               </a:rPr>
-              <a:t>제공합니다</a:t>
-            </a:r>
-            <a:r>
-              <a:rPr lang="de-de" sz="1000" spc="-20" dirty="0">
+              <a:t>webinar series (Office </a:t>
+            </a:r>
+            <a:r>
+              <a:rPr sz="1000" spc="-15" dirty="0">
                 <a:solidFill>
                   <a:srgbClr val="020302"/>
                 </a:solidFill>
                 <a:latin typeface="AdobeClean-Light"/>
                 <a:cs typeface="AdobeClean-Light"/>
               </a:rPr>
-              <a:t>. 질문 </a:t>
-            </a:r>
-            <a:r>
-              <a:rPr lang="de-de" sz="1000" spc="-15" dirty="0">
+              <a:t>Hours) for </a:t>
+            </a:r>
+            <a:r>
+              <a:rPr sz="1000" spc="-20" dirty="0">
                 <a:solidFill>
                   <a:srgbClr val="020302"/>
                 </a:solidFill>
                 <a:latin typeface="AdobeClean-Light"/>
                 <a:cs typeface="AdobeClean-Light"/>
               </a:rPr>
-              <a:t>및</a:t>
-            </a:r>
-            <a:r>
-              <a:rPr lang="de-de" sz="1000" spc="-140" dirty="0">
+              <a:t>troubleshooting </a:t>
+            </a:r>
+            <a:r>
+              <a:rPr sz="1000" spc="-15" dirty="0">
                 <a:solidFill>
                   <a:srgbClr val="020302"/>
                 </a:solidFill>
                 <a:latin typeface="AdobeClean-Light"/>
                 <a:cs typeface="AdobeClean-Light"/>
               </a:rPr>
-              <a:t> </a:t>
-            </a:r>
-            <a:r>
-              <a:rPr lang="de-de" sz="1000" spc="-20" dirty="0">
+              <a:t>tips and </a:t>
+            </a:r>
+            <a:r>
+              <a:rPr sz="1000" spc="-20" dirty="0">
                 <a:solidFill>
                   <a:srgbClr val="020302"/>
                 </a:solidFill>
                 <a:latin typeface="AdobeClean-Light"/>
                 <a:cs typeface="AdobeClean-Light"/>
               </a:rPr>
-              <a:t>사례</a:t>
-            </a:r>
-            <a:r>
-              <a:rPr lang="de-de" sz="1000" dirty="0">
+              <a:t>tricks. Several channels </a:t>
+            </a:r>
+            <a:r>
+              <a:rPr lang="en-US" sz="1000" spc="-15" dirty="0">
+                <a:solidFill>
+                  <a:srgbClr val="020302"/>
+                </a:solidFill>
                 <a:latin typeface="AdobeClean-Light"/>
                 <a:cs typeface="AdobeClean-Light"/>
               </a:rPr>
-              <a:t> </a:t>
-            </a:r>
-            <a:r>
-              <a:rPr lang="de-de" sz="1000" spc="-25" dirty="0">
+              <a:t>are </a:t>
+            </a:r>
+            <a:r>
+              <a:rPr lang="en-US" sz="1000" spc="-20" dirty="0">
                 <a:solidFill>
                   <a:srgbClr val="020302"/>
                 </a:solidFill>
                 <a:latin typeface="AdobeClean-Light"/>
                 <a:cs typeface="AdobeClean-Light"/>
               </a:rPr>
-              <a:t>제출에</a:t>
-            </a:r>
-            <a:r>
-              <a:rPr lang="de-de" sz="1000" spc="-65" dirty="0">
-                <a:solidFill>
-                  <a:srgbClr val="020302"/>
-                </a:solidFill>
+              <a:t>also</a:t>
+            </a:r>
+            <a:r>
+              <a:rPr lang="en-US" sz="1000" dirty="0">
                 <a:latin typeface="AdobeClean-Light"/>
                 <a:cs typeface="AdobeClean-Light"/>
               </a:rPr>
               <a:t> </a:t>
             </a:r>
             <a:r>
-              <a:rPr lang="de-de" sz="1000" spc="-15" dirty="0">
+              <a:rPr sz="1000" spc="-25" dirty="0">
                 <a:solidFill>
                   <a:srgbClr val="020302"/>
                 </a:solidFill>
                 <a:latin typeface="AdobeClean-Light"/>
                 <a:cs typeface="AdobeClean-Light"/>
               </a:rPr>
-              <a:t>위한</a:t>
-            </a:r>
-            <a:r>
-              <a:rPr lang="de-de" sz="1000" spc="-25" dirty="0">
+              <a:t>available</a:t>
+            </a:r>
+            <a:r>
+              <a:rPr sz="1000" spc="-65" dirty="0">
                 <a:solidFill>
                   <a:srgbClr val="020302"/>
                 </a:solidFill>
@@ -8882,17 +9206,17 @@
               <a:t> </a:t>
             </a:r>
             <a:r>
-              <a:rPr lang="de-de" sz="1000" spc="-20" dirty="0">
+              <a:rPr sz="1000" spc="-15" dirty="0">
                 <a:solidFill>
                   <a:srgbClr val="020302"/>
                 </a:solidFill>
                 <a:latin typeface="AdobeClean-Light"/>
                 <a:cs typeface="AdobeClean-Light"/>
               </a:rPr>
-              <a:t>다양한</a:t>
-            </a:r>
-            <a:r>
-              <a:rPr lang="de-de" sz="1000" spc="-114" dirty="0">
+              <a:t>for</a:t>
+            </a:r>
+            <a:r>
+              <a:rPr sz="1000" spc="-25" dirty="0">
                 <a:solidFill>
                   <a:srgbClr val="020302"/>
                 </a:solidFill>
@@ -8902,17 +9226,17 @@
               <a:t> </a:t>
             </a:r>
             <a:r>
-              <a:rPr lang="de-de" sz="1000" spc="-15" dirty="0">
+              <a:rPr sz="1000" spc="-20" dirty="0">
                 <a:solidFill>
                   <a:srgbClr val="020302"/>
                 </a:solidFill>
                 <a:latin typeface="AdobeClean-Light"/>
                 <a:cs typeface="AdobeClean-Light"/>
               </a:rPr>
-              <a:t>채널도</a:t>
-            </a:r>
-            <a:r>
-              <a:rPr lang="de-de" sz="1000" spc="-45" dirty="0">
+              <a:t>questions</a:t>
+            </a:r>
+            <a:r>
+              <a:rPr sz="1000" spc="-114" dirty="0">
                 <a:solidFill>
                   <a:srgbClr val="020302"/>
                 </a:solidFill>
@@ -8922,17 +9246,17 @@
               <a:t> </a:t>
             </a:r>
             <a:r>
-              <a:rPr lang="de-de" sz="1000" spc="-20" dirty="0">
+              <a:rPr sz="1000" spc="-15" dirty="0">
                 <a:solidFill>
                   <a:srgbClr val="020302"/>
                 </a:solidFill>
                 <a:latin typeface="AdobeClean-Light"/>
                 <a:cs typeface="AdobeClean-Light"/>
               </a:rPr>
-              <a:t>제공됩니다.</a:t>
-            </a:r>
-            <a:r>
-              <a:rPr lang="de-de" sz="1000" spc="-35" dirty="0">
+              <a:t>and</a:t>
+            </a:r>
+            <a:r>
+              <a:rPr sz="1000" spc="-45" dirty="0">
                 <a:solidFill>
                   <a:srgbClr val="020302"/>
                 </a:solidFill>
@@ -8940,6 +9264,46 @@
                 <a:cs typeface="AdobeClean-Light"/>
               </a:rPr>
               <a:t> </a:t>
+            </a:r>
+            <a:r>
+              <a:rPr sz="1000" spc="-20" dirty="0">
+                <a:solidFill>
+                  <a:srgbClr val="020302"/>
+                </a:solidFill>
+                <a:latin typeface="AdobeClean-Light"/>
+                <a:cs typeface="AdobeClean-Light"/>
+              </a:rPr>
+              <a:t>case</a:t>
+            </a:r>
+            <a:r>
+              <a:rPr sz="1000" spc="-35" dirty="0">
+                <a:solidFill>
+                  <a:srgbClr val="020302"/>
+                </a:solidFill>
+                <a:latin typeface="AdobeClean-Light"/>
+                <a:cs typeface="AdobeClean-Light"/>
+              </a:rPr>
+              <a:t> </a:t>
+            </a:r>
+            <a:r>
+              <a:rPr sz="1000" spc="-20" dirty="0">
+                <a:solidFill>
+                  <a:srgbClr val="020302"/>
+                </a:solidFill>
+                <a:latin typeface="AdobeClean-Light"/>
+                <a:cs typeface="AdobeClean-Light"/>
+              </a:rPr>
+              <a:t>submissions</a:t>
+            </a:r>
+            <a:r>
+              <a:rPr lang="en-US" sz="1000" spc="-20" dirty="0">
+                <a:solidFill>
+                  <a:srgbClr val="020302"/>
+                </a:solidFill>
+                <a:latin typeface="AdobeClean-Light"/>
+                <a:cs typeface="AdobeClean-Light"/>
+              </a:rPr>
+              <a:t>.</a:t>
             </a:r>
             <a:endParaRPr sz="1000" dirty="0">
               <a:latin typeface="AdobeClean-Light"/>
@@ -8964,15 +9328,12 @@
           </a:prstGeom>
         </p:spPr>
         <p:txBody>
-          <a:bodyPr vert="horz" wrap="square" lIns="0" tIns="12700" rIns="0" bIns="0" rtlCol="0">
+          <a:bodyPr vert="horz" wrap="square" lIns="0" tIns="12700" rIns="0" bIns="0" rtlCol="0" anchor="t">
             <a:spAutoFit/>
           </a:bodyPr>
           <a:lstStyle/>
           <a:p>
             <a:pPr marL="33020" marR="159385">
-              <a:lnSpc>
-                <a:spcPct val="100000"/>
-              </a:lnSpc>
               <a:spcBef>
                 <a:spcPts val="100"/>
               </a:spcBef>
@@ -8981,137 +9342,137 @@
               </a:tabLst>
             </a:pPr>
             <a:r>
-              <a:rPr lang="de-de" sz="900" spc="-20" dirty="0">
+              <a:rPr sz="900" spc="-20" dirty="0">
                 <a:solidFill>
                   <a:srgbClr val="020302"/>
                 </a:solidFill>
                 <a:latin typeface="AdobeClean-Light"/>
                 <a:cs typeface="AdobeClean-Light"/>
               </a:rPr>
-              <a:t>답변을 </a:t>
-            </a:r>
-            <a:r>
-              <a:rPr lang="de-de" sz="900" dirty="0">
+              <a:t>Start </a:t>
+            </a:r>
+            <a:r>
+              <a:rPr sz="900" dirty="0">
                 <a:solidFill>
                   <a:srgbClr val="020302"/>
                 </a:solidFill>
                 <a:latin typeface="AdobeClean-Light"/>
                 <a:cs typeface="AdobeClean-Light"/>
               </a:rPr>
-              <a:t>얻고 </a:t>
-            </a:r>
-            <a:r>
-              <a:rPr lang="de-de" sz="900" spc="-15" dirty="0">
+              <a:t>a </a:t>
+            </a:r>
+            <a:r>
+              <a:rPr sz="900" spc="-15" dirty="0">
                 <a:solidFill>
                   <a:srgbClr val="020302"/>
                 </a:solidFill>
                 <a:latin typeface="AdobeClean-Light"/>
                 <a:cs typeface="AdobeClean-Light"/>
               </a:rPr>
-              <a:t>사례 </a:t>
-            </a:r>
-            <a:r>
-              <a:rPr lang="de-de" sz="900" spc="-10" dirty="0">
+              <a:t>chat </a:t>
+            </a:r>
+            <a:r>
+              <a:rPr sz="900" spc="-10" dirty="0">
                 <a:solidFill>
                   <a:srgbClr val="020302"/>
                 </a:solidFill>
                 <a:latin typeface="AdobeClean-Light"/>
                 <a:cs typeface="AdobeClean-Light"/>
               </a:rPr>
-              <a:t>제출 </a:t>
-            </a:r>
-            <a:r>
-              <a:rPr lang="de-de" sz="900" spc="-5" dirty="0">
+              <a:t>session </a:t>
+            </a:r>
+            <a:r>
+              <a:rPr sz="900" spc="-5" dirty="0">
                 <a:solidFill>
                   <a:srgbClr val="020302"/>
                 </a:solidFill>
                 <a:latin typeface="AdobeClean-Light"/>
                 <a:cs typeface="AdobeClean-Light"/>
               </a:rPr>
-              <a:t>관련 </a:t>
-            </a:r>
-            <a:r>
-              <a:rPr lang="de-de" sz="900" spc="-10" dirty="0">
+              <a:t>to </a:t>
+            </a:r>
+            <a:r>
+              <a:rPr sz="900" spc="-10" dirty="0">
                 <a:solidFill>
                   <a:srgbClr val="020302"/>
                 </a:solidFill>
                 <a:latin typeface="AdobeClean-Light"/>
                 <a:cs typeface="AdobeClean-Light"/>
               </a:rPr>
-              <a:t>도움을</a:t>
-            </a:r>
-            <a:r>
-              <a:rPr lang="de-de" sz="900" spc="30" dirty="0">
+              <a:t>get</a:t>
+            </a:r>
+            <a:r>
+              <a:rPr lang="en-US" sz="900" spc="-10" dirty="0">
                 <a:solidFill>
                   <a:srgbClr val="020302"/>
                 </a:solidFill>
                 <a:latin typeface="AdobeClean-Light"/>
                 <a:cs typeface="AdobeClean-Light"/>
               </a:rPr>
-              <a:t> </a:t>
-            </a:r>
-            <a:r>
-              <a:rPr lang="de-de" sz="900" spc="-20" dirty="0">
+              <a:t> </a:t>
+            </a:r>
+            <a:r>
+              <a:rPr sz="900" spc="30" dirty="0">
                 <a:solidFill>
                   <a:srgbClr val="020302"/>
                 </a:solidFill>
                 <a:latin typeface="AdobeClean-Light"/>
                 <a:cs typeface="AdobeClean-Light"/>
               </a:rPr>
-              <a:t>받을 수</a:t>
-            </a:r>
-            <a:r>
-              <a:rPr lang="de-de" sz="900" spc="-45" dirty="0">
+              <a:t> </a:t>
+            </a:r>
+            <a:r>
+              <a:rPr sz="900" spc="-20" dirty="0">
                 <a:solidFill>
                   <a:srgbClr val="020302"/>
                 </a:solidFill>
                 <a:latin typeface="AdobeClean-Light"/>
                 <a:cs typeface="AdobeClean-Light"/>
               </a:rPr>
-              <a:t> </a:t>
-            </a:r>
-            <a:r>
-              <a:rPr lang="de-de" sz="900" dirty="0">
+              <a:t>answers</a:t>
+            </a:r>
+            <a:r>
+              <a:rPr lang="en-US" sz="900" spc="-45" dirty="0">
                 <a:solidFill>
                   <a:srgbClr val="020302"/>
                 </a:solidFill>
                 <a:latin typeface="AdobeClean-Light"/>
                 <a:cs typeface="AdobeClean-Light"/>
               </a:rPr>
-              <a:t>있는 </a:t>
-            </a:r>
-            <a:r>
-              <a:rPr lang="de-de" sz="900" spc="-15" dirty="0">
+              <a:t> </a:t>
+            </a:r>
+            <a:r>
+              <a:rPr lang="en-US" sz="900" dirty="0">
                 <a:solidFill>
                   <a:srgbClr val="020302"/>
                 </a:solidFill>
                 <a:latin typeface="AdobeClean-Light"/>
                 <a:cs typeface="AdobeClean-Light"/>
               </a:rPr>
-              <a:t>채팅</a:t>
-            </a:r>
-            <a:r>
-              <a:rPr lang="de-de" sz="900" spc="-10" dirty="0">
+              <a:t>&amp; </a:t>
+            </a:r>
+            <a:r>
+              <a:rPr sz="900" spc="-15" dirty="0">
                 <a:solidFill>
                   <a:srgbClr val="020302"/>
                 </a:solidFill>
                 <a:latin typeface="AdobeClean-Light"/>
                 <a:cs typeface="AdobeClean-Light"/>
               </a:rPr>
-              <a:t> </a:t>
-            </a:r>
-            <a:r>
-              <a:rPr lang="de-de" sz="900" spc="85" dirty="0">
+              <a:t>help </a:t>
+            </a:r>
+            <a:r>
+              <a:rPr sz="900" spc="-10" dirty="0">
                 <a:solidFill>
                   <a:srgbClr val="020302"/>
                 </a:solidFill>
                 <a:latin typeface="AdobeClean-Light"/>
                 <a:cs typeface="AdobeClean-Light"/>
               </a:rPr>
-              <a:t>세션을</a:t>
-            </a:r>
-            <a:r>
-              <a:rPr lang="de-de" sz="900" spc="-10" dirty="0">
+              <a:t>with</a:t>
+            </a:r>
+            <a:r>
+              <a:rPr sz="900" spc="85" dirty="0">
                 <a:solidFill>
                   <a:srgbClr val="020302"/>
                 </a:solidFill>
@@ -9121,22 +9482,35 @@
               <a:t> </a:t>
             </a:r>
             <a:r>
-              <a:rPr lang="de-de" sz="900" spc="-20" dirty="0">
+              <a:rPr sz="900" spc="-10" dirty="0">
                 <a:solidFill>
                   <a:srgbClr val="020302"/>
                 </a:solidFill>
                 <a:latin typeface="AdobeClean-Light"/>
                 <a:cs typeface="AdobeClean-Light"/>
               </a:rPr>
-              <a:t>시작합니다.</a:t>
-            </a:r>
-            <a:endParaRPr lang="en-US" sz="900" spc="-20" dirty="0">
-              <a:solidFill>
-                <a:srgbClr val="020302"/>
-              </a:solidFill>
-              <a:latin typeface="AdobeClean-Light"/>
-              <a:cs typeface="AdobeClean-Light"/>
-            </a:endParaRPr>
+              <a:t>case </a:t>
+            </a:r>
+            <a:r>
+              <a:rPr sz="900" spc="-20" dirty="0">
+                <a:solidFill>
+                  <a:srgbClr val="020302"/>
+                </a:solidFill>
+                <a:latin typeface="AdobeClean-Light"/>
+                <a:cs typeface="AdobeClean-Light"/>
+              </a:rPr>
+              <a:t>submission</a:t>
+            </a:r>
+            <a:r>
+              <a:rPr lang="en-US" sz="900" spc="-20" dirty="0">
+                <a:solidFill>
+                  <a:srgbClr val="020302"/>
+                </a:solidFill>
+                <a:latin typeface="AdobeClean-Light"/>
+                <a:cs typeface="AdobeClean-Light"/>
+              </a:rPr>
+              <a:t>.</a:t>
+            </a:r>
           </a:p>
           <a:p>
             <a:pPr marL="33020" marR="159385">
@@ -9151,24 +9525,24 @@
               </a:tabLst>
             </a:pPr>
             <a:r>
-              <a:rPr lang="de-de" sz="900" i="1" spc="-10" dirty="0">
+              <a:rPr sz="900" i="1" spc="-10" dirty="0">
                 <a:solidFill>
                   <a:srgbClr val="7A7A7A"/>
                 </a:solidFill>
                 <a:latin typeface="AdobeClean-LightIt"/>
                 <a:cs typeface="AdobeClean-LightIt"/>
               </a:rPr>
-              <a:t>*모든 </a:t>
-            </a:r>
-            <a:r>
-              <a:rPr lang="de-de" sz="900" i="1" spc="-20" dirty="0">
+              <a:t>*Not all </a:t>
+            </a:r>
+            <a:r>
+              <a:rPr sz="900" i="1" spc="-20" dirty="0">
                 <a:solidFill>
                   <a:srgbClr val="7A7A7A"/>
                 </a:solidFill>
                 <a:latin typeface="AdobeClean-LightIt"/>
                 <a:cs typeface="AdobeClean-LightIt"/>
               </a:rPr>
-              <a:t>제품에 라이브 채팅이 지원되는 것은 아닙니다.  </a:t>
+              <a:t>products have live chat support.  </a:t>
             </a:r>
             <a:endParaRPr sz="900" dirty="0">
               <a:latin typeface="AdobeClean-Light"/>
@@ -9242,14 +9616,14 @@
               </a:spcBef>
             </a:pPr>
             <a:r>
-              <a:rPr lang="de-de" sz="1400" b="1" spc="-10" dirty="0">
+              <a:rPr lang="en-US" sz="1400" b="1" spc="-10" dirty="0">
                 <a:solidFill>
                   <a:srgbClr val="020302"/>
                 </a:solidFill>
                 <a:latin typeface="Adobe Clean"/>
                 <a:cs typeface="Adobe Clean"/>
               </a:rPr>
-              <a:t>온라인 지원</a:t>
+              <a:t>Online Support</a:t>
             </a:r>
             <a:endParaRPr lang="en-US" sz="1400" dirty="0">
               <a:latin typeface="Adobe Clean"/>
@@ -9301,12 +9675,12 @@
               <a:defRPr/>
             </a:pPr>
             <a:r>
-              <a:rPr lang="de-de" sz="1200" dirty="0">
+              <a:rPr lang="en-US" sz="1200" dirty="0">
                 <a:solidFill>
                   <a:srgbClr val="000000"/>
                 </a:solidFill>
               </a:rPr>
-              <a:t>커뮤니티 포럼</a:t>
+              <a:t>Community Forums</a:t>
             </a:r>
           </a:p>
         </p:txBody>
@@ -9349,12 +9723,12 @@
               </a:spcAft>
             </a:pPr>
             <a:r>
-              <a:rPr lang="de-de" sz="1200" b="1" dirty="0">
+              <a:rPr lang="en-US" sz="1200" b="1" dirty="0">
                 <a:latin typeface="+mj-lt"/>
                 <a:ea typeface="Open Sans" pitchFamily="34" charset="0"/>
                 <a:cs typeface="Open Sans" pitchFamily="34" charset="0"/>
               </a:rPr>
-              <a:t>온라인 포럼</a:t>
+              <a:t>Online Forums</a:t>
             </a:r>
           </a:p>
         </p:txBody>
@@ -9387,13 +9761,13 @@
           <a:lstStyle/>
           <a:p>
             <a:r>
-              <a:rPr lang="de-de" sz="1000" dirty="0">
+              <a:rPr lang="en-US" sz="1000" dirty="0">
                 <a:solidFill>
                   <a:srgbClr val="000000"/>
                 </a:solidFill>
                 <a:latin typeface="Adobe Clean Light" panose="020B0303020404020204" pitchFamily="34" charset="0"/>
               </a:rPr>
-              <a:t>기술 솔루션, 제품 문서, FAQ 등 증가하는 데이터베이스에 대한 지속적인 온라인 액세스. Adobe 커뮤니티에서 실무자 및 다른 고객과 소통하여 모범 사례 및 진행 중 얻은 개선 사항을 공유합니다.</a:t>
+              <a:t>Continuous online access to a growing database of technical solutions, product documentation, FAQs and more. Connect with practitioners and other customers on Adobe Community to share best practices and lessons learned.</a:t>
             </a:r>
           </a:p>
         </p:txBody>
@@ -9441,7 +9815,7 @@
               <a:defRPr/>
             </a:pPr>
             <a:r>
-              <a:rPr lang="de-de" sz="1200" dirty="0">
+              <a:rPr lang="en-US" sz="1200" dirty="0">
                 <a:solidFill>
                   <a:srgbClr val="000000"/>
                 </a:solidFill>
@@ -9489,12 +9863,12 @@
               </a:spcAft>
             </a:pPr>
             <a:r>
-              <a:rPr lang="de-de" sz="1200" b="1" dirty="0">
+              <a:rPr lang="en-US" sz="1200" b="1" dirty="0">
                 <a:latin typeface="+mj-lt"/>
                 <a:ea typeface="Open Sans" pitchFamily="34" charset="0"/>
                 <a:cs typeface="Open Sans" pitchFamily="34" charset="0"/>
               </a:rPr>
-              <a:t>셀프 가이드 여정</a:t>
+              <a:t>Self-guided Journeys</a:t>
             </a:r>
           </a:p>
         </p:txBody>
@@ -9527,13 +9901,13 @@
           <a:lstStyle/>
           <a:p>
             <a:r>
-              <a:rPr lang="de-de" sz="1000" dirty="0">
+              <a:rPr lang="en-US" sz="1000" dirty="0">
                 <a:solidFill>
                   <a:srgbClr val="000000"/>
                 </a:solidFill>
                 <a:latin typeface="Adobe Clean Light" panose="020B0303020404020204" pitchFamily="34" charset="0"/>
               </a:rPr>
-              <a:t>Experience 업체는 Experience League로 만들어집니다. 고객은 개인 맞춤형 학습을 통해 고객 경험 관리 능력에 시동을 걸어 기술을 개발하고 글로벌 동료 커뮤니티와 교류하며 경력 발전에 도움이 되는 인정을 얻을 수 있습니다. </a:t>
+              <a:t>Experience Makers are made with Experience League. Customers can kickstart their Customer Experience Management abilities with personalized learning to develop skills, engage with a global community of peers, and earn career advancing recognition. </a:t>
             </a:r>
           </a:p>
         </p:txBody>
@@ -9581,12 +9955,12 @@
               <a:defRPr/>
             </a:pPr>
             <a:r>
-              <a:rPr lang="de-de" sz="1200" dirty="0">
+              <a:rPr lang="en-US" sz="1200" dirty="0">
                 <a:solidFill>
                   <a:srgbClr val="000000"/>
                 </a:solidFill>
               </a:rPr>
-              <a:t>오피스 아워</a:t>
+              <a:t>Office Hours</a:t>
             </a:r>
           </a:p>
         </p:txBody>
@@ -9629,12 +10003,12 @@
               </a:spcAft>
             </a:pPr>
             <a:r>
-              <a:rPr lang="de-de" sz="1200" b="1" dirty="0">
+              <a:rPr lang="en-US" sz="1200" b="1" dirty="0">
                 <a:latin typeface="+mj-lt"/>
                 <a:ea typeface="Open Sans" pitchFamily="34" charset="0"/>
                 <a:cs typeface="Open Sans" pitchFamily="34" charset="0"/>
               </a:rPr>
-              <a:t>웨비나</a:t>
+              <a:t>Webinars</a:t>
             </a:r>
           </a:p>
         </p:txBody>
@@ -9667,13 +10041,13 @@
           <a:lstStyle/>
           <a:p>
             <a:r>
-              <a:rPr lang="de-de" sz="1000" dirty="0">
+              <a:rPr lang="en-US" sz="1000" dirty="0">
                 <a:solidFill>
                   <a:srgbClr val="000000"/>
                 </a:solidFill>
                 <a:latin typeface="Adobe Clean Light" panose="020B0303020404020204" pitchFamily="34" charset="0"/>
               </a:rPr>
-              <a:t>Adobe 고객 지원 팀에서 진행하는 오피스 아워(Office Hours)에는 참가자가 문제를 해결하도록 관련 정보를 제공하여 도움을 주고 Adobe 솔루션을 성공적으로 사용할 수 있는 팁과 요령을 제공하기 위해 설계된 세션들이 포함됩니다.</a:t>
+              <a:t>Office  Hours  led  by  the  Adobe  Customer Support  team  includes  sessions  designed to  inform  as  well  as  help  participants troubleshoot  problems  and  provide  tips and  tricks  for  success  with  Adobe  solutions.</a:t>
             </a:r>
           </a:p>
         </p:txBody>
@@ -9721,12 +10095,12 @@
               <a:defRPr/>
             </a:pPr>
             <a:r>
-              <a:rPr lang="de-de" sz="1200" dirty="0">
+              <a:rPr lang="en-US" sz="1200" dirty="0">
                 <a:solidFill>
                   <a:srgbClr val="000000"/>
                 </a:solidFill>
               </a:rPr>
-              <a:t>자가 진단 포털</a:t>
+              <a:t>Self-help Portals</a:t>
             </a:r>
           </a:p>
         </p:txBody>
@@ -9769,12 +10143,12 @@
               </a:spcAft>
             </a:pPr>
             <a:r>
-              <a:rPr lang="de-de" sz="1200" b="1" dirty="0">
+              <a:rPr lang="en-US" sz="1200" b="1" dirty="0">
                 <a:latin typeface="+mj-lt"/>
                 <a:ea typeface="Open Sans" pitchFamily="34" charset="0"/>
                 <a:cs typeface="Open Sans" pitchFamily="34" charset="0"/>
               </a:rPr>
-              <a:t>24/7 지원 포털</a:t>
+              <a:t>24/7 Support Portal</a:t>
             </a:r>
           </a:p>
         </p:txBody>
@@ -9807,13 +10181,13 @@
           <a:lstStyle/>
           <a:p>
             <a:r>
-              <a:rPr lang="de-de" sz="1000" dirty="0">
+              <a:rPr lang="en-US" sz="1000" dirty="0">
                 <a:solidFill>
                   <a:srgbClr val="000000"/>
                 </a:solidFill>
                 <a:latin typeface="Adobe Clean Light" panose="020B0303020404020204" pitchFamily="34" charset="0"/>
               </a:rPr>
-              <a:t>지원 요청을 제출하고 사례 상태를 검토하고 기술 자료, 뉴스 및 알림, 추천 팁 등과 같은 기타 리소스를 검색할 수 있는 온라인 자가 진단 지원 포털에 대한 온디맨드 액세스입니다.</a:t>
+              <a:t>On-demand access to the online Self-help Support Portal to submit support requests, review case status, and browse other resources, like our knowledgebase, news and alerts, featured tips, and more.</a:t>
             </a:r>
           </a:p>
         </p:txBody>
@@ -9861,12 +10235,12 @@
               <a:defRPr/>
             </a:pPr>
             <a:r>
-              <a:rPr lang="de-de" sz="1200" dirty="0">
+              <a:rPr lang="en-US" sz="1200" dirty="0">
                 <a:solidFill>
                   <a:srgbClr val="000000"/>
                 </a:solidFill>
               </a:rPr>
-              <a:t>라이브 채팅 지원*</a:t>
+              <a:t>Live Chat  Support*</a:t>
             </a:r>
           </a:p>
         </p:txBody>
@@ -9909,12 +10283,12 @@
               </a:spcAft>
             </a:pPr>
             <a:r>
-              <a:rPr lang="de-de" sz="1200" b="1" dirty="0">
+              <a:rPr lang="en-US" sz="1200" b="1" dirty="0">
                 <a:latin typeface="+mj-lt"/>
                 <a:ea typeface="Open Sans" pitchFamily="34" charset="0"/>
                 <a:cs typeface="Open Sans" pitchFamily="34" charset="0"/>
               </a:rPr>
-              <a:t>채팅 지원</a:t>
+              <a:t>Chat Support</a:t>
             </a:r>
           </a:p>
         </p:txBody>
@@ -9962,7 +10336,7 @@
               <a:defRPr/>
             </a:pPr>
             <a:r>
-              <a:rPr lang="de-de" sz="1200" dirty="0">
+              <a:rPr lang="en-US" sz="1200" dirty="0">
                 <a:solidFill>
                   <a:srgbClr val="000000"/>
                 </a:solidFill>
@@ -10010,12 +10384,12 @@
               </a:spcAft>
             </a:pPr>
             <a:r>
-              <a:rPr lang="de-de" sz="1200" b="1" dirty="0">
+              <a:rPr lang="en-US" sz="1200" b="1" dirty="0">
                 <a:latin typeface="+mj-lt"/>
                 <a:ea typeface="Open Sans" pitchFamily="34" charset="0"/>
                 <a:cs typeface="Open Sans" pitchFamily="34" charset="0"/>
               </a:rPr>
-              <a:t>전화 지원</a:t>
+              <a:t>Phone  Support</a:t>
             </a:r>
           </a:p>
         </p:txBody>
@@ -10048,19 +10422,19 @@
           <a:lstStyle/>
           <a:p>
             <a:r>
-              <a:rPr lang="de-de" sz="1000" dirty="0">
+              <a:rPr lang="en-US" sz="1000" dirty="0">
                 <a:solidFill>
                   <a:srgbClr val="020302"/>
                 </a:solidFill>
                 <a:latin typeface="AdobeClean-Light"/>
               </a:rPr>
-              <a:t>승인된 사용자 또는 지정 지원 담당자</a:t>
-            </a:r>
-            <a:r>
-              <a:rPr lang="de-de" sz="1000" dirty="0">
+              <a:t>Authorized users or Named Support Contacts </a:t>
+            </a:r>
+            <a:r>
+              <a:rPr lang="en-US" sz="1000" dirty="0">
                 <a:latin typeface="Adobe Clean Light" panose="020B0303020404020204" pitchFamily="34" charset="0"/>
               </a:rPr>
-              <a:t>는 사용 가능한 모든 채널(P1용 전화 포함)을 통해 문제를 제출하고 귀사를 대신하여 기술 지원 팀과 상호 작용할 수 있습니다. </a:t>
+              <a:t>can submit issues through all available  channels (including phone for P1) and interact with our technical support team on behalf of your company. </a:t>
             </a:r>
             <a:endParaRPr lang="en-US" sz="1000" dirty="0">
               <a:solidFill>
@@ -10090,7 +10464,7 @@
         <p:spPr>
           <a:xfrm>
             <a:off x="5253416" y="9862966"/>
-            <a:ext cx="2823784" cy="132729"/>
+            <a:ext cx="2270125" cy="132729"/>
           </a:xfrm>
           <a:prstGeom prst="rect">
             <a:avLst/>
@@ -10111,23 +10485,31 @@
               </a:spcBef>
             </a:pPr>
             <a:r>
-              <a:rPr lang="de-de" spc="-5" dirty="0"/>
-              <a:t>©2021 Adobe. All Rights Reserved. Adobe</a:t>
-            </a:r>
-            <a:r>
-              <a:rPr lang="de-de" spc="60" dirty="0"/>
+              <a:rPr spc="-5" dirty="0"/>
+              <a:t>©202</a:t>
+            </a:r>
+            <a:r>
+              <a:rPr lang="en-US" spc="-5" dirty="0"/>
+              <a:t>1</a:t>
+            </a:r>
+            <a:r>
+              <a:rPr spc="-5" dirty="0"/>
+              <a:t> Adobe. All Rights Reserved. Adobe</a:t>
+            </a:r>
+            <a:r>
+              <a:rPr spc="60" dirty="0"/>
               <a:t> </a:t>
             </a:r>
             <a:r>
-              <a:rPr lang="de-de" spc="-5" dirty="0"/>
-              <a:t>기밀.</a:t>
+              <a:rPr spc="-5" dirty="0"/>
+              <a:t>Confidential.</a:t>
             </a:r>
           </a:p>
         </p:txBody>
       </p:sp>
       <p:pic>
         <p:nvPicPr>
-          <p:cNvPr id="40" name="Graphic 39" descr="고객 리뷰 개요">
+          <p:cNvPr id="40" name="Graphic 39" descr="Customer review outline">
             <a:extLst>
               <a:ext uri="{FF2B5EF4-FFF2-40B4-BE49-F238E27FC236}">
                 <a16:creationId xmlns:a16="http://schemas.microsoft.com/office/drawing/2014/main" id="{4E262C55-4C32-2544-98DA-C02B8E971D1B}"/>
@@ -10166,7 +10548,7 @@
       </p:pic>
       <p:pic>
         <p:nvPicPr>
-          <p:cNvPr id="43" name="Graphic 42" descr="원격 학습 언어 개요">
+          <p:cNvPr id="43" name="Graphic 42" descr="Remote learning language outline">
             <a:extLst>
               <a:ext uri="{FF2B5EF4-FFF2-40B4-BE49-F238E27FC236}">
                 <a16:creationId xmlns:a16="http://schemas.microsoft.com/office/drawing/2014/main" id="{E6296687-6BD9-6048-A379-6D8F8F04D10C}"/>
@@ -10205,7 +10587,7 @@
       </p:pic>
       <p:pic>
         <p:nvPicPr>
-          <p:cNvPr id="44" name="Graphic 43" descr="길잡이 개요">
+          <p:cNvPr id="44" name="Graphic 43" descr="Signpost outline">
             <a:extLst>
               <a:ext uri="{FF2B5EF4-FFF2-40B4-BE49-F238E27FC236}">
                 <a16:creationId xmlns:a16="http://schemas.microsoft.com/office/drawing/2014/main" id="{A7AEBE03-711D-0D45-9260-22F215047C1D}"/>
@@ -10244,7 +10626,7 @@
       </p:pic>
       <p:pic>
         <p:nvPicPr>
-          <p:cNvPr id="45" name="Graphic 44" descr="인터넷 개요">
+          <p:cNvPr id="45" name="Graphic 44" descr="Internet outline">
             <a:extLst>
               <a:ext uri="{FF2B5EF4-FFF2-40B4-BE49-F238E27FC236}">
                 <a16:creationId xmlns:a16="http://schemas.microsoft.com/office/drawing/2014/main" id="{53393DA1-2F49-204A-98D0-CC1953C765FE}"/>
@@ -10283,7 +10665,7 @@
       </p:pic>
       <p:pic>
         <p:nvPicPr>
-          <p:cNvPr id="47" name="Graphic 46" descr="말풍선 개요">
+          <p:cNvPr id="47" name="Graphic 46" descr="Chat bubble outline">
             <a:extLst>
               <a:ext uri="{FF2B5EF4-FFF2-40B4-BE49-F238E27FC236}">
                 <a16:creationId xmlns:a16="http://schemas.microsoft.com/office/drawing/2014/main" id="{FE42C6EE-710B-DF4A-BC9E-4EF15D56E0B2}"/>
@@ -10322,7 +10704,7 @@
       </p:pic>
       <p:pic>
         <p:nvPicPr>
-          <p:cNvPr id="51" name="Graphic 50" descr="스피커폰 개요">
+          <p:cNvPr id="51" name="Graphic 50" descr="Speaker phone outline">
             <a:extLst>
               <a:ext uri="{FF2B5EF4-FFF2-40B4-BE49-F238E27FC236}">
                 <a16:creationId xmlns:a16="http://schemas.microsoft.com/office/drawing/2014/main" id="{38A761D0-3F50-2A48-8BEE-9A284E6142EE}"/>
@@ -10411,17 +10793,17 @@
               </a:lnSpc>
             </a:pPr>
             <a:r>
-              <a:rPr lang="de-de" sz="500" spc="-5" dirty="0">
+              <a:rPr sz="500" spc="-5" dirty="0">
                 <a:solidFill>
                   <a:srgbClr val="6C6C6C"/>
                 </a:solidFill>
                 <a:latin typeface="Adobe Clean"/>
                 <a:cs typeface="Adobe Clean"/>
               </a:rPr>
-              <a:t>© 2020 Adobe.  All Rights Reserved. </a:t>
-            </a:r>
-            <a:r>
-              <a:rPr lang="de-de" sz="500" dirty="0">
+              <a:t>©2020 Adobe. All Rights Reserved. </a:t>
+            </a:r>
+            <a:r>
+              <a:rPr sz="500" dirty="0">
                 <a:solidFill>
                   <a:srgbClr val="6C6C6C"/>
                 </a:solidFill>
@@ -10431,7 +10813,7 @@
               <a:t>Adobe</a:t>
             </a:r>
             <a:r>
-              <a:rPr lang="de-de" sz="500" spc="5" dirty="0">
+              <a:rPr sz="500" spc="5" dirty="0">
                 <a:solidFill>
                   <a:srgbClr val="6C6C6C"/>
                 </a:solidFill>
@@ -10441,14 +10823,14 @@
               <a:t> </a:t>
             </a:r>
             <a:r>
-              <a:rPr lang="de-de" sz="500" spc="-5" dirty="0">
+              <a:rPr sz="500" spc="-5" dirty="0">
                 <a:solidFill>
                   <a:srgbClr val="6C6C6C"/>
                 </a:solidFill>
                 <a:latin typeface="Adobe Clean"/>
                 <a:cs typeface="Adobe Clean"/>
               </a:rPr>
-              <a:t>기밀.</a:t>
+              <a:t>Confidential.</a:t>
             </a:r>
             <a:endParaRPr sz="500">
               <a:latin typeface="Adobe Clean"/>
@@ -10479,17 +10861,17 @@
               </a:spcBef>
             </a:pPr>
             <a:r>
-              <a:rPr lang="de-de" sz="800" spc="-5" dirty="0">
+              <a:rPr sz="800" spc="-5" dirty="0">
                 <a:solidFill>
                   <a:srgbClr val="6D6D6D"/>
                 </a:solidFill>
                 <a:latin typeface="Adobe Clean"/>
                 <a:cs typeface="Adobe Clean"/>
               </a:rPr>
-              <a:t>© 2020 Adobe.  All Rights Reserved. Adobe</a:t>
-            </a:r>
-            <a:r>
-              <a:rPr lang="de-de" sz="800" spc="75" dirty="0">
+              <a:t>©2020 Adobe. All Rights Reserved. Adobe</a:t>
+            </a:r>
+            <a:r>
+              <a:rPr sz="800" spc="75" dirty="0">
                 <a:solidFill>
                   <a:srgbClr val="6D6D6D"/>
                 </a:solidFill>
@@ -10499,14 +10881,14 @@
               <a:t> </a:t>
             </a:r>
             <a:r>
-              <a:rPr lang="de-de" sz="800" spc="-5" dirty="0">
+              <a:rPr sz="800" spc="-5" dirty="0">
                 <a:solidFill>
                   <a:srgbClr val="6D6D6D"/>
                 </a:solidFill>
                 <a:latin typeface="Adobe Clean"/>
                 <a:cs typeface="Adobe Clean"/>
               </a:rPr>
-              <a:t>기밀.</a:t>
+              <a:t>Confidential.</a:t>
             </a:r>
             <a:endParaRPr sz="800">
               <a:latin typeface="Adobe Clean"/>
@@ -10595,14 +10977,14 @@
               </a:spcBef>
             </a:pPr>
             <a:r>
-              <a:rPr lang="de-de" sz="1400" b="1" spc="-15" dirty="0">
+              <a:rPr lang="en-US" sz="1400" b="1" spc="-15" dirty="0">
                 <a:solidFill>
                   <a:srgbClr val="020302"/>
                 </a:solidFill>
                 <a:latin typeface="Adobe Clean"/>
                 <a:cs typeface="Adobe Clean"/>
               </a:rPr>
-              <a:t>리소스</a:t>
+              <a:t>Resources</a:t>
             </a:r>
             <a:endParaRPr sz="1400" dirty="0">
               <a:latin typeface="Adobe Clean"/>
@@ -10620,14 +11002,14 @@
         <p:spPr>
           <a:xfrm>
             <a:off x="6754821" y="9283729"/>
-            <a:ext cx="930275" cy="662305"/>
+            <a:ext cx="930275" cy="758541"/>
           </a:xfrm>
           <a:prstGeom prst="rect">
             <a:avLst/>
           </a:prstGeom>
         </p:spPr>
         <p:txBody>
-          <a:bodyPr vert="horz" wrap="square" lIns="0" tIns="12065" rIns="0" bIns="0" rtlCol="0">
+          <a:bodyPr vert="horz" wrap="square" lIns="0" tIns="12065" rIns="0" bIns="0" rtlCol="0" anchor="t">
             <a:spAutoFit/>
           </a:bodyPr>
           <a:lstStyle/>
@@ -10641,7 +11023,7 @@
               </a:spcBef>
             </a:pPr>
             <a:r>
-              <a:rPr lang="de-de" sz="800" spc="-15" dirty="0">
+              <a:rPr sz="800" spc="-15" dirty="0">
                 <a:solidFill>
                   <a:srgbClr val="777879"/>
                 </a:solidFill>
@@ -10662,36 +11044,26 @@
               </a:lnSpc>
             </a:pPr>
             <a:r>
-              <a:rPr lang="de-de" sz="800" spc="-15" dirty="0">
+              <a:rPr sz="800" spc="-15" dirty="0">
                 <a:solidFill>
                   <a:srgbClr val="777879"/>
                 </a:solidFill>
                 <a:latin typeface="Adobe Clean"/>
                 <a:cs typeface="Adobe Clean"/>
               </a:rPr>
-              <a:t>345 Park</a:t>
-            </a:r>
-            <a:r>
-              <a:rPr lang="de-de" sz="800" spc="-100" dirty="0">
+              <a:t>345 </a:t>
+            </a:r>
+            <a:r>
+              <a:rPr lang="en-US" sz="800" spc="-15" dirty="0">
                 <a:solidFill>
                   <a:srgbClr val="777879"/>
                 </a:solidFill>
                 <a:latin typeface="Adobe Clean"/>
                 <a:cs typeface="Adobe Clean"/>
               </a:rPr>
-              <a:t> </a:t>
-            </a:r>
-            <a:r>
-              <a:rPr lang="de-de" sz="800" spc="-15" dirty="0">
-                <a:solidFill>
-                  <a:srgbClr val="777879"/>
-                </a:solidFill>
-                <a:latin typeface="Adobe Clean"/>
-                <a:cs typeface="Adobe Clean"/>
-              </a:rPr>
-              <a:t>Avenue</a:t>
-            </a:r>
-            <a:endParaRPr sz="800">
+              <a:t>Park Avenue</a:t>
+            </a:r>
+            <a:endParaRPr sz="800" dirty="0">
               <a:latin typeface="Adobe Clean"/>
               <a:cs typeface="Adobe Clean"/>
             </a:endParaRPr>
@@ -10703,7 +11075,7 @@
               </a:lnSpc>
             </a:pPr>
             <a:r>
-              <a:rPr lang="de-de" sz="800" spc="-10" dirty="0">
+              <a:rPr sz="800" spc="-10" dirty="0">
                 <a:solidFill>
                   <a:srgbClr val="777879"/>
                 </a:solidFill>
@@ -10713,7 +11085,7 @@
               <a:t>San </a:t>
             </a:r>
             <a:r>
-              <a:rPr lang="de-de" sz="800" spc="-15" dirty="0">
+              <a:rPr sz="800" spc="-15" dirty="0">
                 <a:solidFill>
                   <a:srgbClr val="777879"/>
                 </a:solidFill>
@@ -10723,7 +11095,7 @@
               <a:t>Jose,</a:t>
             </a:r>
             <a:r>
-              <a:rPr lang="de-de" sz="800" spc="-140" dirty="0">
+              <a:rPr sz="800" spc="-140" dirty="0">
                 <a:solidFill>
                   <a:srgbClr val="777879"/>
                 </a:solidFill>
@@ -10733,7 +11105,7 @@
               <a:t> </a:t>
             </a:r>
             <a:r>
-              <a:rPr lang="de-de" sz="800" spc="-20" dirty="0">
+              <a:rPr sz="800" spc="-20" dirty="0">
                 <a:solidFill>
                   <a:srgbClr val="777879"/>
                 </a:solidFill>
@@ -10757,7 +11129,7 @@
               </a:spcBef>
             </a:pPr>
             <a:r>
-              <a:rPr lang="de-de" sz="800" spc="-10" dirty="0">
+              <a:rPr sz="800" spc="-10" dirty="0">
                 <a:solidFill>
                   <a:srgbClr val="777879"/>
                 </a:solidFill>
@@ -10781,7 +11153,7 @@
               </a:spcBef>
             </a:pPr>
             <a:r>
-              <a:rPr lang="de-de" sz="800" u="sng" spc="-25" dirty="0">
+              <a:rPr sz="800" u="sng" spc="-25" dirty="0">
                 <a:solidFill>
                   <a:srgbClr val="5F5F5F"/>
                 </a:solidFill>
@@ -10794,7 +11166,7 @@
                 <a:cs typeface="Adobe Clean"/>
                 <a:hlinkClick r:id="rId3"/>
               </a:rPr>
-              <a:t>www.adobe.com/kr/</a:t>
+              <a:t>www.adobe.com</a:t>
             </a:r>
             <a:endParaRPr sz="800">
               <a:latin typeface="Adobe Clean"/>
@@ -10960,7 +11332,7 @@
           </a:prstGeom>
         </p:spPr>
         <p:txBody>
-          <a:bodyPr vert="horz" wrap="square" lIns="0" tIns="29845" rIns="0" bIns="0" rtlCol="0">
+          <a:bodyPr vert="horz" wrap="square" lIns="0" tIns="29845" rIns="0" bIns="0" rtlCol="0" anchor="t">
             <a:spAutoFit/>
           </a:bodyPr>
           <a:lstStyle/>
@@ -10974,17 +11346,17 @@
               </a:spcBef>
             </a:pPr>
             <a:r>
-              <a:rPr lang="de-de" sz="1100" i="1" spc="-10" dirty="0">
+              <a:rPr sz="1100" i="1" spc="-10" dirty="0">
                 <a:solidFill>
                   <a:srgbClr val="777879"/>
                 </a:solidFill>
                 <a:latin typeface="AdobeClean-LightIt"/>
                 <a:cs typeface="AdobeClean-LightIt"/>
               </a:rPr>
-              <a:t>Adobe</a:t>
-            </a:r>
-            <a:r>
-              <a:rPr lang="de-de" sz="1100" i="1" spc="-50" dirty="0">
+              <a:t>To</a:t>
+            </a:r>
+            <a:r>
+              <a:rPr sz="1100" i="1" spc="-50" dirty="0">
                 <a:solidFill>
                   <a:srgbClr val="777879"/>
                 </a:solidFill>
@@ -10994,17 +11366,17 @@
               <a:t> </a:t>
             </a:r>
             <a:r>
-              <a:rPr lang="de-de" sz="1100" i="1" spc="-15" dirty="0">
+              <a:rPr sz="1100" i="1" spc="-15" dirty="0">
                 <a:solidFill>
                   <a:srgbClr val="777879"/>
                 </a:solidFill>
                 <a:latin typeface="AdobeClean-LightIt"/>
                 <a:cs typeface="AdobeClean-LightIt"/>
               </a:rPr>
-              <a:t>지원</a:t>
-            </a:r>
-            <a:r>
-              <a:rPr lang="de-de" sz="1100" i="1" spc="-40" dirty="0">
+              <a:t>learn</a:t>
+            </a:r>
+            <a:r>
+              <a:rPr sz="1100" i="1" spc="-40" dirty="0">
                 <a:solidFill>
                   <a:srgbClr val="777879"/>
                 </a:solidFill>
@@ -11014,17 +11386,17 @@
               <a:t> </a:t>
             </a:r>
             <a:r>
-              <a:rPr lang="de-de" sz="1100" i="1" spc="-15" dirty="0">
+              <a:rPr sz="1100" i="1" spc="-15" dirty="0">
                 <a:solidFill>
                   <a:srgbClr val="777879"/>
                 </a:solidFill>
                 <a:latin typeface="AdobeClean-LightIt"/>
                 <a:cs typeface="AdobeClean-LightIt"/>
               </a:rPr>
-              <a:t>서비스</a:t>
-            </a:r>
-            <a:r>
-              <a:rPr lang="de-de" sz="1100" i="1" spc="-45" dirty="0">
+              <a:t>more</a:t>
+            </a:r>
+            <a:r>
+              <a:rPr sz="1100" i="1" spc="-45" dirty="0">
                 <a:solidFill>
                   <a:srgbClr val="777879"/>
                 </a:solidFill>
@@ -11034,17 +11406,17 @@
               <a:t> </a:t>
             </a:r>
             <a:r>
-              <a:rPr lang="de-de" sz="1100" i="1" spc="-15" dirty="0">
+              <a:rPr sz="1100" i="1" spc="-15" dirty="0">
                 <a:solidFill>
                   <a:srgbClr val="777879"/>
                 </a:solidFill>
                 <a:latin typeface="AdobeClean-LightIt"/>
                 <a:cs typeface="AdobeClean-LightIt"/>
               </a:rPr>
-              <a:t>제공</a:t>
-            </a:r>
-            <a:r>
-              <a:rPr lang="de-de" sz="1100" i="1" spc="-45" dirty="0">
+              <a:t>about</a:t>
+            </a:r>
+            <a:r>
+              <a:rPr sz="1100" i="1" spc="-45" dirty="0">
                 <a:solidFill>
                   <a:srgbClr val="777879"/>
                 </a:solidFill>
@@ -11054,17 +11426,17 @@
               <a:t> </a:t>
             </a:r>
             <a:r>
-              <a:rPr lang="de-de" sz="1100" i="1" spc="-15" dirty="0">
+              <a:rPr sz="1100" i="1" spc="-15" dirty="0">
                 <a:solidFill>
                   <a:srgbClr val="777879"/>
                 </a:solidFill>
                 <a:latin typeface="AdobeClean-LightIt"/>
                 <a:cs typeface="AdobeClean-LightIt"/>
               </a:rPr>
-              <a:t>사항</a:t>
-            </a:r>
-            <a:r>
-              <a:rPr lang="de-de" sz="1100" i="1" spc="-60" dirty="0">
+              <a:t>Adobe</a:t>
+            </a:r>
+            <a:r>
+              <a:rPr sz="1100" i="1" spc="-60" dirty="0">
                 <a:solidFill>
                   <a:srgbClr val="777879"/>
                 </a:solidFill>
@@ -11074,27 +11446,27 @@
               <a:t> </a:t>
             </a:r>
             <a:r>
-              <a:rPr lang="de-de" sz="1100" i="1" spc="-15" dirty="0">
+              <a:rPr sz="1100" i="1" spc="-15" dirty="0">
                 <a:solidFill>
                   <a:srgbClr val="777879"/>
                 </a:solidFill>
                 <a:latin typeface="AdobeClean-LightIt"/>
                 <a:cs typeface="AdobeClean-LightIt"/>
               </a:rPr>
-              <a:t>및 </a:t>
-            </a:r>
-            <a:r>
-              <a:rPr lang="de-de" sz="1100" i="1" spc="-75" dirty="0">
+              <a:t>Support</a:t>
+            </a:r>
+            <a:r>
+              <a:rPr lang="en-US" sz="1100" i="1" spc="-15" dirty="0">
                 <a:solidFill>
                   <a:srgbClr val="777879"/>
                 </a:solidFill>
                 <a:latin typeface="AdobeClean-LightIt"/>
                 <a:cs typeface="AdobeClean-LightIt"/>
               </a:rPr>
-              <a:t>적합한</a:t>
-            </a:r>
-            <a:r>
-              <a:rPr lang="de-de" sz="1100" i="1" spc="-15" dirty="0">
+              <a:t> Offerings</a:t>
+            </a:r>
+            <a:r>
+              <a:rPr sz="1100" i="1" spc="-75" dirty="0">
                 <a:solidFill>
                   <a:srgbClr val="777879"/>
                 </a:solidFill>
@@ -11104,17 +11476,17 @@
               <a:t> </a:t>
             </a:r>
             <a:r>
-              <a:rPr lang="de-de" sz="1100" i="1" spc="-50" dirty="0">
+              <a:rPr sz="1100" i="1" spc="-15" dirty="0">
                 <a:solidFill>
                   <a:srgbClr val="777879"/>
                 </a:solidFill>
                 <a:latin typeface="AdobeClean-LightIt"/>
                 <a:cs typeface="AdobeClean-LightIt"/>
               </a:rPr>
-              <a:t>지원</a:t>
-            </a:r>
-            <a:r>
-              <a:rPr lang="de-de" sz="1100" i="1" spc="-15" dirty="0">
+              <a:t>and</a:t>
+            </a:r>
+            <a:r>
+              <a:rPr sz="1100" i="1" spc="-50" dirty="0">
                 <a:solidFill>
                   <a:srgbClr val="777879"/>
                 </a:solidFill>
@@ -11124,17 +11496,17 @@
               <a:t> </a:t>
             </a:r>
             <a:r>
-              <a:rPr lang="de-de" sz="1100" i="1" spc="-55" dirty="0">
+              <a:rPr sz="1100" i="1" spc="-15" dirty="0">
                 <a:solidFill>
                   <a:srgbClr val="777879"/>
                 </a:solidFill>
                 <a:latin typeface="AdobeClean-LightIt"/>
                 <a:cs typeface="AdobeClean-LightIt"/>
               </a:rPr>
-              <a:t>수준에</a:t>
-            </a:r>
-            <a:r>
-              <a:rPr lang="de-de" sz="1100" i="1" spc="-15" dirty="0">
+              <a:t>the</a:t>
+            </a:r>
+            <a:r>
+              <a:rPr sz="1100" i="1" spc="-55" dirty="0">
                 <a:solidFill>
                   <a:srgbClr val="777879"/>
                 </a:solidFill>
@@ -11144,17 +11516,17 @@
               <a:t> </a:t>
             </a:r>
             <a:r>
-              <a:rPr lang="de-de" sz="1100" i="1" spc="-95" dirty="0">
+              <a:rPr sz="1100" i="1" spc="-15" dirty="0">
                 <a:solidFill>
                   <a:srgbClr val="777879"/>
                 </a:solidFill>
                 <a:latin typeface="AdobeClean-LightIt"/>
                 <a:cs typeface="AdobeClean-LightIt"/>
               </a:rPr>
-              <a:t>대해</a:t>
-            </a:r>
-            <a:r>
-              <a:rPr lang="de-de" sz="1100" i="1" spc="-15" dirty="0">
+              <a:t>right</a:t>
+            </a:r>
+            <a:r>
+              <a:rPr sz="1100" i="1" spc="-95" dirty="0">
                 <a:solidFill>
                   <a:srgbClr val="777879"/>
                 </a:solidFill>
@@ -11164,17 +11536,17 @@
               <a:t> </a:t>
             </a:r>
             <a:r>
-              <a:rPr lang="de-de" sz="1100" i="1" spc="-55" dirty="0">
+              <a:rPr sz="1100" i="1" spc="-15" dirty="0">
                 <a:solidFill>
                   <a:srgbClr val="777879"/>
                 </a:solidFill>
                 <a:latin typeface="AdobeClean-LightIt"/>
                 <a:cs typeface="AdobeClean-LightIt"/>
               </a:rPr>
-              <a:t>자세히</a:t>
-            </a:r>
-            <a:r>
-              <a:rPr lang="de-de" sz="1100" i="1" spc="-15" dirty="0">
+              <a:t>level</a:t>
+            </a:r>
+            <a:r>
+              <a:rPr sz="1100" i="1" spc="-55" dirty="0">
                 <a:solidFill>
                   <a:srgbClr val="777879"/>
                 </a:solidFill>
@@ -11184,17 +11556,17 @@
               <a:t> </a:t>
             </a:r>
             <a:r>
-              <a:rPr lang="de-de" sz="1100" i="1" spc="-85" dirty="0">
+              <a:rPr sz="1100" i="1" spc="-15" dirty="0">
                 <a:solidFill>
                   <a:srgbClr val="777879"/>
                 </a:solidFill>
                 <a:latin typeface="AdobeClean-LightIt"/>
                 <a:cs typeface="AdobeClean-LightIt"/>
               </a:rPr>
-              <a:t>알아보려면</a:t>
-            </a:r>
-            <a:r>
-              <a:rPr lang="de-de" sz="1100" i="1" spc="-15" dirty="0">
+              <a:t>for</a:t>
+            </a:r>
+            <a:r>
+              <a:rPr sz="1100" i="1" spc="-85" dirty="0">
                 <a:solidFill>
                   <a:srgbClr val="777879"/>
                 </a:solidFill>
@@ -11204,17 +11576,17 @@
               <a:t> </a:t>
             </a:r>
             <a:r>
-              <a:rPr lang="de-de" sz="1100" i="1" spc="-65" dirty="0">
+              <a:rPr sz="1100" i="1" spc="-15" dirty="0">
                 <a:solidFill>
                   <a:srgbClr val="777879"/>
                 </a:solidFill>
                 <a:latin typeface="AdobeClean-LightIt"/>
                 <a:cs typeface="AdobeClean-LightIt"/>
               </a:rPr>
-              <a:t>지정</a:t>
-            </a:r>
-            <a:r>
-              <a:rPr lang="de-de" sz="1100" i="1" spc="-15" dirty="0">
+              <a:t>you,</a:t>
+            </a:r>
+            <a:r>
+              <a:rPr sz="1100" i="1" spc="-65" dirty="0">
                 <a:solidFill>
                   <a:srgbClr val="777879"/>
                 </a:solidFill>
@@ -11224,17 +11596,17 @@
               <a:t> </a:t>
             </a:r>
             <a:r>
-              <a:rPr lang="de-de" sz="1100" i="1" spc="-85" dirty="0">
+              <a:rPr sz="1100" i="1" spc="-15" dirty="0">
                 <a:solidFill>
                   <a:srgbClr val="777879"/>
                 </a:solidFill>
                 <a:latin typeface="AdobeClean-LightIt"/>
                 <a:cs typeface="AdobeClean-LightIt"/>
               </a:rPr>
-              <a:t>계정</a:t>
-            </a:r>
-            <a:r>
-              <a:rPr lang="de-de" sz="1100" i="1" spc="-15" dirty="0">
+              <a:t>contact</a:t>
+            </a:r>
+            <a:r>
+              <a:rPr sz="1100" i="1" spc="-85" dirty="0">
                 <a:solidFill>
                   <a:srgbClr val="777879"/>
                 </a:solidFill>
@@ -11244,17 +11616,17 @@
               <a:t> </a:t>
             </a:r>
             <a:r>
-              <a:rPr lang="de-de" sz="1100" i="1" spc="-70" dirty="0">
+              <a:rPr sz="1100" i="1" spc="-15" dirty="0">
                 <a:solidFill>
                   <a:srgbClr val="777879"/>
                 </a:solidFill>
                 <a:latin typeface="AdobeClean-LightIt"/>
                 <a:cs typeface="AdobeClean-LightIt"/>
               </a:rPr>
-              <a:t>관리자(NAM)</a:t>
-            </a:r>
-            <a:r>
-              <a:rPr lang="de-de" sz="1100" i="1" spc="-15" dirty="0">
+              <a:t>your</a:t>
+            </a:r>
+            <a:r>
+              <a:rPr sz="1100" i="1" spc="-70" dirty="0">
                 <a:solidFill>
                   <a:srgbClr val="777879"/>
                 </a:solidFill>
@@ -11264,17 +11636,17 @@
               <a:t> </a:t>
             </a:r>
             <a:r>
-              <a:rPr lang="de-de" sz="1100" i="1" spc="-55" dirty="0">
+              <a:rPr sz="1100" i="1" spc="-15" dirty="0">
                 <a:solidFill>
                   <a:srgbClr val="777879"/>
                 </a:solidFill>
                 <a:latin typeface="AdobeClean-LightIt"/>
                 <a:cs typeface="AdobeClean-LightIt"/>
               </a:rPr>
-              <a:t>또는</a:t>
-            </a:r>
-            <a:r>
-              <a:rPr lang="de-de" sz="1100" i="1" spc="-25" dirty="0">
+              <a:t>Named</a:t>
+            </a:r>
+            <a:r>
+              <a:rPr sz="1100" i="1" spc="-55" dirty="0">
                 <a:solidFill>
                   <a:srgbClr val="777879"/>
                 </a:solidFill>
@@ -11284,17 +11656,17 @@
               <a:t> </a:t>
             </a:r>
             <a:r>
-              <a:rPr lang="de-de" sz="1100" i="1" spc="-120" dirty="0">
+              <a:rPr sz="1100" i="1" spc="-25" dirty="0">
                 <a:solidFill>
                   <a:srgbClr val="777879"/>
                 </a:solidFill>
                 <a:latin typeface="AdobeClean-LightIt"/>
                 <a:cs typeface="AdobeClean-LightIt"/>
               </a:rPr>
-              <a:t>고객</a:t>
-            </a:r>
-            <a:r>
-              <a:rPr lang="de-de" sz="1100" i="1" spc="-20" dirty="0">
+              <a:t>Account</a:t>
+            </a:r>
+            <a:r>
+              <a:rPr sz="1100" i="1" spc="-120" dirty="0">
                 <a:solidFill>
                   <a:srgbClr val="777879"/>
                 </a:solidFill>
@@ -11304,54 +11676,114 @@
               <a:t> </a:t>
             </a:r>
             <a:r>
-              <a:rPr lang="de-de" sz="1100" i="1" spc="-15" dirty="0">
+              <a:rPr sz="1100" i="1" spc="-20" dirty="0">
                 <a:solidFill>
                   <a:srgbClr val="777879"/>
                 </a:solidFill>
                 <a:latin typeface="AdobeClean-LightIt"/>
                 <a:cs typeface="AdobeClean-LightIt"/>
               </a:rPr>
-              <a:t>성공</a:t>
-            </a:r>
-            <a:r>
-              <a:rPr lang="de-de" sz="1100" i="1" spc="-10" dirty="0">
+              <a:t>Manager</a:t>
+            </a:r>
+            <a:r>
+              <a:rPr lang="en-US" sz="1100" i="1" spc="-20" dirty="0">
                 <a:solidFill>
                   <a:srgbClr val="777879"/>
                 </a:solidFill>
                 <a:latin typeface="AdobeClean-LightIt"/>
                 <a:cs typeface="AdobeClean-LightIt"/>
               </a:rPr>
-              <a:t> </a:t>
-            </a:r>
-            <a:r>
-              <a:rPr lang="de-de" sz="1100" i="1" spc="-15" dirty="0">
+              <a:t> </a:t>
+            </a:r>
+            <a:r>
+              <a:rPr sz="1100" i="1" spc="-20" dirty="0">
                 <a:solidFill>
                   <a:srgbClr val="777879"/>
                 </a:solidFill>
                 <a:latin typeface="AdobeClean-LightIt"/>
                 <a:cs typeface="AdobeClean-LightIt"/>
               </a:rPr>
-              <a:t>관리자(CSM)에게</a:t>
-            </a:r>
-            <a:r>
-              <a:rPr lang="de-de" sz="1100" i="1" spc="-20" dirty="0">
+              <a:t> </a:t>
+            </a:r>
+            <a:r>
+              <a:rPr sz="1100" i="1" spc="-15" dirty="0">
                 <a:solidFill>
                   <a:srgbClr val="777879"/>
                 </a:solidFill>
                 <a:latin typeface="AdobeClean-LightIt"/>
                 <a:cs typeface="AdobeClean-LightIt"/>
               </a:rPr>
-              <a:t> </a:t>
-            </a:r>
-            <a:r>
-              <a:rPr lang="de-de" sz="1100" i="1" spc="-180" dirty="0">
+              <a:t>(NAM) </a:t>
+            </a:r>
+            <a:r>
+              <a:rPr sz="1100" i="1" spc="-10" dirty="0">
                 <a:solidFill>
                   <a:srgbClr val="777879"/>
                 </a:solidFill>
                 <a:latin typeface="AdobeClean-LightIt"/>
                 <a:cs typeface="AdobeClean-LightIt"/>
               </a:rPr>
-              <a:t>문의하십시오.</a:t>
+              <a:t>or </a:t>
+            </a:r>
+            <a:r>
+              <a:rPr sz="1100" i="1" spc="-15" dirty="0">
+                <a:solidFill>
+                  <a:srgbClr val="777879"/>
+                </a:solidFill>
+                <a:latin typeface="AdobeClean-LightIt"/>
+                <a:cs typeface="AdobeClean-LightIt"/>
+              </a:rPr>
+              <a:t>Customer </a:t>
+            </a:r>
+            <a:r>
+              <a:rPr sz="1100" i="1" spc="-20" dirty="0">
+                <a:solidFill>
+                  <a:srgbClr val="777879"/>
+                </a:solidFill>
+                <a:latin typeface="AdobeClean-LightIt"/>
+                <a:cs typeface="AdobeClean-LightIt"/>
+              </a:rPr>
+              <a:t>Success</a:t>
+            </a:r>
+            <a:r>
+              <a:rPr lang="en-US" sz="1100" i="1" spc="-20" dirty="0">
+                <a:solidFill>
+                  <a:srgbClr val="777879"/>
+                </a:solidFill>
+                <a:latin typeface="AdobeClean-LightIt"/>
+                <a:cs typeface="AdobeClean-LightIt"/>
+              </a:rPr>
+              <a:t> </a:t>
+            </a:r>
+            <a:r>
+              <a:rPr sz="1100" i="1" spc="-15" dirty="0">
+                <a:solidFill>
+                  <a:srgbClr val="777879"/>
+                </a:solidFill>
+                <a:latin typeface="AdobeClean-LightIt"/>
+                <a:cs typeface="AdobeClean-LightIt"/>
+              </a:rPr>
+              <a:t>Manager</a:t>
+            </a:r>
+            <a:r>
+              <a:rPr lang="en-US" sz="1100" i="1" spc="-15" dirty="0">
+                <a:solidFill>
+                  <a:srgbClr val="777879"/>
+                </a:solidFill>
+                <a:latin typeface="AdobeClean-LightIt"/>
+                <a:cs typeface="AdobeClean-LightIt"/>
+              </a:rPr>
+              <a:t> </a:t>
+            </a:r>
+            <a:r>
+              <a:rPr sz="1100" i="1" spc="-15" dirty="0">
+                <a:solidFill>
+                  <a:srgbClr val="777879"/>
+                </a:solidFill>
+                <a:latin typeface="AdobeClean-LightIt"/>
+                <a:cs typeface="AdobeClean-LightIt"/>
+              </a:rPr>
+              <a:t>(CSM)</a:t>
             </a:r>
             <a:endParaRPr sz="1100" dirty="0">
               <a:latin typeface="AdobeClean-LightIt"/>
@@ -11368,34 +11800,54 @@
               </a:spcBef>
             </a:pPr>
             <a:r>
-              <a:rPr lang="de-de" sz="800" spc="-5" dirty="0">
+              <a:rPr sz="800" spc="-5" dirty="0">
                 <a:solidFill>
                   <a:srgbClr val="6D6D6D"/>
                 </a:solidFill>
                 <a:latin typeface="Adobe Clean"/>
                 <a:cs typeface="Adobe Clean"/>
               </a:rPr>
-              <a:t>©2021 Adobe. All Rights Reserved. Adobe</a:t>
-            </a:r>
-            <a:r>
-              <a:rPr lang="de-de" sz="800" spc="75" dirty="0">
+              <a:t>©202</a:t>
+            </a:r>
+            <a:r>
+              <a:rPr lang="en-US" sz="800" spc="-5" dirty="0">
                 <a:solidFill>
                   <a:srgbClr val="6D6D6D"/>
                 </a:solidFill>
                 <a:latin typeface="Adobe Clean"/>
                 <a:cs typeface="Adobe Clean"/>
               </a:rPr>
-              <a:t> </a:t>
-            </a:r>
-            <a:r>
-              <a:rPr lang="de-de" sz="800" spc="-5" dirty="0">
+              <a:t>1</a:t>
+            </a:r>
+            <a:r>
+              <a:rPr sz="800" spc="-5" dirty="0">
                 <a:solidFill>
                   <a:srgbClr val="6D6D6D"/>
                 </a:solidFill>
                 <a:latin typeface="Adobe Clean"/>
                 <a:cs typeface="Adobe Clean"/>
               </a:rPr>
-              <a:t>기밀.</a:t>
+              <a:t> Adobe. All Rights Reserved. Adobe</a:t>
+            </a:r>
+            <a:r>
+              <a:rPr sz="800" spc="75" dirty="0">
+                <a:solidFill>
+                  <a:srgbClr val="6D6D6D"/>
+                </a:solidFill>
+                <a:latin typeface="Adobe Clean"/>
+                <a:cs typeface="Adobe Clean"/>
+              </a:rPr>
+              <a:t> </a:t>
+            </a:r>
+            <a:r>
+              <a:rPr sz="800" spc="-5" dirty="0">
+                <a:solidFill>
+                  <a:srgbClr val="6D6D6D"/>
+                </a:solidFill>
+                <a:latin typeface="Adobe Clean"/>
+                <a:cs typeface="Adobe Clean"/>
+              </a:rPr>
+              <a:t>Confidential.</a:t>
             </a:r>
             <a:endParaRPr sz="800" dirty="0">
               <a:latin typeface="Adobe Clean"/>
@@ -11426,157 +11878,42 @@
           </a:prstGeom>
         </p:spPr>
         <p:txBody>
-          <a:bodyPr vert="horz" wrap="square" lIns="0" tIns="116205" rIns="0" bIns="0" rtlCol="0">
+          <a:bodyPr vert="horz" wrap="square" lIns="0" tIns="116205" rIns="0" bIns="0" rtlCol="0" anchor="t">
             <a:spAutoFit/>
           </a:bodyPr>
           <a:lstStyle/>
           <a:p>
-            <a:pPr lvl="0">
+            <a:pPr>
               <a:spcBef>
                 <a:spcPts val="915"/>
               </a:spcBef>
             </a:pPr>
             <a:r>
-              <a:rPr lang="en-US" altLang="ko-KR" sz="1400" b="1" spc="-15" dirty="0">
+              <a:rPr lang="en-US" sz="1400" b="1" spc="-15" dirty="0">
                 <a:solidFill>
                   <a:srgbClr val="020302"/>
                 </a:solidFill>
                 <a:latin typeface="Adobe Clean"/>
                 <a:cs typeface="Adobe Clean"/>
               </a:rPr>
-              <a:t>Adobe </a:t>
-            </a:r>
-            <a:r>
-              <a:rPr lang="ko-KR" altLang="en-US" sz="1400" b="1" spc="-15" dirty="0">
-                <a:solidFill>
-                  <a:srgbClr val="020302"/>
-                </a:solidFill>
-                <a:latin typeface="Adobe Clean"/>
-                <a:cs typeface="Adobe Clean"/>
-              </a:rPr>
-              <a:t>지원의 지역적 범위</a:t>
-            </a:r>
-            <a:r>
-              <a:rPr lang="en-US" altLang="ko-KR" sz="1400" b="1" spc="-15" dirty="0">
-                <a:solidFill>
-                  <a:srgbClr val="020302"/>
-                </a:solidFill>
-                <a:latin typeface="Adobe Clean"/>
-                <a:cs typeface="Adobe Clean"/>
-              </a:rPr>
-              <a:t>, </a:t>
-            </a:r>
-            <a:r>
-              <a:rPr lang="ko-KR" altLang="en-US" sz="1400" b="1" spc="-15" dirty="0">
-                <a:solidFill>
-                  <a:srgbClr val="020302"/>
-                </a:solidFill>
-                <a:latin typeface="Adobe Clean"/>
-                <a:cs typeface="Adobe Clean"/>
-              </a:rPr>
-              <a:t>로컬 운영 시간 및 언어 지원</a:t>
-            </a:r>
-            <a:endParaRPr lang="pl-PL" altLang="ko-KR" sz="1400" b="1" spc="-15" dirty="0">
-              <a:solidFill>
-                <a:srgbClr val="020302"/>
-              </a:solidFill>
-              <a:latin typeface="Adobe Clean"/>
-              <a:cs typeface="Adobe Clean"/>
-            </a:endParaRPr>
+              <a:t>Regional scope of Adobe Support, Local Hours Of Operation And Language Support</a:t>
+            </a:r>
           </a:p>
           <a:p>
-            <a:pPr lvl="0">
+            <a:pPr>
               <a:spcBef>
                 <a:spcPts val="915"/>
               </a:spcBef>
             </a:pPr>
             <a:r>
-              <a:rPr lang="en-US" altLang="ko-KR" sz="1000" spc="-15" dirty="0">
+              <a:rPr lang="en-US" sz="1000" spc="-15" dirty="0">
                 <a:solidFill>
                   <a:srgbClr val="1F1F1F"/>
                 </a:solidFill>
                 <a:latin typeface="AdobeClean-Light"/>
               </a:rPr>
-              <a:t>Adobe </a:t>
-            </a:r>
-            <a:r>
-              <a:rPr lang="ko-KR" altLang="en-US" sz="1000" spc="-15" dirty="0">
-                <a:solidFill>
-                  <a:srgbClr val="1F1F1F"/>
-                </a:solidFill>
-                <a:latin typeface="AdobeClean-Light"/>
-              </a:rPr>
-              <a:t>지원의 지역적 범위는 </a:t>
-            </a:r>
-            <a:r>
-              <a:rPr lang="en-US" altLang="ko-KR" sz="1000" spc="-15" dirty="0">
-                <a:solidFill>
-                  <a:srgbClr val="1F1F1F"/>
-                </a:solidFill>
-                <a:latin typeface="AdobeClean-Light"/>
-              </a:rPr>
-              <a:t>(</a:t>
-            </a:r>
-            <a:r>
-              <a:rPr lang="ko-KR" altLang="en-US" sz="1000" spc="-15" dirty="0">
-                <a:solidFill>
-                  <a:srgbClr val="1F1F1F"/>
-                </a:solidFill>
-                <a:latin typeface="AdobeClean-Light"/>
-              </a:rPr>
-              <a:t>판매 주문서 또는 기타 </a:t>
-            </a:r>
-            <a:r>
-              <a:rPr lang="en-US" altLang="ko-KR" sz="1000" spc="-15" dirty="0">
-                <a:solidFill>
-                  <a:srgbClr val="1F1F1F"/>
-                </a:solidFill>
-                <a:latin typeface="AdobeClean-Light"/>
-              </a:rPr>
-              <a:t>Adobe </a:t>
-            </a:r>
-            <a:r>
-              <a:rPr lang="ko-KR" altLang="en-US" sz="1000" spc="-15" dirty="0">
-                <a:solidFill>
-                  <a:srgbClr val="1F1F1F"/>
-                </a:solidFill>
-                <a:latin typeface="AdobeClean-Light"/>
-              </a:rPr>
-              <a:t>지원 구매 문서를 통해</a:t>
-            </a:r>
-            <a:r>
-              <a:rPr lang="en-US" altLang="ko-KR" sz="1000" spc="-15" dirty="0">
-                <a:solidFill>
-                  <a:srgbClr val="1F1F1F"/>
-                </a:solidFill>
-                <a:latin typeface="AdobeClean-Light"/>
-              </a:rPr>
-              <a:t>) </a:t>
-            </a:r>
-            <a:r>
-              <a:rPr lang="ko-KR" altLang="en-US" sz="1000" spc="-15" dirty="0">
-                <a:solidFill>
-                  <a:srgbClr val="1F1F1F"/>
-                </a:solidFill>
-                <a:latin typeface="AdobeClean-Light"/>
-              </a:rPr>
-              <a:t>고객의 청구 주소를 다음 지역 중 하나에 맞춤으로써 설정됩니다</a:t>
-            </a:r>
-            <a:r>
-              <a:rPr lang="en-US" altLang="ko-KR" sz="1000" spc="-15" dirty="0">
-                <a:solidFill>
-                  <a:srgbClr val="1F1F1F"/>
-                </a:solidFill>
-                <a:latin typeface="AdobeClean-Light"/>
-              </a:rPr>
-              <a:t>.</a:t>
-            </a:r>
-            <a:endParaRPr lang="de-de" sz="1000" spc="-15" dirty="0">
-              <a:solidFill>
-                <a:srgbClr val="1F1F1F"/>
-              </a:solidFill>
-              <a:latin typeface="AdobeClean-Light"/>
-            </a:endParaRPr>
+              <a:t>The Regional scope of Adobe Support is established by aligning the customer's billing address (via the Sales Order or other Adobe Support purchasing document) to one of the following regions:</a:t>
+            </a:r>
           </a:p>
         </p:txBody>
       </p:sp>
@@ -11595,14 +11932,14 @@
           <p:nvPr>
             <p:extLst>
               <p:ext uri="{D42A27DB-BD31-4B8C-83A1-F6EECF244321}">
-                <p14:modId xmlns:p14="http://schemas.microsoft.com/office/powerpoint/2010/main" val="4167480683"/>
+                <p14:modId xmlns:p14="http://schemas.microsoft.com/office/powerpoint/2010/main" val="2846210228"/>
               </p:ext>
             </p:extLst>
           </p:nvPr>
         </p:nvGraphicFramePr>
         <p:xfrm>
           <a:off x="171128" y="5907213"/>
-          <a:ext cx="7391400" cy="1615440"/>
+          <a:ext cx="7391400" cy="1671320"/>
         </p:xfrm>
         <a:graphic>
           <a:graphicData uri="http://schemas.openxmlformats.org/drawingml/2006/table">
@@ -11648,13 +11985,13 @@
                     <a:p>
                       <a:pPr algn="ctr"/>
                       <a:r>
-                        <a:rPr lang="de-de" sz="1100" dirty="0">
+                        <a:rPr lang="en-US" sz="1100" dirty="0">
                           <a:solidFill>
                             <a:schemeClr val="tx1"/>
                           </a:solidFill>
                           <a:latin typeface="Adobe Clean" panose="020B0503020404020204" pitchFamily="34" charset="0"/>
                         </a:rPr>
-                        <a:t>미주</a:t>
+                        <a:t>Americas</a:t>
                       </a:r>
                     </a:p>
                   </a:txBody>
@@ -11713,13 +12050,13 @@
                     <a:p>
                       <a:pPr algn="ctr"/>
                       <a:r>
-                        <a:rPr lang="de-de" sz="1100" dirty="0">
+                        <a:rPr lang="en-US" sz="1100" dirty="0">
                           <a:solidFill>
                             <a:schemeClr val="tx1"/>
                           </a:solidFill>
                           <a:latin typeface="Adobe Clean" panose="020B0503020404020204" pitchFamily="34" charset="0"/>
                         </a:rPr>
-                        <a:t>유럽, 중동 및 아프리카</a:t>
+                        <a:t>Europe, Middle East &amp; Africa</a:t>
                       </a:r>
                     </a:p>
                   </a:txBody>
@@ -11778,13 +12115,13 @@
                     <a:p>
                       <a:pPr algn="ctr"/>
                       <a:r>
-                        <a:rPr lang="de-de" sz="1100" dirty="0">
+                        <a:rPr lang="en-US" sz="1100" dirty="0">
                           <a:solidFill>
                             <a:schemeClr val="tx1"/>
                           </a:solidFill>
                           <a:latin typeface="Adobe Clean" panose="020B0503020404020204" pitchFamily="34" charset="0"/>
                         </a:rPr>
-                        <a:t>아시아 태평양</a:t>
+                        <a:t>Asia Pacific</a:t>
                       </a:r>
                     </a:p>
                   </a:txBody>
@@ -11843,22 +12180,22 @@
                     <a:p>
                       <a:pPr algn="ctr"/>
                       <a:r>
-                        <a:rPr lang="de-de" sz="1100" dirty="0">
+                        <a:rPr lang="en-US" sz="1100" dirty="0">
                           <a:solidFill>
                             <a:schemeClr val="tx1"/>
                           </a:solidFill>
-                          <a:latin typeface="Adobe Clean" panose="020B0503020404020204" pitchFamily="34" charset="0"/>
+                          <a:latin typeface="Adobe Clean"/>
                         </a:rPr>
-                        <a:t>일본 </a:t>
+                        <a:t>Japan </a:t>
                       </a:r>
                       <a:r>
-                        <a:rPr lang="de-de" sz="1100" baseline="30000">
+                        <a:rPr lang="en-US" sz="1100" baseline="30000" dirty="0">
                           <a:solidFill>
                             <a:schemeClr val="tx1"/>
                           </a:solidFill>
-                          <a:latin typeface="Adobe Clean" panose="020B0503020404020204" pitchFamily="34" charset="0"/>
+                          <a:latin typeface="Adobe Clean"/>
                         </a:rPr>
-                        <a:t>1 </a:t>
+                        <a:t>1 </a:t>
                       </a:r>
                       <a:endParaRPr lang="en-US" sz="1100" dirty="0">
                         <a:solidFill>
@@ -11930,13 +12267,13 @@
                     <a:p>
                       <a:pPr algn="ctr"/>
                       <a:r>
-                        <a:rPr lang="de-de" sz="1100" dirty="0">
+                        <a:rPr lang="en-US" sz="1100" dirty="0">
                           <a:solidFill>
                             <a:schemeClr val="tx1"/>
                           </a:solidFill>
                           <a:latin typeface="Adobe Clean" panose="020B0503020404020204" pitchFamily="34" charset="0"/>
                         </a:rPr>
-                        <a:t>오전 6시~오후 5시 30분</a:t>
+                        <a:t>6 am – 5:30 pm</a:t>
                       </a:r>
                     </a:p>
                   </a:txBody>
@@ -11995,13 +12332,13 @@
                     <a:p>
                       <a:pPr algn="ctr"/>
                       <a:r>
-                        <a:rPr lang="de-de" sz="1100" dirty="0">
+                        <a:rPr lang="en-US" sz="1100" dirty="0">
                           <a:solidFill>
                             <a:schemeClr val="tx1"/>
                           </a:solidFill>
                           <a:latin typeface="Adobe Clean" panose="020B0503020404020204" pitchFamily="34" charset="0"/>
                         </a:rPr>
-                        <a:t>오전 9시~오후 5시</a:t>
+                        <a:t>9 am – 5 pm</a:t>
                       </a:r>
                     </a:p>
                   </a:txBody>
@@ -12060,13 +12397,13 @@
                     <a:p>
                       <a:pPr algn="ctr"/>
                       <a:r>
-                        <a:rPr lang="de-de" sz="1100" dirty="0">
+                        <a:rPr lang="en-US" sz="1100" dirty="0">
                           <a:solidFill>
                             <a:schemeClr val="tx1"/>
                           </a:solidFill>
                           <a:latin typeface="Adobe Clean" panose="020B0503020404020204" pitchFamily="34" charset="0"/>
                         </a:rPr>
-                        <a:t>오전 9시~오후 5시</a:t>
+                        <a:t>9 am – 5 pm</a:t>
                       </a:r>
                     </a:p>
                   </a:txBody>
@@ -12125,13 +12462,13 @@
                     <a:p>
                       <a:pPr algn="ctr"/>
                       <a:r>
-                        <a:rPr lang="de-de" sz="1100" dirty="0">
+                        <a:rPr lang="en-US" sz="1100" dirty="0">
                           <a:solidFill>
                             <a:schemeClr val="tx1"/>
                           </a:solidFill>
                           <a:latin typeface="Adobe Clean" panose="020B0503020404020204" pitchFamily="34" charset="0"/>
                         </a:rPr>
-                        <a:t>오전 9시~오후 5시 30분</a:t>
+                        <a:t>9 am – 5:30 pm</a:t>
                       </a:r>
                     </a:p>
                   </a:txBody>
@@ -12194,6 +12531,38 @@
                   <a:txBody>
                     <a:bodyPr/>
                     <a:lstStyle/>
+                    <a:p>
+                      <a:pPr marL="0" marR="0" lvl="0" indent="0" algn="ctr" eaLnBrk="1" fontAlgn="auto" latinLnBrk="0" hangingPunct="1">
+                        <a:lnSpc>
+                          <a:spcPct val="100000"/>
+                        </a:lnSpc>
+                        <a:spcBef>
+                          <a:spcPts val="0"/>
+                        </a:spcBef>
+                        <a:spcAft>
+                          <a:spcPts val="0"/>
+                        </a:spcAft>
+                        <a:buClrTx/>
+                        <a:buSzTx/>
+                        <a:buFontTx/>
+                        <a:buNone/>
+                      </a:pPr>
+                      <a:r>
+                        <a:rPr lang="en-US" sz="1100" dirty="0">
+                          <a:solidFill>
+                            <a:schemeClr val="tx1"/>
+                          </a:solidFill>
+                          <a:latin typeface="Adobe Clean"/>
+                        </a:rPr>
+                        <a:t>Language support is only available in English and Japanese.</a:t>
+                      </a:r>
+                      <a:endParaRPr lang="en-US" sz="1100" dirty="0">
+                        <a:solidFill>
+                          <a:schemeClr val="tx1"/>
+                        </a:solidFill>
+                        <a:latin typeface="Adobe Clean" panose="020B0503020404020204" pitchFamily="34" charset="0"/>
+                      </a:endParaRPr>
+                    </a:p>
                     <a:p>
                       <a:pPr marL="0" marR="0" lvl="0" indent="0" algn="ctr" defTabSz="914400" eaLnBrk="1" fontAlgn="auto" latinLnBrk="0" hangingPunct="1">
                         <a:lnSpc>
@@ -12213,41 +12582,13 @@
                         <a:defRPr/>
                       </a:pPr>
                       <a:r>
-                        <a:rPr lang="de-de" sz="1100" dirty="0">
+                        <a:rPr lang="en-US" sz="1100" i="1" dirty="0">
                           <a:solidFill>
                             <a:schemeClr val="tx1"/>
                           </a:solidFill>
-                          <a:latin typeface="Adobe Clean" panose="020B0503020404020204" pitchFamily="34" charset="0"/>
+                          <a:latin typeface="Adobe Clean"/>
                         </a:rPr>
-                        <a:t>언어 지원은 영어와 일본어로만 제공됩니다. </a:t>
-                      </a:r>
-                    </a:p>
-                    <a:p>
-                      <a:pPr marL="0" marR="0" lvl="0" indent="0" algn="ctr" defTabSz="914400" eaLnBrk="1" fontAlgn="auto" latinLnBrk="0" hangingPunct="1">
-                        <a:lnSpc>
-                          <a:spcPct val="100000"/>
-                        </a:lnSpc>
-                        <a:spcBef>
-                          <a:spcPts val="0"/>
-                        </a:spcBef>
-                        <a:spcAft>
-                          <a:spcPts val="0"/>
-                        </a:spcAft>
-                        <a:buClrTx/>
-                        <a:buSzTx/>
-                        <a:buFontTx/>
-                        <a:buNone/>
-                        <a:tabLst/>
-                        <a:defRPr/>
-                      </a:pPr>
-                      <a:r>
-                        <a:rPr lang="de-de" sz="1100" i="1" dirty="0">
-                          <a:solidFill>
-                            <a:schemeClr val="tx1"/>
-                          </a:solidFill>
-                          <a:latin typeface="Adobe Clean" panose="020B0503020404020204" pitchFamily="34" charset="0"/>
-                        </a:rPr>
-                        <a:t>*Adobe Commerce에서는 일본어 지원이 제외됩니다.</a:t>
+                        <a:t>*Adobe Commerce excludes Japanese language support.</a:t>
                       </a:r>
                     </a:p>
                     <a:p>
@@ -12270,77 +12611,41 @@
                     <a:p>
                       <a:pPr algn="ctr"/>
                       <a:r>
-                        <a:rPr lang="de-de" sz="1100" i="0" dirty="0">
+                        <a:rPr lang="en-US" sz="1100" i="0" dirty="0">
                           <a:solidFill>
                             <a:schemeClr val="tx1"/>
                           </a:solidFill>
-                          <a:latin typeface="Adobe Clean" panose="020B0503020404020204" pitchFamily="34" charset="0"/>
+                          <a:latin typeface="Adobe Clean"/>
                         </a:rPr>
-                        <a:t> </a:t>
+                        <a:t> </a:t>
                       </a:r>
                       <a:r>
-                        <a:rPr lang="de-de" sz="1100" i="0" baseline="30000">
+                        <a:rPr lang="en-US" sz="1100" i="0" baseline="30000" dirty="0">
                           <a:solidFill>
                             <a:schemeClr val="tx1"/>
                           </a:solidFill>
-                          <a:latin typeface="Adobe Clean" panose="020B0503020404020204" pitchFamily="34" charset="0"/>
+                          <a:latin typeface="Adobe Clean"/>
                         </a:rPr>
                         <a:t>1 </a:t>
                       </a:r>
                       <a:r>
-                        <a:rPr lang="ko-KR" altLang="en-US" sz="1100" i="0">
+                        <a:rPr lang="en-US" sz="1100" i="0" dirty="0">
                           <a:solidFill>
                             <a:schemeClr val="tx1"/>
                           </a:solidFill>
-                          <a:latin typeface="Adobe Clean" panose="020B0503020404020204" pitchFamily="34" charset="0"/>
+                          <a:latin typeface="Adobe Clean"/>
                         </a:rPr>
-                        <a:t>일본에서 </a:t>
+                        <a:t>P2, P3, P4 cases are limited to business hours only in Japan.</a:t>
                       </a:r>
-                      <a:r>
-                        <a:rPr lang="en-US" altLang="ko-KR" sz="1100" i="0" dirty="0">
-                          <a:solidFill>
-                            <a:schemeClr val="tx1"/>
-                          </a:solidFill>
-                          <a:latin typeface="Adobe Clean" panose="020B0503020404020204" pitchFamily="34" charset="0"/>
-                        </a:rPr>
-                        <a:t>P2, P3, P4 </a:t>
-                      </a:r>
-                      <a:r>
-                        <a:rPr lang="ko-KR" altLang="en-US" sz="1100" i="0" dirty="0">
-                          <a:solidFill>
-                            <a:schemeClr val="tx1"/>
-                          </a:solidFill>
-                          <a:latin typeface="Adobe Clean" panose="020B0503020404020204" pitchFamily="34" charset="0"/>
-                        </a:rPr>
-                        <a:t>사례는 업무 시간으로만 제한됩니다</a:t>
-                      </a:r>
-                      <a:r>
-                        <a:rPr lang="en-US" altLang="ko-KR" sz="1100" i="0" dirty="0">
-                          <a:solidFill>
-                            <a:schemeClr val="tx1"/>
-                          </a:solidFill>
-                          <a:latin typeface="Adobe Clean" panose="020B0503020404020204" pitchFamily="34" charset="0"/>
-                        </a:rPr>
-                        <a:t>.</a:t>
-                      </a:r>
-                      <a:endParaRPr lang="de-de" sz="1100" b="1" i="0" dirty="0">
+                      <a:endParaRPr lang="en-US" sz="1100" b="1" i="0" dirty="0">
                         <a:solidFill>
                           <a:schemeClr val="tx1"/>
                         </a:solidFill>
-                        <a:latin typeface="Adobe Clean" panose="020B0503020404020204" pitchFamily="34" charset="0"/>
+                        <a:latin typeface="Adobe Clean"/>
                       </a:endParaRPr>
                     </a:p>
                     <a:p>
                       <a:pPr algn="ctr"/>
-                      <a:r>
-                        <a:rPr lang="de-de" sz="1100" dirty="0">
-                          <a:solidFill>
-                            <a:schemeClr val="tx1"/>
-                          </a:solidFill>
-                          <a:latin typeface="Adobe Clean" panose="020B0503020404020204" pitchFamily="34" charset="0"/>
-                        </a:rPr>
-                        <a:t>.</a:t>
-                      </a:r>
                       <a:endParaRPr lang="en-US" sz="1100" dirty="0">
                         <a:solidFill>
                           <a:schemeClr val="tx1"/>
@@ -12710,34 +13015,124 @@
               </a:spcBef>
             </a:pPr>
             <a:r>
-              <a:rPr lang="de-de" sz="1200" b="1" spc="-15" dirty="0">
+              <a:rPr sz="1200" b="1" spc="-15" dirty="0">
                 <a:solidFill>
                   <a:srgbClr val="FFFFFF"/>
                 </a:solidFill>
                 <a:latin typeface="Adobe Clean"/>
                 <a:cs typeface="Adobe Clean"/>
               </a:rPr>
-              <a:t>탁월한</a:t>
-            </a:r>
-            <a:r>
-              <a:rPr lang="de-de" sz="1200" b="1" dirty="0">
+              <a:t>U</a:t>
+            </a:r>
+            <a:r>
+              <a:rPr sz="1200" b="1" spc="-20" dirty="0">
                 <a:solidFill>
                   <a:srgbClr val="FFFFFF"/>
                 </a:solidFill>
                 <a:latin typeface="Adobe Clean"/>
                 <a:cs typeface="Adobe Clean"/>
               </a:rPr>
-              <a:t> </a:t>
-            </a:r>
-            <a:r>
-              <a:rPr lang="de-de" sz="1200" b="1" spc="-25" dirty="0">
+              <a:t>n</a:t>
+            </a:r>
+            <a:r>
+              <a:rPr sz="1200" b="1" spc="-25" dirty="0">
                 <a:solidFill>
                   <a:srgbClr val="FFFFFF"/>
                 </a:solidFill>
                 <a:latin typeface="Adobe Clean"/>
                 <a:cs typeface="Adobe Clean"/>
               </a:rPr>
-              <a:t>전문성</a:t>
+              <a:t>p</a:t>
+            </a:r>
+            <a:r>
+              <a:rPr sz="1200" b="1" spc="-15" dirty="0">
+                <a:solidFill>
+                  <a:srgbClr val="FFFFFF"/>
+                </a:solidFill>
+                <a:latin typeface="Adobe Clean"/>
+                <a:cs typeface="Adobe Clean"/>
+              </a:rPr>
+              <a:t>a</a:t>
+            </a:r>
+            <a:r>
+              <a:rPr sz="1200" b="1" spc="-25" dirty="0">
+                <a:solidFill>
+                  <a:srgbClr val="FFFFFF"/>
+                </a:solidFill>
+                <a:latin typeface="Adobe Clean"/>
+                <a:cs typeface="Adobe Clean"/>
+              </a:rPr>
+              <a:t>r</a:t>
+            </a:r>
+            <a:r>
+              <a:rPr sz="1200" b="1" spc="-15" dirty="0">
+                <a:solidFill>
+                  <a:srgbClr val="FFFFFF"/>
+                </a:solidFill>
+                <a:latin typeface="Adobe Clean"/>
+                <a:cs typeface="Adobe Clean"/>
+              </a:rPr>
+              <a:t>a</a:t>
+            </a:r>
+            <a:r>
+              <a:rPr sz="1200" b="1" spc="-30" dirty="0">
+                <a:solidFill>
+                  <a:srgbClr val="FFFFFF"/>
+                </a:solidFill>
+                <a:latin typeface="Adobe Clean"/>
+                <a:cs typeface="Adobe Clean"/>
+              </a:rPr>
+              <a:t>ll</a:t>
+            </a:r>
+            <a:r>
+              <a:rPr sz="1200" b="1" spc="-25" dirty="0">
+                <a:solidFill>
+                  <a:srgbClr val="FFFFFF"/>
+                </a:solidFill>
+                <a:latin typeface="Adobe Clean"/>
+                <a:cs typeface="Adobe Clean"/>
+              </a:rPr>
+              <a:t>e</a:t>
+            </a:r>
+            <a:r>
+              <a:rPr sz="1200" b="1" spc="-30" dirty="0">
+                <a:solidFill>
+                  <a:srgbClr val="FFFFFF"/>
+                </a:solidFill>
+                <a:latin typeface="Adobe Clean"/>
+                <a:cs typeface="Adobe Clean"/>
+              </a:rPr>
+              <a:t>l</a:t>
+            </a:r>
+            <a:r>
+              <a:rPr sz="1200" b="1" spc="-25" dirty="0">
+                <a:solidFill>
+                  <a:srgbClr val="FFFFFF"/>
+                </a:solidFill>
+                <a:latin typeface="Adobe Clean"/>
+                <a:cs typeface="Adobe Clean"/>
+              </a:rPr>
+              <a:t>e</a:t>
+            </a:r>
+            <a:r>
+              <a:rPr sz="1200" b="1" dirty="0">
+                <a:solidFill>
+                  <a:srgbClr val="FFFFFF"/>
+                </a:solidFill>
+                <a:latin typeface="Adobe Clean"/>
+                <a:cs typeface="Adobe Clean"/>
+              </a:rPr>
+              <a:t>d  </a:t>
+            </a:r>
+            <a:r>
+              <a:rPr sz="1200" b="1" spc="-25" dirty="0">
+                <a:solidFill>
+                  <a:srgbClr val="FFFFFF"/>
+                </a:solidFill>
+                <a:latin typeface="Adobe Clean"/>
+                <a:cs typeface="Adobe Clean"/>
+              </a:rPr>
+              <a:t>Expertise</a:t>
             </a:r>
             <a:endParaRPr sz="1200" dirty="0">
               <a:latin typeface="Adobe Clean"/>
@@ -12782,14 +13177,14 @@
               </a:spcBef>
             </a:pPr>
             <a:r>
-              <a:rPr lang="de-de" sz="1200" b="1" spc="-15" dirty="0">
+              <a:rPr lang="en-US" sz="1200" b="1" spc="-15" dirty="0">
                 <a:solidFill>
                   <a:srgbClr val="FFFFFF"/>
                 </a:solidFill>
                 <a:latin typeface="Adobe Clean"/>
                 <a:cs typeface="Adobe Clean"/>
               </a:rPr>
-              <a:t>신속한 지원</a:t>
+              <a:t>Accelerated Support</a:t>
             </a:r>
             <a:endParaRPr sz="1200" dirty="0">
               <a:latin typeface="Adobe Clean"/>
@@ -12834,34 +13229,104 @@
               </a:spcBef>
             </a:pPr>
             <a:r>
-              <a:rPr lang="de-de" sz="1200" b="1" spc="-50" dirty="0">
+              <a:rPr sz="1200" b="1" spc="-50" dirty="0">
                 <a:solidFill>
                   <a:srgbClr val="FFFFFF"/>
                 </a:solidFill>
                 <a:latin typeface="Adobe Clean"/>
                 <a:cs typeface="Adobe Clean"/>
               </a:rPr>
-              <a:t>전략적</a:t>
-            </a:r>
-            <a:r>
-              <a:rPr lang="de-de" sz="1200" b="1" dirty="0">
+              <a:t>S</a:t>
+            </a:r>
+            <a:r>
+              <a:rPr sz="1200" b="1" spc="-20" dirty="0">
                 <a:solidFill>
                   <a:srgbClr val="FFFFFF"/>
                 </a:solidFill>
                 <a:latin typeface="Adobe Clean"/>
                 <a:cs typeface="Adobe Clean"/>
               </a:rPr>
-              <a:t> </a:t>
-            </a:r>
-            <a:r>
-              <a:rPr lang="de-de" sz="1200" b="1" spc="-45" dirty="0">
+              <a:t>t</a:t>
+            </a:r>
+            <a:r>
+              <a:rPr sz="1200" b="1" spc="-75" dirty="0">
                 <a:solidFill>
                   <a:srgbClr val="FFFFFF"/>
                 </a:solidFill>
                 <a:latin typeface="Adobe Clean"/>
                 <a:cs typeface="Adobe Clean"/>
               </a:rPr>
-              <a:t>조언</a:t>
+              <a:t>r</a:t>
+            </a:r>
+            <a:r>
+              <a:rPr sz="1200" b="1" spc="-90" dirty="0">
+                <a:solidFill>
+                  <a:srgbClr val="FFFFFF"/>
+                </a:solidFill>
+                <a:latin typeface="Adobe Clean"/>
+                <a:cs typeface="Adobe Clean"/>
+              </a:rPr>
+              <a:t>a</a:t>
+            </a:r>
+            <a:r>
+              <a:rPr sz="1200" b="1" spc="-55" dirty="0">
+                <a:solidFill>
+                  <a:srgbClr val="FFFFFF"/>
+                </a:solidFill>
+                <a:latin typeface="Adobe Clean"/>
+                <a:cs typeface="Adobe Clean"/>
+              </a:rPr>
+              <a:t>t</a:t>
+            </a:r>
+            <a:r>
+              <a:rPr sz="1200" b="1" spc="-100" dirty="0">
+                <a:solidFill>
+                  <a:srgbClr val="FFFFFF"/>
+                </a:solidFill>
+                <a:latin typeface="Adobe Clean"/>
+                <a:cs typeface="Adobe Clean"/>
+              </a:rPr>
+              <a:t>e</a:t>
+            </a:r>
+            <a:r>
+              <a:rPr sz="1200" b="1" spc="-80" dirty="0">
+                <a:solidFill>
+                  <a:srgbClr val="FFFFFF"/>
+                </a:solidFill>
+                <a:latin typeface="Adobe Clean"/>
+                <a:cs typeface="Adobe Clean"/>
+              </a:rPr>
+              <a:t>g</a:t>
+            </a:r>
+            <a:r>
+              <a:rPr sz="1200" b="1" spc="-35" dirty="0">
+                <a:solidFill>
+                  <a:srgbClr val="FFFFFF"/>
+                </a:solidFill>
+                <a:latin typeface="Adobe Clean"/>
+                <a:cs typeface="Adobe Clean"/>
+              </a:rPr>
+              <a:t>i</a:t>
+            </a:r>
+            <a:r>
+              <a:rPr sz="1200" b="1" dirty="0">
+                <a:solidFill>
+                  <a:srgbClr val="FFFFFF"/>
+                </a:solidFill>
+                <a:latin typeface="Adobe Clean"/>
+                <a:cs typeface="Adobe Clean"/>
+              </a:rPr>
+              <a:t>c  </a:t>
+            </a:r>
+            <a:r>
+              <a:rPr sz="1200" b="1" spc="-45" dirty="0">
+                <a:solidFill>
+                  <a:srgbClr val="FFFFFF"/>
+                </a:solidFill>
+                <a:latin typeface="Adobe Clean"/>
+                <a:cs typeface="Adobe Clean"/>
+              </a:rPr>
+              <a:t>Advice</a:t>
             </a:r>
             <a:endParaRPr sz="1200" dirty="0">
               <a:latin typeface="Adobe Clean"/>
@@ -12885,7 +13350,7 @@
           <p:nvPr>
             <p:extLst>
               <p:ext uri="{D42A27DB-BD31-4B8C-83A1-F6EECF244321}">
-                <p14:modId xmlns:p14="http://schemas.microsoft.com/office/powerpoint/2010/main" val="375036756"/>
+                <p14:modId xmlns:p14="http://schemas.microsoft.com/office/powerpoint/2010/main" val="1366573891"/>
               </p:ext>
             </p:extLst>
           </p:nvPr>
@@ -12923,7 +13388,7 @@
                     <a:lstStyle/>
                     <a:p>
                       <a:r>
-                        <a:rPr lang="de-de" sz="1100" b="0" dirty="0">
+                        <a:rPr lang="en-US" sz="1100" b="0" dirty="0">
                           <a:solidFill>
                             <a:schemeClr val="tx1"/>
                           </a:solidFill>
@@ -13015,7 +13480,7 @@
                         <a:defRPr/>
                       </a:pPr>
                       <a:r>
-                        <a:rPr lang="de-de" sz="1000" b="0" kern="1200" dirty="0">
+                        <a:rPr lang="en-US" sz="1000" b="0" kern="1200" dirty="0">
                           <a:solidFill>
                             <a:srgbClr val="000000"/>
                           </a:solidFill>
@@ -13023,7 +13488,7 @@
                           <a:ea typeface="+mn-ea"/>
                           <a:cs typeface="+mn-cs"/>
                         </a:rPr>
-                        <a:t>Experience League를 통해 Adobe는 기업이 Adobe 투자에서 기대하는 가치를 달성하도록 지원합니다. 고객이 자기 주도 튜토리얼, 제품 설명서, 강의식 교육, 커뮤니티 및 기술 지원을 포함하는 개인 맞춤형 성공 경로를 따라가며 배우고, 교류하고, 성장할 수 있는 통합된 공간입니다. </a:t>
+                        <a:t>Experience League is how Adobe helps businesses achieve the value they expect from their Adobe investment. It’s the unified place where customers can learn, connect, and grow along a personalized path to success that includes self-help tutorials, product documentation, instructor-led training, community and technical support. </a:t>
                       </a:r>
                     </a:p>
                   </a:txBody>
@@ -13105,7 +13570,7 @@
                         <a:defRPr/>
                       </a:pPr>
                       <a:r>
-                        <a:rPr lang="de-de" sz="1100" dirty="0">
+                        <a:rPr lang="en-US" sz="1100" dirty="0">
                           <a:solidFill>
                             <a:schemeClr val="dk1"/>
                           </a:solidFill>
@@ -13115,10 +13580,10 @@
                           <a:cs typeface="+mn-cs"/>
                           <a:hlinkClick r:id="rId8"/>
                         </a:rPr>
-                        <a:t>교육</a:t>
+                        <a:t>Training</a:t>
                       </a:r>
                       <a:r>
-                        <a:rPr lang="de-de" sz="1100" dirty="0">
+                        <a:rPr lang="en-US" sz="1100" dirty="0">
                           <a:solidFill>
                             <a:schemeClr val="dk1"/>
                           </a:solidFill>
@@ -13211,7 +13676,7 @@
                         <a:defRPr/>
                       </a:pPr>
                       <a:r>
-                        <a:rPr lang="de-de" sz="1000" kern="1200" dirty="0">
+                        <a:rPr lang="en-US" sz="1000" kern="1200" dirty="0">
                           <a:solidFill>
                             <a:srgbClr val="000000"/>
                           </a:solidFill>
@@ -13219,7 +13684,7 @@
                           <a:ea typeface="+mn-ea"/>
                           <a:cs typeface="+mn-cs"/>
                         </a:rPr>
-                        <a:t>Adobe 디지털 학습 서비스 과정은 Experience League에서 액세스할 수 있습니다. 학습 과정은 주문형 수업과 강의식 수업을 모두 통합합니다. 여기에서 시장 가치를 인정받은 기술을 습득하고 조직에 포지셔닝하여 성공으로 이끌 수 있습니다.</a:t>
+                        <a:t>Adobe Digital Learning Services courses are accessible from Experience League. Learning courses integrate both on-demand and instructor-led lessons.  Here you can accrue skills that have recognized market value and position them to drive success in your organizations.</a:t>
                       </a:r>
                     </a:p>
                   </a:txBody>
@@ -13301,7 +13766,7 @@
                         <a:defRPr/>
                       </a:pPr>
                       <a:r>
-                        <a:rPr lang="de-de" sz="1100" dirty="0">
+                        <a:rPr lang="en-US" sz="1100" dirty="0">
                           <a:solidFill>
                             <a:schemeClr val="tx1"/>
                           </a:solidFill>
@@ -13311,7 +13776,7 @@
                           <a:cs typeface="+mn-cs"/>
                           <a:hlinkClick r:id="rId9"/>
                         </a:rPr>
-                        <a:t>생산 문제 및 시스템 중단</a:t>
+                        <a:t>Production Issues &amp; System Outages</a:t>
                       </a:r>
                       <a:endParaRPr lang="en-US" sz="1100" dirty="0">
                         <a:solidFill>
@@ -13395,7 +13860,7 @@
                         <a:defRPr/>
                       </a:pPr>
                       <a:r>
-                        <a:rPr lang="de-de" sz="1000" kern="1200" dirty="0">
+                        <a:rPr lang="en-US" sz="1000" kern="1200" dirty="0">
                           <a:solidFill>
                             <a:srgbClr val="000000"/>
                           </a:solidFill>
@@ -13403,7 +13868,7 @@
                           <a:ea typeface="+mn-ea"/>
                           <a:cs typeface="+mn-cs"/>
                         </a:rPr>
-                        <a:t>Status.adobe.com은 다중 테넌트 환경에 배포된 모든 Adobe 제품 및 서비스의 상태 정보를 전달합니다. 고객은 구독 기본 설정을 선택하여 Adobe가 제품 이벤트를 생성 업데이트 또는 해결할 때마다 이메일 알림을 받을 수 있습니다. 여기에는 예정된 유지 관리 또는 다양한 심각도 수준의 서비스 문제가 포함될 수 있습니다. </a:t>
+                        <a:t>Status.adobe.com conveys the health information of all Adobe products and services that are deployed in multi-tenant environments. Customers can choose their subscription preferences to get email notifications whenever Adobe creates, updates or resolves a product event. This can include scheduled maintenance or service issues of varying levels of severity. </a:t>
                       </a:r>
                     </a:p>
                   </a:txBody>
@@ -13485,7 +13950,7 @@
                         <a:defRPr/>
                       </a:pPr>
                       <a:r>
-                        <a:rPr lang="de-de" sz="1100" dirty="0">
+                        <a:rPr lang="en-US" sz="1100" dirty="0">
                           <a:solidFill>
                             <a:schemeClr val="tx1"/>
                           </a:solidFill>
@@ -13495,7 +13960,7 @@
                           <a:cs typeface="+mn-cs"/>
                           <a:hlinkClick r:id="rId10"/>
                         </a:rPr>
-                        <a:t>약관</a:t>
+                        <a:t>Terms and Conditions</a:t>
                       </a:r>
                       <a:endParaRPr lang="en-US" sz="1100" dirty="0">
                         <a:solidFill>
@@ -13562,7 +14027,7 @@
                     <a:lstStyle/>
                     <a:p>
                       <a:r>
-                        <a:rPr lang="de-de" sz="1000" kern="1200" dirty="0">
+                        <a:rPr lang="en-US" sz="1000" kern="1200" dirty="0">
                           <a:solidFill>
                             <a:srgbClr val="000000"/>
                           </a:solidFill>
@@ -13570,7 +14035,7 @@
                           <a:ea typeface="+mn-ea"/>
                           <a:cs typeface="+mn-cs"/>
                         </a:rPr>
-                        <a:t>지원 서비스 제공 사항을 자세히 설명하는 약관입니다.</a:t>
+                        <a:t>Terms and conditions detailing Support Services offerings.</a:t>
                       </a:r>
                     </a:p>
                   </a:txBody>
@@ -13634,7 +14099,7 @@
       </p:graphicFrame>
       <p:pic>
         <p:nvPicPr>
-          <p:cNvPr id="8" name="Graphic 7" descr="타겟 개요">
+          <p:cNvPr id="8" name="Graphic 7" descr="Target outline">
             <a:extLst>
               <a:ext uri="{FF2B5EF4-FFF2-40B4-BE49-F238E27FC236}">
                 <a16:creationId xmlns:a16="http://schemas.microsoft.com/office/drawing/2014/main" id="{1EAA263E-04A7-0D46-952E-EA3033B45116}"/>
@@ -13673,7 +14138,7 @@
       </p:pic>
       <p:pic>
         <p:nvPicPr>
-          <p:cNvPr id="10" name="Graphic 9" descr="로켓 개요">
+          <p:cNvPr id="10" name="Graphic 9" descr="Rocket outline">
             <a:extLst>
               <a:ext uri="{FF2B5EF4-FFF2-40B4-BE49-F238E27FC236}">
                 <a16:creationId xmlns:a16="http://schemas.microsoft.com/office/drawing/2014/main" id="{A068EBC3-B418-4E4A-A520-101CA4B39F23}"/>
@@ -13712,7 +14177,7 @@
       </p:pic>
       <p:pic>
         <p:nvPicPr>
-          <p:cNvPr id="12" name="Graphic 11" descr="메달 개요">
+          <p:cNvPr id="12" name="Graphic 11" descr="Medal outline">
             <a:extLst>
               <a:ext uri="{FF2B5EF4-FFF2-40B4-BE49-F238E27FC236}">
                 <a16:creationId xmlns:a16="http://schemas.microsoft.com/office/drawing/2014/main" id="{C7BEFC2D-0CA6-0448-B9FA-6E1581CA6D36}"/>
@@ -14341,12 +14806,21 @@
 </file>
 
 <file path=customXml/item1.xml><?xml version="1.0" encoding="utf-8"?>
+<?mso-contentType ?>
+<FormTemplates xmlns="http://schemas.microsoft.com/sharepoint/v3/contenttype/forms">
+  <Display>DocumentLibraryForm</Display>
+  <Edit>DocumentLibraryForm</Edit>
+  <New>DocumentLibraryForm</New>
+</FormTemplates>
+</file>
+
+<file path=customXml/item2.xml><?xml version="1.0" encoding="utf-8"?>
 <p:properties xmlns:p="http://schemas.microsoft.com/office/2006/metadata/properties" xmlns:xsi="http://www.w3.org/2001/XMLSchema-instance" xmlns:pc="http://schemas.microsoft.com/office/infopath/2007/PartnerControls">
   <documentManagement/>
 </p:properties>
 </file>
 
-<file path=customXml/item2.xml><?xml version="1.0" encoding="utf-8"?>
+<file path=customXml/item3.xml><?xml version="1.0" encoding="utf-8"?>
 <ct:contentTypeSchema xmlns:ct="http://schemas.microsoft.com/office/2006/metadata/contentType" xmlns:ma="http://schemas.microsoft.com/office/2006/metadata/properties/metaAttributes" ct:_="" ma:_="" ma:contentTypeName="Document" ma:contentTypeID="0x010100E783BF6876BCC646A459363AF21A7736" ma:contentTypeVersion="10" ma:contentTypeDescription="Create a new document." ma:contentTypeScope="" ma:versionID="c4ffda7f4f415767600769e454c2ea87">
   <xsd:schema xmlns:xsd="http://www.w3.org/2001/XMLSchema" xmlns:xs="http://www.w3.org/2001/XMLSchema" xmlns:p="http://schemas.microsoft.com/office/2006/metadata/properties" xmlns:ns2="8a053bff-88be-49e4-9a87-e748e18b8b62" xmlns:ns3="6c8368ec-3776-49b5-a5bb-90648cf9530f" targetNamespace="http://schemas.microsoft.com/office/2006/metadata/properties" ma:root="true" ma:fieldsID="df3ec33bccc23e23bce7bc897fad43d1" ns2:_="" ns3:_="">
     <xsd:import namespace="8a053bff-88be-49e4-9a87-e748e18b8b62"/>
@@ -14551,25 +15025,32 @@
 </ct:contentTypeSchema>
 </file>
 
-<file path=customXml/item3.xml><?xml version="1.0" encoding="utf-8"?>
-<?mso-contentType ?>
-<FormTemplates xmlns="http://schemas.microsoft.com/sharepoint/v3/contenttype/forms">
-  <Display>DocumentLibraryForm</Display>
-  <Edit>DocumentLibraryForm</Edit>
-  <New>DocumentLibraryForm</New>
-</FormTemplates>
-</file>
-
 <file path=customXml/itemProps1.xml><?xml version="1.0" encoding="utf-8"?>
-<ds:datastoreItem xmlns:ds="http://schemas.openxmlformats.org/officeDocument/2006/customXml" ds:itemID="{8D12BD98-169B-4BEE-86DF-4C9641DF23C4}">
+<ds:datastoreItem xmlns:ds="http://schemas.openxmlformats.org/officeDocument/2006/customXml" ds:itemID="{AC92E7FA-19A2-4675-9C77-2C92D8A268D1}">
   <ds:schemaRefs>
-    <ds:schemaRef ds:uri="http://schemas.microsoft.com/office/2006/metadata/properties"/>
-    <ds:schemaRef ds:uri="http://schemas.microsoft.com/office/infopath/2007/PartnerControls"/>
+    <ds:schemaRef ds:uri="http://schemas.microsoft.com/sharepoint/v3/contenttype/forms"/>
   </ds:schemaRefs>
 </ds:datastoreItem>
 </file>
 
 <file path=customXml/itemProps2.xml><?xml version="1.0" encoding="utf-8"?>
+<ds:datastoreItem xmlns:ds="http://schemas.openxmlformats.org/officeDocument/2006/customXml" ds:itemID="{8D12BD98-169B-4BEE-86DF-4C9641DF23C4}">
+  <ds:schemaRefs>
+    <ds:schemaRef ds:uri="http://schemas.microsoft.com/office/2006/documentManagement/types"/>
+    <ds:schemaRef ds:uri="http://schemas.microsoft.com/office/2006/metadata/properties"/>
+    <ds:schemaRef ds:uri="http://www.w3.org/XML/1998/namespace"/>
+    <ds:schemaRef ds:uri="http://purl.org/dc/terms/"/>
+    <ds:schemaRef ds:uri="http://purl.org/dc/elements/1.1/"/>
+    <ds:schemaRef ds:uri="http://schemas.microsoft.com/office/infopath/2007/PartnerControls"/>
+    <ds:schemaRef ds:uri="http://schemas.openxmlformats.org/package/2006/metadata/core-properties"/>
+    <ds:schemaRef ds:uri="8a053bff-88be-49e4-9a87-e748e18b8b62"/>
+    <ds:schemaRef ds:uri="6c8368ec-3776-49b5-a5bb-90648cf9530f"/>
+    <ds:schemaRef ds:uri="http://purl.org/dc/dcmitype/"/>
+  </ds:schemaRefs>
+</ds:datastoreItem>
+</file>
+
+<file path=customXml/itemProps3.xml><?xml version="1.0" encoding="utf-8"?>
 <ds:datastoreItem xmlns:ds="http://schemas.openxmlformats.org/officeDocument/2006/customXml" ds:itemID="{34863498-7BB7-4F09-9F4A-B99E97FDB0EB}">
   <ds:schemaRefs>
     <ds:schemaRef ds:uri="http://schemas.microsoft.com/office/2006/metadata/contentType"/>
@@ -14586,12 +15067,4 @@
     <ds:schemaRef ds:uri="http://schemas.microsoft.com/internal/obd"/>
   </ds:schemaRefs>
 </ds:datastoreItem>
-</file>
-
-<file path=customXml/itemProps3.xml><?xml version="1.0" encoding="utf-8"?>
-<ds:datastoreItem xmlns:ds="http://schemas.openxmlformats.org/officeDocument/2006/customXml" ds:itemID="{AC92E7FA-19A2-4675-9C77-2C92D8A268D1}">
-  <ds:schemaRefs>
-    <ds:schemaRef ds:uri="http://schemas.microsoft.com/sharepoint/v3/contenttype/forms"/>
-  </ds:schemaRefs>
-</ds:datastoreItem>
 </file>
--- a/help/data-sheets/assets/OnlineSupportDatasheet.pptx
+++ b/help/data-sheets/assets/OnlineSupportDatasheet.pptx
@@ -128,231 +128,6 @@
 </p:presentation>
 </file>
 
-<file path=ppt/revisionInfo.xml><?xml version="1.0" encoding="utf-8"?>
-<p1510:revInfo xmlns:a="http://schemas.openxmlformats.org/drawingml/2006/main" xmlns:r="http://schemas.openxmlformats.org/officeDocument/2006/relationships" xmlns:p1510="http://schemas.microsoft.com/office/powerpoint/2015/10/main">
-  <p1510:revLst>
-    <p1510:client id="{096F7488-A26A-D845-83B0-BE2FC48D1AFD}" v="1" dt="2021-10-13T19:37:08.512"/>
-  </p1510:revLst>
-</p1510:revInfo>
-</file>
-
-<file path=ppt/changesInfos/changesInfo1.xml><?xml version="1.0" encoding="utf-8"?>
-<pc:chgInfo xmlns:a="http://schemas.openxmlformats.org/drawingml/2006/main" xmlns:r="http://schemas.openxmlformats.org/officeDocument/2006/relationships" xmlns:ac="http://schemas.microsoft.com/office/drawing/2013/main/command" xmlns:pc="http://schemas.microsoft.com/office/powerpoint/2013/main/command">
-  <pc:docChgLst>
-    <pc:chgData name="Akilah Johnson" userId="S::akjohnso@adobe.com::2fa3aa60-0c9c-4d06-bae2-795983241227" providerId="AD" clId="Web-{5343DD59-8FB2-7AAD-1875-255EDB54B98D}"/>
-    <pc:docChg chg="modSld">
-      <pc:chgData name="Akilah Johnson" userId="S::akjohnso@adobe.com::2fa3aa60-0c9c-4d06-bae2-795983241227" providerId="AD" clId="Web-{5343DD59-8FB2-7AAD-1875-255EDB54B98D}" dt="2021-09-22T18:47:16.489" v="185"/>
-      <pc:docMkLst>
-        <pc:docMk/>
-      </pc:docMkLst>
-      <pc:sldChg chg="modSp">
-        <pc:chgData name="Akilah Johnson" userId="S::akjohnso@adobe.com::2fa3aa60-0c9c-4d06-bae2-795983241227" providerId="AD" clId="Web-{5343DD59-8FB2-7AAD-1875-255EDB54B98D}" dt="2021-09-22T18:47:16.489" v="185"/>
-        <pc:sldMkLst>
-          <pc:docMk/>
-          <pc:sldMk cId="799510854" sldId="260"/>
-        </pc:sldMkLst>
-        <pc:spChg chg="mod">
-          <ac:chgData name="Akilah Johnson" userId="S::akjohnso@adobe.com::2fa3aa60-0c9c-4d06-bae2-795983241227" providerId="AD" clId="Web-{5343DD59-8FB2-7AAD-1875-255EDB54B98D}" dt="2021-09-22T18:45:44.427" v="153" actId="20577"/>
-          <ac:spMkLst>
-            <pc:docMk/>
-            <pc:sldMk cId="799510854" sldId="260"/>
-            <ac:spMk id="64" creationId="{41467BDC-3D83-D844-B922-CD07E94E5AAB}"/>
-          </ac:spMkLst>
-        </pc:spChg>
-        <pc:graphicFrameChg chg="mod modGraphic">
-          <ac:chgData name="Akilah Johnson" userId="S::akjohnso@adobe.com::2fa3aa60-0c9c-4d06-bae2-795983241227" providerId="AD" clId="Web-{5343DD59-8FB2-7AAD-1875-255EDB54B98D}" dt="2021-09-22T18:47:16.489" v="185"/>
-          <ac:graphicFrameMkLst>
-            <pc:docMk/>
-            <pc:sldMk cId="799510854" sldId="260"/>
-            <ac:graphicFrameMk id="25" creationId="{3A91F5B0-3974-A14D-A146-FB590F2AAD18}"/>
-          </ac:graphicFrameMkLst>
-        </pc:graphicFrameChg>
-      </pc:sldChg>
-    </pc:docChg>
-  </pc:docChgLst>
-  <pc:docChgLst>
-    <pc:chgData name="Akilah Johnson" userId="S::akjohnso@adobe.com::2fa3aa60-0c9c-4d06-bae2-795983241227" providerId="AD" clId="Web-{57A486D7-8267-4044-450E-B1D42691F1A4}"/>
-    <pc:docChg chg="modSld">
-      <pc:chgData name="Akilah Johnson" userId="S::akjohnso@adobe.com::2fa3aa60-0c9c-4d06-bae2-795983241227" providerId="AD" clId="Web-{57A486D7-8267-4044-450E-B1D42691F1A4}" dt="2021-10-12T15:47:55.091" v="2" actId="20577"/>
-      <pc:docMkLst>
-        <pc:docMk/>
-      </pc:docMkLst>
-      <pc:sldChg chg="modSp">
-        <pc:chgData name="Akilah Johnson" userId="S::akjohnso@adobe.com::2fa3aa60-0c9c-4d06-bae2-795983241227" providerId="AD" clId="Web-{57A486D7-8267-4044-450E-B1D42691F1A4}" dt="2021-10-12T15:47:55.091" v="2" actId="20577"/>
-        <pc:sldMkLst>
-          <pc:docMk/>
-          <pc:sldMk cId="0" sldId="256"/>
-        </pc:sldMkLst>
-        <pc:spChg chg="mod">
-          <ac:chgData name="Akilah Johnson" userId="S::akjohnso@adobe.com::2fa3aa60-0c9c-4d06-bae2-795983241227" providerId="AD" clId="Web-{57A486D7-8267-4044-450E-B1D42691F1A4}" dt="2021-10-12T15:47:55.091" v="2" actId="20577"/>
-          <ac:spMkLst>
-            <pc:docMk/>
-            <pc:sldMk cId="0" sldId="256"/>
-            <ac:spMk id="5" creationId="{00000000-0000-0000-0000-000000000000}"/>
-          </ac:spMkLst>
-        </pc:spChg>
-      </pc:sldChg>
-    </pc:docChg>
-  </pc:docChgLst>
-  <pc:docChgLst>
-    <pc:chgData name="Lauren Schutte" userId="6e08b2d3-447a-4d66-86be-444d50df187f" providerId="ADAL" clId="{096F7488-A26A-D845-83B0-BE2FC48D1AFD}"/>
-    <pc:docChg chg="modSld">
-      <pc:chgData name="Lauren Schutte" userId="6e08b2d3-447a-4d66-86be-444d50df187f" providerId="ADAL" clId="{096F7488-A26A-D845-83B0-BE2FC48D1AFD}" dt="2021-10-13T19:38:26.139" v="4" actId="20577"/>
-      <pc:docMkLst>
-        <pc:docMk/>
-      </pc:docMkLst>
-      <pc:sldChg chg="modSp mod">
-        <pc:chgData name="Lauren Schutte" userId="6e08b2d3-447a-4d66-86be-444d50df187f" providerId="ADAL" clId="{096F7488-A26A-D845-83B0-BE2FC48D1AFD}" dt="2021-10-13T19:37:16.686" v="2" actId="242"/>
-        <pc:sldMkLst>
-          <pc:docMk/>
-          <pc:sldMk cId="0" sldId="256"/>
-        </pc:sldMkLst>
-        <pc:graphicFrameChg chg="mod modGraphic">
-          <ac:chgData name="Lauren Schutte" userId="6e08b2d3-447a-4d66-86be-444d50df187f" providerId="ADAL" clId="{096F7488-A26A-D845-83B0-BE2FC48D1AFD}" dt="2021-10-13T19:37:16.686" v="2" actId="242"/>
-          <ac:graphicFrameMkLst>
-            <pc:docMk/>
-            <pc:sldMk cId="0" sldId="256"/>
-            <ac:graphicFrameMk id="9" creationId="{00000000-0000-0000-0000-000000000000}"/>
-          </ac:graphicFrameMkLst>
-        </pc:graphicFrameChg>
-      </pc:sldChg>
-      <pc:sldChg chg="modSp mod">
-        <pc:chgData name="Lauren Schutte" userId="6e08b2d3-447a-4d66-86be-444d50df187f" providerId="ADAL" clId="{096F7488-A26A-D845-83B0-BE2FC48D1AFD}" dt="2021-10-13T19:38:11.810" v="3" actId="20577"/>
-        <pc:sldMkLst>
-          <pc:docMk/>
-          <pc:sldMk cId="0" sldId="257"/>
-        </pc:sldMkLst>
-        <pc:spChg chg="mod">
-          <ac:chgData name="Lauren Schutte" userId="6e08b2d3-447a-4d66-86be-444d50df187f" providerId="ADAL" clId="{096F7488-A26A-D845-83B0-BE2FC48D1AFD}" dt="2021-10-13T19:38:11.810" v="3" actId="20577"/>
-          <ac:spMkLst>
-            <pc:docMk/>
-            <pc:sldMk cId="0" sldId="257"/>
-            <ac:spMk id="39" creationId="{00000000-0000-0000-0000-000000000000}"/>
-          </ac:spMkLst>
-        </pc:spChg>
-      </pc:sldChg>
-      <pc:sldChg chg="modSp mod">
-        <pc:chgData name="Lauren Schutte" userId="6e08b2d3-447a-4d66-86be-444d50df187f" providerId="ADAL" clId="{096F7488-A26A-D845-83B0-BE2FC48D1AFD}" dt="2021-10-13T19:38:26.139" v="4" actId="20577"/>
-        <pc:sldMkLst>
-          <pc:docMk/>
-          <pc:sldMk cId="799510854" sldId="260"/>
-        </pc:sldMkLst>
-        <pc:graphicFrameChg chg="modGraphic">
-          <ac:chgData name="Lauren Schutte" userId="6e08b2d3-447a-4d66-86be-444d50df187f" providerId="ADAL" clId="{096F7488-A26A-D845-83B0-BE2FC48D1AFD}" dt="2021-10-13T19:38:26.139" v="4" actId="20577"/>
-          <ac:graphicFrameMkLst>
-            <pc:docMk/>
-            <pc:sldMk cId="799510854" sldId="260"/>
-            <ac:graphicFrameMk id="111" creationId="{D8653CEC-4213-DE40-9BAF-D1E3318FF89C}"/>
-          </ac:graphicFrameMkLst>
-        </pc:graphicFrameChg>
-      </pc:sldChg>
-    </pc:docChg>
-  </pc:docChgLst>
-  <pc:docChgLst>
-    <pc:chgData name="Akilah Johnson" userId="S::akjohnso@adobe.com::2fa3aa60-0c9c-4d06-bae2-795983241227" providerId="AD" clId="Web-{CF46E89E-48FC-BA32-13C5-654DDA452FDC}"/>
-    <pc:docChg chg="modSld">
-      <pc:chgData name="Akilah Johnson" userId="S::akjohnso@adobe.com::2fa3aa60-0c9c-4d06-bae2-795983241227" providerId="AD" clId="Web-{CF46E89E-48FC-BA32-13C5-654DDA452FDC}" dt="2021-10-12T17:00:50.675" v="21" actId="20577"/>
-      <pc:docMkLst>
-        <pc:docMk/>
-      </pc:docMkLst>
-      <pc:sldChg chg="modSp">
-        <pc:chgData name="Akilah Johnson" userId="S::akjohnso@adobe.com::2fa3aa60-0c9c-4d06-bae2-795983241227" providerId="AD" clId="Web-{CF46E89E-48FC-BA32-13C5-654DDA452FDC}" dt="2021-10-12T16:58:10.550" v="6" actId="20577"/>
-        <pc:sldMkLst>
-          <pc:docMk/>
-          <pc:sldMk cId="0" sldId="256"/>
-        </pc:sldMkLst>
-        <pc:spChg chg="mod">
-          <ac:chgData name="Akilah Johnson" userId="S::akjohnso@adobe.com::2fa3aa60-0c9c-4d06-bae2-795983241227" providerId="AD" clId="Web-{CF46E89E-48FC-BA32-13C5-654DDA452FDC}" dt="2021-10-12T16:58:10.550" v="6" actId="20577"/>
-          <ac:spMkLst>
-            <pc:docMk/>
-            <pc:sldMk cId="0" sldId="256"/>
-            <ac:spMk id="2" creationId="{00000000-0000-0000-0000-000000000000}"/>
-          </ac:spMkLst>
-        </pc:spChg>
-        <pc:graphicFrameChg chg="mod modGraphic">
-          <ac:chgData name="Akilah Johnson" userId="S::akjohnso@adobe.com::2fa3aa60-0c9c-4d06-bae2-795983241227" providerId="AD" clId="Web-{CF46E89E-48FC-BA32-13C5-654DDA452FDC}" dt="2021-10-12T16:57:07.113" v="1"/>
-          <ac:graphicFrameMkLst>
-            <pc:docMk/>
-            <pc:sldMk cId="0" sldId="256"/>
-            <ac:graphicFrameMk id="8" creationId="{00000000-0000-0000-0000-000000000000}"/>
-          </ac:graphicFrameMkLst>
-        </pc:graphicFrameChg>
-      </pc:sldChg>
-      <pc:sldChg chg="modSp">
-        <pc:chgData name="Akilah Johnson" userId="S::akjohnso@adobe.com::2fa3aa60-0c9c-4d06-bae2-795983241227" providerId="AD" clId="Web-{CF46E89E-48FC-BA32-13C5-654DDA452FDC}" dt="2021-10-12T16:59:59.628" v="14" actId="20577"/>
-        <pc:sldMkLst>
-          <pc:docMk/>
-          <pc:sldMk cId="0" sldId="257"/>
-        </pc:sldMkLst>
-        <pc:spChg chg="mod">
-          <ac:chgData name="Akilah Johnson" userId="S::akjohnso@adobe.com::2fa3aa60-0c9c-4d06-bae2-795983241227" providerId="AD" clId="Web-{CF46E89E-48FC-BA32-13C5-654DDA452FDC}" dt="2021-10-12T16:59:21.300" v="12" actId="20577"/>
-          <ac:spMkLst>
-            <pc:docMk/>
-            <pc:sldMk cId="0" sldId="257"/>
-            <ac:spMk id="39" creationId="{00000000-0000-0000-0000-000000000000}"/>
-          </ac:spMkLst>
-        </pc:spChg>
-        <pc:spChg chg="mod">
-          <ac:chgData name="Akilah Johnson" userId="S::akjohnso@adobe.com::2fa3aa60-0c9c-4d06-bae2-795983241227" providerId="AD" clId="Web-{CF46E89E-48FC-BA32-13C5-654DDA452FDC}" dt="2021-10-12T16:59:59.628" v="14" actId="20577"/>
-          <ac:spMkLst>
-            <pc:docMk/>
-            <pc:sldMk cId="0" sldId="257"/>
-            <ac:spMk id="46" creationId="{00000000-0000-0000-0000-000000000000}"/>
-          </ac:spMkLst>
-        </pc:spChg>
-      </pc:sldChg>
-      <pc:sldChg chg="modSp">
-        <pc:chgData name="Akilah Johnson" userId="S::akjohnso@adobe.com::2fa3aa60-0c9c-4d06-bae2-795983241227" providerId="AD" clId="Web-{CF46E89E-48FC-BA32-13C5-654DDA452FDC}" dt="2021-10-12T17:00:50.675" v="21" actId="20577"/>
-        <pc:sldMkLst>
-          <pc:docMk/>
-          <pc:sldMk cId="799510854" sldId="260"/>
-        </pc:sldMkLst>
-        <pc:spChg chg="mod">
-          <ac:chgData name="Akilah Johnson" userId="S::akjohnso@adobe.com::2fa3aa60-0c9c-4d06-bae2-795983241227" providerId="AD" clId="Web-{CF46E89E-48FC-BA32-13C5-654DDA452FDC}" dt="2021-10-12T17:00:50.675" v="21" actId="20577"/>
-          <ac:spMkLst>
-            <pc:docMk/>
-            <pc:sldMk cId="799510854" sldId="260"/>
-            <ac:spMk id="24" creationId="{00000000-0000-0000-0000-000000000000}"/>
-          </ac:spMkLst>
-        </pc:spChg>
-        <pc:spChg chg="mod">
-          <ac:chgData name="Akilah Johnson" userId="S::akjohnso@adobe.com::2fa3aa60-0c9c-4d06-bae2-795983241227" providerId="AD" clId="Web-{CF46E89E-48FC-BA32-13C5-654DDA452FDC}" dt="2021-10-12T17:00:45.784" v="19" actId="20577"/>
-          <ac:spMkLst>
-            <pc:docMk/>
-            <pc:sldMk cId="799510854" sldId="260"/>
-            <ac:spMk id="56" creationId="{00000000-0000-0000-0000-000000000000}"/>
-          </ac:spMkLst>
-        </pc:spChg>
-      </pc:sldChg>
-    </pc:docChg>
-  </pc:docChgLst>
-  <pc:docChgLst>
-    <pc:chgData name="Akilah Johnson" userId="S::akjohnso@adobe.com::2fa3aa60-0c9c-4d06-bae2-795983241227" providerId="AD" clId="Web-{19E88417-C612-7196-8214-73025F75FA84}"/>
-    <pc:docChg chg="modSld">
-      <pc:chgData name="Akilah Johnson" userId="S::akjohnso@adobe.com::2fa3aa60-0c9c-4d06-bae2-795983241227" providerId="AD" clId="Web-{19E88417-C612-7196-8214-73025F75FA84}" dt="2021-10-12T19:15:42.562" v="5" actId="20577"/>
-      <pc:docMkLst>
-        <pc:docMk/>
-      </pc:docMkLst>
-      <pc:sldChg chg="modSp">
-        <pc:chgData name="Akilah Johnson" userId="S::akjohnso@adobe.com::2fa3aa60-0c9c-4d06-bae2-795983241227" providerId="AD" clId="Web-{19E88417-C612-7196-8214-73025F75FA84}" dt="2021-10-12T19:15:42.562" v="5" actId="20577"/>
-        <pc:sldMkLst>
-          <pc:docMk/>
-          <pc:sldMk cId="0" sldId="256"/>
-        </pc:sldMkLst>
-        <pc:spChg chg="mod">
-          <ac:chgData name="Akilah Johnson" userId="S::akjohnso@adobe.com::2fa3aa60-0c9c-4d06-bae2-795983241227" providerId="AD" clId="Web-{19E88417-C612-7196-8214-73025F75FA84}" dt="2021-10-12T19:15:42.562" v="5" actId="20577"/>
-          <ac:spMkLst>
-            <pc:docMk/>
-            <pc:sldMk cId="0" sldId="256"/>
-            <ac:spMk id="13" creationId="{7979C0CC-523E-844A-96DC-75FC662E01AB}"/>
-          </ac:spMkLst>
-        </pc:spChg>
-      </pc:sldChg>
-    </pc:docChg>
-  </pc:docChgLst>
-</pc:chgInfo>
-</file>
-
 <file path=ppt/notesMasters/notesMaster1.xml><?xml version="1.0" encoding="utf-8"?>
 <p:notesMaster xmlns:a="http://schemas.openxmlformats.org/drawingml/2006/main" xmlns:r="http://schemas.openxmlformats.org/officeDocument/2006/relationships" xmlns:p="http://schemas.openxmlformats.org/presentationml/2006/main">
   <p:cSld>
@@ -435,7 +210,7 @@
           <a:p>
             <a:fld id="{A438815C-EDE5-F947-A55F-7634403F36C4}" type="datetimeFigureOut">
               <a:rPr lang="en-US" smtClean="0"/>
-              <a:t>10/13/21</a:t>
+              <a:t>10/11/21</a:t>
             </a:fld>
             <a:endParaRPr lang="en-US"/>
           </a:p>
@@ -1058,7 +833,7 @@
           <a:p>
             <a:fld id="{1D8BD707-D9CF-40AE-B4C6-C98DA3205C09}" type="datetimeFigureOut">
               <a:rPr lang="en-US"/>
-              <a:t>10/13/21</a:t>
+              <a:t>10/11/21</a:t>
             </a:fld>
             <a:endParaRPr lang="en-US"/>
           </a:p>
@@ -1242,7 +1017,7 @@
           <a:p>
             <a:fld id="{1D8BD707-D9CF-40AE-B4C6-C98DA3205C09}" type="datetimeFigureOut">
               <a:rPr lang="en-US"/>
-              <a:t>10/13/21</a:t>
+              <a:t>10/11/21</a:t>
             </a:fld>
             <a:endParaRPr lang="en-US"/>
           </a:p>
@@ -1544,7 +1319,7 @@
           <a:p>
             <a:fld id="{1D8BD707-D9CF-40AE-B4C6-C98DA3205C09}" type="datetimeFigureOut">
               <a:rPr lang="en-US"/>
-              <a:t>10/13/21</a:t>
+              <a:t>10/11/21</a:t>
             </a:fld>
             <a:endParaRPr lang="en-US"/>
           </a:p>
@@ -1799,25 +1574,28 @@
         <p:spPr>
           <a:xfrm>
             <a:off x="95250" y="7228840"/>
-            <a:ext cx="2884717" cy="227626"/>
+            <a:ext cx="2800350" cy="238760"/>
           </a:xfrm>
           <a:prstGeom prst="rect">
             <a:avLst/>
           </a:prstGeom>
         </p:spPr>
         <p:txBody>
-          <a:bodyPr vert="horz" wrap="square" lIns="0" tIns="12065" rIns="0" bIns="0" rtlCol="0" anchor="t">
+          <a:bodyPr vert="horz" wrap="square" lIns="0" tIns="12065" rIns="0" bIns="0" rtlCol="0">
             <a:spAutoFit/>
           </a:bodyPr>
           <a:lstStyle/>
           <a:p>
             <a:pPr marL="12700">
+              <a:lnSpc>
+                <a:spcPct val="100000"/>
+              </a:lnSpc>
               <a:spcBef>
                 <a:spcPts val="95"/>
               </a:spcBef>
             </a:pPr>
             <a:r>
-              <a:rPr sz="1400" b="1" u="heavy" spc="10" dirty="0">
+              <a:rPr lang="de-de" sz="1400" b="1" u="heavy" spc="10" dirty="0">
                 <a:solidFill>
                   <a:srgbClr val="020302"/>
                 </a:solidFill>
@@ -1829,10 +1607,10 @@
                 <a:latin typeface="Adobe Clean"/>
                 <a:cs typeface="Adobe Clean"/>
               </a:rPr>
-              <a:t>Service </a:t>
-            </a:r>
-            <a:r>
-              <a:rPr sz="1400" b="1" u="heavy" spc="-10" dirty="0">
+              <a:t>서비스 </a:t>
+            </a:r>
+            <a:r>
+              <a:rPr lang="de-de" sz="1400" b="1" u="heavy" spc="-10" dirty="0">
                 <a:solidFill>
                   <a:srgbClr val="020302"/>
                 </a:solidFill>
@@ -1844,10 +1622,10 @@
                 <a:latin typeface="Adobe Clean"/>
                 <a:cs typeface="Adobe Clean"/>
               </a:rPr>
-              <a:t>Level </a:t>
-            </a:r>
-            <a:r>
-              <a:rPr sz="1400" b="1" u="heavy" spc="-45" dirty="0">
+              <a:t>수준 </a:t>
+            </a:r>
+            <a:r>
+              <a:rPr lang="de-de" sz="1400" b="1" u="heavy" spc="-45" dirty="0">
                 <a:solidFill>
                   <a:srgbClr val="020302"/>
                 </a:solidFill>
@@ -1859,10 +1637,10 @@
                 <a:latin typeface="Adobe Clean"/>
                 <a:cs typeface="Adobe Clean"/>
               </a:rPr>
-              <a:t>Targets: </a:t>
-            </a:r>
-            <a:r>
-              <a:rPr sz="1400" b="1" u="heavy" spc="-10" dirty="0">
+              <a:t>목표: </a:t>
+            </a:r>
+            <a:r>
+              <a:rPr lang="de-de" sz="1400" b="1" u="heavy" spc="-10" dirty="0">
                 <a:solidFill>
                   <a:srgbClr val="020302"/>
                 </a:solidFill>
@@ -1874,10 +1652,10 @@
                 <a:latin typeface="Adobe Clean"/>
                 <a:cs typeface="Adobe Clean"/>
               </a:rPr>
-              <a:t>Initial</a:t>
-            </a:r>
-            <a:r>
-              <a:rPr lang="en-US" sz="1400" b="1" u="heavy" spc="-10" dirty="0">
+              <a:t>초기</a:t>
+            </a:r>
+            <a:r>
+              <a:rPr lang="de-de" sz="1400" b="1" u="heavy" spc="-140" dirty="0">
                 <a:solidFill>
                   <a:srgbClr val="020302"/>
                 </a:solidFill>
@@ -1889,10 +1667,10 @@
                 <a:latin typeface="Adobe Clean"/>
                 <a:cs typeface="Adobe Clean"/>
               </a:rPr>
-              <a:t> </a:t>
-            </a:r>
-            <a:r>
-              <a:rPr sz="1400" b="1" u="heavy" spc="-15" dirty="0">
+              <a:t> </a:t>
+            </a:r>
+            <a:r>
+              <a:rPr lang="de-de" sz="1400" b="1" u="heavy" spc="-15" dirty="0">
                 <a:solidFill>
                   <a:srgbClr val="020302"/>
                 </a:solidFill>
@@ -1904,7 +1682,7 @@
                 <a:latin typeface="Adobe Clean"/>
                 <a:cs typeface="Adobe Clean"/>
               </a:rPr>
-              <a:t>Response</a:t>
+              <a:t>대응</a:t>
             </a:r>
             <a:endParaRPr sz="1400" dirty="0">
               <a:latin typeface="Adobe Clean"/>
@@ -1958,7 +1736,7 @@
           </a:prstGeom>
         </p:spPr>
         <p:txBody>
-          <a:bodyPr vert="horz" wrap="square" lIns="0" tIns="24130" rIns="0" bIns="0" rtlCol="0" anchor="t">
+          <a:bodyPr vert="horz" wrap="square" lIns="0" tIns="24130" rIns="0" bIns="0" rtlCol="0">
             <a:spAutoFit/>
           </a:bodyPr>
           <a:lstStyle/>
@@ -1972,42 +1750,38 @@
               </a:spcBef>
             </a:pPr>
             <a:r>
-              <a:rPr lang="en-US" sz="1200" b="1" dirty="0">
+              <a:rPr lang="de-de" sz="1200" b="1" dirty="0">
                 <a:solidFill>
                   <a:schemeClr val="bg1"/>
                 </a:solidFill>
               </a:rPr>
-              <a:t>Online</a:t>
-            </a:r>
-            <a:r>
-              <a:rPr lang="en-US" sz="1200" dirty="0">
+              <a:t>온라인</a:t>
+            </a:r>
+            <a:r>
+              <a:rPr lang="de-de" sz="1200" dirty="0">
                 <a:solidFill>
                   <a:schemeClr val="bg1"/>
                 </a:solidFill>
-                <a:latin typeface="Adobe Clean Light"/>
-              </a:rPr>
-              <a:t> | Business | Enterprise | Elite</a:t>
-            </a:r>
-            <a:br>
-              <a:rPr lang="en-US" sz="900" dirty="0">
                 <a:latin typeface="Adobe Clean Light" panose="020B0303020404020204" pitchFamily="34" charset="0"/>
               </a:rPr>
-            </a:br>
-            <a:r>
-              <a:rPr lang="en-US" sz="900" dirty="0">
+              <a:t> | 비즈니스 | 엔터프라이즈 | 엘리트</a:t>
+            </a:r>
+            <a:br/>
+            <a:r>
+              <a:rPr lang="de-de" sz="900" dirty="0">
                 <a:solidFill>
                   <a:schemeClr val="bg1"/>
                 </a:solidFill>
-                <a:latin typeface="Adobe Clean SemiLight"/>
-              </a:rPr>
-              <a:t>Adobe provides a comprehensive range of technical resources to help support your business included as part of your Experience Cloud license subscription. Online support includes access to personalized learning paths and monitored community forums via the Adobe Experience League. You can take advantage of our detailed and in-depth technical product documentation and current release notes published on </a:t>
-            </a:r>
-            <a:r>
-              <a:rPr lang="en-US" sz="900" u="sng" dirty="0">
+                <a:latin typeface="Adobe Clean SemiLight" panose="020B0403020404020204" pitchFamily="34" charset="0"/>
+              </a:rPr>
+              <a:t>Adobe는 Experience Cloud 라이선스 구독의 일부로 포함된 비즈니스를 지원하는 데 도움이 되는 포괄적인 기술 리소스를 제공합니다. 온라인 지원에는 Adobe Experience League를 통한 개인 맞춤형 학습 경로 및 모니터링되는 커뮤니티 포럼 액세스가 포함됩니다. </a:t>
+            </a:r>
+            <a:r>
+              <a:rPr lang="de-de" sz="900" u="sng" dirty="0">
                 <a:solidFill>
                   <a:schemeClr val="bg1"/>
                 </a:solidFill>
-                <a:latin typeface="Adobe Clean SemiLight"/>
+                <a:latin typeface="Adobe Clean SemiLight" panose="020B0403020404020204" pitchFamily="34" charset="0"/>
                 <a:hlinkClick r:id="rId4">
                   <a:extLst>
                     <a:ext uri="{A12FA001-AC4F-418D-AE19-62706E023703}">
@@ -2016,22 +1790,22 @@
                   </a:extLst>
                 </a:hlinkClick>
               </a:rPr>
-              <a:t>http://www.adobe.com. </a:t>
-            </a:r>
-            <a:r>
-              <a:rPr lang="en-US" sz="900" dirty="0">
+              <a:t>http://www.adobe.com/kr/</a:t>
+            </a:r>
+            <a:r>
+              <a:rPr lang="de-de" sz="900" dirty="0">
                 <a:solidFill>
                   <a:schemeClr val="bg1"/>
                 </a:solidFill>
-                <a:latin typeface="Adobe Clean SemiLight"/>
-              </a:rPr>
-              <a:t>Our Online package also includes access to our technical support teams for any critical P1 product issues via telephone to help protect your business at the most critical times as well as providing the ability to log lower priority requests for assistance via support web portal.</a:t>
+                <a:latin typeface="Adobe Clean SemiLight" panose="020B0403020404020204" pitchFamily="34" charset="0"/>
+              </a:rPr>
+              <a:t>에 게시된 상세하고 심층적인 기술 제품 문서 및 최신 릴리스 정보를 활용할 수 있습니다. 또한 온라인 패키지에는 전화를 통해 중요한 P1 제품 문제에 대한 기술 지원 팀의 서비스를 이용할 수 있는 혜택이 포함되어 있어 가장 중요한 시기에 비즈니스를 보호하며 우선 순위가 낮은 지원 요청을 기록하는 기능을 지원 웹 포털을 통해 제공합니다.</a:t>
             </a:r>
             <a:endParaRPr lang="en-US" sz="900" dirty="0">
               <a:solidFill>
                 <a:schemeClr val="bg1"/>
               </a:solidFill>
-              <a:latin typeface="Adobe Clean SemiLight"/>
+              <a:latin typeface="Adobe Clean Light" panose="020B0303020404020204" pitchFamily="34" charset="0"/>
               <a:cs typeface="AdobeClean-Light"/>
             </a:endParaRPr>
           </a:p>
@@ -2075,14 +1849,14 @@
           <p:nvPr>
             <p:extLst>
               <p:ext uri="{D42A27DB-BD31-4B8C-83A1-F6EECF244321}">
-                <p14:modId xmlns:p14="http://schemas.microsoft.com/office/powerpoint/2010/main" val="1047125657"/>
+                <p14:modId xmlns:p14="http://schemas.microsoft.com/office/powerpoint/2010/main" val="1019627915"/>
               </p:ext>
             </p:extLst>
           </p:nvPr>
         </p:nvGraphicFramePr>
         <p:xfrm>
           <a:off x="0" y="1938946"/>
-          <a:ext cx="7705343" cy="5227197"/>
+          <a:ext cx="7705343" cy="5300593"/>
         </p:xfrm>
         <a:graphic>
           <a:graphicData uri="http://schemas.openxmlformats.org/drawingml/2006/table">
@@ -2176,34 +1950,14 @@
                         </a:spcBef>
                       </a:pPr>
                       <a:r>
-                        <a:rPr sz="900" spc="0" dirty="0">
+                        <a:rPr lang="de-de" sz="900" spc="0" dirty="0">
                           <a:solidFill>
                             <a:srgbClr val="404040"/>
                           </a:solidFill>
                           <a:latin typeface="Adobe Clean"/>
                           <a:cs typeface="Adobe Clean"/>
                         </a:rPr>
-                        <a:t>Online</a:t>
-                      </a:r>
-                      <a:r>
-                        <a:rPr lang="en-US" sz="900" spc="0" dirty="0">
-                          <a:solidFill>
-                            <a:srgbClr val="404040"/>
-                          </a:solidFill>
-                          <a:latin typeface="Adobe Clean"/>
-                          <a:cs typeface="Adobe Clean"/>
-                        </a:rPr>
-                        <a:t> </a:t>
-                      </a:r>
-                      <a:r>
-                        <a:rPr sz="900" spc="0" dirty="0">
-                          <a:solidFill>
-                            <a:srgbClr val="404040"/>
-                          </a:solidFill>
-                          <a:latin typeface="Adobe Clean"/>
-                          <a:cs typeface="Adobe Clean"/>
-                        </a:rPr>
-                        <a:t>Support</a:t>
+                        <a:t>온라인 지원</a:t>
                       </a:r>
                       <a:endParaRPr sz="900" spc="0" dirty="0">
                         <a:latin typeface="Adobe Clean"/>
@@ -2243,36 +1997,122 @@
                         </a:spcBef>
                       </a:pPr>
                       <a:r>
-                        <a:rPr sz="900" spc="0" dirty="0">
+                        <a:rPr lang="de-de" sz="900" spc="0" dirty="0">
                           <a:solidFill>
                             <a:srgbClr val="FFFFFF"/>
                           </a:solidFill>
                           <a:latin typeface="Adobe Clean"/>
                           <a:cs typeface="Adobe Clean"/>
                         </a:rPr>
-                        <a:t>Business</a:t>
+                        <a:t>비즈니스 지원</a:t>
                       </a:r>
+                      <a:endParaRPr sz="900" spc="0" dirty="0">
+                        <a:latin typeface="Adobe Clean"/>
+                        <a:cs typeface="Adobe Clean"/>
+                      </a:endParaRPr>
+                    </a:p>
+                  </a:txBody>
+                  <a:tcPr marL="0" marR="0" marT="7620" marB="0" anchor="ctr">
+                    <a:lnL w="3175">
+                      <a:solidFill>
+                        <a:srgbClr val="B7B8B8"/>
+                      </a:solidFill>
+                      <a:prstDash val="solid"/>
+                    </a:lnL>
+                    <a:lnR w="3175">
+                      <a:solidFill>
+                        <a:srgbClr val="B7B8B8"/>
+                      </a:solidFill>
+                      <a:prstDash val="solid"/>
+                    </a:lnR>
+                    <a:lnB w="76200">
+                      <a:solidFill>
+                        <a:srgbClr val="ACD2FF"/>
+                      </a:solidFill>
+                      <a:prstDash val="solid"/>
+                    </a:lnB>
+                    <a:solidFill>
+                      <a:srgbClr val="7D7D7D"/>
+                    </a:solidFill>
+                  </a:tcPr>
+                </a:tc>
+                <a:tc gridSpan="2">
+                  <a:txBody>
+                    <a:bodyPr/>
+                    <a:lstStyle/>
+                    <a:p>
+                      <a:pPr marL="2540" algn="ctr">
+                        <a:lnSpc>
+                          <a:spcPct val="100000"/>
+                        </a:lnSpc>
+                        <a:spcBef>
+                          <a:spcPts val="60"/>
+                        </a:spcBef>
+                      </a:pPr>
                       <a:r>
-                        <a:rPr lang="en-US" sz="900" spc="0" dirty="0">
+                        <a:rPr lang="de-de" sz="900" spc="0" dirty="0">
                           <a:solidFill>
                             <a:srgbClr val="FFFFFF"/>
                           </a:solidFill>
                           <a:latin typeface="Adobe Clean"/>
                           <a:cs typeface="Adobe Clean"/>
                         </a:rPr>
-                        <a:t> </a:t>
+                        <a:t>엔터프라이즈 지원</a:t>
                       </a:r>
+                      <a:endParaRPr sz="900" spc="0" dirty="0">
+                        <a:latin typeface="Adobe Clean"/>
+                        <a:cs typeface="Adobe Clean"/>
+                      </a:endParaRPr>
+                    </a:p>
+                  </a:txBody>
+                  <a:tcPr marL="0" marR="0" marT="7620" marB="0" anchor="ctr">
+                    <a:lnL w="3175">
+                      <a:solidFill>
+                        <a:srgbClr val="B7B8B8"/>
+                      </a:solidFill>
+                      <a:prstDash val="solid"/>
+                    </a:lnL>
+                    <a:lnR w="3175">
+                      <a:solidFill>
+                        <a:srgbClr val="B7B8B8"/>
+                      </a:solidFill>
+                      <a:prstDash val="solid"/>
+                    </a:lnR>
+                    <a:lnB w="76200">
+                      <a:solidFill>
+                        <a:srgbClr val="2E8FFF"/>
+                      </a:solidFill>
+                      <a:prstDash val="solid"/>
+                    </a:lnB>
+                    <a:solidFill>
+                      <a:srgbClr val="404040"/>
+                    </a:solidFill>
+                  </a:tcPr>
+                </a:tc>
+                <a:tc hMerge="1">
+                  <a:txBody>
+                    <a:bodyPr/>
+                    <a:lstStyle/>
+                    <a:p>
+                      <a:pPr marL="635" algn="ctr">
+                        <a:lnSpc>
+                          <a:spcPct val="100000"/>
+                        </a:lnSpc>
+                        <a:spcBef>
+                          <a:spcPts val="60"/>
+                        </a:spcBef>
+                      </a:pPr>
                       <a:r>
-                        <a:rPr sz="900" spc="0" dirty="0">
+                        <a:rPr lang="de-de" sz="900" spc="-20" dirty="0">
                           <a:solidFill>
                             <a:srgbClr val="FFFFFF"/>
                           </a:solidFill>
                           <a:latin typeface="Adobe Clean"/>
                           <a:cs typeface="Adobe Clean"/>
                         </a:rPr>
-                        <a:t>Support</a:t>
+                        <a:t>엔터프라이즈 지원</a:t>
                       </a:r>
-                      <a:endParaRPr sz="900" spc="0" dirty="0">
+                      <a:endParaRPr sz="900" dirty="0">
                         <a:latin typeface="Adobe Clean"/>
                         <a:cs typeface="Adobe Clean"/>
                       </a:endParaRPr>
@@ -2293,21 +2133,21 @@
                     </a:lnR>
                     <a:lnB w="76200">
                       <a:solidFill>
-                        <a:srgbClr val="ACD2FF"/>
+                        <a:srgbClr val="2E8FFF"/>
                       </a:solidFill>
                       <a:prstDash val="solid"/>
                     </a:lnB>
                     <a:solidFill>
-                      <a:srgbClr val="7D7D7D"/>
+                      <a:srgbClr val="404040"/>
                     </a:solidFill>
                   </a:tcPr>
                 </a:tc>
-                <a:tc gridSpan="2">
-                  <a:txBody>
-                    <a:bodyPr/>
-                    <a:lstStyle/>
-                    <a:p>
-                      <a:pPr marL="2540" algn="ctr">
+                <a:tc>
+                  <a:txBody>
+                    <a:bodyPr/>
+                    <a:lstStyle/>
+                    <a:p>
+                      <a:pPr marL="635" algn="ctr">
                         <a:lnSpc>
                           <a:spcPct val="100000"/>
                         </a:lnSpc>
@@ -2316,160 +2156,14 @@
                         </a:spcBef>
                       </a:pPr>
                       <a:r>
-                        <a:rPr lang="en-US" sz="900" spc="0" dirty="0">
+                        <a:rPr lang="de-de" sz="900" spc="0" dirty="0">
                           <a:solidFill>
                             <a:srgbClr val="FFFFFF"/>
                           </a:solidFill>
                           <a:latin typeface="Adobe Clean"/>
                           <a:cs typeface="Adobe Clean"/>
                         </a:rPr>
-                        <a:t>Enterprise Support</a:t>
-                      </a:r>
-                      <a:endParaRPr sz="900" spc="0" dirty="0">
-                        <a:latin typeface="Adobe Clean"/>
-                        <a:cs typeface="Adobe Clean"/>
-                      </a:endParaRPr>
-                    </a:p>
-                  </a:txBody>
-                  <a:tcPr marL="0" marR="0" marT="7620" marB="0" anchor="ctr">
-                    <a:lnL w="3175">
-                      <a:solidFill>
-                        <a:srgbClr val="B7B8B8"/>
-                      </a:solidFill>
-                      <a:prstDash val="solid"/>
-                    </a:lnL>
-                    <a:lnR w="3175">
-                      <a:solidFill>
-                        <a:srgbClr val="B7B8B8"/>
-                      </a:solidFill>
-                      <a:prstDash val="solid"/>
-                    </a:lnR>
-                    <a:lnB w="76200">
-                      <a:solidFill>
-                        <a:srgbClr val="2E8FFF"/>
-                      </a:solidFill>
-                      <a:prstDash val="solid"/>
-                    </a:lnB>
-                    <a:solidFill>
-                      <a:srgbClr val="404040"/>
-                    </a:solidFill>
-                  </a:tcPr>
-                </a:tc>
-                <a:tc hMerge="1">
-                  <a:txBody>
-                    <a:bodyPr/>
-                    <a:lstStyle/>
-                    <a:p>
-                      <a:pPr marL="635" algn="ctr">
-                        <a:lnSpc>
-                          <a:spcPct val="100000"/>
-                        </a:lnSpc>
-                        <a:spcBef>
-                          <a:spcPts val="60"/>
-                        </a:spcBef>
-                      </a:pPr>
-                      <a:r>
-                        <a:rPr sz="900" spc="-20" dirty="0">
-                          <a:solidFill>
-                            <a:srgbClr val="FFFFFF"/>
-                          </a:solidFill>
-                          <a:latin typeface="Adobe Clean"/>
-                          <a:cs typeface="Adobe Clean"/>
-                        </a:rPr>
-                        <a:t>Enterprise</a:t>
-                      </a:r>
-                      <a:r>
-                        <a:rPr lang="en-US" sz="900" spc="-20" dirty="0">
-                          <a:solidFill>
-                            <a:srgbClr val="FFFFFF"/>
-                          </a:solidFill>
-                          <a:latin typeface="Adobe Clean"/>
-                          <a:cs typeface="Adobe Clean"/>
-                        </a:rPr>
-                        <a:t> </a:t>
-                      </a:r>
-                      <a:r>
-                        <a:rPr sz="900" spc="-20" dirty="0">
-                          <a:solidFill>
-                            <a:srgbClr val="FFFFFF"/>
-                          </a:solidFill>
-                          <a:latin typeface="Adobe Clean"/>
-                          <a:cs typeface="Adobe Clean"/>
-                        </a:rPr>
-                        <a:t>Support</a:t>
-                      </a:r>
-                      <a:endParaRPr sz="900" dirty="0">
-                        <a:latin typeface="Adobe Clean"/>
-                        <a:cs typeface="Adobe Clean"/>
-                      </a:endParaRPr>
-                    </a:p>
-                  </a:txBody>
-                  <a:tcPr marL="0" marR="0" marT="7620" marB="0" anchor="ctr">
-                    <a:lnL w="3175">
-                      <a:solidFill>
-                        <a:srgbClr val="B7B8B8"/>
-                      </a:solidFill>
-                      <a:prstDash val="solid"/>
-                    </a:lnL>
-                    <a:lnR w="3175">
-                      <a:solidFill>
-                        <a:srgbClr val="B7B8B8"/>
-                      </a:solidFill>
-                      <a:prstDash val="solid"/>
-                    </a:lnR>
-                    <a:lnB w="76200">
-                      <a:solidFill>
-                        <a:srgbClr val="2E8FFF"/>
-                      </a:solidFill>
-                      <a:prstDash val="solid"/>
-                    </a:lnB>
-                    <a:solidFill>
-                      <a:srgbClr val="404040"/>
-                    </a:solidFill>
-                  </a:tcPr>
-                </a:tc>
-                <a:tc>
-                  <a:txBody>
-                    <a:bodyPr/>
-                    <a:lstStyle/>
-                    <a:p>
-                      <a:pPr marL="635" algn="ctr">
-                        <a:lnSpc>
-                          <a:spcPct val="100000"/>
-                        </a:lnSpc>
-                        <a:spcBef>
-                          <a:spcPts val="60"/>
-                        </a:spcBef>
-                      </a:pPr>
-                      <a:r>
-                        <a:rPr sz="900" spc="0" dirty="0">
-                          <a:solidFill>
-                            <a:srgbClr val="FFFFFF"/>
-                          </a:solidFill>
-                          <a:latin typeface="Adobe Clean"/>
-                          <a:cs typeface="Adobe Clean"/>
-                        </a:rPr>
-                        <a:t>Elite</a:t>
-                      </a:r>
-                      <a:r>
-                        <a:rPr lang="en-US" sz="900" spc="0" dirty="0">
-                          <a:solidFill>
-                            <a:srgbClr val="FFFFFF"/>
-                          </a:solidFill>
-                          <a:latin typeface="Adobe Clean"/>
-                          <a:cs typeface="Adobe Clean"/>
-                        </a:rPr>
-                        <a:t> </a:t>
-                      </a:r>
-                      <a:r>
-                        <a:rPr sz="900" spc="0" dirty="0">
-                          <a:solidFill>
-                            <a:srgbClr val="FFFFFF"/>
-                          </a:solidFill>
-                          <a:latin typeface="Adobe Clean"/>
-                          <a:cs typeface="Adobe Clean"/>
-                        </a:rPr>
-                        <a:t>Support</a:t>
+                        <a:t>엘리트 지원</a:t>
                       </a:r>
                       <a:endParaRPr sz="900" spc="0" dirty="0">
                         <a:latin typeface="Adobe Clean"/>
@@ -2581,24 +2275,14 @@
                         </a:spcBef>
                       </a:pPr>
                       <a:r>
-                        <a:rPr lang="en-US" sz="800" i="1" spc="0" dirty="0">
+                        <a:rPr lang="de-de" sz="800" i="1" spc="0" dirty="0">
                           <a:solidFill>
                             <a:srgbClr val="FFFFFF"/>
                           </a:solidFill>
                           <a:latin typeface="Adobe Clean"/>
                           <a:cs typeface="Adobe Clean"/>
                         </a:rPr>
-                        <a:t>Paid</a:t>
-                      </a:r>
-                      <a:r>
-                        <a:rPr sz="800" i="1" spc="0" dirty="0">
-                          <a:solidFill>
-                            <a:srgbClr val="FFFFFF"/>
-                          </a:solidFill>
-                          <a:latin typeface="Adobe Clean"/>
-                          <a:cs typeface="Adobe Clean"/>
-                        </a:rPr>
-                        <a:t> Support Levels($)</a:t>
+                        <a:t>유료 지원 수준($)</a:t>
                       </a:r>
                       <a:endParaRPr sz="800" spc="0" dirty="0">
                         <a:latin typeface="Adobe Clean"/>
@@ -2690,14 +2374,14 @@
                         </a:spcBef>
                       </a:pPr>
                       <a:r>
-                        <a:rPr lang="en-US" sz="1000" b="1" i="0" spc="0" dirty="0">
+                        <a:rPr lang="de-de" sz="1000" b="1" i="0" spc="0" dirty="0">
                           <a:solidFill>
                             <a:schemeClr val="bg1"/>
                           </a:solidFill>
                           <a:latin typeface="Adobe Clean" panose="020B0503020404020204" pitchFamily="34" charset="0"/>
                           <a:cs typeface="AdobeClean-Light"/>
                         </a:rPr>
-                        <a:t>Assigned Experts</a:t>
+                        <a:t>할당된 전문가</a:t>
                       </a:r>
                       <a:endParaRPr sz="1000" b="1" i="0" spc="0" dirty="0">
                         <a:solidFill>
@@ -2752,14 +2436,14 @@
                         </a:spcBef>
                       </a:pPr>
                       <a:r>
-                        <a:rPr sz="900" spc="0" dirty="0">
+                        <a:rPr lang="de-de" sz="900" spc="0" dirty="0">
                           <a:solidFill>
                             <a:srgbClr val="020302"/>
                           </a:solidFill>
                           <a:latin typeface="AdobeClean-Light"/>
                           <a:cs typeface="AdobeClean-Light"/>
                         </a:rPr>
-                        <a:t>Account Support Lead</a:t>
+                        <a:t>계정 지원 리드</a:t>
                       </a:r>
                       <a:endParaRPr sz="900" spc="0" dirty="0">
                         <a:latin typeface="AdobeClean-Light"/>
@@ -2838,7 +2522,7 @@
                         </a:spcBef>
                       </a:pPr>
                       <a:r>
-                        <a:rPr sz="900" spc="0" dirty="0">
+                        <a:rPr lang="de-de" sz="900" spc="0" dirty="0">
                           <a:solidFill>
                             <a:srgbClr val="020302"/>
                           </a:solidFill>
@@ -3007,14 +2691,14 @@
                         </a:spcBef>
                       </a:pPr>
                       <a:r>
-                        <a:rPr sz="900" spc="0" dirty="0">
+                        <a:rPr lang="de-de" sz="900" spc="0" dirty="0">
                           <a:solidFill>
                             <a:srgbClr val="020302"/>
                           </a:solidFill>
                           <a:latin typeface="AdobeClean-Light"/>
                           <a:cs typeface="AdobeClean-Light"/>
                         </a:rPr>
-                        <a:t>Named Support Engineer</a:t>
+                        <a:t>지정 지원 엔지니어</a:t>
                       </a:r>
                       <a:endParaRPr sz="900" spc="0" dirty="0">
                         <a:latin typeface="AdobeClean-Light"/>
@@ -3117,7 +2801,7 @@
                         </a:spcBef>
                       </a:pPr>
                       <a:r>
-                        <a:rPr sz="900" spc="0" dirty="0">
+                        <a:rPr lang="de-de" sz="900" spc="0" dirty="0">
                           <a:solidFill>
                             <a:srgbClr val="020302"/>
                           </a:solidFill>
@@ -3148,7 +2832,7 @@
                         </a:spcBef>
                       </a:pPr>
                       <a:r>
-                        <a:rPr sz="900" spc="0" dirty="0">
+                        <a:rPr lang="de-de" sz="900" spc="0" dirty="0">
                           <a:solidFill>
                             <a:srgbClr val="020302"/>
                           </a:solidFill>
@@ -3242,14 +2926,14 @@
                         </a:spcBef>
                       </a:pPr>
                       <a:r>
-                        <a:rPr sz="900" spc="0" dirty="0">
+                        <a:rPr lang="de-de" sz="900" spc="0" dirty="0">
                           <a:solidFill>
                             <a:srgbClr val="020302"/>
                           </a:solidFill>
                           <a:latin typeface="AdobeClean-Light"/>
                           <a:cs typeface="AdobeClean-Light"/>
                         </a:rPr>
-                        <a:t>Technical Account Manager</a:t>
+                        <a:t>기술 계정 관리자</a:t>
                       </a:r>
                       <a:endParaRPr sz="900" spc="0" dirty="0">
                         <a:latin typeface="AdobeClean-Light"/>
@@ -3406,7 +3090,7 @@
                         </a:spcBef>
                       </a:pPr>
                       <a:r>
-                        <a:rPr sz="900" spc="0" dirty="0">
+                        <a:rPr lang="de-de" sz="900" spc="0" dirty="0">
                           <a:solidFill>
                             <a:srgbClr val="020302"/>
                           </a:solidFill>
@@ -3457,14 +3141,14 @@
                         </a:spcBef>
                       </a:pPr>
                       <a:r>
-                        <a:rPr lang="en-US" sz="1000" b="1" i="0" spc="0" dirty="0">
+                        <a:rPr lang="de-de" sz="1000" b="1" i="0" spc="0" dirty="0">
                           <a:solidFill>
                             <a:schemeClr val="bg1"/>
                           </a:solidFill>
                           <a:latin typeface="Adobe Clean" panose="020B0503020404020204" pitchFamily="34" charset="0"/>
                           <a:cs typeface="AdobeClean-Light"/>
                         </a:rPr>
-                        <a:t>Support Services</a:t>
+                        <a:t>지원 서비스</a:t>
                       </a:r>
                       <a:endParaRPr sz="1000" b="1" i="0" spc="0" dirty="0">
                         <a:solidFill>
@@ -3528,74 +3212,64 @@
                         </a:spcBef>
                       </a:pPr>
                       <a:r>
-                        <a:rPr lang="en-US" sz="900" spc="0" dirty="0">
+                        <a:rPr lang="de-de" sz="900" spc="0" dirty="0">
                           <a:solidFill>
                             <a:srgbClr val="020302"/>
                           </a:solidFill>
                           <a:latin typeface="AdobeClean-Light"/>
                           <a:cs typeface="AdobeClean-Light"/>
                         </a:rPr>
-                        <a:t>Online </a:t>
+                        <a:t>온라인  지원</a:t>
                       </a:r>
+                      <a:endParaRPr sz="900" spc="0" dirty="0">
+                        <a:latin typeface="AdobeClean-Light"/>
+                        <a:cs typeface="AdobeClean-Light"/>
+                      </a:endParaRPr>
+                    </a:p>
+                  </a:txBody>
+                  <a:tcPr marL="0" marR="0" marT="57150" marB="0">
+                    <a:lnL w="12700">
+                      <a:solidFill>
+                        <a:srgbClr val="F0F0F0"/>
+                      </a:solidFill>
+                      <a:prstDash val="solid"/>
+                    </a:lnL>
+                    <a:lnR w="12700">
+                      <a:solidFill>
+                        <a:srgbClr val="F0F0F0"/>
+                      </a:solidFill>
+                      <a:prstDash val="solid"/>
+                    </a:lnR>
+                    <a:lnT w="12700">
+                      <a:solidFill>
+                        <a:srgbClr val="F0F0F0"/>
+                      </a:solidFill>
+                      <a:prstDash val="solid"/>
+                    </a:lnT>
+                  </a:tcPr>
+                </a:tc>
+                <a:tc>
+                  <a:txBody>
+                    <a:bodyPr/>
+                    <a:lstStyle/>
+                    <a:p>
+                      <a:pPr algn="ctr">
+                        <a:lnSpc>
+                          <a:spcPct val="100000"/>
+                        </a:lnSpc>
+                        <a:spcBef>
+                          <a:spcPts val="535"/>
+                        </a:spcBef>
+                      </a:pPr>
                       <a:r>
-                        <a:rPr sz="900" spc="0" dirty="0">
+                        <a:rPr lang="de-de" sz="800" spc="0" dirty="0">
                           <a:solidFill>
                             <a:srgbClr val="020302"/>
                           </a:solidFill>
                           <a:latin typeface="AdobeClean-Light"/>
                           <a:cs typeface="AdobeClean-Light"/>
                         </a:rPr>
-                        <a:t> Support</a:t>
-                      </a:r>
-                      <a:endParaRPr sz="900" spc="0" dirty="0">
-                        <a:latin typeface="AdobeClean-Light"/>
-                        <a:cs typeface="AdobeClean-Light"/>
-                      </a:endParaRPr>
-                    </a:p>
-                  </a:txBody>
-                  <a:tcPr marL="0" marR="0" marT="57150" marB="0">
-                    <a:lnL w="12700">
-                      <a:solidFill>
-                        <a:srgbClr val="F0F0F0"/>
-                      </a:solidFill>
-                      <a:prstDash val="solid"/>
-                    </a:lnL>
-                    <a:lnR w="12700">
-                      <a:solidFill>
-                        <a:srgbClr val="F0F0F0"/>
-                      </a:solidFill>
-                      <a:prstDash val="solid"/>
-                    </a:lnR>
-                    <a:lnT w="12700">
-                      <a:solidFill>
-                        <a:srgbClr val="F0F0F0"/>
-                      </a:solidFill>
-                      <a:prstDash val="solid"/>
-                    </a:lnT>
-                  </a:tcPr>
-                </a:tc>
-                <a:tc>
-                  <a:txBody>
-                    <a:bodyPr/>
-                    <a:lstStyle/>
-                    <a:p>
-                      <a:pPr algn="ctr">
-                        <a:lnSpc>
-                          <a:spcPct val="100000"/>
-                        </a:lnSpc>
-                        <a:spcBef>
-                          <a:spcPts val="535"/>
-                        </a:spcBef>
-                      </a:pPr>
-                      <a:r>
-                        <a:rPr sz="800" spc="0" dirty="0">
-                          <a:solidFill>
-                            <a:srgbClr val="020302"/>
-                          </a:solidFill>
-                          <a:latin typeface="AdobeClean-Light"/>
-                          <a:cs typeface="AdobeClean-Light"/>
-                        </a:rPr>
-                        <a:t>Business hours</a:t>
+                        <a:t>업무 시간</a:t>
                       </a:r>
                       <a:endParaRPr sz="800" spc="0" dirty="0">
                         <a:latin typeface="AdobeClean-Light"/>
@@ -3637,14 +3311,14 @@
                         </a:spcBef>
                       </a:pPr>
                       <a:r>
-                        <a:rPr sz="800" spc="0" dirty="0">
+                        <a:rPr lang="de-de" sz="800" spc="0" dirty="0">
                           <a:solidFill>
                             <a:srgbClr val="020302"/>
                           </a:solidFill>
                           <a:latin typeface="AdobeClean-Light"/>
                           <a:cs typeface="AdobeClean-Light"/>
                         </a:rPr>
-                        <a:t>Business hours</a:t>
+                        <a:t>업무 시간</a:t>
                       </a:r>
                       <a:endParaRPr sz="800" spc="0" dirty="0">
                         <a:latin typeface="AdobeClean-Light"/>
@@ -3706,7 +3380,7 @@
                         </a:spcBef>
                       </a:pPr>
                       <a:r>
-                        <a:rPr sz="800" spc="0" dirty="0">
+                        <a:rPr lang="de-de" sz="800" spc="0" dirty="0">
                           <a:solidFill>
                             <a:srgbClr val="020302"/>
                           </a:solidFill>
@@ -3744,7 +3418,7 @@
                         </a:spcBef>
                       </a:pPr>
                       <a:r>
-                        <a:rPr sz="800" spc="0" dirty="0">
+                        <a:rPr lang="de-de" sz="800" spc="0" dirty="0">
                           <a:solidFill>
                             <a:srgbClr val="020302"/>
                           </a:solidFill>
@@ -3835,34 +3509,14 @@
                         </a:spcBef>
                       </a:pPr>
                       <a:r>
-                        <a:rPr sz="900" spc="0" dirty="0">
+                        <a:rPr lang="de-de" sz="900" spc="0" dirty="0">
                           <a:solidFill>
                             <a:srgbClr val="020302"/>
                           </a:solidFill>
                           <a:latin typeface="AdobeClean-Light"/>
                           <a:cs typeface="AdobeClean-Light"/>
                         </a:rPr>
-                        <a:t>24x7</a:t>
-                      </a:r>
-                      <a:r>
-                        <a:rPr lang="en-US" sz="900" spc="0" dirty="0">
-                          <a:solidFill>
-                            <a:srgbClr val="020302"/>
-                          </a:solidFill>
-                          <a:latin typeface="AdobeClean-Light"/>
-                          <a:cs typeface="AdobeClean-Light"/>
-                        </a:rPr>
-                        <a:t>x365</a:t>
-                      </a:r>
-                      <a:r>
-                        <a:rPr sz="900" spc="0" dirty="0">
-                          <a:solidFill>
-                            <a:srgbClr val="020302"/>
-                          </a:solidFill>
-                          <a:latin typeface="AdobeClean-Light"/>
-                          <a:cs typeface="AdobeClean-Light"/>
-                        </a:rPr>
-                        <a:t> P1 Issue Support</a:t>
+                        <a:t>24x7x365 P1 문제 지원</a:t>
                       </a:r>
                       <a:endParaRPr sz="900" spc="0" dirty="0">
                         <a:latin typeface="AdobeClean-Light"/>
@@ -3899,7 +3553,7 @@
                         </a:spcBef>
                       </a:pPr>
                       <a:r>
-                        <a:rPr sz="900" spc="0" dirty="0">
+                        <a:rPr lang="de-de" sz="900" spc="0" dirty="0">
                           <a:solidFill>
                             <a:srgbClr val="020302"/>
                           </a:solidFill>
@@ -3942,7 +3596,7 @@
                         </a:spcBef>
                       </a:pPr>
                       <a:r>
-                        <a:rPr sz="900" spc="0" dirty="0">
+                        <a:rPr lang="de-de" sz="900" spc="0" dirty="0">
                           <a:solidFill>
                             <a:srgbClr val="020302"/>
                           </a:solidFill>
@@ -3994,7 +3648,7 @@
                         </a:spcBef>
                       </a:pPr>
                       <a:r>
-                        <a:rPr sz="900" spc="0" dirty="0">
+                        <a:rPr lang="de-de" sz="900" spc="0" dirty="0">
                           <a:solidFill>
                             <a:srgbClr val="020302"/>
                           </a:solidFill>
@@ -4025,7 +3679,7 @@
                         </a:spcBef>
                       </a:pPr>
                       <a:r>
-                        <a:rPr sz="900" spc="0" dirty="0">
+                        <a:rPr lang="de-de" sz="900" spc="0" dirty="0">
                           <a:solidFill>
                             <a:srgbClr val="020302"/>
                           </a:solidFill>
@@ -4110,14 +3764,14 @@
                         </a:spcBef>
                       </a:pPr>
                       <a:r>
-                        <a:rPr lang="en-US" sz="900" spc="0" dirty="0">
+                        <a:rPr lang="de-de" sz="900" spc="0" dirty="0">
                           <a:solidFill>
                             <a:srgbClr val="020302"/>
                           </a:solidFill>
                           <a:latin typeface="AdobeClean-Light"/>
                           <a:cs typeface="AdobeClean-Light"/>
                         </a:rPr>
-                        <a:t>Named Support Contacts (per product)</a:t>
+                        <a:t>지정된 지원 담당자(제품당)</a:t>
                       </a:r>
                       <a:endParaRPr sz="900" spc="0" dirty="0">
                         <a:latin typeface="AdobeClean-Light"/>
@@ -4154,7 +3808,7 @@
                         </a:spcBef>
                       </a:pPr>
                       <a:r>
-                        <a:rPr sz="900" spc="0" dirty="0">
+                        <a:rPr lang="de-de" sz="900" spc="0" dirty="0">
                           <a:solidFill>
                             <a:srgbClr val="020302"/>
                           </a:solidFill>
@@ -4197,7 +3851,7 @@
                         </a:spcBef>
                       </a:pPr>
                       <a:r>
-                        <a:rPr sz="900" spc="0" dirty="0">
+                        <a:rPr lang="de-de" sz="900" spc="0" dirty="0">
                           <a:solidFill>
                             <a:srgbClr val="020302"/>
                           </a:solidFill>
@@ -4249,7 +3903,7 @@
                         </a:spcBef>
                       </a:pPr>
                       <a:r>
-                        <a:rPr sz="900" spc="0" dirty="0">
+                        <a:rPr lang="de-de" sz="900" spc="0" dirty="0">
                           <a:solidFill>
                             <a:srgbClr val="020302"/>
                           </a:solidFill>
@@ -4280,7 +3934,7 @@
                         </a:spcBef>
                       </a:pPr>
                       <a:r>
-                        <a:rPr sz="900" spc="0" dirty="0">
+                        <a:rPr lang="de-de" sz="900" spc="0" dirty="0">
                           <a:solidFill>
                             <a:srgbClr val="020302"/>
                           </a:solidFill>
@@ -4365,14 +4019,14 @@
                         </a:spcBef>
                       </a:pPr>
                       <a:r>
-                        <a:rPr lang="en-US" sz="900" spc="0" dirty="0">
+                        <a:rPr lang="de-de" sz="900" spc="0" dirty="0">
                           <a:solidFill>
                             <a:srgbClr val="020302"/>
                           </a:solidFill>
                           <a:latin typeface="AdobeClean-Light"/>
                           <a:cs typeface="AdobeClean-Light"/>
                         </a:rPr>
-                        <a:t>Live Telephone Support</a:t>
+                        <a:t>실시간 전화 지원</a:t>
                       </a:r>
                       <a:endParaRPr sz="900" spc="0" dirty="0">
                         <a:latin typeface="AdobeClean-Light"/>
@@ -4439,7 +4093,7 @@
                         </a:spcBef>
                       </a:pPr>
                       <a:r>
-                        <a:rPr sz="900" spc="0" dirty="0">
+                        <a:rPr lang="de-de" sz="900" spc="0" dirty="0">
                           <a:solidFill>
                             <a:srgbClr val="020302"/>
                           </a:solidFill>
@@ -4491,7 +4145,7 @@
                         </a:spcBef>
                       </a:pPr>
                       <a:r>
-                        <a:rPr sz="900" spc="0" dirty="0">
+                        <a:rPr lang="de-de" sz="900" spc="0" dirty="0">
                           <a:solidFill>
                             <a:srgbClr val="020302"/>
                           </a:solidFill>
@@ -4522,7 +4176,7 @@
                         </a:spcBef>
                       </a:pPr>
                       <a:r>
-                        <a:rPr sz="900" spc="0" dirty="0">
+                        <a:rPr lang="de-de" sz="900" spc="0" dirty="0">
                           <a:solidFill>
                             <a:srgbClr val="020302"/>
                           </a:solidFill>
@@ -4607,14 +4261,14 @@
                         </a:spcBef>
                       </a:pPr>
                       <a:r>
-                        <a:rPr sz="900" spc="0" dirty="0">
+                        <a:rPr lang="de-de" sz="900" spc="0" dirty="0">
                           <a:solidFill>
                             <a:srgbClr val="020302"/>
                           </a:solidFill>
                           <a:latin typeface="AdobeClean-Light"/>
                           <a:cs typeface="AdobeClean-Light"/>
                         </a:rPr>
-                        <a:t>Escalation Management</a:t>
+                        <a:t>에스컬레이션 관리</a:t>
                       </a:r>
                       <a:endParaRPr sz="900" spc="0" dirty="0">
                         <a:latin typeface="AdobeClean-Light"/>
@@ -4681,7 +4335,7 @@
                         </a:spcBef>
                       </a:pPr>
                       <a:r>
-                        <a:rPr sz="900" spc="0" dirty="0">
+                        <a:rPr lang="de-de" sz="900" spc="0" dirty="0">
                           <a:solidFill>
                             <a:srgbClr val="020302"/>
                           </a:solidFill>
@@ -4733,7 +4387,7 @@
                         </a:spcBef>
                       </a:pPr>
                       <a:r>
-                        <a:rPr sz="900" spc="0" dirty="0">
+                        <a:rPr lang="de-de" sz="900" spc="0" dirty="0">
                           <a:solidFill>
                             <a:srgbClr val="020302"/>
                           </a:solidFill>
@@ -4764,7 +4418,7 @@
                         </a:spcBef>
                       </a:pPr>
                       <a:r>
-                        <a:rPr sz="900" spc="0" dirty="0">
+                        <a:rPr lang="de-de" sz="900" spc="0" dirty="0">
                           <a:solidFill>
                             <a:srgbClr val="020302"/>
                           </a:solidFill>
@@ -4849,14 +4503,14 @@
                         </a:spcBef>
                       </a:pPr>
                       <a:r>
-                        <a:rPr sz="900" spc="0" dirty="0">
+                        <a:rPr lang="de-de" sz="900" spc="0" dirty="0">
                           <a:solidFill>
                             <a:srgbClr val="020302"/>
                           </a:solidFill>
                           <a:latin typeface="AdobeClean-Light"/>
                           <a:cs typeface="AdobeClean-Light"/>
                         </a:rPr>
-                        <a:t>Service Reviews  per Year</a:t>
+                        <a:t>연간 서비스 리뷰</a:t>
                       </a:r>
                       <a:endParaRPr sz="900" spc="0" dirty="0">
                         <a:latin typeface="AdobeClean-Light"/>
@@ -4959,7 +4613,7 @@
                         </a:spcBef>
                       </a:pPr>
                       <a:r>
-                        <a:rPr sz="900" spc="0" dirty="0">
+                        <a:rPr lang="de-de" sz="900" spc="0" dirty="0">
                           <a:solidFill>
                             <a:srgbClr val="020302"/>
                           </a:solidFill>
@@ -4990,7 +4644,7 @@
                         </a:spcBef>
                       </a:pPr>
                       <a:r>
-                        <a:rPr sz="900" spc="0" dirty="0">
+                        <a:rPr lang="de-de" sz="900" spc="0" dirty="0">
                           <a:solidFill>
                             <a:srgbClr val="020302"/>
                           </a:solidFill>
@@ -5045,11 +4699,11 @@
                         </a:spcBef>
                       </a:pPr>
                       <a:r>
-                        <a:rPr lang="en-US" sz="900" spc="0" dirty="0">
+                        <a:rPr lang="de-de" sz="900" spc="0" dirty="0">
                           <a:latin typeface="AdobeClean-Light"/>
                           <a:cs typeface="AdobeClean-Light"/>
                         </a:rPr>
-                        <a:t>Expert Sessions per Year</a:t>
+                        <a:t>연간 전문가 세션</a:t>
                       </a:r>
                       <a:endParaRPr sz="900" spc="0" dirty="0">
                         <a:latin typeface="AdobeClean-Light"/>
@@ -5153,7 +4807,7 @@
                         </a:spcBef>
                       </a:pPr>
                       <a:r>
-                        <a:rPr lang="en-US" sz="900" spc="0" dirty="0">
+                        <a:rPr lang="de-de" sz="900" spc="0" dirty="0">
                           <a:latin typeface="AdobeClean-Light"/>
                           <a:cs typeface="AdobeClean-Light"/>
                         </a:rPr>
@@ -5181,7 +4835,7 @@
                         </a:spcBef>
                       </a:pPr>
                       <a:r>
-                        <a:rPr lang="en-US" sz="900" spc="0" dirty="0">
+                        <a:rPr lang="de-de" sz="900" spc="0" dirty="0">
                           <a:latin typeface="AdobeClean-Light"/>
                           <a:cs typeface="AdobeClean-Light"/>
                         </a:rPr>
@@ -5233,11 +4887,11 @@
                         </a:spcBef>
                       </a:pPr>
                       <a:r>
-                        <a:rPr lang="en-US" sz="900" spc="0" dirty="0">
+                        <a:rPr lang="de-de" sz="900" spc="0" dirty="0">
                           <a:latin typeface="AdobeClean-Light"/>
                           <a:cs typeface="AdobeClean-Light"/>
                         </a:rPr>
-                        <a:t>Case Reviews</a:t>
+                        <a:t>사례 검토</a:t>
                       </a:r>
                       <a:endParaRPr sz="900" spc="0" dirty="0">
                         <a:latin typeface="AdobeClean-Light"/>
@@ -5350,7 +5004,7 @@
                         <a:defRPr/>
                       </a:pPr>
                       <a:r>
-                        <a:rPr lang="en-US" sz="900" spc="0" dirty="0">
+                        <a:rPr lang="de-de" sz="900" spc="0" dirty="0">
                           <a:solidFill>
                             <a:srgbClr val="020302"/>
                           </a:solidFill>
@@ -5390,7 +5044,7 @@
                         <a:defRPr/>
                       </a:pPr>
                       <a:r>
-                        <a:rPr lang="en-US" sz="900" spc="0" dirty="0">
+                        <a:rPr lang="de-de" sz="900" spc="0">
                           <a:solidFill>
                             <a:srgbClr val="020302"/>
                           </a:solidFill>
@@ -5475,14 +5129,14 @@
                         </a:spcBef>
                       </a:pPr>
                       <a:r>
-                        <a:rPr sz="900" spc="0" dirty="0">
+                        <a:rPr lang="de-de" sz="900" spc="0" dirty="0">
                           <a:solidFill>
                             <a:srgbClr val="020302"/>
                           </a:solidFill>
                           <a:latin typeface="AdobeClean-Light"/>
                           <a:cs typeface="AdobeClean-Light"/>
                         </a:rPr>
-                        <a:t>Event Management</a:t>
+                        <a:t>이벤트 관리</a:t>
                       </a:r>
                       <a:endParaRPr sz="900" spc="0" dirty="0">
                         <a:latin typeface="AdobeClean-Light"/>
@@ -5603,7 +5257,7 @@
                         </a:spcBef>
                       </a:pPr>
                       <a:r>
-                        <a:rPr sz="900" spc="0" dirty="0">
+                        <a:rPr lang="de-de" sz="900" spc="0" dirty="0">
                           <a:solidFill>
                             <a:srgbClr val="020302"/>
                           </a:solidFill>
@@ -5697,35 +5351,19 @@
                         </a:spcBef>
                       </a:pPr>
                       <a:r>
-                        <a:rPr sz="900" spc="0" dirty="0">
+                        <a:rPr lang="de-de" sz="900" spc="0" dirty="0">
                           <a:solidFill>
                             <a:srgbClr val="020302"/>
                           </a:solidFill>
                           <a:latin typeface="AdobeClean-Light"/>
                           <a:cs typeface="AdobeClean-Light"/>
                         </a:rPr>
-                        <a:t>Environment</a:t>
+                        <a:t>환경 검토, 유지 관리 및 모니터링,</a:t>
                       </a:r>
-                      <a:r>
-                        <a:rPr lang="en-US" sz="900" spc="0" dirty="0">
-                          <a:solidFill>
-                            <a:srgbClr val="020302"/>
-                          </a:solidFill>
-                          <a:latin typeface="AdobeClean-Light"/>
-                          <a:cs typeface="AdobeClean-Light"/>
-                        </a:rPr>
-                        <a:t> </a:t>
-                      </a:r>
-                      <a:r>
-                        <a:rPr sz="900" spc="0" dirty="0">
-                          <a:solidFill>
-                            <a:srgbClr val="020302"/>
-                          </a:solidFill>
-                          <a:latin typeface="AdobeClean-Light"/>
-                          <a:cs typeface="AdobeClean-Light"/>
-                        </a:rPr>
-                        <a:t>Review, Maintenance &amp; Monitoring</a:t>
-                      </a:r>
+                      <a:endParaRPr sz="900" spc="0" dirty="0">
+                        <a:latin typeface="AdobeClean-Light"/>
+                        <a:cs typeface="AdobeClean-Light"/>
+                      </a:endParaRPr>
                     </a:p>
                   </a:txBody>
                   <a:tcPr marL="0" marR="0" marT="59055" marB="0">
@@ -5850,7 +5488,7 @@
                         </a:spcBef>
                       </a:pPr>
                       <a:r>
-                        <a:rPr sz="900" spc="0" dirty="0">
+                        <a:rPr lang="de-de" sz="900" spc="0" dirty="0">
                           <a:solidFill>
                             <a:srgbClr val="020302"/>
                           </a:solidFill>
@@ -5935,14 +5573,14 @@
                         </a:spcBef>
                       </a:pPr>
                       <a:r>
-                        <a:rPr sz="900" spc="0" dirty="0">
+                        <a:rPr lang="de-de" sz="900" spc="0" dirty="0">
                           <a:solidFill>
                             <a:srgbClr val="020302"/>
                           </a:solidFill>
                           <a:latin typeface="AdobeClean-Light"/>
                           <a:cs typeface="AdobeClean-Light"/>
                         </a:rPr>
-                        <a:t>Release, Migration, Upgrade &amp; Product Roadmap Review</a:t>
+                        <a:t>릴리스, 마이그레이션, 업그레이드 및 제품 로드맵 검토</a:t>
                       </a:r>
                       <a:endParaRPr sz="900" spc="0" dirty="0">
                         <a:latin typeface="AdobeClean-Light"/>
@@ -6063,7 +5701,7 @@
                         </a:spcBef>
                       </a:pPr>
                       <a:r>
-                        <a:rPr sz="900" spc="0" dirty="0">
+                        <a:rPr lang="de-de" sz="900" spc="0" dirty="0">
                           <a:solidFill>
                             <a:srgbClr val="020302"/>
                           </a:solidFill>
@@ -6157,11 +5795,11 @@
                         </a:spcBef>
                       </a:pPr>
                       <a:r>
-                        <a:rPr sz="900" spc="0" dirty="0">
+                        <a:rPr lang="de-de" sz="900" spc="0" dirty="0">
                           <a:latin typeface="AdobeClean-Light"/>
                           <a:cs typeface="AdobeClean-Light"/>
                         </a:rPr>
-                        <a:t>Cloud Support Activities – Experience Manager as Cloud</a:t>
+                        <a:t>클라우드 지원 활동 – Experience Manager as Cloud</a:t>
                       </a:r>
                     </a:p>
                   </a:txBody>
@@ -6289,7 +5927,7 @@
                         </a:spcBef>
                       </a:pPr>
                       <a:r>
-                        <a:rPr sz="900" spc="0" dirty="0">
+                        <a:rPr lang="de-de" sz="900" spc="0" dirty="0">
                           <a:solidFill>
                             <a:srgbClr val="020302"/>
                           </a:solidFill>
@@ -6327,7 +5965,7 @@
                         </a:spcBef>
                       </a:pPr>
                       <a:r>
-                        <a:rPr sz="900" spc="0" dirty="0">
+                        <a:rPr lang="de-de" sz="900" spc="0" dirty="0">
                           <a:solidFill>
                             <a:srgbClr val="020302"/>
                           </a:solidFill>
@@ -6378,14 +6016,14 @@
                         </a:spcBef>
                       </a:pPr>
                       <a:r>
-                        <a:rPr lang="en-US" sz="1000" b="1" i="0" spc="0" dirty="0">
+                        <a:rPr lang="de-de" sz="1000" b="1" i="0" spc="0" dirty="0">
                           <a:solidFill>
                             <a:schemeClr val="bg1"/>
                           </a:solidFill>
                           <a:latin typeface="Adobe Clean" panose="020B0503020404020204" pitchFamily="34" charset="0"/>
                           <a:cs typeface="AdobeClean-Light"/>
                         </a:rPr>
-                        <a:t>Field Services</a:t>
+                        <a:t>현장 서비스</a:t>
                       </a:r>
                       <a:endParaRPr sz="1000" b="1" i="0" spc="0" dirty="0">
                         <a:solidFill>
@@ -6446,55 +6084,45 @@
                         </a:spcBef>
                       </a:pPr>
                       <a:r>
-                        <a:rPr sz="900" spc="0" dirty="0">
+                        <a:rPr lang="de-de" sz="900" spc="0" dirty="0">
                           <a:solidFill>
                             <a:srgbClr val="020302"/>
                           </a:solidFill>
                           <a:latin typeface="AdobeClean-Light"/>
                           <a:cs typeface="AdobeClean-Light"/>
                         </a:rPr>
-                        <a:t>Launch Advisory Services – First Year of </a:t>
+                        <a:t>출시 자문 서비스 – 새로운 솔루션</a:t>
                       </a:r>
+                      <a:endParaRPr sz="900" spc="0" dirty="0">
+                        <a:latin typeface="AdobeClean-Light"/>
+                        <a:cs typeface="AdobeClean-Light"/>
+                      </a:endParaRPr>
+                    </a:p>
+                    <a:p>
+                      <a:pPr marL="48260">
+                        <a:lnSpc>
+                          <a:spcPct val="100000"/>
+                        </a:lnSpc>
+                        <a:spcBef>
+                          <a:spcPts val="830"/>
+                        </a:spcBef>
+                      </a:pPr>
                       <a:r>
-                        <a:rPr lang="en-US" sz="900" spc="0" dirty="0">
+                        <a:rPr lang="de-de" sz="900" spc="0" dirty="0">
                           <a:solidFill>
                             <a:srgbClr val="020302"/>
                           </a:solidFill>
                           <a:latin typeface="AdobeClean-Light"/>
                           <a:cs typeface="AdobeClean-Light"/>
                         </a:rPr>
-                        <a:t>a </a:t>
+                        <a:t>의 첫 해</a:t>
                       </a:r>
                       <a:r>
-                        <a:rPr sz="900" spc="0" dirty="0">
-                          <a:solidFill>
-                            <a:srgbClr val="020302"/>
-                          </a:solidFill>
+                        <a:rPr lang="de-de" sz="900" spc="0" dirty="0">
                           <a:latin typeface="AdobeClean-Light"/>
                           <a:cs typeface="AdobeClean-Light"/>
                         </a:rPr>
-                        <a:t>new solution</a:t>
-                      </a:r>
-                      <a:endParaRPr sz="900" spc="0" dirty="0">
-                        <a:latin typeface="AdobeClean-Light"/>
-                        <a:cs typeface="AdobeClean-Light"/>
-                      </a:endParaRPr>
-                    </a:p>
-                    <a:p>
-                      <a:pPr marL="48260">
-                        <a:lnSpc>
-                          <a:spcPct val="100000"/>
-                        </a:lnSpc>
-                        <a:spcBef>
-                          <a:spcPts val="830"/>
-                        </a:spcBef>
-                      </a:pPr>
-                      <a:r>
-                        <a:rPr sz="900" spc="0" dirty="0">
-                          <a:latin typeface="AdobeClean-Light"/>
-                          <a:cs typeface="AdobeClean-Light"/>
-                        </a:rPr>
-                        <a:t>Field Service Activities</a:t>
+                        <a:t>현장 서비스 활동</a:t>
                       </a:r>
                     </a:p>
                   </a:txBody>
@@ -6628,7 +6256,7 @@
                         </a:spcBef>
                       </a:pPr>
                       <a:r>
-                        <a:rPr sz="900" spc="0" dirty="0">
+                        <a:rPr lang="de-de" sz="900" spc="0" dirty="0">
                           <a:solidFill>
                             <a:srgbClr val="020302"/>
                           </a:solidFill>
@@ -6666,7 +6294,7 @@
                         </a:spcBef>
                       </a:pPr>
                       <a:r>
-                        <a:rPr sz="900" spc="0" dirty="0">
+                        <a:rPr lang="de-de" sz="900" spc="0" dirty="0">
                           <a:solidFill>
                             <a:srgbClr val="020302"/>
                           </a:solidFill>
@@ -6848,7 +6476,7 @@
                         </a:spcBef>
                       </a:pPr>
                       <a:r>
-                        <a:rPr sz="900" spc="0" dirty="0">
+                        <a:rPr lang="de-de" sz="900" spc="0" dirty="0">
                           <a:solidFill>
                             <a:srgbClr val="020302"/>
                           </a:solidFill>
@@ -6886,7 +6514,7 @@
                         </a:spcBef>
                       </a:pPr>
                       <a:r>
-                        <a:rPr sz="900" spc="0" dirty="0">
+                        <a:rPr lang="de-de" sz="900" spc="0" dirty="0">
                           <a:solidFill>
                             <a:srgbClr val="020302"/>
                           </a:solidFill>
@@ -6939,7 +6567,7 @@
         <p:spPr>
           <a:xfrm>
             <a:off x="5307201" y="9862966"/>
-            <a:ext cx="2270125" cy="132729"/>
+            <a:ext cx="2693799" cy="132729"/>
           </a:xfrm>
           <a:prstGeom prst="rect">
             <a:avLst/>
@@ -6960,24 +6588,16 @@
               </a:spcBef>
             </a:pPr>
             <a:r>
-              <a:rPr spc="-5" dirty="0"/>
-              <a:t>©202</a:t>
-            </a:r>
-            <a:r>
-              <a:rPr lang="en-US" spc="-5" dirty="0"/>
-              <a:t>1</a:t>
-            </a:r>
-            <a:r>
-              <a:rPr spc="-5" dirty="0"/>
-              <a:t> Adobe. All Rights Reserved. Adobe</a:t>
-            </a:r>
-            <a:r>
-              <a:rPr spc="60" dirty="0"/>
+              <a:rPr lang="de-de" spc="-5" dirty="0"/>
+              <a:t>©2021 Adobe. All Rights Reserved. Adobe</a:t>
+            </a:r>
+            <a:r>
+              <a:rPr lang="de-de" spc="60" dirty="0"/>
               <a:t> </a:t>
             </a:r>
             <a:r>
-              <a:rPr spc="-5" dirty="0"/>
-              <a:t>Confidential.</a:t>
+              <a:rPr lang="de-de" spc="-5" dirty="0"/>
+              <a:t>기밀.</a:t>
             </a:r>
           </a:p>
         </p:txBody>
@@ -6991,14 +6611,14 @@
           <p:nvPr>
             <p:extLst>
               <p:ext uri="{D42A27DB-BD31-4B8C-83A1-F6EECF244321}">
-                <p14:modId xmlns:p14="http://schemas.microsoft.com/office/powerpoint/2010/main" val="4081524108"/>
+                <p14:modId xmlns:p14="http://schemas.microsoft.com/office/powerpoint/2010/main" val="2197820453"/>
               </p:ext>
             </p:extLst>
           </p:nvPr>
         </p:nvGraphicFramePr>
         <p:xfrm>
           <a:off x="33527" y="7483227"/>
-          <a:ext cx="7705343" cy="2172787"/>
+          <a:ext cx="7705343" cy="2175327"/>
         </p:xfrm>
         <a:graphic>
           <a:graphicData uri="http://schemas.openxmlformats.org/drawingml/2006/table">
@@ -7058,14 +6678,14 @@
                         </a:spcBef>
                       </a:pPr>
                       <a:r>
-                        <a:rPr sz="900" spc="0" dirty="0">
+                        <a:rPr lang="de-de" sz="900" spc="0" dirty="0">
                           <a:solidFill>
                             <a:srgbClr val="020302"/>
                           </a:solidFill>
                           <a:latin typeface="Adobe Clean"/>
                           <a:cs typeface="Adobe Clean"/>
                         </a:rPr>
-                        <a:t>Priority</a:t>
+                        <a:t>우선 순위</a:t>
                       </a:r>
                       <a:endParaRPr sz="900" spc="0" dirty="0">
                         <a:latin typeface="Adobe Clean"/>
@@ -7117,34 +6737,14 @@
                         </a:spcBef>
                       </a:pPr>
                       <a:r>
-                        <a:rPr sz="900" spc="0" dirty="0">
+                        <a:rPr lang="de-de" sz="900" spc="0" dirty="0">
                           <a:solidFill>
                             <a:srgbClr val="020302"/>
                           </a:solidFill>
                           <a:latin typeface="Adobe Clean"/>
                           <a:cs typeface="Adobe Clean"/>
                         </a:rPr>
-                        <a:t>Online </a:t>
-                      </a:r>
-                      <a:r>
-                        <a:rPr lang="en-US" sz="900" spc="0" dirty="0">
-                          <a:solidFill>
-                            <a:srgbClr val="020302"/>
-                          </a:solidFill>
-                          <a:latin typeface="Adobe Clean"/>
-                          <a:cs typeface="Adobe Clean"/>
-                        </a:rPr>
-                        <a:t> </a:t>
-                      </a:r>
-                      <a:r>
-                        <a:rPr sz="900" spc="0" dirty="0">
-                          <a:solidFill>
-                            <a:srgbClr val="020302"/>
-                          </a:solidFill>
-                          <a:latin typeface="Adobe Clean"/>
-                          <a:cs typeface="Adobe Clean"/>
-                        </a:rPr>
-                        <a:t>Support</a:t>
+                        <a:t>온라인  지원</a:t>
                       </a:r>
                       <a:endParaRPr sz="900" spc="0" dirty="0">
                         <a:latin typeface="Adobe Clean"/>
@@ -7171,14 +6771,11 @@
                       </a:solidFill>
                       <a:prstDash val="solid"/>
                     </a:lnT>
-                    <a:lnB w="76200" cap="flat" cmpd="sng" algn="ctr">
+                    <a:lnB w="76200">
                       <a:solidFill>
                         <a:srgbClr val="858585"/>
                       </a:solidFill>
                       <a:prstDash val="solid"/>
-                      <a:round/>
-                      <a:headEnd type="none" w="med" len="med"/>
-                      <a:tailEnd type="none" w="med" len="med"/>
                     </a:lnB>
                     <a:solidFill>
                       <a:srgbClr val="D9D9D9"/>
@@ -7199,34 +6796,132 @@
                         </a:spcBef>
                       </a:pPr>
                       <a:r>
-                        <a:rPr sz="900" spc="0" dirty="0">
+                        <a:rPr lang="de-de" sz="900" spc="0" dirty="0">
                           <a:solidFill>
                             <a:srgbClr val="FFFFFF"/>
                           </a:solidFill>
                           <a:latin typeface="Adobe Clean"/>
                           <a:cs typeface="Adobe Clean"/>
                         </a:rPr>
-                        <a:t>Business</a:t>
+                        <a:t>비즈니스 지원</a:t>
                       </a:r>
+                      <a:endParaRPr sz="900" spc="0" dirty="0">
+                        <a:latin typeface="Adobe Clean"/>
+                        <a:cs typeface="Adobe Clean"/>
+                      </a:endParaRPr>
+                    </a:p>
+                  </a:txBody>
+                  <a:tcPr marL="0" marR="0" marT="0" marB="0" anchor="ctr">
+                    <a:lnL w="3175">
+                      <a:solidFill>
+                        <a:srgbClr val="B7B8B8"/>
+                      </a:solidFill>
+                      <a:prstDash val="solid"/>
+                    </a:lnL>
+                    <a:lnR w="3175">
+                      <a:solidFill>
+                        <a:srgbClr val="B7B8B8"/>
+                      </a:solidFill>
+                      <a:prstDash val="solid"/>
+                    </a:lnR>
+                    <a:lnT w="3175">
+                      <a:solidFill>
+                        <a:srgbClr val="B7B8B8"/>
+                      </a:solidFill>
+                      <a:prstDash val="solid"/>
+                    </a:lnT>
+                    <a:lnB w="76200">
+                      <a:solidFill>
+                        <a:srgbClr val="ACD2FF"/>
+                      </a:solidFill>
+                      <a:prstDash val="solid"/>
+                    </a:lnB>
+                    <a:solidFill>
+                      <a:srgbClr val="7D7D7D"/>
+                    </a:solidFill>
+                  </a:tcPr>
+                </a:tc>
+                <a:tc>
+                  <a:txBody>
+                    <a:bodyPr/>
+                    <a:lstStyle/>
+                    <a:p>
+                      <a:pPr marL="0" algn="ctr">
+                        <a:lnSpc>
+                          <a:spcPct val="100000"/>
+                        </a:lnSpc>
+                        <a:spcBef>
+                          <a:spcPts val="60"/>
+                        </a:spcBef>
+                      </a:pPr>
                       <a:r>
-                        <a:rPr lang="en-US" sz="900" spc="0" dirty="0">
+                        <a:rPr lang="de-de" sz="900" spc="0" dirty="0">
                           <a:solidFill>
                             <a:srgbClr val="FFFFFF"/>
                           </a:solidFill>
                           <a:latin typeface="Adobe Clean"/>
                           <a:cs typeface="Adobe Clean"/>
                         </a:rPr>
-                        <a:t> </a:t>
+                        <a:t>엔터프라이즈  지원</a:t>
                       </a:r>
+                      <a:endParaRPr sz="900" spc="0" dirty="0">
+                        <a:latin typeface="Adobe Clean"/>
+                        <a:cs typeface="Adobe Clean"/>
+                      </a:endParaRPr>
+                    </a:p>
+                  </a:txBody>
+                  <a:tcPr marL="0" marR="0" marT="0" marB="0" anchor="ctr">
+                    <a:lnL w="3175">
+                      <a:solidFill>
+                        <a:srgbClr val="B7B8B8"/>
+                      </a:solidFill>
+                      <a:prstDash val="solid"/>
+                    </a:lnL>
+                    <a:lnR w="3175">
+                      <a:solidFill>
+                        <a:srgbClr val="B7B8B8"/>
+                      </a:solidFill>
+                      <a:prstDash val="solid"/>
+                    </a:lnR>
+                    <a:lnT w="3175">
+                      <a:solidFill>
+                        <a:srgbClr val="B7B8B8"/>
+                      </a:solidFill>
+                      <a:prstDash val="solid"/>
+                    </a:lnT>
+                    <a:lnB w="76200">
+                      <a:solidFill>
+                        <a:srgbClr val="2E8FFF"/>
+                      </a:solidFill>
+                      <a:prstDash val="solid"/>
+                    </a:lnB>
+                    <a:solidFill>
+                      <a:srgbClr val="404040"/>
+                    </a:solidFill>
+                  </a:tcPr>
+                </a:tc>
+                <a:tc>
+                  <a:txBody>
+                    <a:bodyPr/>
+                    <a:lstStyle/>
+                    <a:p>
+                      <a:pPr marL="0" algn="ctr">
+                        <a:lnSpc>
+                          <a:spcPct val="100000"/>
+                        </a:lnSpc>
+                        <a:spcBef>
+                          <a:spcPts val="60"/>
+                        </a:spcBef>
+                      </a:pPr>
                       <a:r>
-                        <a:rPr sz="900" spc="0" dirty="0">
+                        <a:rPr lang="de-de" sz="900" spc="0" dirty="0">
                           <a:solidFill>
                             <a:srgbClr val="FFFFFF"/>
                           </a:solidFill>
                           <a:latin typeface="Adobe Clean"/>
                           <a:cs typeface="Adobe Clean"/>
                         </a:rPr>
-                        <a:t>Support</a:t>
+                        <a:t>엘리트 지원</a:t>
                       </a:r>
                       <a:endParaRPr sz="900" spc="0" dirty="0">
                         <a:latin typeface="Adobe Clean"/>
@@ -7253,178 +6948,11 @@
                       </a:solidFill>
                       <a:prstDash val="solid"/>
                     </a:lnT>
-                    <a:lnB w="76200" cap="flat" cmpd="sng" algn="ctr">
-                      <a:solidFill>
-                        <a:srgbClr val="ACD2FF"/>
-                      </a:solidFill>
-                      <a:prstDash val="solid"/>
-                      <a:round/>
-                      <a:headEnd type="none" w="med" len="med"/>
-                      <a:tailEnd type="none" w="med" len="med"/>
-                    </a:lnB>
-                    <a:solidFill>
-                      <a:srgbClr val="7D7D7D"/>
-                    </a:solidFill>
-                  </a:tcPr>
-                </a:tc>
-                <a:tc>
-                  <a:txBody>
-                    <a:bodyPr/>
-                    <a:lstStyle/>
-                    <a:p>
-                      <a:pPr marL="0" algn="ctr">
-                        <a:lnSpc>
-                          <a:spcPct val="100000"/>
-                        </a:lnSpc>
-                        <a:spcBef>
-                          <a:spcPts val="60"/>
-                        </a:spcBef>
-                      </a:pPr>
-                      <a:r>
-                        <a:rPr sz="900" spc="0" dirty="0">
-                          <a:solidFill>
-                            <a:srgbClr val="FFFFFF"/>
-                          </a:solidFill>
-                          <a:latin typeface="Adobe Clean"/>
-                          <a:cs typeface="Adobe Clean"/>
-                        </a:rPr>
-                        <a:t>Enterprise </a:t>
-                      </a:r>
-                      <a:r>
-                        <a:rPr lang="en-US" sz="900" spc="0" dirty="0">
-                          <a:solidFill>
-                            <a:srgbClr val="FFFFFF"/>
-                          </a:solidFill>
-                          <a:latin typeface="Adobe Clean"/>
-                          <a:cs typeface="Adobe Clean"/>
-                        </a:rPr>
-                        <a:t> </a:t>
-                      </a:r>
-                      <a:r>
-                        <a:rPr sz="900" spc="0" dirty="0">
-                          <a:solidFill>
-                            <a:srgbClr val="FFFFFF"/>
-                          </a:solidFill>
-                          <a:latin typeface="Adobe Clean"/>
-                          <a:cs typeface="Adobe Clean"/>
-                        </a:rPr>
-                        <a:t>Support</a:t>
-                      </a:r>
-                      <a:endParaRPr sz="900" spc="0" dirty="0">
-                        <a:latin typeface="Adobe Clean"/>
-                        <a:cs typeface="Adobe Clean"/>
-                      </a:endParaRPr>
-                    </a:p>
-                  </a:txBody>
-                  <a:tcPr marL="0" marR="0" marT="0" marB="0" anchor="ctr">
-                    <a:lnL w="3175">
-                      <a:solidFill>
-                        <a:srgbClr val="B7B8B8"/>
-                      </a:solidFill>
-                      <a:prstDash val="solid"/>
-                    </a:lnL>
-                    <a:lnR w="3175">
-                      <a:solidFill>
-                        <a:srgbClr val="B7B8B8"/>
-                      </a:solidFill>
-                      <a:prstDash val="solid"/>
-                    </a:lnR>
-                    <a:lnT w="3175">
-                      <a:solidFill>
-                        <a:srgbClr val="B7B8B8"/>
-                      </a:solidFill>
-                      <a:prstDash val="solid"/>
-                    </a:lnT>
-                    <a:lnB w="76200" cap="flat" cmpd="sng" algn="ctr">
-                      <a:solidFill>
-                        <a:srgbClr val="2E8FFF"/>
-                      </a:solidFill>
-                      <a:prstDash val="solid"/>
-                      <a:round/>
-                      <a:headEnd type="none" w="med" len="med"/>
-                      <a:tailEnd type="none" w="med" len="med"/>
-                    </a:lnB>
-                    <a:solidFill>
-                      <a:srgbClr val="404040"/>
-                    </a:solidFill>
-                  </a:tcPr>
-                </a:tc>
-                <a:tc>
-                  <a:txBody>
-                    <a:bodyPr/>
-                    <a:lstStyle/>
-                    <a:p>
-                      <a:pPr marL="0" algn="ctr">
-                        <a:lnSpc>
-                          <a:spcPct val="100000"/>
-                        </a:lnSpc>
-                        <a:spcBef>
-                          <a:spcPts val="60"/>
-                        </a:spcBef>
-                      </a:pPr>
-                      <a:r>
-                        <a:rPr sz="900" spc="0" dirty="0">
-                          <a:solidFill>
-                            <a:srgbClr val="FFFFFF"/>
-                          </a:solidFill>
-                          <a:latin typeface="Adobe Clean"/>
-                          <a:cs typeface="Adobe Clean"/>
-                        </a:rPr>
-                        <a:t>Elite</a:t>
-                      </a:r>
-                      <a:r>
-                        <a:rPr lang="en-US" sz="900" spc="0" dirty="0">
-                          <a:solidFill>
-                            <a:srgbClr val="FFFFFF"/>
-                          </a:solidFill>
-                          <a:latin typeface="Adobe Clean"/>
-                          <a:cs typeface="Adobe Clean"/>
-                        </a:rPr>
-                        <a:t> </a:t>
-                      </a:r>
-                      <a:r>
-                        <a:rPr sz="900" spc="0" dirty="0">
-                          <a:solidFill>
-                            <a:srgbClr val="FFFFFF"/>
-                          </a:solidFill>
-                          <a:latin typeface="Adobe Clean"/>
-                          <a:cs typeface="Adobe Clean"/>
-                        </a:rPr>
-                        <a:t>Support</a:t>
-                      </a:r>
-                      <a:endParaRPr sz="900" spc="0" dirty="0">
-                        <a:latin typeface="Adobe Clean"/>
-                        <a:cs typeface="Adobe Clean"/>
-                      </a:endParaRPr>
-                    </a:p>
-                  </a:txBody>
-                  <a:tcPr marL="0" marR="0" marT="0" marB="0" anchor="ctr">
-                    <a:lnL w="3175">
-                      <a:solidFill>
-                        <a:srgbClr val="B7B8B8"/>
-                      </a:solidFill>
-                      <a:prstDash val="solid"/>
-                    </a:lnL>
-                    <a:lnR w="3175">
-                      <a:solidFill>
-                        <a:srgbClr val="B7B8B8"/>
-                      </a:solidFill>
-                      <a:prstDash val="solid"/>
-                    </a:lnR>
-                    <a:lnT w="3175">
-                      <a:solidFill>
-                        <a:srgbClr val="B7B8B8"/>
-                      </a:solidFill>
-                      <a:prstDash val="solid"/>
-                    </a:lnT>
-                    <a:lnB w="76200" cap="flat" cmpd="sng" algn="ctr">
+                    <a:lnB w="76200">
                       <a:solidFill>
                         <a:srgbClr val="0068E1"/>
                       </a:solidFill>
                       <a:prstDash val="solid"/>
-                      <a:round/>
-                      <a:headEnd type="none" w="med" len="med"/>
-                      <a:tailEnd type="none" w="med" len="med"/>
                     </a:lnB>
                     <a:solidFill>
                       <a:srgbClr val="000000"/>
@@ -7452,14 +6980,14 @@
                         </a:spcBef>
                       </a:pPr>
                       <a:r>
-                        <a:rPr sz="900" b="1" spc="0" dirty="0">
+                        <a:rPr lang="de-de" sz="900" b="1" spc="0" dirty="0">
                           <a:solidFill>
                             <a:srgbClr val="020302"/>
                           </a:solidFill>
                           <a:latin typeface="Adobe Clean"/>
                           <a:cs typeface="Adobe Clean"/>
                         </a:rPr>
-                        <a:t>PRIORITY 1</a:t>
+                        <a:t>우선 순위 1</a:t>
                       </a:r>
                       <a:endParaRPr sz="900" spc="0" dirty="0">
                         <a:latin typeface="Adobe Clean"/>
@@ -7476,14 +7004,14 @@
                         </a:spcBef>
                       </a:pPr>
                       <a:r>
-                        <a:rPr lang="en-US" sz="900" b="0" i="0" spc="0" dirty="0">
+                        <a:rPr lang="de-de" sz="900" b="0" i="0" spc="0" dirty="0">
                           <a:solidFill>
                             <a:srgbClr val="000000"/>
                           </a:solidFill>
                           <a:effectLst/>
                           <a:latin typeface="Adobe Clean Light" panose="020B0303020404020204" pitchFamily="34" charset="0"/>
                         </a:rPr>
-                        <a:t>Customer's production business functions are down or have significant data loss or service degradation and immediate attention is required to restore functionality and usability. </a:t>
+                        <a:t>고객의 생산 비즈니스 기능이 다운되었거나 심각한 데이터 손실 또는 서비스 저하가 발생했으며 기능 및 사용성을 복원하기 위해 즉각적인 주의가 필요합니다. </a:t>
                       </a:r>
                       <a:endParaRPr sz="900" spc="0" dirty="0">
                         <a:latin typeface="AdobeClean-Light"/>
@@ -7498,14 +7026,11 @@
                       </a:solidFill>
                       <a:prstDash val="solid"/>
                     </a:lnL>
-                    <a:lnR w="3175" cap="flat" cmpd="sng" algn="ctr">
+                    <a:lnR w="3175">
                       <a:solidFill>
                         <a:srgbClr val="B7B8B8"/>
                       </a:solidFill>
                       <a:prstDash val="solid"/>
-                      <a:round/>
-                      <a:headEnd type="none" w="med" len="med"/>
-                      <a:tailEnd type="none" w="med" len="med"/>
                     </a:lnR>
                     <a:lnT w="3175">
                       <a:solidFill>
@@ -7526,20 +7051,31 @@
                     <a:bodyPr/>
                     <a:lstStyle/>
                     <a:p>
-                      <a:pPr algn="ctr" fontAlgn="t"/>
+                      <a:pPr marL="0" marR="325120" indent="-3810" algn="ctr">
+                        <a:lnSpc>
+                          <a:spcPct val="100000"/>
+                        </a:lnSpc>
+                        <a:spcBef>
+                          <a:spcPts val="670"/>
+                        </a:spcBef>
+                      </a:pPr>
                       <a:r>
-                        <a:rPr lang="en-US" sz="900" b="0" i="0" u="none" strike="noStrike">
+                        <a:rPr lang="de-de" sz="900" spc="0" dirty="0">
                           <a:solidFill>
                             <a:srgbClr val="020302"/>
                           </a:solidFill>
-                          <a:effectLst/>
-                          <a:latin typeface="AdobeClean-Light" panose="020B0503020404020204" pitchFamily="34" charset="0"/>
+                          <a:latin typeface="AdobeClean-Light"/>
+                          <a:cs typeface="AdobeClean-Light"/>
                         </a:rPr>
-                        <a:t>24x7 / 1 hour</a:t>
+                        <a:t>24x7 /                1시간</a:t>
                       </a:r>
-                    </a:p>
-                  </a:txBody>
-                  <a:tcPr marL="9525" marR="9525" marT="9525" marB="0" anchor="ctr">
+                      <a:endParaRPr sz="900" spc="0" dirty="0">
+                        <a:latin typeface="AdobeClean-Light"/>
+                        <a:cs typeface="AdobeClean-Light"/>
+                      </a:endParaRPr>
+                    </a:p>
+                  </a:txBody>
+                  <a:tcPr marL="0" marR="0" marT="0" marB="0" anchor="ctr">
                     <a:lnL w="3175">
                       <a:solidFill>
                         <a:srgbClr val="B7B8B8"/>
@@ -7571,20 +7107,31 @@
                     <a:bodyPr/>
                     <a:lstStyle/>
                     <a:p>
-                      <a:pPr algn="ctr" fontAlgn="t"/>
+                      <a:pPr marL="0" marR="325755" indent="-3810" algn="ctr">
+                        <a:lnSpc>
+                          <a:spcPct val="100000"/>
+                        </a:lnSpc>
+                        <a:spcBef>
+                          <a:spcPts val="670"/>
+                        </a:spcBef>
+                      </a:pPr>
                       <a:r>
-                        <a:rPr lang="en-US" sz="900" b="0" i="0" u="none" strike="noStrike">
+                        <a:rPr lang="de-de" sz="900" spc="0" dirty="0">
                           <a:solidFill>
                             <a:srgbClr val="020302"/>
                           </a:solidFill>
-                          <a:effectLst/>
-                          <a:latin typeface="AdobeClean-Light" panose="020B0503020404020204" pitchFamily="34" charset="0"/>
+                          <a:latin typeface="AdobeClean-Light"/>
+                          <a:cs typeface="AdobeClean-Light"/>
                         </a:rPr>
-                        <a:t>24x7 / 1 hour</a:t>
+                        <a:t>24x7 /              1시간</a:t>
                       </a:r>
-                    </a:p>
-                  </a:txBody>
-                  <a:tcPr marL="9525" marR="9525" marT="9525" marB="0" anchor="ctr">
+                      <a:endParaRPr sz="900" spc="0" dirty="0">
+                        <a:latin typeface="AdobeClean-Light"/>
+                        <a:cs typeface="AdobeClean-Light"/>
+                      </a:endParaRPr>
+                    </a:p>
+                  </a:txBody>
+                  <a:tcPr marL="0" marR="0" marT="0" marB="0" anchor="ctr">
                     <a:lnL w="3175">
                       <a:solidFill>
                         <a:srgbClr val="B7B8B8"/>
@@ -7616,20 +7163,31 @@
                     <a:bodyPr/>
                     <a:lstStyle/>
                     <a:p>
-                      <a:pPr algn="ctr" fontAlgn="t"/>
+                      <a:pPr marL="0" marR="258445" indent="115570" algn="ctr">
+                        <a:lnSpc>
+                          <a:spcPct val="100000"/>
+                        </a:lnSpc>
+                        <a:spcBef>
+                          <a:spcPts val="670"/>
+                        </a:spcBef>
+                      </a:pPr>
                       <a:r>
-                        <a:rPr lang="en-US" sz="900" b="0" i="0" u="none" strike="noStrike">
+                        <a:rPr lang="de-de" sz="900" spc="0" dirty="0">
                           <a:solidFill>
                             <a:srgbClr val="020302"/>
                           </a:solidFill>
-                          <a:effectLst/>
-                          <a:latin typeface="AdobeClean-Light" panose="020B0503020404020204" pitchFamily="34" charset="0"/>
+                          <a:latin typeface="AdobeClean-Light"/>
+                          <a:cs typeface="AdobeClean-Light"/>
                         </a:rPr>
-                        <a:t>24x7 / 30 minutes</a:t>
+                        <a:t>24x7 /           30분</a:t>
                       </a:r>
-                    </a:p>
-                  </a:txBody>
-                  <a:tcPr marL="9525" marR="9525" marT="9525" marB="0" anchor="ctr">
+                      <a:endParaRPr sz="900" spc="0" dirty="0">
+                        <a:latin typeface="AdobeClean-Light"/>
+                        <a:cs typeface="AdobeClean-Light"/>
+                      </a:endParaRPr>
+                    </a:p>
+                  </a:txBody>
+                  <a:tcPr marL="0" marR="0" marT="0" marB="0" anchor="ctr">
                     <a:lnL w="3175">
                       <a:solidFill>
                         <a:srgbClr val="B7B8B8"/>
@@ -7661,20 +7219,31 @@
                     <a:bodyPr/>
                     <a:lstStyle/>
                     <a:p>
-                      <a:pPr algn="ctr" fontAlgn="t"/>
+                      <a:pPr marL="0" marR="271780" indent="103505" algn="ctr">
+                        <a:lnSpc>
+                          <a:spcPct val="100000"/>
+                        </a:lnSpc>
+                        <a:spcBef>
+                          <a:spcPts val="670"/>
+                        </a:spcBef>
+                      </a:pPr>
                       <a:r>
-                        <a:rPr lang="en-US" sz="900" b="0" i="0" u="none" strike="noStrike">
+                        <a:rPr lang="de-de" sz="900" spc="0" dirty="0">
                           <a:solidFill>
                             <a:srgbClr val="020302"/>
                           </a:solidFill>
-                          <a:effectLst/>
-                          <a:latin typeface="AdobeClean-Light" panose="020B0503020404020204" pitchFamily="34" charset="0"/>
+                          <a:latin typeface="AdobeClean-Light"/>
+                          <a:cs typeface="AdobeClean-Light"/>
                         </a:rPr>
-                        <a:t>24x7 / 15 minutes</a:t>
+                        <a:t>24x7 /         15분</a:t>
                       </a:r>
-                    </a:p>
-                  </a:txBody>
-                  <a:tcPr marL="9525" marR="9525" marT="9525" marB="0" anchor="ctr">
+                      <a:endParaRPr sz="900" spc="0" dirty="0">
+                        <a:latin typeface="AdobeClean-Light"/>
+                        <a:cs typeface="AdobeClean-Light"/>
+                      </a:endParaRPr>
+                    </a:p>
+                  </a:txBody>
+                  <a:tcPr marL="0" marR="0" marT="0" marB="0" anchor="ctr">
                     <a:lnL w="3175">
                       <a:solidFill>
                         <a:srgbClr val="B7B8B8"/>
@@ -7722,14 +7291,14 @@
                         </a:spcBef>
                       </a:pPr>
                       <a:r>
-                        <a:rPr sz="900" b="1" spc="0" dirty="0">
+                        <a:rPr lang="de-de" sz="900" b="1" spc="0" dirty="0">
                           <a:solidFill>
                             <a:srgbClr val="020302"/>
                           </a:solidFill>
                           <a:latin typeface="Adobe Clean"/>
                           <a:cs typeface="Adobe Clean"/>
                         </a:rPr>
-                        <a:t>PRIORITY 2</a:t>
+                        <a:t>우선 순위 2</a:t>
                       </a:r>
                       <a:endParaRPr sz="900" spc="0" dirty="0">
                         <a:latin typeface="Adobe Clean"/>
@@ -7755,14 +7324,14 @@
                         <a:defRPr/>
                       </a:pPr>
                       <a:r>
-                        <a:rPr lang="en-US" sz="900" b="0" i="0" spc="0" dirty="0">
+                        <a:rPr lang="de-de" sz="900" b="0" i="0" spc="0" dirty="0">
                           <a:solidFill>
                             <a:srgbClr val="000000"/>
                           </a:solidFill>
                           <a:effectLst/>
                           <a:latin typeface="Adobe Clean Light" panose="020B0303020404020204" pitchFamily="34" charset="0"/>
                         </a:rPr>
-                        <a:t>Customer's business functions have major service degradation or potential data loss, or a major feature is impacted </a:t>
+                        <a:t>고객의 비즈니스 기능에 심각한 서비스 저하 또는 잠재적인 데이터 손실이 있거나 주요 기능이 영향을 받습니다. </a:t>
                       </a:r>
                       <a:endParaRPr sz="900" b="0" i="0" spc="0" dirty="0">
                         <a:latin typeface="Adobe Clean Light" panose="020B0303020404020204" pitchFamily="34" charset="0"/>
@@ -7777,14 +7346,11 @@
                       </a:solidFill>
                       <a:prstDash val="solid"/>
                     </a:lnL>
-                    <a:lnR w="3175" cap="flat" cmpd="sng" algn="ctr">
+                    <a:lnR w="3175">
                       <a:solidFill>
                         <a:srgbClr val="B7B8B8"/>
                       </a:solidFill>
                       <a:prstDash val="solid"/>
-                      <a:round/>
-                      <a:headEnd type="none" w="med" len="med"/>
-                      <a:tailEnd type="none" w="med" len="med"/>
                     </a:lnR>
                     <a:lnT w="3175">
                       <a:solidFill>
@@ -7805,20 +7371,31 @@
                     <a:bodyPr/>
                     <a:lstStyle/>
                     <a:p>
-                      <a:pPr algn="ctr" fontAlgn="t"/>
+                      <a:pPr marL="0" marR="184785" indent="-193675" algn="ctr">
+                        <a:lnSpc>
+                          <a:spcPct val="100000"/>
+                        </a:lnSpc>
+                        <a:spcBef>
+                          <a:spcPts val="670"/>
+                        </a:spcBef>
+                      </a:pPr>
                       <a:r>
-                        <a:rPr lang="en-US" sz="900" b="0" i="0" u="none" strike="noStrike">
+                        <a:rPr lang="de-de" sz="900" spc="0" dirty="0">
                           <a:solidFill>
                             <a:srgbClr val="020302"/>
                           </a:solidFill>
-                          <a:effectLst/>
-                          <a:latin typeface="AdobeClean-Light" panose="020B0503020404020204" pitchFamily="34" charset="0"/>
+                          <a:latin typeface="AdobeClean-Light"/>
+                          <a:cs typeface="AdobeClean-Light"/>
                         </a:rPr>
-                        <a:t>Business hours / 4 hours</a:t>
+                        <a:t>업무 시간 /           4시간</a:t>
                       </a:r>
-                    </a:p>
-                  </a:txBody>
-                  <a:tcPr marL="9525" marR="9525" marT="9525" marB="0" anchor="ctr">
+                      <a:endParaRPr sz="900" spc="0" dirty="0">
+                        <a:latin typeface="AdobeClean-Light"/>
+                        <a:cs typeface="AdobeClean-Light"/>
+                      </a:endParaRPr>
+                    </a:p>
+                  </a:txBody>
+                  <a:tcPr marL="0" marR="0" marT="0" marB="0" anchor="ctr">
                     <a:lnL w="3175">
                       <a:solidFill>
                         <a:srgbClr val="B7B8B8"/>
@@ -7850,20 +7427,31 @@
                     <a:bodyPr/>
                     <a:lstStyle/>
                     <a:p>
-                      <a:pPr algn="ctr" fontAlgn="t"/>
+                      <a:pPr marL="0" marR="184785" indent="-194310" algn="ctr">
+                        <a:lnSpc>
+                          <a:spcPct val="100000"/>
+                        </a:lnSpc>
+                        <a:spcBef>
+                          <a:spcPts val="670"/>
+                        </a:spcBef>
+                      </a:pPr>
                       <a:r>
-                        <a:rPr lang="en-US" sz="900" b="0" i="0" u="none" strike="noStrike">
+                        <a:rPr lang="de-de" sz="900" spc="0" dirty="0">
                           <a:solidFill>
                             <a:srgbClr val="020302"/>
                           </a:solidFill>
-                          <a:effectLst/>
-                          <a:latin typeface="AdobeClean-Light" panose="020B0503020404020204" pitchFamily="34" charset="0"/>
+                          <a:latin typeface="AdobeClean-Light"/>
+                          <a:cs typeface="AdobeClean-Light"/>
                         </a:rPr>
-                        <a:t>Business hours / 2 hours</a:t>
+                        <a:t>업무 시간 /          2시간</a:t>
                       </a:r>
-                    </a:p>
-                  </a:txBody>
-                  <a:tcPr marL="9525" marR="9525" marT="9525" marB="0" anchor="ctr">
+                      <a:endParaRPr sz="900" spc="0" dirty="0">
+                        <a:latin typeface="AdobeClean-Light"/>
+                        <a:cs typeface="AdobeClean-Light"/>
+                      </a:endParaRPr>
+                    </a:p>
+                  </a:txBody>
+                  <a:tcPr marL="0" marR="0" marT="0" marB="0" anchor="ctr">
                     <a:lnL w="3175">
                       <a:solidFill>
                         <a:srgbClr val="B7B8B8"/>
@@ -7895,20 +7483,31 @@
                     <a:bodyPr/>
                     <a:lstStyle/>
                     <a:p>
-                      <a:pPr algn="ctr" fontAlgn="t"/>
+                      <a:pPr marL="0" marR="325755" indent="-5715" algn="ctr">
+                        <a:lnSpc>
+                          <a:spcPct val="100000"/>
+                        </a:lnSpc>
+                        <a:spcBef>
+                          <a:spcPts val="670"/>
+                        </a:spcBef>
+                      </a:pPr>
                       <a:r>
-                        <a:rPr lang="en-US" sz="900" b="0" i="0" u="none" strike="noStrike">
+                        <a:rPr lang="de-de" sz="900" spc="0" dirty="0">
                           <a:solidFill>
                             <a:srgbClr val="020302"/>
                           </a:solidFill>
-                          <a:effectLst/>
-                          <a:latin typeface="AdobeClean-Light" panose="020B0503020404020204" pitchFamily="34" charset="0"/>
+                          <a:latin typeface="AdobeClean-Light"/>
+                          <a:cs typeface="AdobeClean-Light"/>
                         </a:rPr>
-                        <a:t>24x5 / 1 hour</a:t>
+                        <a:t>24x5 /                1시간</a:t>
                       </a:r>
-                    </a:p>
-                  </a:txBody>
-                  <a:tcPr marL="9525" marR="9525" marT="9525" marB="0" anchor="ctr">
+                      <a:endParaRPr sz="900" spc="0" dirty="0">
+                        <a:latin typeface="AdobeClean-Light"/>
+                        <a:cs typeface="AdobeClean-Light"/>
+                      </a:endParaRPr>
+                    </a:p>
+                  </a:txBody>
+                  <a:tcPr marL="0" marR="0" marT="0" marB="0" anchor="ctr">
                     <a:lnL w="3175">
                       <a:solidFill>
                         <a:srgbClr val="B7B8B8"/>
@@ -7940,20 +7539,31 @@
                     <a:bodyPr/>
                     <a:lstStyle/>
                     <a:p>
-                      <a:pPr algn="ctr" fontAlgn="t"/>
+                      <a:pPr marL="0" marR="259079" indent="111760" algn="ctr">
+                        <a:lnSpc>
+                          <a:spcPct val="100000"/>
+                        </a:lnSpc>
+                        <a:spcBef>
+                          <a:spcPts val="670"/>
+                        </a:spcBef>
+                      </a:pPr>
                       <a:r>
-                        <a:rPr lang="en-US" sz="900" b="0" i="0" u="none" strike="noStrike">
+                        <a:rPr lang="de-de" sz="900" spc="0" dirty="0">
                           <a:solidFill>
                             <a:srgbClr val="020302"/>
                           </a:solidFill>
-                          <a:effectLst/>
-                          <a:latin typeface="AdobeClean-Light" panose="020B0503020404020204" pitchFamily="34" charset="0"/>
+                          <a:latin typeface="AdobeClean-Light"/>
+                          <a:cs typeface="AdobeClean-Light"/>
                         </a:rPr>
-                        <a:t>24x5 / 30 minutes</a:t>
+                        <a:t>24x5 /         30분</a:t>
                       </a:r>
-                    </a:p>
-                  </a:txBody>
-                  <a:tcPr marL="9525" marR="9525" marT="9525" marB="0" anchor="ctr">
+                      <a:endParaRPr sz="900" spc="0" dirty="0">
+                        <a:latin typeface="AdobeClean-Light"/>
+                        <a:cs typeface="AdobeClean-Light"/>
+                      </a:endParaRPr>
+                    </a:p>
+                  </a:txBody>
+                  <a:tcPr marL="0" marR="0" marT="0" marB="0" anchor="ctr">
                     <a:lnL w="3175">
                       <a:solidFill>
                         <a:srgbClr val="B7B8B8"/>
@@ -8001,24 +7611,14 @@
                         </a:spcBef>
                       </a:pPr>
                       <a:r>
-                        <a:rPr sz="900" b="1" spc="0" dirty="0">
+                        <a:rPr lang="de-de" sz="900" b="1" spc="0" dirty="0">
                           <a:solidFill>
                             <a:srgbClr val="020302"/>
                           </a:solidFill>
                           <a:latin typeface="Adobe Clean"/>
                           <a:cs typeface="Adobe Clean"/>
                         </a:rPr>
-                        <a:t>PRIORITY</a:t>
-                      </a:r>
-                      <a:r>
-                        <a:rPr lang="en-US" sz="900" b="1" spc="0" dirty="0">
-                          <a:solidFill>
-                            <a:srgbClr val="020302"/>
-                          </a:solidFill>
-                          <a:latin typeface="Adobe Clean"/>
-                          <a:cs typeface="Adobe Clean"/>
-                        </a:rPr>
-                        <a:t> 3</a:t>
+                        <a:t>우선 순위 3</a:t>
                       </a:r>
                       <a:endParaRPr lang="en-US" sz="900" spc="0" dirty="0">
                         <a:latin typeface="Adobe Clean"/>
@@ -8044,7 +7644,7 @@
                         <a:defRPr/>
                       </a:pPr>
                       <a:r>
-                        <a:rPr kumimoji="0" lang="en-US" sz="900" b="0" i="0" u="none" strike="noStrike" kern="1200" cap="none" spc="0" normalizeH="0" baseline="0" noProof="0" dirty="0">
+                        <a:rPr kumimoji="0" lang="de-de" sz="900" b="0" i="0" u="none" strike="noStrike" kern="1200" cap="none" spc="0" normalizeH="0" baseline="0" noProof="0" dirty="0">
                           <a:ln>
                             <a:noFill/>
                           </a:ln>
@@ -8058,7 +7658,7 @@
                           <a:ea typeface="+mn-ea"/>
                           <a:cs typeface="+mn-cs"/>
                         </a:rPr>
-                        <a:t>Customer's business functions have minor service degradation but there exists a solution/workaround allowing business functions to continue normally </a:t>
+                        <a:t>고객의 비즈니스 기능에 약간의 서비스 저하가 있지만 비즈니스 기능을 정상적으로 계속할 수 있게 하는 솔루션/해결 방법이 있습니다. </a:t>
                       </a:r>
                       <a:endParaRPr lang="en-US" sz="900" b="0" i="0" spc="0" dirty="0">
                         <a:latin typeface="Adobe Clean Light" panose="020B0303020404020204" pitchFamily="34" charset="0"/>
@@ -8073,14 +7673,11 @@
                       </a:solidFill>
                       <a:prstDash val="solid"/>
                     </a:lnL>
-                    <a:lnR w="3175" cap="flat" cmpd="sng" algn="ctr">
+                    <a:lnR w="3175">
                       <a:solidFill>
                         <a:srgbClr val="B7B8B8"/>
                       </a:solidFill>
                       <a:prstDash val="solid"/>
-                      <a:round/>
-                      <a:headEnd type="none" w="med" len="med"/>
-                      <a:tailEnd type="none" w="med" len="med"/>
                     </a:lnR>
                     <a:lnT w="3175">
                       <a:solidFill>
@@ -8101,20 +7698,31 @@
                     <a:bodyPr/>
                     <a:lstStyle/>
                     <a:p>
-                      <a:pPr algn="ctr" fontAlgn="t"/>
+                      <a:pPr marL="0" marR="184150" indent="-189865" algn="ctr">
+                        <a:lnSpc>
+                          <a:spcPct val="100000"/>
+                        </a:lnSpc>
+                        <a:spcBef>
+                          <a:spcPts val="645"/>
+                        </a:spcBef>
+                      </a:pPr>
                       <a:r>
-                        <a:rPr lang="en-US" sz="900" b="0" i="0" u="none" strike="noStrike">
+                        <a:rPr lang="de-de" sz="900" spc="0" dirty="0">
                           <a:solidFill>
                             <a:srgbClr val="020302"/>
                           </a:solidFill>
-                          <a:effectLst/>
-                          <a:latin typeface="AdobeClean-Light" panose="020B0503020404020204" pitchFamily="34" charset="0"/>
+                          <a:latin typeface="AdobeClean-Light"/>
+                          <a:cs typeface="AdobeClean-Light"/>
                         </a:rPr>
-                        <a:t>Business hours / 6 hours</a:t>
+                        <a:t>업무 시간 /            6시간</a:t>
                       </a:r>
-                    </a:p>
-                  </a:txBody>
-                  <a:tcPr marL="9525" marR="9525" marT="9525" marB="0" anchor="ctr">
+                      <a:endParaRPr sz="900" spc="0" dirty="0">
+                        <a:latin typeface="AdobeClean-Light"/>
+                        <a:cs typeface="AdobeClean-Light"/>
+                      </a:endParaRPr>
+                    </a:p>
+                  </a:txBody>
+                  <a:tcPr marL="0" marR="0" marT="0" marB="0" anchor="ctr">
                     <a:lnL w="3175">
                       <a:solidFill>
                         <a:srgbClr val="B7B8B8"/>
@@ -8146,20 +7754,31 @@
                     <a:bodyPr/>
                     <a:lstStyle/>
                     <a:p>
-                      <a:pPr algn="ctr" fontAlgn="t"/>
+                      <a:pPr marL="0" marR="185420" indent="-193675" algn="ctr">
+                        <a:lnSpc>
+                          <a:spcPct val="100000"/>
+                        </a:lnSpc>
+                        <a:spcBef>
+                          <a:spcPts val="645"/>
+                        </a:spcBef>
+                      </a:pPr>
                       <a:r>
-                        <a:rPr lang="en-US" sz="900" b="0" i="0" u="none" strike="noStrike">
+                        <a:rPr lang="de-de" sz="900" spc="0" dirty="0">
                           <a:solidFill>
                             <a:srgbClr val="020302"/>
                           </a:solidFill>
-                          <a:effectLst/>
-                          <a:latin typeface="AdobeClean-Light" panose="020B0503020404020204" pitchFamily="34" charset="0"/>
+                          <a:latin typeface="AdobeClean-Light"/>
+                          <a:cs typeface="AdobeClean-Light"/>
                         </a:rPr>
-                        <a:t>Business hours /  4 hours</a:t>
+                        <a:t>업무 시간 /  4시간</a:t>
                       </a:r>
-                    </a:p>
-                  </a:txBody>
-                  <a:tcPr marL="9525" marR="9525" marT="9525" marB="0" anchor="ctr">
+                      <a:endParaRPr sz="900" spc="0" dirty="0">
+                        <a:latin typeface="AdobeClean-Light"/>
+                        <a:cs typeface="AdobeClean-Light"/>
+                      </a:endParaRPr>
+                    </a:p>
+                  </a:txBody>
+                  <a:tcPr marL="0" marR="0" marT="0" marB="0" anchor="ctr">
                     <a:lnL w="3175">
                       <a:solidFill>
                         <a:srgbClr val="B7B8B8"/>
@@ -8191,20 +7810,31 @@
                     <a:bodyPr/>
                     <a:lstStyle/>
                     <a:p>
-                      <a:pPr algn="ctr" fontAlgn="t"/>
+                      <a:pPr marL="0" marR="184785" indent="-194310" algn="ctr">
+                        <a:lnSpc>
+                          <a:spcPct val="100000"/>
+                        </a:lnSpc>
+                        <a:spcBef>
+                          <a:spcPts val="645"/>
+                        </a:spcBef>
+                      </a:pPr>
                       <a:r>
-                        <a:rPr lang="en-US" sz="900" b="0" i="0" u="none" strike="noStrike">
+                        <a:rPr lang="de-de" sz="900" spc="0" dirty="0">
                           <a:solidFill>
                             <a:srgbClr val="020302"/>
                           </a:solidFill>
-                          <a:effectLst/>
-                          <a:latin typeface="AdobeClean-Light" panose="020B0503020404020204" pitchFamily="34" charset="0"/>
+                          <a:latin typeface="AdobeClean-Light"/>
+                          <a:cs typeface="AdobeClean-Light"/>
                         </a:rPr>
-                        <a:t>Business hours / 2 hours</a:t>
+                        <a:t>업무 시간 /     2시간</a:t>
                       </a:r>
-                    </a:p>
-                  </a:txBody>
-                  <a:tcPr marL="9525" marR="9525" marT="9525" marB="0" anchor="ctr">
+                      <a:endParaRPr sz="900" spc="0" dirty="0">
+                        <a:latin typeface="AdobeClean-Light"/>
+                        <a:cs typeface="AdobeClean-Light"/>
+                      </a:endParaRPr>
+                    </a:p>
+                  </a:txBody>
+                  <a:tcPr marL="0" marR="0" marT="0" marB="0" anchor="ctr">
                     <a:lnL w="3175">
                       <a:solidFill>
                         <a:srgbClr val="B7B8B8"/>
@@ -8236,20 +7866,31 @@
                     <a:bodyPr/>
                     <a:lstStyle/>
                     <a:p>
-                      <a:pPr algn="ctr" fontAlgn="t"/>
+                      <a:pPr marL="0" marR="326390" indent="-5715" algn="ctr">
+                        <a:lnSpc>
+                          <a:spcPct val="100000"/>
+                        </a:lnSpc>
+                        <a:spcBef>
+                          <a:spcPts val="645"/>
+                        </a:spcBef>
+                      </a:pPr>
                       <a:r>
-                        <a:rPr lang="en-US" sz="900" b="0" i="0" u="none" strike="noStrike">
+                        <a:rPr lang="de-de" sz="900" spc="0" dirty="0">
                           <a:solidFill>
                             <a:srgbClr val="020302"/>
                           </a:solidFill>
-                          <a:effectLst/>
-                          <a:latin typeface="AdobeClean-Light" panose="020B0503020404020204" pitchFamily="34" charset="0"/>
+                          <a:latin typeface="AdobeClean-Light"/>
+                          <a:cs typeface="AdobeClean-Light"/>
                         </a:rPr>
-                        <a:t>24x5 / 1 hour</a:t>
+                        <a:t>24x5 /             1시간</a:t>
                       </a:r>
-                    </a:p>
-                  </a:txBody>
-                  <a:tcPr marL="9525" marR="9525" marT="9525" marB="0" anchor="ctr">
+                      <a:endParaRPr sz="900" spc="0" dirty="0">
+                        <a:latin typeface="AdobeClean-Light"/>
+                        <a:cs typeface="AdobeClean-Light"/>
+                      </a:endParaRPr>
+                    </a:p>
+                  </a:txBody>
+                  <a:tcPr marL="0" marR="0" marT="0" marB="0" anchor="ctr">
                     <a:lnL w="3175">
                       <a:solidFill>
                         <a:srgbClr val="B7B8B8"/>
@@ -8297,14 +7938,14 @@
                         </a:spcBef>
                       </a:pPr>
                       <a:r>
-                        <a:rPr sz="900" b="1" spc="0" dirty="0">
+                        <a:rPr lang="de-de" sz="900" b="1" spc="0" dirty="0">
                           <a:solidFill>
                             <a:srgbClr val="020302"/>
                           </a:solidFill>
                           <a:latin typeface="Adobe Clean"/>
                           <a:cs typeface="Adobe Clean"/>
                         </a:rPr>
-                        <a:t>PRIORITY 4</a:t>
+                        <a:t>우선 순위 4</a:t>
                       </a:r>
                       <a:endParaRPr sz="900" spc="0" dirty="0">
                         <a:latin typeface="Adobe Clean"/>
@@ -8330,14 +7971,14 @@
                         <a:defRPr/>
                       </a:pPr>
                       <a:r>
-                        <a:rPr lang="en-US" sz="900" b="0" i="0" spc="0" dirty="0">
+                        <a:rPr lang="de-de" sz="900" b="0" i="0" spc="0" dirty="0">
                           <a:solidFill>
                             <a:srgbClr val="000000"/>
                           </a:solidFill>
                           <a:effectLst/>
                           <a:latin typeface="Adobe Clean Light" panose="020B0303020404020204" pitchFamily="34" charset="0"/>
                         </a:rPr>
-                        <a:t>General question regarding current product functionality or an enhancement request </a:t>
+                        <a:t>현재 제품 기능에 관한 일반적인 질문 또는 개선 요청입니다. </a:t>
                       </a:r>
                       <a:endParaRPr sz="900" b="0" i="0" spc="0" dirty="0">
                         <a:latin typeface="Adobe Clean Light" panose="020B0303020404020204" pitchFamily="34" charset="0"/>
@@ -8352,14 +7993,11 @@
                       </a:solidFill>
                       <a:prstDash val="solid"/>
                     </a:lnL>
-                    <a:lnR w="3175" cap="flat" cmpd="sng" algn="ctr">
+                    <a:lnR w="3175">
                       <a:solidFill>
                         <a:srgbClr val="B7B8B8"/>
                       </a:solidFill>
                       <a:prstDash val="solid"/>
-                      <a:round/>
-                      <a:headEnd type="none" w="med" len="med"/>
-                      <a:tailEnd type="none" w="med" len="med"/>
                     </a:lnR>
                     <a:lnT w="3175">
                       <a:solidFill>
@@ -8380,20 +8018,31 @@
                     <a:bodyPr/>
                     <a:lstStyle/>
                     <a:p>
-                      <a:pPr algn="ctr" fontAlgn="t"/>
+                      <a:pPr marL="0" marR="203200" indent="-193040" algn="ctr">
+                        <a:lnSpc>
+                          <a:spcPct val="100000"/>
+                        </a:lnSpc>
+                        <a:spcBef>
+                          <a:spcPts val="155"/>
+                        </a:spcBef>
+                      </a:pPr>
                       <a:r>
-                        <a:rPr lang="en-US" sz="900" b="0" i="0" u="none" strike="noStrike">
+                        <a:rPr lang="de-de" sz="900" spc="0" dirty="0">
                           <a:solidFill>
                             <a:srgbClr val="020302"/>
                           </a:solidFill>
-                          <a:effectLst/>
-                          <a:latin typeface="AdobeClean-Light" panose="020B0503020404020204" pitchFamily="34" charset="0"/>
+                          <a:latin typeface="AdobeClean-Light"/>
+                          <a:cs typeface="AdobeClean-Light"/>
                         </a:rPr>
-                        <a:t>Business days / 3 days</a:t>
+                        <a:t>업무일  /   3일</a:t>
                       </a:r>
-                    </a:p>
-                  </a:txBody>
-                  <a:tcPr marL="9525" marR="9525" marT="9525" marB="0" anchor="ctr">
+                      <a:endParaRPr sz="900" spc="0" dirty="0">
+                        <a:latin typeface="AdobeClean-Light"/>
+                        <a:cs typeface="AdobeClean-Light"/>
+                      </a:endParaRPr>
+                    </a:p>
+                  </a:txBody>
+                  <a:tcPr marL="0" marR="0" marT="0" marB="0" anchor="ctr">
                     <a:lnL w="3175">
                       <a:solidFill>
                         <a:srgbClr val="B7B8B8"/>
@@ -8425,20 +8074,31 @@
                     <a:bodyPr/>
                     <a:lstStyle/>
                     <a:p>
-                      <a:pPr algn="ctr" fontAlgn="t"/>
+                      <a:pPr marL="0" marR="223520" indent="-202565" algn="ctr">
+                        <a:lnSpc>
+                          <a:spcPct val="100000"/>
+                        </a:lnSpc>
+                        <a:spcBef>
+                          <a:spcPts val="155"/>
+                        </a:spcBef>
+                      </a:pPr>
                       <a:r>
-                        <a:rPr lang="en-US" sz="900" b="0" i="0" u="none" strike="noStrike">
+                        <a:rPr lang="de-de" sz="900" spc="0" dirty="0">
                           <a:solidFill>
                             <a:srgbClr val="020302"/>
                           </a:solidFill>
-                          <a:effectLst/>
-                          <a:latin typeface="AdobeClean-Light" panose="020B0503020404020204" pitchFamily="34" charset="0"/>
+                          <a:latin typeface="AdobeClean-Light"/>
+                          <a:cs typeface="AdobeClean-Light"/>
                         </a:rPr>
-                        <a:t>Business day / 1 day</a:t>
+                        <a:t>업무일  /     1일</a:t>
                       </a:r>
-                    </a:p>
-                  </a:txBody>
-                  <a:tcPr marL="9525" marR="9525" marT="9525" marB="0" anchor="ctr">
+                      <a:endParaRPr sz="900" spc="0" dirty="0">
+                        <a:latin typeface="AdobeClean-Light"/>
+                        <a:cs typeface="AdobeClean-Light"/>
+                      </a:endParaRPr>
+                    </a:p>
+                  </a:txBody>
+                  <a:tcPr marL="0" marR="0" marT="0" marB="0" anchor="ctr">
                     <a:lnL w="3175">
                       <a:solidFill>
                         <a:srgbClr val="B7B8B8"/>
@@ -8470,20 +8130,31 @@
                     <a:bodyPr/>
                     <a:lstStyle/>
                     <a:p>
-                      <a:pPr algn="ctr" fontAlgn="t"/>
+                      <a:pPr marL="0" marR="223520" indent="-202565" algn="ctr">
+                        <a:lnSpc>
+                          <a:spcPct val="100000"/>
+                        </a:lnSpc>
+                        <a:spcBef>
+                          <a:spcPts val="155"/>
+                        </a:spcBef>
+                      </a:pPr>
                       <a:r>
-                        <a:rPr lang="en-US" sz="900" b="0" i="0" u="none" strike="noStrike">
+                        <a:rPr lang="de-de" sz="900" spc="0" dirty="0">
                           <a:solidFill>
                             <a:srgbClr val="020302"/>
                           </a:solidFill>
-                          <a:effectLst/>
-                          <a:latin typeface="AdobeClean-Light" panose="020B0503020404020204" pitchFamily="34" charset="0"/>
+                          <a:latin typeface="AdobeClean-Light"/>
+                          <a:cs typeface="AdobeClean-Light"/>
                         </a:rPr>
-                        <a:t>Business day / 1 day</a:t>
+                        <a:t>업무일  /      1일</a:t>
                       </a:r>
-                    </a:p>
-                  </a:txBody>
-                  <a:tcPr marL="9525" marR="9525" marT="9525" marB="0" anchor="ctr">
+                      <a:endParaRPr sz="900" spc="0" dirty="0">
+                        <a:latin typeface="AdobeClean-Light"/>
+                        <a:cs typeface="AdobeClean-Light"/>
+                      </a:endParaRPr>
+                    </a:p>
+                  </a:txBody>
+                  <a:tcPr marL="0" marR="0" marT="0" marB="0" anchor="ctr">
                     <a:lnL w="3175">
                       <a:solidFill>
                         <a:srgbClr val="B7B8B8"/>
@@ -8515,20 +8186,31 @@
                     <a:bodyPr/>
                     <a:lstStyle/>
                     <a:p>
-                      <a:pPr algn="ctr" fontAlgn="t"/>
+                      <a:pPr marL="0" marR="223520" indent="-202565" algn="ctr">
+                        <a:lnSpc>
+                          <a:spcPct val="100000"/>
+                        </a:lnSpc>
+                        <a:spcBef>
+                          <a:spcPts val="155"/>
+                        </a:spcBef>
+                      </a:pPr>
                       <a:r>
-                        <a:rPr lang="en-US" sz="900" b="0" i="0" u="none" strike="noStrike" dirty="0">
+                        <a:rPr lang="de-de" sz="900" spc="0" dirty="0">
                           <a:solidFill>
                             <a:srgbClr val="020302"/>
                           </a:solidFill>
-                          <a:effectLst/>
-                          <a:latin typeface="AdobeClean-Light" panose="020B0503020404020204" pitchFamily="34" charset="0"/>
+                          <a:latin typeface="AdobeClean-Light"/>
+                          <a:cs typeface="AdobeClean-Light"/>
                         </a:rPr>
-                        <a:t>Business day / 1 day</a:t>
+                        <a:t>업무일  /     1일</a:t>
                       </a:r>
-                    </a:p>
-                  </a:txBody>
-                  <a:tcPr marL="9525" marR="9525" marT="9525" marB="0" anchor="ctr">
+                      <a:endParaRPr sz="900" spc="0" dirty="0">
+                        <a:latin typeface="AdobeClean-Light"/>
+                        <a:cs typeface="AdobeClean-Light"/>
+                      </a:endParaRPr>
+                    </a:p>
+                  </a:txBody>
+                  <a:tcPr marL="0" marR="0" marT="0" marB="0" anchor="ctr">
                     <a:lnL w="3175">
                       <a:solidFill>
                         <a:srgbClr val="B7B8B8"/>
@@ -8591,7 +8273,7 @@
           </a:prstGeom>
         </p:spPr>
         <p:txBody>
-          <a:bodyPr vert="horz" wrap="square" lIns="0" tIns="12700" rIns="0" bIns="0" rtlCol="0" anchor="t">
+          <a:bodyPr vert="horz" wrap="square" lIns="0" tIns="12700" rIns="0" bIns="0" rtlCol="0">
             <a:spAutoFit/>
           </a:bodyPr>
           <a:lstStyle/>
@@ -8605,16 +8287,10 @@
               </a:spcBef>
             </a:pPr>
             <a:r>
-              <a:rPr sz="2300" dirty="0">
-                <a:latin typeface="Adobe Clean"/>
-              </a:rPr>
-              <a:t>ADOBE </a:t>
-            </a:r>
-            <a:r>
-              <a:rPr lang="en-US" sz="2300" dirty="0">
-                <a:latin typeface="Adobe Clean"/>
-              </a:rPr>
-              <a:t>SUPPORT PLANS</a:t>
+              <a:rPr lang="de-de" sz="2300" dirty="0">
+                <a:latin typeface="Adobe Clean" panose="020B0503020404020204" pitchFamily="34" charset="0"/>
+              </a:rPr>
+              <a:t>Adobe 지원 서비스 제공 사항</a:t>
             </a:r>
             <a:endParaRPr sz="2300" dirty="0">
               <a:latin typeface="Adobe Clean" panose="020B0503020404020204" pitchFamily="34" charset="0"/>
@@ -8651,7 +8327,7 @@
           <a:lstStyle/>
           <a:p>
             <a:r>
-              <a:rPr lang="en-US" sz="700" i="1" dirty="0">
+              <a:rPr lang="de-de" sz="700" i="1" dirty="0">
                 <a:solidFill>
                   <a:schemeClr val="bg1"/>
                 </a:solidFill>
@@ -8895,7 +8571,7 @@
           </a:prstGeom>
         </p:spPr>
         <p:txBody>
-          <a:bodyPr vert="horz" wrap="square" lIns="0" tIns="35560" rIns="0" bIns="0" rtlCol="0" anchor="t">
+          <a:bodyPr vert="horz" wrap="square" lIns="0" tIns="35560" rIns="0" bIns="0" rtlCol="0">
             <a:spAutoFit/>
           </a:bodyPr>
           <a:lstStyle/>
@@ -8909,294 +8585,294 @@
               </a:spcBef>
             </a:pPr>
             <a:r>
-              <a:rPr lang="en-US" sz="1000" spc="-20" dirty="0">
+              <a:rPr lang="de-de" sz="1000" spc="-20" dirty="0">
                 <a:solidFill>
                   <a:srgbClr val="020302"/>
                 </a:solidFill>
                 <a:latin typeface="AdobeClean-Light"/>
                 <a:cs typeface="AdobeClean-Light"/>
               </a:rPr>
-              <a:t>Adobe Customer Support offers a</a:t>
-            </a:r>
-            <a:r>
-              <a:rPr sz="1000" spc="-20" dirty="0">
+              <a:t>Adobe 고객 지원에서는</a:t>
+            </a:r>
+            <a:r>
+              <a:rPr lang="de-de" sz="1000" spc="-90" dirty="0">
                 <a:solidFill>
                   <a:srgbClr val="020302"/>
                 </a:solidFill>
                 <a:latin typeface="AdobeClean-Light"/>
                 <a:cs typeface="AdobeClean-Light"/>
               </a:rPr>
-              <a:t>ccess</a:t>
-            </a:r>
-            <a:r>
-              <a:rPr sz="1000" spc="-90" dirty="0">
+              <a:t> </a:t>
+            </a:r>
+            <a:r>
+              <a:rPr lang="de-de" sz="1000" spc="-10" dirty="0">
                 <a:solidFill>
                   <a:srgbClr val="020302"/>
                 </a:solidFill>
                 <a:latin typeface="AdobeClean-Light"/>
                 <a:cs typeface="AdobeClean-Light"/>
               </a:rPr>
-              <a:t> </a:t>
-            </a:r>
-            <a:r>
-              <a:rPr sz="1000" spc="-10" dirty="0">
+              <a:t>문서화를 위한</a:t>
+            </a:r>
+            <a:r>
+              <a:rPr lang="de-de" sz="1000" spc="10" dirty="0">
                 <a:solidFill>
                   <a:srgbClr val="020302"/>
                 </a:solidFill>
                 <a:latin typeface="AdobeClean-Light"/>
                 <a:cs typeface="AdobeClean-Light"/>
               </a:rPr>
-              <a:t>to</a:t>
-            </a:r>
-            <a:r>
-              <a:rPr sz="1000" spc="10" dirty="0">
+              <a:t> </a:t>
+            </a:r>
+            <a:r>
+              <a:rPr lang="de-de" sz="1000" spc="-20" dirty="0">
                 <a:solidFill>
                   <a:srgbClr val="020302"/>
                 </a:solidFill>
                 <a:latin typeface="AdobeClean-Light"/>
                 <a:cs typeface="AdobeClean-Light"/>
               </a:rPr>
-              <a:t> </a:t>
-            </a:r>
-            <a:r>
-              <a:rPr lang="en-US" sz="1000" spc="-20" dirty="0">
+              <a:t>온라인</a:t>
+            </a:r>
+            <a:r>
+              <a:rPr lang="de-de" sz="1000" spc="-125" dirty="0">
                 <a:solidFill>
                   <a:srgbClr val="020302"/>
                 </a:solidFill>
                 <a:latin typeface="AdobeClean-Light"/>
                 <a:cs typeface="AdobeClean-Light"/>
               </a:rPr>
-              <a:t>online resources </a:t>
-            </a:r>
-            <a:r>
-              <a:rPr sz="1000" spc="-15" dirty="0">
+              <a:t> </a:t>
+            </a:r>
+            <a:r>
+              <a:rPr lang="de-de" sz="1000" spc="-20" dirty="0">
                 <a:solidFill>
                   <a:srgbClr val="020302"/>
                 </a:solidFill>
                 <a:latin typeface="AdobeClean-Light"/>
                 <a:cs typeface="AdobeClean-Light"/>
               </a:rPr>
-              <a:t>for</a:t>
-            </a:r>
-            <a:r>
-              <a:rPr sz="1000" spc="-30" dirty="0">
+              <a:t>리소스</a:t>
+            </a:r>
+            <a:r>
+              <a:rPr lang="de-de" sz="1000" spc="-15" dirty="0">
                 <a:solidFill>
                   <a:srgbClr val="020302"/>
                 </a:solidFill>
                 <a:latin typeface="AdobeClean-Light"/>
                 <a:cs typeface="AdobeClean-Light"/>
               </a:rPr>
-              <a:t> </a:t>
-            </a:r>
-            <a:r>
-              <a:rPr sz="1000" spc="-15" dirty="0">
+              <a:t>,</a:t>
+            </a:r>
+            <a:r>
+              <a:rPr lang="de-de" sz="1000" spc="-30" dirty="0">
                 <a:solidFill>
                   <a:srgbClr val="020302"/>
                 </a:solidFill>
                 <a:latin typeface="AdobeClean-Light"/>
                 <a:cs typeface="AdobeClean-Light"/>
               </a:rPr>
-              <a:t>documentation,</a:t>
-            </a:r>
-            <a:r>
-              <a:rPr lang="en-US" sz="1000" spc="-15" dirty="0">
+              <a:t> </a:t>
+            </a:r>
+            <a:r>
+              <a:rPr lang="de-de" sz="1000" spc="-15" dirty="0">
                 <a:solidFill>
                   <a:srgbClr val="020302"/>
                 </a:solidFill>
                 <a:latin typeface="AdobeClean-Light"/>
                 <a:cs typeface="AdobeClean-Light"/>
               </a:rPr>
-              <a:t> </a:t>
-            </a:r>
-            <a:r>
-              <a:rPr sz="1000" spc="-15" dirty="0">
+              <a:t> 모범 사례를 위한</a:t>
+            </a:r>
+            <a:r>
+              <a:rPr lang="de-de" sz="1000" spc="-35" dirty="0">
                 <a:solidFill>
                   <a:srgbClr val="020302"/>
                 </a:solidFill>
                 <a:latin typeface="AdobeClean-Light"/>
                 <a:cs typeface="AdobeClean-Light"/>
               </a:rPr>
-              <a:t>engagement</a:t>
-            </a:r>
-            <a:r>
-              <a:rPr lang="en-US" sz="1000" spc="-15" dirty="0">
+              <a:t> </a:t>
+            </a:r>
+            <a:r>
+              <a:rPr lang="de-de" sz="1000" spc="-20" dirty="0">
                 <a:solidFill>
                   <a:srgbClr val="020302"/>
                 </a:solidFill>
                 <a:latin typeface="AdobeClean-Light"/>
                 <a:cs typeface="AdobeClean-Light"/>
               </a:rPr>
-              <a:t> </a:t>
-            </a:r>
-            <a:r>
-              <a:rPr sz="1000" spc="-15" dirty="0">
+              <a:t> 다른 전문가 </a:t>
+            </a:r>
+            <a:r>
+              <a:rPr lang="de-de" sz="1000" spc="-15" dirty="0">
                 <a:solidFill>
                   <a:srgbClr val="020302"/>
                 </a:solidFill>
                 <a:latin typeface="AdobeClean-Light"/>
                 <a:cs typeface="AdobeClean-Light"/>
               </a:rPr>
-              <a:t>with</a:t>
-            </a:r>
-            <a:r>
-              <a:rPr sz="1000" spc="-35" dirty="0">
+              <a:t>및 </a:t>
+            </a:r>
+            <a:r>
+              <a:rPr lang="de-de" sz="1000" spc="-20" dirty="0">
                 <a:solidFill>
                   <a:srgbClr val="020302"/>
                 </a:solidFill>
                 <a:latin typeface="AdobeClean-Light"/>
                 <a:cs typeface="AdobeClean-Light"/>
               </a:rPr>
-              <a:t> </a:t>
-            </a:r>
-            <a:r>
-              <a:rPr sz="1000" spc="-20" dirty="0">
+              <a:t>고객과의 </a:t>
+            </a:r>
+            <a:r>
+              <a:rPr lang="de-de" sz="1000" spc="-15" dirty="0">
                 <a:solidFill>
                   <a:srgbClr val="020302"/>
                 </a:solidFill>
                 <a:latin typeface="AdobeClean-Light"/>
                 <a:cs typeface="AdobeClean-Light"/>
               </a:rPr>
-              <a:t>other experts </a:t>
-            </a:r>
-            <a:r>
-              <a:rPr sz="1000" spc="-15" dirty="0">
+              <a:t>소통, </a:t>
+            </a:r>
+            <a:r>
+              <a:rPr lang="de-de" sz="1000" spc="-20" dirty="0">
                 <a:solidFill>
                   <a:srgbClr val="020302"/>
                 </a:solidFill>
                 <a:latin typeface="AdobeClean-Light"/>
                 <a:cs typeface="AdobeClean-Light"/>
               </a:rPr>
-              <a:t>and </a:t>
-            </a:r>
-            <a:r>
-              <a:rPr sz="1000" spc="-20" dirty="0">
+              <a:t>문제 </a:t>
+            </a:r>
+            <a:r>
+              <a:rPr lang="de-de" sz="1000" spc="-15" dirty="0">
                 <a:solidFill>
                   <a:srgbClr val="020302"/>
                 </a:solidFill>
                 <a:latin typeface="AdobeClean-Light"/>
                 <a:cs typeface="AdobeClean-Light"/>
               </a:rPr>
-              <a:t>customers </a:t>
-            </a:r>
-            <a:r>
-              <a:rPr sz="1000" spc="-15" dirty="0">
+              <a:t>해결 </a:t>
+            </a:r>
+            <a:r>
+              <a:rPr lang="de-de" sz="1000" spc="-20" dirty="0">
                 <a:solidFill>
                   <a:srgbClr val="020302"/>
                 </a:solidFill>
                 <a:latin typeface="AdobeClean-Light"/>
                 <a:cs typeface="AdobeClean-Light"/>
               </a:rPr>
-              <a:t>for best </a:t>
-            </a:r>
-            <a:r>
-              <a:rPr sz="1000" spc="-20" dirty="0">
+              <a:t>팁 및 요령에 대한 웨비나 시리즈(오피스 </a:t>
+            </a:r>
+            <a:r>
+              <a:rPr lang="de-de" sz="1000" spc="-15" dirty="0">
                 <a:solidFill>
                   <a:srgbClr val="020302"/>
                 </a:solidFill>
                 <a:latin typeface="AdobeClean-Light"/>
                 <a:cs typeface="AdobeClean-Light"/>
               </a:rPr>
-              <a:t>practices, </a:t>
-            </a:r>
-            <a:r>
-              <a:rPr sz="1000" spc="-15" dirty="0">
+              <a:t>아워)에 대한 </a:t>
+            </a:r>
+            <a:r>
+              <a:rPr lang="de-de" sz="1000" spc="-20" dirty="0">
                 <a:solidFill>
                   <a:srgbClr val="020302"/>
                 </a:solidFill>
                 <a:latin typeface="AdobeClean-Light"/>
                 <a:cs typeface="AdobeClean-Light"/>
               </a:rPr>
-              <a:t>and </a:t>
-            </a:r>
-            <a:r>
-              <a:rPr sz="1000" spc="-20" dirty="0">
+              <a:t>액세스를 </a:t>
+            </a:r>
+            <a:r>
+              <a:rPr lang="de-de" sz="1000" spc="-15" dirty="0">
                 <a:solidFill>
                   <a:srgbClr val="020302"/>
                 </a:solidFill>
                 <a:latin typeface="AdobeClean-Light"/>
                 <a:cs typeface="AdobeClean-Light"/>
               </a:rPr>
-              <a:t>webinar series (Office </a:t>
-            </a:r>
-            <a:r>
-              <a:rPr sz="1000" spc="-15" dirty="0">
+              <a:t>제공합니다</a:t>
+            </a:r>
+            <a:r>
+              <a:rPr lang="de-de" sz="1000" spc="-20" dirty="0">
                 <a:solidFill>
                   <a:srgbClr val="020302"/>
                 </a:solidFill>
                 <a:latin typeface="AdobeClean-Light"/>
                 <a:cs typeface="AdobeClean-Light"/>
               </a:rPr>
-              <a:t>Hours) for </a:t>
-            </a:r>
-            <a:r>
-              <a:rPr sz="1000" spc="-20" dirty="0">
+              <a:t>. 질문 </a:t>
+            </a:r>
+            <a:r>
+              <a:rPr lang="de-de" sz="1000" spc="-15" dirty="0">
                 <a:solidFill>
                   <a:srgbClr val="020302"/>
                 </a:solidFill>
                 <a:latin typeface="AdobeClean-Light"/>
                 <a:cs typeface="AdobeClean-Light"/>
               </a:rPr>
-              <a:t>troubleshooting </a:t>
-            </a:r>
-            <a:r>
-              <a:rPr sz="1000" spc="-15" dirty="0">
+              <a:t>및</a:t>
+            </a:r>
+            <a:r>
+              <a:rPr lang="de-de" sz="1000" spc="-140" dirty="0">
                 <a:solidFill>
                   <a:srgbClr val="020302"/>
                 </a:solidFill>
                 <a:latin typeface="AdobeClean-Light"/>
                 <a:cs typeface="AdobeClean-Light"/>
               </a:rPr>
-              <a:t>tips and </a:t>
-            </a:r>
-            <a:r>
-              <a:rPr sz="1000" spc="-20" dirty="0">
+              <a:t> </a:t>
+            </a:r>
+            <a:r>
+              <a:rPr lang="de-de" sz="1000" spc="-20" dirty="0">
                 <a:solidFill>
                   <a:srgbClr val="020302"/>
                 </a:solidFill>
                 <a:latin typeface="AdobeClean-Light"/>
                 <a:cs typeface="AdobeClean-Light"/>
               </a:rPr>
-              <a:t>tricks. Several channels </a:t>
-            </a:r>
-            <a:r>
-              <a:rPr lang="en-US" sz="1000" spc="-15" dirty="0">
-                <a:solidFill>
-                  <a:srgbClr val="020302"/>
-                </a:solidFill>
+              <a:t>사례</a:t>
+            </a:r>
+            <a:r>
+              <a:rPr lang="de-de" sz="1000" dirty="0">
                 <a:latin typeface="AdobeClean-Light"/>
                 <a:cs typeface="AdobeClean-Light"/>
               </a:rPr>
-              <a:t>are </a:t>
-            </a:r>
-            <a:r>
-              <a:rPr lang="en-US" sz="1000" spc="-20" dirty="0">
+              <a:t> </a:t>
+            </a:r>
+            <a:r>
+              <a:rPr lang="de-de" sz="1000" spc="-25" dirty="0">
                 <a:solidFill>
                   <a:srgbClr val="020302"/>
                 </a:solidFill>
                 <a:latin typeface="AdobeClean-Light"/>
                 <a:cs typeface="AdobeClean-Light"/>
               </a:rPr>
-              <a:t>also</a:t>
-            </a:r>
-            <a:r>
-              <a:rPr lang="en-US" sz="1000" dirty="0">
+              <a:t>제출에</a:t>
+            </a:r>
+            <a:r>
+              <a:rPr lang="de-de" sz="1000" spc="-65" dirty="0">
+                <a:solidFill>
+                  <a:srgbClr val="020302"/>
+                </a:solidFill>
                 <a:latin typeface="AdobeClean-Light"/>
                 <a:cs typeface="AdobeClean-Light"/>
               </a:rPr>
               <a:t> </a:t>
             </a:r>
             <a:r>
-              <a:rPr sz="1000" spc="-25" dirty="0">
+              <a:rPr lang="de-de" sz="1000" spc="-15" dirty="0">
                 <a:solidFill>
                   <a:srgbClr val="020302"/>
                 </a:solidFill>
                 <a:latin typeface="AdobeClean-Light"/>
                 <a:cs typeface="AdobeClean-Light"/>
               </a:rPr>
-              <a:t>available</a:t>
-            </a:r>
-            <a:r>
-              <a:rPr sz="1000" spc="-65" dirty="0">
+              <a:t>위한</a:t>
+            </a:r>
+            <a:r>
+              <a:rPr lang="de-de" sz="1000" spc="-25" dirty="0">
                 <a:solidFill>
                   <a:srgbClr val="020302"/>
                 </a:solidFill>
@@ -9206,17 +8882,17 @@
               <a:t> </a:t>
             </a:r>
             <a:r>
-              <a:rPr sz="1000" spc="-15" dirty="0">
+              <a:rPr lang="de-de" sz="1000" spc="-20" dirty="0">
                 <a:solidFill>
                   <a:srgbClr val="020302"/>
                 </a:solidFill>
                 <a:latin typeface="AdobeClean-Light"/>
                 <a:cs typeface="AdobeClean-Light"/>
               </a:rPr>
-              <a:t>for</a:t>
-            </a:r>
-            <a:r>
-              <a:rPr sz="1000" spc="-25" dirty="0">
+              <a:t>다양한</a:t>
+            </a:r>
+            <a:r>
+              <a:rPr lang="de-de" sz="1000" spc="-114" dirty="0">
                 <a:solidFill>
                   <a:srgbClr val="020302"/>
                 </a:solidFill>
@@ -9226,17 +8902,17 @@
               <a:t> </a:t>
             </a:r>
             <a:r>
-              <a:rPr sz="1000" spc="-20" dirty="0">
+              <a:rPr lang="de-de" sz="1000" spc="-15" dirty="0">
                 <a:solidFill>
                   <a:srgbClr val="020302"/>
                 </a:solidFill>
                 <a:latin typeface="AdobeClean-Light"/>
                 <a:cs typeface="AdobeClean-Light"/>
               </a:rPr>
-              <a:t>questions</a:t>
-            </a:r>
-            <a:r>
-              <a:rPr sz="1000" spc="-114" dirty="0">
+              <a:t>채널도</a:t>
+            </a:r>
+            <a:r>
+              <a:rPr lang="de-de" sz="1000" spc="-45" dirty="0">
                 <a:solidFill>
                   <a:srgbClr val="020302"/>
                 </a:solidFill>
@@ -9246,17 +8922,17 @@
               <a:t> </a:t>
             </a:r>
             <a:r>
-              <a:rPr sz="1000" spc="-15" dirty="0">
+              <a:rPr lang="de-de" sz="1000" spc="-20" dirty="0">
                 <a:solidFill>
                   <a:srgbClr val="020302"/>
                 </a:solidFill>
                 <a:latin typeface="AdobeClean-Light"/>
                 <a:cs typeface="AdobeClean-Light"/>
               </a:rPr>
-              <a:t>and</a:t>
-            </a:r>
-            <a:r>
-              <a:rPr sz="1000" spc="-45" dirty="0">
+              <a:t>제공됩니다.</a:t>
+            </a:r>
+            <a:r>
+              <a:rPr lang="de-de" sz="1000" spc="-35" dirty="0">
                 <a:solidFill>
                   <a:srgbClr val="020302"/>
                 </a:solidFill>
@@ -9264,46 +8940,6 @@
                 <a:cs typeface="AdobeClean-Light"/>
               </a:rPr>
               <a:t> </a:t>
-            </a:r>
-            <a:r>
-              <a:rPr sz="1000" spc="-20" dirty="0">
-                <a:solidFill>
-                  <a:srgbClr val="020302"/>
-                </a:solidFill>
-                <a:latin typeface="AdobeClean-Light"/>
-                <a:cs typeface="AdobeClean-Light"/>
-              </a:rPr>
-              <a:t>case</a:t>
-            </a:r>
-            <a:r>
-              <a:rPr sz="1000" spc="-35" dirty="0">
-                <a:solidFill>
-                  <a:srgbClr val="020302"/>
-                </a:solidFill>
-                <a:latin typeface="AdobeClean-Light"/>
-                <a:cs typeface="AdobeClean-Light"/>
-              </a:rPr>
-              <a:t> </a:t>
-            </a:r>
-            <a:r>
-              <a:rPr sz="1000" spc="-20" dirty="0">
-                <a:solidFill>
-                  <a:srgbClr val="020302"/>
-                </a:solidFill>
-                <a:latin typeface="AdobeClean-Light"/>
-                <a:cs typeface="AdobeClean-Light"/>
-              </a:rPr>
-              <a:t>submissions</a:t>
-            </a:r>
-            <a:r>
-              <a:rPr lang="en-US" sz="1000" spc="-20" dirty="0">
-                <a:solidFill>
-                  <a:srgbClr val="020302"/>
-                </a:solidFill>
-                <a:latin typeface="AdobeClean-Light"/>
-                <a:cs typeface="AdobeClean-Light"/>
-              </a:rPr>
-              <a:t>.</a:t>
             </a:r>
             <a:endParaRPr sz="1000" dirty="0">
               <a:latin typeface="AdobeClean-Light"/>
@@ -9328,12 +8964,15 @@
           </a:prstGeom>
         </p:spPr>
         <p:txBody>
-          <a:bodyPr vert="horz" wrap="square" lIns="0" tIns="12700" rIns="0" bIns="0" rtlCol="0" anchor="t">
+          <a:bodyPr vert="horz" wrap="square" lIns="0" tIns="12700" rIns="0" bIns="0" rtlCol="0">
             <a:spAutoFit/>
           </a:bodyPr>
           <a:lstStyle/>
           <a:p>
             <a:pPr marL="33020" marR="159385">
+              <a:lnSpc>
+                <a:spcPct val="100000"/>
+              </a:lnSpc>
               <a:spcBef>
                 <a:spcPts val="100"/>
               </a:spcBef>
@@ -9342,137 +8981,137 @@
               </a:tabLst>
             </a:pPr>
             <a:r>
-              <a:rPr sz="900" spc="-20" dirty="0">
+              <a:rPr lang="de-de" sz="900" spc="-20" dirty="0">
                 <a:solidFill>
                   <a:srgbClr val="020302"/>
                 </a:solidFill>
                 <a:latin typeface="AdobeClean-Light"/>
                 <a:cs typeface="AdobeClean-Light"/>
               </a:rPr>
-              <a:t>Start </a:t>
-            </a:r>
-            <a:r>
-              <a:rPr sz="900" dirty="0">
+              <a:t>답변을 </a:t>
+            </a:r>
+            <a:r>
+              <a:rPr lang="de-de" sz="900" dirty="0">
                 <a:solidFill>
                   <a:srgbClr val="020302"/>
                 </a:solidFill>
                 <a:latin typeface="AdobeClean-Light"/>
                 <a:cs typeface="AdobeClean-Light"/>
               </a:rPr>
-              <a:t>a </a:t>
-            </a:r>
-            <a:r>
-              <a:rPr sz="900" spc="-15" dirty="0">
+              <a:t>얻고 </a:t>
+            </a:r>
+            <a:r>
+              <a:rPr lang="de-de" sz="900" spc="-15" dirty="0">
                 <a:solidFill>
                   <a:srgbClr val="020302"/>
                 </a:solidFill>
                 <a:latin typeface="AdobeClean-Light"/>
                 <a:cs typeface="AdobeClean-Light"/>
               </a:rPr>
-              <a:t>chat </a:t>
-            </a:r>
-            <a:r>
-              <a:rPr sz="900" spc="-10" dirty="0">
+              <a:t>사례 </a:t>
+            </a:r>
+            <a:r>
+              <a:rPr lang="de-de" sz="900" spc="-10" dirty="0">
                 <a:solidFill>
                   <a:srgbClr val="020302"/>
                 </a:solidFill>
                 <a:latin typeface="AdobeClean-Light"/>
                 <a:cs typeface="AdobeClean-Light"/>
               </a:rPr>
-              <a:t>session </a:t>
-            </a:r>
-            <a:r>
-              <a:rPr sz="900" spc="-5" dirty="0">
+              <a:t>제출 </a:t>
+            </a:r>
+            <a:r>
+              <a:rPr lang="de-de" sz="900" spc="-5" dirty="0">
                 <a:solidFill>
                   <a:srgbClr val="020302"/>
                 </a:solidFill>
                 <a:latin typeface="AdobeClean-Light"/>
                 <a:cs typeface="AdobeClean-Light"/>
               </a:rPr>
-              <a:t>to </a:t>
-            </a:r>
-            <a:r>
-              <a:rPr sz="900" spc="-10" dirty="0">
+              <a:t>관련 </a:t>
+            </a:r>
+            <a:r>
+              <a:rPr lang="de-de" sz="900" spc="-10" dirty="0">
                 <a:solidFill>
                   <a:srgbClr val="020302"/>
                 </a:solidFill>
                 <a:latin typeface="AdobeClean-Light"/>
                 <a:cs typeface="AdobeClean-Light"/>
               </a:rPr>
-              <a:t>get</a:t>
-            </a:r>
-            <a:r>
-              <a:rPr lang="en-US" sz="900" spc="-10" dirty="0">
+              <a:t>도움을</a:t>
+            </a:r>
+            <a:r>
+              <a:rPr lang="de-de" sz="900" spc="30" dirty="0">
                 <a:solidFill>
                   <a:srgbClr val="020302"/>
                 </a:solidFill>
                 <a:latin typeface="AdobeClean-Light"/>
                 <a:cs typeface="AdobeClean-Light"/>
               </a:rPr>
-              <a:t> </a:t>
-            </a:r>
-            <a:r>
-              <a:rPr sz="900" spc="30" dirty="0">
+              <a:t> </a:t>
+            </a:r>
+            <a:r>
+              <a:rPr lang="de-de" sz="900" spc="-20" dirty="0">
                 <a:solidFill>
                   <a:srgbClr val="020302"/>
                 </a:solidFill>
                 <a:latin typeface="AdobeClean-Light"/>
                 <a:cs typeface="AdobeClean-Light"/>
               </a:rPr>
-              <a:t> </a:t>
-            </a:r>
-            <a:r>
-              <a:rPr sz="900" spc="-20" dirty="0">
+              <a:t>받을 수</a:t>
+            </a:r>
+            <a:r>
+              <a:rPr lang="de-de" sz="900" spc="-45" dirty="0">
                 <a:solidFill>
                   <a:srgbClr val="020302"/>
                 </a:solidFill>
                 <a:latin typeface="AdobeClean-Light"/>
                 <a:cs typeface="AdobeClean-Light"/>
               </a:rPr>
-              <a:t>answers</a:t>
-            </a:r>
-            <a:r>
-              <a:rPr lang="en-US" sz="900" spc="-45" dirty="0">
+              <a:t> </a:t>
+            </a:r>
+            <a:r>
+              <a:rPr lang="de-de" sz="900" dirty="0">
                 <a:solidFill>
                   <a:srgbClr val="020302"/>
                 </a:solidFill>
                 <a:latin typeface="AdobeClean-Light"/>
                 <a:cs typeface="AdobeClean-Light"/>
               </a:rPr>
-              <a:t> </a:t>
-            </a:r>
-            <a:r>
-              <a:rPr lang="en-US" sz="900" dirty="0">
+              <a:t>있는 </a:t>
+            </a:r>
+            <a:r>
+              <a:rPr lang="de-de" sz="900" spc="-15" dirty="0">
                 <a:solidFill>
                   <a:srgbClr val="020302"/>
                 </a:solidFill>
                 <a:latin typeface="AdobeClean-Light"/>
                 <a:cs typeface="AdobeClean-Light"/>
               </a:rPr>
-              <a:t>&amp; </a:t>
-            </a:r>
-            <a:r>
-              <a:rPr sz="900" spc="-15" dirty="0">
+              <a:t>채팅</a:t>
+            </a:r>
+            <a:r>
+              <a:rPr lang="de-de" sz="900" spc="-10" dirty="0">
                 <a:solidFill>
                   <a:srgbClr val="020302"/>
                 </a:solidFill>
                 <a:latin typeface="AdobeClean-Light"/>
                 <a:cs typeface="AdobeClean-Light"/>
               </a:rPr>
-              <a:t>help </a:t>
-            </a:r>
-            <a:r>
-              <a:rPr sz="900" spc="-10" dirty="0">
+              <a:t> </a:t>
+            </a:r>
+            <a:r>
+              <a:rPr lang="de-de" sz="900" spc="85" dirty="0">
                 <a:solidFill>
                   <a:srgbClr val="020302"/>
                 </a:solidFill>
                 <a:latin typeface="AdobeClean-Light"/>
                 <a:cs typeface="AdobeClean-Light"/>
               </a:rPr>
-              <a:t>with</a:t>
-            </a:r>
-            <a:r>
-              <a:rPr sz="900" spc="85" dirty="0">
+              <a:t>세션을</a:t>
+            </a:r>
+            <a:r>
+              <a:rPr lang="de-de" sz="900" spc="-10" dirty="0">
                 <a:solidFill>
                   <a:srgbClr val="020302"/>
                 </a:solidFill>
@@ -9482,35 +9121,22 @@
               <a:t> </a:t>
             </a:r>
             <a:r>
-              <a:rPr sz="900" spc="-10" dirty="0">
+              <a:rPr lang="de-de" sz="900" spc="-20" dirty="0">
                 <a:solidFill>
                   <a:srgbClr val="020302"/>
                 </a:solidFill>
                 <a:latin typeface="AdobeClean-Light"/>
                 <a:cs typeface="AdobeClean-Light"/>
               </a:rPr>
-              <a:t>case </a:t>
-            </a:r>
-            <a:r>
-              <a:rPr sz="900" spc="-20" dirty="0">
-                <a:solidFill>
-                  <a:srgbClr val="020302"/>
-                </a:solidFill>
-                <a:latin typeface="AdobeClean-Light"/>
-                <a:cs typeface="AdobeClean-Light"/>
-              </a:rPr>
-              <a:t>submission</a:t>
-            </a:r>
-            <a:r>
-              <a:rPr lang="en-US" sz="900" spc="-20" dirty="0">
-                <a:solidFill>
-                  <a:srgbClr val="020302"/>
-                </a:solidFill>
-                <a:latin typeface="AdobeClean-Light"/>
-                <a:cs typeface="AdobeClean-Light"/>
-              </a:rPr>
-              <a:t>.</a:t>
-            </a:r>
+              <a:t>시작합니다.</a:t>
+            </a:r>
+            <a:endParaRPr lang="en-US" sz="900" spc="-20" dirty="0">
+              <a:solidFill>
+                <a:srgbClr val="020302"/>
+              </a:solidFill>
+              <a:latin typeface="AdobeClean-Light"/>
+              <a:cs typeface="AdobeClean-Light"/>
+            </a:endParaRPr>
           </a:p>
           <a:p>
             <a:pPr marL="33020" marR="159385">
@@ -9525,24 +9151,24 @@
               </a:tabLst>
             </a:pPr>
             <a:r>
-              <a:rPr sz="900" i="1" spc="-10" dirty="0">
+              <a:rPr lang="de-de" sz="900" i="1" spc="-10" dirty="0">
                 <a:solidFill>
                   <a:srgbClr val="7A7A7A"/>
                 </a:solidFill>
                 <a:latin typeface="AdobeClean-LightIt"/>
                 <a:cs typeface="AdobeClean-LightIt"/>
               </a:rPr>
-              <a:t>*Not all </a:t>
-            </a:r>
-            <a:r>
-              <a:rPr sz="900" i="1" spc="-20" dirty="0">
+              <a:t>*모든 </a:t>
+            </a:r>
+            <a:r>
+              <a:rPr lang="de-de" sz="900" i="1" spc="-20" dirty="0">
                 <a:solidFill>
                   <a:srgbClr val="7A7A7A"/>
                 </a:solidFill>
                 <a:latin typeface="AdobeClean-LightIt"/>
                 <a:cs typeface="AdobeClean-LightIt"/>
               </a:rPr>
-              <a:t>products have live chat support.  </a:t>
+              <a:t>제품에 라이브 채팅이 지원되는 것은 아닙니다.  </a:t>
             </a:r>
             <a:endParaRPr sz="900" dirty="0">
               <a:latin typeface="AdobeClean-Light"/>
@@ -9616,14 +9242,14 @@
               </a:spcBef>
             </a:pPr>
             <a:r>
-              <a:rPr lang="en-US" sz="1400" b="1" spc="-10" dirty="0">
+              <a:rPr lang="de-de" sz="1400" b="1" spc="-10" dirty="0">
                 <a:solidFill>
                   <a:srgbClr val="020302"/>
                 </a:solidFill>
                 <a:latin typeface="Adobe Clean"/>
                 <a:cs typeface="Adobe Clean"/>
               </a:rPr>
-              <a:t>Online Support</a:t>
+              <a:t>온라인 지원</a:t>
             </a:r>
             <a:endParaRPr lang="en-US" sz="1400" dirty="0">
               <a:latin typeface="Adobe Clean"/>
@@ -9675,12 +9301,12 @@
               <a:defRPr/>
             </a:pPr>
             <a:r>
-              <a:rPr lang="en-US" sz="1200" dirty="0">
+              <a:rPr lang="de-de" sz="1200" dirty="0">
                 <a:solidFill>
                   <a:srgbClr val="000000"/>
                 </a:solidFill>
               </a:rPr>
-              <a:t>Community Forums</a:t>
+              <a:t>커뮤니티 포럼</a:t>
             </a:r>
           </a:p>
         </p:txBody>
@@ -9723,12 +9349,12 @@
               </a:spcAft>
             </a:pPr>
             <a:r>
-              <a:rPr lang="en-US" sz="1200" b="1" dirty="0">
+              <a:rPr lang="de-de" sz="1200" b="1" dirty="0">
                 <a:latin typeface="+mj-lt"/>
                 <a:ea typeface="Open Sans" pitchFamily="34" charset="0"/>
                 <a:cs typeface="Open Sans" pitchFamily="34" charset="0"/>
               </a:rPr>
-              <a:t>Online Forums</a:t>
+              <a:t>온라인 포럼</a:t>
             </a:r>
           </a:p>
         </p:txBody>
@@ -9761,13 +9387,13 @@
           <a:lstStyle/>
           <a:p>
             <a:r>
-              <a:rPr lang="en-US" sz="1000" dirty="0">
+              <a:rPr lang="de-de" sz="1000" dirty="0">
                 <a:solidFill>
                   <a:srgbClr val="000000"/>
                 </a:solidFill>
                 <a:latin typeface="Adobe Clean Light" panose="020B0303020404020204" pitchFamily="34" charset="0"/>
               </a:rPr>
-              <a:t>Continuous online access to a growing database of technical solutions, product documentation, FAQs and more. Connect with practitioners and other customers on Adobe Community to share best practices and lessons learned.</a:t>
+              <a:t>기술 솔루션, 제품 문서, FAQ 등 증가하는 데이터베이스에 대한 지속적인 온라인 액세스. Adobe 커뮤니티에서 실무자 및 다른 고객과 소통하여 모범 사례 및 진행 중 얻은 개선 사항을 공유합니다.</a:t>
             </a:r>
           </a:p>
         </p:txBody>
@@ -9815,7 +9441,7 @@
               <a:defRPr/>
             </a:pPr>
             <a:r>
-              <a:rPr lang="en-US" sz="1200" dirty="0">
+              <a:rPr lang="de-de" sz="1200" dirty="0">
                 <a:solidFill>
                   <a:srgbClr val="000000"/>
                 </a:solidFill>
@@ -9863,12 +9489,12 @@
               </a:spcAft>
             </a:pPr>
             <a:r>
-              <a:rPr lang="en-US" sz="1200" b="1" dirty="0">
+              <a:rPr lang="de-de" sz="1200" b="1" dirty="0">
                 <a:latin typeface="+mj-lt"/>
                 <a:ea typeface="Open Sans" pitchFamily="34" charset="0"/>
                 <a:cs typeface="Open Sans" pitchFamily="34" charset="0"/>
               </a:rPr>
-              <a:t>Self-guided Journeys</a:t>
+              <a:t>셀프 가이드 여정</a:t>
             </a:r>
           </a:p>
         </p:txBody>
@@ -9901,13 +9527,13 @@
           <a:lstStyle/>
           <a:p>
             <a:r>
-              <a:rPr lang="en-US" sz="1000" dirty="0">
+              <a:rPr lang="de-de" sz="1000" dirty="0">
                 <a:solidFill>
                   <a:srgbClr val="000000"/>
                 </a:solidFill>
                 <a:latin typeface="Adobe Clean Light" panose="020B0303020404020204" pitchFamily="34" charset="0"/>
               </a:rPr>
-              <a:t>Experience Makers are made with Experience League. Customers can kickstart their Customer Experience Management abilities with personalized learning to develop skills, engage with a global community of peers, and earn career advancing recognition. </a:t>
+              <a:t>Experience 업체는 Experience League로 만들어집니다. 고객은 개인 맞춤형 학습을 통해 고객 경험 관리 능력에 시동을 걸어 기술을 개발하고 글로벌 동료 커뮤니티와 교류하며 경력 발전에 도움이 되는 인정을 얻을 수 있습니다. </a:t>
             </a:r>
           </a:p>
         </p:txBody>
@@ -9955,12 +9581,12 @@
               <a:defRPr/>
             </a:pPr>
             <a:r>
-              <a:rPr lang="en-US" sz="1200" dirty="0">
+              <a:rPr lang="de-de" sz="1200" dirty="0">
                 <a:solidFill>
                   <a:srgbClr val="000000"/>
                 </a:solidFill>
               </a:rPr>
-              <a:t>Office Hours</a:t>
+              <a:t>오피스 아워</a:t>
             </a:r>
           </a:p>
         </p:txBody>
@@ -10003,12 +9629,12 @@
               </a:spcAft>
             </a:pPr>
             <a:r>
-              <a:rPr lang="en-US" sz="1200" b="1" dirty="0">
+              <a:rPr lang="de-de" sz="1200" b="1" dirty="0">
                 <a:latin typeface="+mj-lt"/>
                 <a:ea typeface="Open Sans" pitchFamily="34" charset="0"/>
                 <a:cs typeface="Open Sans" pitchFamily="34" charset="0"/>
               </a:rPr>
-              <a:t>Webinars</a:t>
+              <a:t>웨비나</a:t>
             </a:r>
           </a:p>
         </p:txBody>
@@ -10041,13 +9667,13 @@
           <a:lstStyle/>
           <a:p>
             <a:r>
-              <a:rPr lang="en-US" sz="1000" dirty="0">
+              <a:rPr lang="de-de" sz="1000" dirty="0">
                 <a:solidFill>
                   <a:srgbClr val="000000"/>
                 </a:solidFill>
                 <a:latin typeface="Adobe Clean Light" panose="020B0303020404020204" pitchFamily="34" charset="0"/>
               </a:rPr>
-              <a:t>Office  Hours  led  by  the  Adobe  Customer Support  team  includes  sessions  designed to  inform  as  well  as  help  participants troubleshoot  problems  and  provide  tips and  tricks  for  success  with  Adobe  solutions.</a:t>
+              <a:t>Adobe 고객 지원 팀에서 진행하는 오피스 아워(Office Hours)에는 참가자가 문제를 해결하도록 관련 정보를 제공하여 도움을 주고 Adobe 솔루션을 성공적으로 사용할 수 있는 팁과 요령을 제공하기 위해 설계된 세션들이 포함됩니다.</a:t>
             </a:r>
           </a:p>
         </p:txBody>
@@ -10095,12 +9721,12 @@
               <a:defRPr/>
             </a:pPr>
             <a:r>
-              <a:rPr lang="en-US" sz="1200" dirty="0">
+              <a:rPr lang="de-de" sz="1200" dirty="0">
                 <a:solidFill>
                   <a:srgbClr val="000000"/>
                 </a:solidFill>
               </a:rPr>
-              <a:t>Self-help Portals</a:t>
+              <a:t>자가 진단 포털</a:t>
             </a:r>
           </a:p>
         </p:txBody>
@@ -10143,12 +9769,12 @@
               </a:spcAft>
             </a:pPr>
             <a:r>
-              <a:rPr lang="en-US" sz="1200" b="1" dirty="0">
+              <a:rPr lang="de-de" sz="1200" b="1" dirty="0">
                 <a:latin typeface="+mj-lt"/>
                 <a:ea typeface="Open Sans" pitchFamily="34" charset="0"/>
                 <a:cs typeface="Open Sans" pitchFamily="34" charset="0"/>
               </a:rPr>
-              <a:t>24/7 Support Portal</a:t>
+              <a:t>24/7 지원 포털</a:t>
             </a:r>
           </a:p>
         </p:txBody>
@@ -10181,13 +9807,13 @@
           <a:lstStyle/>
           <a:p>
             <a:r>
-              <a:rPr lang="en-US" sz="1000" dirty="0">
+              <a:rPr lang="de-de" sz="1000" dirty="0">
                 <a:solidFill>
                   <a:srgbClr val="000000"/>
                 </a:solidFill>
                 <a:latin typeface="Adobe Clean Light" panose="020B0303020404020204" pitchFamily="34" charset="0"/>
               </a:rPr>
-              <a:t>On-demand access to the online Self-help Support Portal to submit support requests, review case status, and browse other resources, like our knowledgebase, news and alerts, featured tips, and more.</a:t>
+              <a:t>지원 요청을 제출하고 사례 상태를 검토하고 기술 자료, 뉴스 및 알림, 추천 팁 등과 같은 기타 리소스를 검색할 수 있는 온라인 자가 진단 지원 포털에 대한 온디맨드 액세스입니다.</a:t>
             </a:r>
           </a:p>
         </p:txBody>
@@ -10235,12 +9861,12 @@
               <a:defRPr/>
             </a:pPr>
             <a:r>
-              <a:rPr lang="en-US" sz="1200" dirty="0">
+              <a:rPr lang="de-de" sz="1200" dirty="0">
                 <a:solidFill>
                   <a:srgbClr val="000000"/>
                 </a:solidFill>
               </a:rPr>
-              <a:t>Live Chat  Support*</a:t>
+              <a:t>라이브 채팅 지원*</a:t>
             </a:r>
           </a:p>
         </p:txBody>
@@ -10283,12 +9909,12 @@
               </a:spcAft>
             </a:pPr>
             <a:r>
-              <a:rPr lang="en-US" sz="1200" b="1" dirty="0">
+              <a:rPr lang="de-de" sz="1200" b="1" dirty="0">
                 <a:latin typeface="+mj-lt"/>
                 <a:ea typeface="Open Sans" pitchFamily="34" charset="0"/>
                 <a:cs typeface="Open Sans" pitchFamily="34" charset="0"/>
               </a:rPr>
-              <a:t>Chat Support</a:t>
+              <a:t>채팅 지원</a:t>
             </a:r>
           </a:p>
         </p:txBody>
@@ -10336,7 +9962,7 @@
               <a:defRPr/>
             </a:pPr>
             <a:r>
-              <a:rPr lang="en-US" sz="1200" dirty="0">
+              <a:rPr lang="de-de" sz="1200" dirty="0">
                 <a:solidFill>
                   <a:srgbClr val="000000"/>
                 </a:solidFill>
@@ -10384,12 +10010,12 @@
               </a:spcAft>
             </a:pPr>
             <a:r>
-              <a:rPr lang="en-US" sz="1200" b="1" dirty="0">
+              <a:rPr lang="de-de" sz="1200" b="1" dirty="0">
                 <a:latin typeface="+mj-lt"/>
                 <a:ea typeface="Open Sans" pitchFamily="34" charset="0"/>
                 <a:cs typeface="Open Sans" pitchFamily="34" charset="0"/>
               </a:rPr>
-              <a:t>Phone  Support</a:t>
+              <a:t>전화 지원</a:t>
             </a:r>
           </a:p>
         </p:txBody>
@@ -10422,19 +10048,19 @@
           <a:lstStyle/>
           <a:p>
             <a:r>
-              <a:rPr lang="en-US" sz="1000" dirty="0">
+              <a:rPr lang="de-de" sz="1000" dirty="0">
                 <a:solidFill>
                   <a:srgbClr val="020302"/>
                 </a:solidFill>
                 <a:latin typeface="AdobeClean-Light"/>
               </a:rPr>
-              <a:t>Authorized users or Named Support Contacts </a:t>
-            </a:r>
-            <a:r>
-              <a:rPr lang="en-US" sz="1000" dirty="0">
+              <a:t>승인된 사용자 또는 지정 지원 담당자</a:t>
+            </a:r>
+            <a:r>
+              <a:rPr lang="de-de" sz="1000" dirty="0">
                 <a:latin typeface="Adobe Clean Light" panose="020B0303020404020204" pitchFamily="34" charset="0"/>
               </a:rPr>
-              <a:t>can submit issues through all available  channels (including phone for P1) and interact with our technical support team on behalf of your company. </a:t>
+              <a:t>는 사용 가능한 모든 채널(P1용 전화 포함)을 통해 문제를 제출하고 귀사를 대신하여 기술 지원 팀과 상호 작용할 수 있습니다. </a:t>
             </a:r>
             <a:endParaRPr lang="en-US" sz="1000" dirty="0">
               <a:solidFill>
@@ -10464,7 +10090,7 @@
         <p:spPr>
           <a:xfrm>
             <a:off x="5253416" y="9862966"/>
-            <a:ext cx="2270125" cy="132729"/>
+            <a:ext cx="2823784" cy="132729"/>
           </a:xfrm>
           <a:prstGeom prst="rect">
             <a:avLst/>
@@ -10485,31 +10111,23 @@
               </a:spcBef>
             </a:pPr>
             <a:r>
-              <a:rPr spc="-5" dirty="0"/>
-              <a:t>©202</a:t>
-            </a:r>
-            <a:r>
-              <a:rPr lang="en-US" spc="-5" dirty="0"/>
-              <a:t>1</a:t>
-            </a:r>
-            <a:r>
-              <a:rPr spc="-5" dirty="0"/>
-              <a:t> Adobe. All Rights Reserved. Adobe</a:t>
-            </a:r>
-            <a:r>
-              <a:rPr spc="60" dirty="0"/>
+              <a:rPr lang="de-de" spc="-5" dirty="0"/>
+              <a:t>©2021 Adobe. All Rights Reserved. Adobe</a:t>
+            </a:r>
+            <a:r>
+              <a:rPr lang="de-de" spc="60" dirty="0"/>
               <a:t> </a:t>
             </a:r>
             <a:r>
-              <a:rPr spc="-5" dirty="0"/>
-              <a:t>Confidential.</a:t>
+              <a:rPr lang="de-de" spc="-5" dirty="0"/>
+              <a:t>기밀.</a:t>
             </a:r>
           </a:p>
         </p:txBody>
       </p:sp>
       <p:pic>
         <p:nvPicPr>
-          <p:cNvPr id="40" name="Graphic 39" descr="Customer review outline">
+          <p:cNvPr id="40" name="Graphic 39" descr="고객 리뷰 개요">
             <a:extLst>
               <a:ext uri="{FF2B5EF4-FFF2-40B4-BE49-F238E27FC236}">
                 <a16:creationId xmlns:a16="http://schemas.microsoft.com/office/drawing/2014/main" id="{4E262C55-4C32-2544-98DA-C02B8E971D1B}"/>
@@ -10548,7 +10166,7 @@
       </p:pic>
       <p:pic>
         <p:nvPicPr>
-          <p:cNvPr id="43" name="Graphic 42" descr="Remote learning language outline">
+          <p:cNvPr id="43" name="Graphic 42" descr="원격 학습 언어 개요">
             <a:extLst>
               <a:ext uri="{FF2B5EF4-FFF2-40B4-BE49-F238E27FC236}">
                 <a16:creationId xmlns:a16="http://schemas.microsoft.com/office/drawing/2014/main" id="{E6296687-6BD9-6048-A379-6D8F8F04D10C}"/>
@@ -10587,7 +10205,7 @@
       </p:pic>
       <p:pic>
         <p:nvPicPr>
-          <p:cNvPr id="44" name="Graphic 43" descr="Signpost outline">
+          <p:cNvPr id="44" name="Graphic 43" descr="길잡이 개요">
             <a:extLst>
               <a:ext uri="{FF2B5EF4-FFF2-40B4-BE49-F238E27FC236}">
                 <a16:creationId xmlns:a16="http://schemas.microsoft.com/office/drawing/2014/main" id="{A7AEBE03-711D-0D45-9260-22F215047C1D}"/>
@@ -10626,7 +10244,7 @@
       </p:pic>
       <p:pic>
         <p:nvPicPr>
-          <p:cNvPr id="45" name="Graphic 44" descr="Internet outline">
+          <p:cNvPr id="45" name="Graphic 44" descr="인터넷 개요">
             <a:extLst>
               <a:ext uri="{FF2B5EF4-FFF2-40B4-BE49-F238E27FC236}">
                 <a16:creationId xmlns:a16="http://schemas.microsoft.com/office/drawing/2014/main" id="{53393DA1-2F49-204A-98D0-CC1953C765FE}"/>
@@ -10665,7 +10283,7 @@
       </p:pic>
       <p:pic>
         <p:nvPicPr>
-          <p:cNvPr id="47" name="Graphic 46" descr="Chat bubble outline">
+          <p:cNvPr id="47" name="Graphic 46" descr="말풍선 개요">
             <a:extLst>
               <a:ext uri="{FF2B5EF4-FFF2-40B4-BE49-F238E27FC236}">
                 <a16:creationId xmlns:a16="http://schemas.microsoft.com/office/drawing/2014/main" id="{FE42C6EE-710B-DF4A-BC9E-4EF15D56E0B2}"/>
@@ -10704,7 +10322,7 @@
       </p:pic>
       <p:pic>
         <p:nvPicPr>
-          <p:cNvPr id="51" name="Graphic 50" descr="Speaker phone outline">
+          <p:cNvPr id="51" name="Graphic 50" descr="스피커폰 개요">
             <a:extLst>
               <a:ext uri="{FF2B5EF4-FFF2-40B4-BE49-F238E27FC236}">
                 <a16:creationId xmlns:a16="http://schemas.microsoft.com/office/drawing/2014/main" id="{38A761D0-3F50-2A48-8BEE-9A284E6142EE}"/>
@@ -10793,17 +10411,17 @@
               </a:lnSpc>
             </a:pPr>
             <a:r>
-              <a:rPr sz="500" spc="-5" dirty="0">
+              <a:rPr lang="de-de" sz="500" spc="-5" dirty="0">
                 <a:solidFill>
                   <a:srgbClr val="6C6C6C"/>
                 </a:solidFill>
                 <a:latin typeface="Adobe Clean"/>
                 <a:cs typeface="Adobe Clean"/>
               </a:rPr>
-              <a:t>©2020 Adobe. All Rights Reserved. </a:t>
-            </a:r>
-            <a:r>
-              <a:rPr sz="500" dirty="0">
+              <a:t>© 2020 Adobe.  All Rights Reserved. </a:t>
+            </a:r>
+            <a:r>
+              <a:rPr lang="de-de" sz="500" dirty="0">
                 <a:solidFill>
                   <a:srgbClr val="6C6C6C"/>
                 </a:solidFill>
@@ -10813,7 +10431,7 @@
               <a:t>Adobe</a:t>
             </a:r>
             <a:r>
-              <a:rPr sz="500" spc="5" dirty="0">
+              <a:rPr lang="de-de" sz="500" spc="5" dirty="0">
                 <a:solidFill>
                   <a:srgbClr val="6C6C6C"/>
                 </a:solidFill>
@@ -10823,14 +10441,14 @@
               <a:t> </a:t>
             </a:r>
             <a:r>
-              <a:rPr sz="500" spc="-5" dirty="0">
+              <a:rPr lang="de-de" sz="500" spc="-5" dirty="0">
                 <a:solidFill>
                   <a:srgbClr val="6C6C6C"/>
                 </a:solidFill>
                 <a:latin typeface="Adobe Clean"/>
                 <a:cs typeface="Adobe Clean"/>
               </a:rPr>
-              <a:t>Confidential.</a:t>
+              <a:t>기밀.</a:t>
             </a:r>
             <a:endParaRPr sz="500">
               <a:latin typeface="Adobe Clean"/>
@@ -10861,17 +10479,17 @@
               </a:spcBef>
             </a:pPr>
             <a:r>
-              <a:rPr sz="800" spc="-5" dirty="0">
+              <a:rPr lang="de-de" sz="800" spc="-5" dirty="0">
                 <a:solidFill>
                   <a:srgbClr val="6D6D6D"/>
                 </a:solidFill>
                 <a:latin typeface="Adobe Clean"/>
                 <a:cs typeface="Adobe Clean"/>
               </a:rPr>
-              <a:t>©2020 Adobe. All Rights Reserved. Adobe</a:t>
-            </a:r>
-            <a:r>
-              <a:rPr sz="800" spc="75" dirty="0">
+              <a:t>© 2020 Adobe.  All Rights Reserved. Adobe</a:t>
+            </a:r>
+            <a:r>
+              <a:rPr lang="de-de" sz="800" spc="75" dirty="0">
                 <a:solidFill>
                   <a:srgbClr val="6D6D6D"/>
                 </a:solidFill>
@@ -10881,14 +10499,14 @@
               <a:t> </a:t>
             </a:r>
             <a:r>
-              <a:rPr sz="800" spc="-5" dirty="0">
+              <a:rPr lang="de-de" sz="800" spc="-5" dirty="0">
                 <a:solidFill>
                   <a:srgbClr val="6D6D6D"/>
                 </a:solidFill>
                 <a:latin typeface="Adobe Clean"/>
                 <a:cs typeface="Adobe Clean"/>
               </a:rPr>
-              <a:t>Confidential.</a:t>
+              <a:t>기밀.</a:t>
             </a:r>
             <a:endParaRPr sz="800">
               <a:latin typeface="Adobe Clean"/>
@@ -10977,14 +10595,14 @@
               </a:spcBef>
             </a:pPr>
             <a:r>
-              <a:rPr lang="en-US" sz="1400" b="1" spc="-15" dirty="0">
+              <a:rPr lang="de-de" sz="1400" b="1" spc="-15" dirty="0">
                 <a:solidFill>
                   <a:srgbClr val="020302"/>
                 </a:solidFill>
                 <a:latin typeface="Adobe Clean"/>
                 <a:cs typeface="Adobe Clean"/>
               </a:rPr>
-              <a:t>Resources</a:t>
+              <a:t>리소스</a:t>
             </a:r>
             <a:endParaRPr sz="1400" dirty="0">
               <a:latin typeface="Adobe Clean"/>
@@ -11002,14 +10620,14 @@
         <p:spPr>
           <a:xfrm>
             <a:off x="6754821" y="9283729"/>
-            <a:ext cx="930275" cy="758541"/>
+            <a:ext cx="930275" cy="662305"/>
           </a:xfrm>
           <a:prstGeom prst="rect">
             <a:avLst/>
           </a:prstGeom>
         </p:spPr>
         <p:txBody>
-          <a:bodyPr vert="horz" wrap="square" lIns="0" tIns="12065" rIns="0" bIns="0" rtlCol="0" anchor="t">
+          <a:bodyPr vert="horz" wrap="square" lIns="0" tIns="12065" rIns="0" bIns="0" rtlCol="0">
             <a:spAutoFit/>
           </a:bodyPr>
           <a:lstStyle/>
@@ -11023,7 +10641,7 @@
               </a:spcBef>
             </a:pPr>
             <a:r>
-              <a:rPr sz="800" spc="-15" dirty="0">
+              <a:rPr lang="de-de" sz="800" spc="-15" dirty="0">
                 <a:solidFill>
                   <a:srgbClr val="777879"/>
                 </a:solidFill>
@@ -11044,26 +10662,36 @@
               </a:lnSpc>
             </a:pPr>
             <a:r>
-              <a:rPr sz="800" spc="-15" dirty="0">
+              <a:rPr lang="de-de" sz="800" spc="-15" dirty="0">
                 <a:solidFill>
                   <a:srgbClr val="777879"/>
                 </a:solidFill>
                 <a:latin typeface="Adobe Clean"/>
                 <a:cs typeface="Adobe Clean"/>
               </a:rPr>
-              <a:t>345 </a:t>
-            </a:r>
-            <a:r>
-              <a:rPr lang="en-US" sz="800" spc="-15" dirty="0">
+              <a:t>345 Park</a:t>
+            </a:r>
+            <a:r>
+              <a:rPr lang="de-de" sz="800" spc="-100" dirty="0">
                 <a:solidFill>
                   <a:srgbClr val="777879"/>
                 </a:solidFill>
                 <a:latin typeface="Adobe Clean"/>
                 <a:cs typeface="Adobe Clean"/>
               </a:rPr>
-              <a:t>Park Avenue</a:t>
-            </a:r>
-            <a:endParaRPr sz="800" dirty="0">
+              <a:t> </a:t>
+            </a:r>
+            <a:r>
+              <a:rPr lang="de-de" sz="800" spc="-15" dirty="0">
+                <a:solidFill>
+                  <a:srgbClr val="777879"/>
+                </a:solidFill>
+                <a:latin typeface="Adobe Clean"/>
+                <a:cs typeface="Adobe Clean"/>
+              </a:rPr>
+              <a:t>Avenue</a:t>
+            </a:r>
+            <a:endParaRPr sz="800">
               <a:latin typeface="Adobe Clean"/>
               <a:cs typeface="Adobe Clean"/>
             </a:endParaRPr>
@@ -11075,7 +10703,7 @@
               </a:lnSpc>
             </a:pPr>
             <a:r>
-              <a:rPr sz="800" spc="-10" dirty="0">
+              <a:rPr lang="de-de" sz="800" spc="-10" dirty="0">
                 <a:solidFill>
                   <a:srgbClr val="777879"/>
                 </a:solidFill>
@@ -11085,7 +10713,7 @@
               <a:t>San </a:t>
             </a:r>
             <a:r>
-              <a:rPr sz="800" spc="-15" dirty="0">
+              <a:rPr lang="de-de" sz="800" spc="-15" dirty="0">
                 <a:solidFill>
                   <a:srgbClr val="777879"/>
                 </a:solidFill>
@@ -11095,7 +10723,7 @@
               <a:t>Jose,</a:t>
             </a:r>
             <a:r>
-              <a:rPr sz="800" spc="-140" dirty="0">
+              <a:rPr lang="de-de" sz="800" spc="-140" dirty="0">
                 <a:solidFill>
                   <a:srgbClr val="777879"/>
                 </a:solidFill>
@@ -11105,7 +10733,7 @@
               <a:t> </a:t>
             </a:r>
             <a:r>
-              <a:rPr sz="800" spc="-20" dirty="0">
+              <a:rPr lang="de-de" sz="800" spc="-20" dirty="0">
                 <a:solidFill>
                   <a:srgbClr val="777879"/>
                 </a:solidFill>
@@ -11129,7 +10757,7 @@
               </a:spcBef>
             </a:pPr>
             <a:r>
-              <a:rPr sz="800" spc="-10" dirty="0">
+              <a:rPr lang="de-de" sz="800" spc="-10" dirty="0">
                 <a:solidFill>
                   <a:srgbClr val="777879"/>
                 </a:solidFill>
@@ -11153,7 +10781,7 @@
               </a:spcBef>
             </a:pPr>
             <a:r>
-              <a:rPr sz="800" u="sng" spc="-25" dirty="0">
+              <a:rPr lang="de-de" sz="800" u="sng" spc="-25" dirty="0">
                 <a:solidFill>
                   <a:srgbClr val="5F5F5F"/>
                 </a:solidFill>
@@ -11166,7 +10794,7 @@
                 <a:cs typeface="Adobe Clean"/>
                 <a:hlinkClick r:id="rId3"/>
               </a:rPr>
-              <a:t>www.adobe.com</a:t>
+              <a:t>www.adobe.com/kr/</a:t>
             </a:r>
             <a:endParaRPr sz="800">
               <a:latin typeface="Adobe Clean"/>
@@ -11332,7 +10960,7 @@
           </a:prstGeom>
         </p:spPr>
         <p:txBody>
-          <a:bodyPr vert="horz" wrap="square" lIns="0" tIns="29845" rIns="0" bIns="0" rtlCol="0" anchor="t">
+          <a:bodyPr vert="horz" wrap="square" lIns="0" tIns="29845" rIns="0" bIns="0" rtlCol="0">
             <a:spAutoFit/>
           </a:bodyPr>
           <a:lstStyle/>
@@ -11346,17 +10974,17 @@
               </a:spcBef>
             </a:pPr>
             <a:r>
-              <a:rPr sz="1100" i="1" spc="-10" dirty="0">
+              <a:rPr lang="de-de" sz="1100" i="1" spc="-10" dirty="0">
                 <a:solidFill>
                   <a:srgbClr val="777879"/>
                 </a:solidFill>
                 <a:latin typeface="AdobeClean-LightIt"/>
                 <a:cs typeface="AdobeClean-LightIt"/>
               </a:rPr>
-              <a:t>To</a:t>
-            </a:r>
-            <a:r>
-              <a:rPr sz="1100" i="1" spc="-50" dirty="0">
+              <a:t>Adobe</a:t>
+            </a:r>
+            <a:r>
+              <a:rPr lang="de-de" sz="1100" i="1" spc="-50" dirty="0">
                 <a:solidFill>
                   <a:srgbClr val="777879"/>
                 </a:solidFill>
@@ -11366,17 +10994,17 @@
               <a:t> </a:t>
             </a:r>
             <a:r>
-              <a:rPr sz="1100" i="1" spc="-15" dirty="0">
+              <a:rPr lang="de-de" sz="1100" i="1" spc="-15" dirty="0">
                 <a:solidFill>
                   <a:srgbClr val="777879"/>
                 </a:solidFill>
                 <a:latin typeface="AdobeClean-LightIt"/>
                 <a:cs typeface="AdobeClean-LightIt"/>
               </a:rPr>
-              <a:t>learn</a:t>
-            </a:r>
-            <a:r>
-              <a:rPr sz="1100" i="1" spc="-40" dirty="0">
+              <a:t>지원</a:t>
+            </a:r>
+            <a:r>
+              <a:rPr lang="de-de" sz="1100" i="1" spc="-40" dirty="0">
                 <a:solidFill>
                   <a:srgbClr val="777879"/>
                 </a:solidFill>
@@ -11386,17 +11014,17 @@
               <a:t> </a:t>
             </a:r>
             <a:r>
-              <a:rPr sz="1100" i="1" spc="-15" dirty="0">
+              <a:rPr lang="de-de" sz="1100" i="1" spc="-15" dirty="0">
                 <a:solidFill>
                   <a:srgbClr val="777879"/>
                 </a:solidFill>
                 <a:latin typeface="AdobeClean-LightIt"/>
                 <a:cs typeface="AdobeClean-LightIt"/>
               </a:rPr>
-              <a:t>more</a:t>
-            </a:r>
-            <a:r>
-              <a:rPr sz="1100" i="1" spc="-45" dirty="0">
+              <a:t>서비스</a:t>
+            </a:r>
+            <a:r>
+              <a:rPr lang="de-de" sz="1100" i="1" spc="-45" dirty="0">
                 <a:solidFill>
                   <a:srgbClr val="777879"/>
                 </a:solidFill>
@@ -11406,17 +11034,17 @@
               <a:t> </a:t>
             </a:r>
             <a:r>
-              <a:rPr sz="1100" i="1" spc="-15" dirty="0">
+              <a:rPr lang="de-de" sz="1100" i="1" spc="-15" dirty="0">
                 <a:solidFill>
                   <a:srgbClr val="777879"/>
                 </a:solidFill>
                 <a:latin typeface="AdobeClean-LightIt"/>
                 <a:cs typeface="AdobeClean-LightIt"/>
               </a:rPr>
-              <a:t>about</a:t>
-            </a:r>
-            <a:r>
-              <a:rPr sz="1100" i="1" spc="-45" dirty="0">
+              <a:t>제공</a:t>
+            </a:r>
+            <a:r>
+              <a:rPr lang="de-de" sz="1100" i="1" spc="-45" dirty="0">
                 <a:solidFill>
                   <a:srgbClr val="777879"/>
                 </a:solidFill>
@@ -11426,17 +11054,17 @@
               <a:t> </a:t>
             </a:r>
             <a:r>
-              <a:rPr sz="1100" i="1" spc="-15" dirty="0">
+              <a:rPr lang="de-de" sz="1100" i="1" spc="-15" dirty="0">
                 <a:solidFill>
                   <a:srgbClr val="777879"/>
                 </a:solidFill>
                 <a:latin typeface="AdobeClean-LightIt"/>
                 <a:cs typeface="AdobeClean-LightIt"/>
               </a:rPr>
-              <a:t>Adobe</a:t>
-            </a:r>
-            <a:r>
-              <a:rPr sz="1100" i="1" spc="-60" dirty="0">
+              <a:t>사항</a:t>
+            </a:r>
+            <a:r>
+              <a:rPr lang="de-de" sz="1100" i="1" spc="-60" dirty="0">
                 <a:solidFill>
                   <a:srgbClr val="777879"/>
                 </a:solidFill>
@@ -11446,27 +11074,27 @@
               <a:t> </a:t>
             </a:r>
             <a:r>
-              <a:rPr sz="1100" i="1" spc="-15" dirty="0">
+              <a:rPr lang="de-de" sz="1100" i="1" spc="-15" dirty="0">
                 <a:solidFill>
                   <a:srgbClr val="777879"/>
                 </a:solidFill>
                 <a:latin typeface="AdobeClean-LightIt"/>
                 <a:cs typeface="AdobeClean-LightIt"/>
               </a:rPr>
-              <a:t>Support</a:t>
-            </a:r>
-            <a:r>
-              <a:rPr lang="en-US" sz="1100" i="1" spc="-15" dirty="0">
+              <a:t>및 </a:t>
+            </a:r>
+            <a:r>
+              <a:rPr lang="de-de" sz="1100" i="1" spc="-75" dirty="0">
                 <a:solidFill>
                   <a:srgbClr val="777879"/>
                 </a:solidFill>
                 <a:latin typeface="AdobeClean-LightIt"/>
                 <a:cs typeface="AdobeClean-LightIt"/>
               </a:rPr>
-              <a:t> Offerings</a:t>
-            </a:r>
-            <a:r>
-              <a:rPr sz="1100" i="1" spc="-75" dirty="0">
+              <a:t>적합한</a:t>
+            </a:r>
+            <a:r>
+              <a:rPr lang="de-de" sz="1100" i="1" spc="-15" dirty="0">
                 <a:solidFill>
                   <a:srgbClr val="777879"/>
                 </a:solidFill>
@@ -11476,17 +11104,17 @@
               <a:t> </a:t>
             </a:r>
             <a:r>
-              <a:rPr sz="1100" i="1" spc="-15" dirty="0">
+              <a:rPr lang="de-de" sz="1100" i="1" spc="-50" dirty="0">
                 <a:solidFill>
                   <a:srgbClr val="777879"/>
                 </a:solidFill>
                 <a:latin typeface="AdobeClean-LightIt"/>
                 <a:cs typeface="AdobeClean-LightIt"/>
               </a:rPr>
-              <a:t>and</a:t>
-            </a:r>
-            <a:r>
-              <a:rPr sz="1100" i="1" spc="-50" dirty="0">
+              <a:t>지원</a:t>
+            </a:r>
+            <a:r>
+              <a:rPr lang="de-de" sz="1100" i="1" spc="-15" dirty="0">
                 <a:solidFill>
                   <a:srgbClr val="777879"/>
                 </a:solidFill>
@@ -11496,17 +11124,17 @@
               <a:t> </a:t>
             </a:r>
             <a:r>
-              <a:rPr sz="1100" i="1" spc="-15" dirty="0">
+              <a:rPr lang="de-de" sz="1100" i="1" spc="-55" dirty="0">
                 <a:solidFill>
                   <a:srgbClr val="777879"/>
                 </a:solidFill>
                 <a:latin typeface="AdobeClean-LightIt"/>
                 <a:cs typeface="AdobeClean-LightIt"/>
               </a:rPr>
-              <a:t>the</a:t>
-            </a:r>
-            <a:r>
-              <a:rPr sz="1100" i="1" spc="-55" dirty="0">
+              <a:t>수준에</a:t>
+            </a:r>
+            <a:r>
+              <a:rPr lang="de-de" sz="1100" i="1" spc="-15" dirty="0">
                 <a:solidFill>
                   <a:srgbClr val="777879"/>
                 </a:solidFill>
@@ -11516,17 +11144,17 @@
               <a:t> </a:t>
             </a:r>
             <a:r>
-              <a:rPr sz="1100" i="1" spc="-15" dirty="0">
+              <a:rPr lang="de-de" sz="1100" i="1" spc="-95" dirty="0">
                 <a:solidFill>
                   <a:srgbClr val="777879"/>
                 </a:solidFill>
                 <a:latin typeface="AdobeClean-LightIt"/>
                 <a:cs typeface="AdobeClean-LightIt"/>
               </a:rPr>
-              <a:t>right</a:t>
-            </a:r>
-            <a:r>
-              <a:rPr sz="1100" i="1" spc="-95" dirty="0">
+              <a:t>대해</a:t>
+            </a:r>
+            <a:r>
+              <a:rPr lang="de-de" sz="1100" i="1" spc="-15" dirty="0">
                 <a:solidFill>
                   <a:srgbClr val="777879"/>
                 </a:solidFill>
@@ -11536,17 +11164,17 @@
               <a:t> </a:t>
             </a:r>
             <a:r>
-              <a:rPr sz="1100" i="1" spc="-15" dirty="0">
+              <a:rPr lang="de-de" sz="1100" i="1" spc="-55" dirty="0">
                 <a:solidFill>
                   <a:srgbClr val="777879"/>
                 </a:solidFill>
                 <a:latin typeface="AdobeClean-LightIt"/>
                 <a:cs typeface="AdobeClean-LightIt"/>
               </a:rPr>
-              <a:t>level</a:t>
-            </a:r>
-            <a:r>
-              <a:rPr sz="1100" i="1" spc="-55" dirty="0">
+              <a:t>자세히</a:t>
+            </a:r>
+            <a:r>
+              <a:rPr lang="de-de" sz="1100" i="1" spc="-15" dirty="0">
                 <a:solidFill>
                   <a:srgbClr val="777879"/>
                 </a:solidFill>
@@ -11556,17 +11184,17 @@
               <a:t> </a:t>
             </a:r>
             <a:r>
-              <a:rPr sz="1100" i="1" spc="-15" dirty="0">
+              <a:rPr lang="de-de" sz="1100" i="1" spc="-85" dirty="0">
                 <a:solidFill>
                   <a:srgbClr val="777879"/>
                 </a:solidFill>
                 <a:latin typeface="AdobeClean-LightIt"/>
                 <a:cs typeface="AdobeClean-LightIt"/>
               </a:rPr>
-              <a:t>for</a:t>
-            </a:r>
-            <a:r>
-              <a:rPr sz="1100" i="1" spc="-85" dirty="0">
+              <a:t>알아보려면</a:t>
+            </a:r>
+            <a:r>
+              <a:rPr lang="de-de" sz="1100" i="1" spc="-15" dirty="0">
                 <a:solidFill>
                   <a:srgbClr val="777879"/>
                 </a:solidFill>
@@ -11576,17 +11204,17 @@
               <a:t> </a:t>
             </a:r>
             <a:r>
-              <a:rPr sz="1100" i="1" spc="-15" dirty="0">
+              <a:rPr lang="de-de" sz="1100" i="1" spc="-65" dirty="0">
                 <a:solidFill>
                   <a:srgbClr val="777879"/>
                 </a:solidFill>
                 <a:latin typeface="AdobeClean-LightIt"/>
                 <a:cs typeface="AdobeClean-LightIt"/>
               </a:rPr>
-              <a:t>you,</a:t>
-            </a:r>
-            <a:r>
-              <a:rPr sz="1100" i="1" spc="-65" dirty="0">
+              <a:t>지정</a:t>
+            </a:r>
+            <a:r>
+              <a:rPr lang="de-de" sz="1100" i="1" spc="-15" dirty="0">
                 <a:solidFill>
                   <a:srgbClr val="777879"/>
                 </a:solidFill>
@@ -11596,17 +11224,17 @@
               <a:t> </a:t>
             </a:r>
             <a:r>
-              <a:rPr sz="1100" i="1" spc="-15" dirty="0">
+              <a:rPr lang="de-de" sz="1100" i="1" spc="-85" dirty="0">
                 <a:solidFill>
                   <a:srgbClr val="777879"/>
                 </a:solidFill>
                 <a:latin typeface="AdobeClean-LightIt"/>
                 <a:cs typeface="AdobeClean-LightIt"/>
               </a:rPr>
-              <a:t>contact</a:t>
-            </a:r>
-            <a:r>
-              <a:rPr sz="1100" i="1" spc="-85" dirty="0">
+              <a:t>계정</a:t>
+            </a:r>
+            <a:r>
+              <a:rPr lang="de-de" sz="1100" i="1" spc="-15" dirty="0">
                 <a:solidFill>
                   <a:srgbClr val="777879"/>
                 </a:solidFill>
@@ -11616,17 +11244,17 @@
               <a:t> </a:t>
             </a:r>
             <a:r>
-              <a:rPr sz="1100" i="1" spc="-15" dirty="0">
+              <a:rPr lang="de-de" sz="1100" i="1" spc="-70" dirty="0">
                 <a:solidFill>
                   <a:srgbClr val="777879"/>
                 </a:solidFill>
                 <a:latin typeface="AdobeClean-LightIt"/>
                 <a:cs typeface="AdobeClean-LightIt"/>
               </a:rPr>
-              <a:t>your</a:t>
-            </a:r>
-            <a:r>
-              <a:rPr sz="1100" i="1" spc="-70" dirty="0">
+              <a:t>관리자(NAM)</a:t>
+            </a:r>
+            <a:r>
+              <a:rPr lang="de-de" sz="1100" i="1" spc="-15" dirty="0">
                 <a:solidFill>
                   <a:srgbClr val="777879"/>
                 </a:solidFill>
@@ -11636,17 +11264,17 @@
               <a:t> </a:t>
             </a:r>
             <a:r>
-              <a:rPr sz="1100" i="1" spc="-15" dirty="0">
+              <a:rPr lang="de-de" sz="1100" i="1" spc="-55" dirty="0">
                 <a:solidFill>
                   <a:srgbClr val="777879"/>
                 </a:solidFill>
                 <a:latin typeface="AdobeClean-LightIt"/>
                 <a:cs typeface="AdobeClean-LightIt"/>
               </a:rPr>
-              <a:t>Named</a:t>
-            </a:r>
-            <a:r>
-              <a:rPr sz="1100" i="1" spc="-55" dirty="0">
+              <a:t>또는</a:t>
+            </a:r>
+            <a:r>
+              <a:rPr lang="de-de" sz="1100" i="1" spc="-25" dirty="0">
                 <a:solidFill>
                   <a:srgbClr val="777879"/>
                 </a:solidFill>
@@ -11656,17 +11284,17 @@
               <a:t> </a:t>
             </a:r>
             <a:r>
-              <a:rPr sz="1100" i="1" spc="-25" dirty="0">
+              <a:rPr lang="de-de" sz="1100" i="1" spc="-120" dirty="0">
                 <a:solidFill>
                   <a:srgbClr val="777879"/>
                 </a:solidFill>
                 <a:latin typeface="AdobeClean-LightIt"/>
                 <a:cs typeface="AdobeClean-LightIt"/>
               </a:rPr>
-              <a:t>Account</a:t>
-            </a:r>
-            <a:r>
-              <a:rPr sz="1100" i="1" spc="-120" dirty="0">
+              <a:t>고객</a:t>
+            </a:r>
+            <a:r>
+              <a:rPr lang="de-de" sz="1100" i="1" spc="-20" dirty="0">
                 <a:solidFill>
                   <a:srgbClr val="777879"/>
                 </a:solidFill>
@@ -11676,114 +11304,54 @@
               <a:t> </a:t>
             </a:r>
             <a:r>
-              <a:rPr sz="1100" i="1" spc="-20" dirty="0">
+              <a:rPr lang="de-de" sz="1100" i="1" spc="-15" dirty="0">
                 <a:solidFill>
                   <a:srgbClr val="777879"/>
                 </a:solidFill>
                 <a:latin typeface="AdobeClean-LightIt"/>
                 <a:cs typeface="AdobeClean-LightIt"/>
               </a:rPr>
-              <a:t>Manager</a:t>
-            </a:r>
-            <a:r>
-              <a:rPr lang="en-US" sz="1100" i="1" spc="-20" dirty="0">
+              <a:t>성공</a:t>
+            </a:r>
+            <a:r>
+              <a:rPr lang="de-de" sz="1100" i="1" spc="-10" dirty="0">
                 <a:solidFill>
                   <a:srgbClr val="777879"/>
                 </a:solidFill>
                 <a:latin typeface="AdobeClean-LightIt"/>
                 <a:cs typeface="AdobeClean-LightIt"/>
               </a:rPr>
-              <a:t> </a:t>
-            </a:r>
-            <a:r>
-              <a:rPr sz="1100" i="1" spc="-20" dirty="0">
+              <a:t> </a:t>
+            </a:r>
+            <a:r>
+              <a:rPr lang="de-de" sz="1100" i="1" spc="-15" dirty="0">
                 <a:solidFill>
                   <a:srgbClr val="777879"/>
                 </a:solidFill>
                 <a:latin typeface="AdobeClean-LightIt"/>
                 <a:cs typeface="AdobeClean-LightIt"/>
               </a:rPr>
-              <a:t> </a:t>
-            </a:r>
-            <a:r>
-              <a:rPr sz="1100" i="1" spc="-15" dirty="0">
+              <a:t>관리자(CSM)에게</a:t>
+            </a:r>
+            <a:r>
+              <a:rPr lang="de-de" sz="1100" i="1" spc="-20" dirty="0">
                 <a:solidFill>
                   <a:srgbClr val="777879"/>
                 </a:solidFill>
                 <a:latin typeface="AdobeClean-LightIt"/>
                 <a:cs typeface="AdobeClean-LightIt"/>
               </a:rPr>
-              <a:t>(NAM) </a:t>
-            </a:r>
-            <a:r>
-              <a:rPr sz="1100" i="1" spc="-10" dirty="0">
+              <a:t> </a:t>
+            </a:r>
+            <a:r>
+              <a:rPr lang="de-de" sz="1100" i="1" spc="-180" dirty="0">
                 <a:solidFill>
                   <a:srgbClr val="777879"/>
                 </a:solidFill>
                 <a:latin typeface="AdobeClean-LightIt"/>
                 <a:cs typeface="AdobeClean-LightIt"/>
               </a:rPr>
-              <a:t>or </a:t>
-            </a:r>
-            <a:r>
-              <a:rPr sz="1100" i="1" spc="-15" dirty="0">
-                <a:solidFill>
-                  <a:srgbClr val="777879"/>
-                </a:solidFill>
-                <a:latin typeface="AdobeClean-LightIt"/>
-                <a:cs typeface="AdobeClean-LightIt"/>
-              </a:rPr>
-              <a:t>Customer </a:t>
-            </a:r>
-            <a:r>
-              <a:rPr sz="1100" i="1" spc="-20" dirty="0">
-                <a:solidFill>
-                  <a:srgbClr val="777879"/>
-                </a:solidFill>
-                <a:latin typeface="AdobeClean-LightIt"/>
-                <a:cs typeface="AdobeClean-LightIt"/>
-              </a:rPr>
-              <a:t>Success</a:t>
-            </a:r>
-            <a:r>
-              <a:rPr lang="en-US" sz="1100" i="1" spc="-20" dirty="0">
-                <a:solidFill>
-                  <a:srgbClr val="777879"/>
-                </a:solidFill>
-                <a:latin typeface="AdobeClean-LightIt"/>
-                <a:cs typeface="AdobeClean-LightIt"/>
-              </a:rPr>
-              <a:t> </a:t>
-            </a:r>
-            <a:r>
-              <a:rPr sz="1100" i="1" spc="-15" dirty="0">
-                <a:solidFill>
-                  <a:srgbClr val="777879"/>
-                </a:solidFill>
-                <a:latin typeface="AdobeClean-LightIt"/>
-                <a:cs typeface="AdobeClean-LightIt"/>
-              </a:rPr>
-              <a:t>Manager</a:t>
-            </a:r>
-            <a:r>
-              <a:rPr lang="en-US" sz="1100" i="1" spc="-15" dirty="0">
-                <a:solidFill>
-                  <a:srgbClr val="777879"/>
-                </a:solidFill>
-                <a:latin typeface="AdobeClean-LightIt"/>
-                <a:cs typeface="AdobeClean-LightIt"/>
-              </a:rPr>
-              <a:t> </a:t>
-            </a:r>
-            <a:r>
-              <a:rPr sz="1100" i="1" spc="-15" dirty="0">
-                <a:solidFill>
-                  <a:srgbClr val="777879"/>
-                </a:solidFill>
-                <a:latin typeface="AdobeClean-LightIt"/>
-                <a:cs typeface="AdobeClean-LightIt"/>
-              </a:rPr>
-              <a:t>(CSM)</a:t>
+              <a:t>문의하십시오.</a:t>
             </a:r>
             <a:endParaRPr sz="1100" dirty="0">
               <a:latin typeface="AdobeClean-LightIt"/>
@@ -11800,54 +11368,34 @@
               </a:spcBef>
             </a:pPr>
             <a:r>
-              <a:rPr sz="800" spc="-5" dirty="0">
+              <a:rPr lang="de-de" sz="800" spc="-5" dirty="0">
                 <a:solidFill>
                   <a:srgbClr val="6D6D6D"/>
                 </a:solidFill>
                 <a:latin typeface="Adobe Clean"/>
                 <a:cs typeface="Adobe Clean"/>
               </a:rPr>
-              <a:t>©202</a:t>
-            </a:r>
-            <a:r>
-              <a:rPr lang="en-US" sz="800" spc="-5" dirty="0">
+              <a:t>©2021 Adobe. All Rights Reserved. Adobe</a:t>
+            </a:r>
+            <a:r>
+              <a:rPr lang="de-de" sz="800" spc="75" dirty="0">
                 <a:solidFill>
                   <a:srgbClr val="6D6D6D"/>
                 </a:solidFill>
                 <a:latin typeface="Adobe Clean"/>
                 <a:cs typeface="Adobe Clean"/>
               </a:rPr>
-              <a:t>1</a:t>
-            </a:r>
-            <a:r>
-              <a:rPr sz="800" spc="-5" dirty="0">
+              <a:t> </a:t>
+            </a:r>
+            <a:r>
+              <a:rPr lang="de-de" sz="800" spc="-5" dirty="0">
                 <a:solidFill>
                   <a:srgbClr val="6D6D6D"/>
                 </a:solidFill>
                 <a:latin typeface="Adobe Clean"/>
                 <a:cs typeface="Adobe Clean"/>
               </a:rPr>
-              <a:t> Adobe. All Rights Reserved. Adobe</a:t>
-            </a:r>
-            <a:r>
-              <a:rPr sz="800" spc="75" dirty="0">
-                <a:solidFill>
-                  <a:srgbClr val="6D6D6D"/>
-                </a:solidFill>
-                <a:latin typeface="Adobe Clean"/>
-                <a:cs typeface="Adobe Clean"/>
-              </a:rPr>
-              <a:t> </a:t>
-            </a:r>
-            <a:r>
-              <a:rPr sz="800" spc="-5" dirty="0">
-                <a:solidFill>
-                  <a:srgbClr val="6D6D6D"/>
-                </a:solidFill>
-                <a:latin typeface="Adobe Clean"/>
-                <a:cs typeface="Adobe Clean"/>
-              </a:rPr>
-              <a:t>Confidential.</a:t>
+              <a:t>기밀.</a:t>
             </a:r>
             <a:endParaRPr sz="800" dirty="0">
               <a:latin typeface="Adobe Clean"/>
@@ -11878,42 +11426,157 @@
           </a:prstGeom>
         </p:spPr>
         <p:txBody>
-          <a:bodyPr vert="horz" wrap="square" lIns="0" tIns="116205" rIns="0" bIns="0" rtlCol="0" anchor="t">
+          <a:bodyPr vert="horz" wrap="square" lIns="0" tIns="116205" rIns="0" bIns="0" rtlCol="0">
             <a:spAutoFit/>
           </a:bodyPr>
           <a:lstStyle/>
           <a:p>
-            <a:pPr>
+            <a:pPr lvl="0">
               <a:spcBef>
                 <a:spcPts val="915"/>
               </a:spcBef>
             </a:pPr>
             <a:r>
-              <a:rPr lang="en-US" sz="1400" b="1" spc="-15" dirty="0">
+              <a:rPr lang="en-US" altLang="ko-KR" sz="1400" b="1" spc="-15" dirty="0">
                 <a:solidFill>
                   <a:srgbClr val="020302"/>
                 </a:solidFill>
                 <a:latin typeface="Adobe Clean"/>
                 <a:cs typeface="Adobe Clean"/>
               </a:rPr>
-              <a:t>Regional scope of Adobe Support, Local Hours Of Operation And Language Support</a:t>
-            </a:r>
+              <a:t>Adobe </a:t>
+            </a:r>
+            <a:r>
+              <a:rPr lang="ko-KR" altLang="en-US" sz="1400" b="1" spc="-15" dirty="0">
+                <a:solidFill>
+                  <a:srgbClr val="020302"/>
+                </a:solidFill>
+                <a:latin typeface="Adobe Clean"/>
+                <a:cs typeface="Adobe Clean"/>
+              </a:rPr>
+              <a:t>지원의 지역적 범위</a:t>
+            </a:r>
+            <a:r>
+              <a:rPr lang="en-US" altLang="ko-KR" sz="1400" b="1" spc="-15" dirty="0">
+                <a:solidFill>
+                  <a:srgbClr val="020302"/>
+                </a:solidFill>
+                <a:latin typeface="Adobe Clean"/>
+                <a:cs typeface="Adobe Clean"/>
+              </a:rPr>
+              <a:t>, </a:t>
+            </a:r>
+            <a:r>
+              <a:rPr lang="ko-KR" altLang="en-US" sz="1400" b="1" spc="-15" dirty="0">
+                <a:solidFill>
+                  <a:srgbClr val="020302"/>
+                </a:solidFill>
+                <a:latin typeface="Adobe Clean"/>
+                <a:cs typeface="Adobe Clean"/>
+              </a:rPr>
+              <a:t>로컬 운영 시간 및 언어 지원</a:t>
+            </a:r>
+            <a:endParaRPr lang="pl-PL" altLang="ko-KR" sz="1400" b="1" spc="-15" dirty="0">
+              <a:solidFill>
+                <a:srgbClr val="020302"/>
+              </a:solidFill>
+              <a:latin typeface="Adobe Clean"/>
+              <a:cs typeface="Adobe Clean"/>
+            </a:endParaRPr>
           </a:p>
           <a:p>
-            <a:pPr>
+            <a:pPr lvl="0">
               <a:spcBef>
                 <a:spcPts val="915"/>
               </a:spcBef>
             </a:pPr>
             <a:r>
-              <a:rPr lang="en-US" sz="1000" spc="-15" dirty="0">
+              <a:rPr lang="en-US" altLang="ko-KR" sz="1000" spc="-15" dirty="0">
                 <a:solidFill>
                   <a:srgbClr val="1F1F1F"/>
                 </a:solidFill>
                 <a:latin typeface="AdobeClean-Light"/>
               </a:rPr>
-              <a:t>The Regional scope of Adobe Support is established by aligning the customer's billing address (via the Sales Order or other Adobe Support purchasing document) to one of the following regions:</a:t>
-            </a:r>
+              <a:t>Adobe </a:t>
+            </a:r>
+            <a:r>
+              <a:rPr lang="ko-KR" altLang="en-US" sz="1000" spc="-15" dirty="0">
+                <a:solidFill>
+                  <a:srgbClr val="1F1F1F"/>
+                </a:solidFill>
+                <a:latin typeface="AdobeClean-Light"/>
+              </a:rPr>
+              <a:t>지원의 지역적 범위는 </a:t>
+            </a:r>
+            <a:r>
+              <a:rPr lang="en-US" altLang="ko-KR" sz="1000" spc="-15" dirty="0">
+                <a:solidFill>
+                  <a:srgbClr val="1F1F1F"/>
+                </a:solidFill>
+                <a:latin typeface="AdobeClean-Light"/>
+              </a:rPr>
+              <a:t>(</a:t>
+            </a:r>
+            <a:r>
+              <a:rPr lang="ko-KR" altLang="en-US" sz="1000" spc="-15" dirty="0">
+                <a:solidFill>
+                  <a:srgbClr val="1F1F1F"/>
+                </a:solidFill>
+                <a:latin typeface="AdobeClean-Light"/>
+              </a:rPr>
+              <a:t>판매 주문서 또는 기타 </a:t>
+            </a:r>
+            <a:r>
+              <a:rPr lang="en-US" altLang="ko-KR" sz="1000" spc="-15" dirty="0">
+                <a:solidFill>
+                  <a:srgbClr val="1F1F1F"/>
+                </a:solidFill>
+                <a:latin typeface="AdobeClean-Light"/>
+              </a:rPr>
+              <a:t>Adobe </a:t>
+            </a:r>
+            <a:r>
+              <a:rPr lang="ko-KR" altLang="en-US" sz="1000" spc="-15" dirty="0">
+                <a:solidFill>
+                  <a:srgbClr val="1F1F1F"/>
+                </a:solidFill>
+                <a:latin typeface="AdobeClean-Light"/>
+              </a:rPr>
+              <a:t>지원 구매 문서를 통해</a:t>
+            </a:r>
+            <a:r>
+              <a:rPr lang="en-US" altLang="ko-KR" sz="1000" spc="-15" dirty="0">
+                <a:solidFill>
+                  <a:srgbClr val="1F1F1F"/>
+                </a:solidFill>
+                <a:latin typeface="AdobeClean-Light"/>
+              </a:rPr>
+              <a:t>) </a:t>
+            </a:r>
+            <a:r>
+              <a:rPr lang="ko-KR" altLang="en-US" sz="1000" spc="-15" dirty="0">
+                <a:solidFill>
+                  <a:srgbClr val="1F1F1F"/>
+                </a:solidFill>
+                <a:latin typeface="AdobeClean-Light"/>
+              </a:rPr>
+              <a:t>고객의 청구 주소를 다음 지역 중 하나에 맞춤으로써 설정됩니다</a:t>
+            </a:r>
+            <a:r>
+              <a:rPr lang="en-US" altLang="ko-KR" sz="1000" spc="-15" dirty="0">
+                <a:solidFill>
+                  <a:srgbClr val="1F1F1F"/>
+                </a:solidFill>
+                <a:latin typeface="AdobeClean-Light"/>
+              </a:rPr>
+              <a:t>.</a:t>
+            </a:r>
+            <a:endParaRPr lang="de-de" sz="1000" spc="-15" dirty="0">
+              <a:solidFill>
+                <a:srgbClr val="1F1F1F"/>
+              </a:solidFill>
+              <a:latin typeface="AdobeClean-Light"/>
+            </a:endParaRPr>
           </a:p>
         </p:txBody>
       </p:sp>
@@ -11932,14 +11595,14 @@
           <p:nvPr>
             <p:extLst>
               <p:ext uri="{D42A27DB-BD31-4B8C-83A1-F6EECF244321}">
-                <p14:modId xmlns:p14="http://schemas.microsoft.com/office/powerpoint/2010/main" val="2846210228"/>
+                <p14:modId xmlns:p14="http://schemas.microsoft.com/office/powerpoint/2010/main" val="4167480683"/>
               </p:ext>
             </p:extLst>
           </p:nvPr>
         </p:nvGraphicFramePr>
         <p:xfrm>
           <a:off x="171128" y="5907213"/>
-          <a:ext cx="7391400" cy="1671320"/>
+          <a:ext cx="7391400" cy="1615440"/>
         </p:xfrm>
         <a:graphic>
           <a:graphicData uri="http://schemas.openxmlformats.org/drawingml/2006/table">
@@ -11985,13 +11648,13 @@
                     <a:p>
                       <a:pPr algn="ctr"/>
                       <a:r>
-                        <a:rPr lang="en-US" sz="1100" dirty="0">
+                        <a:rPr lang="de-de" sz="1100" dirty="0">
                           <a:solidFill>
                             <a:schemeClr val="tx1"/>
                           </a:solidFill>
                           <a:latin typeface="Adobe Clean" panose="020B0503020404020204" pitchFamily="34" charset="0"/>
                         </a:rPr>
-                        <a:t>Americas</a:t>
+                        <a:t>미주</a:t>
                       </a:r>
                     </a:p>
                   </a:txBody>
@@ -12050,13 +11713,13 @@
                     <a:p>
                       <a:pPr algn="ctr"/>
                       <a:r>
-                        <a:rPr lang="en-US" sz="1100" dirty="0">
+                        <a:rPr lang="de-de" sz="1100" dirty="0">
                           <a:solidFill>
                             <a:schemeClr val="tx1"/>
                           </a:solidFill>
                           <a:latin typeface="Adobe Clean" panose="020B0503020404020204" pitchFamily="34" charset="0"/>
                         </a:rPr>
-                        <a:t>Europe, Middle East &amp; Africa</a:t>
+                        <a:t>유럽, 중동 및 아프리카</a:t>
                       </a:r>
                     </a:p>
                   </a:txBody>
@@ -12115,13 +11778,13 @@
                     <a:p>
                       <a:pPr algn="ctr"/>
                       <a:r>
-                        <a:rPr lang="en-US" sz="1100" dirty="0">
+                        <a:rPr lang="de-de" sz="1100" dirty="0">
                           <a:solidFill>
                             <a:schemeClr val="tx1"/>
                           </a:solidFill>
                           <a:latin typeface="Adobe Clean" panose="020B0503020404020204" pitchFamily="34" charset="0"/>
                         </a:rPr>
-                        <a:t>Asia Pacific</a:t>
+                        <a:t>아시아 태평양</a:t>
                       </a:r>
                     </a:p>
                   </a:txBody>
@@ -12180,22 +11843,22 @@
                     <a:p>
                       <a:pPr algn="ctr"/>
                       <a:r>
-                        <a:rPr lang="en-US" sz="1100" dirty="0">
+                        <a:rPr lang="de-de" sz="1100" dirty="0">
                           <a:solidFill>
                             <a:schemeClr val="tx1"/>
                           </a:solidFill>
-                          <a:latin typeface="Adobe Clean"/>
+                          <a:latin typeface="Adobe Clean" panose="020B0503020404020204" pitchFamily="34" charset="0"/>
                         </a:rPr>
-                        <a:t>Japan </a:t>
+                        <a:t>일본 </a:t>
                       </a:r>
                       <a:r>
-                        <a:rPr lang="en-US" sz="1100" baseline="30000" dirty="0">
+                        <a:rPr lang="de-de" sz="1100" baseline="30000">
                           <a:solidFill>
                             <a:schemeClr val="tx1"/>
                           </a:solidFill>
-                          <a:latin typeface="Adobe Clean"/>
+                          <a:latin typeface="Adobe Clean" panose="020B0503020404020204" pitchFamily="34" charset="0"/>
                         </a:rPr>
-                        <a:t>1 </a:t>
+                        <a:t>1 </a:t>
                       </a:r>
                       <a:endParaRPr lang="en-US" sz="1100" dirty="0">
                         <a:solidFill>
@@ -12267,13 +11930,13 @@
                     <a:p>
                       <a:pPr algn="ctr"/>
                       <a:r>
-                        <a:rPr lang="en-US" sz="1100" dirty="0">
+                        <a:rPr lang="de-de" sz="1100" dirty="0">
                           <a:solidFill>
                             <a:schemeClr val="tx1"/>
                           </a:solidFill>
                           <a:latin typeface="Adobe Clean" panose="020B0503020404020204" pitchFamily="34" charset="0"/>
                         </a:rPr>
-                        <a:t>6 am – 5:30 pm</a:t>
+                        <a:t>오전 6시~오후 5시 30분</a:t>
                       </a:r>
                     </a:p>
                   </a:txBody>
@@ -12332,13 +11995,13 @@
                     <a:p>
                       <a:pPr algn="ctr"/>
                       <a:r>
-                        <a:rPr lang="en-US" sz="1100" dirty="0">
+                        <a:rPr lang="de-de" sz="1100" dirty="0">
                           <a:solidFill>
                             <a:schemeClr val="tx1"/>
                           </a:solidFill>
                           <a:latin typeface="Adobe Clean" panose="020B0503020404020204" pitchFamily="34" charset="0"/>
                         </a:rPr>
-                        <a:t>9 am – 5 pm</a:t>
+                        <a:t>오전 9시~오후 5시</a:t>
                       </a:r>
                     </a:p>
                   </a:txBody>
@@ -12397,13 +12060,13 @@
                     <a:p>
                       <a:pPr algn="ctr"/>
                       <a:r>
-                        <a:rPr lang="en-US" sz="1100" dirty="0">
+                        <a:rPr lang="de-de" sz="1100" dirty="0">
                           <a:solidFill>
                             <a:schemeClr val="tx1"/>
                           </a:solidFill>
                           <a:latin typeface="Adobe Clean" panose="020B0503020404020204" pitchFamily="34" charset="0"/>
                         </a:rPr>
-                        <a:t>9 am – 5 pm</a:t>
+                        <a:t>오전 9시~오후 5시</a:t>
                       </a:r>
                     </a:p>
                   </a:txBody>
@@ -12462,13 +12125,13 @@
                     <a:p>
                       <a:pPr algn="ctr"/>
                       <a:r>
-                        <a:rPr lang="en-US" sz="1100" dirty="0">
+                        <a:rPr lang="de-de" sz="1100" dirty="0">
                           <a:solidFill>
                             <a:schemeClr val="tx1"/>
                           </a:solidFill>
                           <a:latin typeface="Adobe Clean" panose="020B0503020404020204" pitchFamily="34" charset="0"/>
                         </a:rPr>
-                        <a:t>9 am – 5:30 pm</a:t>
+                        <a:t>오전 9시~오후 5시 30분</a:t>
                       </a:r>
                     </a:p>
                   </a:txBody>
@@ -12531,38 +12194,6 @@
                   <a:txBody>
                     <a:bodyPr/>
                     <a:lstStyle/>
-                    <a:p>
-                      <a:pPr marL="0" marR="0" lvl="0" indent="0" algn="ctr" eaLnBrk="1" fontAlgn="auto" latinLnBrk="0" hangingPunct="1">
-                        <a:lnSpc>
-                          <a:spcPct val="100000"/>
-                        </a:lnSpc>
-                        <a:spcBef>
-                          <a:spcPts val="0"/>
-                        </a:spcBef>
-                        <a:spcAft>
-                          <a:spcPts val="0"/>
-                        </a:spcAft>
-                        <a:buClrTx/>
-                        <a:buSzTx/>
-                        <a:buFontTx/>
-                        <a:buNone/>
-                      </a:pPr>
-                      <a:r>
-                        <a:rPr lang="en-US" sz="1100" dirty="0">
-                          <a:solidFill>
-                            <a:schemeClr val="tx1"/>
-                          </a:solidFill>
-                          <a:latin typeface="Adobe Clean"/>
-                        </a:rPr>
-                        <a:t>Language support is only available in English and Japanese.</a:t>
-                      </a:r>
-                      <a:endParaRPr lang="en-US" sz="1100" dirty="0">
-                        <a:solidFill>
-                          <a:schemeClr val="tx1"/>
-                        </a:solidFill>
-                        <a:latin typeface="Adobe Clean" panose="020B0503020404020204" pitchFamily="34" charset="0"/>
-                      </a:endParaRPr>
-                    </a:p>
                     <a:p>
                       <a:pPr marL="0" marR="0" lvl="0" indent="0" algn="ctr" defTabSz="914400" eaLnBrk="1" fontAlgn="auto" latinLnBrk="0" hangingPunct="1">
                         <a:lnSpc>
@@ -12582,13 +12213,41 @@
                         <a:defRPr/>
                       </a:pPr>
                       <a:r>
-                        <a:rPr lang="en-US" sz="1100" i="1" dirty="0">
+                        <a:rPr lang="de-de" sz="1100" dirty="0">
                           <a:solidFill>
                             <a:schemeClr val="tx1"/>
                           </a:solidFill>
-                          <a:latin typeface="Adobe Clean"/>
+                          <a:latin typeface="Adobe Clean" panose="020B0503020404020204" pitchFamily="34" charset="0"/>
                         </a:rPr>
-                        <a:t>*Adobe Commerce excludes Japanese language support.</a:t>
+                        <a:t>언어 지원은 영어와 일본어로만 제공됩니다. </a:t>
+                      </a:r>
+                    </a:p>
+                    <a:p>
+                      <a:pPr marL="0" marR="0" lvl="0" indent="0" algn="ctr" defTabSz="914400" eaLnBrk="1" fontAlgn="auto" latinLnBrk="0" hangingPunct="1">
+                        <a:lnSpc>
+                          <a:spcPct val="100000"/>
+                        </a:lnSpc>
+                        <a:spcBef>
+                          <a:spcPts val="0"/>
+                        </a:spcBef>
+                        <a:spcAft>
+                          <a:spcPts val="0"/>
+                        </a:spcAft>
+                        <a:buClrTx/>
+                        <a:buSzTx/>
+                        <a:buFontTx/>
+                        <a:buNone/>
+                        <a:tabLst/>
+                        <a:defRPr/>
+                      </a:pPr>
+                      <a:r>
+                        <a:rPr lang="de-de" sz="1100" i="1" dirty="0">
+                          <a:solidFill>
+                            <a:schemeClr val="tx1"/>
+                          </a:solidFill>
+                          <a:latin typeface="Adobe Clean" panose="020B0503020404020204" pitchFamily="34" charset="0"/>
+                        </a:rPr>
+                        <a:t>*Adobe Commerce에서는 일본어 지원이 제외됩니다.</a:t>
                       </a:r>
                     </a:p>
                     <a:p>
@@ -12611,41 +12270,77 @@
                     <a:p>
                       <a:pPr algn="ctr"/>
                       <a:r>
-                        <a:rPr lang="en-US" sz="1100" i="0" dirty="0">
+                        <a:rPr lang="de-de" sz="1100" i="0" dirty="0">
                           <a:solidFill>
                             <a:schemeClr val="tx1"/>
                           </a:solidFill>
-                          <a:latin typeface="Adobe Clean"/>
+                          <a:latin typeface="Adobe Clean" panose="020B0503020404020204" pitchFamily="34" charset="0"/>
                         </a:rPr>
-                        <a:t> </a:t>
+                        <a:t> </a:t>
                       </a:r>
                       <a:r>
-                        <a:rPr lang="en-US" sz="1100" i="0" baseline="30000" dirty="0">
+                        <a:rPr lang="de-de" sz="1100" i="0" baseline="30000">
                           <a:solidFill>
                             <a:schemeClr val="tx1"/>
                           </a:solidFill>
-                          <a:latin typeface="Adobe Clean"/>
+                          <a:latin typeface="Adobe Clean" panose="020B0503020404020204" pitchFamily="34" charset="0"/>
                         </a:rPr>
                         <a:t>1 </a:t>
                       </a:r>
                       <a:r>
-                        <a:rPr lang="en-US" sz="1100" i="0" dirty="0">
+                        <a:rPr lang="ko-KR" altLang="en-US" sz="1100" i="0">
                           <a:solidFill>
                             <a:schemeClr val="tx1"/>
                           </a:solidFill>
-                          <a:latin typeface="Adobe Clean"/>
+                          <a:latin typeface="Adobe Clean" panose="020B0503020404020204" pitchFamily="34" charset="0"/>
                         </a:rPr>
-                        <a:t>P2, P3, P4 cases are limited to business hours only in Japan.</a:t>
+                        <a:t>일본에서 </a:t>
                       </a:r>
-                      <a:endParaRPr lang="en-US" sz="1100" b="1" i="0" dirty="0">
+                      <a:r>
+                        <a:rPr lang="en-US" altLang="ko-KR" sz="1100" i="0" dirty="0">
+                          <a:solidFill>
+                            <a:schemeClr val="tx1"/>
+                          </a:solidFill>
+                          <a:latin typeface="Adobe Clean" panose="020B0503020404020204" pitchFamily="34" charset="0"/>
+                        </a:rPr>
+                        <a:t>P2, P3, P4 </a:t>
+                      </a:r>
+                      <a:r>
+                        <a:rPr lang="ko-KR" altLang="en-US" sz="1100" i="0" dirty="0">
+                          <a:solidFill>
+                            <a:schemeClr val="tx1"/>
+                          </a:solidFill>
+                          <a:latin typeface="Adobe Clean" panose="020B0503020404020204" pitchFamily="34" charset="0"/>
+                        </a:rPr>
+                        <a:t>사례는 업무 시간으로만 제한됩니다</a:t>
+                      </a:r>
+                      <a:r>
+                        <a:rPr lang="en-US" altLang="ko-KR" sz="1100" i="0" dirty="0">
+                          <a:solidFill>
+                            <a:schemeClr val="tx1"/>
+                          </a:solidFill>
+                          <a:latin typeface="Adobe Clean" panose="020B0503020404020204" pitchFamily="34" charset="0"/>
+                        </a:rPr>
+                        <a:t>.</a:t>
+                      </a:r>
+                      <a:endParaRPr lang="de-de" sz="1100" b="1" i="0" dirty="0">
                         <a:solidFill>
                           <a:schemeClr val="tx1"/>
                         </a:solidFill>
-                        <a:latin typeface="Adobe Clean"/>
+                        <a:latin typeface="Adobe Clean" panose="020B0503020404020204" pitchFamily="34" charset="0"/>
                       </a:endParaRPr>
                     </a:p>
                     <a:p>
                       <a:pPr algn="ctr"/>
+                      <a:r>
+                        <a:rPr lang="de-de" sz="1100" dirty="0">
+                          <a:solidFill>
+                            <a:schemeClr val="tx1"/>
+                          </a:solidFill>
+                          <a:latin typeface="Adobe Clean" panose="020B0503020404020204" pitchFamily="34" charset="0"/>
+                        </a:rPr>
+                        <a:t>.</a:t>
+                      </a:r>
                       <a:endParaRPr lang="en-US" sz="1100" dirty="0">
                         <a:solidFill>
                           <a:schemeClr val="tx1"/>
@@ -13015,124 +12710,34 @@
               </a:spcBef>
             </a:pPr>
             <a:r>
-              <a:rPr sz="1200" b="1" spc="-15" dirty="0">
+              <a:rPr lang="de-de" sz="1200" b="1" spc="-15" dirty="0">
                 <a:solidFill>
                   <a:srgbClr val="FFFFFF"/>
                 </a:solidFill>
                 <a:latin typeface="Adobe Clean"/>
                 <a:cs typeface="Adobe Clean"/>
               </a:rPr>
-              <a:t>U</a:t>
-            </a:r>
-            <a:r>
-              <a:rPr sz="1200" b="1" spc="-20" dirty="0">
+              <a:t>탁월한</a:t>
+            </a:r>
+            <a:r>
+              <a:rPr lang="de-de" sz="1200" b="1" dirty="0">
                 <a:solidFill>
                   <a:srgbClr val="FFFFFF"/>
                 </a:solidFill>
                 <a:latin typeface="Adobe Clean"/>
                 <a:cs typeface="Adobe Clean"/>
               </a:rPr>
-              <a:t>n</a:t>
-            </a:r>
-            <a:r>
-              <a:rPr sz="1200" b="1" spc="-25" dirty="0">
+              <a:t> </a:t>
+            </a:r>
+            <a:r>
+              <a:rPr lang="de-de" sz="1200" b="1" spc="-25" dirty="0">
                 <a:solidFill>
                   <a:srgbClr val="FFFFFF"/>
                 </a:solidFill>
                 <a:latin typeface="Adobe Clean"/>
                 <a:cs typeface="Adobe Clean"/>
               </a:rPr>
-              <a:t>p</a:t>
-            </a:r>
-            <a:r>
-              <a:rPr sz="1200" b="1" spc="-15" dirty="0">
-                <a:solidFill>
-                  <a:srgbClr val="FFFFFF"/>
-                </a:solidFill>
-                <a:latin typeface="Adobe Clean"/>
-                <a:cs typeface="Adobe Clean"/>
-              </a:rPr>
-              <a:t>a</a:t>
-            </a:r>
-            <a:r>
-              <a:rPr sz="1200" b="1" spc="-25" dirty="0">
-                <a:solidFill>
-                  <a:srgbClr val="FFFFFF"/>
-                </a:solidFill>
-                <a:latin typeface="Adobe Clean"/>
-                <a:cs typeface="Adobe Clean"/>
-              </a:rPr>
-              <a:t>r</a:t>
-            </a:r>
-            <a:r>
-              <a:rPr sz="1200" b="1" spc="-15" dirty="0">
-                <a:solidFill>
-                  <a:srgbClr val="FFFFFF"/>
-                </a:solidFill>
-                <a:latin typeface="Adobe Clean"/>
-                <a:cs typeface="Adobe Clean"/>
-              </a:rPr>
-              <a:t>a</a:t>
-            </a:r>
-            <a:r>
-              <a:rPr sz="1200" b="1" spc="-30" dirty="0">
-                <a:solidFill>
-                  <a:srgbClr val="FFFFFF"/>
-                </a:solidFill>
-                <a:latin typeface="Adobe Clean"/>
-                <a:cs typeface="Adobe Clean"/>
-              </a:rPr>
-              <a:t>ll</a:t>
-            </a:r>
-            <a:r>
-              <a:rPr sz="1200" b="1" spc="-25" dirty="0">
-                <a:solidFill>
-                  <a:srgbClr val="FFFFFF"/>
-                </a:solidFill>
-                <a:latin typeface="Adobe Clean"/>
-                <a:cs typeface="Adobe Clean"/>
-              </a:rPr>
-              <a:t>e</a:t>
-            </a:r>
-            <a:r>
-              <a:rPr sz="1200" b="1" spc="-30" dirty="0">
-                <a:solidFill>
-                  <a:srgbClr val="FFFFFF"/>
-                </a:solidFill>
-                <a:latin typeface="Adobe Clean"/>
-                <a:cs typeface="Adobe Clean"/>
-              </a:rPr>
-              <a:t>l</a:t>
-            </a:r>
-            <a:r>
-              <a:rPr sz="1200" b="1" spc="-25" dirty="0">
-                <a:solidFill>
-                  <a:srgbClr val="FFFFFF"/>
-                </a:solidFill>
-                <a:latin typeface="Adobe Clean"/>
-                <a:cs typeface="Adobe Clean"/>
-              </a:rPr>
-              <a:t>e</a:t>
-            </a:r>
-            <a:r>
-              <a:rPr sz="1200" b="1" dirty="0">
-                <a:solidFill>
-                  <a:srgbClr val="FFFFFF"/>
-                </a:solidFill>
-                <a:latin typeface="Adobe Clean"/>
-                <a:cs typeface="Adobe Clean"/>
-              </a:rPr>
-              <a:t>d  </a:t>
-            </a:r>
-            <a:r>
-              <a:rPr sz="1200" b="1" spc="-25" dirty="0">
-                <a:solidFill>
-                  <a:srgbClr val="FFFFFF"/>
-                </a:solidFill>
-                <a:latin typeface="Adobe Clean"/>
-                <a:cs typeface="Adobe Clean"/>
-              </a:rPr>
-              <a:t>Expertise</a:t>
+              <a:t>전문성</a:t>
             </a:r>
             <a:endParaRPr sz="1200" dirty="0">
               <a:latin typeface="Adobe Clean"/>
@@ -13177,14 +12782,14 @@
               </a:spcBef>
             </a:pPr>
             <a:r>
-              <a:rPr lang="en-US" sz="1200" b="1" spc="-15" dirty="0">
+              <a:rPr lang="de-de" sz="1200" b="1" spc="-15" dirty="0">
                 <a:solidFill>
                   <a:srgbClr val="FFFFFF"/>
                 </a:solidFill>
                 <a:latin typeface="Adobe Clean"/>
                 <a:cs typeface="Adobe Clean"/>
               </a:rPr>
-              <a:t>Accelerated Support</a:t>
+              <a:t>신속한 지원</a:t>
             </a:r>
             <a:endParaRPr sz="1200" dirty="0">
               <a:latin typeface="Adobe Clean"/>
@@ -13229,104 +12834,34 @@
               </a:spcBef>
             </a:pPr>
             <a:r>
-              <a:rPr sz="1200" b="1" spc="-50" dirty="0">
+              <a:rPr lang="de-de" sz="1200" b="1" spc="-50" dirty="0">
                 <a:solidFill>
                   <a:srgbClr val="FFFFFF"/>
                 </a:solidFill>
                 <a:latin typeface="Adobe Clean"/>
                 <a:cs typeface="Adobe Clean"/>
               </a:rPr>
-              <a:t>S</a:t>
-            </a:r>
-            <a:r>
-              <a:rPr sz="1200" b="1" spc="-20" dirty="0">
+              <a:t>전략적</a:t>
+            </a:r>
+            <a:r>
+              <a:rPr lang="de-de" sz="1200" b="1" dirty="0">
                 <a:solidFill>
                   <a:srgbClr val="FFFFFF"/>
                 </a:solidFill>
                 <a:latin typeface="Adobe Clean"/>
                 <a:cs typeface="Adobe Clean"/>
               </a:rPr>
-              <a:t>t</a:t>
-            </a:r>
-            <a:r>
-              <a:rPr sz="1200" b="1" spc="-75" dirty="0">
+              <a:t> </a:t>
+            </a:r>
+            <a:r>
+              <a:rPr lang="de-de" sz="1200" b="1" spc="-45" dirty="0">
                 <a:solidFill>
                   <a:srgbClr val="FFFFFF"/>
                 </a:solidFill>
                 <a:latin typeface="Adobe Clean"/>
                 <a:cs typeface="Adobe Clean"/>
               </a:rPr>
-              <a:t>r</a:t>
-            </a:r>
-            <a:r>
-              <a:rPr sz="1200" b="1" spc="-90" dirty="0">
-                <a:solidFill>
-                  <a:srgbClr val="FFFFFF"/>
-                </a:solidFill>
-                <a:latin typeface="Adobe Clean"/>
-                <a:cs typeface="Adobe Clean"/>
-              </a:rPr>
-              <a:t>a</a:t>
-            </a:r>
-            <a:r>
-              <a:rPr sz="1200" b="1" spc="-55" dirty="0">
-                <a:solidFill>
-                  <a:srgbClr val="FFFFFF"/>
-                </a:solidFill>
-                <a:latin typeface="Adobe Clean"/>
-                <a:cs typeface="Adobe Clean"/>
-              </a:rPr>
-              <a:t>t</a:t>
-            </a:r>
-            <a:r>
-              <a:rPr sz="1200" b="1" spc="-100" dirty="0">
-                <a:solidFill>
-                  <a:srgbClr val="FFFFFF"/>
-                </a:solidFill>
-                <a:latin typeface="Adobe Clean"/>
-                <a:cs typeface="Adobe Clean"/>
-              </a:rPr>
-              <a:t>e</a:t>
-            </a:r>
-            <a:r>
-              <a:rPr sz="1200" b="1" spc="-80" dirty="0">
-                <a:solidFill>
-                  <a:srgbClr val="FFFFFF"/>
-                </a:solidFill>
-                <a:latin typeface="Adobe Clean"/>
-                <a:cs typeface="Adobe Clean"/>
-              </a:rPr>
-              <a:t>g</a:t>
-            </a:r>
-            <a:r>
-              <a:rPr sz="1200" b="1" spc="-35" dirty="0">
-                <a:solidFill>
-                  <a:srgbClr val="FFFFFF"/>
-                </a:solidFill>
-                <a:latin typeface="Adobe Clean"/>
-                <a:cs typeface="Adobe Clean"/>
-              </a:rPr>
-              <a:t>i</a:t>
-            </a:r>
-            <a:r>
-              <a:rPr sz="1200" b="1" dirty="0">
-                <a:solidFill>
-                  <a:srgbClr val="FFFFFF"/>
-                </a:solidFill>
-                <a:latin typeface="Adobe Clean"/>
-                <a:cs typeface="Adobe Clean"/>
-              </a:rPr>
-              <a:t>c  </a:t>
-            </a:r>
-            <a:r>
-              <a:rPr sz="1200" b="1" spc="-45" dirty="0">
-                <a:solidFill>
-                  <a:srgbClr val="FFFFFF"/>
-                </a:solidFill>
-                <a:latin typeface="Adobe Clean"/>
-                <a:cs typeface="Adobe Clean"/>
-              </a:rPr>
-              <a:t>Advice</a:t>
+              <a:t>조언</a:t>
             </a:r>
             <a:endParaRPr sz="1200" dirty="0">
               <a:latin typeface="Adobe Clean"/>
@@ -13350,7 +12885,7 @@
           <p:nvPr>
             <p:extLst>
               <p:ext uri="{D42A27DB-BD31-4B8C-83A1-F6EECF244321}">
-                <p14:modId xmlns:p14="http://schemas.microsoft.com/office/powerpoint/2010/main" val="1366573891"/>
+                <p14:modId xmlns:p14="http://schemas.microsoft.com/office/powerpoint/2010/main" val="375036756"/>
               </p:ext>
             </p:extLst>
           </p:nvPr>
@@ -13388,7 +12923,7 @@
                     <a:lstStyle/>
                     <a:p>
                       <a:r>
-                        <a:rPr lang="en-US" sz="1100" b="0" dirty="0">
+                        <a:rPr lang="de-de" sz="1100" b="0" dirty="0">
                           <a:solidFill>
                             <a:schemeClr val="tx1"/>
                           </a:solidFill>
@@ -13480,7 +13015,7 @@
                         <a:defRPr/>
                       </a:pPr>
                       <a:r>
-                        <a:rPr lang="en-US" sz="1000" b="0" kern="1200" dirty="0">
+                        <a:rPr lang="de-de" sz="1000" b="0" kern="1200" dirty="0">
                           <a:solidFill>
                             <a:srgbClr val="000000"/>
                           </a:solidFill>
@@ -13488,7 +13023,7 @@
                           <a:ea typeface="+mn-ea"/>
                           <a:cs typeface="+mn-cs"/>
                         </a:rPr>
-                        <a:t>Experience League is how Adobe helps businesses achieve the value they expect from their Adobe investment. It’s the unified place where customers can learn, connect, and grow along a personalized path to success that includes self-help tutorials, product documentation, instructor-led training, community and technical support. </a:t>
+                        <a:t>Experience League를 통해 Adobe는 기업이 Adobe 투자에서 기대하는 가치를 달성하도록 지원합니다. 고객이 자기 주도 튜토리얼, 제품 설명서, 강의식 교육, 커뮤니티 및 기술 지원을 포함하는 개인 맞춤형 성공 경로를 따라가며 배우고, 교류하고, 성장할 수 있는 통합된 공간입니다. </a:t>
                       </a:r>
                     </a:p>
                   </a:txBody>
@@ -13570,7 +13105,7 @@
                         <a:defRPr/>
                       </a:pPr>
                       <a:r>
-                        <a:rPr lang="en-US" sz="1100" dirty="0">
+                        <a:rPr lang="de-de" sz="1100" dirty="0">
                           <a:solidFill>
                             <a:schemeClr val="dk1"/>
                           </a:solidFill>
@@ -13580,10 +13115,10 @@
                           <a:cs typeface="+mn-cs"/>
                           <a:hlinkClick r:id="rId8"/>
                         </a:rPr>
-                        <a:t>Training</a:t>
+                        <a:t>교육</a:t>
                       </a:r>
                       <a:r>
-                        <a:rPr lang="en-US" sz="1100" dirty="0">
+                        <a:rPr lang="de-de" sz="1100" dirty="0">
                           <a:solidFill>
                             <a:schemeClr val="dk1"/>
                           </a:solidFill>
@@ -13676,7 +13211,7 @@
                         <a:defRPr/>
                       </a:pPr>
                       <a:r>
-                        <a:rPr lang="en-US" sz="1000" kern="1200" dirty="0">
+                        <a:rPr lang="de-de" sz="1000" kern="1200" dirty="0">
                           <a:solidFill>
                             <a:srgbClr val="000000"/>
                           </a:solidFill>
@@ -13684,7 +13219,7 @@
                           <a:ea typeface="+mn-ea"/>
                           <a:cs typeface="+mn-cs"/>
                         </a:rPr>
-                        <a:t>Adobe Digital Learning Services courses are accessible from Experience League. Learning courses integrate both on-demand and instructor-led lessons.  Here you can accrue skills that have recognized market value and position them to drive success in your organizations.</a:t>
+                        <a:t>Adobe 디지털 학습 서비스 과정은 Experience League에서 액세스할 수 있습니다. 학습 과정은 주문형 수업과 강의식 수업을 모두 통합합니다. 여기에서 시장 가치를 인정받은 기술을 습득하고 조직에 포지셔닝하여 성공으로 이끌 수 있습니다.</a:t>
                       </a:r>
                     </a:p>
                   </a:txBody>
@@ -13766,7 +13301,7 @@
                         <a:defRPr/>
                       </a:pPr>
                       <a:r>
-                        <a:rPr lang="en-US" sz="1100" dirty="0">
+                        <a:rPr lang="de-de" sz="1100" dirty="0">
                           <a:solidFill>
                             <a:schemeClr val="tx1"/>
                           </a:solidFill>
@@ -13776,7 +13311,7 @@
                           <a:cs typeface="+mn-cs"/>
                           <a:hlinkClick r:id="rId9"/>
                         </a:rPr>
-                        <a:t>Production Issues &amp; System Outages</a:t>
+                        <a:t>생산 문제 및 시스템 중단</a:t>
                       </a:r>
                       <a:endParaRPr lang="en-US" sz="1100" dirty="0">
                         <a:solidFill>
@@ -13860,7 +13395,7 @@
                         <a:defRPr/>
                       </a:pPr>
                       <a:r>
-                        <a:rPr lang="en-US" sz="1000" kern="1200" dirty="0">
+                        <a:rPr lang="de-de" sz="1000" kern="1200" dirty="0">
                           <a:solidFill>
                             <a:srgbClr val="000000"/>
                           </a:solidFill>
@@ -13868,7 +13403,7 @@
                           <a:ea typeface="+mn-ea"/>
                           <a:cs typeface="+mn-cs"/>
                         </a:rPr>
-                        <a:t>Status.adobe.com conveys the health information of all Adobe products and services that are deployed in multi-tenant environments. Customers can choose their subscription preferences to get email notifications whenever Adobe creates, updates or resolves a product event. This can include scheduled maintenance or service issues of varying levels of severity. </a:t>
+                        <a:t>Status.adobe.com은 다중 테넌트 환경에 배포된 모든 Adobe 제품 및 서비스의 상태 정보를 전달합니다. 고객은 구독 기본 설정을 선택하여 Adobe가 제품 이벤트를 생성 업데이트 또는 해결할 때마다 이메일 알림을 받을 수 있습니다. 여기에는 예정된 유지 관리 또는 다양한 심각도 수준의 서비스 문제가 포함될 수 있습니다. </a:t>
                       </a:r>
                     </a:p>
                   </a:txBody>
@@ -13950,7 +13485,7 @@
                         <a:defRPr/>
                       </a:pPr>
                       <a:r>
-                        <a:rPr lang="en-US" sz="1100" dirty="0">
+                        <a:rPr lang="de-de" sz="1100" dirty="0">
                           <a:solidFill>
                             <a:schemeClr val="tx1"/>
                           </a:solidFill>
@@ -13960,7 +13495,7 @@
                           <a:cs typeface="+mn-cs"/>
                           <a:hlinkClick r:id="rId10"/>
                         </a:rPr>
-                        <a:t>Terms and Conditions</a:t>
+                        <a:t>약관</a:t>
                       </a:r>
                       <a:endParaRPr lang="en-US" sz="1100" dirty="0">
                         <a:solidFill>
@@ -14027,7 +13562,7 @@
                     <a:lstStyle/>
                     <a:p>
                       <a:r>
-                        <a:rPr lang="en-US" sz="1000" kern="1200" dirty="0">
+                        <a:rPr lang="de-de" sz="1000" kern="1200" dirty="0">
                           <a:solidFill>
                             <a:srgbClr val="000000"/>
                           </a:solidFill>
@@ -14035,7 +13570,7 @@
                           <a:ea typeface="+mn-ea"/>
                           <a:cs typeface="+mn-cs"/>
                         </a:rPr>
-                        <a:t>Terms and conditions detailing Support Services offerings.</a:t>
+                        <a:t>지원 서비스 제공 사항을 자세히 설명하는 약관입니다.</a:t>
                       </a:r>
                     </a:p>
                   </a:txBody>
@@ -14099,7 +13634,7 @@
       </p:graphicFrame>
       <p:pic>
         <p:nvPicPr>
-          <p:cNvPr id="8" name="Graphic 7" descr="Target outline">
+          <p:cNvPr id="8" name="Graphic 7" descr="타겟 개요">
             <a:extLst>
               <a:ext uri="{FF2B5EF4-FFF2-40B4-BE49-F238E27FC236}">
                 <a16:creationId xmlns:a16="http://schemas.microsoft.com/office/drawing/2014/main" id="{1EAA263E-04A7-0D46-952E-EA3033B45116}"/>
@@ -14138,7 +13673,7 @@
       </p:pic>
       <p:pic>
         <p:nvPicPr>
-          <p:cNvPr id="10" name="Graphic 9" descr="Rocket outline">
+          <p:cNvPr id="10" name="Graphic 9" descr="로켓 개요">
             <a:extLst>
               <a:ext uri="{FF2B5EF4-FFF2-40B4-BE49-F238E27FC236}">
                 <a16:creationId xmlns:a16="http://schemas.microsoft.com/office/drawing/2014/main" id="{A068EBC3-B418-4E4A-A520-101CA4B39F23}"/>
@@ -14177,7 +13712,7 @@
       </p:pic>
       <p:pic>
         <p:nvPicPr>
-          <p:cNvPr id="12" name="Graphic 11" descr="Medal outline">
+          <p:cNvPr id="12" name="Graphic 11" descr="메달 개요">
             <a:extLst>
               <a:ext uri="{FF2B5EF4-FFF2-40B4-BE49-F238E27FC236}">
                 <a16:creationId xmlns:a16="http://schemas.microsoft.com/office/drawing/2014/main" id="{C7BEFC2D-0CA6-0448-B9FA-6E1581CA6D36}"/>
@@ -14806,21 +14341,12 @@
 </file>
 
 <file path=customXml/item1.xml><?xml version="1.0" encoding="utf-8"?>
-<?mso-contentType ?>
-<FormTemplates xmlns="http://schemas.microsoft.com/sharepoint/v3/contenttype/forms">
-  <Display>DocumentLibraryForm</Display>
-  <Edit>DocumentLibraryForm</Edit>
-  <New>DocumentLibraryForm</New>
-</FormTemplates>
-</file>
-
-<file path=customXml/item2.xml><?xml version="1.0" encoding="utf-8"?>
 <p:properties xmlns:p="http://schemas.microsoft.com/office/2006/metadata/properties" xmlns:xsi="http://www.w3.org/2001/XMLSchema-instance" xmlns:pc="http://schemas.microsoft.com/office/infopath/2007/PartnerControls">
   <documentManagement/>
 </p:properties>
 </file>
 
-<file path=customXml/item3.xml><?xml version="1.0" encoding="utf-8"?>
+<file path=customXml/item2.xml><?xml version="1.0" encoding="utf-8"?>
 <ct:contentTypeSchema xmlns:ct="http://schemas.microsoft.com/office/2006/metadata/contentType" xmlns:ma="http://schemas.microsoft.com/office/2006/metadata/properties/metaAttributes" ct:_="" ma:_="" ma:contentTypeName="Document" ma:contentTypeID="0x010100E783BF6876BCC646A459363AF21A7736" ma:contentTypeVersion="10" ma:contentTypeDescription="Create a new document." ma:contentTypeScope="" ma:versionID="c4ffda7f4f415767600769e454c2ea87">
   <xsd:schema xmlns:xsd="http://www.w3.org/2001/XMLSchema" xmlns:xs="http://www.w3.org/2001/XMLSchema" xmlns:p="http://schemas.microsoft.com/office/2006/metadata/properties" xmlns:ns2="8a053bff-88be-49e4-9a87-e748e18b8b62" xmlns:ns3="6c8368ec-3776-49b5-a5bb-90648cf9530f" targetNamespace="http://schemas.microsoft.com/office/2006/metadata/properties" ma:root="true" ma:fieldsID="df3ec33bccc23e23bce7bc897fad43d1" ns2:_="" ns3:_="">
     <xsd:import namespace="8a053bff-88be-49e4-9a87-e748e18b8b62"/>
@@ -15025,32 +14551,25 @@
 </ct:contentTypeSchema>
 </file>
 
+<file path=customXml/item3.xml><?xml version="1.0" encoding="utf-8"?>
+<?mso-contentType ?>
+<FormTemplates xmlns="http://schemas.microsoft.com/sharepoint/v3/contenttype/forms">
+  <Display>DocumentLibraryForm</Display>
+  <Edit>DocumentLibraryForm</Edit>
+  <New>DocumentLibraryForm</New>
+</FormTemplates>
+</file>
+
 <file path=customXml/itemProps1.xml><?xml version="1.0" encoding="utf-8"?>
-<ds:datastoreItem xmlns:ds="http://schemas.openxmlformats.org/officeDocument/2006/customXml" ds:itemID="{AC92E7FA-19A2-4675-9C77-2C92D8A268D1}">
+<ds:datastoreItem xmlns:ds="http://schemas.openxmlformats.org/officeDocument/2006/customXml" ds:itemID="{8D12BD98-169B-4BEE-86DF-4C9641DF23C4}">
   <ds:schemaRefs>
-    <ds:schemaRef ds:uri="http://schemas.microsoft.com/sharepoint/v3/contenttype/forms"/>
+    <ds:schemaRef ds:uri="http://schemas.microsoft.com/office/2006/metadata/properties"/>
+    <ds:schemaRef ds:uri="http://schemas.microsoft.com/office/infopath/2007/PartnerControls"/>
   </ds:schemaRefs>
 </ds:datastoreItem>
 </file>
 
 <file path=customXml/itemProps2.xml><?xml version="1.0" encoding="utf-8"?>
-<ds:datastoreItem xmlns:ds="http://schemas.openxmlformats.org/officeDocument/2006/customXml" ds:itemID="{8D12BD98-169B-4BEE-86DF-4C9641DF23C4}">
-  <ds:schemaRefs>
-    <ds:schemaRef ds:uri="http://schemas.microsoft.com/office/2006/documentManagement/types"/>
-    <ds:schemaRef ds:uri="http://schemas.microsoft.com/office/2006/metadata/properties"/>
-    <ds:schemaRef ds:uri="http://www.w3.org/XML/1998/namespace"/>
-    <ds:schemaRef ds:uri="http://purl.org/dc/terms/"/>
-    <ds:schemaRef ds:uri="http://purl.org/dc/elements/1.1/"/>
-    <ds:schemaRef ds:uri="http://schemas.microsoft.com/office/infopath/2007/PartnerControls"/>
-    <ds:schemaRef ds:uri="http://schemas.openxmlformats.org/package/2006/metadata/core-properties"/>
-    <ds:schemaRef ds:uri="8a053bff-88be-49e4-9a87-e748e18b8b62"/>
-    <ds:schemaRef ds:uri="6c8368ec-3776-49b5-a5bb-90648cf9530f"/>
-    <ds:schemaRef ds:uri="http://purl.org/dc/dcmitype/"/>
-  </ds:schemaRefs>
-</ds:datastoreItem>
-</file>
-
-<file path=customXml/itemProps3.xml><?xml version="1.0" encoding="utf-8"?>
 <ds:datastoreItem xmlns:ds="http://schemas.openxmlformats.org/officeDocument/2006/customXml" ds:itemID="{34863498-7BB7-4F09-9F4A-B99E97FDB0EB}">
   <ds:schemaRefs>
     <ds:schemaRef ds:uri="http://schemas.microsoft.com/office/2006/metadata/contentType"/>
@@ -15067,4 +14586,12 @@
     <ds:schemaRef ds:uri="http://schemas.microsoft.com/internal/obd"/>
   </ds:schemaRefs>
 </ds:datastoreItem>
+</file>
+
+<file path=customXml/itemProps3.xml><?xml version="1.0" encoding="utf-8"?>
+<ds:datastoreItem xmlns:ds="http://schemas.openxmlformats.org/officeDocument/2006/customXml" ds:itemID="{AC92E7FA-19A2-4675-9C77-2C92D8A268D1}">
+  <ds:schemaRefs>
+    <ds:schemaRef ds:uri="http://schemas.microsoft.com/sharepoint/v3/contenttype/forms"/>
+  </ds:schemaRefs>
+</ds:datastoreItem>
 </file>
--- a/help/data-sheets/assets/OnlineSupportDatasheet.pptx
+++ b/help/data-sheets/assets/OnlineSupportDatasheet.pptx
@@ -210,7 +210,7 @@
           <a:p>
             <a:fld id="{A438815C-EDE5-F947-A55F-7634403F36C4}" type="datetimeFigureOut">
               <a:rPr lang="en-US" smtClean="0"/>
-              <a:t>10/11/21</a:t>
+              <a:t>11/18/21</a:t>
             </a:fld>
             <a:endParaRPr lang="en-US"/>
           </a:p>
@@ -833,7 +833,7 @@
           <a:p>
             <a:fld id="{1D8BD707-D9CF-40AE-B4C6-C98DA3205C09}" type="datetimeFigureOut">
               <a:rPr lang="en-US"/>
-              <a:t>10/11/21</a:t>
+              <a:t>11/18/21</a:t>
             </a:fld>
             <a:endParaRPr lang="en-US"/>
           </a:p>
@@ -1017,7 +1017,7 @@
           <a:p>
             <a:fld id="{1D8BD707-D9CF-40AE-B4C6-C98DA3205C09}" type="datetimeFigureOut">
               <a:rPr lang="en-US"/>
-              <a:t>10/11/21</a:t>
+              <a:t>11/18/21</a:t>
             </a:fld>
             <a:endParaRPr lang="en-US"/>
           </a:p>
@@ -1319,7 +1319,7 @@
           <a:p>
             <a:fld id="{1D8BD707-D9CF-40AE-B4C6-C98DA3205C09}" type="datetimeFigureOut">
               <a:rPr lang="en-US"/>
-              <a:t>10/11/21</a:t>
+              <a:t>11/18/21</a:t>
             </a:fld>
             <a:endParaRPr lang="en-US"/>
           </a:p>
@@ -6611,7 +6611,7 @@
           <p:nvPr>
             <p:extLst>
               <p:ext uri="{D42A27DB-BD31-4B8C-83A1-F6EECF244321}">
-                <p14:modId xmlns:p14="http://schemas.microsoft.com/office/powerpoint/2010/main" val="2197820453"/>
+                <p14:modId xmlns:p14="http://schemas.microsoft.com/office/powerpoint/2010/main" val="1790112478"/>
               </p:ext>
             </p:extLst>
           </p:nvPr>
@@ -7051,13 +7051,14 @@
                     <a:bodyPr/>
                     <a:lstStyle/>
                     <a:p>
-                      <a:pPr marL="0" marR="325120" indent="-3810" algn="ctr">
+                      <a:pPr marL="215900" marR="325120" indent="0" algn="ctr">
                         <a:lnSpc>
                           <a:spcPct val="100000"/>
                         </a:lnSpc>
                         <a:spcBef>
                           <a:spcPts val="670"/>
                         </a:spcBef>
+                        <a:tabLst/>
                       </a:pPr>
                       <a:r>
                         <a:rPr lang="de-de" sz="900" spc="0" dirty="0">
@@ -7067,54 +7068,18 @@
                           <a:latin typeface="AdobeClean-Light"/>
                           <a:cs typeface="AdobeClean-Light"/>
                         </a:rPr>
-                        <a:t>24x7 /                1시간</a:t>
+                        <a:t>24x7 /</a:t>
                       </a:r>
-                      <a:endParaRPr sz="900" spc="0" dirty="0">
-                        <a:latin typeface="AdobeClean-Light"/>
-                        <a:cs typeface="AdobeClean-Light"/>
-                      </a:endParaRPr>
-                    </a:p>
-                  </a:txBody>
-                  <a:tcPr marL="0" marR="0" marT="0" marB="0" anchor="ctr">
-                    <a:lnL w="3175">
-                      <a:solidFill>
-                        <a:srgbClr val="B7B8B8"/>
-                      </a:solidFill>
-                      <a:prstDash val="solid"/>
-                    </a:lnL>
-                    <a:lnR w="3175">
-                      <a:solidFill>
-                        <a:srgbClr val="B7B8B8"/>
-                      </a:solidFill>
-                      <a:prstDash val="solid"/>
-                    </a:lnR>
-                    <a:lnT w="76200">
-                      <a:solidFill>
-                        <a:srgbClr val="858585"/>
-                      </a:solidFill>
-                      <a:prstDash val="solid"/>
-                    </a:lnT>
-                    <a:lnB w="3175">
-                      <a:solidFill>
-                        <a:srgbClr val="B7B8B8"/>
-                      </a:solidFill>
-                      <a:prstDash val="solid"/>
-                    </a:lnB>
-                  </a:tcPr>
-                </a:tc>
-                <a:tc>
-                  <a:txBody>
-                    <a:bodyPr/>
-                    <a:lstStyle/>
-                    <a:p>
-                      <a:pPr marL="0" marR="325755" indent="-3810" algn="ctr">
-                        <a:lnSpc>
-                          <a:spcPct val="100000"/>
-                        </a:lnSpc>
-                        <a:spcBef>
-                          <a:spcPts val="670"/>
-                        </a:spcBef>
-                      </a:pPr>
+                      <a:r>
+                        <a:rPr lang="de-DE" sz="900" spc="0" dirty="0">
+                          <a:solidFill>
+                            <a:srgbClr val="020302"/>
+                          </a:solidFill>
+                          <a:latin typeface="AdobeClean-Light"/>
+                          <a:cs typeface="AdobeClean-Light"/>
+                        </a:rPr>
+                        <a:t> </a:t>
+                      </a:r>
                       <a:r>
                         <a:rPr lang="de-de" sz="900" spc="0" dirty="0">
                           <a:solidFill>
@@ -7123,7 +7088,7 @@
                           <a:latin typeface="AdobeClean-Light"/>
                           <a:cs typeface="AdobeClean-Light"/>
                         </a:rPr>
-                        <a:t>24x7 /              1시간</a:t>
+                        <a:t>1시간</a:t>
                       </a:r>
                       <a:endParaRPr sz="900" spc="0" dirty="0">
                         <a:latin typeface="AdobeClean-Light"/>
@@ -7146,7 +7111,7 @@
                     </a:lnR>
                     <a:lnT w="76200">
                       <a:solidFill>
-                        <a:srgbClr val="ACD2FF"/>
+                        <a:srgbClr val="858585"/>
                       </a:solidFill>
                       <a:prstDash val="solid"/>
                     </a:lnT>
@@ -7163,13 +7128,14 @@
                     <a:bodyPr/>
                     <a:lstStyle/>
                     <a:p>
-                      <a:pPr marL="0" marR="258445" indent="115570" algn="ctr">
+                      <a:pPr marL="215900" marR="325755" indent="0" algn="ctr">
                         <a:lnSpc>
                           <a:spcPct val="100000"/>
                         </a:lnSpc>
                         <a:spcBef>
                           <a:spcPts val="670"/>
                         </a:spcBef>
+                        <a:tabLst/>
                       </a:pPr>
                       <a:r>
                         <a:rPr lang="de-de" sz="900" spc="0" dirty="0">
@@ -7179,54 +7145,27 @@
                           <a:latin typeface="AdobeClean-Light"/>
                           <a:cs typeface="AdobeClean-Light"/>
                         </a:rPr>
-                        <a:t>24x7 /           30분</a:t>
+                        <a:t>24x7 /</a:t>
                       </a:r>
-                      <a:endParaRPr sz="900" spc="0" dirty="0">
-                        <a:latin typeface="AdobeClean-Light"/>
-                        <a:cs typeface="AdobeClean-Light"/>
-                      </a:endParaRPr>
-                    </a:p>
-                  </a:txBody>
-                  <a:tcPr marL="0" marR="0" marT="0" marB="0" anchor="ctr">
-                    <a:lnL w="3175">
-                      <a:solidFill>
-                        <a:srgbClr val="B7B8B8"/>
-                      </a:solidFill>
-                      <a:prstDash val="solid"/>
-                    </a:lnL>
-                    <a:lnR w="3175">
-                      <a:solidFill>
-                        <a:srgbClr val="B7B8B8"/>
-                      </a:solidFill>
-                      <a:prstDash val="solid"/>
-                    </a:lnR>
-                    <a:lnT w="76200">
-                      <a:solidFill>
-                        <a:srgbClr val="2E8FFF"/>
-                      </a:solidFill>
-                      <a:prstDash val="solid"/>
-                    </a:lnT>
-                    <a:lnB w="3175">
-                      <a:solidFill>
-                        <a:srgbClr val="B7B8B8"/>
-                      </a:solidFill>
-                      <a:prstDash val="solid"/>
-                    </a:lnB>
-                  </a:tcPr>
-                </a:tc>
-                <a:tc>
-                  <a:txBody>
-                    <a:bodyPr/>
-                    <a:lstStyle/>
-                    <a:p>
-                      <a:pPr marL="0" marR="271780" indent="103505" algn="ctr">
-                        <a:lnSpc>
-                          <a:spcPct val="100000"/>
-                        </a:lnSpc>
-                        <a:spcBef>
-                          <a:spcPts val="670"/>
-                        </a:spcBef>
-                      </a:pPr>
+                      <a:r>
+                        <a:rPr lang="de-DE" sz="900" spc="0" dirty="0">
+                          <a:solidFill>
+                            <a:srgbClr val="020302"/>
+                          </a:solidFill>
+                          <a:latin typeface="AdobeClean-Light"/>
+                          <a:cs typeface="AdobeClean-Light"/>
+                        </a:rPr>
+                        <a:t> </a:t>
+                      </a:r>
+                      <a:br>
+                        <a:rPr lang="de-DE" sz="900" spc="0" dirty="0">
+                          <a:solidFill>
+                            <a:srgbClr val="020302"/>
+                          </a:solidFill>
+                          <a:latin typeface="AdobeClean-Light"/>
+                          <a:cs typeface="AdobeClean-Light"/>
+                        </a:rPr>
+                      </a:br>
                       <a:r>
                         <a:rPr lang="de-de" sz="900" spc="0" dirty="0">
                           <a:solidFill>
@@ -7235,7 +7174,139 @@
                           <a:latin typeface="AdobeClean-Light"/>
                           <a:cs typeface="AdobeClean-Light"/>
                         </a:rPr>
-                        <a:t>24x7 /         15분</a:t>
+                        <a:t>1시간</a:t>
+                      </a:r>
+                      <a:endParaRPr sz="900" spc="0" dirty="0">
+                        <a:latin typeface="AdobeClean-Light"/>
+                        <a:cs typeface="AdobeClean-Light"/>
+                      </a:endParaRPr>
+                    </a:p>
+                  </a:txBody>
+                  <a:tcPr marL="0" marR="0" marT="0" marB="0" anchor="ctr">
+                    <a:lnL w="3175">
+                      <a:solidFill>
+                        <a:srgbClr val="B7B8B8"/>
+                      </a:solidFill>
+                      <a:prstDash val="solid"/>
+                    </a:lnL>
+                    <a:lnR w="3175">
+                      <a:solidFill>
+                        <a:srgbClr val="B7B8B8"/>
+                      </a:solidFill>
+                      <a:prstDash val="solid"/>
+                    </a:lnR>
+                    <a:lnT w="76200">
+                      <a:solidFill>
+                        <a:srgbClr val="ACD2FF"/>
+                      </a:solidFill>
+                      <a:prstDash val="solid"/>
+                    </a:lnT>
+                    <a:lnB w="3175">
+                      <a:solidFill>
+                        <a:srgbClr val="B7B8B8"/>
+                      </a:solidFill>
+                      <a:prstDash val="solid"/>
+                    </a:lnB>
+                  </a:tcPr>
+                </a:tc>
+                <a:tc>
+                  <a:txBody>
+                    <a:bodyPr/>
+                    <a:lstStyle/>
+                    <a:p>
+                      <a:pPr marL="0" marR="258445" indent="115570" algn="ctr">
+                        <a:lnSpc>
+                          <a:spcPct val="100000"/>
+                        </a:lnSpc>
+                        <a:spcBef>
+                          <a:spcPts val="670"/>
+                        </a:spcBef>
+                      </a:pPr>
+                      <a:r>
+                        <a:rPr lang="de-de" sz="900" spc="0" dirty="0">
+                          <a:solidFill>
+                            <a:srgbClr val="020302"/>
+                          </a:solidFill>
+                          <a:latin typeface="AdobeClean-Light"/>
+                          <a:cs typeface="AdobeClean-Light"/>
+                        </a:rPr>
+                        <a:t>24x7 /           30분</a:t>
+                      </a:r>
+                      <a:endParaRPr sz="900" spc="0" dirty="0">
+                        <a:latin typeface="AdobeClean-Light"/>
+                        <a:cs typeface="AdobeClean-Light"/>
+                      </a:endParaRPr>
+                    </a:p>
+                  </a:txBody>
+                  <a:tcPr marL="0" marR="0" marT="0" marB="0" anchor="ctr">
+                    <a:lnL w="3175">
+                      <a:solidFill>
+                        <a:srgbClr val="B7B8B8"/>
+                      </a:solidFill>
+                      <a:prstDash val="solid"/>
+                    </a:lnL>
+                    <a:lnR w="3175">
+                      <a:solidFill>
+                        <a:srgbClr val="B7B8B8"/>
+                      </a:solidFill>
+                      <a:prstDash val="solid"/>
+                    </a:lnR>
+                    <a:lnT w="76200">
+                      <a:solidFill>
+                        <a:srgbClr val="2E8FFF"/>
+                      </a:solidFill>
+                      <a:prstDash val="solid"/>
+                    </a:lnT>
+                    <a:lnB w="3175">
+                      <a:solidFill>
+                        <a:srgbClr val="B7B8B8"/>
+                      </a:solidFill>
+                      <a:prstDash val="solid"/>
+                    </a:lnB>
+                  </a:tcPr>
+                </a:tc>
+                <a:tc>
+                  <a:txBody>
+                    <a:bodyPr/>
+                    <a:lstStyle/>
+                    <a:p>
+                      <a:pPr marL="0" marR="271780" indent="103505" algn="ctr">
+                        <a:lnSpc>
+                          <a:spcPct val="100000"/>
+                        </a:lnSpc>
+                        <a:spcBef>
+                          <a:spcPts val="670"/>
+                        </a:spcBef>
+                      </a:pPr>
+                      <a:r>
+                        <a:rPr lang="de-de" sz="900" spc="0" dirty="0">
+                          <a:solidFill>
+                            <a:srgbClr val="020302"/>
+                          </a:solidFill>
+                          <a:latin typeface="AdobeClean-Light"/>
+                          <a:cs typeface="AdobeClean-Light"/>
+                        </a:rPr>
+                        <a:t>24x7 /</a:t>
+                      </a:r>
+                      <a:r>
+                        <a:rPr lang="de-DE" sz="900" spc="0" dirty="0">
+                          <a:solidFill>
+                            <a:srgbClr val="020302"/>
+                          </a:solidFill>
+                          <a:latin typeface="AdobeClean-Light"/>
+                          <a:cs typeface="AdobeClean-Light"/>
+                        </a:rPr>
+                        <a:t> </a:t>
+                      </a:r>
+                      <a:r>
+                        <a:rPr lang="de-de" sz="900" spc="0" dirty="0">
+                          <a:solidFill>
+                            <a:srgbClr val="020302"/>
+                          </a:solidFill>
+                          <a:latin typeface="AdobeClean-Light"/>
+                          <a:cs typeface="AdobeClean-Light"/>
+                        </a:rPr>
+                        <a:t>15분</a:t>
                       </a:r>
                       <a:endParaRPr sz="900" spc="0" dirty="0">
                         <a:latin typeface="AdobeClean-Light"/>
@@ -7371,13 +7442,14 @@
                     <a:bodyPr/>
                     <a:lstStyle/>
                     <a:p>
-                      <a:pPr marL="0" marR="184785" indent="-193675" algn="ctr">
+                      <a:pPr marL="127000" marR="184785" indent="0" algn="ctr">
                         <a:lnSpc>
                           <a:spcPct val="100000"/>
                         </a:lnSpc>
                         <a:spcBef>
                           <a:spcPts val="670"/>
                         </a:spcBef>
+                        <a:tabLst/>
                       </a:pPr>
                       <a:r>
                         <a:rPr lang="de-de" sz="900" spc="0" dirty="0">
@@ -7427,13 +7499,14 @@
                     <a:bodyPr/>
                     <a:lstStyle/>
                     <a:p>
-                      <a:pPr marL="0" marR="184785" indent="-194310" algn="ctr">
+                      <a:pPr marL="127000" marR="184785" indent="0" algn="ctr">
                         <a:lnSpc>
                           <a:spcPct val="100000"/>
                         </a:lnSpc>
                         <a:spcBef>
                           <a:spcPts val="670"/>
                         </a:spcBef>
+                        <a:tabLst/>
                       </a:pPr>
                       <a:r>
                         <a:rPr lang="de-de" sz="900" spc="0" dirty="0">
@@ -7483,13 +7556,14 @@
                     <a:bodyPr/>
                     <a:lstStyle/>
                     <a:p>
-                      <a:pPr marL="0" marR="325755" indent="-5715" algn="ctr">
+                      <a:pPr marL="215900" marR="325755" indent="0" algn="ctr">
                         <a:lnSpc>
                           <a:spcPct val="100000"/>
                         </a:lnSpc>
                         <a:spcBef>
                           <a:spcPts val="670"/>
                         </a:spcBef>
+                        <a:tabLst/>
                       </a:pPr>
                       <a:r>
                         <a:rPr lang="de-de" sz="900" spc="0" dirty="0">
@@ -7499,54 +7573,27 @@
                           <a:latin typeface="AdobeClean-Light"/>
                           <a:cs typeface="AdobeClean-Light"/>
                         </a:rPr>
-                        <a:t>24x5 /                1시간</a:t>
+                        <a:t>24x5 /</a:t>
                       </a:r>
-                      <a:endParaRPr sz="900" spc="0" dirty="0">
-                        <a:latin typeface="AdobeClean-Light"/>
-                        <a:cs typeface="AdobeClean-Light"/>
-                      </a:endParaRPr>
-                    </a:p>
-                  </a:txBody>
-                  <a:tcPr marL="0" marR="0" marT="0" marB="0" anchor="ctr">
-                    <a:lnL w="3175">
-                      <a:solidFill>
-                        <a:srgbClr val="B7B8B8"/>
-                      </a:solidFill>
-                      <a:prstDash val="solid"/>
-                    </a:lnL>
-                    <a:lnR w="3175">
-                      <a:solidFill>
-                        <a:srgbClr val="B7B8B8"/>
-                      </a:solidFill>
-                      <a:prstDash val="solid"/>
-                    </a:lnR>
-                    <a:lnT w="3175">
-                      <a:solidFill>
-                        <a:srgbClr val="B7B8B8"/>
-                      </a:solidFill>
-                      <a:prstDash val="solid"/>
-                    </a:lnT>
-                    <a:lnB w="3175">
-                      <a:solidFill>
-                        <a:srgbClr val="B7B8B8"/>
-                      </a:solidFill>
-                      <a:prstDash val="solid"/>
-                    </a:lnB>
-                  </a:tcPr>
-                </a:tc>
-                <a:tc>
-                  <a:txBody>
-                    <a:bodyPr/>
-                    <a:lstStyle/>
-                    <a:p>
-                      <a:pPr marL="0" marR="259079" indent="111760" algn="ctr">
-                        <a:lnSpc>
-                          <a:spcPct val="100000"/>
-                        </a:lnSpc>
-                        <a:spcBef>
-                          <a:spcPts val="670"/>
-                        </a:spcBef>
-                      </a:pPr>
+                      <a:r>
+                        <a:rPr lang="de-DE" sz="900" spc="0" dirty="0">
+                          <a:solidFill>
+                            <a:srgbClr val="020302"/>
+                          </a:solidFill>
+                          <a:latin typeface="AdobeClean-Light"/>
+                          <a:cs typeface="AdobeClean-Light"/>
+                        </a:rPr>
+                        <a:t> </a:t>
+                      </a:r>
+                      <a:br>
+                        <a:rPr lang="de-DE" sz="900" spc="0" dirty="0">
+                          <a:solidFill>
+                            <a:srgbClr val="020302"/>
+                          </a:solidFill>
+                          <a:latin typeface="AdobeClean-Light"/>
+                          <a:cs typeface="AdobeClean-Light"/>
+                        </a:rPr>
+                      </a:br>
                       <a:r>
                         <a:rPr lang="de-de" sz="900" spc="0" dirty="0">
                           <a:solidFill>
@@ -7555,7 +7602,83 @@
                           <a:latin typeface="AdobeClean-Light"/>
                           <a:cs typeface="AdobeClean-Light"/>
                         </a:rPr>
-                        <a:t>24x5 /         30분</a:t>
+                        <a:t>1시간</a:t>
+                      </a:r>
+                      <a:endParaRPr sz="900" spc="0" dirty="0">
+                        <a:latin typeface="AdobeClean-Light"/>
+                        <a:cs typeface="AdobeClean-Light"/>
+                      </a:endParaRPr>
+                    </a:p>
+                  </a:txBody>
+                  <a:tcPr marL="0" marR="0" marT="0" marB="0" anchor="ctr">
+                    <a:lnL w="3175">
+                      <a:solidFill>
+                        <a:srgbClr val="B7B8B8"/>
+                      </a:solidFill>
+                      <a:prstDash val="solid"/>
+                    </a:lnL>
+                    <a:lnR w="3175">
+                      <a:solidFill>
+                        <a:srgbClr val="B7B8B8"/>
+                      </a:solidFill>
+                      <a:prstDash val="solid"/>
+                    </a:lnR>
+                    <a:lnT w="3175">
+                      <a:solidFill>
+                        <a:srgbClr val="B7B8B8"/>
+                      </a:solidFill>
+                      <a:prstDash val="solid"/>
+                    </a:lnT>
+                    <a:lnB w="3175">
+                      <a:solidFill>
+                        <a:srgbClr val="B7B8B8"/>
+                      </a:solidFill>
+                      <a:prstDash val="solid"/>
+                    </a:lnB>
+                  </a:tcPr>
+                </a:tc>
+                <a:tc>
+                  <a:txBody>
+                    <a:bodyPr/>
+                    <a:lstStyle/>
+                    <a:p>
+                      <a:pPr marL="0" marR="259079" indent="111760" algn="ctr">
+                        <a:lnSpc>
+                          <a:spcPct val="100000"/>
+                        </a:lnSpc>
+                        <a:spcBef>
+                          <a:spcPts val="670"/>
+                        </a:spcBef>
+                      </a:pPr>
+                      <a:r>
+                        <a:rPr lang="de-de" sz="900" spc="0" dirty="0">
+                          <a:solidFill>
+                            <a:srgbClr val="020302"/>
+                          </a:solidFill>
+                          <a:latin typeface="AdobeClean-Light"/>
+                          <a:cs typeface="AdobeClean-Light"/>
+                        </a:rPr>
+                        <a:t>24x5 /</a:t>
+                      </a:r>
+                      <a:r>
+                        <a:rPr lang="de-DE" sz="900" spc="0" dirty="0">
+                          <a:solidFill>
+                            <a:srgbClr val="020302"/>
+                          </a:solidFill>
+                          <a:latin typeface="AdobeClean-Light"/>
+                          <a:cs typeface="AdobeClean-Light"/>
+                        </a:rPr>
+                        <a:t> </a:t>
+                      </a:r>
+                      <a:r>
+                        <a:rPr lang="de-de" sz="900" spc="0" dirty="0">
+                          <a:solidFill>
+                            <a:srgbClr val="020302"/>
+                          </a:solidFill>
+                          <a:latin typeface="AdobeClean-Light"/>
+                          <a:cs typeface="AdobeClean-Light"/>
+                        </a:rPr>
+                        <a:t>30분</a:t>
                       </a:r>
                       <a:endParaRPr sz="900" spc="0" dirty="0">
                         <a:latin typeface="AdobeClean-Light"/>
@@ -7698,13 +7821,14 @@
                     <a:bodyPr/>
                     <a:lstStyle/>
                     <a:p>
-                      <a:pPr marL="0" marR="184150" indent="-189865" algn="ctr">
+                      <a:pPr marL="127000" marR="184150" indent="0" algn="ctr">
                         <a:lnSpc>
                           <a:spcPct val="100000"/>
                         </a:lnSpc>
                         <a:spcBef>
                           <a:spcPts val="645"/>
                         </a:spcBef>
+                        <a:tabLst/>
                       </a:pPr>
                       <a:r>
                         <a:rPr lang="de-de" sz="900" spc="0" dirty="0">
@@ -7754,13 +7878,14 @@
                     <a:bodyPr/>
                     <a:lstStyle/>
                     <a:p>
-                      <a:pPr marL="0" marR="185420" indent="-193675" algn="ctr">
+                      <a:pPr marL="88900" marR="185420" indent="0" algn="ctr">
                         <a:lnSpc>
                           <a:spcPct val="100000"/>
                         </a:lnSpc>
                         <a:spcBef>
                           <a:spcPts val="645"/>
                         </a:spcBef>
+                        <a:tabLst/>
                       </a:pPr>
                       <a:r>
                         <a:rPr lang="de-de" sz="900" spc="0" dirty="0">
@@ -7770,54 +7895,17 @@
                           <a:latin typeface="AdobeClean-Light"/>
                           <a:cs typeface="AdobeClean-Light"/>
                         </a:rPr>
-                        <a:t>업무 시간 /  4시간</a:t>
+                        <a:t>업무 시간 /  </a:t>
                       </a:r>
-                      <a:endParaRPr sz="900" spc="0" dirty="0">
-                        <a:latin typeface="AdobeClean-Light"/>
-                        <a:cs typeface="AdobeClean-Light"/>
-                      </a:endParaRPr>
-                    </a:p>
-                  </a:txBody>
-                  <a:tcPr marL="0" marR="0" marT="0" marB="0" anchor="ctr">
-                    <a:lnL w="3175">
-                      <a:solidFill>
-                        <a:srgbClr val="B7B8B8"/>
-                      </a:solidFill>
-                      <a:prstDash val="solid"/>
-                    </a:lnL>
-                    <a:lnR w="3175">
-                      <a:solidFill>
-                        <a:srgbClr val="B7B8B8"/>
-                      </a:solidFill>
-                      <a:prstDash val="solid"/>
-                    </a:lnR>
-                    <a:lnT w="3175">
-                      <a:solidFill>
-                        <a:srgbClr val="B7B8B8"/>
-                      </a:solidFill>
-                      <a:prstDash val="solid"/>
-                    </a:lnT>
-                    <a:lnB w="3175">
-                      <a:solidFill>
-                        <a:srgbClr val="B7B8B8"/>
-                      </a:solidFill>
-                      <a:prstDash val="solid"/>
-                    </a:lnB>
-                  </a:tcPr>
-                </a:tc>
-                <a:tc>
-                  <a:txBody>
-                    <a:bodyPr/>
-                    <a:lstStyle/>
-                    <a:p>
-                      <a:pPr marL="0" marR="184785" indent="-194310" algn="ctr">
-                        <a:lnSpc>
-                          <a:spcPct val="100000"/>
-                        </a:lnSpc>
-                        <a:spcBef>
-                          <a:spcPts val="645"/>
-                        </a:spcBef>
-                      </a:pPr>
+                      <a:br>
+                        <a:rPr lang="de-DE" sz="900" spc="0" dirty="0">
+                          <a:solidFill>
+                            <a:srgbClr val="020302"/>
+                          </a:solidFill>
+                          <a:latin typeface="AdobeClean-Light"/>
+                          <a:cs typeface="AdobeClean-Light"/>
+                        </a:rPr>
+                      </a:br>
                       <a:r>
                         <a:rPr lang="de-de" sz="900" spc="0" dirty="0">
                           <a:solidFill>
@@ -7826,7 +7914,7 @@
                           <a:latin typeface="AdobeClean-Light"/>
                           <a:cs typeface="AdobeClean-Light"/>
                         </a:rPr>
-                        <a:t>업무 시간 /     2시간</a:t>
+                        <a:t>4시간</a:t>
                       </a:r>
                       <a:endParaRPr sz="900" spc="0" dirty="0">
                         <a:latin typeface="AdobeClean-Light"/>
@@ -7866,13 +7954,14 @@
                     <a:bodyPr/>
                     <a:lstStyle/>
                     <a:p>
-                      <a:pPr marL="0" marR="326390" indent="-5715" algn="ctr">
+                      <a:pPr marL="88900" marR="184785" indent="0" algn="ctr">
                         <a:lnSpc>
                           <a:spcPct val="100000"/>
                         </a:lnSpc>
                         <a:spcBef>
                           <a:spcPts val="645"/>
                         </a:spcBef>
+                        <a:tabLst/>
                       </a:pPr>
                       <a:r>
                         <a:rPr lang="de-de" sz="900" spc="0" dirty="0">
@@ -7882,7 +7971,142 @@
                           <a:latin typeface="AdobeClean-Light"/>
                           <a:cs typeface="AdobeClean-Light"/>
                         </a:rPr>
-                        <a:t>24x5 /             1시간</a:t>
+                        <a:t>업무 </a:t>
+                      </a:r>
+                      <a:r>
+                        <a:rPr lang="de-de" sz="900" spc="0" dirty="0" err="1">
+                          <a:solidFill>
+                            <a:srgbClr val="020302"/>
+                          </a:solidFill>
+                          <a:latin typeface="AdobeClean-Light"/>
+                          <a:cs typeface="AdobeClean-Light"/>
+                        </a:rPr>
+                        <a:t>시간</a:t>
+                      </a:r>
+                      <a:r>
+                        <a:rPr lang="de-de" sz="900" spc="0" dirty="0">
+                          <a:solidFill>
+                            <a:srgbClr val="020302"/>
+                          </a:solidFill>
+                          <a:latin typeface="AdobeClean-Light"/>
+                          <a:cs typeface="AdobeClean-Light"/>
+                        </a:rPr>
+                        <a:t> /</a:t>
+                      </a:r>
+                      <a:r>
+                        <a:rPr lang="de-DE" sz="900" spc="0" dirty="0">
+                          <a:solidFill>
+                            <a:srgbClr val="020302"/>
+                          </a:solidFill>
+                          <a:latin typeface="AdobeClean-Light"/>
+                          <a:cs typeface="AdobeClean-Light"/>
+                        </a:rPr>
+                        <a:t> </a:t>
+                      </a:r>
+                      <a:br>
+                        <a:rPr lang="de-DE" sz="900" spc="0" dirty="0">
+                          <a:solidFill>
+                            <a:srgbClr val="020302"/>
+                          </a:solidFill>
+                          <a:latin typeface="AdobeClean-Light"/>
+                          <a:cs typeface="AdobeClean-Light"/>
+                        </a:rPr>
+                      </a:br>
+                      <a:r>
+                        <a:rPr lang="de-de" sz="900" spc="0" dirty="0">
+                          <a:solidFill>
+                            <a:srgbClr val="020302"/>
+                          </a:solidFill>
+                          <a:latin typeface="AdobeClean-Light"/>
+                          <a:cs typeface="AdobeClean-Light"/>
+                        </a:rPr>
+                        <a:t>2시간</a:t>
+                      </a:r>
+                      <a:endParaRPr sz="900" spc="0" dirty="0">
+                        <a:latin typeface="AdobeClean-Light"/>
+                        <a:cs typeface="AdobeClean-Light"/>
+                      </a:endParaRPr>
+                    </a:p>
+                  </a:txBody>
+                  <a:tcPr marL="0" marR="0" marT="0" marB="0" anchor="ctr">
+                    <a:lnL w="3175">
+                      <a:solidFill>
+                        <a:srgbClr val="B7B8B8"/>
+                      </a:solidFill>
+                      <a:prstDash val="solid"/>
+                    </a:lnL>
+                    <a:lnR w="3175">
+                      <a:solidFill>
+                        <a:srgbClr val="B7B8B8"/>
+                      </a:solidFill>
+                      <a:prstDash val="solid"/>
+                    </a:lnR>
+                    <a:lnT w="3175">
+                      <a:solidFill>
+                        <a:srgbClr val="B7B8B8"/>
+                      </a:solidFill>
+                      <a:prstDash val="solid"/>
+                    </a:lnT>
+                    <a:lnB w="3175">
+                      <a:solidFill>
+                        <a:srgbClr val="B7B8B8"/>
+                      </a:solidFill>
+                      <a:prstDash val="solid"/>
+                    </a:lnB>
+                  </a:tcPr>
+                </a:tc>
+                <a:tc>
+                  <a:txBody>
+                    <a:bodyPr/>
+                    <a:lstStyle/>
+                    <a:p>
+                      <a:pPr marL="144463" marR="326390" indent="0" algn="ctr">
+                        <a:lnSpc>
+                          <a:spcPct val="100000"/>
+                        </a:lnSpc>
+                        <a:spcBef>
+                          <a:spcPts val="645"/>
+                        </a:spcBef>
+                        <a:tabLst/>
+                      </a:pPr>
+                      <a:r>
+                        <a:rPr lang="de-de" sz="900" spc="0" dirty="0">
+                          <a:solidFill>
+                            <a:srgbClr val="020302"/>
+                          </a:solidFill>
+                          <a:latin typeface="AdobeClean-Light"/>
+                          <a:cs typeface="AdobeClean-Light"/>
+                        </a:rPr>
+                        <a:t>24x5 /</a:t>
+                      </a:r>
+                      <a:r>
+                        <a:rPr lang="de-DE" sz="900" spc="0" dirty="0">
+                          <a:solidFill>
+                            <a:srgbClr val="020302"/>
+                          </a:solidFill>
+                          <a:latin typeface="AdobeClean-Light"/>
+                          <a:cs typeface="AdobeClean-Light"/>
+                        </a:rPr>
+                        <a:t> </a:t>
+                      </a:r>
+                      <a:br>
+                        <a:rPr lang="de-DE" sz="900" spc="0" dirty="0">
+                          <a:solidFill>
+                            <a:srgbClr val="020302"/>
+                          </a:solidFill>
+                          <a:latin typeface="AdobeClean-Light"/>
+                          <a:cs typeface="AdobeClean-Light"/>
+                        </a:rPr>
+                      </a:br>
+                      <a:r>
+                        <a:rPr lang="de-de" sz="900" spc="0" dirty="0">
+                          <a:solidFill>
+                            <a:srgbClr val="020302"/>
+                          </a:solidFill>
+                          <a:latin typeface="AdobeClean-Light"/>
+                          <a:cs typeface="AdobeClean-Light"/>
+                        </a:rPr>
+                        <a:t>1시간</a:t>
                       </a:r>
                       <a:endParaRPr sz="900" spc="0" dirty="0">
                         <a:latin typeface="AdobeClean-Light"/>
@@ -8018,14 +8242,25 @@
                     <a:bodyPr/>
                     <a:lstStyle/>
                     <a:p>
-                      <a:pPr marL="0" marR="203200" indent="-193040" algn="ctr">
+                      <a:pPr marL="127000" marR="203200" indent="0" algn="ctr">
                         <a:lnSpc>
                           <a:spcPct val="100000"/>
                         </a:lnSpc>
                         <a:spcBef>
                           <a:spcPts val="155"/>
                         </a:spcBef>
-                      </a:pPr>
+                        <a:tabLst/>
+                      </a:pPr>
+                      <a:r>
+                        <a:rPr lang="de-de" sz="900" spc="0" dirty="0" err="1">
+                          <a:solidFill>
+                            <a:srgbClr val="020302"/>
+                          </a:solidFill>
+                          <a:latin typeface="AdobeClean-Light"/>
+                          <a:cs typeface="AdobeClean-Light"/>
+                        </a:rPr>
+                        <a:t>업무일</a:t>
+                      </a:r>
                       <a:r>
                         <a:rPr lang="de-de" sz="900" spc="0" dirty="0">
                           <a:solidFill>
@@ -8034,54 +8269,27 @@
                           <a:latin typeface="AdobeClean-Light"/>
                           <a:cs typeface="AdobeClean-Light"/>
                         </a:rPr>
-                        <a:t>업무일  /   3일</a:t>
+                        <a:t>  /</a:t>
                       </a:r>
-                      <a:endParaRPr sz="900" spc="0" dirty="0">
-                        <a:latin typeface="AdobeClean-Light"/>
-                        <a:cs typeface="AdobeClean-Light"/>
-                      </a:endParaRPr>
-                    </a:p>
-                  </a:txBody>
-                  <a:tcPr marL="0" marR="0" marT="0" marB="0" anchor="ctr">
-                    <a:lnL w="3175">
-                      <a:solidFill>
-                        <a:srgbClr val="B7B8B8"/>
-                      </a:solidFill>
-                      <a:prstDash val="solid"/>
-                    </a:lnL>
-                    <a:lnR w="3175">
-                      <a:solidFill>
-                        <a:srgbClr val="B7B8B8"/>
-                      </a:solidFill>
-                      <a:prstDash val="solid"/>
-                    </a:lnR>
-                    <a:lnT w="3175">
-                      <a:solidFill>
-                        <a:srgbClr val="B7B8B8"/>
-                      </a:solidFill>
-                      <a:prstDash val="solid"/>
-                    </a:lnT>
-                    <a:lnB w="3175">
-                      <a:solidFill>
-                        <a:srgbClr val="B7B8B8"/>
-                      </a:solidFill>
-                      <a:prstDash val="solid"/>
-                    </a:lnB>
-                  </a:tcPr>
-                </a:tc>
-                <a:tc>
-                  <a:txBody>
-                    <a:bodyPr/>
-                    <a:lstStyle/>
-                    <a:p>
-                      <a:pPr marL="0" marR="223520" indent="-202565" algn="ctr">
-                        <a:lnSpc>
-                          <a:spcPct val="100000"/>
-                        </a:lnSpc>
-                        <a:spcBef>
-                          <a:spcPts val="155"/>
-                        </a:spcBef>
-                      </a:pPr>
+                      <a:r>
+                        <a:rPr lang="de-DE" sz="900" spc="0" dirty="0">
+                          <a:solidFill>
+                            <a:srgbClr val="020302"/>
+                          </a:solidFill>
+                          <a:latin typeface="AdobeClean-Light"/>
+                          <a:cs typeface="AdobeClean-Light"/>
+                        </a:rPr>
+                        <a:t> </a:t>
+                      </a:r>
+                      <a:br>
+                        <a:rPr lang="de-DE" sz="900" spc="0" dirty="0">
+                          <a:solidFill>
+                            <a:srgbClr val="020302"/>
+                          </a:solidFill>
+                          <a:latin typeface="AdobeClean-Light"/>
+                          <a:cs typeface="AdobeClean-Light"/>
+                        </a:rPr>
+                      </a:br>
                       <a:r>
                         <a:rPr lang="de-de" sz="900" spc="0" dirty="0">
                           <a:solidFill>
@@ -8090,7 +8298,7 @@
                           <a:latin typeface="AdobeClean-Light"/>
                           <a:cs typeface="AdobeClean-Light"/>
                         </a:rPr>
-                        <a:t>업무일  /     1일</a:t>
+                        <a:t>3일</a:t>
                       </a:r>
                       <a:endParaRPr sz="900" spc="0" dirty="0">
                         <a:latin typeface="AdobeClean-Light"/>
@@ -8130,14 +8338,25 @@
                     <a:bodyPr/>
                     <a:lstStyle/>
                     <a:p>
-                      <a:pPr marL="0" marR="223520" indent="-202565" algn="ctr">
+                      <a:pPr marL="127000" marR="223520" indent="0" algn="ctr">
                         <a:lnSpc>
                           <a:spcPct val="100000"/>
                         </a:lnSpc>
                         <a:spcBef>
                           <a:spcPts val="155"/>
                         </a:spcBef>
-                      </a:pPr>
+                        <a:tabLst/>
+                      </a:pPr>
+                      <a:r>
+                        <a:rPr lang="de-de" sz="900" spc="0" dirty="0" err="1">
+                          <a:solidFill>
+                            <a:srgbClr val="020302"/>
+                          </a:solidFill>
+                          <a:latin typeface="AdobeClean-Light"/>
+                          <a:cs typeface="AdobeClean-Light"/>
+                        </a:rPr>
+                        <a:t>업무일</a:t>
+                      </a:r>
                       <a:r>
                         <a:rPr lang="de-de" sz="900" spc="0" dirty="0">
                           <a:solidFill>
@@ -8146,54 +8365,27 @@
                           <a:latin typeface="AdobeClean-Light"/>
                           <a:cs typeface="AdobeClean-Light"/>
                         </a:rPr>
-                        <a:t>업무일  /      1일</a:t>
+                        <a:t>  /</a:t>
                       </a:r>
-                      <a:endParaRPr sz="900" spc="0" dirty="0">
-                        <a:latin typeface="AdobeClean-Light"/>
-                        <a:cs typeface="AdobeClean-Light"/>
-                      </a:endParaRPr>
-                    </a:p>
-                  </a:txBody>
-                  <a:tcPr marL="0" marR="0" marT="0" marB="0" anchor="ctr">
-                    <a:lnL w="3175">
-                      <a:solidFill>
-                        <a:srgbClr val="B7B8B8"/>
-                      </a:solidFill>
-                      <a:prstDash val="solid"/>
-                    </a:lnL>
-                    <a:lnR w="3175">
-                      <a:solidFill>
-                        <a:srgbClr val="B7B8B8"/>
-                      </a:solidFill>
-                      <a:prstDash val="solid"/>
-                    </a:lnR>
-                    <a:lnT w="3175">
-                      <a:solidFill>
-                        <a:srgbClr val="B7B8B8"/>
-                      </a:solidFill>
-                      <a:prstDash val="solid"/>
-                    </a:lnT>
-                    <a:lnB w="3175">
-                      <a:solidFill>
-                        <a:srgbClr val="B7B8B8"/>
-                      </a:solidFill>
-                      <a:prstDash val="solid"/>
-                    </a:lnB>
-                  </a:tcPr>
-                </a:tc>
-                <a:tc>
-                  <a:txBody>
-                    <a:bodyPr/>
-                    <a:lstStyle/>
-                    <a:p>
-                      <a:pPr marL="0" marR="223520" indent="-202565" algn="ctr">
-                        <a:lnSpc>
-                          <a:spcPct val="100000"/>
-                        </a:lnSpc>
-                        <a:spcBef>
-                          <a:spcPts val="155"/>
-                        </a:spcBef>
-                      </a:pPr>
+                      <a:r>
+                        <a:rPr lang="de-DE" sz="900" spc="0" dirty="0">
+                          <a:solidFill>
+                            <a:srgbClr val="020302"/>
+                          </a:solidFill>
+                          <a:latin typeface="AdobeClean-Light"/>
+                          <a:cs typeface="AdobeClean-Light"/>
+                        </a:rPr>
+                        <a:t> </a:t>
+                      </a:r>
+                      <a:br>
+                        <a:rPr lang="de-DE" sz="900" spc="0" dirty="0">
+                          <a:solidFill>
+                            <a:srgbClr val="020302"/>
+                          </a:solidFill>
+                          <a:latin typeface="AdobeClean-Light"/>
+                          <a:cs typeface="AdobeClean-Light"/>
+                        </a:rPr>
+                      </a:br>
                       <a:r>
                         <a:rPr lang="de-de" sz="900" spc="0" dirty="0">
                           <a:solidFill>
@@ -8202,7 +8394,181 @@
                           <a:latin typeface="AdobeClean-Light"/>
                           <a:cs typeface="AdobeClean-Light"/>
                         </a:rPr>
-                        <a:t>업무일  /     1일</a:t>
+                        <a:t>1일</a:t>
+                      </a:r>
+                      <a:endParaRPr sz="900" spc="0" dirty="0">
+                        <a:latin typeface="AdobeClean-Light"/>
+                        <a:cs typeface="AdobeClean-Light"/>
+                      </a:endParaRPr>
+                    </a:p>
+                  </a:txBody>
+                  <a:tcPr marL="0" marR="0" marT="0" marB="0" anchor="ctr">
+                    <a:lnL w="3175">
+                      <a:solidFill>
+                        <a:srgbClr val="B7B8B8"/>
+                      </a:solidFill>
+                      <a:prstDash val="solid"/>
+                    </a:lnL>
+                    <a:lnR w="3175">
+                      <a:solidFill>
+                        <a:srgbClr val="B7B8B8"/>
+                      </a:solidFill>
+                      <a:prstDash val="solid"/>
+                    </a:lnR>
+                    <a:lnT w="3175">
+                      <a:solidFill>
+                        <a:srgbClr val="B7B8B8"/>
+                      </a:solidFill>
+                      <a:prstDash val="solid"/>
+                    </a:lnT>
+                    <a:lnB w="3175">
+                      <a:solidFill>
+                        <a:srgbClr val="B7B8B8"/>
+                      </a:solidFill>
+                      <a:prstDash val="solid"/>
+                    </a:lnB>
+                  </a:tcPr>
+                </a:tc>
+                <a:tc>
+                  <a:txBody>
+                    <a:bodyPr/>
+                    <a:lstStyle/>
+                    <a:p>
+                      <a:pPr marL="95250" marR="223520" indent="0" algn="ctr">
+                        <a:lnSpc>
+                          <a:spcPct val="100000"/>
+                        </a:lnSpc>
+                        <a:spcBef>
+                          <a:spcPts val="155"/>
+                        </a:spcBef>
+                        <a:tabLst/>
+                      </a:pPr>
+                      <a:r>
+                        <a:rPr lang="de-de" sz="900" spc="0" dirty="0" err="1">
+                          <a:solidFill>
+                            <a:srgbClr val="020302"/>
+                          </a:solidFill>
+                          <a:latin typeface="AdobeClean-Light"/>
+                          <a:cs typeface="AdobeClean-Light"/>
+                        </a:rPr>
+                        <a:t>업무일</a:t>
+                      </a:r>
+                      <a:r>
+                        <a:rPr lang="de-de" sz="900" spc="0" dirty="0">
+                          <a:solidFill>
+                            <a:srgbClr val="020302"/>
+                          </a:solidFill>
+                          <a:latin typeface="AdobeClean-Light"/>
+                          <a:cs typeface="AdobeClean-Light"/>
+                        </a:rPr>
+                        <a:t>  /</a:t>
+                      </a:r>
+                      <a:r>
+                        <a:rPr lang="de-DE" sz="900" spc="0" dirty="0">
+                          <a:solidFill>
+                            <a:srgbClr val="020302"/>
+                          </a:solidFill>
+                          <a:latin typeface="AdobeClean-Light"/>
+                          <a:cs typeface="AdobeClean-Light"/>
+                        </a:rPr>
+                        <a:t> </a:t>
+                      </a:r>
+                      <a:r>
+                        <a:rPr lang="de-de" sz="900" spc="0" dirty="0">
+                          <a:solidFill>
+                            <a:srgbClr val="020302"/>
+                          </a:solidFill>
+                          <a:latin typeface="AdobeClean-Light"/>
+                          <a:cs typeface="AdobeClean-Light"/>
+                        </a:rPr>
+                        <a:t>1일</a:t>
+                      </a:r>
+                      <a:endParaRPr sz="900" spc="0" dirty="0">
+                        <a:latin typeface="AdobeClean-Light"/>
+                        <a:cs typeface="AdobeClean-Light"/>
+                      </a:endParaRPr>
+                    </a:p>
+                  </a:txBody>
+                  <a:tcPr marL="0" marR="0" marT="0" marB="0" anchor="ctr">
+                    <a:lnL w="3175">
+                      <a:solidFill>
+                        <a:srgbClr val="B7B8B8"/>
+                      </a:solidFill>
+                      <a:prstDash val="solid"/>
+                    </a:lnL>
+                    <a:lnR w="3175">
+                      <a:solidFill>
+                        <a:srgbClr val="B7B8B8"/>
+                      </a:solidFill>
+                      <a:prstDash val="solid"/>
+                    </a:lnR>
+                    <a:lnT w="3175">
+                      <a:solidFill>
+                        <a:srgbClr val="B7B8B8"/>
+                      </a:solidFill>
+                      <a:prstDash val="solid"/>
+                    </a:lnT>
+                    <a:lnB w="3175">
+                      <a:solidFill>
+                        <a:srgbClr val="B7B8B8"/>
+                      </a:solidFill>
+                      <a:prstDash val="solid"/>
+                    </a:lnB>
+                  </a:tcPr>
+                </a:tc>
+                <a:tc>
+                  <a:txBody>
+                    <a:bodyPr/>
+                    <a:lstStyle/>
+                    <a:p>
+                      <a:pPr marL="88900" marR="223520" indent="0" algn="ctr">
+                        <a:lnSpc>
+                          <a:spcPct val="100000"/>
+                        </a:lnSpc>
+                        <a:spcBef>
+                          <a:spcPts val="155"/>
+                        </a:spcBef>
+                        <a:tabLst/>
+                      </a:pPr>
+                      <a:r>
+                        <a:rPr lang="de-de" sz="900" spc="0" dirty="0" err="1">
+                          <a:solidFill>
+                            <a:srgbClr val="020302"/>
+                          </a:solidFill>
+                          <a:latin typeface="AdobeClean-Light"/>
+                          <a:cs typeface="AdobeClean-Light"/>
+                        </a:rPr>
+                        <a:t>업무일</a:t>
+                      </a:r>
+                      <a:r>
+                        <a:rPr lang="de-de" sz="900" spc="0" dirty="0">
+                          <a:solidFill>
+                            <a:srgbClr val="020302"/>
+                          </a:solidFill>
+                          <a:latin typeface="AdobeClean-Light"/>
+                          <a:cs typeface="AdobeClean-Light"/>
+                        </a:rPr>
+                        <a:t>  /</a:t>
+                      </a:r>
+                      <a:r>
+                        <a:rPr lang="de-DE" sz="900" spc="0" dirty="0">
+                          <a:solidFill>
+                            <a:srgbClr val="020302"/>
+                          </a:solidFill>
+                          <a:latin typeface="AdobeClean-Light"/>
+                          <a:cs typeface="AdobeClean-Light"/>
+                        </a:rPr>
+                        <a:t> </a:t>
+                      </a:r>
+                      <a:r>
+                        <a:rPr lang="de-de" sz="900" spc="0" dirty="0">
+                          <a:solidFill>
+                            <a:srgbClr val="020302"/>
+                          </a:solidFill>
+                          <a:latin typeface="AdobeClean-Light"/>
+                          <a:cs typeface="AdobeClean-Light"/>
+                        </a:rPr>
+                        <a:t>1일</a:t>
                       </a:r>
                       <a:endParaRPr sz="900" spc="0" dirty="0">
                         <a:latin typeface="AdobeClean-Light"/>
@@ -8287,10 +8653,16 @@
               </a:spcBef>
             </a:pPr>
             <a:r>
-              <a:rPr lang="de-de" sz="2300" dirty="0">
+              <a:rPr lang="de-de" sz="2300" spc="-229" dirty="0">
                 <a:latin typeface="Adobe Clean" panose="020B0503020404020204" pitchFamily="34" charset="0"/>
               </a:rPr>
-              <a:t>Adobe 지원 서비스 제공 사항</a:t>
+              <a:t>Adobe   </a:t>
+            </a:r>
+            <a:r>
+              <a:rPr lang="ko-KR" altLang="en-US" sz="2300" spc="-229" dirty="0">
+                <a:latin typeface="Adobe Clean" panose="020B0503020404020204" pitchFamily="34" charset="0"/>
+              </a:rPr>
+              <a:t>지원 플랜</a:t>
             </a:r>
             <a:endParaRPr sz="2300" dirty="0">
               <a:latin typeface="Adobe Clean" panose="020B0503020404020204" pitchFamily="34" charset="0"/>
@@ -14341,12 +14713,21 @@
 </file>
 
 <file path=customXml/item1.xml><?xml version="1.0" encoding="utf-8"?>
+<?mso-contentType ?>
+<FormTemplates xmlns="http://schemas.microsoft.com/sharepoint/v3/contenttype/forms">
+  <Display>DocumentLibraryForm</Display>
+  <Edit>DocumentLibraryForm</Edit>
+  <New>DocumentLibraryForm</New>
+</FormTemplates>
+</file>
+
+<file path=customXml/item2.xml><?xml version="1.0" encoding="utf-8"?>
 <p:properties xmlns:p="http://schemas.microsoft.com/office/2006/metadata/properties" xmlns:xsi="http://www.w3.org/2001/XMLSchema-instance" xmlns:pc="http://schemas.microsoft.com/office/infopath/2007/PartnerControls">
   <documentManagement/>
 </p:properties>
 </file>
 
-<file path=customXml/item2.xml><?xml version="1.0" encoding="utf-8"?>
+<file path=customXml/item3.xml><?xml version="1.0" encoding="utf-8"?>
 <ct:contentTypeSchema xmlns:ct="http://schemas.microsoft.com/office/2006/metadata/contentType" xmlns:ma="http://schemas.microsoft.com/office/2006/metadata/properties/metaAttributes" ct:_="" ma:_="" ma:contentTypeName="Document" ma:contentTypeID="0x010100E783BF6876BCC646A459363AF21A7736" ma:contentTypeVersion="10" ma:contentTypeDescription="Create a new document." ma:contentTypeScope="" ma:versionID="c4ffda7f4f415767600769e454c2ea87">
   <xsd:schema xmlns:xsd="http://www.w3.org/2001/XMLSchema" xmlns:xs="http://www.w3.org/2001/XMLSchema" xmlns:p="http://schemas.microsoft.com/office/2006/metadata/properties" xmlns:ns2="8a053bff-88be-49e4-9a87-e748e18b8b62" xmlns:ns3="6c8368ec-3776-49b5-a5bb-90648cf9530f" targetNamespace="http://schemas.microsoft.com/office/2006/metadata/properties" ma:root="true" ma:fieldsID="df3ec33bccc23e23bce7bc897fad43d1" ns2:_="" ns3:_="">
     <xsd:import namespace="8a053bff-88be-49e4-9a87-e748e18b8b62"/>
@@ -14551,16 +14932,15 @@
 </ct:contentTypeSchema>
 </file>
 
-<file path=customXml/item3.xml><?xml version="1.0" encoding="utf-8"?>
-<?mso-contentType ?>
-<FormTemplates xmlns="http://schemas.microsoft.com/sharepoint/v3/contenttype/forms">
-  <Display>DocumentLibraryForm</Display>
-  <Edit>DocumentLibraryForm</Edit>
-  <New>DocumentLibraryForm</New>
-</FormTemplates>
+<file path=customXml/itemProps1.xml><?xml version="1.0" encoding="utf-8"?>
+<ds:datastoreItem xmlns:ds="http://schemas.openxmlformats.org/officeDocument/2006/customXml" ds:itemID="{AC92E7FA-19A2-4675-9C77-2C92D8A268D1}">
+  <ds:schemaRefs>
+    <ds:schemaRef ds:uri="http://schemas.microsoft.com/sharepoint/v3/contenttype/forms"/>
+  </ds:schemaRefs>
+</ds:datastoreItem>
 </file>
 
-<file path=customXml/itemProps1.xml><?xml version="1.0" encoding="utf-8"?>
+<file path=customXml/itemProps2.xml><?xml version="1.0" encoding="utf-8"?>
 <ds:datastoreItem xmlns:ds="http://schemas.openxmlformats.org/officeDocument/2006/customXml" ds:itemID="{8D12BD98-169B-4BEE-86DF-4C9641DF23C4}">
   <ds:schemaRefs>
     <ds:schemaRef ds:uri="http://schemas.microsoft.com/office/2006/metadata/properties"/>
@@ -14569,7 +14949,7 @@
 </ds:datastoreItem>
 </file>
 
-<file path=customXml/itemProps2.xml><?xml version="1.0" encoding="utf-8"?>
+<file path=customXml/itemProps3.xml><?xml version="1.0" encoding="utf-8"?>
 <ds:datastoreItem xmlns:ds="http://schemas.openxmlformats.org/officeDocument/2006/customXml" ds:itemID="{34863498-7BB7-4F09-9F4A-B99E97FDB0EB}">
   <ds:schemaRefs>
     <ds:schemaRef ds:uri="http://schemas.microsoft.com/office/2006/metadata/contentType"/>
@@ -14586,12 +14966,4 @@
     <ds:schemaRef ds:uri="http://schemas.microsoft.com/internal/obd"/>
   </ds:schemaRefs>
 </ds:datastoreItem>
-</file>
-
-<file path=customXml/itemProps3.xml><?xml version="1.0" encoding="utf-8"?>
-<ds:datastoreItem xmlns:ds="http://schemas.openxmlformats.org/officeDocument/2006/customXml" ds:itemID="{AC92E7FA-19A2-4675-9C77-2C92D8A268D1}">
-  <ds:schemaRefs>
-    <ds:schemaRef ds:uri="http://schemas.microsoft.com/sharepoint/v3/contenttype/forms"/>
-  </ds:schemaRefs>
-</ds:datastoreItem>
 </file>